--- a/Project4_presentation_final.pptx
+++ b/Project4_presentation_final.pptx
@@ -135,7 +135,7 @@
   </p:defaultTextStyle>
   <p:extLst>
     <p:ext uri="{EFAFB233-063F-42B5-8137-9DF3F51BA10A}">
-      <p15:sldGuideLst xmlns:p15="http://schemas.microsoft.com/office/powerpoint/2012/main">
+      <p15:sldGuideLst xmlns:p15="http://schemas.microsoft.com/office/powerpoint/2012/main" xmlns="">
         <p15:guide id="1" orient="horz" pos="2088" userDrawn="1">
           <p15:clr>
             <a:srgbClr val="A4A3A4"/>
@@ -159,7 +159,7 @@
       </p15:sldGuideLst>
     </p:ext>
     <p:ext uri="{2D200454-40CA-4A62-9FC3-DE9A4176ACB9}">
-      <p15:notesGuideLst xmlns:p15="http://schemas.microsoft.com/office/powerpoint/2012/main"/>
+      <p15:notesGuideLst xmlns:p15="http://schemas.microsoft.com/office/powerpoint/2012/main" xmlns=""/>
     </p:ext>
   </p:extLst>
 </p:presentation>
@@ -200,7 +200,7 @@
           <p:cNvPr id="2" name="Header Placeholder 1">
             <a:extLst>
               <a:ext uri="{FF2B5EF4-FFF2-40B4-BE49-F238E27FC236}">
-                <a16:creationId xmlns:a16="http://schemas.microsoft.com/office/drawing/2014/main" id="{57B51015-12CA-4649-B47F-D3EB5E109599}"/>
+                <a16:creationId xmlns:a16="http://schemas.microsoft.com/office/drawing/2014/main" xmlns="" id="{57B51015-12CA-4649-B47F-D3EB5E109599}"/>
               </a:ext>
             </a:extLst>
           </p:cNvPr>
@@ -237,7 +237,7 @@
           <p:cNvPr id="3" name="Date Placeholder 2">
             <a:extLst>
               <a:ext uri="{FF2B5EF4-FFF2-40B4-BE49-F238E27FC236}">
-                <a16:creationId xmlns:a16="http://schemas.microsoft.com/office/drawing/2014/main" id="{72111F2F-D8BA-4A13-91FC-3878C75727F0}"/>
+                <a16:creationId xmlns:a16="http://schemas.microsoft.com/office/drawing/2014/main" xmlns="" id="{72111F2F-D8BA-4A13-91FC-3878C75727F0}"/>
               </a:ext>
             </a:extLst>
           </p:cNvPr>
@@ -267,7 +267,7 @@
           <a:p>
             <a:fld id="{BE668B7C-E4CD-4872-B084-44133F808FCE}" type="datetimeFigureOut">
               <a:rPr lang="en-US" smtClean="0"/>
-              <a:t>1/24/24</a:t>
+              <a:t>1/24/2024</a:t>
             </a:fld>
             <a:endParaRPr lang="en-US" dirty="0"/>
           </a:p>
@@ -278,7 +278,7 @@
           <p:cNvPr id="4" name="Footer Placeholder 3">
             <a:extLst>
               <a:ext uri="{FF2B5EF4-FFF2-40B4-BE49-F238E27FC236}">
-                <a16:creationId xmlns:a16="http://schemas.microsoft.com/office/drawing/2014/main" id="{F38FD67D-A60A-4914-89F3-9FC43EF54702}"/>
+                <a16:creationId xmlns:a16="http://schemas.microsoft.com/office/drawing/2014/main" xmlns="" id="{F38FD67D-A60A-4914-89F3-9FC43EF54702}"/>
               </a:ext>
             </a:extLst>
           </p:cNvPr>
@@ -315,7 +315,7 @@
           <p:cNvPr id="5" name="Slide Number Placeholder 4">
             <a:extLst>
               <a:ext uri="{FF2B5EF4-FFF2-40B4-BE49-F238E27FC236}">
-                <a16:creationId xmlns:a16="http://schemas.microsoft.com/office/drawing/2014/main" id="{A51642D8-EDCF-4A15-A29F-1B065ECC2E77}"/>
+                <a16:creationId xmlns:a16="http://schemas.microsoft.com/office/drawing/2014/main" xmlns="" id="{A51642D8-EDCF-4A15-A29F-1B065ECC2E77}"/>
               </a:ext>
             </a:extLst>
           </p:cNvPr>
@@ -444,7 +444,7 @@
           <a:p>
             <a:fld id="{6733D5BD-E30B-48AB-B24F-3878C333D518}" type="datetimeFigureOut">
               <a:rPr lang="en-US" smtClean="0"/>
-              <a:t>1/24/24</a:t>
+              <a:t>1/24/2024</a:t>
             </a:fld>
             <a:endParaRPr lang="en-US" dirty="0"/>
           </a:p>
@@ -719,7 +719,7 @@
         <p:cNvPr id="1" name="">
           <a:extLst>
             <a:ext uri="{FF2B5EF4-FFF2-40B4-BE49-F238E27FC236}">
-              <a16:creationId xmlns:a16="http://schemas.microsoft.com/office/drawing/2014/main" id="{7C66F094-0F1D-8D1C-603B-9914C50B7913}"/>
+              <a16:creationId xmlns:a16="http://schemas.microsoft.com/office/drawing/2014/main" xmlns="" id="{7C66F094-0F1D-8D1C-603B-9914C50B7913}"/>
             </a:ext>
           </a:extLst>
         </p:cNvPr>
@@ -739,7 +739,7 @@
           <p:cNvPr id="2" name="Slide Image Placeholder 1">
             <a:extLst>
               <a:ext uri="{FF2B5EF4-FFF2-40B4-BE49-F238E27FC236}">
-                <a16:creationId xmlns:a16="http://schemas.microsoft.com/office/drawing/2014/main" id="{1ED4B40B-6349-296F-F00D-EA895E5DB01C}"/>
+                <a16:creationId xmlns:a16="http://schemas.microsoft.com/office/drawing/2014/main" xmlns="" id="{1ED4B40B-6349-296F-F00D-EA895E5DB01C}"/>
               </a:ext>
             </a:extLst>
           </p:cNvPr>
@@ -757,7 +757,7 @@
           <p:cNvPr id="3" name="Notes Placeholder 2">
             <a:extLst>
               <a:ext uri="{FF2B5EF4-FFF2-40B4-BE49-F238E27FC236}">
-                <a16:creationId xmlns:a16="http://schemas.microsoft.com/office/drawing/2014/main" id="{7E8AC052-B336-E1D9-A9A8-76BC165CCDC1}"/>
+                <a16:creationId xmlns:a16="http://schemas.microsoft.com/office/drawing/2014/main" xmlns="" id="{7E8AC052-B336-E1D9-A9A8-76BC165CCDC1}"/>
               </a:ext>
             </a:extLst>
           </p:cNvPr>
@@ -782,7 +782,7 @@
           <p:cNvPr id="4" name="Slide Number Placeholder 3">
             <a:extLst>
               <a:ext uri="{FF2B5EF4-FFF2-40B4-BE49-F238E27FC236}">
-                <a16:creationId xmlns:a16="http://schemas.microsoft.com/office/drawing/2014/main" id="{649321D6-00C0-54FB-DD94-1F8FC99C7D31}"/>
+                <a16:creationId xmlns:a16="http://schemas.microsoft.com/office/drawing/2014/main" xmlns="" id="{649321D6-00C0-54FB-DD94-1F8FC99C7D31}"/>
               </a:ext>
             </a:extLst>
           </p:cNvPr>
@@ -827,7 +827,7 @@
         <p:cNvPr id="1" name="">
           <a:extLst>
             <a:ext uri="{FF2B5EF4-FFF2-40B4-BE49-F238E27FC236}">
-              <a16:creationId xmlns:a16="http://schemas.microsoft.com/office/drawing/2014/main" id="{22297792-71FF-431E-DC59-7D78E2105884}"/>
+              <a16:creationId xmlns:a16="http://schemas.microsoft.com/office/drawing/2014/main" xmlns="" id="{22297792-71FF-431E-DC59-7D78E2105884}"/>
             </a:ext>
           </a:extLst>
         </p:cNvPr>
@@ -847,7 +847,7 @@
           <p:cNvPr id="2" name="Slide Image Placeholder 1">
             <a:extLst>
               <a:ext uri="{FF2B5EF4-FFF2-40B4-BE49-F238E27FC236}">
-                <a16:creationId xmlns:a16="http://schemas.microsoft.com/office/drawing/2014/main" id="{89D14B59-2DD8-D936-19E1-958A32E93C70}"/>
+                <a16:creationId xmlns:a16="http://schemas.microsoft.com/office/drawing/2014/main" xmlns="" id="{89D14B59-2DD8-D936-19E1-958A32E93C70}"/>
               </a:ext>
             </a:extLst>
           </p:cNvPr>
@@ -865,7 +865,7 @@
           <p:cNvPr id="3" name="Notes Placeholder 2">
             <a:extLst>
               <a:ext uri="{FF2B5EF4-FFF2-40B4-BE49-F238E27FC236}">
-                <a16:creationId xmlns:a16="http://schemas.microsoft.com/office/drawing/2014/main" id="{32EED05D-CE87-401E-F259-1CCB77F05D0D}"/>
+                <a16:creationId xmlns:a16="http://schemas.microsoft.com/office/drawing/2014/main" xmlns="" id="{32EED05D-CE87-401E-F259-1CCB77F05D0D}"/>
               </a:ext>
             </a:extLst>
           </p:cNvPr>
@@ -890,7 +890,7 @@
           <p:cNvPr id="4" name="Slide Number Placeholder 3">
             <a:extLst>
               <a:ext uri="{FF2B5EF4-FFF2-40B4-BE49-F238E27FC236}">
-                <a16:creationId xmlns:a16="http://schemas.microsoft.com/office/drawing/2014/main" id="{B5EBD881-A647-A476-B23A-2A86999F0342}"/>
+                <a16:creationId xmlns:a16="http://schemas.microsoft.com/office/drawing/2014/main" xmlns="" id="{B5EBD881-A647-A476-B23A-2A86999F0342}"/>
               </a:ext>
             </a:extLst>
           </p:cNvPr>
@@ -935,7 +935,7 @@
         <p:cNvPr id="1" name="">
           <a:extLst>
             <a:ext uri="{FF2B5EF4-FFF2-40B4-BE49-F238E27FC236}">
-              <a16:creationId xmlns:a16="http://schemas.microsoft.com/office/drawing/2014/main" id="{3F3EE3A8-7CCE-708A-6E46-AA69321F39EA}"/>
+              <a16:creationId xmlns:a16="http://schemas.microsoft.com/office/drawing/2014/main" xmlns="" id="{3F3EE3A8-7CCE-708A-6E46-AA69321F39EA}"/>
             </a:ext>
           </a:extLst>
         </p:cNvPr>
@@ -955,7 +955,7 @@
           <p:cNvPr id="2" name="Slide Image Placeholder 1">
             <a:extLst>
               <a:ext uri="{FF2B5EF4-FFF2-40B4-BE49-F238E27FC236}">
-                <a16:creationId xmlns:a16="http://schemas.microsoft.com/office/drawing/2014/main" id="{E29EC910-31F6-E9D6-49E8-68D0D726120E}"/>
+                <a16:creationId xmlns:a16="http://schemas.microsoft.com/office/drawing/2014/main" xmlns="" id="{E29EC910-31F6-E9D6-49E8-68D0D726120E}"/>
               </a:ext>
             </a:extLst>
           </p:cNvPr>
@@ -973,7 +973,7 @@
           <p:cNvPr id="3" name="Notes Placeholder 2">
             <a:extLst>
               <a:ext uri="{FF2B5EF4-FFF2-40B4-BE49-F238E27FC236}">
-                <a16:creationId xmlns:a16="http://schemas.microsoft.com/office/drawing/2014/main" id="{4FA7E07D-354E-55CB-BD2C-01FDAF532042}"/>
+                <a16:creationId xmlns:a16="http://schemas.microsoft.com/office/drawing/2014/main" xmlns="" id="{4FA7E07D-354E-55CB-BD2C-01FDAF532042}"/>
               </a:ext>
             </a:extLst>
           </p:cNvPr>
@@ -998,7 +998,7 @@
           <p:cNvPr id="4" name="Slide Number Placeholder 3">
             <a:extLst>
               <a:ext uri="{FF2B5EF4-FFF2-40B4-BE49-F238E27FC236}">
-                <a16:creationId xmlns:a16="http://schemas.microsoft.com/office/drawing/2014/main" id="{3862A2FC-7E98-6E31-2BF0-7CA7E8D9B8DA}"/>
+                <a16:creationId xmlns:a16="http://schemas.microsoft.com/office/drawing/2014/main" xmlns="" id="{3862A2FC-7E98-6E31-2BF0-7CA7E8D9B8DA}"/>
               </a:ext>
             </a:extLst>
           </p:cNvPr>
@@ -1043,7 +1043,7 @@
         <p:cNvPr id="1" name="">
           <a:extLst>
             <a:ext uri="{FF2B5EF4-FFF2-40B4-BE49-F238E27FC236}">
-              <a16:creationId xmlns:a16="http://schemas.microsoft.com/office/drawing/2014/main" id="{AFEBA301-17F6-F62F-6375-75E951C40637}"/>
+              <a16:creationId xmlns:a16="http://schemas.microsoft.com/office/drawing/2014/main" xmlns="" id="{AFEBA301-17F6-F62F-6375-75E951C40637}"/>
             </a:ext>
           </a:extLst>
         </p:cNvPr>
@@ -1063,7 +1063,7 @@
           <p:cNvPr id="2" name="Slide Image Placeholder 1">
             <a:extLst>
               <a:ext uri="{FF2B5EF4-FFF2-40B4-BE49-F238E27FC236}">
-                <a16:creationId xmlns:a16="http://schemas.microsoft.com/office/drawing/2014/main" id="{7F437E10-AA7D-7E50-CD22-021CCBA7D61F}"/>
+                <a16:creationId xmlns:a16="http://schemas.microsoft.com/office/drawing/2014/main" xmlns="" id="{7F437E10-AA7D-7E50-CD22-021CCBA7D61F}"/>
               </a:ext>
             </a:extLst>
           </p:cNvPr>
@@ -1081,7 +1081,7 @@
           <p:cNvPr id="3" name="Notes Placeholder 2">
             <a:extLst>
               <a:ext uri="{FF2B5EF4-FFF2-40B4-BE49-F238E27FC236}">
-                <a16:creationId xmlns:a16="http://schemas.microsoft.com/office/drawing/2014/main" id="{22342806-431D-CDB2-FFA9-8F703FD9A1D8}"/>
+                <a16:creationId xmlns:a16="http://schemas.microsoft.com/office/drawing/2014/main" xmlns="" id="{22342806-431D-CDB2-FFA9-8F703FD9A1D8}"/>
               </a:ext>
             </a:extLst>
           </p:cNvPr>
@@ -1106,7 +1106,7 @@
           <p:cNvPr id="4" name="Slide Number Placeholder 3">
             <a:extLst>
               <a:ext uri="{FF2B5EF4-FFF2-40B4-BE49-F238E27FC236}">
-                <a16:creationId xmlns:a16="http://schemas.microsoft.com/office/drawing/2014/main" id="{E12F6B1A-8D07-34B9-7DED-A3369CFE2B1F}"/>
+                <a16:creationId xmlns:a16="http://schemas.microsoft.com/office/drawing/2014/main" xmlns="" id="{E12F6B1A-8D07-34B9-7DED-A3369CFE2B1F}"/>
               </a:ext>
             </a:extLst>
           </p:cNvPr>
@@ -1151,7 +1151,7 @@
         <p:cNvPr id="1" name="">
           <a:extLst>
             <a:ext uri="{FF2B5EF4-FFF2-40B4-BE49-F238E27FC236}">
-              <a16:creationId xmlns:a16="http://schemas.microsoft.com/office/drawing/2014/main" id="{56702F0A-FF83-8FB5-F76B-487F66FE9C62}"/>
+              <a16:creationId xmlns:a16="http://schemas.microsoft.com/office/drawing/2014/main" xmlns="" id="{56702F0A-FF83-8FB5-F76B-487F66FE9C62}"/>
             </a:ext>
           </a:extLst>
         </p:cNvPr>
@@ -1171,7 +1171,7 @@
           <p:cNvPr id="2" name="Slide Image Placeholder 1">
             <a:extLst>
               <a:ext uri="{FF2B5EF4-FFF2-40B4-BE49-F238E27FC236}">
-                <a16:creationId xmlns:a16="http://schemas.microsoft.com/office/drawing/2014/main" id="{CD7BBD45-C00B-76A1-C40E-6C6B78F0A227}"/>
+                <a16:creationId xmlns:a16="http://schemas.microsoft.com/office/drawing/2014/main" xmlns="" id="{CD7BBD45-C00B-76A1-C40E-6C6B78F0A227}"/>
               </a:ext>
             </a:extLst>
           </p:cNvPr>
@@ -1189,7 +1189,7 @@
           <p:cNvPr id="3" name="Notes Placeholder 2">
             <a:extLst>
               <a:ext uri="{FF2B5EF4-FFF2-40B4-BE49-F238E27FC236}">
-                <a16:creationId xmlns:a16="http://schemas.microsoft.com/office/drawing/2014/main" id="{59636DCC-A61A-F8CC-2C38-69700DE75C1C}"/>
+                <a16:creationId xmlns:a16="http://schemas.microsoft.com/office/drawing/2014/main" xmlns="" id="{59636DCC-A61A-F8CC-2C38-69700DE75C1C}"/>
               </a:ext>
             </a:extLst>
           </p:cNvPr>
@@ -1214,7 +1214,7 @@
           <p:cNvPr id="4" name="Slide Number Placeholder 3">
             <a:extLst>
               <a:ext uri="{FF2B5EF4-FFF2-40B4-BE49-F238E27FC236}">
-                <a16:creationId xmlns:a16="http://schemas.microsoft.com/office/drawing/2014/main" id="{0C8F43F4-4EA0-C2F0-F921-8AB00E4EE3D8}"/>
+                <a16:creationId xmlns:a16="http://schemas.microsoft.com/office/drawing/2014/main" xmlns="" id="{0C8F43F4-4EA0-C2F0-F921-8AB00E4EE3D8}"/>
               </a:ext>
             </a:extLst>
           </p:cNvPr>
@@ -1259,7 +1259,7 @@
         <p:cNvPr id="1" name="">
           <a:extLst>
             <a:ext uri="{FF2B5EF4-FFF2-40B4-BE49-F238E27FC236}">
-              <a16:creationId xmlns:a16="http://schemas.microsoft.com/office/drawing/2014/main" id="{846E671E-1072-2D52-1F0F-9ECA70A167DA}"/>
+              <a16:creationId xmlns:a16="http://schemas.microsoft.com/office/drawing/2014/main" xmlns="" id="{846E671E-1072-2D52-1F0F-9ECA70A167DA}"/>
             </a:ext>
           </a:extLst>
         </p:cNvPr>
@@ -1279,7 +1279,7 @@
           <p:cNvPr id="2" name="Slide Image Placeholder 1">
             <a:extLst>
               <a:ext uri="{FF2B5EF4-FFF2-40B4-BE49-F238E27FC236}">
-                <a16:creationId xmlns:a16="http://schemas.microsoft.com/office/drawing/2014/main" id="{B641FFE1-DDE9-FC72-26B2-5C8CB728B80D}"/>
+                <a16:creationId xmlns:a16="http://schemas.microsoft.com/office/drawing/2014/main" xmlns="" id="{B641FFE1-DDE9-FC72-26B2-5C8CB728B80D}"/>
               </a:ext>
             </a:extLst>
           </p:cNvPr>
@@ -1297,7 +1297,7 @@
           <p:cNvPr id="3" name="Notes Placeholder 2">
             <a:extLst>
               <a:ext uri="{FF2B5EF4-FFF2-40B4-BE49-F238E27FC236}">
-                <a16:creationId xmlns:a16="http://schemas.microsoft.com/office/drawing/2014/main" id="{C35E039C-9E97-E129-EE3F-716ACBE22A82}"/>
+                <a16:creationId xmlns:a16="http://schemas.microsoft.com/office/drawing/2014/main" xmlns="" id="{C35E039C-9E97-E129-EE3F-716ACBE22A82}"/>
               </a:ext>
             </a:extLst>
           </p:cNvPr>
@@ -1322,7 +1322,7 @@
           <p:cNvPr id="4" name="Slide Number Placeholder 3">
             <a:extLst>
               <a:ext uri="{FF2B5EF4-FFF2-40B4-BE49-F238E27FC236}">
-                <a16:creationId xmlns:a16="http://schemas.microsoft.com/office/drawing/2014/main" id="{D1D1F1F1-28A1-206E-D3CF-AC23075A0369}"/>
+                <a16:creationId xmlns:a16="http://schemas.microsoft.com/office/drawing/2014/main" xmlns="" id="{D1D1F1F1-28A1-206E-D3CF-AC23075A0369}"/>
               </a:ext>
             </a:extLst>
           </p:cNvPr>
@@ -1367,7 +1367,7 @@
         <p:cNvPr id="1" name="">
           <a:extLst>
             <a:ext uri="{FF2B5EF4-FFF2-40B4-BE49-F238E27FC236}">
-              <a16:creationId xmlns:a16="http://schemas.microsoft.com/office/drawing/2014/main" id="{74BA25EE-7E93-CE2F-79CE-D4ADA4DD52E8}"/>
+              <a16:creationId xmlns:a16="http://schemas.microsoft.com/office/drawing/2014/main" xmlns="" id="{74BA25EE-7E93-CE2F-79CE-D4ADA4DD52E8}"/>
             </a:ext>
           </a:extLst>
         </p:cNvPr>
@@ -1387,7 +1387,7 @@
           <p:cNvPr id="2" name="Slide Image Placeholder 1">
             <a:extLst>
               <a:ext uri="{FF2B5EF4-FFF2-40B4-BE49-F238E27FC236}">
-                <a16:creationId xmlns:a16="http://schemas.microsoft.com/office/drawing/2014/main" id="{DFB03603-93F6-3281-21DA-A70436D1C5D5}"/>
+                <a16:creationId xmlns:a16="http://schemas.microsoft.com/office/drawing/2014/main" xmlns="" id="{DFB03603-93F6-3281-21DA-A70436D1C5D5}"/>
               </a:ext>
             </a:extLst>
           </p:cNvPr>
@@ -1405,7 +1405,7 @@
           <p:cNvPr id="3" name="Notes Placeholder 2">
             <a:extLst>
               <a:ext uri="{FF2B5EF4-FFF2-40B4-BE49-F238E27FC236}">
-                <a16:creationId xmlns:a16="http://schemas.microsoft.com/office/drawing/2014/main" id="{BF0ED93F-2C3C-330E-E012-79D7BA5B6EAD}"/>
+                <a16:creationId xmlns:a16="http://schemas.microsoft.com/office/drawing/2014/main" xmlns="" id="{BF0ED93F-2C3C-330E-E012-79D7BA5B6EAD}"/>
               </a:ext>
             </a:extLst>
           </p:cNvPr>
@@ -1430,7 +1430,7 @@
           <p:cNvPr id="4" name="Slide Number Placeholder 3">
             <a:extLst>
               <a:ext uri="{FF2B5EF4-FFF2-40B4-BE49-F238E27FC236}">
-                <a16:creationId xmlns:a16="http://schemas.microsoft.com/office/drawing/2014/main" id="{F90CFE23-0A54-730F-2E32-DA6AA2B66FA4}"/>
+                <a16:creationId xmlns:a16="http://schemas.microsoft.com/office/drawing/2014/main" xmlns="" id="{F90CFE23-0A54-730F-2E32-DA6AA2B66FA4}"/>
               </a:ext>
             </a:extLst>
           </p:cNvPr>
@@ -1475,7 +1475,7 @@
         <p:cNvPr id="1" name="">
           <a:extLst>
             <a:ext uri="{FF2B5EF4-FFF2-40B4-BE49-F238E27FC236}">
-              <a16:creationId xmlns:a16="http://schemas.microsoft.com/office/drawing/2014/main" id="{9F61BAD4-A0AB-DA1A-2955-1EF417B32C86}"/>
+              <a16:creationId xmlns:a16="http://schemas.microsoft.com/office/drawing/2014/main" xmlns="" id="{9F61BAD4-A0AB-DA1A-2955-1EF417B32C86}"/>
             </a:ext>
           </a:extLst>
         </p:cNvPr>
@@ -1495,7 +1495,7 @@
           <p:cNvPr id="2" name="Slide Image Placeholder 1">
             <a:extLst>
               <a:ext uri="{FF2B5EF4-FFF2-40B4-BE49-F238E27FC236}">
-                <a16:creationId xmlns:a16="http://schemas.microsoft.com/office/drawing/2014/main" id="{BAAFD9B4-3E2A-2AF2-A0F0-08BEFE5FE5C9}"/>
+                <a16:creationId xmlns:a16="http://schemas.microsoft.com/office/drawing/2014/main" xmlns="" id="{BAAFD9B4-3E2A-2AF2-A0F0-08BEFE5FE5C9}"/>
               </a:ext>
             </a:extLst>
           </p:cNvPr>
@@ -1513,7 +1513,7 @@
           <p:cNvPr id="3" name="Notes Placeholder 2">
             <a:extLst>
               <a:ext uri="{FF2B5EF4-FFF2-40B4-BE49-F238E27FC236}">
-                <a16:creationId xmlns:a16="http://schemas.microsoft.com/office/drawing/2014/main" id="{AA2271CC-44C3-C5D3-6205-DB9AB7183685}"/>
+                <a16:creationId xmlns:a16="http://schemas.microsoft.com/office/drawing/2014/main" xmlns="" id="{AA2271CC-44C3-C5D3-6205-DB9AB7183685}"/>
               </a:ext>
             </a:extLst>
           </p:cNvPr>
@@ -1538,7 +1538,7 @@
           <p:cNvPr id="4" name="Slide Number Placeholder 3">
             <a:extLst>
               <a:ext uri="{FF2B5EF4-FFF2-40B4-BE49-F238E27FC236}">
-                <a16:creationId xmlns:a16="http://schemas.microsoft.com/office/drawing/2014/main" id="{F2147C6B-D344-9236-276D-08687971A333}"/>
+                <a16:creationId xmlns:a16="http://schemas.microsoft.com/office/drawing/2014/main" xmlns="" id="{F2147C6B-D344-9236-276D-08687971A333}"/>
               </a:ext>
             </a:extLst>
           </p:cNvPr>
@@ -1583,7 +1583,7 @@
         <p:cNvPr id="1" name="">
           <a:extLst>
             <a:ext uri="{FF2B5EF4-FFF2-40B4-BE49-F238E27FC236}">
-              <a16:creationId xmlns:a16="http://schemas.microsoft.com/office/drawing/2014/main" id="{E7ABCDB1-36D4-5D66-304E-2D93A2B82AA1}"/>
+              <a16:creationId xmlns:a16="http://schemas.microsoft.com/office/drawing/2014/main" xmlns="" id="{E7ABCDB1-36D4-5D66-304E-2D93A2B82AA1}"/>
             </a:ext>
           </a:extLst>
         </p:cNvPr>
@@ -1603,7 +1603,7 @@
           <p:cNvPr id="2" name="Slide Image Placeholder 1">
             <a:extLst>
               <a:ext uri="{FF2B5EF4-FFF2-40B4-BE49-F238E27FC236}">
-                <a16:creationId xmlns:a16="http://schemas.microsoft.com/office/drawing/2014/main" id="{8DFD3C93-DAAE-C8F5-9D80-553A0A6C1D5C}"/>
+                <a16:creationId xmlns:a16="http://schemas.microsoft.com/office/drawing/2014/main" xmlns="" id="{8DFD3C93-DAAE-C8F5-9D80-553A0A6C1D5C}"/>
               </a:ext>
             </a:extLst>
           </p:cNvPr>
@@ -1621,7 +1621,7 @@
           <p:cNvPr id="3" name="Notes Placeholder 2">
             <a:extLst>
               <a:ext uri="{FF2B5EF4-FFF2-40B4-BE49-F238E27FC236}">
-                <a16:creationId xmlns:a16="http://schemas.microsoft.com/office/drawing/2014/main" id="{2AFCF123-C79E-448A-3017-C5A19B24BE5F}"/>
+                <a16:creationId xmlns:a16="http://schemas.microsoft.com/office/drawing/2014/main" xmlns="" id="{2AFCF123-C79E-448A-3017-C5A19B24BE5F}"/>
               </a:ext>
             </a:extLst>
           </p:cNvPr>
@@ -1646,7 +1646,7 @@
           <p:cNvPr id="4" name="Slide Number Placeholder 3">
             <a:extLst>
               <a:ext uri="{FF2B5EF4-FFF2-40B4-BE49-F238E27FC236}">
-                <a16:creationId xmlns:a16="http://schemas.microsoft.com/office/drawing/2014/main" id="{B17ADF82-E66C-7145-04BA-07AF47F7086A}"/>
+                <a16:creationId xmlns:a16="http://schemas.microsoft.com/office/drawing/2014/main" xmlns="" id="{B17ADF82-E66C-7145-04BA-07AF47F7086A}"/>
               </a:ext>
             </a:extLst>
           </p:cNvPr>
@@ -1691,7 +1691,7 @@
         <p:cNvPr id="1" name="">
           <a:extLst>
             <a:ext uri="{FF2B5EF4-FFF2-40B4-BE49-F238E27FC236}">
-              <a16:creationId xmlns:a16="http://schemas.microsoft.com/office/drawing/2014/main" id="{2FE89939-ACBE-F2AD-EE24-5880FA41CFA0}"/>
+              <a16:creationId xmlns:a16="http://schemas.microsoft.com/office/drawing/2014/main" xmlns="" id="{2FE89939-ACBE-F2AD-EE24-5880FA41CFA0}"/>
             </a:ext>
           </a:extLst>
         </p:cNvPr>
@@ -1711,7 +1711,7 @@
           <p:cNvPr id="2" name="Slide Image Placeholder 1">
             <a:extLst>
               <a:ext uri="{FF2B5EF4-FFF2-40B4-BE49-F238E27FC236}">
-                <a16:creationId xmlns:a16="http://schemas.microsoft.com/office/drawing/2014/main" id="{530B1C8D-1BFF-6E19-5BB8-4F3BDC196519}"/>
+                <a16:creationId xmlns:a16="http://schemas.microsoft.com/office/drawing/2014/main" xmlns="" id="{530B1C8D-1BFF-6E19-5BB8-4F3BDC196519}"/>
               </a:ext>
             </a:extLst>
           </p:cNvPr>
@@ -1729,7 +1729,7 @@
           <p:cNvPr id="3" name="Notes Placeholder 2">
             <a:extLst>
               <a:ext uri="{FF2B5EF4-FFF2-40B4-BE49-F238E27FC236}">
-                <a16:creationId xmlns:a16="http://schemas.microsoft.com/office/drawing/2014/main" id="{27DED105-0D56-0F47-BACE-E0231B8D8E05}"/>
+                <a16:creationId xmlns:a16="http://schemas.microsoft.com/office/drawing/2014/main" xmlns="" id="{27DED105-0D56-0F47-BACE-E0231B8D8E05}"/>
               </a:ext>
             </a:extLst>
           </p:cNvPr>
@@ -1754,7 +1754,7 @@
           <p:cNvPr id="4" name="Slide Number Placeholder 3">
             <a:extLst>
               <a:ext uri="{FF2B5EF4-FFF2-40B4-BE49-F238E27FC236}">
-                <a16:creationId xmlns:a16="http://schemas.microsoft.com/office/drawing/2014/main" id="{342E6D65-B4A5-7B3D-A37A-4DDB8F0FBC5D}"/>
+                <a16:creationId xmlns:a16="http://schemas.microsoft.com/office/drawing/2014/main" xmlns="" id="{342E6D65-B4A5-7B3D-A37A-4DDB8F0FBC5D}"/>
               </a:ext>
             </a:extLst>
           </p:cNvPr>
@@ -1799,7 +1799,7 @@
         <p:cNvPr id="1" name="">
           <a:extLst>
             <a:ext uri="{FF2B5EF4-FFF2-40B4-BE49-F238E27FC236}">
-              <a16:creationId xmlns:a16="http://schemas.microsoft.com/office/drawing/2014/main" id="{F867F575-13CF-2FBE-49FC-AFCC23C2EC06}"/>
+              <a16:creationId xmlns:a16="http://schemas.microsoft.com/office/drawing/2014/main" xmlns="" id="{F867F575-13CF-2FBE-49FC-AFCC23C2EC06}"/>
             </a:ext>
           </a:extLst>
         </p:cNvPr>
@@ -1819,7 +1819,7 @@
           <p:cNvPr id="2" name="Slide Image Placeholder 1">
             <a:extLst>
               <a:ext uri="{FF2B5EF4-FFF2-40B4-BE49-F238E27FC236}">
-                <a16:creationId xmlns:a16="http://schemas.microsoft.com/office/drawing/2014/main" id="{74E8810E-7BCF-47A8-4721-A9188B21171B}"/>
+                <a16:creationId xmlns:a16="http://schemas.microsoft.com/office/drawing/2014/main" xmlns="" id="{74E8810E-7BCF-47A8-4721-A9188B21171B}"/>
               </a:ext>
             </a:extLst>
           </p:cNvPr>
@@ -1837,7 +1837,7 @@
           <p:cNvPr id="3" name="Notes Placeholder 2">
             <a:extLst>
               <a:ext uri="{FF2B5EF4-FFF2-40B4-BE49-F238E27FC236}">
-                <a16:creationId xmlns:a16="http://schemas.microsoft.com/office/drawing/2014/main" id="{31A1E4B0-AF81-943B-B6F4-71965DB15E7A}"/>
+                <a16:creationId xmlns:a16="http://schemas.microsoft.com/office/drawing/2014/main" xmlns="" id="{31A1E4B0-AF81-943B-B6F4-71965DB15E7A}"/>
               </a:ext>
             </a:extLst>
           </p:cNvPr>
@@ -1862,7 +1862,7 @@
           <p:cNvPr id="4" name="Slide Number Placeholder 3">
             <a:extLst>
               <a:ext uri="{FF2B5EF4-FFF2-40B4-BE49-F238E27FC236}">
-                <a16:creationId xmlns:a16="http://schemas.microsoft.com/office/drawing/2014/main" id="{AA291FED-1B38-3151-F19D-964E9F07B4F7}"/>
+                <a16:creationId xmlns:a16="http://schemas.microsoft.com/office/drawing/2014/main" xmlns="" id="{AA291FED-1B38-3151-F19D-964E9F07B4F7}"/>
               </a:ext>
             </a:extLst>
           </p:cNvPr>
@@ -1907,7 +1907,7 @@
         <p:cNvPr id="1" name="">
           <a:extLst>
             <a:ext uri="{FF2B5EF4-FFF2-40B4-BE49-F238E27FC236}">
-              <a16:creationId xmlns:a16="http://schemas.microsoft.com/office/drawing/2014/main" id="{60F1D321-1548-AE2B-7392-A201216B6291}"/>
+              <a16:creationId xmlns:a16="http://schemas.microsoft.com/office/drawing/2014/main" xmlns="" id="{60F1D321-1548-AE2B-7392-A201216B6291}"/>
             </a:ext>
           </a:extLst>
         </p:cNvPr>
@@ -1927,7 +1927,7 @@
           <p:cNvPr id="2" name="Slide Image Placeholder 1">
             <a:extLst>
               <a:ext uri="{FF2B5EF4-FFF2-40B4-BE49-F238E27FC236}">
-                <a16:creationId xmlns:a16="http://schemas.microsoft.com/office/drawing/2014/main" id="{B51CB6E6-0AC5-75E5-1A67-FEAFD3507B1E}"/>
+                <a16:creationId xmlns:a16="http://schemas.microsoft.com/office/drawing/2014/main" xmlns="" id="{B51CB6E6-0AC5-75E5-1A67-FEAFD3507B1E}"/>
               </a:ext>
             </a:extLst>
           </p:cNvPr>
@@ -1945,7 +1945,7 @@
           <p:cNvPr id="3" name="Notes Placeholder 2">
             <a:extLst>
               <a:ext uri="{FF2B5EF4-FFF2-40B4-BE49-F238E27FC236}">
-                <a16:creationId xmlns:a16="http://schemas.microsoft.com/office/drawing/2014/main" id="{7072DC79-4824-EFC0-990A-613D3D0042D1}"/>
+                <a16:creationId xmlns:a16="http://schemas.microsoft.com/office/drawing/2014/main" xmlns="" id="{7072DC79-4824-EFC0-990A-613D3D0042D1}"/>
               </a:ext>
             </a:extLst>
           </p:cNvPr>
@@ -1970,7 +1970,7 @@
           <p:cNvPr id="4" name="Slide Number Placeholder 3">
             <a:extLst>
               <a:ext uri="{FF2B5EF4-FFF2-40B4-BE49-F238E27FC236}">
-                <a16:creationId xmlns:a16="http://schemas.microsoft.com/office/drawing/2014/main" id="{E867784D-03FA-B5F0-C1ED-1D006BE9DAAD}"/>
+                <a16:creationId xmlns:a16="http://schemas.microsoft.com/office/drawing/2014/main" xmlns="" id="{E867784D-03FA-B5F0-C1ED-1D006BE9DAAD}"/>
               </a:ext>
             </a:extLst>
           </p:cNvPr>
@@ -2015,7 +2015,7 @@
         <p:cNvPr id="1" name="">
           <a:extLst>
             <a:ext uri="{FF2B5EF4-FFF2-40B4-BE49-F238E27FC236}">
-              <a16:creationId xmlns:a16="http://schemas.microsoft.com/office/drawing/2014/main" id="{31CED5DF-CAF3-6E6E-3212-0A00341D9ECD}"/>
+              <a16:creationId xmlns:a16="http://schemas.microsoft.com/office/drawing/2014/main" xmlns="" id="{31CED5DF-CAF3-6E6E-3212-0A00341D9ECD}"/>
             </a:ext>
           </a:extLst>
         </p:cNvPr>
@@ -2035,7 +2035,7 @@
           <p:cNvPr id="2" name="Slide Image Placeholder 1">
             <a:extLst>
               <a:ext uri="{FF2B5EF4-FFF2-40B4-BE49-F238E27FC236}">
-                <a16:creationId xmlns:a16="http://schemas.microsoft.com/office/drawing/2014/main" id="{E93BB888-5963-C36B-A7CD-F82A87B2A3B1}"/>
+                <a16:creationId xmlns:a16="http://schemas.microsoft.com/office/drawing/2014/main" xmlns="" id="{E93BB888-5963-C36B-A7CD-F82A87B2A3B1}"/>
               </a:ext>
             </a:extLst>
           </p:cNvPr>
@@ -2053,7 +2053,7 @@
           <p:cNvPr id="3" name="Notes Placeholder 2">
             <a:extLst>
               <a:ext uri="{FF2B5EF4-FFF2-40B4-BE49-F238E27FC236}">
-                <a16:creationId xmlns:a16="http://schemas.microsoft.com/office/drawing/2014/main" id="{FF7AFAEE-4AC6-0939-EF27-36B5FF73C63D}"/>
+                <a16:creationId xmlns:a16="http://schemas.microsoft.com/office/drawing/2014/main" xmlns="" id="{FF7AFAEE-4AC6-0939-EF27-36B5FF73C63D}"/>
               </a:ext>
             </a:extLst>
           </p:cNvPr>
@@ -2078,7 +2078,7 @@
           <p:cNvPr id="4" name="Slide Number Placeholder 3">
             <a:extLst>
               <a:ext uri="{FF2B5EF4-FFF2-40B4-BE49-F238E27FC236}">
-                <a16:creationId xmlns:a16="http://schemas.microsoft.com/office/drawing/2014/main" id="{C29AF926-7DCA-B25F-46EE-AD9674353FC6}"/>
+                <a16:creationId xmlns:a16="http://schemas.microsoft.com/office/drawing/2014/main" xmlns="" id="{C29AF926-7DCA-B25F-46EE-AD9674353FC6}"/>
               </a:ext>
             </a:extLst>
           </p:cNvPr>
@@ -2123,7 +2123,7 @@
         <p:cNvPr id="1" name="">
           <a:extLst>
             <a:ext uri="{FF2B5EF4-FFF2-40B4-BE49-F238E27FC236}">
-              <a16:creationId xmlns:a16="http://schemas.microsoft.com/office/drawing/2014/main" id="{6451B88B-8A71-0F1A-067C-ACC7BE4D9F81}"/>
+              <a16:creationId xmlns:a16="http://schemas.microsoft.com/office/drawing/2014/main" xmlns="" id="{6451B88B-8A71-0F1A-067C-ACC7BE4D9F81}"/>
             </a:ext>
           </a:extLst>
         </p:cNvPr>
@@ -2143,7 +2143,7 @@
           <p:cNvPr id="2" name="Slide Image Placeholder 1">
             <a:extLst>
               <a:ext uri="{FF2B5EF4-FFF2-40B4-BE49-F238E27FC236}">
-                <a16:creationId xmlns:a16="http://schemas.microsoft.com/office/drawing/2014/main" id="{78F0EB87-8DDF-E18A-915E-0AD780B94AEA}"/>
+                <a16:creationId xmlns:a16="http://schemas.microsoft.com/office/drawing/2014/main" xmlns="" id="{78F0EB87-8DDF-E18A-915E-0AD780B94AEA}"/>
               </a:ext>
             </a:extLst>
           </p:cNvPr>
@@ -2161,7 +2161,7 @@
           <p:cNvPr id="3" name="Notes Placeholder 2">
             <a:extLst>
               <a:ext uri="{FF2B5EF4-FFF2-40B4-BE49-F238E27FC236}">
-                <a16:creationId xmlns:a16="http://schemas.microsoft.com/office/drawing/2014/main" id="{8A2A9E12-43BD-46B3-BC91-DCA40B0104B0}"/>
+                <a16:creationId xmlns:a16="http://schemas.microsoft.com/office/drawing/2014/main" xmlns="" id="{8A2A9E12-43BD-46B3-BC91-DCA40B0104B0}"/>
               </a:ext>
             </a:extLst>
           </p:cNvPr>
@@ -2186,7 +2186,7 @@
           <p:cNvPr id="4" name="Slide Number Placeholder 3">
             <a:extLst>
               <a:ext uri="{FF2B5EF4-FFF2-40B4-BE49-F238E27FC236}">
-                <a16:creationId xmlns:a16="http://schemas.microsoft.com/office/drawing/2014/main" id="{78E2421A-C25E-A214-66D0-AF4FD13B1EF4}"/>
+                <a16:creationId xmlns:a16="http://schemas.microsoft.com/office/drawing/2014/main" xmlns="" id="{78E2421A-C25E-A214-66D0-AF4FD13B1EF4}"/>
               </a:ext>
             </a:extLst>
           </p:cNvPr>
@@ -2231,7 +2231,7 @@
         <p:cNvPr id="1" name="">
           <a:extLst>
             <a:ext uri="{FF2B5EF4-FFF2-40B4-BE49-F238E27FC236}">
-              <a16:creationId xmlns:a16="http://schemas.microsoft.com/office/drawing/2014/main" id="{840AEF2D-759F-C2FB-DBBC-87B46E87DA2F}"/>
+              <a16:creationId xmlns:a16="http://schemas.microsoft.com/office/drawing/2014/main" xmlns="" id="{840AEF2D-759F-C2FB-DBBC-87B46E87DA2F}"/>
             </a:ext>
           </a:extLst>
         </p:cNvPr>
@@ -2251,7 +2251,7 @@
           <p:cNvPr id="2" name="Slide Image Placeholder 1">
             <a:extLst>
               <a:ext uri="{FF2B5EF4-FFF2-40B4-BE49-F238E27FC236}">
-                <a16:creationId xmlns:a16="http://schemas.microsoft.com/office/drawing/2014/main" id="{2749BBC4-26E0-D72A-A174-FA4214D66879}"/>
+                <a16:creationId xmlns:a16="http://schemas.microsoft.com/office/drawing/2014/main" xmlns="" id="{2749BBC4-26E0-D72A-A174-FA4214D66879}"/>
               </a:ext>
             </a:extLst>
           </p:cNvPr>
@@ -2269,7 +2269,7 @@
           <p:cNvPr id="3" name="Notes Placeholder 2">
             <a:extLst>
               <a:ext uri="{FF2B5EF4-FFF2-40B4-BE49-F238E27FC236}">
-                <a16:creationId xmlns:a16="http://schemas.microsoft.com/office/drawing/2014/main" id="{888148A5-6D2B-FF18-3349-7DF80D5A9BB4}"/>
+                <a16:creationId xmlns:a16="http://schemas.microsoft.com/office/drawing/2014/main" xmlns="" id="{888148A5-6D2B-FF18-3349-7DF80D5A9BB4}"/>
               </a:ext>
             </a:extLst>
           </p:cNvPr>
@@ -2294,7 +2294,7 @@
           <p:cNvPr id="4" name="Slide Number Placeholder 3">
             <a:extLst>
               <a:ext uri="{FF2B5EF4-FFF2-40B4-BE49-F238E27FC236}">
-                <a16:creationId xmlns:a16="http://schemas.microsoft.com/office/drawing/2014/main" id="{9696670F-BB6A-0402-116C-8AD39E1C11F3}"/>
+                <a16:creationId xmlns:a16="http://schemas.microsoft.com/office/drawing/2014/main" xmlns="" id="{9696670F-BB6A-0402-116C-8AD39E1C11F3}"/>
               </a:ext>
             </a:extLst>
           </p:cNvPr>
@@ -2339,7 +2339,7 @@
         <p:cNvPr id="1" name="">
           <a:extLst>
             <a:ext uri="{FF2B5EF4-FFF2-40B4-BE49-F238E27FC236}">
-              <a16:creationId xmlns:a16="http://schemas.microsoft.com/office/drawing/2014/main" id="{E8333B26-3930-582F-FE2F-AE5E4B4F363C}"/>
+              <a16:creationId xmlns:a16="http://schemas.microsoft.com/office/drawing/2014/main" xmlns="" id="{E8333B26-3930-582F-FE2F-AE5E4B4F363C}"/>
             </a:ext>
           </a:extLst>
         </p:cNvPr>
@@ -2359,7 +2359,7 @@
           <p:cNvPr id="2" name="Slide Image Placeholder 1">
             <a:extLst>
               <a:ext uri="{FF2B5EF4-FFF2-40B4-BE49-F238E27FC236}">
-                <a16:creationId xmlns:a16="http://schemas.microsoft.com/office/drawing/2014/main" id="{D0AD4EF8-6724-BCC0-1207-E9D569611398}"/>
+                <a16:creationId xmlns:a16="http://schemas.microsoft.com/office/drawing/2014/main" xmlns="" id="{D0AD4EF8-6724-BCC0-1207-E9D569611398}"/>
               </a:ext>
             </a:extLst>
           </p:cNvPr>
@@ -2377,7 +2377,7 @@
           <p:cNvPr id="3" name="Notes Placeholder 2">
             <a:extLst>
               <a:ext uri="{FF2B5EF4-FFF2-40B4-BE49-F238E27FC236}">
-                <a16:creationId xmlns:a16="http://schemas.microsoft.com/office/drawing/2014/main" id="{265FF0D8-8E1E-DE4F-38AD-910C4DEC2BA1}"/>
+                <a16:creationId xmlns:a16="http://schemas.microsoft.com/office/drawing/2014/main" xmlns="" id="{265FF0D8-8E1E-DE4F-38AD-910C4DEC2BA1}"/>
               </a:ext>
             </a:extLst>
           </p:cNvPr>
@@ -2402,7 +2402,7 @@
           <p:cNvPr id="4" name="Slide Number Placeholder 3">
             <a:extLst>
               <a:ext uri="{FF2B5EF4-FFF2-40B4-BE49-F238E27FC236}">
-                <a16:creationId xmlns:a16="http://schemas.microsoft.com/office/drawing/2014/main" id="{ACB8D817-0807-23D0-20BE-7704341F092D}"/>
+                <a16:creationId xmlns:a16="http://schemas.microsoft.com/office/drawing/2014/main" xmlns="" id="{ACB8D817-0807-23D0-20BE-7704341F092D}"/>
               </a:ext>
             </a:extLst>
           </p:cNvPr>
@@ -2531,7 +2531,7 @@
         <p:cNvPr id="1" name="">
           <a:extLst>
             <a:ext uri="{FF2B5EF4-FFF2-40B4-BE49-F238E27FC236}">
-              <a16:creationId xmlns:a16="http://schemas.microsoft.com/office/drawing/2014/main" id="{C865904B-EB61-2018-F872-F9A47FB05DC9}"/>
+              <a16:creationId xmlns:a16="http://schemas.microsoft.com/office/drawing/2014/main" xmlns="" id="{C865904B-EB61-2018-F872-F9A47FB05DC9}"/>
             </a:ext>
           </a:extLst>
         </p:cNvPr>
@@ -2551,7 +2551,7 @@
           <p:cNvPr id="2" name="Slide Image Placeholder 1">
             <a:extLst>
               <a:ext uri="{FF2B5EF4-FFF2-40B4-BE49-F238E27FC236}">
-                <a16:creationId xmlns:a16="http://schemas.microsoft.com/office/drawing/2014/main" id="{3B111D39-DBDA-BEAC-B218-DC411654422B}"/>
+                <a16:creationId xmlns:a16="http://schemas.microsoft.com/office/drawing/2014/main" xmlns="" id="{3B111D39-DBDA-BEAC-B218-DC411654422B}"/>
               </a:ext>
             </a:extLst>
           </p:cNvPr>
@@ -2569,7 +2569,7 @@
           <p:cNvPr id="3" name="Notes Placeholder 2">
             <a:extLst>
               <a:ext uri="{FF2B5EF4-FFF2-40B4-BE49-F238E27FC236}">
-                <a16:creationId xmlns:a16="http://schemas.microsoft.com/office/drawing/2014/main" id="{976E788D-9B88-F9AB-AE7F-51BDE6977F8E}"/>
+                <a16:creationId xmlns:a16="http://schemas.microsoft.com/office/drawing/2014/main" xmlns="" id="{976E788D-9B88-F9AB-AE7F-51BDE6977F8E}"/>
               </a:ext>
             </a:extLst>
           </p:cNvPr>
@@ -2594,7 +2594,7 @@
           <p:cNvPr id="4" name="Slide Number Placeholder 3">
             <a:extLst>
               <a:ext uri="{FF2B5EF4-FFF2-40B4-BE49-F238E27FC236}">
-                <a16:creationId xmlns:a16="http://schemas.microsoft.com/office/drawing/2014/main" id="{78079758-8998-855A-50D0-C9A23C6929C8}"/>
+                <a16:creationId xmlns:a16="http://schemas.microsoft.com/office/drawing/2014/main" xmlns="" id="{78079758-8998-855A-50D0-C9A23C6929C8}"/>
               </a:ext>
             </a:extLst>
           </p:cNvPr>
@@ -2759,7 +2759,7 @@
         <p:cNvPr id="1" name="">
           <a:extLst>
             <a:ext uri="{FF2B5EF4-FFF2-40B4-BE49-F238E27FC236}">
-              <a16:creationId xmlns:a16="http://schemas.microsoft.com/office/drawing/2014/main" id="{CA3EBFDD-0351-78E9-82BC-12C0725E4A5E}"/>
+              <a16:creationId xmlns:a16="http://schemas.microsoft.com/office/drawing/2014/main" xmlns="" id="{CA3EBFDD-0351-78E9-82BC-12C0725E4A5E}"/>
             </a:ext>
           </a:extLst>
         </p:cNvPr>
@@ -2779,7 +2779,7 @@
           <p:cNvPr id="2" name="Slide Image Placeholder 1">
             <a:extLst>
               <a:ext uri="{FF2B5EF4-FFF2-40B4-BE49-F238E27FC236}">
-                <a16:creationId xmlns:a16="http://schemas.microsoft.com/office/drawing/2014/main" id="{7B5EBF6D-BC8C-0A94-BCA8-579D6A0BCDAF}"/>
+                <a16:creationId xmlns:a16="http://schemas.microsoft.com/office/drawing/2014/main" xmlns="" id="{7B5EBF6D-BC8C-0A94-BCA8-579D6A0BCDAF}"/>
               </a:ext>
             </a:extLst>
           </p:cNvPr>
@@ -2797,7 +2797,7 @@
           <p:cNvPr id="3" name="Notes Placeholder 2">
             <a:extLst>
               <a:ext uri="{FF2B5EF4-FFF2-40B4-BE49-F238E27FC236}">
-                <a16:creationId xmlns:a16="http://schemas.microsoft.com/office/drawing/2014/main" id="{765B0262-FE92-D6FE-72EB-4714FAF4BEC5}"/>
+                <a16:creationId xmlns:a16="http://schemas.microsoft.com/office/drawing/2014/main" xmlns="" id="{765B0262-FE92-D6FE-72EB-4714FAF4BEC5}"/>
               </a:ext>
             </a:extLst>
           </p:cNvPr>
@@ -3072,7 +3072,7 @@
           <p:cNvPr id="4" name="Slide Number Placeholder 3">
             <a:extLst>
               <a:ext uri="{FF2B5EF4-FFF2-40B4-BE49-F238E27FC236}">
-                <a16:creationId xmlns:a16="http://schemas.microsoft.com/office/drawing/2014/main" id="{AD6697E5-F211-F48E-A66C-8FBCE248F9F9}"/>
+                <a16:creationId xmlns:a16="http://schemas.microsoft.com/office/drawing/2014/main" xmlns="" id="{AD6697E5-F211-F48E-A66C-8FBCE248F9F9}"/>
               </a:ext>
             </a:extLst>
           </p:cNvPr>
@@ -3117,7 +3117,7 @@
         <p:cNvPr id="1" name="">
           <a:extLst>
             <a:ext uri="{FF2B5EF4-FFF2-40B4-BE49-F238E27FC236}">
-              <a16:creationId xmlns:a16="http://schemas.microsoft.com/office/drawing/2014/main" id="{CA3EBFDD-0351-78E9-82BC-12C0725E4A5E}"/>
+              <a16:creationId xmlns:a16="http://schemas.microsoft.com/office/drawing/2014/main" xmlns="" id="{CA3EBFDD-0351-78E9-82BC-12C0725E4A5E}"/>
             </a:ext>
           </a:extLst>
         </p:cNvPr>
@@ -3137,7 +3137,7 @@
           <p:cNvPr id="2" name="Slide Image Placeholder 1">
             <a:extLst>
               <a:ext uri="{FF2B5EF4-FFF2-40B4-BE49-F238E27FC236}">
-                <a16:creationId xmlns:a16="http://schemas.microsoft.com/office/drawing/2014/main" id="{7B5EBF6D-BC8C-0A94-BCA8-579D6A0BCDAF}"/>
+                <a16:creationId xmlns:a16="http://schemas.microsoft.com/office/drawing/2014/main" xmlns="" id="{7B5EBF6D-BC8C-0A94-BCA8-579D6A0BCDAF}"/>
               </a:ext>
             </a:extLst>
           </p:cNvPr>
@@ -3155,7 +3155,7 @@
           <p:cNvPr id="3" name="Notes Placeholder 2">
             <a:extLst>
               <a:ext uri="{FF2B5EF4-FFF2-40B4-BE49-F238E27FC236}">
-                <a16:creationId xmlns:a16="http://schemas.microsoft.com/office/drawing/2014/main" id="{765B0262-FE92-D6FE-72EB-4714FAF4BEC5}"/>
+                <a16:creationId xmlns:a16="http://schemas.microsoft.com/office/drawing/2014/main" xmlns="" id="{765B0262-FE92-D6FE-72EB-4714FAF4BEC5}"/>
               </a:ext>
             </a:extLst>
           </p:cNvPr>
@@ -3171,6 +3171,10 @@
           <a:bodyPr/>
           <a:lstStyle/>
           <a:p>
+            <a:r>
+              <a:rPr lang="en-US" dirty="0"/>
+              <a:t/>
+            </a:r>
             <a:br>
               <a:rPr lang="en-US" dirty="0"/>
             </a:br>
@@ -3214,7 +3218,7 @@
           <p:cNvPr id="4" name="Slide Number Placeholder 3">
             <a:extLst>
               <a:ext uri="{FF2B5EF4-FFF2-40B4-BE49-F238E27FC236}">
-                <a16:creationId xmlns:a16="http://schemas.microsoft.com/office/drawing/2014/main" id="{AD6697E5-F211-F48E-A66C-8FBCE248F9F9}"/>
+                <a16:creationId xmlns:a16="http://schemas.microsoft.com/office/drawing/2014/main" xmlns="" id="{AD6697E5-F211-F48E-A66C-8FBCE248F9F9}"/>
               </a:ext>
             </a:extLst>
           </p:cNvPr>
@@ -3259,7 +3263,7 @@
         <p:cNvPr id="1" name="">
           <a:extLst>
             <a:ext uri="{FF2B5EF4-FFF2-40B4-BE49-F238E27FC236}">
-              <a16:creationId xmlns:a16="http://schemas.microsoft.com/office/drawing/2014/main" id="{05F413CB-DD0A-F4D0-C497-25A3D838C863}"/>
+              <a16:creationId xmlns:a16="http://schemas.microsoft.com/office/drawing/2014/main" xmlns="" id="{05F413CB-DD0A-F4D0-C497-25A3D838C863}"/>
             </a:ext>
           </a:extLst>
         </p:cNvPr>
@@ -3279,7 +3283,7 @@
           <p:cNvPr id="2" name="Slide Image Placeholder 1">
             <a:extLst>
               <a:ext uri="{FF2B5EF4-FFF2-40B4-BE49-F238E27FC236}">
-                <a16:creationId xmlns:a16="http://schemas.microsoft.com/office/drawing/2014/main" id="{E8128277-EDC4-06DD-44CD-BA25F60E09A8}"/>
+                <a16:creationId xmlns:a16="http://schemas.microsoft.com/office/drawing/2014/main" xmlns="" id="{E8128277-EDC4-06DD-44CD-BA25F60E09A8}"/>
               </a:ext>
             </a:extLst>
           </p:cNvPr>
@@ -3297,7 +3301,7 @@
           <p:cNvPr id="3" name="Notes Placeholder 2">
             <a:extLst>
               <a:ext uri="{FF2B5EF4-FFF2-40B4-BE49-F238E27FC236}">
-                <a16:creationId xmlns:a16="http://schemas.microsoft.com/office/drawing/2014/main" id="{A8B35E28-20B0-34C8-65CB-93E7B570B084}"/>
+                <a16:creationId xmlns:a16="http://schemas.microsoft.com/office/drawing/2014/main" xmlns="" id="{A8B35E28-20B0-34C8-65CB-93E7B570B084}"/>
               </a:ext>
             </a:extLst>
           </p:cNvPr>
@@ -3313,6 +3317,10 @@
           <a:bodyPr/>
           <a:lstStyle/>
           <a:p>
+            <a:r>
+              <a:rPr lang="en-US" dirty="0"/>
+              <a:t/>
+            </a:r>
             <a:br>
               <a:rPr lang="en-US" dirty="0"/>
             </a:br>
@@ -3356,7 +3364,7 @@
           <p:cNvPr id="4" name="Slide Number Placeholder 3">
             <a:extLst>
               <a:ext uri="{FF2B5EF4-FFF2-40B4-BE49-F238E27FC236}">
-                <a16:creationId xmlns:a16="http://schemas.microsoft.com/office/drawing/2014/main" id="{3D8D2931-4993-87CE-8A0E-E5BF72D1444A}"/>
+                <a16:creationId xmlns:a16="http://schemas.microsoft.com/office/drawing/2014/main" xmlns="" id="{3D8D2931-4993-87CE-8A0E-E5BF72D1444A}"/>
               </a:ext>
             </a:extLst>
           </p:cNvPr>
@@ -3401,7 +3409,7 @@
         <p:cNvPr id="1" name="">
           <a:extLst>
             <a:ext uri="{FF2B5EF4-FFF2-40B4-BE49-F238E27FC236}">
-              <a16:creationId xmlns:a16="http://schemas.microsoft.com/office/drawing/2014/main" id="{0D9A1D84-BCDD-21E0-C2E3-503B87D9D5D3}"/>
+              <a16:creationId xmlns:a16="http://schemas.microsoft.com/office/drawing/2014/main" xmlns="" id="{0D9A1D84-BCDD-21E0-C2E3-503B87D9D5D3}"/>
             </a:ext>
           </a:extLst>
         </p:cNvPr>
@@ -3421,7 +3429,7 @@
           <p:cNvPr id="2" name="Slide Image Placeholder 1">
             <a:extLst>
               <a:ext uri="{FF2B5EF4-FFF2-40B4-BE49-F238E27FC236}">
-                <a16:creationId xmlns:a16="http://schemas.microsoft.com/office/drawing/2014/main" id="{9600404D-EA4D-A6E2-EBCE-0834719F8676}"/>
+                <a16:creationId xmlns:a16="http://schemas.microsoft.com/office/drawing/2014/main" xmlns="" id="{9600404D-EA4D-A6E2-EBCE-0834719F8676}"/>
               </a:ext>
             </a:extLst>
           </p:cNvPr>
@@ -3439,7 +3447,7 @@
           <p:cNvPr id="3" name="Notes Placeholder 2">
             <a:extLst>
               <a:ext uri="{FF2B5EF4-FFF2-40B4-BE49-F238E27FC236}">
-                <a16:creationId xmlns:a16="http://schemas.microsoft.com/office/drawing/2014/main" id="{31DC5AD4-B9D9-B5D6-1E6F-43BF88E223B3}"/>
+                <a16:creationId xmlns:a16="http://schemas.microsoft.com/office/drawing/2014/main" xmlns="" id="{31DC5AD4-B9D9-B5D6-1E6F-43BF88E223B3}"/>
               </a:ext>
             </a:extLst>
           </p:cNvPr>
@@ -3455,6 +3463,10 @@
           <a:bodyPr/>
           <a:lstStyle/>
           <a:p>
+            <a:r>
+              <a:rPr lang="en-US" dirty="0"/>
+              <a:t/>
+            </a:r>
             <a:br>
               <a:rPr lang="en-US" dirty="0"/>
             </a:br>
@@ -3498,7 +3510,7 @@
           <p:cNvPr id="4" name="Slide Number Placeholder 3">
             <a:extLst>
               <a:ext uri="{FF2B5EF4-FFF2-40B4-BE49-F238E27FC236}">
-                <a16:creationId xmlns:a16="http://schemas.microsoft.com/office/drawing/2014/main" id="{A8A56D33-D6B4-5F0F-78CE-BD23695A555C}"/>
+                <a16:creationId xmlns:a16="http://schemas.microsoft.com/office/drawing/2014/main" xmlns="" id="{A8A56D33-D6B4-5F0F-78CE-BD23695A555C}"/>
               </a:ext>
             </a:extLst>
           </p:cNvPr>
@@ -3543,7 +3555,7 @@
         <p:cNvPr id="1" name="">
           <a:extLst>
             <a:ext uri="{FF2B5EF4-FFF2-40B4-BE49-F238E27FC236}">
-              <a16:creationId xmlns:a16="http://schemas.microsoft.com/office/drawing/2014/main" id="{39AFBB6F-C918-9767-7AE9-907236F5CF95}"/>
+              <a16:creationId xmlns:a16="http://schemas.microsoft.com/office/drawing/2014/main" xmlns="" id="{39AFBB6F-C918-9767-7AE9-907236F5CF95}"/>
             </a:ext>
           </a:extLst>
         </p:cNvPr>
@@ -3563,7 +3575,7 @@
           <p:cNvPr id="2" name="Slide Image Placeholder 1">
             <a:extLst>
               <a:ext uri="{FF2B5EF4-FFF2-40B4-BE49-F238E27FC236}">
-                <a16:creationId xmlns:a16="http://schemas.microsoft.com/office/drawing/2014/main" id="{420CAE82-375A-BD92-165A-0FB9C18CC8DF}"/>
+                <a16:creationId xmlns:a16="http://schemas.microsoft.com/office/drawing/2014/main" xmlns="" id="{420CAE82-375A-BD92-165A-0FB9C18CC8DF}"/>
               </a:ext>
             </a:extLst>
           </p:cNvPr>
@@ -3581,7 +3593,7 @@
           <p:cNvPr id="3" name="Notes Placeholder 2">
             <a:extLst>
               <a:ext uri="{FF2B5EF4-FFF2-40B4-BE49-F238E27FC236}">
-                <a16:creationId xmlns:a16="http://schemas.microsoft.com/office/drawing/2014/main" id="{E1B58FAB-2A2C-75A3-66A1-B7CA4A77BE97}"/>
+                <a16:creationId xmlns:a16="http://schemas.microsoft.com/office/drawing/2014/main" xmlns="" id="{E1B58FAB-2A2C-75A3-66A1-B7CA4A77BE97}"/>
               </a:ext>
             </a:extLst>
           </p:cNvPr>
@@ -3597,6 +3609,10 @@
           <a:bodyPr/>
           <a:lstStyle/>
           <a:p>
+            <a:r>
+              <a:rPr lang="en-US" dirty="0"/>
+              <a:t/>
+            </a:r>
             <a:br>
               <a:rPr lang="en-US" dirty="0"/>
             </a:br>
@@ -3640,7 +3656,7 @@
           <p:cNvPr id="4" name="Slide Number Placeholder 3">
             <a:extLst>
               <a:ext uri="{FF2B5EF4-FFF2-40B4-BE49-F238E27FC236}">
-                <a16:creationId xmlns:a16="http://schemas.microsoft.com/office/drawing/2014/main" id="{6105FA96-965B-442F-E9EC-340219A5B940}"/>
+                <a16:creationId xmlns:a16="http://schemas.microsoft.com/office/drawing/2014/main" xmlns="" id="{6105FA96-965B-442F-E9EC-340219A5B940}"/>
               </a:ext>
             </a:extLst>
           </p:cNvPr>
@@ -3699,7 +3715,7 @@
           <p:cNvPr id="6" name="Picture Placeholder 5">
             <a:extLst>
               <a:ext uri="{FF2B5EF4-FFF2-40B4-BE49-F238E27FC236}">
-                <a16:creationId xmlns:a16="http://schemas.microsoft.com/office/drawing/2014/main" id="{3D023C27-C474-480F-BC7F-9C1AAFCAD96E}"/>
+                <a16:creationId xmlns:a16="http://schemas.microsoft.com/office/drawing/2014/main" xmlns="" id="{3D023C27-C474-480F-BC7F-9C1AAFCAD96E}"/>
               </a:ext>
             </a:extLst>
           </p:cNvPr>
@@ -3729,7 +3745,7 @@
           <p:cNvPr id="3" name="Rectangle 2">
             <a:extLst>
               <a:ext uri="{FF2B5EF4-FFF2-40B4-BE49-F238E27FC236}">
-                <a16:creationId xmlns:a16="http://schemas.microsoft.com/office/drawing/2014/main" id="{A48A0F1A-22FB-45FF-80D6-4FE63A63EE04}"/>
+                <a16:creationId xmlns:a16="http://schemas.microsoft.com/office/drawing/2014/main" xmlns="" id="{A48A0F1A-22FB-45FF-80D6-4FE63A63EE04}"/>
               </a:ext>
             </a:extLst>
           </p:cNvPr>
@@ -3790,7 +3806,7 @@
           <p:cNvPr id="12" name="Content Placeholder 14">
             <a:extLst>
               <a:ext uri="{FF2B5EF4-FFF2-40B4-BE49-F238E27FC236}">
-                <a16:creationId xmlns:a16="http://schemas.microsoft.com/office/drawing/2014/main" id="{0D990D0E-21A8-4155-B955-886A21DE1825}"/>
+                <a16:creationId xmlns:a16="http://schemas.microsoft.com/office/drawing/2014/main" xmlns="" id="{0D990D0E-21A8-4155-B955-886A21DE1825}"/>
               </a:ext>
             </a:extLst>
           </p:cNvPr>
@@ -3836,7 +3852,7 @@
           <p:cNvPr id="13" name="Text Placeholder 16">
             <a:extLst>
               <a:ext uri="{FF2B5EF4-FFF2-40B4-BE49-F238E27FC236}">
-                <a16:creationId xmlns:a16="http://schemas.microsoft.com/office/drawing/2014/main" id="{E86030C3-0988-4616-B1A6-DC729760D6A1}"/>
+                <a16:creationId xmlns:a16="http://schemas.microsoft.com/office/drawing/2014/main" xmlns="" id="{E86030C3-0988-4616-B1A6-DC729760D6A1}"/>
               </a:ext>
             </a:extLst>
           </p:cNvPr>
@@ -3981,7 +3997,7 @@
           <p:cNvPr id="11" name="Title 1">
             <a:extLst>
               <a:ext uri="{FF2B5EF4-FFF2-40B4-BE49-F238E27FC236}">
-                <a16:creationId xmlns:a16="http://schemas.microsoft.com/office/drawing/2014/main" id="{B0BD0440-9D47-4C93-95F9-EFC0FCF1C626}"/>
+                <a16:creationId xmlns:a16="http://schemas.microsoft.com/office/drawing/2014/main" xmlns="" id="{B0BD0440-9D47-4C93-95F9-EFC0FCF1C626}"/>
               </a:ext>
             </a:extLst>
           </p:cNvPr>
@@ -4028,7 +4044,7 @@
           <p:cNvPr id="14" name="Subtitle 2">
             <a:extLst>
               <a:ext uri="{FF2B5EF4-FFF2-40B4-BE49-F238E27FC236}">
-                <a16:creationId xmlns:a16="http://schemas.microsoft.com/office/drawing/2014/main" id="{D62D81F5-56E3-4D39-96F6-6C09DF4C2835}"/>
+                <a16:creationId xmlns:a16="http://schemas.microsoft.com/office/drawing/2014/main" xmlns="" id="{D62D81F5-56E3-4D39-96F6-6C09DF4C2835}"/>
               </a:ext>
             </a:extLst>
           </p:cNvPr>
@@ -4109,7 +4125,7 @@
           <p:cNvPr id="16" name="Content Placeholder 14">
             <a:extLst>
               <a:ext uri="{FF2B5EF4-FFF2-40B4-BE49-F238E27FC236}">
-                <a16:creationId xmlns:a16="http://schemas.microsoft.com/office/drawing/2014/main" id="{6A973B95-8AB3-4E60-8A20-AB12D6D0E54E}"/>
+                <a16:creationId xmlns:a16="http://schemas.microsoft.com/office/drawing/2014/main" xmlns="" id="{6A973B95-8AB3-4E60-8A20-AB12D6D0E54E}"/>
               </a:ext>
             </a:extLst>
           </p:cNvPr>
@@ -4155,7 +4171,7 @@
           <p:cNvPr id="17" name="Text Placeholder 16">
             <a:extLst>
               <a:ext uri="{FF2B5EF4-FFF2-40B4-BE49-F238E27FC236}">
-                <a16:creationId xmlns:a16="http://schemas.microsoft.com/office/drawing/2014/main" id="{2569348C-F945-4CEC-9698-686F8ABC8B23}"/>
+                <a16:creationId xmlns:a16="http://schemas.microsoft.com/office/drawing/2014/main" xmlns="" id="{2569348C-F945-4CEC-9698-686F8ABC8B23}"/>
               </a:ext>
             </a:extLst>
           </p:cNvPr>
@@ -4277,7 +4293,7 @@
   </p:clrMapOvr>
   <p:extLst>
     <p:ext uri="{DCECCB84-F9BA-43D5-87BE-67443E8EF086}">
-      <p15:sldGuideLst xmlns:p15="http://schemas.microsoft.com/office/powerpoint/2012/main"/>
+      <p15:sldGuideLst xmlns:p15="http://schemas.microsoft.com/office/powerpoint/2012/main" xmlns=""/>
     </p:ext>
   </p:extLst>
 </p:sldLayout>
@@ -4305,7 +4321,7 @@
           <p:cNvPr id="6" name="Picture Placeholder 5">
             <a:extLst>
               <a:ext uri="{FF2B5EF4-FFF2-40B4-BE49-F238E27FC236}">
-                <a16:creationId xmlns:a16="http://schemas.microsoft.com/office/drawing/2014/main" id="{3D023C27-C474-480F-BC7F-9C1AAFCAD96E}"/>
+                <a16:creationId xmlns:a16="http://schemas.microsoft.com/office/drawing/2014/main" xmlns="" id="{3D023C27-C474-480F-BC7F-9C1AAFCAD96E}"/>
               </a:ext>
             </a:extLst>
           </p:cNvPr>
@@ -4335,7 +4351,7 @@
           <p:cNvPr id="3" name="Rectangle 2">
             <a:extLst>
               <a:ext uri="{FF2B5EF4-FFF2-40B4-BE49-F238E27FC236}">
-                <a16:creationId xmlns:a16="http://schemas.microsoft.com/office/drawing/2014/main" id="{A48A0F1A-22FB-45FF-80D6-4FE63A63EE04}"/>
+                <a16:creationId xmlns:a16="http://schemas.microsoft.com/office/drawing/2014/main" xmlns="" id="{A48A0F1A-22FB-45FF-80D6-4FE63A63EE04}"/>
               </a:ext>
             </a:extLst>
           </p:cNvPr>
@@ -4396,7 +4412,7 @@
           <p:cNvPr id="2" name="Title 1">
             <a:extLst>
               <a:ext uri="{FF2B5EF4-FFF2-40B4-BE49-F238E27FC236}">
-                <a16:creationId xmlns:a16="http://schemas.microsoft.com/office/drawing/2014/main" id="{DF01E5D2-6D16-41B9-8D95-C3831084A574}"/>
+                <a16:creationId xmlns:a16="http://schemas.microsoft.com/office/drawing/2014/main" xmlns="" id="{DF01E5D2-6D16-41B9-8D95-C3831084A574}"/>
               </a:ext>
             </a:extLst>
           </p:cNvPr>
@@ -4443,7 +4459,7 @@
           <p:cNvPr id="18" name="Subtitle 2">
             <a:extLst>
               <a:ext uri="{FF2B5EF4-FFF2-40B4-BE49-F238E27FC236}">
-                <a16:creationId xmlns:a16="http://schemas.microsoft.com/office/drawing/2014/main" id="{C1E1772A-8C1A-43F8-A297-A2A1C4961A78}"/>
+                <a16:creationId xmlns:a16="http://schemas.microsoft.com/office/drawing/2014/main" xmlns="" id="{C1E1772A-8C1A-43F8-A297-A2A1C4961A78}"/>
               </a:ext>
             </a:extLst>
           </p:cNvPr>
@@ -4524,7 +4540,7 @@
           <p:cNvPr id="15" name="Rectangle 14">
             <a:extLst>
               <a:ext uri="{FF2B5EF4-FFF2-40B4-BE49-F238E27FC236}">
-                <a16:creationId xmlns:a16="http://schemas.microsoft.com/office/drawing/2014/main" id="{97492751-E9EF-463C-8C1E-1AA3A9B1D816}"/>
+                <a16:creationId xmlns:a16="http://schemas.microsoft.com/office/drawing/2014/main" xmlns="" id="{97492751-E9EF-463C-8C1E-1AA3A9B1D816}"/>
               </a:ext>
             </a:extLst>
           </p:cNvPr>
@@ -4574,7 +4590,7 @@
           <p:cNvPr id="20" name="Content Placeholder 14">
             <a:extLst>
               <a:ext uri="{FF2B5EF4-FFF2-40B4-BE49-F238E27FC236}">
-                <a16:creationId xmlns:a16="http://schemas.microsoft.com/office/drawing/2014/main" id="{E6FA2C89-4818-4619-8F8B-31E5505EAF76}"/>
+                <a16:creationId xmlns:a16="http://schemas.microsoft.com/office/drawing/2014/main" xmlns="" id="{E6FA2C89-4818-4619-8F8B-31E5505EAF76}"/>
               </a:ext>
             </a:extLst>
           </p:cNvPr>
@@ -4620,7 +4636,7 @@
           <p:cNvPr id="21" name="Text Placeholder 16">
             <a:extLst>
               <a:ext uri="{FF2B5EF4-FFF2-40B4-BE49-F238E27FC236}">
-                <a16:creationId xmlns:a16="http://schemas.microsoft.com/office/drawing/2014/main" id="{67651986-01F3-4697-A0D4-31F6A1098310}"/>
+                <a16:creationId xmlns:a16="http://schemas.microsoft.com/office/drawing/2014/main" xmlns="" id="{67651986-01F3-4697-A0D4-31F6A1098310}"/>
               </a:ext>
             </a:extLst>
           </p:cNvPr>
@@ -4735,7 +4751,7 @@
           <p:cNvPr id="12" name="Content Placeholder 14">
             <a:extLst>
               <a:ext uri="{FF2B5EF4-FFF2-40B4-BE49-F238E27FC236}">
-                <a16:creationId xmlns:a16="http://schemas.microsoft.com/office/drawing/2014/main" id="{0D990D0E-21A8-4155-B955-886A21DE1825}"/>
+                <a16:creationId xmlns:a16="http://schemas.microsoft.com/office/drawing/2014/main" xmlns="" id="{0D990D0E-21A8-4155-B955-886A21DE1825}"/>
               </a:ext>
             </a:extLst>
           </p:cNvPr>
@@ -4781,7 +4797,7 @@
           <p:cNvPr id="13" name="Text Placeholder 16">
             <a:extLst>
               <a:ext uri="{FF2B5EF4-FFF2-40B4-BE49-F238E27FC236}">
-                <a16:creationId xmlns:a16="http://schemas.microsoft.com/office/drawing/2014/main" id="{E86030C3-0988-4616-B1A6-DC729760D6A1}"/>
+                <a16:creationId xmlns:a16="http://schemas.microsoft.com/office/drawing/2014/main" xmlns="" id="{E86030C3-0988-4616-B1A6-DC729760D6A1}"/>
               </a:ext>
             </a:extLst>
           </p:cNvPr>
@@ -4933,7 +4949,7 @@
   </p:clrMapOvr>
   <p:extLst>
     <p:ext uri="{DCECCB84-F9BA-43D5-87BE-67443E8EF086}">
-      <p15:sldGuideLst xmlns:p15="http://schemas.microsoft.com/office/powerpoint/2012/main"/>
+      <p15:sldGuideLst xmlns:p15="http://schemas.microsoft.com/office/powerpoint/2012/main" xmlns=""/>
     </p:ext>
   </p:extLst>
 </p:sldLayout>
@@ -4961,7 +4977,7 @@
           <p:cNvPr id="2" name="Rectangle 1">
             <a:extLst>
               <a:ext uri="{FF2B5EF4-FFF2-40B4-BE49-F238E27FC236}">
-                <a16:creationId xmlns:a16="http://schemas.microsoft.com/office/drawing/2014/main" id="{FA4B57A7-3A86-45DA-B5CA-AC7A481E3274}"/>
+                <a16:creationId xmlns:a16="http://schemas.microsoft.com/office/drawing/2014/main" xmlns="" id="{FA4B57A7-3A86-45DA-B5CA-AC7A481E3274}"/>
               </a:ext>
             </a:extLst>
           </p:cNvPr>
@@ -5018,7 +5034,7 @@
           <p:cNvPr id="3" name="Rectangle 2">
             <a:extLst>
               <a:ext uri="{FF2B5EF4-FFF2-40B4-BE49-F238E27FC236}">
-                <a16:creationId xmlns:a16="http://schemas.microsoft.com/office/drawing/2014/main" id="{14F3BCA9-2C74-4567-9FB2-2CE1AC28A6EC}"/>
+                <a16:creationId xmlns:a16="http://schemas.microsoft.com/office/drawing/2014/main" xmlns="" id="{14F3BCA9-2C74-4567-9FB2-2CE1AC28A6EC}"/>
               </a:ext>
             </a:extLst>
           </p:cNvPr>
@@ -5075,7 +5091,7 @@
           <p:cNvPr id="15" name="Picture Placeholder 12">
             <a:extLst>
               <a:ext uri="{FF2B5EF4-FFF2-40B4-BE49-F238E27FC236}">
-                <a16:creationId xmlns:a16="http://schemas.microsoft.com/office/drawing/2014/main" id="{86D9E3AF-002F-496A-AE6E-5675F6459273}"/>
+                <a16:creationId xmlns:a16="http://schemas.microsoft.com/office/drawing/2014/main" xmlns="" id="{86D9E3AF-002F-496A-AE6E-5675F6459273}"/>
               </a:ext>
             </a:extLst>
           </p:cNvPr>
@@ -5108,7 +5124,7 @@
           <p:cNvPr id="16" name="Picture Placeholder 11">
             <a:extLst>
               <a:ext uri="{FF2B5EF4-FFF2-40B4-BE49-F238E27FC236}">
-                <a16:creationId xmlns:a16="http://schemas.microsoft.com/office/drawing/2014/main" id="{86E48971-37C3-4BED-A53F-BBE4AE0A58D9}"/>
+                <a16:creationId xmlns:a16="http://schemas.microsoft.com/office/drawing/2014/main" xmlns="" id="{86E48971-37C3-4BED-A53F-BBE4AE0A58D9}"/>
               </a:ext>
             </a:extLst>
           </p:cNvPr>
@@ -5141,7 +5157,7 @@
           <p:cNvPr id="18" name="Picture Placeholder 14">
             <a:extLst>
               <a:ext uri="{FF2B5EF4-FFF2-40B4-BE49-F238E27FC236}">
-                <a16:creationId xmlns:a16="http://schemas.microsoft.com/office/drawing/2014/main" id="{E35617C7-C13A-4F76-8C0C-AF5E38C6227D}"/>
+                <a16:creationId xmlns:a16="http://schemas.microsoft.com/office/drawing/2014/main" xmlns="" id="{E35617C7-C13A-4F76-8C0C-AF5E38C6227D}"/>
               </a:ext>
             </a:extLst>
           </p:cNvPr>
@@ -5174,7 +5190,7 @@
           <p:cNvPr id="26" name="Text Placeholder 18">
             <a:extLst>
               <a:ext uri="{FF2B5EF4-FFF2-40B4-BE49-F238E27FC236}">
-                <a16:creationId xmlns:a16="http://schemas.microsoft.com/office/drawing/2014/main" id="{7DB83E81-869F-4BAD-AEC6-B87F2B879A30}"/>
+                <a16:creationId xmlns:a16="http://schemas.microsoft.com/office/drawing/2014/main" xmlns="" id="{7DB83E81-869F-4BAD-AEC6-B87F2B879A30}"/>
               </a:ext>
             </a:extLst>
           </p:cNvPr>
@@ -5312,7 +5328,7 @@
           <p:cNvPr id="30" name="Text Placeholder 18">
             <a:extLst>
               <a:ext uri="{FF2B5EF4-FFF2-40B4-BE49-F238E27FC236}">
-                <a16:creationId xmlns:a16="http://schemas.microsoft.com/office/drawing/2014/main" id="{6A9BD8AF-34CA-4F04-9A17-B45F6EB3AA9D}"/>
+                <a16:creationId xmlns:a16="http://schemas.microsoft.com/office/drawing/2014/main" xmlns="" id="{6A9BD8AF-34CA-4F04-9A17-B45F6EB3AA9D}"/>
               </a:ext>
             </a:extLst>
           </p:cNvPr>
@@ -5449,7 +5465,7 @@
           <p:cNvPr id="33" name="Text Placeholder 16">
             <a:extLst>
               <a:ext uri="{FF2B5EF4-FFF2-40B4-BE49-F238E27FC236}">
-                <a16:creationId xmlns:a16="http://schemas.microsoft.com/office/drawing/2014/main" id="{2390D74A-03BA-4C31-B59B-57CCDAF885DD}"/>
+                <a16:creationId xmlns:a16="http://schemas.microsoft.com/office/drawing/2014/main" xmlns="" id="{2390D74A-03BA-4C31-B59B-57CCDAF885DD}"/>
               </a:ext>
             </a:extLst>
           </p:cNvPr>
@@ -5502,7 +5518,7 @@
           <p:cNvPr id="34" name="Text Placeholder 18">
             <a:extLst>
               <a:ext uri="{FF2B5EF4-FFF2-40B4-BE49-F238E27FC236}">
-                <a16:creationId xmlns:a16="http://schemas.microsoft.com/office/drawing/2014/main" id="{50BE2EB5-0041-4D2D-A6AE-4DE92FEED83A}"/>
+                <a16:creationId xmlns:a16="http://schemas.microsoft.com/office/drawing/2014/main" xmlns="" id="{50BE2EB5-0041-4D2D-A6AE-4DE92FEED83A}"/>
               </a:ext>
             </a:extLst>
           </p:cNvPr>
@@ -5634,7 +5650,7 @@
           <p:cNvPr id="17" name="Title 3">
             <a:extLst>
               <a:ext uri="{FF2B5EF4-FFF2-40B4-BE49-F238E27FC236}">
-                <a16:creationId xmlns:a16="http://schemas.microsoft.com/office/drawing/2014/main" id="{7D4C849E-DCC1-4757-BBBF-C69B4CD0BD94}"/>
+                <a16:creationId xmlns:a16="http://schemas.microsoft.com/office/drawing/2014/main" xmlns="" id="{7D4C849E-DCC1-4757-BBBF-C69B4CD0BD94}"/>
               </a:ext>
             </a:extLst>
           </p:cNvPr>
@@ -5692,7 +5708,7 @@
   </p:clrMapOvr>
   <p:extLst>
     <p:ext uri="{DCECCB84-F9BA-43D5-87BE-67443E8EF086}">
-      <p15:sldGuideLst xmlns:p15="http://schemas.microsoft.com/office/powerpoint/2012/main"/>
+      <p15:sldGuideLst xmlns:p15="http://schemas.microsoft.com/office/powerpoint/2012/main" xmlns=""/>
     </p:ext>
   </p:extLst>
 </p:sldLayout>
@@ -5720,7 +5736,7 @@
           <p:cNvPr id="2" name="Rectangle 1">
             <a:extLst>
               <a:ext uri="{FF2B5EF4-FFF2-40B4-BE49-F238E27FC236}">
-                <a16:creationId xmlns:a16="http://schemas.microsoft.com/office/drawing/2014/main" id="{DF7DA993-9462-4064-B89B-BCEF27D4DACC}"/>
+                <a16:creationId xmlns:a16="http://schemas.microsoft.com/office/drawing/2014/main" xmlns="" id="{DF7DA993-9462-4064-B89B-BCEF27D4DACC}"/>
               </a:ext>
             </a:extLst>
           </p:cNvPr>
@@ -5781,7 +5797,7 @@
           <p:cNvPr id="3" name="Rectangle 2">
             <a:extLst>
               <a:ext uri="{FF2B5EF4-FFF2-40B4-BE49-F238E27FC236}">
-                <a16:creationId xmlns:a16="http://schemas.microsoft.com/office/drawing/2014/main" id="{C8931403-AA2F-415D-BC4C-E1168B62C473}"/>
+                <a16:creationId xmlns:a16="http://schemas.microsoft.com/office/drawing/2014/main" xmlns="" id="{C8931403-AA2F-415D-BC4C-E1168B62C473}"/>
               </a:ext>
             </a:extLst>
           </p:cNvPr>
@@ -5842,7 +5858,7 @@
           <p:cNvPr id="15" name="Picture Placeholder 12">
             <a:extLst>
               <a:ext uri="{FF2B5EF4-FFF2-40B4-BE49-F238E27FC236}">
-                <a16:creationId xmlns:a16="http://schemas.microsoft.com/office/drawing/2014/main" id="{86D9E3AF-002F-496A-AE6E-5675F6459273}"/>
+                <a16:creationId xmlns:a16="http://schemas.microsoft.com/office/drawing/2014/main" xmlns="" id="{86D9E3AF-002F-496A-AE6E-5675F6459273}"/>
               </a:ext>
             </a:extLst>
           </p:cNvPr>
@@ -5875,7 +5891,7 @@
           <p:cNvPr id="16" name="Picture Placeholder 11">
             <a:extLst>
               <a:ext uri="{FF2B5EF4-FFF2-40B4-BE49-F238E27FC236}">
-                <a16:creationId xmlns:a16="http://schemas.microsoft.com/office/drawing/2014/main" id="{86E48971-37C3-4BED-A53F-BBE4AE0A58D9}"/>
+                <a16:creationId xmlns:a16="http://schemas.microsoft.com/office/drawing/2014/main" xmlns="" id="{86E48971-37C3-4BED-A53F-BBE4AE0A58D9}"/>
               </a:ext>
             </a:extLst>
           </p:cNvPr>
@@ -5908,7 +5924,7 @@
           <p:cNvPr id="18" name="Picture Placeholder 14">
             <a:extLst>
               <a:ext uri="{FF2B5EF4-FFF2-40B4-BE49-F238E27FC236}">
-                <a16:creationId xmlns:a16="http://schemas.microsoft.com/office/drawing/2014/main" id="{E35617C7-C13A-4F76-8C0C-AF5E38C6227D}"/>
+                <a16:creationId xmlns:a16="http://schemas.microsoft.com/office/drawing/2014/main" xmlns="" id="{E35617C7-C13A-4F76-8C0C-AF5E38C6227D}"/>
               </a:ext>
             </a:extLst>
           </p:cNvPr>
@@ -5941,7 +5957,7 @@
           <p:cNvPr id="26" name="Text Placeholder 18">
             <a:extLst>
               <a:ext uri="{FF2B5EF4-FFF2-40B4-BE49-F238E27FC236}">
-                <a16:creationId xmlns:a16="http://schemas.microsoft.com/office/drawing/2014/main" id="{7DB83E81-869F-4BAD-AEC6-B87F2B879A30}"/>
+                <a16:creationId xmlns:a16="http://schemas.microsoft.com/office/drawing/2014/main" xmlns="" id="{7DB83E81-869F-4BAD-AEC6-B87F2B879A30}"/>
               </a:ext>
             </a:extLst>
           </p:cNvPr>
@@ -6094,7 +6110,7 @@
           <p:cNvPr id="24" name="Text Placeholder 16">
             <a:extLst>
               <a:ext uri="{FF2B5EF4-FFF2-40B4-BE49-F238E27FC236}">
-                <a16:creationId xmlns:a16="http://schemas.microsoft.com/office/drawing/2014/main" id="{998F7F43-9F0A-4A12-909E-A0A45D51298C}"/>
+                <a16:creationId xmlns:a16="http://schemas.microsoft.com/office/drawing/2014/main" xmlns="" id="{998F7F43-9F0A-4A12-909E-A0A45D51298C}"/>
               </a:ext>
             </a:extLst>
           </p:cNvPr>
@@ -6147,7 +6163,7 @@
           <p:cNvPr id="25" name="Text Placeholder 18">
             <a:extLst>
               <a:ext uri="{FF2B5EF4-FFF2-40B4-BE49-F238E27FC236}">
-                <a16:creationId xmlns:a16="http://schemas.microsoft.com/office/drawing/2014/main" id="{F5331389-512C-445A-AAE9-512161E8106E}"/>
+                <a16:creationId xmlns:a16="http://schemas.microsoft.com/office/drawing/2014/main" xmlns="" id="{F5331389-512C-445A-AAE9-512161E8106E}"/>
               </a:ext>
             </a:extLst>
           </p:cNvPr>
@@ -6300,7 +6316,7 @@
           <p:cNvPr id="14" name="Text Placeholder 18">
             <a:extLst>
               <a:ext uri="{FF2B5EF4-FFF2-40B4-BE49-F238E27FC236}">
-                <a16:creationId xmlns:a16="http://schemas.microsoft.com/office/drawing/2014/main" id="{77F65966-649A-4014-AAD1-3121592E2E38}"/>
+                <a16:creationId xmlns:a16="http://schemas.microsoft.com/office/drawing/2014/main" xmlns="" id="{77F65966-649A-4014-AAD1-3121592E2E38}"/>
               </a:ext>
             </a:extLst>
           </p:cNvPr>
@@ -6438,7 +6454,7 @@
           <p:cNvPr id="4" name="Title 3">
             <a:extLst>
               <a:ext uri="{FF2B5EF4-FFF2-40B4-BE49-F238E27FC236}">
-                <a16:creationId xmlns:a16="http://schemas.microsoft.com/office/drawing/2014/main" id="{059F801B-9725-432B-9CE8-6F353446EC4B}"/>
+                <a16:creationId xmlns:a16="http://schemas.microsoft.com/office/drawing/2014/main" xmlns="" id="{059F801B-9725-432B-9CE8-6F353446EC4B}"/>
               </a:ext>
             </a:extLst>
           </p:cNvPr>
@@ -6496,7 +6512,7 @@
   </p:clrMapOvr>
   <p:extLst>
     <p:ext uri="{DCECCB84-F9BA-43D5-87BE-67443E8EF086}">
-      <p15:sldGuideLst xmlns:p15="http://schemas.microsoft.com/office/powerpoint/2012/main"/>
+      <p15:sldGuideLst xmlns:p15="http://schemas.microsoft.com/office/powerpoint/2012/main" xmlns=""/>
     </p:ext>
   </p:extLst>
 </p:sldLayout>
@@ -6529,7 +6545,7 @@
           <p:cNvPr id="2" name="Title Placeholder 1">
             <a:extLst>
               <a:ext uri="{FF2B5EF4-FFF2-40B4-BE49-F238E27FC236}">
-                <a16:creationId xmlns:a16="http://schemas.microsoft.com/office/drawing/2014/main" id="{318615E1-5D6D-48CF-AD07-8B84FA4FCCB4}"/>
+                <a16:creationId xmlns:a16="http://schemas.microsoft.com/office/drawing/2014/main" xmlns="" id="{318615E1-5D6D-48CF-AD07-8B84FA4FCCB4}"/>
               </a:ext>
             </a:extLst>
           </p:cNvPr>
@@ -6567,7 +6583,7 @@
           <p:cNvPr id="3" name="Text Placeholder 2">
             <a:extLst>
               <a:ext uri="{FF2B5EF4-FFF2-40B4-BE49-F238E27FC236}">
-                <a16:creationId xmlns:a16="http://schemas.microsoft.com/office/drawing/2014/main" id="{E257D790-2770-4A00-BC9B-FA42651B62EE}"/>
+                <a16:creationId xmlns:a16="http://schemas.microsoft.com/office/drawing/2014/main" xmlns="" id="{E257D790-2770-4A00-BC9B-FA42651B62EE}"/>
               </a:ext>
             </a:extLst>
           </p:cNvPr>
@@ -6943,7 +6959,7 @@
   </p:txStyles>
   <p:extLst>
     <p:ext uri="{27BBF7A9-308A-43DC-89C8-2F10F3537804}">
-      <p15:sldGuideLst xmlns:p15="http://schemas.microsoft.com/office/powerpoint/2012/main">
+      <p15:sldGuideLst xmlns:p15="http://schemas.microsoft.com/office/powerpoint/2012/main" xmlns="">
         <p15:guide id="2" pos="2112" userDrawn="1">
           <p15:clr>
             <a:srgbClr val="F26B43"/>
@@ -7016,7 +7032,7 @@
         <p:cNvPr id="1" name="">
           <a:extLst>
             <a:ext uri="{FF2B5EF4-FFF2-40B4-BE49-F238E27FC236}">
-              <a16:creationId xmlns:a16="http://schemas.microsoft.com/office/drawing/2014/main" id="{D5C53301-8343-ADFD-88F6-3D781E6041C7}"/>
+              <a16:creationId xmlns:a16="http://schemas.microsoft.com/office/drawing/2014/main" xmlns="" id="{D5C53301-8343-ADFD-88F6-3D781E6041C7}"/>
             </a:ext>
           </a:extLst>
         </p:cNvPr>
@@ -7036,10 +7052,10 @@
           <p:cNvPr id="51" name="Rectangle 50">
             <a:extLst>
               <a:ext uri="{FF2B5EF4-FFF2-40B4-BE49-F238E27FC236}">
-                <a16:creationId xmlns:a16="http://schemas.microsoft.com/office/drawing/2014/main" id="{870A1295-61BC-4214-AA3E-D396673024D0}"/>
+                <a16:creationId xmlns:a16="http://schemas.microsoft.com/office/drawing/2014/main" xmlns="" id="{870A1295-61BC-4214-AA3E-D396673024D0}"/>
               </a:ext>
               <a:ext uri="{C183D7F6-B498-43B3-948B-1728B52AA6E4}">
-                <adec:decorative xmlns:adec="http://schemas.microsoft.com/office/drawing/2017/decorative" val="1"/>
+                <adec:decorative xmlns:adec="http://schemas.microsoft.com/office/drawing/2017/decorative" xmlns="" val="1"/>
               </a:ext>
             </a:extLst>
           </p:cNvPr>
@@ -7049,7 +7065,7 @@
           <p:nvPr>
             <p:extLst>
               <p:ext uri="{386F3935-93C4-4BCD-93E2-E3B085C9AB24}">
-                <p16:designElem xmlns:p16="http://schemas.microsoft.com/office/powerpoint/2015/main" val="1"/>
+                <p16:designElem xmlns:p16="http://schemas.microsoft.com/office/powerpoint/2015/main" xmlns="" val="1"/>
               </p:ext>
             </p:extLst>
           </p:nvPr>
@@ -7096,7 +7112,7 @@
           <p:cNvPr id="41" name="Picture Placeholder 40">
             <a:extLst>
               <a:ext uri="{FF2B5EF4-FFF2-40B4-BE49-F238E27FC236}">
-                <a16:creationId xmlns:a16="http://schemas.microsoft.com/office/drawing/2014/main" id="{329A0265-5337-8762-1546-57BFFDCC48FD}"/>
+                <a16:creationId xmlns:a16="http://schemas.microsoft.com/office/drawing/2014/main" xmlns="" id="{329A0265-5337-8762-1546-57BFFDCC48FD}"/>
               </a:ext>
             </a:extLst>
           </p:cNvPr>
@@ -7127,10 +7143,10 @@
           <p:cNvPr id="53" name="Group 52">
             <a:extLst>
               <a:ext uri="{FF2B5EF4-FFF2-40B4-BE49-F238E27FC236}">
-                <a16:creationId xmlns:a16="http://schemas.microsoft.com/office/drawing/2014/main" id="{0B139475-2B26-4CA9-9413-DE741E49F7BB}"/>
+                <a16:creationId xmlns:a16="http://schemas.microsoft.com/office/drawing/2014/main" xmlns="" id="{0B139475-2B26-4CA9-9413-DE741E49F7BB}"/>
               </a:ext>
               <a:ext uri="{C183D7F6-B498-43B3-948B-1728B52AA6E4}">
-                <adec:decorative xmlns:adec="http://schemas.microsoft.com/office/drawing/2017/decorative" val="1"/>
+                <adec:decorative xmlns:adec="http://schemas.microsoft.com/office/drawing/2017/decorative" xmlns="" val="1"/>
               </a:ext>
             </a:extLst>
           </p:cNvPr>
@@ -7140,7 +7156,7 @@
           <p:nvPr>
             <p:extLst>
               <p:ext uri="{386F3935-93C4-4BCD-93E2-E3B085C9AB24}">
-                <p16:designElem xmlns:p16="http://schemas.microsoft.com/office/powerpoint/2015/main" val="1"/>
+                <p16:designElem xmlns:p16="http://schemas.microsoft.com/office/powerpoint/2015/main" xmlns="" val="1"/>
               </p:ext>
             </p:extLst>
           </p:nvPr>
@@ -7158,10 +7174,10 @@
             <p:cNvPr id="54" name="Freeform: Shape 53">
               <a:extLst>
                 <a:ext uri="{FF2B5EF4-FFF2-40B4-BE49-F238E27FC236}">
-                  <a16:creationId xmlns:a16="http://schemas.microsoft.com/office/drawing/2014/main" id="{16C6BF63-6277-4C39-BE5D-3C341662CE4E}"/>
+                  <a16:creationId xmlns:a16="http://schemas.microsoft.com/office/drawing/2014/main" xmlns="" id="{16C6BF63-6277-4C39-BE5D-3C341662CE4E}"/>
                 </a:ext>
                 <a:ext uri="{C183D7F6-B498-43B3-948B-1728B52AA6E4}">
-                  <adec:decorative xmlns:adec="http://schemas.microsoft.com/office/drawing/2017/decorative" val="1"/>
+                  <adec:decorative xmlns:adec="http://schemas.microsoft.com/office/drawing/2017/decorative" xmlns="" val="1"/>
                 </a:ext>
               </a:extLst>
             </p:cNvPr>
@@ -7169,7 +7185,7 @@
             <p:nvPr>
               <p:extLst>
                 <p:ext uri="{386F3935-93C4-4BCD-93E2-E3B085C9AB24}">
-                  <p16:designElem xmlns:p16="http://schemas.microsoft.com/office/powerpoint/2015/main" val="1"/>
+                  <p16:designElem xmlns:p16="http://schemas.microsoft.com/office/powerpoint/2015/main" xmlns="" val="1"/>
                 </p:ext>
               </p:extLst>
             </p:nvPr>
@@ -7394,10 +7410,10 @@
             <p:cNvPr id="55" name="Freeform: Shape 54">
               <a:extLst>
                 <a:ext uri="{FF2B5EF4-FFF2-40B4-BE49-F238E27FC236}">
-                  <a16:creationId xmlns:a16="http://schemas.microsoft.com/office/drawing/2014/main" id="{6EA3BAD9-C130-4A9C-9086-20D132A6CF29}"/>
+                  <a16:creationId xmlns:a16="http://schemas.microsoft.com/office/drawing/2014/main" xmlns="" id="{6EA3BAD9-C130-4A9C-9086-20D132A6CF29}"/>
                 </a:ext>
                 <a:ext uri="{C183D7F6-B498-43B3-948B-1728B52AA6E4}">
-                  <adec:decorative xmlns:adec="http://schemas.microsoft.com/office/drawing/2017/decorative" val="1"/>
+                  <adec:decorative xmlns:adec="http://schemas.microsoft.com/office/drawing/2017/decorative" xmlns="" val="1"/>
                 </a:ext>
               </a:extLst>
             </p:cNvPr>
@@ -7405,7 +7421,7 @@
             <p:nvPr>
               <p:extLst>
                 <p:ext uri="{386F3935-93C4-4BCD-93E2-E3B085C9AB24}">
-                  <p16:designElem xmlns:p16="http://schemas.microsoft.com/office/powerpoint/2015/main" val="1"/>
+                  <p16:designElem xmlns:p16="http://schemas.microsoft.com/office/powerpoint/2015/main" xmlns="" val="1"/>
                 </p:ext>
               </p:extLst>
             </p:nvPr>
@@ -8413,10 +8429,10 @@
             <p:cNvPr id="56" name="Freeform: Shape 55">
               <a:extLst>
                 <a:ext uri="{FF2B5EF4-FFF2-40B4-BE49-F238E27FC236}">
-                  <a16:creationId xmlns:a16="http://schemas.microsoft.com/office/drawing/2014/main" id="{2587D38B-9E07-4A8B-B285-5FEBF6A60DC7}"/>
+                  <a16:creationId xmlns:a16="http://schemas.microsoft.com/office/drawing/2014/main" xmlns="" id="{2587D38B-9E07-4A8B-B285-5FEBF6A60DC7}"/>
                 </a:ext>
                 <a:ext uri="{C183D7F6-B498-43B3-948B-1728B52AA6E4}">
-                  <adec:decorative xmlns:adec="http://schemas.microsoft.com/office/drawing/2017/decorative" val="1"/>
+                  <adec:decorative xmlns:adec="http://schemas.microsoft.com/office/drawing/2017/decorative" xmlns="" val="1"/>
                 </a:ext>
               </a:extLst>
             </p:cNvPr>
@@ -8424,7 +8440,7 @@
             <p:nvPr>
               <p:extLst>
                 <p:ext uri="{386F3935-93C4-4BCD-93E2-E3B085C9AB24}">
-                  <p16:designElem xmlns:p16="http://schemas.microsoft.com/office/powerpoint/2015/main" val="1"/>
+                  <p16:designElem xmlns:p16="http://schemas.microsoft.com/office/powerpoint/2015/main" xmlns="" val="1"/>
                 </p:ext>
               </p:extLst>
             </p:nvPr>
@@ -9414,10 +9430,10 @@
             <p:cNvPr id="57" name="Freeform: Shape 56">
               <a:extLst>
                 <a:ext uri="{FF2B5EF4-FFF2-40B4-BE49-F238E27FC236}">
-                  <a16:creationId xmlns:a16="http://schemas.microsoft.com/office/drawing/2014/main" id="{5EF4DD4B-217B-4346-A2B8-4327936399CA}"/>
+                  <a16:creationId xmlns:a16="http://schemas.microsoft.com/office/drawing/2014/main" xmlns="" id="{5EF4DD4B-217B-4346-A2B8-4327936399CA}"/>
                 </a:ext>
                 <a:ext uri="{C183D7F6-B498-43B3-948B-1728B52AA6E4}">
-                  <adec:decorative xmlns:adec="http://schemas.microsoft.com/office/drawing/2017/decorative" val="1"/>
+                  <adec:decorative xmlns:adec="http://schemas.microsoft.com/office/drawing/2017/decorative" xmlns="" val="1"/>
                 </a:ext>
               </a:extLst>
             </p:cNvPr>
@@ -9425,7 +9441,7 @@
             <p:nvPr>
               <p:extLst>
                 <p:ext uri="{386F3935-93C4-4BCD-93E2-E3B085C9AB24}">
-                  <p16:designElem xmlns:p16="http://schemas.microsoft.com/office/powerpoint/2015/main" val="1"/>
+                  <p16:designElem xmlns:p16="http://schemas.microsoft.com/office/powerpoint/2015/main" xmlns="" val="1"/>
                 </p:ext>
               </p:extLst>
             </p:nvPr>
@@ -10326,7 +10342,7 @@
           <p:cNvPr id="6" name="Content Placeholder 3">
             <a:extLst>
               <a:ext uri="{FF2B5EF4-FFF2-40B4-BE49-F238E27FC236}">
-                <a16:creationId xmlns:a16="http://schemas.microsoft.com/office/drawing/2014/main" id="{23133077-9AFB-1C43-7D9D-CBBCAC517A78}"/>
+                <a16:creationId xmlns:a16="http://schemas.microsoft.com/office/drawing/2014/main" xmlns="" id="{23133077-9AFB-1C43-7D9D-CBBCAC517A78}"/>
               </a:ext>
             </a:extLst>
           </p:cNvPr>
@@ -10370,7 +10386,7 @@
           <p:cNvPr id="7" name="Text Placeholder 4">
             <a:extLst>
               <a:ext uri="{FF2B5EF4-FFF2-40B4-BE49-F238E27FC236}">
-                <a16:creationId xmlns:a16="http://schemas.microsoft.com/office/drawing/2014/main" id="{9B751328-D16F-48F5-34DA-40F821D533BC}"/>
+                <a16:creationId xmlns:a16="http://schemas.microsoft.com/office/drawing/2014/main" xmlns="" id="{9B751328-D16F-48F5-34DA-40F821D533BC}"/>
               </a:ext>
             </a:extLst>
           </p:cNvPr>
@@ -10459,7 +10475,7 @@
           <p:cNvPr id="8" name="Content Placeholder 38">
             <a:extLst>
               <a:ext uri="{FF2B5EF4-FFF2-40B4-BE49-F238E27FC236}">
-                <a16:creationId xmlns:a16="http://schemas.microsoft.com/office/drawing/2014/main" id="{D8F46DF2-CFE4-A8FA-F9CF-B9010BB1F23D}"/>
+                <a16:creationId xmlns:a16="http://schemas.microsoft.com/office/drawing/2014/main" xmlns="" id="{D8F46DF2-CFE4-A8FA-F9CF-B9010BB1F23D}"/>
               </a:ext>
             </a:extLst>
           </p:cNvPr>
@@ -10552,7 +10568,7 @@
         <p:cNvPr id="1" name="">
           <a:extLst>
             <a:ext uri="{FF2B5EF4-FFF2-40B4-BE49-F238E27FC236}">
-              <a16:creationId xmlns:a16="http://schemas.microsoft.com/office/drawing/2014/main" id="{F1F63712-DCF7-7FB6-CD1E-404F819B009A}"/>
+              <a16:creationId xmlns:a16="http://schemas.microsoft.com/office/drawing/2014/main" xmlns="" id="{F1F63712-DCF7-7FB6-CD1E-404F819B009A}"/>
             </a:ext>
           </a:extLst>
         </p:cNvPr>
@@ -10572,10 +10588,10 @@
           <p:cNvPr id="27" name="Rectangle 26">
             <a:extLst>
               <a:ext uri="{FF2B5EF4-FFF2-40B4-BE49-F238E27FC236}">
-                <a16:creationId xmlns:a16="http://schemas.microsoft.com/office/drawing/2014/main" id="{8156857F-BFAB-179B-3832-2A3B5E214362}"/>
+                <a16:creationId xmlns:a16="http://schemas.microsoft.com/office/drawing/2014/main" xmlns="" id="{8156857F-BFAB-179B-3832-2A3B5E214362}"/>
               </a:ext>
               <a:ext uri="{C183D7F6-B498-43B3-948B-1728B52AA6E4}">
-                <adec:decorative xmlns:adec="http://schemas.microsoft.com/office/drawing/2017/decorative" val="1"/>
+                <adec:decorative xmlns:adec="http://schemas.microsoft.com/office/drawing/2017/decorative" xmlns="" val="1"/>
               </a:ext>
             </a:extLst>
           </p:cNvPr>
@@ -10585,7 +10601,7 @@
           <p:nvPr>
             <p:extLst>
               <p:ext uri="{386F3935-93C4-4BCD-93E2-E3B085C9AB24}">
-                <p16:designElem xmlns:p16="http://schemas.microsoft.com/office/powerpoint/2015/main" val="1"/>
+                <p16:designElem xmlns:p16="http://schemas.microsoft.com/office/powerpoint/2015/main" xmlns="" val="1"/>
               </p:ext>
             </p:extLst>
           </p:nvPr>
@@ -10635,10 +10651,10 @@
           <p:cNvPr id="29" name="Freeform: Shape 28">
             <a:extLst>
               <a:ext uri="{FF2B5EF4-FFF2-40B4-BE49-F238E27FC236}">
-                <a16:creationId xmlns:a16="http://schemas.microsoft.com/office/drawing/2014/main" id="{25B32F72-8238-5E0C-5301-8221F8E52BA8}"/>
+                <a16:creationId xmlns:a16="http://schemas.microsoft.com/office/drawing/2014/main" xmlns="" id="{25B32F72-8238-5E0C-5301-8221F8E52BA8}"/>
               </a:ext>
               <a:ext uri="{C183D7F6-B498-43B3-948B-1728B52AA6E4}">
-                <adec:decorative xmlns:adec="http://schemas.microsoft.com/office/drawing/2017/decorative" val="1"/>
+                <adec:decorative xmlns:adec="http://schemas.microsoft.com/office/drawing/2017/decorative" xmlns="" val="1"/>
               </a:ext>
             </a:extLst>
           </p:cNvPr>
@@ -10648,7 +10664,7 @@
           <p:nvPr>
             <p:extLst>
               <p:ext uri="{386F3935-93C4-4BCD-93E2-E3B085C9AB24}">
-                <p16:designElem xmlns:p16="http://schemas.microsoft.com/office/powerpoint/2015/main" val="1"/>
+                <p16:designElem xmlns:p16="http://schemas.microsoft.com/office/powerpoint/2015/main" xmlns="" val="1"/>
               </p:ext>
             </p:extLst>
           </p:nvPr>
@@ -10751,10 +10767,10 @@
           <p:cNvPr id="31" name="Rectangle 30">
             <a:extLst>
               <a:ext uri="{FF2B5EF4-FFF2-40B4-BE49-F238E27FC236}">
-                <a16:creationId xmlns:a16="http://schemas.microsoft.com/office/drawing/2014/main" id="{44DBA55B-2EA7-7FFD-289B-95AC2464D02B}"/>
+                <a16:creationId xmlns:a16="http://schemas.microsoft.com/office/drawing/2014/main" xmlns="" id="{44DBA55B-2EA7-7FFD-289B-95AC2464D02B}"/>
               </a:ext>
               <a:ext uri="{C183D7F6-B498-43B3-948B-1728B52AA6E4}">
-                <adec:decorative xmlns:adec="http://schemas.microsoft.com/office/drawing/2017/decorative" val="1"/>
+                <adec:decorative xmlns:adec="http://schemas.microsoft.com/office/drawing/2017/decorative" xmlns="" val="1"/>
               </a:ext>
             </a:extLst>
           </p:cNvPr>
@@ -10764,7 +10780,7 @@
           <p:nvPr>
             <p:extLst>
               <p:ext uri="{386F3935-93C4-4BCD-93E2-E3B085C9AB24}">
-                <p16:designElem xmlns:p16="http://schemas.microsoft.com/office/powerpoint/2015/main" val="1"/>
+                <p16:designElem xmlns:p16="http://schemas.microsoft.com/office/powerpoint/2015/main" xmlns="" val="1"/>
               </p:ext>
             </p:extLst>
           </p:nvPr>
@@ -10816,10 +10832,10 @@
           <p:cNvPr id="33" name="Rectangle 32">
             <a:extLst>
               <a:ext uri="{FF2B5EF4-FFF2-40B4-BE49-F238E27FC236}">
-                <a16:creationId xmlns:a16="http://schemas.microsoft.com/office/drawing/2014/main" id="{803ED4A3-E6F6-A9E4-7297-5C1FBACCEFC5}"/>
+                <a16:creationId xmlns:a16="http://schemas.microsoft.com/office/drawing/2014/main" xmlns="" id="{803ED4A3-E6F6-A9E4-7297-5C1FBACCEFC5}"/>
               </a:ext>
               <a:ext uri="{C183D7F6-B498-43B3-948B-1728B52AA6E4}">
-                <adec:decorative xmlns:adec="http://schemas.microsoft.com/office/drawing/2017/decorative" val="1"/>
+                <adec:decorative xmlns:adec="http://schemas.microsoft.com/office/drawing/2017/decorative" xmlns="" val="1"/>
               </a:ext>
             </a:extLst>
           </p:cNvPr>
@@ -10829,7 +10845,7 @@
           <p:nvPr>
             <p:extLst>
               <p:ext uri="{386F3935-93C4-4BCD-93E2-E3B085C9AB24}">
-                <p16:designElem xmlns:p16="http://schemas.microsoft.com/office/powerpoint/2015/main" val="1"/>
+                <p16:designElem xmlns:p16="http://schemas.microsoft.com/office/powerpoint/2015/main" xmlns="" val="1"/>
               </p:ext>
             </p:extLst>
           </p:nvPr>
@@ -10881,10 +10897,10 @@
           <p:cNvPr id="35" name="Freeform: Shape 34">
             <a:extLst>
               <a:ext uri="{FF2B5EF4-FFF2-40B4-BE49-F238E27FC236}">
-                <a16:creationId xmlns:a16="http://schemas.microsoft.com/office/drawing/2014/main" id="{F759BBD1-D9C3-0F46-D07F-870E04C43D55}"/>
+                <a16:creationId xmlns:a16="http://schemas.microsoft.com/office/drawing/2014/main" xmlns="" id="{F759BBD1-D9C3-0F46-D07F-870E04C43D55}"/>
               </a:ext>
               <a:ext uri="{C183D7F6-B498-43B3-948B-1728B52AA6E4}">
-                <adec:decorative xmlns:adec="http://schemas.microsoft.com/office/drawing/2017/decorative" val="1"/>
+                <adec:decorative xmlns:adec="http://schemas.microsoft.com/office/drawing/2017/decorative" xmlns="" val="1"/>
               </a:ext>
             </a:extLst>
           </p:cNvPr>
@@ -10894,7 +10910,7 @@
           <p:nvPr>
             <p:extLst>
               <p:ext uri="{386F3935-93C4-4BCD-93E2-E3B085C9AB24}">
-                <p16:designElem xmlns:p16="http://schemas.microsoft.com/office/powerpoint/2015/main" val="1"/>
+                <p16:designElem xmlns:p16="http://schemas.microsoft.com/office/powerpoint/2015/main" xmlns="" val="1"/>
               </p:ext>
             </p:extLst>
           </p:nvPr>
@@ -10991,10 +11007,10 @@
           <p:cNvPr id="37" name="Isosceles Triangle 36">
             <a:extLst>
               <a:ext uri="{FF2B5EF4-FFF2-40B4-BE49-F238E27FC236}">
-                <a16:creationId xmlns:a16="http://schemas.microsoft.com/office/drawing/2014/main" id="{DCFBF983-ECAB-18D5-301E-4CEB1E72C8F1}"/>
+                <a16:creationId xmlns:a16="http://schemas.microsoft.com/office/drawing/2014/main" xmlns="" id="{DCFBF983-ECAB-18D5-301E-4CEB1E72C8F1}"/>
               </a:ext>
               <a:ext uri="{C183D7F6-B498-43B3-948B-1728B52AA6E4}">
-                <adec:decorative xmlns:adec="http://schemas.microsoft.com/office/drawing/2017/decorative" val="1"/>
+                <adec:decorative xmlns:adec="http://schemas.microsoft.com/office/drawing/2017/decorative" xmlns="" val="1"/>
               </a:ext>
             </a:extLst>
           </p:cNvPr>
@@ -11004,7 +11020,7 @@
           <p:nvPr>
             <p:extLst>
               <p:ext uri="{386F3935-93C4-4BCD-93E2-E3B085C9AB24}">
-                <p16:designElem xmlns:p16="http://schemas.microsoft.com/office/powerpoint/2015/main" val="1"/>
+                <p16:designElem xmlns:p16="http://schemas.microsoft.com/office/powerpoint/2015/main" xmlns="" val="1"/>
               </p:ext>
             </p:extLst>
           </p:nvPr>
@@ -11056,10 +11072,10 @@
           <p:cNvPr id="39" name="Isosceles Triangle 38">
             <a:extLst>
               <a:ext uri="{FF2B5EF4-FFF2-40B4-BE49-F238E27FC236}">
-                <a16:creationId xmlns:a16="http://schemas.microsoft.com/office/drawing/2014/main" id="{3C16498B-A146-11F6-EB6C-1AC65F0C9457}"/>
+                <a16:creationId xmlns:a16="http://schemas.microsoft.com/office/drawing/2014/main" xmlns="" id="{3C16498B-A146-11F6-EB6C-1AC65F0C9457}"/>
               </a:ext>
               <a:ext uri="{C183D7F6-B498-43B3-948B-1728B52AA6E4}">
-                <adec:decorative xmlns:adec="http://schemas.microsoft.com/office/drawing/2017/decorative" val="1"/>
+                <adec:decorative xmlns:adec="http://schemas.microsoft.com/office/drawing/2017/decorative" xmlns="" val="1"/>
               </a:ext>
             </a:extLst>
           </p:cNvPr>
@@ -11069,7 +11085,7 @@
           <p:nvPr>
             <p:extLst>
               <p:ext uri="{386F3935-93C4-4BCD-93E2-E3B085C9AB24}">
-                <p16:designElem xmlns:p16="http://schemas.microsoft.com/office/powerpoint/2015/main" val="1"/>
+                <p16:designElem xmlns:p16="http://schemas.microsoft.com/office/powerpoint/2015/main" xmlns="" val="1"/>
               </p:ext>
             </p:extLst>
           </p:nvPr>
@@ -11121,7 +11137,7 @@
           <p:cNvPr id="26" name="TextBox 25">
             <a:extLst>
               <a:ext uri="{FF2B5EF4-FFF2-40B4-BE49-F238E27FC236}">
-                <a16:creationId xmlns:a16="http://schemas.microsoft.com/office/drawing/2014/main" id="{69D98DB2-A86A-133F-F60A-9FEFEE6B32B6}"/>
+                <a16:creationId xmlns:a16="http://schemas.microsoft.com/office/drawing/2014/main" xmlns="" id="{69D98DB2-A86A-133F-F60A-9FEFEE6B32B6}"/>
               </a:ext>
             </a:extLst>
           </p:cNvPr>
@@ -11172,7 +11188,7 @@
           <p:cNvPr id="28" name="TextBox 27">
             <a:extLst>
               <a:ext uri="{FF2B5EF4-FFF2-40B4-BE49-F238E27FC236}">
-                <a16:creationId xmlns:a16="http://schemas.microsoft.com/office/drawing/2014/main" id="{01A3F7CE-72E4-C4EC-6307-7789992692F6}"/>
+                <a16:creationId xmlns:a16="http://schemas.microsoft.com/office/drawing/2014/main" xmlns="" id="{01A3F7CE-72E4-C4EC-6307-7789992692F6}"/>
               </a:ext>
             </a:extLst>
           </p:cNvPr>
@@ -11329,7 +11345,7 @@
           <p:cNvPr id="3" name="Picture Placeholder 2">
             <a:extLst>
               <a:ext uri="{FF2B5EF4-FFF2-40B4-BE49-F238E27FC236}">
-                <a16:creationId xmlns:a16="http://schemas.microsoft.com/office/drawing/2014/main" id="{6528BD2B-6DCE-E764-6196-D85CB05C09B8}"/>
+                <a16:creationId xmlns:a16="http://schemas.microsoft.com/office/drawing/2014/main" xmlns="" id="{6528BD2B-6DCE-E764-6196-D85CB05C09B8}"/>
               </a:ext>
             </a:extLst>
           </p:cNvPr>
@@ -11354,7 +11370,7 @@
           <p:cNvPr id="4" name="Picture 3">
             <a:extLst>
               <a:ext uri="{FF2B5EF4-FFF2-40B4-BE49-F238E27FC236}">
-                <a16:creationId xmlns:a16="http://schemas.microsoft.com/office/drawing/2014/main" id="{261E99A0-E5F0-D732-2211-333F3A759E00}"/>
+                <a16:creationId xmlns:a16="http://schemas.microsoft.com/office/drawing/2014/main" xmlns="" id="{261E99A0-E5F0-D732-2211-333F3A759E00}"/>
               </a:ext>
             </a:extLst>
           </p:cNvPr>
@@ -11408,7 +11424,7 @@
         <p:cNvPr id="1" name="">
           <a:extLst>
             <a:ext uri="{FF2B5EF4-FFF2-40B4-BE49-F238E27FC236}">
-              <a16:creationId xmlns:a16="http://schemas.microsoft.com/office/drawing/2014/main" id="{07076CFD-B08F-D550-E0F7-AD5D4BF78572}"/>
+              <a16:creationId xmlns:a16="http://schemas.microsoft.com/office/drawing/2014/main" xmlns="" id="{07076CFD-B08F-D550-E0F7-AD5D4BF78572}"/>
             </a:ext>
           </a:extLst>
         </p:cNvPr>
@@ -11428,10 +11444,10 @@
           <p:cNvPr id="27" name="Rectangle 26">
             <a:extLst>
               <a:ext uri="{FF2B5EF4-FFF2-40B4-BE49-F238E27FC236}">
-                <a16:creationId xmlns:a16="http://schemas.microsoft.com/office/drawing/2014/main" id="{86FF76B9-219D-4469-AF87-0236D29032F1}"/>
+                <a16:creationId xmlns:a16="http://schemas.microsoft.com/office/drawing/2014/main" xmlns="" id="{86FF76B9-219D-4469-AF87-0236D29032F1}"/>
               </a:ext>
               <a:ext uri="{C183D7F6-B498-43B3-948B-1728B52AA6E4}">
-                <adec:decorative xmlns:adec="http://schemas.microsoft.com/office/drawing/2017/decorative" val="1"/>
+                <adec:decorative xmlns:adec="http://schemas.microsoft.com/office/drawing/2017/decorative" xmlns="" val="1"/>
               </a:ext>
             </a:extLst>
           </p:cNvPr>
@@ -11441,7 +11457,7 @@
           <p:nvPr>
             <p:extLst>
               <p:ext uri="{386F3935-93C4-4BCD-93E2-E3B085C9AB24}">
-                <p16:designElem xmlns:p16="http://schemas.microsoft.com/office/powerpoint/2015/main" val="1"/>
+                <p16:designElem xmlns:p16="http://schemas.microsoft.com/office/powerpoint/2015/main" xmlns="" val="1"/>
               </p:ext>
             </p:extLst>
           </p:nvPr>
@@ -11491,10 +11507,10 @@
           <p:cNvPr id="29" name="Group 28">
             <a:extLst>
               <a:ext uri="{FF2B5EF4-FFF2-40B4-BE49-F238E27FC236}">
-                <a16:creationId xmlns:a16="http://schemas.microsoft.com/office/drawing/2014/main" id="{DB88BD78-87E1-424D-B479-C37D8E41B12E}"/>
+                <a16:creationId xmlns:a16="http://schemas.microsoft.com/office/drawing/2014/main" xmlns="" id="{DB88BD78-87E1-424D-B479-C37D8E41B12E}"/>
               </a:ext>
               <a:ext uri="{C183D7F6-B498-43B3-948B-1728B52AA6E4}">
-                <adec:decorative xmlns:adec="http://schemas.microsoft.com/office/drawing/2017/decorative" val="1"/>
+                <adec:decorative xmlns:adec="http://schemas.microsoft.com/office/drawing/2017/decorative" xmlns="" val="1"/>
               </a:ext>
             </a:extLst>
           </p:cNvPr>
@@ -11504,7 +11520,7 @@
           <p:nvPr>
             <p:extLst>
               <p:ext uri="{386F3935-93C4-4BCD-93E2-E3B085C9AB24}">
-                <p16:designElem xmlns:p16="http://schemas.microsoft.com/office/powerpoint/2015/main" val="1"/>
+                <p16:designElem xmlns:p16="http://schemas.microsoft.com/office/powerpoint/2015/main" xmlns="" val="1"/>
               </p:ext>
             </p:extLst>
           </p:nvPr>
@@ -11522,10 +11538,10 @@
             <p:cNvPr id="30" name="Freeform: Shape 29">
               <a:extLst>
                 <a:ext uri="{FF2B5EF4-FFF2-40B4-BE49-F238E27FC236}">
-                  <a16:creationId xmlns:a16="http://schemas.microsoft.com/office/drawing/2014/main" id="{C05EB894-9410-4B20-95E4-7A25101AB895}"/>
+                  <a16:creationId xmlns:a16="http://schemas.microsoft.com/office/drawing/2014/main" xmlns="" id="{C05EB894-9410-4B20-95E4-7A25101AB895}"/>
                 </a:ext>
                 <a:ext uri="{C183D7F6-B498-43B3-948B-1728B52AA6E4}">
-                  <adec:decorative xmlns:adec="http://schemas.microsoft.com/office/drawing/2017/decorative" val="1"/>
+                  <adec:decorative xmlns:adec="http://schemas.microsoft.com/office/drawing/2017/decorative" xmlns="" val="1"/>
                 </a:ext>
               </a:extLst>
             </p:cNvPr>
@@ -11533,7 +11549,7 @@
             <p:nvPr>
               <p:extLst>
                 <p:ext uri="{386F3935-93C4-4BCD-93E2-E3B085C9AB24}">
-                  <p16:designElem xmlns:p16="http://schemas.microsoft.com/office/powerpoint/2015/main" val="1"/>
+                  <p16:designElem xmlns:p16="http://schemas.microsoft.com/office/powerpoint/2015/main" xmlns="" val="1"/>
                 </p:ext>
               </p:extLst>
             </p:nvPr>
@@ -11636,10 +11652,10 @@
             <p:cNvPr id="31" name="Rectangle 30">
               <a:extLst>
                 <a:ext uri="{FF2B5EF4-FFF2-40B4-BE49-F238E27FC236}">
-                  <a16:creationId xmlns:a16="http://schemas.microsoft.com/office/drawing/2014/main" id="{166E38B6-B050-4340-8E8F-3A971DADC031}"/>
+                  <a16:creationId xmlns:a16="http://schemas.microsoft.com/office/drawing/2014/main" xmlns="" id="{166E38B6-B050-4340-8E8F-3A971DADC031}"/>
                 </a:ext>
                 <a:ext uri="{C183D7F6-B498-43B3-948B-1728B52AA6E4}">
-                  <adec:decorative xmlns:adec="http://schemas.microsoft.com/office/drawing/2017/decorative" val="1"/>
+                  <adec:decorative xmlns:adec="http://schemas.microsoft.com/office/drawing/2017/decorative" xmlns="" val="1"/>
                 </a:ext>
               </a:extLst>
             </p:cNvPr>
@@ -11647,7 +11663,7 @@
             <p:nvPr>
               <p:extLst>
                 <p:ext uri="{386F3935-93C4-4BCD-93E2-E3B085C9AB24}">
-                  <p16:designElem xmlns:p16="http://schemas.microsoft.com/office/powerpoint/2015/main" val="1"/>
+                  <p16:designElem xmlns:p16="http://schemas.microsoft.com/office/powerpoint/2015/main" xmlns="" val="1"/>
                 </p:ext>
               </p:extLst>
             </p:nvPr>
@@ -11700,10 +11716,10 @@
           <p:cNvPr id="33" name="Rectangle 32">
             <a:extLst>
               <a:ext uri="{FF2B5EF4-FFF2-40B4-BE49-F238E27FC236}">
-                <a16:creationId xmlns:a16="http://schemas.microsoft.com/office/drawing/2014/main" id="{2E80C965-DB6D-4F81-9E9E-B027384D0BD6}"/>
+                <a16:creationId xmlns:a16="http://schemas.microsoft.com/office/drawing/2014/main" xmlns="" id="{2E80C965-DB6D-4F81-9E9E-B027384D0BD6}"/>
               </a:ext>
               <a:ext uri="{C183D7F6-B498-43B3-948B-1728B52AA6E4}">
-                <adec:decorative xmlns:adec="http://schemas.microsoft.com/office/drawing/2017/decorative" val="1"/>
+                <adec:decorative xmlns:adec="http://schemas.microsoft.com/office/drawing/2017/decorative" xmlns="" val="1"/>
               </a:ext>
             </a:extLst>
           </p:cNvPr>
@@ -11713,7 +11729,7 @@
           <p:nvPr>
             <p:extLst>
               <p:ext uri="{386F3935-93C4-4BCD-93E2-E3B085C9AB24}">
-                <p16:designElem xmlns:p16="http://schemas.microsoft.com/office/powerpoint/2015/main" val="1"/>
+                <p16:designElem xmlns:p16="http://schemas.microsoft.com/office/powerpoint/2015/main" xmlns="" val="1"/>
               </p:ext>
             </p:extLst>
           </p:nvPr>
@@ -11765,10 +11781,10 @@
           <p:cNvPr id="35" name="Isosceles Triangle 34">
             <a:extLst>
               <a:ext uri="{FF2B5EF4-FFF2-40B4-BE49-F238E27FC236}">
-                <a16:creationId xmlns:a16="http://schemas.microsoft.com/office/drawing/2014/main" id="{633C5E46-DAC5-4661-9C87-22B08E2A512F}"/>
+                <a16:creationId xmlns:a16="http://schemas.microsoft.com/office/drawing/2014/main" xmlns="" id="{633C5E46-DAC5-4661-9C87-22B08E2A512F}"/>
               </a:ext>
               <a:ext uri="{C183D7F6-B498-43B3-948B-1728B52AA6E4}">
-                <adec:decorative xmlns:adec="http://schemas.microsoft.com/office/drawing/2017/decorative" val="1"/>
+                <adec:decorative xmlns:adec="http://schemas.microsoft.com/office/drawing/2017/decorative" xmlns="" val="1"/>
               </a:ext>
             </a:extLst>
           </p:cNvPr>
@@ -11778,7 +11794,7 @@
           <p:nvPr>
             <p:extLst>
               <p:ext uri="{386F3935-93C4-4BCD-93E2-E3B085C9AB24}">
-                <p16:designElem xmlns:p16="http://schemas.microsoft.com/office/powerpoint/2015/main" val="1"/>
+                <p16:designElem xmlns:p16="http://schemas.microsoft.com/office/powerpoint/2015/main" xmlns="" val="1"/>
               </p:ext>
             </p:extLst>
           </p:nvPr>
@@ -11832,7 +11848,7 @@
           <p:cNvPr id="6" name="TextBox 5">
             <a:extLst>
               <a:ext uri="{FF2B5EF4-FFF2-40B4-BE49-F238E27FC236}">
-                <a16:creationId xmlns:a16="http://schemas.microsoft.com/office/drawing/2014/main" id="{57471979-3A2A-3115-7259-DFBBC5EDD887}"/>
+                <a16:creationId xmlns:a16="http://schemas.microsoft.com/office/drawing/2014/main" xmlns="" id="{57471979-3A2A-3115-7259-DFBBC5EDD887}"/>
               </a:ext>
             </a:extLst>
           </p:cNvPr>
@@ -11871,7 +11887,7 @@
           <p:cNvPr id="3" name="Picture Placeholder 2">
             <a:extLst>
               <a:ext uri="{FF2B5EF4-FFF2-40B4-BE49-F238E27FC236}">
-                <a16:creationId xmlns:a16="http://schemas.microsoft.com/office/drawing/2014/main" id="{0FE749D7-A507-229A-4A56-EFDF203E4EF6}"/>
+                <a16:creationId xmlns:a16="http://schemas.microsoft.com/office/drawing/2014/main" xmlns="" id="{0FE749D7-A507-229A-4A56-EFDF203E4EF6}"/>
               </a:ext>
             </a:extLst>
           </p:cNvPr>
@@ -11896,7 +11912,7 @@
           <p:cNvPr id="4" name="Picture 3">
             <a:extLst>
               <a:ext uri="{FF2B5EF4-FFF2-40B4-BE49-F238E27FC236}">
-                <a16:creationId xmlns:a16="http://schemas.microsoft.com/office/drawing/2014/main" id="{DD7BC4ED-0EF1-B185-9EEB-0D2C804C1453}"/>
+                <a16:creationId xmlns:a16="http://schemas.microsoft.com/office/drawing/2014/main" xmlns="" id="{DD7BC4ED-0EF1-B185-9EEB-0D2C804C1453}"/>
               </a:ext>
             </a:extLst>
           </p:cNvPr>
@@ -11926,7 +11942,7 @@
           <p:cNvPr id="8" name="Picture 7">
             <a:extLst>
               <a:ext uri="{FF2B5EF4-FFF2-40B4-BE49-F238E27FC236}">
-                <a16:creationId xmlns:a16="http://schemas.microsoft.com/office/drawing/2014/main" id="{EBD022F7-9034-A9E4-7596-C9BF618BE616}"/>
+                <a16:creationId xmlns:a16="http://schemas.microsoft.com/office/drawing/2014/main" xmlns="" id="{EBD022F7-9034-A9E4-7596-C9BF618BE616}"/>
               </a:ext>
             </a:extLst>
           </p:cNvPr>
@@ -11956,7 +11972,7 @@
           <p:cNvPr id="9" name="Picture 8">
             <a:extLst>
               <a:ext uri="{FF2B5EF4-FFF2-40B4-BE49-F238E27FC236}">
-                <a16:creationId xmlns:a16="http://schemas.microsoft.com/office/drawing/2014/main" id="{50A053F5-EC2F-8602-C86F-EAF126080170}"/>
+                <a16:creationId xmlns:a16="http://schemas.microsoft.com/office/drawing/2014/main" xmlns="" id="{50A053F5-EC2F-8602-C86F-EAF126080170}"/>
               </a:ext>
             </a:extLst>
           </p:cNvPr>
@@ -11986,7 +12002,7 @@
           <p:cNvPr id="10" name="TextBox 9">
             <a:extLst>
               <a:ext uri="{FF2B5EF4-FFF2-40B4-BE49-F238E27FC236}">
-                <a16:creationId xmlns:a16="http://schemas.microsoft.com/office/drawing/2014/main" id="{34766FD2-D97E-42CB-2AFA-D6A69A3A76D7}"/>
+                <a16:creationId xmlns:a16="http://schemas.microsoft.com/office/drawing/2014/main" xmlns="" id="{34766FD2-D97E-42CB-2AFA-D6A69A3A76D7}"/>
               </a:ext>
             </a:extLst>
           </p:cNvPr>
@@ -12021,7 +12037,7 @@
           <p:cNvPr id="11" name="Picture 10">
             <a:extLst>
               <a:ext uri="{FF2B5EF4-FFF2-40B4-BE49-F238E27FC236}">
-                <a16:creationId xmlns:a16="http://schemas.microsoft.com/office/drawing/2014/main" id="{4F7EDA41-21EB-9064-6D64-AE6BA8A5D178}"/>
+                <a16:creationId xmlns:a16="http://schemas.microsoft.com/office/drawing/2014/main" xmlns="" id="{4F7EDA41-21EB-9064-6D64-AE6BA8A5D178}"/>
               </a:ext>
             </a:extLst>
           </p:cNvPr>
@@ -12075,7 +12091,7 @@
         <p:cNvPr id="1" name="">
           <a:extLst>
             <a:ext uri="{FF2B5EF4-FFF2-40B4-BE49-F238E27FC236}">
-              <a16:creationId xmlns:a16="http://schemas.microsoft.com/office/drawing/2014/main" id="{44464D06-C3E6-AA1C-6E98-1DA2883CD0BE}"/>
+              <a16:creationId xmlns:a16="http://schemas.microsoft.com/office/drawing/2014/main" xmlns="" id="{44464D06-C3E6-AA1C-6E98-1DA2883CD0BE}"/>
             </a:ext>
           </a:extLst>
         </p:cNvPr>
@@ -12095,10 +12111,10 @@
           <p:cNvPr id="27" name="Rectangle 26">
             <a:extLst>
               <a:ext uri="{FF2B5EF4-FFF2-40B4-BE49-F238E27FC236}">
-                <a16:creationId xmlns:a16="http://schemas.microsoft.com/office/drawing/2014/main" id="{A05955D2-655F-57B5-37A4-ADAEDE699BC5}"/>
+                <a16:creationId xmlns:a16="http://schemas.microsoft.com/office/drawing/2014/main" xmlns="" id="{A05955D2-655F-57B5-37A4-ADAEDE699BC5}"/>
               </a:ext>
               <a:ext uri="{C183D7F6-B498-43B3-948B-1728B52AA6E4}">
-                <adec:decorative xmlns:adec="http://schemas.microsoft.com/office/drawing/2017/decorative" val="1"/>
+                <adec:decorative xmlns:adec="http://schemas.microsoft.com/office/drawing/2017/decorative" xmlns="" val="1"/>
               </a:ext>
             </a:extLst>
           </p:cNvPr>
@@ -12108,7 +12124,7 @@
           <p:nvPr>
             <p:extLst>
               <p:ext uri="{386F3935-93C4-4BCD-93E2-E3B085C9AB24}">
-                <p16:designElem xmlns:p16="http://schemas.microsoft.com/office/powerpoint/2015/main" val="1"/>
+                <p16:designElem xmlns:p16="http://schemas.microsoft.com/office/powerpoint/2015/main" xmlns="" val="1"/>
               </p:ext>
             </p:extLst>
           </p:nvPr>
@@ -12158,10 +12174,10 @@
           <p:cNvPr id="29" name="Freeform: Shape 28">
             <a:extLst>
               <a:ext uri="{FF2B5EF4-FFF2-40B4-BE49-F238E27FC236}">
-                <a16:creationId xmlns:a16="http://schemas.microsoft.com/office/drawing/2014/main" id="{366ACB72-D978-92DD-5431-3827F8EC9EBE}"/>
+                <a16:creationId xmlns:a16="http://schemas.microsoft.com/office/drawing/2014/main" xmlns="" id="{366ACB72-D978-92DD-5431-3827F8EC9EBE}"/>
               </a:ext>
               <a:ext uri="{C183D7F6-B498-43B3-948B-1728B52AA6E4}">
-                <adec:decorative xmlns:adec="http://schemas.microsoft.com/office/drawing/2017/decorative" val="1"/>
+                <adec:decorative xmlns:adec="http://schemas.microsoft.com/office/drawing/2017/decorative" xmlns="" val="1"/>
               </a:ext>
             </a:extLst>
           </p:cNvPr>
@@ -12171,7 +12187,7 @@
           <p:nvPr>
             <p:extLst>
               <p:ext uri="{386F3935-93C4-4BCD-93E2-E3B085C9AB24}">
-                <p16:designElem xmlns:p16="http://schemas.microsoft.com/office/powerpoint/2015/main" val="1"/>
+                <p16:designElem xmlns:p16="http://schemas.microsoft.com/office/powerpoint/2015/main" xmlns="" val="1"/>
               </p:ext>
             </p:extLst>
           </p:nvPr>
@@ -12274,10 +12290,10 @@
           <p:cNvPr id="31" name="Rectangle 30">
             <a:extLst>
               <a:ext uri="{FF2B5EF4-FFF2-40B4-BE49-F238E27FC236}">
-                <a16:creationId xmlns:a16="http://schemas.microsoft.com/office/drawing/2014/main" id="{2CB9ED87-5971-7BA4-95EB-CC4C723FFF29}"/>
+                <a16:creationId xmlns:a16="http://schemas.microsoft.com/office/drawing/2014/main" xmlns="" id="{2CB9ED87-5971-7BA4-95EB-CC4C723FFF29}"/>
               </a:ext>
               <a:ext uri="{C183D7F6-B498-43B3-948B-1728B52AA6E4}">
-                <adec:decorative xmlns:adec="http://schemas.microsoft.com/office/drawing/2017/decorative" val="1"/>
+                <adec:decorative xmlns:adec="http://schemas.microsoft.com/office/drawing/2017/decorative" xmlns="" val="1"/>
               </a:ext>
             </a:extLst>
           </p:cNvPr>
@@ -12287,7 +12303,7 @@
           <p:nvPr>
             <p:extLst>
               <p:ext uri="{386F3935-93C4-4BCD-93E2-E3B085C9AB24}">
-                <p16:designElem xmlns:p16="http://schemas.microsoft.com/office/powerpoint/2015/main" val="1"/>
+                <p16:designElem xmlns:p16="http://schemas.microsoft.com/office/powerpoint/2015/main" xmlns="" val="1"/>
               </p:ext>
             </p:extLst>
           </p:nvPr>
@@ -12339,10 +12355,10 @@
           <p:cNvPr id="33" name="Rectangle 32">
             <a:extLst>
               <a:ext uri="{FF2B5EF4-FFF2-40B4-BE49-F238E27FC236}">
-                <a16:creationId xmlns:a16="http://schemas.microsoft.com/office/drawing/2014/main" id="{98ADFC44-0923-8257-C508-453EBA6EA2F2}"/>
+                <a16:creationId xmlns:a16="http://schemas.microsoft.com/office/drawing/2014/main" xmlns="" id="{98ADFC44-0923-8257-C508-453EBA6EA2F2}"/>
               </a:ext>
               <a:ext uri="{C183D7F6-B498-43B3-948B-1728B52AA6E4}">
-                <adec:decorative xmlns:adec="http://schemas.microsoft.com/office/drawing/2017/decorative" val="1"/>
+                <adec:decorative xmlns:adec="http://schemas.microsoft.com/office/drawing/2017/decorative" xmlns="" val="1"/>
               </a:ext>
             </a:extLst>
           </p:cNvPr>
@@ -12352,7 +12368,7 @@
           <p:nvPr>
             <p:extLst>
               <p:ext uri="{386F3935-93C4-4BCD-93E2-E3B085C9AB24}">
-                <p16:designElem xmlns:p16="http://schemas.microsoft.com/office/powerpoint/2015/main" val="1"/>
+                <p16:designElem xmlns:p16="http://schemas.microsoft.com/office/powerpoint/2015/main" xmlns="" val="1"/>
               </p:ext>
             </p:extLst>
           </p:nvPr>
@@ -12404,10 +12420,10 @@
           <p:cNvPr id="35" name="Freeform: Shape 34">
             <a:extLst>
               <a:ext uri="{FF2B5EF4-FFF2-40B4-BE49-F238E27FC236}">
-                <a16:creationId xmlns:a16="http://schemas.microsoft.com/office/drawing/2014/main" id="{4D74CE62-EBBB-2D48-4831-6B32ED7D471C}"/>
+                <a16:creationId xmlns:a16="http://schemas.microsoft.com/office/drawing/2014/main" xmlns="" id="{4D74CE62-EBBB-2D48-4831-6B32ED7D471C}"/>
               </a:ext>
               <a:ext uri="{C183D7F6-B498-43B3-948B-1728B52AA6E4}">
-                <adec:decorative xmlns:adec="http://schemas.microsoft.com/office/drawing/2017/decorative" val="1"/>
+                <adec:decorative xmlns:adec="http://schemas.microsoft.com/office/drawing/2017/decorative" xmlns="" val="1"/>
               </a:ext>
             </a:extLst>
           </p:cNvPr>
@@ -12417,7 +12433,7 @@
           <p:nvPr>
             <p:extLst>
               <p:ext uri="{386F3935-93C4-4BCD-93E2-E3B085C9AB24}">
-                <p16:designElem xmlns:p16="http://schemas.microsoft.com/office/powerpoint/2015/main" val="1"/>
+                <p16:designElem xmlns:p16="http://schemas.microsoft.com/office/powerpoint/2015/main" xmlns="" val="1"/>
               </p:ext>
             </p:extLst>
           </p:nvPr>
@@ -12514,10 +12530,10 @@
           <p:cNvPr id="37" name="Isosceles Triangle 36">
             <a:extLst>
               <a:ext uri="{FF2B5EF4-FFF2-40B4-BE49-F238E27FC236}">
-                <a16:creationId xmlns:a16="http://schemas.microsoft.com/office/drawing/2014/main" id="{C8C2CADF-8753-6E14-7A10-9EA4EF7BBEEA}"/>
+                <a16:creationId xmlns:a16="http://schemas.microsoft.com/office/drawing/2014/main" xmlns="" id="{C8C2CADF-8753-6E14-7A10-9EA4EF7BBEEA}"/>
               </a:ext>
               <a:ext uri="{C183D7F6-B498-43B3-948B-1728B52AA6E4}">
-                <adec:decorative xmlns:adec="http://schemas.microsoft.com/office/drawing/2017/decorative" val="1"/>
+                <adec:decorative xmlns:adec="http://schemas.microsoft.com/office/drawing/2017/decorative" xmlns="" val="1"/>
               </a:ext>
             </a:extLst>
           </p:cNvPr>
@@ -12527,7 +12543,7 @@
           <p:nvPr>
             <p:extLst>
               <p:ext uri="{386F3935-93C4-4BCD-93E2-E3B085C9AB24}">
-                <p16:designElem xmlns:p16="http://schemas.microsoft.com/office/powerpoint/2015/main" val="1"/>
+                <p16:designElem xmlns:p16="http://schemas.microsoft.com/office/powerpoint/2015/main" xmlns="" val="1"/>
               </p:ext>
             </p:extLst>
           </p:nvPr>
@@ -12579,10 +12595,10 @@
           <p:cNvPr id="39" name="Isosceles Triangle 38">
             <a:extLst>
               <a:ext uri="{FF2B5EF4-FFF2-40B4-BE49-F238E27FC236}">
-                <a16:creationId xmlns:a16="http://schemas.microsoft.com/office/drawing/2014/main" id="{495D4C37-9A2A-6709-1B54-A6CCCF8AD454}"/>
+                <a16:creationId xmlns:a16="http://schemas.microsoft.com/office/drawing/2014/main" xmlns="" id="{495D4C37-9A2A-6709-1B54-A6CCCF8AD454}"/>
               </a:ext>
               <a:ext uri="{C183D7F6-B498-43B3-948B-1728B52AA6E4}">
-                <adec:decorative xmlns:adec="http://schemas.microsoft.com/office/drawing/2017/decorative" val="1"/>
+                <adec:decorative xmlns:adec="http://schemas.microsoft.com/office/drawing/2017/decorative" xmlns="" val="1"/>
               </a:ext>
             </a:extLst>
           </p:cNvPr>
@@ -12592,7 +12608,7 @@
           <p:nvPr>
             <p:extLst>
               <p:ext uri="{386F3935-93C4-4BCD-93E2-E3B085C9AB24}">
-                <p16:designElem xmlns:p16="http://schemas.microsoft.com/office/powerpoint/2015/main" val="1"/>
+                <p16:designElem xmlns:p16="http://schemas.microsoft.com/office/powerpoint/2015/main" xmlns="" val="1"/>
               </p:ext>
             </p:extLst>
           </p:nvPr>
@@ -12644,7 +12660,7 @@
           <p:cNvPr id="26" name="TextBox 25">
             <a:extLst>
               <a:ext uri="{FF2B5EF4-FFF2-40B4-BE49-F238E27FC236}">
-                <a16:creationId xmlns:a16="http://schemas.microsoft.com/office/drawing/2014/main" id="{8FBB3F20-3CC5-0413-DE99-13D4C35CD8BF}"/>
+                <a16:creationId xmlns:a16="http://schemas.microsoft.com/office/drawing/2014/main" xmlns="" id="{8FBB3F20-3CC5-0413-DE99-13D4C35CD8BF}"/>
               </a:ext>
             </a:extLst>
           </p:cNvPr>
@@ -12698,7 +12714,7 @@
           <p:cNvPr id="3" name="Picture Placeholder 2">
             <a:extLst>
               <a:ext uri="{FF2B5EF4-FFF2-40B4-BE49-F238E27FC236}">
-                <a16:creationId xmlns:a16="http://schemas.microsoft.com/office/drawing/2014/main" id="{27E0065C-F81B-F5C1-68B0-DCDC486D6F83}"/>
+                <a16:creationId xmlns:a16="http://schemas.microsoft.com/office/drawing/2014/main" xmlns="" id="{27E0065C-F81B-F5C1-68B0-DCDC486D6F83}"/>
               </a:ext>
             </a:extLst>
           </p:cNvPr>
@@ -12723,7 +12739,7 @@
           <p:cNvPr id="5" name="Picture 4">
             <a:extLst>
               <a:ext uri="{FF2B5EF4-FFF2-40B4-BE49-F238E27FC236}">
-                <a16:creationId xmlns:a16="http://schemas.microsoft.com/office/drawing/2014/main" id="{9F86E908-CDF2-1770-A018-2008F1B0F8D6}"/>
+                <a16:creationId xmlns:a16="http://schemas.microsoft.com/office/drawing/2014/main" xmlns="" id="{9F86E908-CDF2-1770-A018-2008F1B0F8D6}"/>
               </a:ext>
             </a:extLst>
           </p:cNvPr>
@@ -12753,7 +12769,7 @@
           <p:cNvPr id="8" name="Picture 2" descr="z-score standard deviation">
             <a:extLst>
               <a:ext uri="{FF2B5EF4-FFF2-40B4-BE49-F238E27FC236}">
-                <a16:creationId xmlns:a16="http://schemas.microsoft.com/office/drawing/2014/main" id="{04435160-D634-A023-008E-6E269EEA64D5}"/>
+                <a16:creationId xmlns:a16="http://schemas.microsoft.com/office/drawing/2014/main" xmlns="" id="{04435160-D634-A023-008E-6E269EEA64D5}"/>
               </a:ext>
             </a:extLst>
           </p:cNvPr>
@@ -12800,7 +12816,7 @@
           <p:cNvPr id="9" name="TextBox 8">
             <a:extLst>
               <a:ext uri="{FF2B5EF4-FFF2-40B4-BE49-F238E27FC236}">
-                <a16:creationId xmlns:a16="http://schemas.microsoft.com/office/drawing/2014/main" id="{21FA62FC-B95E-6F93-2270-43A2B7D45874}"/>
+                <a16:creationId xmlns:a16="http://schemas.microsoft.com/office/drawing/2014/main" xmlns="" id="{21FA62FC-B95E-6F93-2270-43A2B7D45874}"/>
               </a:ext>
             </a:extLst>
           </p:cNvPr>
@@ -12849,7 +12865,7 @@
           <p:cNvPr id="10" name="Picture 9">
             <a:extLst>
               <a:ext uri="{FF2B5EF4-FFF2-40B4-BE49-F238E27FC236}">
-                <a16:creationId xmlns:a16="http://schemas.microsoft.com/office/drawing/2014/main" id="{A4A41A7B-33B1-F9E6-06AE-497D58F92E6D}"/>
+                <a16:creationId xmlns:a16="http://schemas.microsoft.com/office/drawing/2014/main" xmlns="" id="{A4A41A7B-33B1-F9E6-06AE-497D58F92E6D}"/>
               </a:ext>
             </a:extLst>
           </p:cNvPr>
@@ -12879,7 +12895,7 @@
           <p:cNvPr id="11" name="TextBox 10">
             <a:extLst>
               <a:ext uri="{FF2B5EF4-FFF2-40B4-BE49-F238E27FC236}">
-                <a16:creationId xmlns:a16="http://schemas.microsoft.com/office/drawing/2014/main" id="{4FAC40E7-EE1B-BD61-EA9F-E2FA79CE24E0}"/>
+                <a16:creationId xmlns:a16="http://schemas.microsoft.com/office/drawing/2014/main" xmlns="" id="{4FAC40E7-EE1B-BD61-EA9F-E2FA79CE24E0}"/>
               </a:ext>
             </a:extLst>
           </p:cNvPr>
@@ -12942,7 +12958,7 @@
         <p:cNvPr id="1" name="">
           <a:extLst>
             <a:ext uri="{FF2B5EF4-FFF2-40B4-BE49-F238E27FC236}">
-              <a16:creationId xmlns:a16="http://schemas.microsoft.com/office/drawing/2014/main" id="{4D4B2940-E5C6-E664-82FC-1AC9E90AE916}"/>
+              <a16:creationId xmlns:a16="http://schemas.microsoft.com/office/drawing/2014/main" xmlns="" id="{4D4B2940-E5C6-E664-82FC-1AC9E90AE916}"/>
             </a:ext>
           </a:extLst>
         </p:cNvPr>
@@ -12962,10 +12978,10 @@
           <p:cNvPr id="27" name="Rectangle 26">
             <a:extLst>
               <a:ext uri="{FF2B5EF4-FFF2-40B4-BE49-F238E27FC236}">
-                <a16:creationId xmlns:a16="http://schemas.microsoft.com/office/drawing/2014/main" id="{267C15C5-3E13-1F11-42BD-D84F48759E71}"/>
+                <a16:creationId xmlns:a16="http://schemas.microsoft.com/office/drawing/2014/main" xmlns="" id="{267C15C5-3E13-1F11-42BD-D84F48759E71}"/>
               </a:ext>
               <a:ext uri="{C183D7F6-B498-43B3-948B-1728B52AA6E4}">
-                <adec:decorative xmlns:adec="http://schemas.microsoft.com/office/drawing/2017/decorative" val="1"/>
+                <adec:decorative xmlns:adec="http://schemas.microsoft.com/office/drawing/2017/decorative" xmlns="" val="1"/>
               </a:ext>
             </a:extLst>
           </p:cNvPr>
@@ -12975,7 +12991,7 @@
           <p:nvPr>
             <p:extLst>
               <p:ext uri="{386F3935-93C4-4BCD-93E2-E3B085C9AB24}">
-                <p16:designElem xmlns:p16="http://schemas.microsoft.com/office/powerpoint/2015/main" val="1"/>
+                <p16:designElem xmlns:p16="http://schemas.microsoft.com/office/powerpoint/2015/main" xmlns="" val="1"/>
               </p:ext>
             </p:extLst>
           </p:nvPr>
@@ -13025,10 +13041,10 @@
           <p:cNvPr id="29" name="Group 28">
             <a:extLst>
               <a:ext uri="{FF2B5EF4-FFF2-40B4-BE49-F238E27FC236}">
-                <a16:creationId xmlns:a16="http://schemas.microsoft.com/office/drawing/2014/main" id="{3FD0A42E-2965-3907-FB70-C27D676E4660}"/>
+                <a16:creationId xmlns:a16="http://schemas.microsoft.com/office/drawing/2014/main" xmlns="" id="{3FD0A42E-2965-3907-FB70-C27D676E4660}"/>
               </a:ext>
               <a:ext uri="{C183D7F6-B498-43B3-948B-1728B52AA6E4}">
-                <adec:decorative xmlns:adec="http://schemas.microsoft.com/office/drawing/2017/decorative" val="1"/>
+                <adec:decorative xmlns:adec="http://schemas.microsoft.com/office/drawing/2017/decorative" xmlns="" val="1"/>
               </a:ext>
             </a:extLst>
           </p:cNvPr>
@@ -13038,7 +13054,7 @@
           <p:nvPr>
             <p:extLst>
               <p:ext uri="{386F3935-93C4-4BCD-93E2-E3B085C9AB24}">
-                <p16:designElem xmlns:p16="http://schemas.microsoft.com/office/powerpoint/2015/main" val="1"/>
+                <p16:designElem xmlns:p16="http://schemas.microsoft.com/office/powerpoint/2015/main" xmlns="" val="1"/>
               </p:ext>
             </p:extLst>
           </p:nvPr>
@@ -13056,10 +13072,10 @@
             <p:cNvPr id="30" name="Freeform: Shape 29">
               <a:extLst>
                 <a:ext uri="{FF2B5EF4-FFF2-40B4-BE49-F238E27FC236}">
-                  <a16:creationId xmlns:a16="http://schemas.microsoft.com/office/drawing/2014/main" id="{56CED4F7-E3E4-4E23-33FF-C3A336190162}"/>
+                  <a16:creationId xmlns:a16="http://schemas.microsoft.com/office/drawing/2014/main" xmlns="" id="{56CED4F7-E3E4-4E23-33FF-C3A336190162}"/>
                 </a:ext>
                 <a:ext uri="{C183D7F6-B498-43B3-948B-1728B52AA6E4}">
-                  <adec:decorative xmlns:adec="http://schemas.microsoft.com/office/drawing/2017/decorative" val="1"/>
+                  <adec:decorative xmlns:adec="http://schemas.microsoft.com/office/drawing/2017/decorative" xmlns="" val="1"/>
                 </a:ext>
               </a:extLst>
             </p:cNvPr>
@@ -13067,7 +13083,7 @@
             <p:nvPr>
               <p:extLst>
                 <p:ext uri="{386F3935-93C4-4BCD-93E2-E3B085C9AB24}">
-                  <p16:designElem xmlns:p16="http://schemas.microsoft.com/office/powerpoint/2015/main" val="1"/>
+                  <p16:designElem xmlns:p16="http://schemas.microsoft.com/office/powerpoint/2015/main" xmlns="" val="1"/>
                 </p:ext>
               </p:extLst>
             </p:nvPr>
@@ -13170,10 +13186,10 @@
             <p:cNvPr id="31" name="Rectangle 30">
               <a:extLst>
                 <a:ext uri="{FF2B5EF4-FFF2-40B4-BE49-F238E27FC236}">
-                  <a16:creationId xmlns:a16="http://schemas.microsoft.com/office/drawing/2014/main" id="{BC652BC5-9C8B-597E-0D1A-0FBFECA3B289}"/>
+                  <a16:creationId xmlns:a16="http://schemas.microsoft.com/office/drawing/2014/main" xmlns="" id="{BC652BC5-9C8B-597E-0D1A-0FBFECA3B289}"/>
                 </a:ext>
                 <a:ext uri="{C183D7F6-B498-43B3-948B-1728B52AA6E4}">
-                  <adec:decorative xmlns:adec="http://schemas.microsoft.com/office/drawing/2017/decorative" val="1"/>
+                  <adec:decorative xmlns:adec="http://schemas.microsoft.com/office/drawing/2017/decorative" xmlns="" val="1"/>
                 </a:ext>
               </a:extLst>
             </p:cNvPr>
@@ -13181,7 +13197,7 @@
             <p:nvPr>
               <p:extLst>
                 <p:ext uri="{386F3935-93C4-4BCD-93E2-E3B085C9AB24}">
-                  <p16:designElem xmlns:p16="http://schemas.microsoft.com/office/powerpoint/2015/main" val="1"/>
+                  <p16:designElem xmlns:p16="http://schemas.microsoft.com/office/powerpoint/2015/main" xmlns="" val="1"/>
                 </p:ext>
               </p:extLst>
             </p:nvPr>
@@ -13234,10 +13250,10 @@
           <p:cNvPr id="33" name="Rectangle 32">
             <a:extLst>
               <a:ext uri="{FF2B5EF4-FFF2-40B4-BE49-F238E27FC236}">
-                <a16:creationId xmlns:a16="http://schemas.microsoft.com/office/drawing/2014/main" id="{F68D9EE4-63BC-B96F-D7FF-1569EB63E418}"/>
+                <a16:creationId xmlns:a16="http://schemas.microsoft.com/office/drawing/2014/main" xmlns="" id="{F68D9EE4-63BC-B96F-D7FF-1569EB63E418}"/>
               </a:ext>
               <a:ext uri="{C183D7F6-B498-43B3-948B-1728B52AA6E4}">
-                <adec:decorative xmlns:adec="http://schemas.microsoft.com/office/drawing/2017/decorative" val="1"/>
+                <adec:decorative xmlns:adec="http://schemas.microsoft.com/office/drawing/2017/decorative" xmlns="" val="1"/>
               </a:ext>
             </a:extLst>
           </p:cNvPr>
@@ -13247,7 +13263,7 @@
           <p:nvPr>
             <p:extLst>
               <p:ext uri="{386F3935-93C4-4BCD-93E2-E3B085C9AB24}">
-                <p16:designElem xmlns:p16="http://schemas.microsoft.com/office/powerpoint/2015/main" val="1"/>
+                <p16:designElem xmlns:p16="http://schemas.microsoft.com/office/powerpoint/2015/main" xmlns="" val="1"/>
               </p:ext>
             </p:extLst>
           </p:nvPr>
@@ -13299,10 +13315,10 @@
           <p:cNvPr id="35" name="Isosceles Triangle 34">
             <a:extLst>
               <a:ext uri="{FF2B5EF4-FFF2-40B4-BE49-F238E27FC236}">
-                <a16:creationId xmlns:a16="http://schemas.microsoft.com/office/drawing/2014/main" id="{96A74666-9FDE-51EF-A10F-95DC34E1313C}"/>
+                <a16:creationId xmlns:a16="http://schemas.microsoft.com/office/drawing/2014/main" xmlns="" id="{96A74666-9FDE-51EF-A10F-95DC34E1313C}"/>
               </a:ext>
               <a:ext uri="{C183D7F6-B498-43B3-948B-1728B52AA6E4}">
-                <adec:decorative xmlns:adec="http://schemas.microsoft.com/office/drawing/2017/decorative" val="1"/>
+                <adec:decorative xmlns:adec="http://schemas.microsoft.com/office/drawing/2017/decorative" xmlns="" val="1"/>
               </a:ext>
             </a:extLst>
           </p:cNvPr>
@@ -13312,7 +13328,7 @@
           <p:nvPr>
             <p:extLst>
               <p:ext uri="{386F3935-93C4-4BCD-93E2-E3B085C9AB24}">
-                <p16:designElem xmlns:p16="http://schemas.microsoft.com/office/powerpoint/2015/main" val="1"/>
+                <p16:designElem xmlns:p16="http://schemas.microsoft.com/office/powerpoint/2015/main" xmlns="" val="1"/>
               </p:ext>
             </p:extLst>
           </p:nvPr>
@@ -13366,7 +13382,7 @@
           <p:cNvPr id="6" name="TextBox 5">
             <a:extLst>
               <a:ext uri="{FF2B5EF4-FFF2-40B4-BE49-F238E27FC236}">
-                <a16:creationId xmlns:a16="http://schemas.microsoft.com/office/drawing/2014/main" id="{84487772-E692-41DB-A02C-9D1F2785B3E2}"/>
+                <a16:creationId xmlns:a16="http://schemas.microsoft.com/office/drawing/2014/main" xmlns="" id="{84487772-E692-41DB-A02C-9D1F2785B3E2}"/>
               </a:ext>
             </a:extLst>
           </p:cNvPr>
@@ -13422,7 +13438,7 @@
           <p:cNvPr id="3" name="Picture Placeholder 2">
             <a:extLst>
               <a:ext uri="{FF2B5EF4-FFF2-40B4-BE49-F238E27FC236}">
-                <a16:creationId xmlns:a16="http://schemas.microsoft.com/office/drawing/2014/main" id="{6E3A0FF6-C913-5981-F06D-B91D33FC99EC}"/>
+                <a16:creationId xmlns:a16="http://schemas.microsoft.com/office/drawing/2014/main" xmlns="" id="{6E3A0FF6-C913-5981-F06D-B91D33FC99EC}"/>
               </a:ext>
             </a:extLst>
           </p:cNvPr>
@@ -13447,7 +13463,7 @@
           <p:cNvPr id="4" name="Picture 3">
             <a:extLst>
               <a:ext uri="{FF2B5EF4-FFF2-40B4-BE49-F238E27FC236}">
-                <a16:creationId xmlns:a16="http://schemas.microsoft.com/office/drawing/2014/main" id="{D2B17D0D-C09F-4C72-CFFC-F7FB19487DF1}"/>
+                <a16:creationId xmlns:a16="http://schemas.microsoft.com/office/drawing/2014/main" xmlns="" id="{D2B17D0D-C09F-4C72-CFFC-F7FB19487DF1}"/>
               </a:ext>
             </a:extLst>
           </p:cNvPr>
@@ -13477,7 +13493,7 @@
           <p:cNvPr id="8" name="Picture 7">
             <a:extLst>
               <a:ext uri="{FF2B5EF4-FFF2-40B4-BE49-F238E27FC236}">
-                <a16:creationId xmlns:a16="http://schemas.microsoft.com/office/drawing/2014/main" id="{7ECE89BA-4F64-2498-A460-13A97BF3C1FA}"/>
+                <a16:creationId xmlns:a16="http://schemas.microsoft.com/office/drawing/2014/main" xmlns="" id="{7ECE89BA-4F64-2498-A460-13A97BF3C1FA}"/>
               </a:ext>
             </a:extLst>
           </p:cNvPr>
@@ -13507,7 +13523,7 @@
           <p:cNvPr id="9" name="TextBox 8">
             <a:extLst>
               <a:ext uri="{FF2B5EF4-FFF2-40B4-BE49-F238E27FC236}">
-                <a16:creationId xmlns:a16="http://schemas.microsoft.com/office/drawing/2014/main" id="{3056A06A-42DB-2B74-8A1A-93A488B4E6C9}"/>
+                <a16:creationId xmlns:a16="http://schemas.microsoft.com/office/drawing/2014/main" xmlns="" id="{3056A06A-42DB-2B74-8A1A-93A488B4E6C9}"/>
               </a:ext>
             </a:extLst>
           </p:cNvPr>
@@ -13543,7 +13559,7 @@
           <p:cNvPr id="10" name="TextBox 9">
             <a:extLst>
               <a:ext uri="{FF2B5EF4-FFF2-40B4-BE49-F238E27FC236}">
-                <a16:creationId xmlns:a16="http://schemas.microsoft.com/office/drawing/2014/main" id="{77C21060-E1C1-4219-E3FE-746D498A58DA}"/>
+                <a16:creationId xmlns:a16="http://schemas.microsoft.com/office/drawing/2014/main" xmlns="" id="{77C21060-E1C1-4219-E3FE-746D498A58DA}"/>
               </a:ext>
             </a:extLst>
           </p:cNvPr>
@@ -13578,7 +13594,7 @@
           <p:cNvPr id="11" name="Picture 10">
             <a:extLst>
               <a:ext uri="{FF2B5EF4-FFF2-40B4-BE49-F238E27FC236}">
-                <a16:creationId xmlns:a16="http://schemas.microsoft.com/office/drawing/2014/main" id="{3454D7FC-1E95-2F69-C2E1-2772B6B5A262}"/>
+                <a16:creationId xmlns:a16="http://schemas.microsoft.com/office/drawing/2014/main" xmlns="" id="{3454D7FC-1E95-2F69-C2E1-2772B6B5A262}"/>
               </a:ext>
             </a:extLst>
           </p:cNvPr>
@@ -13608,7 +13624,7 @@
           <p:cNvPr id="15" name="Picture 14">
             <a:extLst>
               <a:ext uri="{FF2B5EF4-FFF2-40B4-BE49-F238E27FC236}">
-                <a16:creationId xmlns:a16="http://schemas.microsoft.com/office/drawing/2014/main" id="{4D88A727-898D-9880-891F-D0285DE9EDE6}"/>
+                <a16:creationId xmlns:a16="http://schemas.microsoft.com/office/drawing/2014/main" xmlns="" id="{4D88A727-898D-9880-891F-D0285DE9EDE6}"/>
               </a:ext>
             </a:extLst>
           </p:cNvPr>
@@ -13638,7 +13654,7 @@
           <p:cNvPr id="16" name="TextBox 15">
             <a:extLst>
               <a:ext uri="{FF2B5EF4-FFF2-40B4-BE49-F238E27FC236}">
-                <a16:creationId xmlns:a16="http://schemas.microsoft.com/office/drawing/2014/main" id="{E2F9D77F-A2A2-975B-B8CC-BA7C8409689E}"/>
+                <a16:creationId xmlns:a16="http://schemas.microsoft.com/office/drawing/2014/main" xmlns="" id="{E2F9D77F-A2A2-975B-B8CC-BA7C8409689E}"/>
               </a:ext>
             </a:extLst>
           </p:cNvPr>
@@ -13693,7 +13709,7 @@
           <p:cNvPr id="17" name="TextBox 16">
             <a:extLst>
               <a:ext uri="{FF2B5EF4-FFF2-40B4-BE49-F238E27FC236}">
-                <a16:creationId xmlns:a16="http://schemas.microsoft.com/office/drawing/2014/main" id="{F402CA93-C411-42CA-8E07-C6D50D2043CF}"/>
+                <a16:creationId xmlns:a16="http://schemas.microsoft.com/office/drawing/2014/main" xmlns="" id="{F402CA93-C411-42CA-8E07-C6D50D2043CF}"/>
               </a:ext>
             </a:extLst>
           </p:cNvPr>
@@ -13769,7 +13785,7 @@
         <p:cNvPr id="1" name="">
           <a:extLst>
             <a:ext uri="{FF2B5EF4-FFF2-40B4-BE49-F238E27FC236}">
-              <a16:creationId xmlns:a16="http://schemas.microsoft.com/office/drawing/2014/main" id="{5DBEE2C1-9D7E-D1C7-5E56-A18A2AA16024}"/>
+              <a16:creationId xmlns:a16="http://schemas.microsoft.com/office/drawing/2014/main" xmlns="" id="{5DBEE2C1-9D7E-D1C7-5E56-A18A2AA16024}"/>
             </a:ext>
           </a:extLst>
         </p:cNvPr>
@@ -13789,10 +13805,10 @@
           <p:cNvPr id="27" name="Rectangle 26">
             <a:extLst>
               <a:ext uri="{FF2B5EF4-FFF2-40B4-BE49-F238E27FC236}">
-                <a16:creationId xmlns:a16="http://schemas.microsoft.com/office/drawing/2014/main" id="{25DC7D64-B993-42DE-0BB6-219695D78332}"/>
+                <a16:creationId xmlns:a16="http://schemas.microsoft.com/office/drawing/2014/main" xmlns="" id="{25DC7D64-B993-42DE-0BB6-219695D78332}"/>
               </a:ext>
               <a:ext uri="{C183D7F6-B498-43B3-948B-1728B52AA6E4}">
-                <adec:decorative xmlns:adec="http://schemas.microsoft.com/office/drawing/2017/decorative" val="1"/>
+                <adec:decorative xmlns:adec="http://schemas.microsoft.com/office/drawing/2017/decorative" xmlns="" val="1"/>
               </a:ext>
             </a:extLst>
           </p:cNvPr>
@@ -13802,7 +13818,7 @@
           <p:nvPr>
             <p:extLst>
               <p:ext uri="{386F3935-93C4-4BCD-93E2-E3B085C9AB24}">
-                <p16:designElem xmlns:p16="http://schemas.microsoft.com/office/powerpoint/2015/main" val="1"/>
+                <p16:designElem xmlns:p16="http://schemas.microsoft.com/office/powerpoint/2015/main" xmlns="" val="1"/>
               </p:ext>
             </p:extLst>
           </p:nvPr>
@@ -13852,10 +13868,10 @@
           <p:cNvPr id="29" name="Freeform: Shape 28">
             <a:extLst>
               <a:ext uri="{FF2B5EF4-FFF2-40B4-BE49-F238E27FC236}">
-                <a16:creationId xmlns:a16="http://schemas.microsoft.com/office/drawing/2014/main" id="{12A72625-0764-E453-5FD0-36E941387D6C}"/>
+                <a16:creationId xmlns:a16="http://schemas.microsoft.com/office/drawing/2014/main" xmlns="" id="{12A72625-0764-E453-5FD0-36E941387D6C}"/>
               </a:ext>
               <a:ext uri="{C183D7F6-B498-43B3-948B-1728B52AA6E4}">
-                <adec:decorative xmlns:adec="http://schemas.microsoft.com/office/drawing/2017/decorative" val="1"/>
+                <adec:decorative xmlns:adec="http://schemas.microsoft.com/office/drawing/2017/decorative" xmlns="" val="1"/>
               </a:ext>
             </a:extLst>
           </p:cNvPr>
@@ -13865,7 +13881,7 @@
           <p:nvPr>
             <p:extLst>
               <p:ext uri="{386F3935-93C4-4BCD-93E2-E3B085C9AB24}">
-                <p16:designElem xmlns:p16="http://schemas.microsoft.com/office/powerpoint/2015/main" val="1"/>
+                <p16:designElem xmlns:p16="http://schemas.microsoft.com/office/powerpoint/2015/main" xmlns="" val="1"/>
               </p:ext>
             </p:extLst>
           </p:nvPr>
@@ -13968,10 +13984,10 @@
           <p:cNvPr id="31" name="Rectangle 30">
             <a:extLst>
               <a:ext uri="{FF2B5EF4-FFF2-40B4-BE49-F238E27FC236}">
-                <a16:creationId xmlns:a16="http://schemas.microsoft.com/office/drawing/2014/main" id="{048A37AD-0773-880C-6536-1FE3DFDC727C}"/>
+                <a16:creationId xmlns:a16="http://schemas.microsoft.com/office/drawing/2014/main" xmlns="" id="{048A37AD-0773-880C-6536-1FE3DFDC727C}"/>
               </a:ext>
               <a:ext uri="{C183D7F6-B498-43B3-948B-1728B52AA6E4}">
-                <adec:decorative xmlns:adec="http://schemas.microsoft.com/office/drawing/2017/decorative" val="1"/>
+                <adec:decorative xmlns:adec="http://schemas.microsoft.com/office/drawing/2017/decorative" xmlns="" val="1"/>
               </a:ext>
             </a:extLst>
           </p:cNvPr>
@@ -13981,7 +13997,7 @@
           <p:nvPr>
             <p:extLst>
               <p:ext uri="{386F3935-93C4-4BCD-93E2-E3B085C9AB24}">
-                <p16:designElem xmlns:p16="http://schemas.microsoft.com/office/powerpoint/2015/main" val="1"/>
+                <p16:designElem xmlns:p16="http://schemas.microsoft.com/office/powerpoint/2015/main" xmlns="" val="1"/>
               </p:ext>
             </p:extLst>
           </p:nvPr>
@@ -14033,10 +14049,10 @@
           <p:cNvPr id="33" name="Rectangle 32">
             <a:extLst>
               <a:ext uri="{FF2B5EF4-FFF2-40B4-BE49-F238E27FC236}">
-                <a16:creationId xmlns:a16="http://schemas.microsoft.com/office/drawing/2014/main" id="{D3B9A089-AC7F-29AD-E1C0-92883AEF082D}"/>
+                <a16:creationId xmlns:a16="http://schemas.microsoft.com/office/drawing/2014/main" xmlns="" id="{D3B9A089-AC7F-29AD-E1C0-92883AEF082D}"/>
               </a:ext>
               <a:ext uri="{C183D7F6-B498-43B3-948B-1728B52AA6E4}">
-                <adec:decorative xmlns:adec="http://schemas.microsoft.com/office/drawing/2017/decorative" val="1"/>
+                <adec:decorative xmlns:adec="http://schemas.microsoft.com/office/drawing/2017/decorative" xmlns="" val="1"/>
               </a:ext>
             </a:extLst>
           </p:cNvPr>
@@ -14046,7 +14062,7 @@
           <p:nvPr>
             <p:extLst>
               <p:ext uri="{386F3935-93C4-4BCD-93E2-E3B085C9AB24}">
-                <p16:designElem xmlns:p16="http://schemas.microsoft.com/office/powerpoint/2015/main" val="1"/>
+                <p16:designElem xmlns:p16="http://schemas.microsoft.com/office/powerpoint/2015/main" xmlns="" val="1"/>
               </p:ext>
             </p:extLst>
           </p:nvPr>
@@ -14098,10 +14114,10 @@
           <p:cNvPr id="35" name="Freeform: Shape 34">
             <a:extLst>
               <a:ext uri="{FF2B5EF4-FFF2-40B4-BE49-F238E27FC236}">
-                <a16:creationId xmlns:a16="http://schemas.microsoft.com/office/drawing/2014/main" id="{AE72E1D7-D4D9-FDA1-3476-A0D10489D39C}"/>
+                <a16:creationId xmlns:a16="http://schemas.microsoft.com/office/drawing/2014/main" xmlns="" id="{AE72E1D7-D4D9-FDA1-3476-A0D10489D39C}"/>
               </a:ext>
               <a:ext uri="{C183D7F6-B498-43B3-948B-1728B52AA6E4}">
-                <adec:decorative xmlns:adec="http://schemas.microsoft.com/office/drawing/2017/decorative" val="1"/>
+                <adec:decorative xmlns:adec="http://schemas.microsoft.com/office/drawing/2017/decorative" xmlns="" val="1"/>
               </a:ext>
             </a:extLst>
           </p:cNvPr>
@@ -14111,7 +14127,7 @@
           <p:nvPr>
             <p:extLst>
               <p:ext uri="{386F3935-93C4-4BCD-93E2-E3B085C9AB24}">
-                <p16:designElem xmlns:p16="http://schemas.microsoft.com/office/powerpoint/2015/main" val="1"/>
+                <p16:designElem xmlns:p16="http://schemas.microsoft.com/office/powerpoint/2015/main" xmlns="" val="1"/>
               </p:ext>
             </p:extLst>
           </p:nvPr>
@@ -14208,10 +14224,10 @@
           <p:cNvPr id="37" name="Isosceles Triangle 36">
             <a:extLst>
               <a:ext uri="{FF2B5EF4-FFF2-40B4-BE49-F238E27FC236}">
-                <a16:creationId xmlns:a16="http://schemas.microsoft.com/office/drawing/2014/main" id="{BA1115EC-44C4-0A28-76ED-108C165AD0A3}"/>
+                <a16:creationId xmlns:a16="http://schemas.microsoft.com/office/drawing/2014/main" xmlns="" id="{BA1115EC-44C4-0A28-76ED-108C165AD0A3}"/>
               </a:ext>
               <a:ext uri="{C183D7F6-B498-43B3-948B-1728B52AA6E4}">
-                <adec:decorative xmlns:adec="http://schemas.microsoft.com/office/drawing/2017/decorative" val="1"/>
+                <adec:decorative xmlns:adec="http://schemas.microsoft.com/office/drawing/2017/decorative" xmlns="" val="1"/>
               </a:ext>
             </a:extLst>
           </p:cNvPr>
@@ -14221,7 +14237,7 @@
           <p:nvPr>
             <p:extLst>
               <p:ext uri="{386F3935-93C4-4BCD-93E2-E3B085C9AB24}">
-                <p16:designElem xmlns:p16="http://schemas.microsoft.com/office/powerpoint/2015/main" val="1"/>
+                <p16:designElem xmlns:p16="http://schemas.microsoft.com/office/powerpoint/2015/main" xmlns="" val="1"/>
               </p:ext>
             </p:extLst>
           </p:nvPr>
@@ -14273,10 +14289,10 @@
           <p:cNvPr id="39" name="Isosceles Triangle 38">
             <a:extLst>
               <a:ext uri="{FF2B5EF4-FFF2-40B4-BE49-F238E27FC236}">
-                <a16:creationId xmlns:a16="http://schemas.microsoft.com/office/drawing/2014/main" id="{1BD3FC0A-0EEF-D07D-8D42-140136F2A22D}"/>
+                <a16:creationId xmlns:a16="http://schemas.microsoft.com/office/drawing/2014/main" xmlns="" id="{1BD3FC0A-0EEF-D07D-8D42-140136F2A22D}"/>
               </a:ext>
               <a:ext uri="{C183D7F6-B498-43B3-948B-1728B52AA6E4}">
-                <adec:decorative xmlns:adec="http://schemas.microsoft.com/office/drawing/2017/decorative" val="1"/>
+                <adec:decorative xmlns:adec="http://schemas.microsoft.com/office/drawing/2017/decorative" xmlns="" val="1"/>
               </a:ext>
             </a:extLst>
           </p:cNvPr>
@@ -14286,7 +14302,7 @@
           <p:nvPr>
             <p:extLst>
               <p:ext uri="{386F3935-93C4-4BCD-93E2-E3B085C9AB24}">
-                <p16:designElem xmlns:p16="http://schemas.microsoft.com/office/powerpoint/2015/main" val="1"/>
+                <p16:designElem xmlns:p16="http://schemas.microsoft.com/office/powerpoint/2015/main" xmlns="" val="1"/>
               </p:ext>
             </p:extLst>
           </p:nvPr>
@@ -14338,7 +14354,7 @@
           <p:cNvPr id="26" name="TextBox 25">
             <a:extLst>
               <a:ext uri="{FF2B5EF4-FFF2-40B4-BE49-F238E27FC236}">
-                <a16:creationId xmlns:a16="http://schemas.microsoft.com/office/drawing/2014/main" id="{8F8BB831-639B-F76A-1052-EAE6C576953C}"/>
+                <a16:creationId xmlns:a16="http://schemas.microsoft.com/office/drawing/2014/main" xmlns="" id="{8F8BB831-639B-F76A-1052-EAE6C576953C}"/>
               </a:ext>
             </a:extLst>
           </p:cNvPr>
@@ -14375,7 +14391,7 @@
           <p:cNvPr id="3" name="Picture Placeholder 2">
             <a:extLst>
               <a:ext uri="{FF2B5EF4-FFF2-40B4-BE49-F238E27FC236}">
-                <a16:creationId xmlns:a16="http://schemas.microsoft.com/office/drawing/2014/main" id="{AD75E344-34A7-3953-DBE1-C1AC0EEF25BF}"/>
+                <a16:creationId xmlns:a16="http://schemas.microsoft.com/office/drawing/2014/main" xmlns="" id="{AD75E344-34A7-3953-DBE1-C1AC0EEF25BF}"/>
               </a:ext>
             </a:extLst>
           </p:cNvPr>
@@ -14400,7 +14416,7 @@
           <p:cNvPr id="5" name="Content Placeholder 2">
             <a:extLst>
               <a:ext uri="{FF2B5EF4-FFF2-40B4-BE49-F238E27FC236}">
-                <a16:creationId xmlns:a16="http://schemas.microsoft.com/office/drawing/2014/main" id="{74A4C716-B13D-F106-1917-56A91000701D}"/>
+                <a16:creationId xmlns:a16="http://schemas.microsoft.com/office/drawing/2014/main" xmlns="" id="{74A4C716-B13D-F106-1917-56A91000701D}"/>
               </a:ext>
             </a:extLst>
           </p:cNvPr>
@@ -14840,7 +14856,7 @@
         <p:cNvPr id="1" name="">
           <a:extLst>
             <a:ext uri="{FF2B5EF4-FFF2-40B4-BE49-F238E27FC236}">
-              <a16:creationId xmlns:a16="http://schemas.microsoft.com/office/drawing/2014/main" id="{AB68B09A-02A9-FCF6-8CF4-E21D9D83F5B6}"/>
+              <a16:creationId xmlns:a16="http://schemas.microsoft.com/office/drawing/2014/main" xmlns="" id="{AB68B09A-02A9-FCF6-8CF4-E21D9D83F5B6}"/>
             </a:ext>
           </a:extLst>
         </p:cNvPr>
@@ -14860,10 +14876,10 @@
           <p:cNvPr id="27" name="Rectangle 26">
             <a:extLst>
               <a:ext uri="{FF2B5EF4-FFF2-40B4-BE49-F238E27FC236}">
-                <a16:creationId xmlns:a16="http://schemas.microsoft.com/office/drawing/2014/main" id="{72DB646F-EF7A-CDB6-8C97-BFA5811FC706}"/>
+                <a16:creationId xmlns:a16="http://schemas.microsoft.com/office/drawing/2014/main" xmlns="" id="{72DB646F-EF7A-CDB6-8C97-BFA5811FC706}"/>
               </a:ext>
               <a:ext uri="{C183D7F6-B498-43B3-948B-1728B52AA6E4}">
-                <adec:decorative xmlns:adec="http://schemas.microsoft.com/office/drawing/2017/decorative" val="1"/>
+                <adec:decorative xmlns:adec="http://schemas.microsoft.com/office/drawing/2017/decorative" xmlns="" val="1"/>
               </a:ext>
             </a:extLst>
           </p:cNvPr>
@@ -14873,7 +14889,7 @@
           <p:nvPr>
             <p:extLst>
               <p:ext uri="{386F3935-93C4-4BCD-93E2-E3B085C9AB24}">
-                <p16:designElem xmlns:p16="http://schemas.microsoft.com/office/powerpoint/2015/main" val="1"/>
+                <p16:designElem xmlns:p16="http://schemas.microsoft.com/office/powerpoint/2015/main" xmlns="" val="1"/>
               </p:ext>
             </p:extLst>
           </p:nvPr>
@@ -14923,10 +14939,10 @@
           <p:cNvPr id="29" name="Group 28">
             <a:extLst>
               <a:ext uri="{FF2B5EF4-FFF2-40B4-BE49-F238E27FC236}">
-                <a16:creationId xmlns:a16="http://schemas.microsoft.com/office/drawing/2014/main" id="{2208392C-196F-5C96-1245-94E5797EEA40}"/>
+                <a16:creationId xmlns:a16="http://schemas.microsoft.com/office/drawing/2014/main" xmlns="" id="{2208392C-196F-5C96-1245-94E5797EEA40}"/>
               </a:ext>
               <a:ext uri="{C183D7F6-B498-43B3-948B-1728B52AA6E4}">
-                <adec:decorative xmlns:adec="http://schemas.microsoft.com/office/drawing/2017/decorative" val="1"/>
+                <adec:decorative xmlns:adec="http://schemas.microsoft.com/office/drawing/2017/decorative" xmlns="" val="1"/>
               </a:ext>
             </a:extLst>
           </p:cNvPr>
@@ -14936,7 +14952,7 @@
           <p:nvPr>
             <p:extLst>
               <p:ext uri="{386F3935-93C4-4BCD-93E2-E3B085C9AB24}">
-                <p16:designElem xmlns:p16="http://schemas.microsoft.com/office/powerpoint/2015/main" val="1"/>
+                <p16:designElem xmlns:p16="http://schemas.microsoft.com/office/powerpoint/2015/main" xmlns="" val="1"/>
               </p:ext>
             </p:extLst>
           </p:nvPr>
@@ -14954,10 +14970,10 @@
             <p:cNvPr id="30" name="Freeform: Shape 29">
               <a:extLst>
                 <a:ext uri="{FF2B5EF4-FFF2-40B4-BE49-F238E27FC236}">
-                  <a16:creationId xmlns:a16="http://schemas.microsoft.com/office/drawing/2014/main" id="{F5DB40BB-1B9E-AF43-E22C-858F9B33D319}"/>
+                  <a16:creationId xmlns:a16="http://schemas.microsoft.com/office/drawing/2014/main" xmlns="" id="{F5DB40BB-1B9E-AF43-E22C-858F9B33D319}"/>
                 </a:ext>
                 <a:ext uri="{C183D7F6-B498-43B3-948B-1728B52AA6E4}">
-                  <adec:decorative xmlns:adec="http://schemas.microsoft.com/office/drawing/2017/decorative" val="1"/>
+                  <adec:decorative xmlns:adec="http://schemas.microsoft.com/office/drawing/2017/decorative" xmlns="" val="1"/>
                 </a:ext>
               </a:extLst>
             </p:cNvPr>
@@ -14965,7 +14981,7 @@
             <p:nvPr>
               <p:extLst>
                 <p:ext uri="{386F3935-93C4-4BCD-93E2-E3B085C9AB24}">
-                  <p16:designElem xmlns:p16="http://schemas.microsoft.com/office/powerpoint/2015/main" val="1"/>
+                  <p16:designElem xmlns:p16="http://schemas.microsoft.com/office/powerpoint/2015/main" xmlns="" val="1"/>
                 </p:ext>
               </p:extLst>
             </p:nvPr>
@@ -15068,10 +15084,10 @@
             <p:cNvPr id="31" name="Rectangle 30">
               <a:extLst>
                 <a:ext uri="{FF2B5EF4-FFF2-40B4-BE49-F238E27FC236}">
-                  <a16:creationId xmlns:a16="http://schemas.microsoft.com/office/drawing/2014/main" id="{A0D31D67-8F11-AC56-2C84-FE263B6D95F8}"/>
+                  <a16:creationId xmlns:a16="http://schemas.microsoft.com/office/drawing/2014/main" xmlns="" id="{A0D31D67-8F11-AC56-2C84-FE263B6D95F8}"/>
                 </a:ext>
                 <a:ext uri="{C183D7F6-B498-43B3-948B-1728B52AA6E4}">
-                  <adec:decorative xmlns:adec="http://schemas.microsoft.com/office/drawing/2017/decorative" val="1"/>
+                  <adec:decorative xmlns:adec="http://schemas.microsoft.com/office/drawing/2017/decorative" xmlns="" val="1"/>
                 </a:ext>
               </a:extLst>
             </p:cNvPr>
@@ -15079,7 +15095,7 @@
             <p:nvPr>
               <p:extLst>
                 <p:ext uri="{386F3935-93C4-4BCD-93E2-E3B085C9AB24}">
-                  <p16:designElem xmlns:p16="http://schemas.microsoft.com/office/powerpoint/2015/main" val="1"/>
+                  <p16:designElem xmlns:p16="http://schemas.microsoft.com/office/powerpoint/2015/main" xmlns="" val="1"/>
                 </p:ext>
               </p:extLst>
             </p:nvPr>
@@ -15132,10 +15148,10 @@
           <p:cNvPr id="33" name="Rectangle 32">
             <a:extLst>
               <a:ext uri="{FF2B5EF4-FFF2-40B4-BE49-F238E27FC236}">
-                <a16:creationId xmlns:a16="http://schemas.microsoft.com/office/drawing/2014/main" id="{25C6BF5C-E980-C71F-5F87-4988B5BC948C}"/>
+                <a16:creationId xmlns:a16="http://schemas.microsoft.com/office/drawing/2014/main" xmlns="" id="{25C6BF5C-E980-C71F-5F87-4988B5BC948C}"/>
               </a:ext>
               <a:ext uri="{C183D7F6-B498-43B3-948B-1728B52AA6E4}">
-                <adec:decorative xmlns:adec="http://schemas.microsoft.com/office/drawing/2017/decorative" val="1"/>
+                <adec:decorative xmlns:adec="http://schemas.microsoft.com/office/drawing/2017/decorative" xmlns="" val="1"/>
               </a:ext>
             </a:extLst>
           </p:cNvPr>
@@ -15145,7 +15161,7 @@
           <p:nvPr>
             <p:extLst>
               <p:ext uri="{386F3935-93C4-4BCD-93E2-E3B085C9AB24}">
-                <p16:designElem xmlns:p16="http://schemas.microsoft.com/office/powerpoint/2015/main" val="1"/>
+                <p16:designElem xmlns:p16="http://schemas.microsoft.com/office/powerpoint/2015/main" xmlns="" val="1"/>
               </p:ext>
             </p:extLst>
           </p:nvPr>
@@ -15197,10 +15213,10 @@
           <p:cNvPr id="35" name="Isosceles Triangle 34">
             <a:extLst>
               <a:ext uri="{FF2B5EF4-FFF2-40B4-BE49-F238E27FC236}">
-                <a16:creationId xmlns:a16="http://schemas.microsoft.com/office/drawing/2014/main" id="{EB1A9466-6EBD-2679-11FA-D68BC1CB464A}"/>
+                <a16:creationId xmlns:a16="http://schemas.microsoft.com/office/drawing/2014/main" xmlns="" id="{EB1A9466-6EBD-2679-11FA-D68BC1CB464A}"/>
               </a:ext>
               <a:ext uri="{C183D7F6-B498-43B3-948B-1728B52AA6E4}">
-                <adec:decorative xmlns:adec="http://schemas.microsoft.com/office/drawing/2017/decorative" val="1"/>
+                <adec:decorative xmlns:adec="http://schemas.microsoft.com/office/drawing/2017/decorative" xmlns="" val="1"/>
               </a:ext>
             </a:extLst>
           </p:cNvPr>
@@ -15210,7 +15226,7 @@
           <p:nvPr>
             <p:extLst>
               <p:ext uri="{386F3935-93C4-4BCD-93E2-E3B085C9AB24}">
-                <p16:designElem xmlns:p16="http://schemas.microsoft.com/office/powerpoint/2015/main" val="1"/>
+                <p16:designElem xmlns:p16="http://schemas.microsoft.com/office/powerpoint/2015/main" xmlns="" val="1"/>
               </p:ext>
             </p:extLst>
           </p:nvPr>
@@ -15264,7 +15280,7 @@
           <p:cNvPr id="6" name="TextBox 5">
             <a:extLst>
               <a:ext uri="{FF2B5EF4-FFF2-40B4-BE49-F238E27FC236}">
-                <a16:creationId xmlns:a16="http://schemas.microsoft.com/office/drawing/2014/main" id="{0A58F2F5-AAA1-FC09-9E73-8623E418A836}"/>
+                <a16:creationId xmlns:a16="http://schemas.microsoft.com/office/drawing/2014/main" xmlns="" id="{0A58F2F5-AAA1-FC09-9E73-8623E418A836}"/>
               </a:ext>
             </a:extLst>
           </p:cNvPr>
@@ -15300,7 +15316,7 @@
           <p:cNvPr id="3" name="Picture Placeholder 2">
             <a:extLst>
               <a:ext uri="{FF2B5EF4-FFF2-40B4-BE49-F238E27FC236}">
-                <a16:creationId xmlns:a16="http://schemas.microsoft.com/office/drawing/2014/main" id="{9565FECF-3BE0-B37A-FD11-67654283E950}"/>
+                <a16:creationId xmlns:a16="http://schemas.microsoft.com/office/drawing/2014/main" xmlns="" id="{9565FECF-3BE0-B37A-FD11-67654283E950}"/>
               </a:ext>
             </a:extLst>
           </p:cNvPr>
@@ -15325,7 +15341,7 @@
           <p:cNvPr id="2" name="Title 1">
             <a:extLst>
               <a:ext uri="{FF2B5EF4-FFF2-40B4-BE49-F238E27FC236}">
-                <a16:creationId xmlns:a16="http://schemas.microsoft.com/office/drawing/2014/main" id="{4A34A8C2-9497-38DC-9914-B9EB677E6073}"/>
+                <a16:creationId xmlns:a16="http://schemas.microsoft.com/office/drawing/2014/main" xmlns="" id="{4A34A8C2-9497-38DC-9914-B9EB677E6073}"/>
               </a:ext>
             </a:extLst>
           </p:cNvPr>
@@ -15358,7 +15374,7 @@
           <p:cNvPr id="5" name="Content Placeholder 2">
             <a:extLst>
               <a:ext uri="{FF2B5EF4-FFF2-40B4-BE49-F238E27FC236}">
-                <a16:creationId xmlns:a16="http://schemas.microsoft.com/office/drawing/2014/main" id="{78BF78A8-01EF-3FAA-1E25-C8DEB3374D83}"/>
+                <a16:creationId xmlns:a16="http://schemas.microsoft.com/office/drawing/2014/main" xmlns="" id="{78BF78A8-01EF-3FAA-1E25-C8DEB3374D83}"/>
               </a:ext>
             </a:extLst>
           </p:cNvPr>
@@ -15605,7 +15621,7 @@
           <p:cNvPr id="7" name="Picture 6">
             <a:extLst>
               <a:ext uri="{FF2B5EF4-FFF2-40B4-BE49-F238E27FC236}">
-                <a16:creationId xmlns:a16="http://schemas.microsoft.com/office/drawing/2014/main" id="{5373135D-56E5-9489-494A-76881ADA6D71}"/>
+                <a16:creationId xmlns:a16="http://schemas.microsoft.com/office/drawing/2014/main" xmlns="" id="{5373135D-56E5-9489-494A-76881ADA6D71}"/>
               </a:ext>
             </a:extLst>
           </p:cNvPr>
@@ -15635,7 +15651,7 @@
           <p:cNvPr id="12" name="Picture 11">
             <a:extLst>
               <a:ext uri="{FF2B5EF4-FFF2-40B4-BE49-F238E27FC236}">
-                <a16:creationId xmlns:a16="http://schemas.microsoft.com/office/drawing/2014/main" id="{6DB83A99-444D-1152-8CC6-F57BD636C896}"/>
+                <a16:creationId xmlns:a16="http://schemas.microsoft.com/office/drawing/2014/main" xmlns="" id="{6DB83A99-444D-1152-8CC6-F57BD636C896}"/>
               </a:ext>
             </a:extLst>
           </p:cNvPr>
@@ -15665,7 +15681,7 @@
           <p:cNvPr id="13" name="Picture 12">
             <a:extLst>
               <a:ext uri="{FF2B5EF4-FFF2-40B4-BE49-F238E27FC236}">
-                <a16:creationId xmlns:a16="http://schemas.microsoft.com/office/drawing/2014/main" id="{13E4D700-B8F3-1D25-CAEA-F99A71CD0407}"/>
+                <a16:creationId xmlns:a16="http://schemas.microsoft.com/office/drawing/2014/main" xmlns="" id="{13E4D700-B8F3-1D25-CAEA-F99A71CD0407}"/>
               </a:ext>
             </a:extLst>
           </p:cNvPr>
@@ -15695,7 +15711,7 @@
           <p:cNvPr id="14" name="Picture 13">
             <a:extLst>
               <a:ext uri="{FF2B5EF4-FFF2-40B4-BE49-F238E27FC236}">
-                <a16:creationId xmlns:a16="http://schemas.microsoft.com/office/drawing/2014/main" id="{43D20A3B-7FFA-EF53-4C9F-26520ABF8C8E}"/>
+                <a16:creationId xmlns:a16="http://schemas.microsoft.com/office/drawing/2014/main" xmlns="" id="{43D20A3B-7FFA-EF53-4C9F-26520ABF8C8E}"/>
               </a:ext>
             </a:extLst>
           </p:cNvPr>
@@ -15749,7 +15765,7 @@
         <p:cNvPr id="1" name="">
           <a:extLst>
             <a:ext uri="{FF2B5EF4-FFF2-40B4-BE49-F238E27FC236}">
-              <a16:creationId xmlns:a16="http://schemas.microsoft.com/office/drawing/2014/main" id="{DE08D394-2BD4-869F-235F-9850872C5740}"/>
+              <a16:creationId xmlns:a16="http://schemas.microsoft.com/office/drawing/2014/main" xmlns="" id="{DE08D394-2BD4-869F-235F-9850872C5740}"/>
             </a:ext>
           </a:extLst>
         </p:cNvPr>
@@ -15769,10 +15785,10 @@
           <p:cNvPr id="27" name="Rectangle 26">
             <a:extLst>
               <a:ext uri="{FF2B5EF4-FFF2-40B4-BE49-F238E27FC236}">
-                <a16:creationId xmlns:a16="http://schemas.microsoft.com/office/drawing/2014/main" id="{9314C8F3-8B4D-C47F-1366-D419C1E498B2}"/>
+                <a16:creationId xmlns:a16="http://schemas.microsoft.com/office/drawing/2014/main" xmlns="" id="{9314C8F3-8B4D-C47F-1366-D419C1E498B2}"/>
               </a:ext>
               <a:ext uri="{C183D7F6-B498-43B3-948B-1728B52AA6E4}">
-                <adec:decorative xmlns:adec="http://schemas.microsoft.com/office/drawing/2017/decorative" val="1"/>
+                <adec:decorative xmlns:adec="http://schemas.microsoft.com/office/drawing/2017/decorative" xmlns="" val="1"/>
               </a:ext>
             </a:extLst>
           </p:cNvPr>
@@ -15782,7 +15798,7 @@
           <p:nvPr>
             <p:extLst>
               <p:ext uri="{386F3935-93C4-4BCD-93E2-E3B085C9AB24}">
-                <p16:designElem xmlns:p16="http://schemas.microsoft.com/office/powerpoint/2015/main" val="1"/>
+                <p16:designElem xmlns:p16="http://schemas.microsoft.com/office/powerpoint/2015/main" xmlns="" val="1"/>
               </p:ext>
             </p:extLst>
           </p:nvPr>
@@ -15832,10 +15848,10 @@
           <p:cNvPr id="29" name="Freeform: Shape 28">
             <a:extLst>
               <a:ext uri="{FF2B5EF4-FFF2-40B4-BE49-F238E27FC236}">
-                <a16:creationId xmlns:a16="http://schemas.microsoft.com/office/drawing/2014/main" id="{A190D593-2004-AA64-5F30-4C16E0F64D2A}"/>
+                <a16:creationId xmlns:a16="http://schemas.microsoft.com/office/drawing/2014/main" xmlns="" id="{A190D593-2004-AA64-5F30-4C16E0F64D2A}"/>
               </a:ext>
               <a:ext uri="{C183D7F6-B498-43B3-948B-1728B52AA6E4}">
-                <adec:decorative xmlns:adec="http://schemas.microsoft.com/office/drawing/2017/decorative" val="1"/>
+                <adec:decorative xmlns:adec="http://schemas.microsoft.com/office/drawing/2017/decorative" xmlns="" val="1"/>
               </a:ext>
             </a:extLst>
           </p:cNvPr>
@@ -15845,7 +15861,7 @@
           <p:nvPr>
             <p:extLst>
               <p:ext uri="{386F3935-93C4-4BCD-93E2-E3B085C9AB24}">
-                <p16:designElem xmlns:p16="http://schemas.microsoft.com/office/powerpoint/2015/main" val="1"/>
+                <p16:designElem xmlns:p16="http://schemas.microsoft.com/office/powerpoint/2015/main" xmlns="" val="1"/>
               </p:ext>
             </p:extLst>
           </p:nvPr>
@@ -15948,10 +15964,10 @@
           <p:cNvPr id="31" name="Rectangle 30">
             <a:extLst>
               <a:ext uri="{FF2B5EF4-FFF2-40B4-BE49-F238E27FC236}">
-                <a16:creationId xmlns:a16="http://schemas.microsoft.com/office/drawing/2014/main" id="{F29EBCC0-12F4-6CEC-87D2-11155954A26B}"/>
+                <a16:creationId xmlns:a16="http://schemas.microsoft.com/office/drawing/2014/main" xmlns="" id="{F29EBCC0-12F4-6CEC-87D2-11155954A26B}"/>
               </a:ext>
               <a:ext uri="{C183D7F6-B498-43B3-948B-1728B52AA6E4}">
-                <adec:decorative xmlns:adec="http://schemas.microsoft.com/office/drawing/2017/decorative" val="1"/>
+                <adec:decorative xmlns:adec="http://schemas.microsoft.com/office/drawing/2017/decorative" xmlns="" val="1"/>
               </a:ext>
             </a:extLst>
           </p:cNvPr>
@@ -15961,7 +15977,7 @@
           <p:nvPr>
             <p:extLst>
               <p:ext uri="{386F3935-93C4-4BCD-93E2-E3B085C9AB24}">
-                <p16:designElem xmlns:p16="http://schemas.microsoft.com/office/powerpoint/2015/main" val="1"/>
+                <p16:designElem xmlns:p16="http://schemas.microsoft.com/office/powerpoint/2015/main" xmlns="" val="1"/>
               </p:ext>
             </p:extLst>
           </p:nvPr>
@@ -16013,10 +16029,10 @@
           <p:cNvPr id="33" name="Rectangle 32">
             <a:extLst>
               <a:ext uri="{FF2B5EF4-FFF2-40B4-BE49-F238E27FC236}">
-                <a16:creationId xmlns:a16="http://schemas.microsoft.com/office/drawing/2014/main" id="{6E2798DC-74EE-F16A-8314-1B17A297047B}"/>
+                <a16:creationId xmlns:a16="http://schemas.microsoft.com/office/drawing/2014/main" xmlns="" id="{6E2798DC-74EE-F16A-8314-1B17A297047B}"/>
               </a:ext>
               <a:ext uri="{C183D7F6-B498-43B3-948B-1728B52AA6E4}">
-                <adec:decorative xmlns:adec="http://schemas.microsoft.com/office/drawing/2017/decorative" val="1"/>
+                <adec:decorative xmlns:adec="http://schemas.microsoft.com/office/drawing/2017/decorative" xmlns="" val="1"/>
               </a:ext>
             </a:extLst>
           </p:cNvPr>
@@ -16026,7 +16042,7 @@
           <p:nvPr>
             <p:extLst>
               <p:ext uri="{386F3935-93C4-4BCD-93E2-E3B085C9AB24}">
-                <p16:designElem xmlns:p16="http://schemas.microsoft.com/office/powerpoint/2015/main" val="1"/>
+                <p16:designElem xmlns:p16="http://schemas.microsoft.com/office/powerpoint/2015/main" xmlns="" val="1"/>
               </p:ext>
             </p:extLst>
           </p:nvPr>
@@ -16078,10 +16094,10 @@
           <p:cNvPr id="35" name="Freeform: Shape 34">
             <a:extLst>
               <a:ext uri="{FF2B5EF4-FFF2-40B4-BE49-F238E27FC236}">
-                <a16:creationId xmlns:a16="http://schemas.microsoft.com/office/drawing/2014/main" id="{DA8E5BEA-06AB-D25B-21FA-62E598066C1E}"/>
+                <a16:creationId xmlns:a16="http://schemas.microsoft.com/office/drawing/2014/main" xmlns="" id="{DA8E5BEA-06AB-D25B-21FA-62E598066C1E}"/>
               </a:ext>
               <a:ext uri="{C183D7F6-B498-43B3-948B-1728B52AA6E4}">
-                <adec:decorative xmlns:adec="http://schemas.microsoft.com/office/drawing/2017/decorative" val="1"/>
+                <adec:decorative xmlns:adec="http://schemas.microsoft.com/office/drawing/2017/decorative" xmlns="" val="1"/>
               </a:ext>
             </a:extLst>
           </p:cNvPr>
@@ -16091,7 +16107,7 @@
           <p:nvPr>
             <p:extLst>
               <p:ext uri="{386F3935-93C4-4BCD-93E2-E3B085C9AB24}">
-                <p16:designElem xmlns:p16="http://schemas.microsoft.com/office/powerpoint/2015/main" val="1"/>
+                <p16:designElem xmlns:p16="http://schemas.microsoft.com/office/powerpoint/2015/main" xmlns="" val="1"/>
               </p:ext>
             </p:extLst>
           </p:nvPr>
@@ -16188,10 +16204,10 @@
           <p:cNvPr id="37" name="Isosceles Triangle 36">
             <a:extLst>
               <a:ext uri="{FF2B5EF4-FFF2-40B4-BE49-F238E27FC236}">
-                <a16:creationId xmlns:a16="http://schemas.microsoft.com/office/drawing/2014/main" id="{DB1FA6E3-AEA0-1BB8-AE6E-0EF548EC95FC}"/>
+                <a16:creationId xmlns:a16="http://schemas.microsoft.com/office/drawing/2014/main" xmlns="" id="{DB1FA6E3-AEA0-1BB8-AE6E-0EF548EC95FC}"/>
               </a:ext>
               <a:ext uri="{C183D7F6-B498-43B3-948B-1728B52AA6E4}">
-                <adec:decorative xmlns:adec="http://schemas.microsoft.com/office/drawing/2017/decorative" val="1"/>
+                <adec:decorative xmlns:adec="http://schemas.microsoft.com/office/drawing/2017/decorative" xmlns="" val="1"/>
               </a:ext>
             </a:extLst>
           </p:cNvPr>
@@ -16201,7 +16217,7 @@
           <p:nvPr>
             <p:extLst>
               <p:ext uri="{386F3935-93C4-4BCD-93E2-E3B085C9AB24}">
-                <p16:designElem xmlns:p16="http://schemas.microsoft.com/office/powerpoint/2015/main" val="1"/>
+                <p16:designElem xmlns:p16="http://schemas.microsoft.com/office/powerpoint/2015/main" xmlns="" val="1"/>
               </p:ext>
             </p:extLst>
           </p:nvPr>
@@ -16253,10 +16269,10 @@
           <p:cNvPr id="39" name="Isosceles Triangle 38">
             <a:extLst>
               <a:ext uri="{FF2B5EF4-FFF2-40B4-BE49-F238E27FC236}">
-                <a16:creationId xmlns:a16="http://schemas.microsoft.com/office/drawing/2014/main" id="{9FF762B8-666D-9538-F853-FB4BB0A4B746}"/>
+                <a16:creationId xmlns:a16="http://schemas.microsoft.com/office/drawing/2014/main" xmlns="" id="{9FF762B8-666D-9538-F853-FB4BB0A4B746}"/>
               </a:ext>
               <a:ext uri="{C183D7F6-B498-43B3-948B-1728B52AA6E4}">
-                <adec:decorative xmlns:adec="http://schemas.microsoft.com/office/drawing/2017/decorative" val="1"/>
+                <adec:decorative xmlns:adec="http://schemas.microsoft.com/office/drawing/2017/decorative" xmlns="" val="1"/>
               </a:ext>
             </a:extLst>
           </p:cNvPr>
@@ -16266,7 +16282,7 @@
           <p:nvPr>
             <p:extLst>
               <p:ext uri="{386F3935-93C4-4BCD-93E2-E3B085C9AB24}">
-                <p16:designElem xmlns:p16="http://schemas.microsoft.com/office/powerpoint/2015/main" val="1"/>
+                <p16:designElem xmlns:p16="http://schemas.microsoft.com/office/powerpoint/2015/main" xmlns="" val="1"/>
               </p:ext>
             </p:extLst>
           </p:nvPr>
@@ -16318,7 +16334,7 @@
           <p:cNvPr id="3" name="Picture Placeholder 2">
             <a:extLst>
               <a:ext uri="{FF2B5EF4-FFF2-40B4-BE49-F238E27FC236}">
-                <a16:creationId xmlns:a16="http://schemas.microsoft.com/office/drawing/2014/main" id="{1C371400-81F0-FFE8-1AF8-DD993353323A}"/>
+                <a16:creationId xmlns:a16="http://schemas.microsoft.com/office/drawing/2014/main" xmlns="" id="{1C371400-81F0-FFE8-1AF8-DD993353323A}"/>
               </a:ext>
             </a:extLst>
           </p:cNvPr>
@@ -16343,7 +16359,7 @@
           <p:cNvPr id="2" name="TextBox 1">
             <a:extLst>
               <a:ext uri="{FF2B5EF4-FFF2-40B4-BE49-F238E27FC236}">
-                <a16:creationId xmlns:a16="http://schemas.microsoft.com/office/drawing/2014/main" id="{CE2EAF3F-F2BE-256B-3163-500AC5109380}"/>
+                <a16:creationId xmlns:a16="http://schemas.microsoft.com/office/drawing/2014/main" xmlns="" id="{CE2EAF3F-F2BE-256B-3163-500AC5109380}"/>
               </a:ext>
             </a:extLst>
           </p:cNvPr>
@@ -16379,7 +16395,7 @@
           <p:cNvPr id="6" name="Arrow: Right 5">
             <a:extLst>
               <a:ext uri="{FF2B5EF4-FFF2-40B4-BE49-F238E27FC236}">
-                <a16:creationId xmlns:a16="http://schemas.microsoft.com/office/drawing/2014/main" id="{2CAAB777-F3C8-77A0-213C-0CF303349AD1}"/>
+                <a16:creationId xmlns:a16="http://schemas.microsoft.com/office/drawing/2014/main" xmlns="" id="{2CAAB777-F3C8-77A0-213C-0CF303349AD1}"/>
               </a:ext>
             </a:extLst>
           </p:cNvPr>
@@ -16425,7 +16441,7 @@
           <p:cNvPr id="9" name="Arrow: Right 10">
             <a:extLst>
               <a:ext uri="{FF2B5EF4-FFF2-40B4-BE49-F238E27FC236}">
-                <a16:creationId xmlns:a16="http://schemas.microsoft.com/office/drawing/2014/main" id="{F34B6CCF-8C22-B492-75ED-176612B2979B}"/>
+                <a16:creationId xmlns:a16="http://schemas.microsoft.com/office/drawing/2014/main" xmlns="" id="{F34B6CCF-8C22-B492-75ED-176612B2979B}"/>
               </a:ext>
             </a:extLst>
           </p:cNvPr>
@@ -16471,7 +16487,7 @@
           <p:cNvPr id="5" name="Picture 4">
             <a:extLst>
               <a:ext uri="{FF2B5EF4-FFF2-40B4-BE49-F238E27FC236}">
-                <a16:creationId xmlns:a16="http://schemas.microsoft.com/office/drawing/2014/main" id="{665D1823-6FB1-3041-7DB3-D0311FD7B404}"/>
+                <a16:creationId xmlns:a16="http://schemas.microsoft.com/office/drawing/2014/main" xmlns="" id="{665D1823-6FB1-3041-7DB3-D0311FD7B404}"/>
               </a:ext>
             </a:extLst>
           </p:cNvPr>
@@ -16501,7 +16517,7 @@
           <p:cNvPr id="12" name="Picture 11">
             <a:extLst>
               <a:ext uri="{FF2B5EF4-FFF2-40B4-BE49-F238E27FC236}">
-                <a16:creationId xmlns:a16="http://schemas.microsoft.com/office/drawing/2014/main" id="{4E4FCF34-A635-AFAA-78EB-EC67DB483841}"/>
+                <a16:creationId xmlns:a16="http://schemas.microsoft.com/office/drawing/2014/main" xmlns="" id="{4E4FCF34-A635-AFAA-78EB-EC67DB483841}"/>
               </a:ext>
             </a:extLst>
           </p:cNvPr>
@@ -16531,7 +16547,7 @@
           <p:cNvPr id="13" name="Picture 12">
             <a:extLst>
               <a:ext uri="{FF2B5EF4-FFF2-40B4-BE49-F238E27FC236}">
-                <a16:creationId xmlns:a16="http://schemas.microsoft.com/office/drawing/2014/main" id="{F9EF9AED-7CD9-E30D-0F86-89EC4218BB5A}"/>
+                <a16:creationId xmlns:a16="http://schemas.microsoft.com/office/drawing/2014/main" xmlns="" id="{F9EF9AED-7CD9-E30D-0F86-89EC4218BB5A}"/>
               </a:ext>
             </a:extLst>
           </p:cNvPr>
@@ -16561,7 +16577,7 @@
           <p:cNvPr id="14" name="TextBox 13">
             <a:extLst>
               <a:ext uri="{FF2B5EF4-FFF2-40B4-BE49-F238E27FC236}">
-                <a16:creationId xmlns:a16="http://schemas.microsoft.com/office/drawing/2014/main" id="{DE4DCEFD-DDAE-6885-60F6-B3DE195B859F}"/>
+                <a16:creationId xmlns:a16="http://schemas.microsoft.com/office/drawing/2014/main" xmlns="" id="{DE4DCEFD-DDAE-6885-60F6-B3DE195B859F}"/>
               </a:ext>
             </a:extLst>
           </p:cNvPr>
@@ -16604,7 +16620,7 @@
           <p:cNvPr id="15" name="TextBox 14">
             <a:extLst>
               <a:ext uri="{FF2B5EF4-FFF2-40B4-BE49-F238E27FC236}">
-                <a16:creationId xmlns:a16="http://schemas.microsoft.com/office/drawing/2014/main" id="{DE022E67-0DEC-BDCF-9F73-80C49E221E00}"/>
+                <a16:creationId xmlns:a16="http://schemas.microsoft.com/office/drawing/2014/main" xmlns="" id="{DE022E67-0DEC-BDCF-9F73-80C49E221E00}"/>
               </a:ext>
             </a:extLst>
           </p:cNvPr>
@@ -16674,7 +16690,7 @@
         <p:cNvPr id="1" name="">
           <a:extLst>
             <a:ext uri="{FF2B5EF4-FFF2-40B4-BE49-F238E27FC236}">
-              <a16:creationId xmlns:a16="http://schemas.microsoft.com/office/drawing/2014/main" id="{B52DC142-DDDA-E279-A9C8-E881EC4C5857}"/>
+              <a16:creationId xmlns:a16="http://schemas.microsoft.com/office/drawing/2014/main" xmlns="" id="{B52DC142-DDDA-E279-A9C8-E881EC4C5857}"/>
             </a:ext>
           </a:extLst>
         </p:cNvPr>
@@ -16694,10 +16710,10 @@
           <p:cNvPr id="27" name="Rectangle 26">
             <a:extLst>
               <a:ext uri="{FF2B5EF4-FFF2-40B4-BE49-F238E27FC236}">
-                <a16:creationId xmlns:a16="http://schemas.microsoft.com/office/drawing/2014/main" id="{D4C1A77A-646D-C446-EEC4-5CFB188C2869}"/>
+                <a16:creationId xmlns:a16="http://schemas.microsoft.com/office/drawing/2014/main" xmlns="" id="{D4C1A77A-646D-C446-EEC4-5CFB188C2869}"/>
               </a:ext>
               <a:ext uri="{C183D7F6-B498-43B3-948B-1728B52AA6E4}">
-                <adec:decorative xmlns:adec="http://schemas.microsoft.com/office/drawing/2017/decorative" val="1"/>
+                <adec:decorative xmlns:adec="http://schemas.microsoft.com/office/drawing/2017/decorative" xmlns="" val="1"/>
               </a:ext>
             </a:extLst>
           </p:cNvPr>
@@ -16707,7 +16723,7 @@
           <p:nvPr>
             <p:extLst>
               <p:ext uri="{386F3935-93C4-4BCD-93E2-E3B085C9AB24}">
-                <p16:designElem xmlns:p16="http://schemas.microsoft.com/office/powerpoint/2015/main" val="1"/>
+                <p16:designElem xmlns:p16="http://schemas.microsoft.com/office/powerpoint/2015/main" xmlns="" val="1"/>
               </p:ext>
             </p:extLst>
           </p:nvPr>
@@ -16757,10 +16773,10 @@
           <p:cNvPr id="29" name="Group 28">
             <a:extLst>
               <a:ext uri="{FF2B5EF4-FFF2-40B4-BE49-F238E27FC236}">
-                <a16:creationId xmlns:a16="http://schemas.microsoft.com/office/drawing/2014/main" id="{CF4062B0-BEFE-0414-D822-12F6D94722CE}"/>
+                <a16:creationId xmlns:a16="http://schemas.microsoft.com/office/drawing/2014/main" xmlns="" id="{CF4062B0-BEFE-0414-D822-12F6D94722CE}"/>
               </a:ext>
               <a:ext uri="{C183D7F6-B498-43B3-948B-1728B52AA6E4}">
-                <adec:decorative xmlns:adec="http://schemas.microsoft.com/office/drawing/2017/decorative" val="1"/>
+                <adec:decorative xmlns:adec="http://schemas.microsoft.com/office/drawing/2017/decorative" xmlns="" val="1"/>
               </a:ext>
             </a:extLst>
           </p:cNvPr>
@@ -16770,7 +16786,7 @@
           <p:nvPr>
             <p:extLst>
               <p:ext uri="{386F3935-93C4-4BCD-93E2-E3B085C9AB24}">
-                <p16:designElem xmlns:p16="http://schemas.microsoft.com/office/powerpoint/2015/main" val="1"/>
+                <p16:designElem xmlns:p16="http://schemas.microsoft.com/office/powerpoint/2015/main" xmlns="" val="1"/>
               </p:ext>
             </p:extLst>
           </p:nvPr>
@@ -16788,10 +16804,10 @@
             <p:cNvPr id="30" name="Freeform: Shape 29">
               <a:extLst>
                 <a:ext uri="{FF2B5EF4-FFF2-40B4-BE49-F238E27FC236}">
-                  <a16:creationId xmlns:a16="http://schemas.microsoft.com/office/drawing/2014/main" id="{6A362E68-575C-1D07-EE8A-A64C68972EC7}"/>
+                  <a16:creationId xmlns:a16="http://schemas.microsoft.com/office/drawing/2014/main" xmlns="" id="{6A362E68-575C-1D07-EE8A-A64C68972EC7}"/>
                 </a:ext>
                 <a:ext uri="{C183D7F6-B498-43B3-948B-1728B52AA6E4}">
-                  <adec:decorative xmlns:adec="http://schemas.microsoft.com/office/drawing/2017/decorative" val="1"/>
+                  <adec:decorative xmlns:adec="http://schemas.microsoft.com/office/drawing/2017/decorative" xmlns="" val="1"/>
                 </a:ext>
               </a:extLst>
             </p:cNvPr>
@@ -16799,7 +16815,7 @@
             <p:nvPr>
               <p:extLst>
                 <p:ext uri="{386F3935-93C4-4BCD-93E2-E3B085C9AB24}">
-                  <p16:designElem xmlns:p16="http://schemas.microsoft.com/office/powerpoint/2015/main" val="1"/>
+                  <p16:designElem xmlns:p16="http://schemas.microsoft.com/office/powerpoint/2015/main" xmlns="" val="1"/>
                 </p:ext>
               </p:extLst>
             </p:nvPr>
@@ -16902,10 +16918,10 @@
             <p:cNvPr id="31" name="Rectangle 30">
               <a:extLst>
                 <a:ext uri="{FF2B5EF4-FFF2-40B4-BE49-F238E27FC236}">
-                  <a16:creationId xmlns:a16="http://schemas.microsoft.com/office/drawing/2014/main" id="{643EA755-F8D9-A2A6-7756-3AC98482763C}"/>
+                  <a16:creationId xmlns:a16="http://schemas.microsoft.com/office/drawing/2014/main" xmlns="" id="{643EA755-F8D9-A2A6-7756-3AC98482763C}"/>
                 </a:ext>
                 <a:ext uri="{C183D7F6-B498-43B3-948B-1728B52AA6E4}">
-                  <adec:decorative xmlns:adec="http://schemas.microsoft.com/office/drawing/2017/decorative" val="1"/>
+                  <adec:decorative xmlns:adec="http://schemas.microsoft.com/office/drawing/2017/decorative" xmlns="" val="1"/>
                 </a:ext>
               </a:extLst>
             </p:cNvPr>
@@ -16913,7 +16929,7 @@
             <p:nvPr>
               <p:extLst>
                 <p:ext uri="{386F3935-93C4-4BCD-93E2-E3B085C9AB24}">
-                  <p16:designElem xmlns:p16="http://schemas.microsoft.com/office/powerpoint/2015/main" val="1"/>
+                  <p16:designElem xmlns:p16="http://schemas.microsoft.com/office/powerpoint/2015/main" xmlns="" val="1"/>
                 </p:ext>
               </p:extLst>
             </p:nvPr>
@@ -16966,10 +16982,10 @@
           <p:cNvPr id="33" name="Rectangle 32">
             <a:extLst>
               <a:ext uri="{FF2B5EF4-FFF2-40B4-BE49-F238E27FC236}">
-                <a16:creationId xmlns:a16="http://schemas.microsoft.com/office/drawing/2014/main" id="{467A269E-EE71-BC53-BA62-C5B8FB1D0A42}"/>
+                <a16:creationId xmlns:a16="http://schemas.microsoft.com/office/drawing/2014/main" xmlns="" id="{467A269E-EE71-BC53-BA62-C5B8FB1D0A42}"/>
               </a:ext>
               <a:ext uri="{C183D7F6-B498-43B3-948B-1728B52AA6E4}">
-                <adec:decorative xmlns:adec="http://schemas.microsoft.com/office/drawing/2017/decorative" val="1"/>
+                <adec:decorative xmlns:adec="http://schemas.microsoft.com/office/drawing/2017/decorative" xmlns="" val="1"/>
               </a:ext>
             </a:extLst>
           </p:cNvPr>
@@ -16979,7 +16995,7 @@
           <p:nvPr>
             <p:extLst>
               <p:ext uri="{386F3935-93C4-4BCD-93E2-E3B085C9AB24}">
-                <p16:designElem xmlns:p16="http://schemas.microsoft.com/office/powerpoint/2015/main" val="1"/>
+                <p16:designElem xmlns:p16="http://schemas.microsoft.com/office/powerpoint/2015/main" xmlns="" val="1"/>
               </p:ext>
             </p:extLst>
           </p:nvPr>
@@ -17031,10 +17047,10 @@
           <p:cNvPr id="35" name="Isosceles Triangle 34">
             <a:extLst>
               <a:ext uri="{FF2B5EF4-FFF2-40B4-BE49-F238E27FC236}">
-                <a16:creationId xmlns:a16="http://schemas.microsoft.com/office/drawing/2014/main" id="{1157ACF3-646F-57B0-1C6B-D87BEB272F5B}"/>
+                <a16:creationId xmlns:a16="http://schemas.microsoft.com/office/drawing/2014/main" xmlns="" id="{1157ACF3-646F-57B0-1C6B-D87BEB272F5B}"/>
               </a:ext>
               <a:ext uri="{C183D7F6-B498-43B3-948B-1728B52AA6E4}">
-                <adec:decorative xmlns:adec="http://schemas.microsoft.com/office/drawing/2017/decorative" val="1"/>
+                <adec:decorative xmlns:adec="http://schemas.microsoft.com/office/drawing/2017/decorative" xmlns="" val="1"/>
               </a:ext>
             </a:extLst>
           </p:cNvPr>
@@ -17044,7 +17060,7 @@
           <p:nvPr>
             <p:extLst>
               <p:ext uri="{386F3935-93C4-4BCD-93E2-E3B085C9AB24}">
-                <p16:designElem xmlns:p16="http://schemas.microsoft.com/office/powerpoint/2015/main" val="1"/>
+                <p16:designElem xmlns:p16="http://schemas.microsoft.com/office/powerpoint/2015/main" xmlns="" val="1"/>
               </p:ext>
             </p:extLst>
           </p:nvPr>
@@ -17098,7 +17114,7 @@
           <p:cNvPr id="6" name="TextBox 5">
             <a:extLst>
               <a:ext uri="{FF2B5EF4-FFF2-40B4-BE49-F238E27FC236}">
-                <a16:creationId xmlns:a16="http://schemas.microsoft.com/office/drawing/2014/main" id="{3EA251FE-7DA4-A4D7-1D0D-01CE499FC3D3}"/>
+                <a16:creationId xmlns:a16="http://schemas.microsoft.com/office/drawing/2014/main" xmlns="" id="{3EA251FE-7DA4-A4D7-1D0D-01CE499FC3D3}"/>
               </a:ext>
             </a:extLst>
           </p:cNvPr>
@@ -17146,7 +17162,7 @@
           <p:cNvPr id="3" name="Picture Placeholder 2">
             <a:extLst>
               <a:ext uri="{FF2B5EF4-FFF2-40B4-BE49-F238E27FC236}">
-                <a16:creationId xmlns:a16="http://schemas.microsoft.com/office/drawing/2014/main" id="{9A08079B-FE44-1DDD-5F3F-ADA4E5EC6338}"/>
+                <a16:creationId xmlns:a16="http://schemas.microsoft.com/office/drawing/2014/main" xmlns="" id="{9A08079B-FE44-1DDD-5F3F-ADA4E5EC6338}"/>
               </a:ext>
             </a:extLst>
           </p:cNvPr>
@@ -17171,7 +17187,7 @@
           <p:cNvPr id="18" name="Arrow: Right 20">
             <a:extLst>
               <a:ext uri="{FF2B5EF4-FFF2-40B4-BE49-F238E27FC236}">
-                <a16:creationId xmlns:a16="http://schemas.microsoft.com/office/drawing/2014/main" id="{508A11B0-6545-FCAF-56BD-A10E21FA0030}"/>
+                <a16:creationId xmlns:a16="http://schemas.microsoft.com/office/drawing/2014/main" xmlns="" id="{508A11B0-6545-FCAF-56BD-A10E21FA0030}"/>
               </a:ext>
             </a:extLst>
           </p:cNvPr>
@@ -17217,7 +17233,7 @@
           <p:cNvPr id="2" name="Picture 1">
             <a:extLst>
               <a:ext uri="{FF2B5EF4-FFF2-40B4-BE49-F238E27FC236}">
-                <a16:creationId xmlns:a16="http://schemas.microsoft.com/office/drawing/2014/main" id="{58A5F330-39D2-3D35-DAA7-5FD67B112930}"/>
+                <a16:creationId xmlns:a16="http://schemas.microsoft.com/office/drawing/2014/main" xmlns="" id="{58A5F330-39D2-3D35-DAA7-5FD67B112930}"/>
               </a:ext>
             </a:extLst>
           </p:cNvPr>
@@ -17247,7 +17263,7 @@
           <p:cNvPr id="4" name="Picture 3">
             <a:extLst>
               <a:ext uri="{FF2B5EF4-FFF2-40B4-BE49-F238E27FC236}">
-                <a16:creationId xmlns:a16="http://schemas.microsoft.com/office/drawing/2014/main" id="{EB711DD9-C270-7C5F-8751-62C8576EE663}"/>
+                <a16:creationId xmlns:a16="http://schemas.microsoft.com/office/drawing/2014/main" xmlns="" id="{EB711DD9-C270-7C5F-8751-62C8576EE663}"/>
               </a:ext>
             </a:extLst>
           </p:cNvPr>
@@ -17277,7 +17293,7 @@
           <p:cNvPr id="5" name="Picture 4">
             <a:extLst>
               <a:ext uri="{FF2B5EF4-FFF2-40B4-BE49-F238E27FC236}">
-                <a16:creationId xmlns:a16="http://schemas.microsoft.com/office/drawing/2014/main" id="{04ED5590-897C-F7CE-3F65-2AD8DCB4654A}"/>
+                <a16:creationId xmlns:a16="http://schemas.microsoft.com/office/drawing/2014/main" xmlns="" id="{04ED5590-897C-F7CE-3F65-2AD8DCB4654A}"/>
               </a:ext>
             </a:extLst>
           </p:cNvPr>
@@ -17307,7 +17323,7 @@
           <p:cNvPr id="7" name="Arrow: Right 20">
             <a:extLst>
               <a:ext uri="{FF2B5EF4-FFF2-40B4-BE49-F238E27FC236}">
-                <a16:creationId xmlns:a16="http://schemas.microsoft.com/office/drawing/2014/main" id="{ED145A00-D596-CDF3-4477-97DB04DA0FC2}"/>
+                <a16:creationId xmlns:a16="http://schemas.microsoft.com/office/drawing/2014/main" xmlns="" id="{ED145A00-D596-CDF3-4477-97DB04DA0FC2}"/>
               </a:ext>
             </a:extLst>
           </p:cNvPr>
@@ -17353,7 +17369,7 @@
           <p:cNvPr id="10" name="TextBox 9">
             <a:extLst>
               <a:ext uri="{FF2B5EF4-FFF2-40B4-BE49-F238E27FC236}">
-                <a16:creationId xmlns:a16="http://schemas.microsoft.com/office/drawing/2014/main" id="{47A9BE98-C96E-3B41-928A-CE985A8C8E3E}"/>
+                <a16:creationId xmlns:a16="http://schemas.microsoft.com/office/drawing/2014/main" xmlns="" id="{47A9BE98-C96E-3B41-928A-CE985A8C8E3E}"/>
               </a:ext>
             </a:extLst>
           </p:cNvPr>
@@ -17425,7 +17441,7 @@
         <p:cNvPr id="1" name="">
           <a:extLst>
             <a:ext uri="{FF2B5EF4-FFF2-40B4-BE49-F238E27FC236}">
-              <a16:creationId xmlns:a16="http://schemas.microsoft.com/office/drawing/2014/main" id="{8909239B-F233-1ADA-B4AA-6FABE1173C5D}"/>
+              <a16:creationId xmlns:a16="http://schemas.microsoft.com/office/drawing/2014/main" xmlns="" id="{8909239B-F233-1ADA-B4AA-6FABE1173C5D}"/>
             </a:ext>
           </a:extLst>
         </p:cNvPr>
@@ -17445,10 +17461,10 @@
           <p:cNvPr id="27" name="Rectangle 26">
             <a:extLst>
               <a:ext uri="{FF2B5EF4-FFF2-40B4-BE49-F238E27FC236}">
-                <a16:creationId xmlns:a16="http://schemas.microsoft.com/office/drawing/2014/main" id="{26A7D641-3603-DCFE-110B-C71D4F3AEC96}"/>
+                <a16:creationId xmlns:a16="http://schemas.microsoft.com/office/drawing/2014/main" xmlns="" id="{26A7D641-3603-DCFE-110B-C71D4F3AEC96}"/>
               </a:ext>
               <a:ext uri="{C183D7F6-B498-43B3-948B-1728B52AA6E4}">
-                <adec:decorative xmlns:adec="http://schemas.microsoft.com/office/drawing/2017/decorative" val="1"/>
+                <adec:decorative xmlns:adec="http://schemas.microsoft.com/office/drawing/2017/decorative" xmlns="" val="1"/>
               </a:ext>
             </a:extLst>
           </p:cNvPr>
@@ -17458,7 +17474,7 @@
           <p:nvPr>
             <p:extLst>
               <p:ext uri="{386F3935-93C4-4BCD-93E2-E3B085C9AB24}">
-                <p16:designElem xmlns:p16="http://schemas.microsoft.com/office/powerpoint/2015/main" val="1"/>
+                <p16:designElem xmlns:p16="http://schemas.microsoft.com/office/powerpoint/2015/main" xmlns="" val="1"/>
               </p:ext>
             </p:extLst>
           </p:nvPr>
@@ -17508,10 +17524,10 @@
           <p:cNvPr id="29" name="Group 28">
             <a:extLst>
               <a:ext uri="{FF2B5EF4-FFF2-40B4-BE49-F238E27FC236}">
-                <a16:creationId xmlns:a16="http://schemas.microsoft.com/office/drawing/2014/main" id="{D0C8186D-6A43-58BE-90F9-B01669F27C8A}"/>
+                <a16:creationId xmlns:a16="http://schemas.microsoft.com/office/drawing/2014/main" xmlns="" id="{D0C8186D-6A43-58BE-90F9-B01669F27C8A}"/>
               </a:ext>
               <a:ext uri="{C183D7F6-B498-43B3-948B-1728B52AA6E4}">
-                <adec:decorative xmlns:adec="http://schemas.microsoft.com/office/drawing/2017/decorative" val="1"/>
+                <adec:decorative xmlns:adec="http://schemas.microsoft.com/office/drawing/2017/decorative" xmlns="" val="1"/>
               </a:ext>
             </a:extLst>
           </p:cNvPr>
@@ -17521,7 +17537,7 @@
           <p:nvPr>
             <p:extLst>
               <p:ext uri="{386F3935-93C4-4BCD-93E2-E3B085C9AB24}">
-                <p16:designElem xmlns:p16="http://schemas.microsoft.com/office/powerpoint/2015/main" val="1"/>
+                <p16:designElem xmlns:p16="http://schemas.microsoft.com/office/powerpoint/2015/main" xmlns="" val="1"/>
               </p:ext>
             </p:extLst>
           </p:nvPr>
@@ -17539,10 +17555,10 @@
             <p:cNvPr id="30" name="Freeform: Shape 29">
               <a:extLst>
                 <a:ext uri="{FF2B5EF4-FFF2-40B4-BE49-F238E27FC236}">
-                  <a16:creationId xmlns:a16="http://schemas.microsoft.com/office/drawing/2014/main" id="{5395C22A-2080-D742-6812-E838EE0E098C}"/>
+                  <a16:creationId xmlns:a16="http://schemas.microsoft.com/office/drawing/2014/main" xmlns="" id="{5395C22A-2080-D742-6812-E838EE0E098C}"/>
                 </a:ext>
                 <a:ext uri="{C183D7F6-B498-43B3-948B-1728B52AA6E4}">
-                  <adec:decorative xmlns:adec="http://schemas.microsoft.com/office/drawing/2017/decorative" val="1"/>
+                  <adec:decorative xmlns:adec="http://schemas.microsoft.com/office/drawing/2017/decorative" xmlns="" val="1"/>
                 </a:ext>
               </a:extLst>
             </p:cNvPr>
@@ -17550,7 +17566,7 @@
             <p:nvPr>
               <p:extLst>
                 <p:ext uri="{386F3935-93C4-4BCD-93E2-E3B085C9AB24}">
-                  <p16:designElem xmlns:p16="http://schemas.microsoft.com/office/powerpoint/2015/main" val="1"/>
+                  <p16:designElem xmlns:p16="http://schemas.microsoft.com/office/powerpoint/2015/main" xmlns="" val="1"/>
                 </p:ext>
               </p:extLst>
             </p:nvPr>
@@ -17653,10 +17669,10 @@
             <p:cNvPr id="31" name="Rectangle 30">
               <a:extLst>
                 <a:ext uri="{FF2B5EF4-FFF2-40B4-BE49-F238E27FC236}">
-                  <a16:creationId xmlns:a16="http://schemas.microsoft.com/office/drawing/2014/main" id="{5D0FB55F-A100-9786-976D-739E5FE4ECA8}"/>
+                  <a16:creationId xmlns:a16="http://schemas.microsoft.com/office/drawing/2014/main" xmlns="" id="{5D0FB55F-A100-9786-976D-739E5FE4ECA8}"/>
                 </a:ext>
                 <a:ext uri="{C183D7F6-B498-43B3-948B-1728B52AA6E4}">
-                  <adec:decorative xmlns:adec="http://schemas.microsoft.com/office/drawing/2017/decorative" val="1"/>
+                  <adec:decorative xmlns:adec="http://schemas.microsoft.com/office/drawing/2017/decorative" xmlns="" val="1"/>
                 </a:ext>
               </a:extLst>
             </p:cNvPr>
@@ -17664,7 +17680,7 @@
             <p:nvPr>
               <p:extLst>
                 <p:ext uri="{386F3935-93C4-4BCD-93E2-E3B085C9AB24}">
-                  <p16:designElem xmlns:p16="http://schemas.microsoft.com/office/powerpoint/2015/main" val="1"/>
+                  <p16:designElem xmlns:p16="http://schemas.microsoft.com/office/powerpoint/2015/main" xmlns="" val="1"/>
                 </p:ext>
               </p:extLst>
             </p:nvPr>
@@ -17717,10 +17733,10 @@
           <p:cNvPr id="33" name="Rectangle 32">
             <a:extLst>
               <a:ext uri="{FF2B5EF4-FFF2-40B4-BE49-F238E27FC236}">
-                <a16:creationId xmlns:a16="http://schemas.microsoft.com/office/drawing/2014/main" id="{B822E68A-1D0F-A3E5-C900-7CEFB1812355}"/>
+                <a16:creationId xmlns:a16="http://schemas.microsoft.com/office/drawing/2014/main" xmlns="" id="{B822E68A-1D0F-A3E5-C900-7CEFB1812355}"/>
               </a:ext>
               <a:ext uri="{C183D7F6-B498-43B3-948B-1728B52AA6E4}">
-                <adec:decorative xmlns:adec="http://schemas.microsoft.com/office/drawing/2017/decorative" val="1"/>
+                <adec:decorative xmlns:adec="http://schemas.microsoft.com/office/drawing/2017/decorative" xmlns="" val="1"/>
               </a:ext>
             </a:extLst>
           </p:cNvPr>
@@ -17730,7 +17746,7 @@
           <p:nvPr>
             <p:extLst>
               <p:ext uri="{386F3935-93C4-4BCD-93E2-E3B085C9AB24}">
-                <p16:designElem xmlns:p16="http://schemas.microsoft.com/office/powerpoint/2015/main" val="1"/>
+                <p16:designElem xmlns:p16="http://schemas.microsoft.com/office/powerpoint/2015/main" xmlns="" val="1"/>
               </p:ext>
             </p:extLst>
           </p:nvPr>
@@ -17782,10 +17798,10 @@
           <p:cNvPr id="35" name="Isosceles Triangle 34">
             <a:extLst>
               <a:ext uri="{FF2B5EF4-FFF2-40B4-BE49-F238E27FC236}">
-                <a16:creationId xmlns:a16="http://schemas.microsoft.com/office/drawing/2014/main" id="{BBD0ED0B-3B23-BC98-FFD9-D7FEAF424222}"/>
+                <a16:creationId xmlns:a16="http://schemas.microsoft.com/office/drawing/2014/main" xmlns="" id="{BBD0ED0B-3B23-BC98-FFD9-D7FEAF424222}"/>
               </a:ext>
               <a:ext uri="{C183D7F6-B498-43B3-948B-1728B52AA6E4}">
-                <adec:decorative xmlns:adec="http://schemas.microsoft.com/office/drawing/2017/decorative" val="1"/>
+                <adec:decorative xmlns:adec="http://schemas.microsoft.com/office/drawing/2017/decorative" xmlns="" val="1"/>
               </a:ext>
             </a:extLst>
           </p:cNvPr>
@@ -17795,7 +17811,7 @@
           <p:nvPr>
             <p:extLst>
               <p:ext uri="{386F3935-93C4-4BCD-93E2-E3B085C9AB24}">
-                <p16:designElem xmlns:p16="http://schemas.microsoft.com/office/powerpoint/2015/main" val="1"/>
+                <p16:designElem xmlns:p16="http://schemas.microsoft.com/office/powerpoint/2015/main" xmlns="" val="1"/>
               </p:ext>
             </p:extLst>
           </p:nvPr>
@@ -17849,7 +17865,7 @@
           <p:cNvPr id="6" name="TextBox 5">
             <a:extLst>
               <a:ext uri="{FF2B5EF4-FFF2-40B4-BE49-F238E27FC236}">
-                <a16:creationId xmlns:a16="http://schemas.microsoft.com/office/drawing/2014/main" id="{C581DE83-0E5A-9094-1B32-D31468C34E23}"/>
+                <a16:creationId xmlns:a16="http://schemas.microsoft.com/office/drawing/2014/main" xmlns="" id="{C581DE83-0E5A-9094-1B32-D31468C34E23}"/>
               </a:ext>
             </a:extLst>
           </p:cNvPr>
@@ -17891,7 +17907,7 @@
           <p:cNvPr id="3" name="Picture Placeholder 2">
             <a:extLst>
               <a:ext uri="{FF2B5EF4-FFF2-40B4-BE49-F238E27FC236}">
-                <a16:creationId xmlns:a16="http://schemas.microsoft.com/office/drawing/2014/main" id="{2D5C1153-9BEC-F03A-F6E5-6A38F134724A}"/>
+                <a16:creationId xmlns:a16="http://schemas.microsoft.com/office/drawing/2014/main" xmlns="" id="{2D5C1153-9BEC-F03A-F6E5-6A38F134724A}"/>
               </a:ext>
             </a:extLst>
           </p:cNvPr>
@@ -17916,7 +17932,7 @@
           <p:cNvPr id="18" name="Arrow: Right 20">
             <a:extLst>
               <a:ext uri="{FF2B5EF4-FFF2-40B4-BE49-F238E27FC236}">
-                <a16:creationId xmlns:a16="http://schemas.microsoft.com/office/drawing/2014/main" id="{EAA9FF8C-A86B-0C45-955B-132D8A7BF286}"/>
+                <a16:creationId xmlns:a16="http://schemas.microsoft.com/office/drawing/2014/main" xmlns="" id="{EAA9FF8C-A86B-0C45-955B-132D8A7BF286}"/>
               </a:ext>
             </a:extLst>
           </p:cNvPr>
@@ -17962,7 +17978,7 @@
           <p:cNvPr id="2" name="TextBox 1">
             <a:extLst>
               <a:ext uri="{FF2B5EF4-FFF2-40B4-BE49-F238E27FC236}">
-                <a16:creationId xmlns:a16="http://schemas.microsoft.com/office/drawing/2014/main" id="{CC1D5DB6-9EDE-F3E8-F893-0FAEF03EE8F4}"/>
+                <a16:creationId xmlns:a16="http://schemas.microsoft.com/office/drawing/2014/main" xmlns="" id="{CC1D5DB6-9EDE-F3E8-F893-0FAEF03EE8F4}"/>
               </a:ext>
             </a:extLst>
           </p:cNvPr>
@@ -18001,7 +18017,7 @@
           <p:cNvPr id="4" name="Picture 3">
             <a:extLst>
               <a:ext uri="{FF2B5EF4-FFF2-40B4-BE49-F238E27FC236}">
-                <a16:creationId xmlns:a16="http://schemas.microsoft.com/office/drawing/2014/main" id="{6E3FB56E-170C-F886-5758-E3F33C2D73A1}"/>
+                <a16:creationId xmlns:a16="http://schemas.microsoft.com/office/drawing/2014/main" xmlns="" id="{6E3FB56E-170C-F886-5758-E3F33C2D73A1}"/>
               </a:ext>
             </a:extLst>
           </p:cNvPr>
@@ -18031,7 +18047,7 @@
           <p:cNvPr id="5" name="Picture 4">
             <a:extLst>
               <a:ext uri="{FF2B5EF4-FFF2-40B4-BE49-F238E27FC236}">
-                <a16:creationId xmlns:a16="http://schemas.microsoft.com/office/drawing/2014/main" id="{77C6D20E-DB41-EA7B-8F85-119C52A19290}"/>
+                <a16:creationId xmlns:a16="http://schemas.microsoft.com/office/drawing/2014/main" xmlns="" id="{77C6D20E-DB41-EA7B-8F85-119C52A19290}"/>
               </a:ext>
             </a:extLst>
           </p:cNvPr>
@@ -18085,7 +18101,7 @@
         <p:cNvPr id="1" name="">
           <a:extLst>
             <a:ext uri="{FF2B5EF4-FFF2-40B4-BE49-F238E27FC236}">
-              <a16:creationId xmlns:a16="http://schemas.microsoft.com/office/drawing/2014/main" id="{C6B4CF4D-762A-DE2E-C4F7-010025F1397A}"/>
+              <a16:creationId xmlns:a16="http://schemas.microsoft.com/office/drawing/2014/main" xmlns="" id="{C6B4CF4D-762A-DE2E-C4F7-010025F1397A}"/>
             </a:ext>
           </a:extLst>
         </p:cNvPr>
@@ -18105,10 +18121,10 @@
           <p:cNvPr id="27" name="Rectangle 26">
             <a:extLst>
               <a:ext uri="{FF2B5EF4-FFF2-40B4-BE49-F238E27FC236}">
-                <a16:creationId xmlns:a16="http://schemas.microsoft.com/office/drawing/2014/main" id="{95F4A986-6A23-CB2E-DE53-4F0AECED1CC7}"/>
+                <a16:creationId xmlns:a16="http://schemas.microsoft.com/office/drawing/2014/main" xmlns="" id="{95F4A986-6A23-CB2E-DE53-4F0AECED1CC7}"/>
               </a:ext>
               <a:ext uri="{C183D7F6-B498-43B3-948B-1728B52AA6E4}">
-                <adec:decorative xmlns:adec="http://schemas.microsoft.com/office/drawing/2017/decorative" val="1"/>
+                <adec:decorative xmlns:adec="http://schemas.microsoft.com/office/drawing/2017/decorative" xmlns="" val="1"/>
               </a:ext>
             </a:extLst>
           </p:cNvPr>
@@ -18118,7 +18134,7 @@
           <p:nvPr>
             <p:extLst>
               <p:ext uri="{386F3935-93C4-4BCD-93E2-E3B085C9AB24}">
-                <p16:designElem xmlns:p16="http://schemas.microsoft.com/office/powerpoint/2015/main" val="1"/>
+                <p16:designElem xmlns:p16="http://schemas.microsoft.com/office/powerpoint/2015/main" xmlns="" val="1"/>
               </p:ext>
             </p:extLst>
           </p:nvPr>
@@ -18168,10 +18184,10 @@
           <p:cNvPr id="29" name="Freeform: Shape 28">
             <a:extLst>
               <a:ext uri="{FF2B5EF4-FFF2-40B4-BE49-F238E27FC236}">
-                <a16:creationId xmlns:a16="http://schemas.microsoft.com/office/drawing/2014/main" id="{F69B61BC-3EA7-6670-B7A9-3809E7D81E20}"/>
+                <a16:creationId xmlns:a16="http://schemas.microsoft.com/office/drawing/2014/main" xmlns="" id="{F69B61BC-3EA7-6670-B7A9-3809E7D81E20}"/>
               </a:ext>
               <a:ext uri="{C183D7F6-B498-43B3-948B-1728B52AA6E4}">
-                <adec:decorative xmlns:adec="http://schemas.microsoft.com/office/drawing/2017/decorative" val="1"/>
+                <adec:decorative xmlns:adec="http://schemas.microsoft.com/office/drawing/2017/decorative" xmlns="" val="1"/>
               </a:ext>
             </a:extLst>
           </p:cNvPr>
@@ -18181,7 +18197,7 @@
           <p:nvPr>
             <p:extLst>
               <p:ext uri="{386F3935-93C4-4BCD-93E2-E3B085C9AB24}">
-                <p16:designElem xmlns:p16="http://schemas.microsoft.com/office/powerpoint/2015/main" val="1"/>
+                <p16:designElem xmlns:p16="http://schemas.microsoft.com/office/powerpoint/2015/main" xmlns="" val="1"/>
               </p:ext>
             </p:extLst>
           </p:nvPr>
@@ -18284,10 +18300,10 @@
           <p:cNvPr id="31" name="Rectangle 30">
             <a:extLst>
               <a:ext uri="{FF2B5EF4-FFF2-40B4-BE49-F238E27FC236}">
-                <a16:creationId xmlns:a16="http://schemas.microsoft.com/office/drawing/2014/main" id="{C9424F9F-6FF4-FE01-7457-487D98107E16}"/>
+                <a16:creationId xmlns:a16="http://schemas.microsoft.com/office/drawing/2014/main" xmlns="" id="{C9424F9F-6FF4-FE01-7457-487D98107E16}"/>
               </a:ext>
               <a:ext uri="{C183D7F6-B498-43B3-948B-1728B52AA6E4}">
-                <adec:decorative xmlns:adec="http://schemas.microsoft.com/office/drawing/2017/decorative" val="1"/>
+                <adec:decorative xmlns:adec="http://schemas.microsoft.com/office/drawing/2017/decorative" xmlns="" val="1"/>
               </a:ext>
             </a:extLst>
           </p:cNvPr>
@@ -18297,7 +18313,7 @@
           <p:nvPr>
             <p:extLst>
               <p:ext uri="{386F3935-93C4-4BCD-93E2-E3B085C9AB24}">
-                <p16:designElem xmlns:p16="http://schemas.microsoft.com/office/powerpoint/2015/main" val="1"/>
+                <p16:designElem xmlns:p16="http://schemas.microsoft.com/office/powerpoint/2015/main" xmlns="" val="1"/>
               </p:ext>
             </p:extLst>
           </p:nvPr>
@@ -18349,10 +18365,10 @@
           <p:cNvPr id="33" name="Rectangle 32">
             <a:extLst>
               <a:ext uri="{FF2B5EF4-FFF2-40B4-BE49-F238E27FC236}">
-                <a16:creationId xmlns:a16="http://schemas.microsoft.com/office/drawing/2014/main" id="{45228FD3-3044-89D3-B303-642A33313C13}"/>
+                <a16:creationId xmlns:a16="http://schemas.microsoft.com/office/drawing/2014/main" xmlns="" id="{45228FD3-3044-89D3-B303-642A33313C13}"/>
               </a:ext>
               <a:ext uri="{C183D7F6-B498-43B3-948B-1728B52AA6E4}">
-                <adec:decorative xmlns:adec="http://schemas.microsoft.com/office/drawing/2017/decorative" val="1"/>
+                <adec:decorative xmlns:adec="http://schemas.microsoft.com/office/drawing/2017/decorative" xmlns="" val="1"/>
               </a:ext>
             </a:extLst>
           </p:cNvPr>
@@ -18362,7 +18378,7 @@
           <p:nvPr>
             <p:extLst>
               <p:ext uri="{386F3935-93C4-4BCD-93E2-E3B085C9AB24}">
-                <p16:designElem xmlns:p16="http://schemas.microsoft.com/office/powerpoint/2015/main" val="1"/>
+                <p16:designElem xmlns:p16="http://schemas.microsoft.com/office/powerpoint/2015/main" xmlns="" val="1"/>
               </p:ext>
             </p:extLst>
           </p:nvPr>
@@ -18414,10 +18430,10 @@
           <p:cNvPr id="35" name="Freeform: Shape 34">
             <a:extLst>
               <a:ext uri="{FF2B5EF4-FFF2-40B4-BE49-F238E27FC236}">
-                <a16:creationId xmlns:a16="http://schemas.microsoft.com/office/drawing/2014/main" id="{532A32A1-DA88-7EB3-4471-70C5A8162F91}"/>
+                <a16:creationId xmlns:a16="http://schemas.microsoft.com/office/drawing/2014/main" xmlns="" id="{532A32A1-DA88-7EB3-4471-70C5A8162F91}"/>
               </a:ext>
               <a:ext uri="{C183D7F6-B498-43B3-948B-1728B52AA6E4}">
-                <adec:decorative xmlns:adec="http://schemas.microsoft.com/office/drawing/2017/decorative" val="1"/>
+                <adec:decorative xmlns:adec="http://schemas.microsoft.com/office/drawing/2017/decorative" xmlns="" val="1"/>
               </a:ext>
             </a:extLst>
           </p:cNvPr>
@@ -18427,7 +18443,7 @@
           <p:nvPr>
             <p:extLst>
               <p:ext uri="{386F3935-93C4-4BCD-93E2-E3B085C9AB24}">
-                <p16:designElem xmlns:p16="http://schemas.microsoft.com/office/powerpoint/2015/main" val="1"/>
+                <p16:designElem xmlns:p16="http://schemas.microsoft.com/office/powerpoint/2015/main" xmlns="" val="1"/>
               </p:ext>
             </p:extLst>
           </p:nvPr>
@@ -18524,10 +18540,10 @@
           <p:cNvPr id="37" name="Isosceles Triangle 36">
             <a:extLst>
               <a:ext uri="{FF2B5EF4-FFF2-40B4-BE49-F238E27FC236}">
-                <a16:creationId xmlns:a16="http://schemas.microsoft.com/office/drawing/2014/main" id="{9BCC2685-14A7-19D2-D445-3A3D4E73E412}"/>
+                <a16:creationId xmlns:a16="http://schemas.microsoft.com/office/drawing/2014/main" xmlns="" id="{9BCC2685-14A7-19D2-D445-3A3D4E73E412}"/>
               </a:ext>
               <a:ext uri="{C183D7F6-B498-43B3-948B-1728B52AA6E4}">
-                <adec:decorative xmlns:adec="http://schemas.microsoft.com/office/drawing/2017/decorative" val="1"/>
+                <adec:decorative xmlns:adec="http://schemas.microsoft.com/office/drawing/2017/decorative" xmlns="" val="1"/>
               </a:ext>
             </a:extLst>
           </p:cNvPr>
@@ -18537,7 +18553,7 @@
           <p:nvPr>
             <p:extLst>
               <p:ext uri="{386F3935-93C4-4BCD-93E2-E3B085C9AB24}">
-                <p16:designElem xmlns:p16="http://schemas.microsoft.com/office/powerpoint/2015/main" val="1"/>
+                <p16:designElem xmlns:p16="http://schemas.microsoft.com/office/powerpoint/2015/main" xmlns="" val="1"/>
               </p:ext>
             </p:extLst>
           </p:nvPr>
@@ -18589,10 +18605,10 @@
           <p:cNvPr id="39" name="Isosceles Triangle 38">
             <a:extLst>
               <a:ext uri="{FF2B5EF4-FFF2-40B4-BE49-F238E27FC236}">
-                <a16:creationId xmlns:a16="http://schemas.microsoft.com/office/drawing/2014/main" id="{07209B77-EB1D-1498-3A81-0E3BE9995709}"/>
+                <a16:creationId xmlns:a16="http://schemas.microsoft.com/office/drawing/2014/main" xmlns="" id="{07209B77-EB1D-1498-3A81-0E3BE9995709}"/>
               </a:ext>
               <a:ext uri="{C183D7F6-B498-43B3-948B-1728B52AA6E4}">
-                <adec:decorative xmlns:adec="http://schemas.microsoft.com/office/drawing/2017/decorative" val="1"/>
+                <adec:decorative xmlns:adec="http://schemas.microsoft.com/office/drawing/2017/decorative" xmlns="" val="1"/>
               </a:ext>
             </a:extLst>
           </p:cNvPr>
@@ -18602,7 +18618,7 @@
           <p:nvPr>
             <p:extLst>
               <p:ext uri="{386F3935-93C4-4BCD-93E2-E3B085C9AB24}">
-                <p16:designElem xmlns:p16="http://schemas.microsoft.com/office/powerpoint/2015/main" val="1"/>
+                <p16:designElem xmlns:p16="http://schemas.microsoft.com/office/powerpoint/2015/main" xmlns="" val="1"/>
               </p:ext>
             </p:extLst>
           </p:nvPr>
@@ -18654,7 +18670,7 @@
           <p:cNvPr id="3" name="Picture Placeholder 2">
             <a:extLst>
               <a:ext uri="{FF2B5EF4-FFF2-40B4-BE49-F238E27FC236}">
-                <a16:creationId xmlns:a16="http://schemas.microsoft.com/office/drawing/2014/main" id="{04A177BF-42B4-9BEE-9DBE-A7A5941FD585}"/>
+                <a16:creationId xmlns:a16="http://schemas.microsoft.com/office/drawing/2014/main" xmlns="" id="{04A177BF-42B4-9BEE-9DBE-A7A5941FD585}"/>
               </a:ext>
             </a:extLst>
           </p:cNvPr>
@@ -18679,7 +18695,7 @@
           <p:cNvPr id="2" name="TextBox 1">
             <a:extLst>
               <a:ext uri="{FF2B5EF4-FFF2-40B4-BE49-F238E27FC236}">
-                <a16:creationId xmlns:a16="http://schemas.microsoft.com/office/drawing/2014/main" id="{E6B97963-37AA-324C-D414-212D6594A3FF}"/>
+                <a16:creationId xmlns:a16="http://schemas.microsoft.com/office/drawing/2014/main" xmlns="" id="{E6B97963-37AA-324C-D414-212D6594A3FF}"/>
               </a:ext>
             </a:extLst>
           </p:cNvPr>
@@ -18722,7 +18738,7 @@
           <p:cNvPr id="5" name="Content Placeholder 2">
             <a:extLst>
               <a:ext uri="{FF2B5EF4-FFF2-40B4-BE49-F238E27FC236}">
-                <a16:creationId xmlns:a16="http://schemas.microsoft.com/office/drawing/2014/main" id="{A34BDE4E-112D-C0EB-8BDC-4CC50B382AB7}"/>
+                <a16:creationId xmlns:a16="http://schemas.microsoft.com/office/drawing/2014/main" xmlns="" id="{A34BDE4E-112D-C0EB-8BDC-4CC50B382AB7}"/>
               </a:ext>
             </a:extLst>
           </p:cNvPr>
@@ -18990,7 +19006,7 @@
           <p:cNvPr id="12" name="Picture 2">
             <a:extLst>
               <a:ext uri="{FF2B5EF4-FFF2-40B4-BE49-F238E27FC236}">
-                <a16:creationId xmlns:a16="http://schemas.microsoft.com/office/drawing/2014/main" id="{9AC53A73-32FA-0C7A-0ADC-E55C8B386725}"/>
+                <a16:creationId xmlns:a16="http://schemas.microsoft.com/office/drawing/2014/main" xmlns="" id="{9AC53A73-32FA-0C7A-0ADC-E55C8B386725}"/>
               </a:ext>
             </a:extLst>
           </p:cNvPr>
@@ -19060,7 +19076,7 @@
           <p:cNvPr id="13" name="Picture 4">
             <a:extLst>
               <a:ext uri="{FF2B5EF4-FFF2-40B4-BE49-F238E27FC236}">
-                <a16:creationId xmlns:a16="http://schemas.microsoft.com/office/drawing/2014/main" id="{7B9A3ACC-7F11-FE45-2E0F-949675A858FE}"/>
+                <a16:creationId xmlns:a16="http://schemas.microsoft.com/office/drawing/2014/main" xmlns="" id="{7B9A3ACC-7F11-FE45-2E0F-949675A858FE}"/>
               </a:ext>
             </a:extLst>
           </p:cNvPr>
@@ -19130,7 +19146,7 @@
           <p:cNvPr id="14" name="TextBox 13">
             <a:extLst>
               <a:ext uri="{FF2B5EF4-FFF2-40B4-BE49-F238E27FC236}">
-                <a16:creationId xmlns:a16="http://schemas.microsoft.com/office/drawing/2014/main" id="{F63AA505-2803-A1AB-30E1-B1CB59899586}"/>
+                <a16:creationId xmlns:a16="http://schemas.microsoft.com/office/drawing/2014/main" xmlns="" id="{F63AA505-2803-A1AB-30E1-B1CB59899586}"/>
               </a:ext>
             </a:extLst>
           </p:cNvPr>
@@ -19225,7 +19241,7 @@
         <p:cNvPr id="1" name="">
           <a:extLst>
             <a:ext uri="{FF2B5EF4-FFF2-40B4-BE49-F238E27FC236}">
-              <a16:creationId xmlns:a16="http://schemas.microsoft.com/office/drawing/2014/main" id="{02984243-06AA-7503-EAE6-C43F12132B68}"/>
+              <a16:creationId xmlns:a16="http://schemas.microsoft.com/office/drawing/2014/main" xmlns="" id="{02984243-06AA-7503-EAE6-C43F12132B68}"/>
             </a:ext>
           </a:extLst>
         </p:cNvPr>
@@ -19245,10 +19261,10 @@
           <p:cNvPr id="27" name="Rectangle 26">
             <a:extLst>
               <a:ext uri="{FF2B5EF4-FFF2-40B4-BE49-F238E27FC236}">
-                <a16:creationId xmlns:a16="http://schemas.microsoft.com/office/drawing/2014/main" id="{73CDEEF2-1AB3-80D1-CDA4-608C51A8E1C7}"/>
+                <a16:creationId xmlns:a16="http://schemas.microsoft.com/office/drawing/2014/main" xmlns="" id="{73CDEEF2-1AB3-80D1-CDA4-608C51A8E1C7}"/>
               </a:ext>
               <a:ext uri="{C183D7F6-B498-43B3-948B-1728B52AA6E4}">
-                <adec:decorative xmlns:adec="http://schemas.microsoft.com/office/drawing/2017/decorative" val="1"/>
+                <adec:decorative xmlns:adec="http://schemas.microsoft.com/office/drawing/2017/decorative" xmlns="" val="1"/>
               </a:ext>
             </a:extLst>
           </p:cNvPr>
@@ -19258,7 +19274,7 @@
           <p:nvPr>
             <p:extLst>
               <p:ext uri="{386F3935-93C4-4BCD-93E2-E3B085C9AB24}">
-                <p16:designElem xmlns:p16="http://schemas.microsoft.com/office/powerpoint/2015/main" val="1"/>
+                <p16:designElem xmlns:p16="http://schemas.microsoft.com/office/powerpoint/2015/main" xmlns="" val="1"/>
               </p:ext>
             </p:extLst>
           </p:nvPr>
@@ -19308,10 +19324,10 @@
           <p:cNvPr id="29" name="Freeform: Shape 28">
             <a:extLst>
               <a:ext uri="{FF2B5EF4-FFF2-40B4-BE49-F238E27FC236}">
-                <a16:creationId xmlns:a16="http://schemas.microsoft.com/office/drawing/2014/main" id="{7C7D98AB-74B6-9E79-6551-31459B530EA0}"/>
+                <a16:creationId xmlns:a16="http://schemas.microsoft.com/office/drawing/2014/main" xmlns="" id="{7C7D98AB-74B6-9E79-6551-31459B530EA0}"/>
               </a:ext>
               <a:ext uri="{C183D7F6-B498-43B3-948B-1728B52AA6E4}">
-                <adec:decorative xmlns:adec="http://schemas.microsoft.com/office/drawing/2017/decorative" val="1"/>
+                <adec:decorative xmlns:adec="http://schemas.microsoft.com/office/drawing/2017/decorative" xmlns="" val="1"/>
               </a:ext>
             </a:extLst>
           </p:cNvPr>
@@ -19321,7 +19337,7 @@
           <p:nvPr>
             <p:extLst>
               <p:ext uri="{386F3935-93C4-4BCD-93E2-E3B085C9AB24}">
-                <p16:designElem xmlns:p16="http://schemas.microsoft.com/office/powerpoint/2015/main" val="1"/>
+                <p16:designElem xmlns:p16="http://schemas.microsoft.com/office/powerpoint/2015/main" xmlns="" val="1"/>
               </p:ext>
             </p:extLst>
           </p:nvPr>
@@ -19424,10 +19440,10 @@
           <p:cNvPr id="31" name="Rectangle 30">
             <a:extLst>
               <a:ext uri="{FF2B5EF4-FFF2-40B4-BE49-F238E27FC236}">
-                <a16:creationId xmlns:a16="http://schemas.microsoft.com/office/drawing/2014/main" id="{E02A97E4-FFF3-59F6-2E50-A49A1B875210}"/>
+                <a16:creationId xmlns:a16="http://schemas.microsoft.com/office/drawing/2014/main" xmlns="" id="{E02A97E4-FFF3-59F6-2E50-A49A1B875210}"/>
               </a:ext>
               <a:ext uri="{C183D7F6-B498-43B3-948B-1728B52AA6E4}">
-                <adec:decorative xmlns:adec="http://schemas.microsoft.com/office/drawing/2017/decorative" val="1"/>
+                <adec:decorative xmlns:adec="http://schemas.microsoft.com/office/drawing/2017/decorative" xmlns="" val="1"/>
               </a:ext>
             </a:extLst>
           </p:cNvPr>
@@ -19437,7 +19453,7 @@
           <p:nvPr>
             <p:extLst>
               <p:ext uri="{386F3935-93C4-4BCD-93E2-E3B085C9AB24}">
-                <p16:designElem xmlns:p16="http://schemas.microsoft.com/office/powerpoint/2015/main" val="1"/>
+                <p16:designElem xmlns:p16="http://schemas.microsoft.com/office/powerpoint/2015/main" xmlns="" val="1"/>
               </p:ext>
             </p:extLst>
           </p:nvPr>
@@ -19489,10 +19505,10 @@
           <p:cNvPr id="33" name="Rectangle 32">
             <a:extLst>
               <a:ext uri="{FF2B5EF4-FFF2-40B4-BE49-F238E27FC236}">
-                <a16:creationId xmlns:a16="http://schemas.microsoft.com/office/drawing/2014/main" id="{7D5189F2-CEF8-E33C-1F6D-25FADC8721D8}"/>
+                <a16:creationId xmlns:a16="http://schemas.microsoft.com/office/drawing/2014/main" xmlns="" id="{7D5189F2-CEF8-E33C-1F6D-25FADC8721D8}"/>
               </a:ext>
               <a:ext uri="{C183D7F6-B498-43B3-948B-1728B52AA6E4}">
-                <adec:decorative xmlns:adec="http://schemas.microsoft.com/office/drawing/2017/decorative" val="1"/>
+                <adec:decorative xmlns:adec="http://schemas.microsoft.com/office/drawing/2017/decorative" xmlns="" val="1"/>
               </a:ext>
             </a:extLst>
           </p:cNvPr>
@@ -19502,7 +19518,7 @@
           <p:nvPr>
             <p:extLst>
               <p:ext uri="{386F3935-93C4-4BCD-93E2-E3B085C9AB24}">
-                <p16:designElem xmlns:p16="http://schemas.microsoft.com/office/powerpoint/2015/main" val="1"/>
+                <p16:designElem xmlns:p16="http://schemas.microsoft.com/office/powerpoint/2015/main" xmlns="" val="1"/>
               </p:ext>
             </p:extLst>
           </p:nvPr>
@@ -19554,10 +19570,10 @@
           <p:cNvPr id="35" name="Freeform: Shape 34">
             <a:extLst>
               <a:ext uri="{FF2B5EF4-FFF2-40B4-BE49-F238E27FC236}">
-                <a16:creationId xmlns:a16="http://schemas.microsoft.com/office/drawing/2014/main" id="{88944EF9-2B55-2555-0F0D-1F9070FAB8F6}"/>
+                <a16:creationId xmlns:a16="http://schemas.microsoft.com/office/drawing/2014/main" xmlns="" id="{88944EF9-2B55-2555-0F0D-1F9070FAB8F6}"/>
               </a:ext>
               <a:ext uri="{C183D7F6-B498-43B3-948B-1728B52AA6E4}">
-                <adec:decorative xmlns:adec="http://schemas.microsoft.com/office/drawing/2017/decorative" val="1"/>
+                <adec:decorative xmlns:adec="http://schemas.microsoft.com/office/drawing/2017/decorative" xmlns="" val="1"/>
               </a:ext>
             </a:extLst>
           </p:cNvPr>
@@ -19567,7 +19583,7 @@
           <p:nvPr>
             <p:extLst>
               <p:ext uri="{386F3935-93C4-4BCD-93E2-E3B085C9AB24}">
-                <p16:designElem xmlns:p16="http://schemas.microsoft.com/office/powerpoint/2015/main" val="1"/>
+                <p16:designElem xmlns:p16="http://schemas.microsoft.com/office/powerpoint/2015/main" xmlns="" val="1"/>
               </p:ext>
             </p:extLst>
           </p:nvPr>
@@ -19664,10 +19680,10 @@
           <p:cNvPr id="37" name="Isosceles Triangle 36">
             <a:extLst>
               <a:ext uri="{FF2B5EF4-FFF2-40B4-BE49-F238E27FC236}">
-                <a16:creationId xmlns:a16="http://schemas.microsoft.com/office/drawing/2014/main" id="{39D0DBA3-22C1-A7AD-5B65-E017A98F619A}"/>
+                <a16:creationId xmlns:a16="http://schemas.microsoft.com/office/drawing/2014/main" xmlns="" id="{39D0DBA3-22C1-A7AD-5B65-E017A98F619A}"/>
               </a:ext>
               <a:ext uri="{C183D7F6-B498-43B3-948B-1728B52AA6E4}">
-                <adec:decorative xmlns:adec="http://schemas.microsoft.com/office/drawing/2017/decorative" val="1"/>
+                <adec:decorative xmlns:adec="http://schemas.microsoft.com/office/drawing/2017/decorative" xmlns="" val="1"/>
               </a:ext>
             </a:extLst>
           </p:cNvPr>
@@ -19677,7 +19693,7 @@
           <p:nvPr>
             <p:extLst>
               <p:ext uri="{386F3935-93C4-4BCD-93E2-E3B085C9AB24}">
-                <p16:designElem xmlns:p16="http://schemas.microsoft.com/office/powerpoint/2015/main" val="1"/>
+                <p16:designElem xmlns:p16="http://schemas.microsoft.com/office/powerpoint/2015/main" xmlns="" val="1"/>
               </p:ext>
             </p:extLst>
           </p:nvPr>
@@ -19729,10 +19745,10 @@
           <p:cNvPr id="39" name="Isosceles Triangle 38">
             <a:extLst>
               <a:ext uri="{FF2B5EF4-FFF2-40B4-BE49-F238E27FC236}">
-                <a16:creationId xmlns:a16="http://schemas.microsoft.com/office/drawing/2014/main" id="{11E4C121-B4D1-7C55-C58B-079744362B58}"/>
+                <a16:creationId xmlns:a16="http://schemas.microsoft.com/office/drawing/2014/main" xmlns="" id="{11E4C121-B4D1-7C55-C58B-079744362B58}"/>
               </a:ext>
               <a:ext uri="{C183D7F6-B498-43B3-948B-1728B52AA6E4}">
-                <adec:decorative xmlns:adec="http://schemas.microsoft.com/office/drawing/2017/decorative" val="1"/>
+                <adec:decorative xmlns:adec="http://schemas.microsoft.com/office/drawing/2017/decorative" xmlns="" val="1"/>
               </a:ext>
             </a:extLst>
           </p:cNvPr>
@@ -19742,7 +19758,7 @@
           <p:nvPr>
             <p:extLst>
               <p:ext uri="{386F3935-93C4-4BCD-93E2-E3B085C9AB24}">
-                <p16:designElem xmlns:p16="http://schemas.microsoft.com/office/powerpoint/2015/main" val="1"/>
+                <p16:designElem xmlns:p16="http://schemas.microsoft.com/office/powerpoint/2015/main" xmlns="" val="1"/>
               </p:ext>
             </p:extLst>
           </p:nvPr>
@@ -19794,7 +19810,7 @@
           <p:cNvPr id="6" name="TextBox 5">
             <a:extLst>
               <a:ext uri="{FF2B5EF4-FFF2-40B4-BE49-F238E27FC236}">
-                <a16:creationId xmlns:a16="http://schemas.microsoft.com/office/drawing/2014/main" id="{4F82D9C0-7538-351C-DD92-6383E4364DC0}"/>
+                <a16:creationId xmlns:a16="http://schemas.microsoft.com/office/drawing/2014/main" xmlns="" id="{4F82D9C0-7538-351C-DD92-6383E4364DC0}"/>
               </a:ext>
             </a:extLst>
           </p:cNvPr>
@@ -19832,7 +19848,7 @@
           <p:cNvPr id="7" name="TextBox 6">
             <a:extLst>
               <a:ext uri="{FF2B5EF4-FFF2-40B4-BE49-F238E27FC236}">
-                <a16:creationId xmlns:a16="http://schemas.microsoft.com/office/drawing/2014/main" id="{716ECDE0-EB0A-BB9E-DDD2-7D61E6AD8FDA}"/>
+                <a16:creationId xmlns:a16="http://schemas.microsoft.com/office/drawing/2014/main" xmlns="" id="{716ECDE0-EB0A-BB9E-DDD2-7D61E6AD8FDA}"/>
               </a:ext>
             </a:extLst>
           </p:cNvPr>
@@ -19939,7 +19955,7 @@
         <p:cNvPr id="1" name="">
           <a:extLst>
             <a:ext uri="{FF2B5EF4-FFF2-40B4-BE49-F238E27FC236}">
-              <a16:creationId xmlns:a16="http://schemas.microsoft.com/office/drawing/2014/main" id="{AC3B1513-936B-7599-6ABE-71802B4453E4}"/>
+              <a16:creationId xmlns:a16="http://schemas.microsoft.com/office/drawing/2014/main" xmlns="" id="{AC3B1513-936B-7599-6ABE-71802B4453E4}"/>
             </a:ext>
           </a:extLst>
         </p:cNvPr>
@@ -19959,10 +19975,10 @@
           <p:cNvPr id="27" name="Rectangle 26">
             <a:extLst>
               <a:ext uri="{FF2B5EF4-FFF2-40B4-BE49-F238E27FC236}">
-                <a16:creationId xmlns:a16="http://schemas.microsoft.com/office/drawing/2014/main" id="{C5EBDAD9-F8C8-BD82-6A1C-1B46211B993B}"/>
+                <a16:creationId xmlns:a16="http://schemas.microsoft.com/office/drawing/2014/main" xmlns="" id="{C5EBDAD9-F8C8-BD82-6A1C-1B46211B993B}"/>
               </a:ext>
               <a:ext uri="{C183D7F6-B498-43B3-948B-1728B52AA6E4}">
-                <adec:decorative xmlns:adec="http://schemas.microsoft.com/office/drawing/2017/decorative" val="1"/>
+                <adec:decorative xmlns:adec="http://schemas.microsoft.com/office/drawing/2017/decorative" xmlns="" val="1"/>
               </a:ext>
             </a:extLst>
           </p:cNvPr>
@@ -19972,7 +19988,7 @@
           <p:nvPr>
             <p:extLst>
               <p:ext uri="{386F3935-93C4-4BCD-93E2-E3B085C9AB24}">
-                <p16:designElem xmlns:p16="http://schemas.microsoft.com/office/powerpoint/2015/main" val="1"/>
+                <p16:designElem xmlns:p16="http://schemas.microsoft.com/office/powerpoint/2015/main" xmlns="" val="1"/>
               </p:ext>
             </p:extLst>
           </p:nvPr>
@@ -20022,10 +20038,10 @@
           <p:cNvPr id="29" name="Group 28">
             <a:extLst>
               <a:ext uri="{FF2B5EF4-FFF2-40B4-BE49-F238E27FC236}">
-                <a16:creationId xmlns:a16="http://schemas.microsoft.com/office/drawing/2014/main" id="{428EBB58-D62D-9B51-78DF-6472139DCD9A}"/>
+                <a16:creationId xmlns:a16="http://schemas.microsoft.com/office/drawing/2014/main" xmlns="" id="{428EBB58-D62D-9B51-78DF-6472139DCD9A}"/>
               </a:ext>
               <a:ext uri="{C183D7F6-B498-43B3-948B-1728B52AA6E4}">
-                <adec:decorative xmlns:adec="http://schemas.microsoft.com/office/drawing/2017/decorative" val="1"/>
+                <adec:decorative xmlns:adec="http://schemas.microsoft.com/office/drawing/2017/decorative" xmlns="" val="1"/>
               </a:ext>
             </a:extLst>
           </p:cNvPr>
@@ -20035,7 +20051,7 @@
           <p:nvPr>
             <p:extLst>
               <p:ext uri="{386F3935-93C4-4BCD-93E2-E3B085C9AB24}">
-                <p16:designElem xmlns:p16="http://schemas.microsoft.com/office/powerpoint/2015/main" val="1"/>
+                <p16:designElem xmlns:p16="http://schemas.microsoft.com/office/powerpoint/2015/main" xmlns="" val="1"/>
               </p:ext>
             </p:extLst>
           </p:nvPr>
@@ -20053,10 +20069,10 @@
             <p:cNvPr id="30" name="Freeform: Shape 29">
               <a:extLst>
                 <a:ext uri="{FF2B5EF4-FFF2-40B4-BE49-F238E27FC236}">
-                  <a16:creationId xmlns:a16="http://schemas.microsoft.com/office/drawing/2014/main" id="{5E1AF157-DD9F-ABBB-7AE8-BA1F8325BDDB}"/>
+                  <a16:creationId xmlns:a16="http://schemas.microsoft.com/office/drawing/2014/main" xmlns="" id="{5E1AF157-DD9F-ABBB-7AE8-BA1F8325BDDB}"/>
                 </a:ext>
                 <a:ext uri="{C183D7F6-B498-43B3-948B-1728B52AA6E4}">
-                  <adec:decorative xmlns:adec="http://schemas.microsoft.com/office/drawing/2017/decorative" val="1"/>
+                  <adec:decorative xmlns:adec="http://schemas.microsoft.com/office/drawing/2017/decorative" xmlns="" val="1"/>
                 </a:ext>
               </a:extLst>
             </p:cNvPr>
@@ -20064,7 +20080,7 @@
             <p:nvPr>
               <p:extLst>
                 <p:ext uri="{386F3935-93C4-4BCD-93E2-E3B085C9AB24}">
-                  <p16:designElem xmlns:p16="http://schemas.microsoft.com/office/powerpoint/2015/main" val="1"/>
+                  <p16:designElem xmlns:p16="http://schemas.microsoft.com/office/powerpoint/2015/main" xmlns="" val="1"/>
                 </p:ext>
               </p:extLst>
             </p:nvPr>
@@ -20167,10 +20183,10 @@
             <p:cNvPr id="31" name="Rectangle 30">
               <a:extLst>
                 <a:ext uri="{FF2B5EF4-FFF2-40B4-BE49-F238E27FC236}">
-                  <a16:creationId xmlns:a16="http://schemas.microsoft.com/office/drawing/2014/main" id="{151AE59E-D5F5-4A2F-F502-E767D3A0D49E}"/>
+                  <a16:creationId xmlns:a16="http://schemas.microsoft.com/office/drawing/2014/main" xmlns="" id="{151AE59E-D5F5-4A2F-F502-E767D3A0D49E}"/>
                 </a:ext>
                 <a:ext uri="{C183D7F6-B498-43B3-948B-1728B52AA6E4}">
-                  <adec:decorative xmlns:adec="http://schemas.microsoft.com/office/drawing/2017/decorative" val="1"/>
+                  <adec:decorative xmlns:adec="http://schemas.microsoft.com/office/drawing/2017/decorative" xmlns="" val="1"/>
                 </a:ext>
               </a:extLst>
             </p:cNvPr>
@@ -20178,7 +20194,7 @@
             <p:nvPr>
               <p:extLst>
                 <p:ext uri="{386F3935-93C4-4BCD-93E2-E3B085C9AB24}">
-                  <p16:designElem xmlns:p16="http://schemas.microsoft.com/office/powerpoint/2015/main" val="1"/>
+                  <p16:designElem xmlns:p16="http://schemas.microsoft.com/office/powerpoint/2015/main" xmlns="" val="1"/>
                 </p:ext>
               </p:extLst>
             </p:nvPr>
@@ -20231,10 +20247,10 @@
           <p:cNvPr id="33" name="Rectangle 32">
             <a:extLst>
               <a:ext uri="{FF2B5EF4-FFF2-40B4-BE49-F238E27FC236}">
-                <a16:creationId xmlns:a16="http://schemas.microsoft.com/office/drawing/2014/main" id="{506515F5-7660-CB1F-6BC9-9219282B8ED8}"/>
+                <a16:creationId xmlns:a16="http://schemas.microsoft.com/office/drawing/2014/main" xmlns="" id="{506515F5-7660-CB1F-6BC9-9219282B8ED8}"/>
               </a:ext>
               <a:ext uri="{C183D7F6-B498-43B3-948B-1728B52AA6E4}">
-                <adec:decorative xmlns:adec="http://schemas.microsoft.com/office/drawing/2017/decorative" val="1"/>
+                <adec:decorative xmlns:adec="http://schemas.microsoft.com/office/drawing/2017/decorative" xmlns="" val="1"/>
               </a:ext>
             </a:extLst>
           </p:cNvPr>
@@ -20244,7 +20260,7 @@
           <p:nvPr>
             <p:extLst>
               <p:ext uri="{386F3935-93C4-4BCD-93E2-E3B085C9AB24}">
-                <p16:designElem xmlns:p16="http://schemas.microsoft.com/office/powerpoint/2015/main" val="1"/>
+                <p16:designElem xmlns:p16="http://schemas.microsoft.com/office/powerpoint/2015/main" xmlns="" val="1"/>
               </p:ext>
             </p:extLst>
           </p:nvPr>
@@ -20296,10 +20312,10 @@
           <p:cNvPr id="35" name="Isosceles Triangle 34">
             <a:extLst>
               <a:ext uri="{FF2B5EF4-FFF2-40B4-BE49-F238E27FC236}">
-                <a16:creationId xmlns:a16="http://schemas.microsoft.com/office/drawing/2014/main" id="{8F3A049A-F43B-6E90-C5B5-04CF4B4EA7FF}"/>
+                <a16:creationId xmlns:a16="http://schemas.microsoft.com/office/drawing/2014/main" xmlns="" id="{8F3A049A-F43B-6E90-C5B5-04CF4B4EA7FF}"/>
               </a:ext>
               <a:ext uri="{C183D7F6-B498-43B3-948B-1728B52AA6E4}">
-                <adec:decorative xmlns:adec="http://schemas.microsoft.com/office/drawing/2017/decorative" val="1"/>
+                <adec:decorative xmlns:adec="http://schemas.microsoft.com/office/drawing/2017/decorative" xmlns="" val="1"/>
               </a:ext>
             </a:extLst>
           </p:cNvPr>
@@ -20309,7 +20325,7 @@
           <p:nvPr>
             <p:extLst>
               <p:ext uri="{386F3935-93C4-4BCD-93E2-E3B085C9AB24}">
-                <p16:designElem xmlns:p16="http://schemas.microsoft.com/office/powerpoint/2015/main" val="1"/>
+                <p16:designElem xmlns:p16="http://schemas.microsoft.com/office/powerpoint/2015/main" xmlns="" val="1"/>
               </p:ext>
             </p:extLst>
           </p:nvPr>
@@ -20363,7 +20379,7 @@
           <p:cNvPr id="6" name="TextBox 5">
             <a:extLst>
               <a:ext uri="{FF2B5EF4-FFF2-40B4-BE49-F238E27FC236}">
-                <a16:creationId xmlns:a16="http://schemas.microsoft.com/office/drawing/2014/main" id="{34017482-172B-6AC6-13EB-BF55A94A4EE8}"/>
+                <a16:creationId xmlns:a16="http://schemas.microsoft.com/office/drawing/2014/main" xmlns="" id="{34017482-172B-6AC6-13EB-BF55A94A4EE8}"/>
               </a:ext>
             </a:extLst>
           </p:cNvPr>
@@ -20405,7 +20421,7 @@
           <p:cNvPr id="3" name="Picture Placeholder 2">
             <a:extLst>
               <a:ext uri="{FF2B5EF4-FFF2-40B4-BE49-F238E27FC236}">
-                <a16:creationId xmlns:a16="http://schemas.microsoft.com/office/drawing/2014/main" id="{6EF0B4F8-75D6-0F10-F5E2-AB246F3F31E2}"/>
+                <a16:creationId xmlns:a16="http://schemas.microsoft.com/office/drawing/2014/main" xmlns="" id="{6EF0B4F8-75D6-0F10-F5E2-AB246F3F31E2}"/>
               </a:ext>
             </a:extLst>
           </p:cNvPr>
@@ -20430,7 +20446,7 @@
           <p:cNvPr id="2" name="Content Placeholder 2">
             <a:extLst>
               <a:ext uri="{FF2B5EF4-FFF2-40B4-BE49-F238E27FC236}">
-                <a16:creationId xmlns:a16="http://schemas.microsoft.com/office/drawing/2014/main" id="{736E2FF1-480D-5CE9-FA48-5C92826C5B03}"/>
+                <a16:creationId xmlns:a16="http://schemas.microsoft.com/office/drawing/2014/main" xmlns="" id="{736E2FF1-480D-5CE9-FA48-5C92826C5B03}"/>
               </a:ext>
             </a:extLst>
           </p:cNvPr>
@@ -20752,7 +20768,7 @@
           <p:cNvPr id="4" name="Picture 7">
             <a:extLst>
               <a:ext uri="{FF2B5EF4-FFF2-40B4-BE49-F238E27FC236}">
-                <a16:creationId xmlns:a16="http://schemas.microsoft.com/office/drawing/2014/main" id="{95E36B68-62AD-B9F2-70C2-B586569BA4BB}"/>
+                <a16:creationId xmlns:a16="http://schemas.microsoft.com/office/drawing/2014/main" xmlns="" id="{95E36B68-62AD-B9F2-70C2-B586569BA4BB}"/>
               </a:ext>
             </a:extLst>
           </p:cNvPr>
@@ -20822,7 +20838,7 @@
           <p:cNvPr id="5" name="Picture 2">
             <a:extLst>
               <a:ext uri="{FF2B5EF4-FFF2-40B4-BE49-F238E27FC236}">
-                <a16:creationId xmlns:a16="http://schemas.microsoft.com/office/drawing/2014/main" id="{55C85C03-1F66-B7D4-1002-5DC66D5A7379}"/>
+                <a16:creationId xmlns:a16="http://schemas.microsoft.com/office/drawing/2014/main" xmlns="" id="{55C85C03-1F66-B7D4-1002-5DC66D5A7379}"/>
               </a:ext>
             </a:extLst>
           </p:cNvPr>
@@ -20916,7 +20932,7 @@
         <p:cNvPr id="1" name="">
           <a:extLst>
             <a:ext uri="{FF2B5EF4-FFF2-40B4-BE49-F238E27FC236}">
-              <a16:creationId xmlns:a16="http://schemas.microsoft.com/office/drawing/2014/main" id="{E15E6289-D2A4-4F75-BD0F-B033EBE77AF5}"/>
+              <a16:creationId xmlns:a16="http://schemas.microsoft.com/office/drawing/2014/main" xmlns="" id="{E15E6289-D2A4-4F75-BD0F-B033EBE77AF5}"/>
             </a:ext>
           </a:extLst>
         </p:cNvPr>
@@ -20936,10 +20952,10 @@
           <p:cNvPr id="27" name="Rectangle 26">
             <a:extLst>
               <a:ext uri="{FF2B5EF4-FFF2-40B4-BE49-F238E27FC236}">
-                <a16:creationId xmlns:a16="http://schemas.microsoft.com/office/drawing/2014/main" id="{77F31254-3ECC-CD98-4245-A1F2BEE4BD65}"/>
+                <a16:creationId xmlns:a16="http://schemas.microsoft.com/office/drawing/2014/main" xmlns="" id="{77F31254-3ECC-CD98-4245-A1F2BEE4BD65}"/>
               </a:ext>
               <a:ext uri="{C183D7F6-B498-43B3-948B-1728B52AA6E4}">
-                <adec:decorative xmlns:adec="http://schemas.microsoft.com/office/drawing/2017/decorative" val="1"/>
+                <adec:decorative xmlns:adec="http://schemas.microsoft.com/office/drawing/2017/decorative" xmlns="" val="1"/>
               </a:ext>
             </a:extLst>
           </p:cNvPr>
@@ -20949,7 +20965,7 @@
           <p:nvPr>
             <p:extLst>
               <p:ext uri="{386F3935-93C4-4BCD-93E2-E3B085C9AB24}">
-                <p16:designElem xmlns:p16="http://schemas.microsoft.com/office/powerpoint/2015/main" val="1"/>
+                <p16:designElem xmlns:p16="http://schemas.microsoft.com/office/powerpoint/2015/main" xmlns="" val="1"/>
               </p:ext>
             </p:extLst>
           </p:nvPr>
@@ -20999,10 +21015,10 @@
           <p:cNvPr id="29" name="Freeform: Shape 28">
             <a:extLst>
               <a:ext uri="{FF2B5EF4-FFF2-40B4-BE49-F238E27FC236}">
-                <a16:creationId xmlns:a16="http://schemas.microsoft.com/office/drawing/2014/main" id="{BB8EF534-9FDA-8196-9E94-D28AB12F3F37}"/>
+                <a16:creationId xmlns:a16="http://schemas.microsoft.com/office/drawing/2014/main" xmlns="" id="{BB8EF534-9FDA-8196-9E94-D28AB12F3F37}"/>
               </a:ext>
               <a:ext uri="{C183D7F6-B498-43B3-948B-1728B52AA6E4}">
-                <adec:decorative xmlns:adec="http://schemas.microsoft.com/office/drawing/2017/decorative" val="1"/>
+                <adec:decorative xmlns:adec="http://schemas.microsoft.com/office/drawing/2017/decorative" xmlns="" val="1"/>
               </a:ext>
             </a:extLst>
           </p:cNvPr>
@@ -21012,7 +21028,7 @@
           <p:nvPr>
             <p:extLst>
               <p:ext uri="{386F3935-93C4-4BCD-93E2-E3B085C9AB24}">
-                <p16:designElem xmlns:p16="http://schemas.microsoft.com/office/powerpoint/2015/main" val="1"/>
+                <p16:designElem xmlns:p16="http://schemas.microsoft.com/office/powerpoint/2015/main" xmlns="" val="1"/>
               </p:ext>
             </p:extLst>
           </p:nvPr>
@@ -21115,10 +21131,10 @@
           <p:cNvPr id="31" name="Rectangle 30">
             <a:extLst>
               <a:ext uri="{FF2B5EF4-FFF2-40B4-BE49-F238E27FC236}">
-                <a16:creationId xmlns:a16="http://schemas.microsoft.com/office/drawing/2014/main" id="{22EDC221-84C4-45E7-20F4-A775EADD7107}"/>
+                <a16:creationId xmlns:a16="http://schemas.microsoft.com/office/drawing/2014/main" xmlns="" id="{22EDC221-84C4-45E7-20F4-A775EADD7107}"/>
               </a:ext>
               <a:ext uri="{C183D7F6-B498-43B3-948B-1728B52AA6E4}">
-                <adec:decorative xmlns:adec="http://schemas.microsoft.com/office/drawing/2017/decorative" val="1"/>
+                <adec:decorative xmlns:adec="http://schemas.microsoft.com/office/drawing/2017/decorative" xmlns="" val="1"/>
               </a:ext>
             </a:extLst>
           </p:cNvPr>
@@ -21128,7 +21144,7 @@
           <p:nvPr>
             <p:extLst>
               <p:ext uri="{386F3935-93C4-4BCD-93E2-E3B085C9AB24}">
-                <p16:designElem xmlns:p16="http://schemas.microsoft.com/office/powerpoint/2015/main" val="1"/>
+                <p16:designElem xmlns:p16="http://schemas.microsoft.com/office/powerpoint/2015/main" xmlns="" val="1"/>
               </p:ext>
             </p:extLst>
           </p:nvPr>
@@ -21180,10 +21196,10 @@
           <p:cNvPr id="33" name="Rectangle 32">
             <a:extLst>
               <a:ext uri="{FF2B5EF4-FFF2-40B4-BE49-F238E27FC236}">
-                <a16:creationId xmlns:a16="http://schemas.microsoft.com/office/drawing/2014/main" id="{7479AA36-DD2C-0367-D3BF-2CBFC0810615}"/>
+                <a16:creationId xmlns:a16="http://schemas.microsoft.com/office/drawing/2014/main" xmlns="" id="{7479AA36-DD2C-0367-D3BF-2CBFC0810615}"/>
               </a:ext>
               <a:ext uri="{C183D7F6-B498-43B3-948B-1728B52AA6E4}">
-                <adec:decorative xmlns:adec="http://schemas.microsoft.com/office/drawing/2017/decorative" val="1"/>
+                <adec:decorative xmlns:adec="http://schemas.microsoft.com/office/drawing/2017/decorative" xmlns="" val="1"/>
               </a:ext>
             </a:extLst>
           </p:cNvPr>
@@ -21193,7 +21209,7 @@
           <p:nvPr>
             <p:extLst>
               <p:ext uri="{386F3935-93C4-4BCD-93E2-E3B085C9AB24}">
-                <p16:designElem xmlns:p16="http://schemas.microsoft.com/office/powerpoint/2015/main" val="1"/>
+                <p16:designElem xmlns:p16="http://schemas.microsoft.com/office/powerpoint/2015/main" xmlns="" val="1"/>
               </p:ext>
             </p:extLst>
           </p:nvPr>
@@ -21245,10 +21261,10 @@
           <p:cNvPr id="35" name="Freeform: Shape 34">
             <a:extLst>
               <a:ext uri="{FF2B5EF4-FFF2-40B4-BE49-F238E27FC236}">
-                <a16:creationId xmlns:a16="http://schemas.microsoft.com/office/drawing/2014/main" id="{0E5E699F-E37D-DCDB-1510-887BC772A803}"/>
+                <a16:creationId xmlns:a16="http://schemas.microsoft.com/office/drawing/2014/main" xmlns="" id="{0E5E699F-E37D-DCDB-1510-887BC772A803}"/>
               </a:ext>
               <a:ext uri="{C183D7F6-B498-43B3-948B-1728B52AA6E4}">
-                <adec:decorative xmlns:adec="http://schemas.microsoft.com/office/drawing/2017/decorative" val="1"/>
+                <adec:decorative xmlns:adec="http://schemas.microsoft.com/office/drawing/2017/decorative" xmlns="" val="1"/>
               </a:ext>
             </a:extLst>
           </p:cNvPr>
@@ -21258,7 +21274,7 @@
           <p:nvPr>
             <p:extLst>
               <p:ext uri="{386F3935-93C4-4BCD-93E2-E3B085C9AB24}">
-                <p16:designElem xmlns:p16="http://schemas.microsoft.com/office/powerpoint/2015/main" val="1"/>
+                <p16:designElem xmlns:p16="http://schemas.microsoft.com/office/powerpoint/2015/main" xmlns="" val="1"/>
               </p:ext>
             </p:extLst>
           </p:nvPr>
@@ -21355,10 +21371,10 @@
           <p:cNvPr id="37" name="Isosceles Triangle 36">
             <a:extLst>
               <a:ext uri="{FF2B5EF4-FFF2-40B4-BE49-F238E27FC236}">
-                <a16:creationId xmlns:a16="http://schemas.microsoft.com/office/drawing/2014/main" id="{DED12C94-78A4-58DD-9F96-9100F83C0996}"/>
+                <a16:creationId xmlns:a16="http://schemas.microsoft.com/office/drawing/2014/main" xmlns="" id="{DED12C94-78A4-58DD-9F96-9100F83C0996}"/>
               </a:ext>
               <a:ext uri="{C183D7F6-B498-43B3-948B-1728B52AA6E4}">
-                <adec:decorative xmlns:adec="http://schemas.microsoft.com/office/drawing/2017/decorative" val="1"/>
+                <adec:decorative xmlns:adec="http://schemas.microsoft.com/office/drawing/2017/decorative" xmlns="" val="1"/>
               </a:ext>
             </a:extLst>
           </p:cNvPr>
@@ -21368,7 +21384,7 @@
           <p:nvPr>
             <p:extLst>
               <p:ext uri="{386F3935-93C4-4BCD-93E2-E3B085C9AB24}">
-                <p16:designElem xmlns:p16="http://schemas.microsoft.com/office/powerpoint/2015/main" val="1"/>
+                <p16:designElem xmlns:p16="http://schemas.microsoft.com/office/powerpoint/2015/main" xmlns="" val="1"/>
               </p:ext>
             </p:extLst>
           </p:nvPr>
@@ -21420,10 +21436,10 @@
           <p:cNvPr id="39" name="Isosceles Triangle 38">
             <a:extLst>
               <a:ext uri="{FF2B5EF4-FFF2-40B4-BE49-F238E27FC236}">
-                <a16:creationId xmlns:a16="http://schemas.microsoft.com/office/drawing/2014/main" id="{15A2B5EA-0540-4F24-C209-FD2FC5F6B531}"/>
+                <a16:creationId xmlns:a16="http://schemas.microsoft.com/office/drawing/2014/main" xmlns="" id="{15A2B5EA-0540-4F24-C209-FD2FC5F6B531}"/>
               </a:ext>
               <a:ext uri="{C183D7F6-B498-43B3-948B-1728B52AA6E4}">
-                <adec:decorative xmlns:adec="http://schemas.microsoft.com/office/drawing/2017/decorative" val="1"/>
+                <adec:decorative xmlns:adec="http://schemas.microsoft.com/office/drawing/2017/decorative" xmlns="" val="1"/>
               </a:ext>
             </a:extLst>
           </p:cNvPr>
@@ -21433,7 +21449,7 @@
           <p:nvPr>
             <p:extLst>
               <p:ext uri="{386F3935-93C4-4BCD-93E2-E3B085C9AB24}">
-                <p16:designElem xmlns:p16="http://schemas.microsoft.com/office/powerpoint/2015/main" val="1"/>
+                <p16:designElem xmlns:p16="http://schemas.microsoft.com/office/powerpoint/2015/main" xmlns="" val="1"/>
               </p:ext>
             </p:extLst>
           </p:nvPr>
@@ -21485,7 +21501,7 @@
           <p:cNvPr id="3" name="Picture Placeholder 2">
             <a:extLst>
               <a:ext uri="{FF2B5EF4-FFF2-40B4-BE49-F238E27FC236}">
-                <a16:creationId xmlns:a16="http://schemas.microsoft.com/office/drawing/2014/main" id="{B5A7F5EF-0726-1DC1-6367-0D2CC7CF76B3}"/>
+                <a16:creationId xmlns:a16="http://schemas.microsoft.com/office/drawing/2014/main" xmlns="" id="{B5A7F5EF-0726-1DC1-6367-0D2CC7CF76B3}"/>
               </a:ext>
             </a:extLst>
           </p:cNvPr>
@@ -21510,7 +21526,7 @@
           <p:cNvPr id="2" name="TextBox 1">
             <a:extLst>
               <a:ext uri="{FF2B5EF4-FFF2-40B4-BE49-F238E27FC236}">
-                <a16:creationId xmlns:a16="http://schemas.microsoft.com/office/drawing/2014/main" id="{B987AA80-7A43-8370-43FC-3BD03724238D}"/>
+                <a16:creationId xmlns:a16="http://schemas.microsoft.com/office/drawing/2014/main" xmlns="" id="{B987AA80-7A43-8370-43FC-3BD03724238D}"/>
               </a:ext>
             </a:extLst>
           </p:cNvPr>
@@ -21552,7 +21568,7 @@
           <p:cNvPr id="9" name="Content Placeholder 2">
             <a:extLst>
               <a:ext uri="{FF2B5EF4-FFF2-40B4-BE49-F238E27FC236}">
-                <a16:creationId xmlns:a16="http://schemas.microsoft.com/office/drawing/2014/main" id="{FAC76963-A1CA-2926-E857-CE39D04B9173}"/>
+                <a16:creationId xmlns:a16="http://schemas.microsoft.com/office/drawing/2014/main" xmlns="" id="{FAC76963-A1CA-2926-E857-CE39D04B9173}"/>
               </a:ext>
             </a:extLst>
           </p:cNvPr>
@@ -21794,7 +21810,7 @@
           <p:cNvPr id="10" name="Picture 2">
             <a:extLst>
               <a:ext uri="{FF2B5EF4-FFF2-40B4-BE49-F238E27FC236}">
-                <a16:creationId xmlns:a16="http://schemas.microsoft.com/office/drawing/2014/main" id="{908A447D-EF01-3FC5-2964-5E7CD920F672}"/>
+                <a16:creationId xmlns:a16="http://schemas.microsoft.com/office/drawing/2014/main" xmlns="" id="{908A447D-EF01-3FC5-2964-5E7CD920F672}"/>
               </a:ext>
             </a:extLst>
           </p:cNvPr>
@@ -21888,7 +21904,7 @@
         <p:cNvPr id="1" name="">
           <a:extLst>
             <a:ext uri="{FF2B5EF4-FFF2-40B4-BE49-F238E27FC236}">
-              <a16:creationId xmlns:a16="http://schemas.microsoft.com/office/drawing/2014/main" id="{5A0248B8-8DC7-9B91-D463-477BB00EAB2B}"/>
+              <a16:creationId xmlns:a16="http://schemas.microsoft.com/office/drawing/2014/main" xmlns="" id="{5A0248B8-8DC7-9B91-D463-477BB00EAB2B}"/>
             </a:ext>
           </a:extLst>
         </p:cNvPr>
@@ -21908,10 +21924,10 @@
           <p:cNvPr id="27" name="Rectangle 26">
             <a:extLst>
               <a:ext uri="{FF2B5EF4-FFF2-40B4-BE49-F238E27FC236}">
-                <a16:creationId xmlns:a16="http://schemas.microsoft.com/office/drawing/2014/main" id="{CE4A4C2E-4CD4-2A76-6622-B9EB5418100F}"/>
+                <a16:creationId xmlns:a16="http://schemas.microsoft.com/office/drawing/2014/main" xmlns="" id="{CE4A4C2E-4CD4-2A76-6622-B9EB5418100F}"/>
               </a:ext>
               <a:ext uri="{C183D7F6-B498-43B3-948B-1728B52AA6E4}">
-                <adec:decorative xmlns:adec="http://schemas.microsoft.com/office/drawing/2017/decorative" val="1"/>
+                <adec:decorative xmlns:adec="http://schemas.microsoft.com/office/drawing/2017/decorative" xmlns="" val="1"/>
               </a:ext>
             </a:extLst>
           </p:cNvPr>
@@ -21921,7 +21937,7 @@
           <p:nvPr>
             <p:extLst>
               <p:ext uri="{386F3935-93C4-4BCD-93E2-E3B085C9AB24}">
-                <p16:designElem xmlns:p16="http://schemas.microsoft.com/office/powerpoint/2015/main" val="1"/>
+                <p16:designElem xmlns:p16="http://schemas.microsoft.com/office/powerpoint/2015/main" xmlns="" val="1"/>
               </p:ext>
             </p:extLst>
           </p:nvPr>
@@ -21971,10 +21987,10 @@
           <p:cNvPr id="29" name="Group 28">
             <a:extLst>
               <a:ext uri="{FF2B5EF4-FFF2-40B4-BE49-F238E27FC236}">
-                <a16:creationId xmlns:a16="http://schemas.microsoft.com/office/drawing/2014/main" id="{5E367D03-888F-8D6B-0B39-F21F420069E4}"/>
+                <a16:creationId xmlns:a16="http://schemas.microsoft.com/office/drawing/2014/main" xmlns="" id="{5E367D03-888F-8D6B-0B39-F21F420069E4}"/>
               </a:ext>
               <a:ext uri="{C183D7F6-B498-43B3-948B-1728B52AA6E4}">
-                <adec:decorative xmlns:adec="http://schemas.microsoft.com/office/drawing/2017/decorative" val="1"/>
+                <adec:decorative xmlns:adec="http://schemas.microsoft.com/office/drawing/2017/decorative" xmlns="" val="1"/>
               </a:ext>
             </a:extLst>
           </p:cNvPr>
@@ -21984,7 +22000,7 @@
           <p:nvPr>
             <p:extLst>
               <p:ext uri="{386F3935-93C4-4BCD-93E2-E3B085C9AB24}">
-                <p16:designElem xmlns:p16="http://schemas.microsoft.com/office/powerpoint/2015/main" val="1"/>
+                <p16:designElem xmlns:p16="http://schemas.microsoft.com/office/powerpoint/2015/main" xmlns="" val="1"/>
               </p:ext>
             </p:extLst>
           </p:nvPr>
@@ -22002,10 +22018,10 @@
             <p:cNvPr id="30" name="Freeform: Shape 29">
               <a:extLst>
                 <a:ext uri="{FF2B5EF4-FFF2-40B4-BE49-F238E27FC236}">
-                  <a16:creationId xmlns:a16="http://schemas.microsoft.com/office/drawing/2014/main" id="{9648791F-FE86-339C-1395-A69157610BD0}"/>
+                  <a16:creationId xmlns:a16="http://schemas.microsoft.com/office/drawing/2014/main" xmlns="" id="{9648791F-FE86-339C-1395-A69157610BD0}"/>
                 </a:ext>
                 <a:ext uri="{C183D7F6-B498-43B3-948B-1728B52AA6E4}">
-                  <adec:decorative xmlns:adec="http://schemas.microsoft.com/office/drawing/2017/decorative" val="1"/>
+                  <adec:decorative xmlns:adec="http://schemas.microsoft.com/office/drawing/2017/decorative" xmlns="" val="1"/>
                 </a:ext>
               </a:extLst>
             </p:cNvPr>
@@ -22013,7 +22029,7 @@
             <p:nvPr>
               <p:extLst>
                 <p:ext uri="{386F3935-93C4-4BCD-93E2-E3B085C9AB24}">
-                  <p16:designElem xmlns:p16="http://schemas.microsoft.com/office/powerpoint/2015/main" val="1"/>
+                  <p16:designElem xmlns:p16="http://schemas.microsoft.com/office/powerpoint/2015/main" xmlns="" val="1"/>
                 </p:ext>
               </p:extLst>
             </p:nvPr>
@@ -22116,10 +22132,10 @@
             <p:cNvPr id="31" name="Rectangle 30">
               <a:extLst>
                 <a:ext uri="{FF2B5EF4-FFF2-40B4-BE49-F238E27FC236}">
-                  <a16:creationId xmlns:a16="http://schemas.microsoft.com/office/drawing/2014/main" id="{A517F13D-87B3-54B1-6815-94406218E8C0}"/>
+                  <a16:creationId xmlns:a16="http://schemas.microsoft.com/office/drawing/2014/main" xmlns="" id="{A517F13D-87B3-54B1-6815-94406218E8C0}"/>
                 </a:ext>
                 <a:ext uri="{C183D7F6-B498-43B3-948B-1728B52AA6E4}">
-                  <adec:decorative xmlns:adec="http://schemas.microsoft.com/office/drawing/2017/decorative" val="1"/>
+                  <adec:decorative xmlns:adec="http://schemas.microsoft.com/office/drawing/2017/decorative" xmlns="" val="1"/>
                 </a:ext>
               </a:extLst>
             </p:cNvPr>
@@ -22127,7 +22143,7 @@
             <p:nvPr>
               <p:extLst>
                 <p:ext uri="{386F3935-93C4-4BCD-93E2-E3B085C9AB24}">
-                  <p16:designElem xmlns:p16="http://schemas.microsoft.com/office/powerpoint/2015/main" val="1"/>
+                  <p16:designElem xmlns:p16="http://schemas.microsoft.com/office/powerpoint/2015/main" xmlns="" val="1"/>
                 </p:ext>
               </p:extLst>
             </p:nvPr>
@@ -22180,10 +22196,10 @@
           <p:cNvPr id="33" name="Rectangle 32">
             <a:extLst>
               <a:ext uri="{FF2B5EF4-FFF2-40B4-BE49-F238E27FC236}">
-                <a16:creationId xmlns:a16="http://schemas.microsoft.com/office/drawing/2014/main" id="{B3A5A92E-54FE-1A3C-249E-4FAD6D642F1D}"/>
+                <a16:creationId xmlns:a16="http://schemas.microsoft.com/office/drawing/2014/main" xmlns="" id="{B3A5A92E-54FE-1A3C-249E-4FAD6D642F1D}"/>
               </a:ext>
               <a:ext uri="{C183D7F6-B498-43B3-948B-1728B52AA6E4}">
-                <adec:decorative xmlns:adec="http://schemas.microsoft.com/office/drawing/2017/decorative" val="1"/>
+                <adec:decorative xmlns:adec="http://schemas.microsoft.com/office/drawing/2017/decorative" xmlns="" val="1"/>
               </a:ext>
             </a:extLst>
           </p:cNvPr>
@@ -22193,7 +22209,7 @@
           <p:nvPr>
             <p:extLst>
               <p:ext uri="{386F3935-93C4-4BCD-93E2-E3B085C9AB24}">
-                <p16:designElem xmlns:p16="http://schemas.microsoft.com/office/powerpoint/2015/main" val="1"/>
+                <p16:designElem xmlns:p16="http://schemas.microsoft.com/office/powerpoint/2015/main" xmlns="" val="1"/>
               </p:ext>
             </p:extLst>
           </p:nvPr>
@@ -22245,10 +22261,10 @@
           <p:cNvPr id="35" name="Isosceles Triangle 34">
             <a:extLst>
               <a:ext uri="{FF2B5EF4-FFF2-40B4-BE49-F238E27FC236}">
-                <a16:creationId xmlns:a16="http://schemas.microsoft.com/office/drawing/2014/main" id="{457827A6-6C47-4CD7-971A-A75A5EC48C64}"/>
+                <a16:creationId xmlns:a16="http://schemas.microsoft.com/office/drawing/2014/main" xmlns="" id="{457827A6-6C47-4CD7-971A-A75A5EC48C64}"/>
               </a:ext>
               <a:ext uri="{C183D7F6-B498-43B3-948B-1728B52AA6E4}">
-                <adec:decorative xmlns:adec="http://schemas.microsoft.com/office/drawing/2017/decorative" val="1"/>
+                <adec:decorative xmlns:adec="http://schemas.microsoft.com/office/drawing/2017/decorative" xmlns="" val="1"/>
               </a:ext>
             </a:extLst>
           </p:cNvPr>
@@ -22258,7 +22274,7 @@
           <p:nvPr>
             <p:extLst>
               <p:ext uri="{386F3935-93C4-4BCD-93E2-E3B085C9AB24}">
-                <p16:designElem xmlns:p16="http://schemas.microsoft.com/office/powerpoint/2015/main" val="1"/>
+                <p16:designElem xmlns:p16="http://schemas.microsoft.com/office/powerpoint/2015/main" xmlns="" val="1"/>
               </p:ext>
             </p:extLst>
           </p:nvPr>
@@ -22312,7 +22328,7 @@
           <p:cNvPr id="6" name="TextBox 5">
             <a:extLst>
               <a:ext uri="{FF2B5EF4-FFF2-40B4-BE49-F238E27FC236}">
-                <a16:creationId xmlns:a16="http://schemas.microsoft.com/office/drawing/2014/main" id="{97AB226D-A7D2-EBE5-24AE-889A0AA39C7D}"/>
+                <a16:creationId xmlns:a16="http://schemas.microsoft.com/office/drawing/2014/main" xmlns="" id="{97AB226D-A7D2-EBE5-24AE-889A0AA39C7D}"/>
               </a:ext>
             </a:extLst>
           </p:cNvPr>
@@ -22354,7 +22370,7 @@
           <p:cNvPr id="3" name="Picture Placeholder 2">
             <a:extLst>
               <a:ext uri="{FF2B5EF4-FFF2-40B4-BE49-F238E27FC236}">
-                <a16:creationId xmlns:a16="http://schemas.microsoft.com/office/drawing/2014/main" id="{33C0A025-B4CA-9BB6-3CFE-7C65274EFD3F}"/>
+                <a16:creationId xmlns:a16="http://schemas.microsoft.com/office/drawing/2014/main" xmlns="" id="{33C0A025-B4CA-9BB6-3CFE-7C65274EFD3F}"/>
               </a:ext>
             </a:extLst>
           </p:cNvPr>
@@ -22379,7 +22395,7 @@
           <p:cNvPr id="7" name="Content Placeholder 2">
             <a:extLst>
               <a:ext uri="{FF2B5EF4-FFF2-40B4-BE49-F238E27FC236}">
-                <a16:creationId xmlns:a16="http://schemas.microsoft.com/office/drawing/2014/main" id="{0DB26922-CFEE-749D-60DB-C47E91FC97BB}"/>
+                <a16:creationId xmlns:a16="http://schemas.microsoft.com/office/drawing/2014/main" xmlns="" id="{0DB26922-CFEE-749D-60DB-C47E91FC97BB}"/>
               </a:ext>
             </a:extLst>
           </p:cNvPr>
@@ -22631,7 +22647,7 @@
           <p:cNvPr id="8" name="Picture 2">
             <a:extLst>
               <a:ext uri="{FF2B5EF4-FFF2-40B4-BE49-F238E27FC236}">
-                <a16:creationId xmlns:a16="http://schemas.microsoft.com/office/drawing/2014/main" id="{E398BE58-468A-7435-84A5-36A212E36745}"/>
+                <a16:creationId xmlns:a16="http://schemas.microsoft.com/office/drawing/2014/main" xmlns="" id="{E398BE58-468A-7435-84A5-36A212E36745}"/>
               </a:ext>
             </a:extLst>
           </p:cNvPr>
@@ -22701,7 +22717,7 @@
           <p:cNvPr id="9" name="Picture 3">
             <a:extLst>
               <a:ext uri="{FF2B5EF4-FFF2-40B4-BE49-F238E27FC236}">
-                <a16:creationId xmlns:a16="http://schemas.microsoft.com/office/drawing/2014/main" id="{36E739D3-7E61-06D9-C308-0A0F19FDE3F7}"/>
+                <a16:creationId xmlns:a16="http://schemas.microsoft.com/office/drawing/2014/main" xmlns="" id="{36E739D3-7E61-06D9-C308-0A0F19FDE3F7}"/>
               </a:ext>
             </a:extLst>
           </p:cNvPr>
@@ -22795,7 +22811,7 @@
         <p:cNvPr id="1" name="">
           <a:extLst>
             <a:ext uri="{FF2B5EF4-FFF2-40B4-BE49-F238E27FC236}">
-              <a16:creationId xmlns:a16="http://schemas.microsoft.com/office/drawing/2014/main" id="{19976652-C50D-0AED-59F5-520024B90CBE}"/>
+              <a16:creationId xmlns:a16="http://schemas.microsoft.com/office/drawing/2014/main" xmlns="" id="{19976652-C50D-0AED-59F5-520024B90CBE}"/>
             </a:ext>
           </a:extLst>
         </p:cNvPr>
@@ -22815,10 +22831,10 @@
           <p:cNvPr id="27" name="Rectangle 26">
             <a:extLst>
               <a:ext uri="{FF2B5EF4-FFF2-40B4-BE49-F238E27FC236}">
-                <a16:creationId xmlns:a16="http://schemas.microsoft.com/office/drawing/2014/main" id="{7BB21BAA-CED1-B16A-1DEE-E71B871D83E9}"/>
+                <a16:creationId xmlns:a16="http://schemas.microsoft.com/office/drawing/2014/main" xmlns="" id="{7BB21BAA-CED1-B16A-1DEE-E71B871D83E9}"/>
               </a:ext>
               <a:ext uri="{C183D7F6-B498-43B3-948B-1728B52AA6E4}">
-                <adec:decorative xmlns:adec="http://schemas.microsoft.com/office/drawing/2017/decorative" val="1"/>
+                <adec:decorative xmlns:adec="http://schemas.microsoft.com/office/drawing/2017/decorative" xmlns="" val="1"/>
               </a:ext>
             </a:extLst>
           </p:cNvPr>
@@ -22828,7 +22844,7 @@
           <p:nvPr>
             <p:extLst>
               <p:ext uri="{386F3935-93C4-4BCD-93E2-E3B085C9AB24}">
-                <p16:designElem xmlns:p16="http://schemas.microsoft.com/office/powerpoint/2015/main" val="1"/>
+                <p16:designElem xmlns:p16="http://schemas.microsoft.com/office/powerpoint/2015/main" xmlns="" val="1"/>
               </p:ext>
             </p:extLst>
           </p:nvPr>
@@ -22878,10 +22894,10 @@
           <p:cNvPr id="29" name="Freeform: Shape 28">
             <a:extLst>
               <a:ext uri="{FF2B5EF4-FFF2-40B4-BE49-F238E27FC236}">
-                <a16:creationId xmlns:a16="http://schemas.microsoft.com/office/drawing/2014/main" id="{59F97F45-7FAF-0965-515C-DF36AA4F4400}"/>
+                <a16:creationId xmlns:a16="http://schemas.microsoft.com/office/drawing/2014/main" xmlns="" id="{59F97F45-7FAF-0965-515C-DF36AA4F4400}"/>
               </a:ext>
               <a:ext uri="{C183D7F6-B498-43B3-948B-1728B52AA6E4}">
-                <adec:decorative xmlns:adec="http://schemas.microsoft.com/office/drawing/2017/decorative" val="1"/>
+                <adec:decorative xmlns:adec="http://schemas.microsoft.com/office/drawing/2017/decorative" xmlns="" val="1"/>
               </a:ext>
             </a:extLst>
           </p:cNvPr>
@@ -22891,7 +22907,7 @@
           <p:nvPr>
             <p:extLst>
               <p:ext uri="{386F3935-93C4-4BCD-93E2-E3B085C9AB24}">
-                <p16:designElem xmlns:p16="http://schemas.microsoft.com/office/powerpoint/2015/main" val="1"/>
+                <p16:designElem xmlns:p16="http://schemas.microsoft.com/office/powerpoint/2015/main" xmlns="" val="1"/>
               </p:ext>
             </p:extLst>
           </p:nvPr>
@@ -22994,10 +23010,10 @@
           <p:cNvPr id="31" name="Rectangle 30">
             <a:extLst>
               <a:ext uri="{FF2B5EF4-FFF2-40B4-BE49-F238E27FC236}">
-                <a16:creationId xmlns:a16="http://schemas.microsoft.com/office/drawing/2014/main" id="{C8E56BDA-4F67-DA7E-D11A-F7C40647ADE6}"/>
+                <a16:creationId xmlns:a16="http://schemas.microsoft.com/office/drawing/2014/main" xmlns="" id="{C8E56BDA-4F67-DA7E-D11A-F7C40647ADE6}"/>
               </a:ext>
               <a:ext uri="{C183D7F6-B498-43B3-948B-1728B52AA6E4}">
-                <adec:decorative xmlns:adec="http://schemas.microsoft.com/office/drawing/2017/decorative" val="1"/>
+                <adec:decorative xmlns:adec="http://schemas.microsoft.com/office/drawing/2017/decorative" xmlns="" val="1"/>
               </a:ext>
             </a:extLst>
           </p:cNvPr>
@@ -23007,7 +23023,7 @@
           <p:nvPr>
             <p:extLst>
               <p:ext uri="{386F3935-93C4-4BCD-93E2-E3B085C9AB24}">
-                <p16:designElem xmlns:p16="http://schemas.microsoft.com/office/powerpoint/2015/main" val="1"/>
+                <p16:designElem xmlns:p16="http://schemas.microsoft.com/office/powerpoint/2015/main" xmlns="" val="1"/>
               </p:ext>
             </p:extLst>
           </p:nvPr>
@@ -23059,10 +23075,10 @@
           <p:cNvPr id="33" name="Rectangle 32">
             <a:extLst>
               <a:ext uri="{FF2B5EF4-FFF2-40B4-BE49-F238E27FC236}">
-                <a16:creationId xmlns:a16="http://schemas.microsoft.com/office/drawing/2014/main" id="{1AEBF9B3-2C45-A7B0-CBD6-7ACEF01BA03C}"/>
+                <a16:creationId xmlns:a16="http://schemas.microsoft.com/office/drawing/2014/main" xmlns="" id="{1AEBF9B3-2C45-A7B0-CBD6-7ACEF01BA03C}"/>
               </a:ext>
               <a:ext uri="{C183D7F6-B498-43B3-948B-1728B52AA6E4}">
-                <adec:decorative xmlns:adec="http://schemas.microsoft.com/office/drawing/2017/decorative" val="1"/>
+                <adec:decorative xmlns:adec="http://schemas.microsoft.com/office/drawing/2017/decorative" xmlns="" val="1"/>
               </a:ext>
             </a:extLst>
           </p:cNvPr>
@@ -23072,7 +23088,7 @@
           <p:nvPr>
             <p:extLst>
               <p:ext uri="{386F3935-93C4-4BCD-93E2-E3B085C9AB24}">
-                <p16:designElem xmlns:p16="http://schemas.microsoft.com/office/powerpoint/2015/main" val="1"/>
+                <p16:designElem xmlns:p16="http://schemas.microsoft.com/office/powerpoint/2015/main" xmlns="" val="1"/>
               </p:ext>
             </p:extLst>
           </p:nvPr>
@@ -23124,10 +23140,10 @@
           <p:cNvPr id="35" name="Freeform: Shape 34">
             <a:extLst>
               <a:ext uri="{FF2B5EF4-FFF2-40B4-BE49-F238E27FC236}">
-                <a16:creationId xmlns:a16="http://schemas.microsoft.com/office/drawing/2014/main" id="{9683BA8B-41AC-57DC-440A-8E392CF1D52A}"/>
+                <a16:creationId xmlns:a16="http://schemas.microsoft.com/office/drawing/2014/main" xmlns="" id="{9683BA8B-41AC-57DC-440A-8E392CF1D52A}"/>
               </a:ext>
               <a:ext uri="{C183D7F6-B498-43B3-948B-1728B52AA6E4}">
-                <adec:decorative xmlns:adec="http://schemas.microsoft.com/office/drawing/2017/decorative" val="1"/>
+                <adec:decorative xmlns:adec="http://schemas.microsoft.com/office/drawing/2017/decorative" xmlns="" val="1"/>
               </a:ext>
             </a:extLst>
           </p:cNvPr>
@@ -23137,7 +23153,7 @@
           <p:nvPr>
             <p:extLst>
               <p:ext uri="{386F3935-93C4-4BCD-93E2-E3B085C9AB24}">
-                <p16:designElem xmlns:p16="http://schemas.microsoft.com/office/powerpoint/2015/main" val="1"/>
+                <p16:designElem xmlns:p16="http://schemas.microsoft.com/office/powerpoint/2015/main" xmlns="" val="1"/>
               </p:ext>
             </p:extLst>
           </p:nvPr>
@@ -23234,10 +23250,10 @@
           <p:cNvPr id="37" name="Isosceles Triangle 36">
             <a:extLst>
               <a:ext uri="{FF2B5EF4-FFF2-40B4-BE49-F238E27FC236}">
-                <a16:creationId xmlns:a16="http://schemas.microsoft.com/office/drawing/2014/main" id="{D21B866A-A77B-1BB1-62F9-4A0813EBCE97}"/>
+                <a16:creationId xmlns:a16="http://schemas.microsoft.com/office/drawing/2014/main" xmlns="" id="{D21B866A-A77B-1BB1-62F9-4A0813EBCE97}"/>
               </a:ext>
               <a:ext uri="{C183D7F6-B498-43B3-948B-1728B52AA6E4}">
-                <adec:decorative xmlns:adec="http://schemas.microsoft.com/office/drawing/2017/decorative" val="1"/>
+                <adec:decorative xmlns:adec="http://schemas.microsoft.com/office/drawing/2017/decorative" xmlns="" val="1"/>
               </a:ext>
             </a:extLst>
           </p:cNvPr>
@@ -23247,7 +23263,7 @@
           <p:nvPr>
             <p:extLst>
               <p:ext uri="{386F3935-93C4-4BCD-93E2-E3B085C9AB24}">
-                <p16:designElem xmlns:p16="http://schemas.microsoft.com/office/powerpoint/2015/main" val="1"/>
+                <p16:designElem xmlns:p16="http://schemas.microsoft.com/office/powerpoint/2015/main" xmlns="" val="1"/>
               </p:ext>
             </p:extLst>
           </p:nvPr>
@@ -23299,7 +23315,7 @@
           <p:cNvPr id="22" name="Picture Placeholder 21">
             <a:extLst>
               <a:ext uri="{FF2B5EF4-FFF2-40B4-BE49-F238E27FC236}">
-                <a16:creationId xmlns:a16="http://schemas.microsoft.com/office/drawing/2014/main" id="{A15C48D8-1E7C-8255-8356-E6FB553D0FC0}"/>
+                <a16:creationId xmlns:a16="http://schemas.microsoft.com/office/drawing/2014/main" xmlns="" id="{A15C48D8-1E7C-8255-8356-E6FB553D0FC0}"/>
               </a:ext>
             </a:extLst>
           </p:cNvPr>
@@ -23333,10 +23349,10 @@
           <p:cNvPr id="39" name="Isosceles Triangle 38">
             <a:extLst>
               <a:ext uri="{FF2B5EF4-FFF2-40B4-BE49-F238E27FC236}">
-                <a16:creationId xmlns:a16="http://schemas.microsoft.com/office/drawing/2014/main" id="{2F03BE48-83EC-1FB1-519E-B8C8262286CB}"/>
+                <a16:creationId xmlns:a16="http://schemas.microsoft.com/office/drawing/2014/main" xmlns="" id="{2F03BE48-83EC-1FB1-519E-B8C8262286CB}"/>
               </a:ext>
               <a:ext uri="{C183D7F6-B498-43B3-948B-1728B52AA6E4}">
-                <adec:decorative xmlns:adec="http://schemas.microsoft.com/office/drawing/2017/decorative" val="1"/>
+                <adec:decorative xmlns:adec="http://schemas.microsoft.com/office/drawing/2017/decorative" xmlns="" val="1"/>
               </a:ext>
             </a:extLst>
           </p:cNvPr>
@@ -23346,7 +23362,7 @@
           <p:nvPr>
             <p:extLst>
               <p:ext uri="{386F3935-93C4-4BCD-93E2-E3B085C9AB24}">
-                <p16:designElem xmlns:p16="http://schemas.microsoft.com/office/powerpoint/2015/main" val="1"/>
+                <p16:designElem xmlns:p16="http://schemas.microsoft.com/office/powerpoint/2015/main" xmlns="" val="1"/>
               </p:ext>
             </p:extLst>
           </p:nvPr>
@@ -23398,7 +23414,7 @@
           <p:cNvPr id="26" name="TextBox 25">
             <a:extLst>
               <a:ext uri="{FF2B5EF4-FFF2-40B4-BE49-F238E27FC236}">
-                <a16:creationId xmlns:a16="http://schemas.microsoft.com/office/drawing/2014/main" id="{2EA0F888-E47D-84AF-8912-FA2245A9C028}"/>
+                <a16:creationId xmlns:a16="http://schemas.microsoft.com/office/drawing/2014/main" xmlns="" id="{2EA0F888-E47D-84AF-8912-FA2245A9C028}"/>
               </a:ext>
             </a:extLst>
           </p:cNvPr>
@@ -23428,6 +23444,69 @@
               </a:rPr>
               <a:t>6. Results &amp; Conclusion</a:t>
             </a:r>
+          </a:p>
+        </p:txBody>
+      </p:sp>
+      <p:sp>
+        <p:nvSpPr>
+          <p:cNvPr id="2" name="TextBox 1"/>
+          <p:cNvSpPr txBox="1"/>
+          <p:nvPr/>
+        </p:nvSpPr>
+        <p:spPr>
+          <a:xfrm>
+            <a:off x="554980" y="1678282"/>
+            <a:ext cx="9268958" cy="2308324"/>
+          </a:xfrm>
+          <a:prstGeom prst="rect">
+            <a:avLst/>
+          </a:prstGeom>
+          <a:noFill/>
+        </p:spPr>
+        <p:txBody>
+          <a:bodyPr wrap="square" rtlCol="0">
+            <a:spAutoFit/>
+          </a:bodyPr>
+          <a:lstStyle/>
+          <a:p>
+            <a:r>
+              <a:rPr lang="en-US" dirty="0"/>
+              <a:t>The visualizations highlight the crucial role of age, BMI, and blood glucose levels as impactful features for machine modeling in predicting strokes and the potential areas for machine </a:t>
+            </a:r>
+            <a:r>
+              <a:rPr lang="en-US" dirty="0" err="1"/>
+              <a:t>optimisation</a:t>
+            </a:r>
+            <a:r>
+              <a:rPr lang="en-US" dirty="0" smtClean="0"/>
+              <a:t>.</a:t>
+            </a:r>
+          </a:p>
+          <a:p>
+            <a:endParaRPr lang="en-US" dirty="0"/>
+          </a:p>
+          <a:p>
+            <a:r>
+              <a:rPr lang="en-US" dirty="0" smtClean="0"/>
+              <a:t>Despite </a:t>
+            </a:r>
+            <a:r>
+              <a:rPr lang="en-US" dirty="0" err="1" smtClean="0"/>
+              <a:t>optimisation</a:t>
+            </a:r>
+            <a:r>
+              <a:rPr lang="en-US" dirty="0" smtClean="0"/>
+              <a:t>, unfortunately we were either presented with really high accuracy with poor precision &amp; recall, or good precision &amp; recall and not quite 75% accuracy that the project required. Support Vector Model is our best model, and further work would be required, perhaps another </a:t>
+            </a:r>
+            <a:r>
+              <a:rPr lang="en-US" dirty="0" err="1" smtClean="0"/>
+              <a:t>GridSearchCV</a:t>
+            </a:r>
+            <a:r>
+              <a:rPr lang="en-US" dirty="0" smtClean="0"/>
+              <a:t> being ran on it to see what else could be improved.</a:t>
+            </a:r>
+            <a:endParaRPr lang="en-GB" dirty="0"/>
           </a:p>
         </p:txBody>
       </p:sp>
@@ -23474,10 +23553,10 @@
           <p:cNvPr id="69" name="Rectangle 68">
             <a:extLst>
               <a:ext uri="{FF2B5EF4-FFF2-40B4-BE49-F238E27FC236}">
-                <a16:creationId xmlns:a16="http://schemas.microsoft.com/office/drawing/2014/main" id="{870A1295-61BC-4214-AA3E-D396673024D0}"/>
+                <a16:creationId xmlns:a16="http://schemas.microsoft.com/office/drawing/2014/main" xmlns="" id="{870A1295-61BC-4214-AA3E-D396673024D0}"/>
               </a:ext>
               <a:ext uri="{C183D7F6-B498-43B3-948B-1728B52AA6E4}">
-                <adec:decorative xmlns:adec="http://schemas.microsoft.com/office/drawing/2017/decorative" val="1"/>
+                <adec:decorative xmlns:adec="http://schemas.microsoft.com/office/drawing/2017/decorative" xmlns="" val="1"/>
               </a:ext>
             </a:extLst>
           </p:cNvPr>
@@ -23487,7 +23566,7 @@
           <p:nvPr>
             <p:extLst>
               <p:ext uri="{386F3935-93C4-4BCD-93E2-E3B085C9AB24}">
-                <p16:designElem xmlns:p16="http://schemas.microsoft.com/office/powerpoint/2015/main" val="1"/>
+                <p16:designElem xmlns:p16="http://schemas.microsoft.com/office/powerpoint/2015/main" xmlns="" val="1"/>
               </p:ext>
             </p:extLst>
           </p:nvPr>
@@ -23534,7 +23613,7 @@
           <p:cNvPr id="45" name="Title 44">
             <a:extLst>
               <a:ext uri="{FF2B5EF4-FFF2-40B4-BE49-F238E27FC236}">
-                <a16:creationId xmlns:a16="http://schemas.microsoft.com/office/drawing/2014/main" id="{2704561A-EBDC-4554-AB63-6E7F0AD34E9B}"/>
+                <a16:creationId xmlns:a16="http://schemas.microsoft.com/office/drawing/2014/main" xmlns="" id="{2704561A-EBDC-4554-AB63-6E7F0AD34E9B}"/>
               </a:ext>
             </a:extLst>
           </p:cNvPr>
@@ -23578,7 +23657,7 @@
           <p:cNvPr id="41" name="Picture Placeholder 40">
             <a:extLst>
               <a:ext uri="{FF2B5EF4-FFF2-40B4-BE49-F238E27FC236}">
-                <a16:creationId xmlns:a16="http://schemas.microsoft.com/office/drawing/2014/main" id="{B18AACB1-42A2-4B1E-8CE7-58311236AD5E}"/>
+                <a16:creationId xmlns:a16="http://schemas.microsoft.com/office/drawing/2014/main" xmlns="" id="{B18AACB1-42A2-4B1E-8CE7-58311236AD5E}"/>
               </a:ext>
             </a:extLst>
           </p:cNvPr>
@@ -23609,10 +23688,10 @@
           <p:cNvPr id="71" name="Group 70">
             <a:extLst>
               <a:ext uri="{FF2B5EF4-FFF2-40B4-BE49-F238E27FC236}">
-                <a16:creationId xmlns:a16="http://schemas.microsoft.com/office/drawing/2014/main" id="{0B139475-2B26-4CA9-9413-DE741E49F7BB}"/>
+                <a16:creationId xmlns:a16="http://schemas.microsoft.com/office/drawing/2014/main" xmlns="" id="{0B139475-2B26-4CA9-9413-DE741E49F7BB}"/>
               </a:ext>
               <a:ext uri="{C183D7F6-B498-43B3-948B-1728B52AA6E4}">
-                <adec:decorative xmlns:adec="http://schemas.microsoft.com/office/drawing/2017/decorative" val="1"/>
+                <adec:decorative xmlns:adec="http://schemas.microsoft.com/office/drawing/2017/decorative" xmlns="" val="1"/>
               </a:ext>
             </a:extLst>
           </p:cNvPr>
@@ -23622,7 +23701,7 @@
           <p:nvPr>
             <p:extLst>
               <p:ext uri="{386F3935-93C4-4BCD-93E2-E3B085C9AB24}">
-                <p16:designElem xmlns:p16="http://schemas.microsoft.com/office/powerpoint/2015/main" val="1"/>
+                <p16:designElem xmlns:p16="http://schemas.microsoft.com/office/powerpoint/2015/main" xmlns="" val="1"/>
               </p:ext>
             </p:extLst>
           </p:nvPr>
@@ -23640,10 +23719,10 @@
             <p:cNvPr id="72" name="Freeform: Shape 71">
               <a:extLst>
                 <a:ext uri="{FF2B5EF4-FFF2-40B4-BE49-F238E27FC236}">
-                  <a16:creationId xmlns:a16="http://schemas.microsoft.com/office/drawing/2014/main" id="{16C6BF63-6277-4C39-BE5D-3C341662CE4E}"/>
+                  <a16:creationId xmlns:a16="http://schemas.microsoft.com/office/drawing/2014/main" xmlns="" id="{16C6BF63-6277-4C39-BE5D-3C341662CE4E}"/>
                 </a:ext>
                 <a:ext uri="{C183D7F6-B498-43B3-948B-1728B52AA6E4}">
-                  <adec:decorative xmlns:adec="http://schemas.microsoft.com/office/drawing/2017/decorative" val="1"/>
+                  <adec:decorative xmlns:adec="http://schemas.microsoft.com/office/drawing/2017/decorative" xmlns="" val="1"/>
                 </a:ext>
               </a:extLst>
             </p:cNvPr>
@@ -23651,7 +23730,7 @@
             <p:nvPr>
               <p:extLst>
                 <p:ext uri="{386F3935-93C4-4BCD-93E2-E3B085C9AB24}">
-                  <p16:designElem xmlns:p16="http://schemas.microsoft.com/office/powerpoint/2015/main" val="1"/>
+                  <p16:designElem xmlns:p16="http://schemas.microsoft.com/office/powerpoint/2015/main" xmlns="" val="1"/>
                 </p:ext>
               </p:extLst>
             </p:nvPr>
@@ -23876,10 +23955,10 @@
             <p:cNvPr id="73" name="Freeform: Shape 72">
               <a:extLst>
                 <a:ext uri="{FF2B5EF4-FFF2-40B4-BE49-F238E27FC236}">
-                  <a16:creationId xmlns:a16="http://schemas.microsoft.com/office/drawing/2014/main" id="{6EA3BAD9-C130-4A9C-9086-20D132A6CF29}"/>
+                  <a16:creationId xmlns:a16="http://schemas.microsoft.com/office/drawing/2014/main" xmlns="" id="{6EA3BAD9-C130-4A9C-9086-20D132A6CF29}"/>
                 </a:ext>
                 <a:ext uri="{C183D7F6-B498-43B3-948B-1728B52AA6E4}">
-                  <adec:decorative xmlns:adec="http://schemas.microsoft.com/office/drawing/2017/decorative" val="1"/>
+                  <adec:decorative xmlns:adec="http://schemas.microsoft.com/office/drawing/2017/decorative" xmlns="" val="1"/>
                 </a:ext>
               </a:extLst>
             </p:cNvPr>
@@ -23887,7 +23966,7 @@
             <p:nvPr>
               <p:extLst>
                 <p:ext uri="{386F3935-93C4-4BCD-93E2-E3B085C9AB24}">
-                  <p16:designElem xmlns:p16="http://schemas.microsoft.com/office/powerpoint/2015/main" val="1"/>
+                  <p16:designElem xmlns:p16="http://schemas.microsoft.com/office/powerpoint/2015/main" xmlns="" val="1"/>
                 </p:ext>
               </p:extLst>
             </p:nvPr>
@@ -24895,10 +24974,10 @@
             <p:cNvPr id="74" name="Freeform: Shape 73">
               <a:extLst>
                 <a:ext uri="{FF2B5EF4-FFF2-40B4-BE49-F238E27FC236}">
-                  <a16:creationId xmlns:a16="http://schemas.microsoft.com/office/drawing/2014/main" id="{2587D38B-9E07-4A8B-B285-5FEBF6A60DC7}"/>
+                  <a16:creationId xmlns:a16="http://schemas.microsoft.com/office/drawing/2014/main" xmlns="" id="{2587D38B-9E07-4A8B-B285-5FEBF6A60DC7}"/>
                 </a:ext>
                 <a:ext uri="{C183D7F6-B498-43B3-948B-1728B52AA6E4}">
-                  <adec:decorative xmlns:adec="http://schemas.microsoft.com/office/drawing/2017/decorative" val="1"/>
+                  <adec:decorative xmlns:adec="http://schemas.microsoft.com/office/drawing/2017/decorative" xmlns="" val="1"/>
                 </a:ext>
               </a:extLst>
             </p:cNvPr>
@@ -24906,7 +24985,7 @@
             <p:nvPr>
               <p:extLst>
                 <p:ext uri="{386F3935-93C4-4BCD-93E2-E3B085C9AB24}">
-                  <p16:designElem xmlns:p16="http://schemas.microsoft.com/office/powerpoint/2015/main" val="1"/>
+                  <p16:designElem xmlns:p16="http://schemas.microsoft.com/office/powerpoint/2015/main" xmlns="" val="1"/>
                 </p:ext>
               </p:extLst>
             </p:nvPr>
@@ -25896,10 +25975,10 @@
             <p:cNvPr id="75" name="Freeform: Shape 74">
               <a:extLst>
                 <a:ext uri="{FF2B5EF4-FFF2-40B4-BE49-F238E27FC236}">
-                  <a16:creationId xmlns:a16="http://schemas.microsoft.com/office/drawing/2014/main" id="{5EF4DD4B-217B-4346-A2B8-4327936399CA}"/>
+                  <a16:creationId xmlns:a16="http://schemas.microsoft.com/office/drawing/2014/main" xmlns="" id="{5EF4DD4B-217B-4346-A2B8-4327936399CA}"/>
                 </a:ext>
                 <a:ext uri="{C183D7F6-B498-43B3-948B-1728B52AA6E4}">
-                  <adec:decorative xmlns:adec="http://schemas.microsoft.com/office/drawing/2017/decorative" val="1"/>
+                  <adec:decorative xmlns:adec="http://schemas.microsoft.com/office/drawing/2017/decorative" xmlns="" val="1"/>
                 </a:ext>
               </a:extLst>
             </p:cNvPr>
@@ -25907,7 +25986,7 @@
             <p:nvPr>
               <p:extLst>
                 <p:ext uri="{386F3935-93C4-4BCD-93E2-E3B085C9AB24}">
-                  <p16:designElem xmlns:p16="http://schemas.microsoft.com/office/powerpoint/2015/main" val="1"/>
+                  <p16:designElem xmlns:p16="http://schemas.microsoft.com/office/powerpoint/2015/main" xmlns="" val="1"/>
                 </p:ext>
               </p:extLst>
             </p:nvPr>
@@ -26808,7 +26887,7 @@
           <p:cNvPr id="46" name="Subtitle 45">
             <a:extLst>
               <a:ext uri="{FF2B5EF4-FFF2-40B4-BE49-F238E27FC236}">
-                <a16:creationId xmlns:a16="http://schemas.microsoft.com/office/drawing/2014/main" id="{84AA5B14-11B0-4875-B1F5-69DBF1E46D68}"/>
+                <a16:creationId xmlns:a16="http://schemas.microsoft.com/office/drawing/2014/main" xmlns="" id="{84AA5B14-11B0-4875-B1F5-69DBF1E46D68}"/>
               </a:ext>
             </a:extLst>
           </p:cNvPr>
@@ -26889,7 +26968,7 @@
         <p:cNvPr id="1" name="">
           <a:extLst>
             <a:ext uri="{FF2B5EF4-FFF2-40B4-BE49-F238E27FC236}">
-              <a16:creationId xmlns:a16="http://schemas.microsoft.com/office/drawing/2014/main" id="{78D17414-6BDF-C386-5C52-A601AC71A2B9}"/>
+              <a16:creationId xmlns:a16="http://schemas.microsoft.com/office/drawing/2014/main" xmlns="" id="{78D17414-6BDF-C386-5C52-A601AC71A2B9}"/>
             </a:ext>
           </a:extLst>
         </p:cNvPr>
@@ -26909,10 +26988,10 @@
           <p:cNvPr id="10" name="Rectangle 9">
             <a:extLst>
               <a:ext uri="{FF2B5EF4-FFF2-40B4-BE49-F238E27FC236}">
-                <a16:creationId xmlns:a16="http://schemas.microsoft.com/office/drawing/2014/main" id="{86FF76B9-219D-4469-AF87-0236D29032F1}"/>
+                <a16:creationId xmlns:a16="http://schemas.microsoft.com/office/drawing/2014/main" xmlns="" id="{86FF76B9-219D-4469-AF87-0236D29032F1}"/>
               </a:ext>
               <a:ext uri="{C183D7F6-B498-43B3-948B-1728B52AA6E4}">
-                <adec:decorative xmlns:adec="http://schemas.microsoft.com/office/drawing/2017/decorative" val="1"/>
+                <adec:decorative xmlns:adec="http://schemas.microsoft.com/office/drawing/2017/decorative" xmlns="" val="1"/>
               </a:ext>
             </a:extLst>
           </p:cNvPr>
@@ -26922,7 +27001,7 @@
           <p:nvPr>
             <p:extLst>
               <p:ext uri="{386F3935-93C4-4BCD-93E2-E3B085C9AB24}">
-                <p16:designElem xmlns:p16="http://schemas.microsoft.com/office/powerpoint/2015/main" val="1"/>
+                <p16:designElem xmlns:p16="http://schemas.microsoft.com/office/powerpoint/2015/main" xmlns="" val="1"/>
               </p:ext>
             </p:extLst>
           </p:nvPr>
@@ -26972,10 +27051,10 @@
           <p:cNvPr id="12" name="Group 11">
             <a:extLst>
               <a:ext uri="{FF2B5EF4-FFF2-40B4-BE49-F238E27FC236}">
-                <a16:creationId xmlns:a16="http://schemas.microsoft.com/office/drawing/2014/main" id="{DB88BD78-87E1-424D-B479-C37D8E41B12E}"/>
+                <a16:creationId xmlns:a16="http://schemas.microsoft.com/office/drawing/2014/main" xmlns="" id="{DB88BD78-87E1-424D-B479-C37D8E41B12E}"/>
               </a:ext>
               <a:ext uri="{C183D7F6-B498-43B3-948B-1728B52AA6E4}">
-                <adec:decorative xmlns:adec="http://schemas.microsoft.com/office/drawing/2017/decorative" val="1"/>
+                <adec:decorative xmlns:adec="http://schemas.microsoft.com/office/drawing/2017/decorative" xmlns="" val="1"/>
               </a:ext>
             </a:extLst>
           </p:cNvPr>
@@ -26985,7 +27064,7 @@
           <p:nvPr>
             <p:extLst>
               <p:ext uri="{386F3935-93C4-4BCD-93E2-E3B085C9AB24}">
-                <p16:designElem xmlns:p16="http://schemas.microsoft.com/office/powerpoint/2015/main" val="1"/>
+                <p16:designElem xmlns:p16="http://schemas.microsoft.com/office/powerpoint/2015/main" xmlns="" val="1"/>
               </p:ext>
             </p:extLst>
           </p:nvPr>
@@ -27003,10 +27082,10 @@
             <p:cNvPr id="13" name="Freeform: Shape 12">
               <a:extLst>
                 <a:ext uri="{FF2B5EF4-FFF2-40B4-BE49-F238E27FC236}">
-                  <a16:creationId xmlns:a16="http://schemas.microsoft.com/office/drawing/2014/main" id="{C05EB894-9410-4B20-95E4-7A25101AB895}"/>
+                  <a16:creationId xmlns:a16="http://schemas.microsoft.com/office/drawing/2014/main" xmlns="" id="{C05EB894-9410-4B20-95E4-7A25101AB895}"/>
                 </a:ext>
                 <a:ext uri="{C183D7F6-B498-43B3-948B-1728B52AA6E4}">
-                  <adec:decorative xmlns:adec="http://schemas.microsoft.com/office/drawing/2017/decorative" val="1"/>
+                  <adec:decorative xmlns:adec="http://schemas.microsoft.com/office/drawing/2017/decorative" xmlns="" val="1"/>
                 </a:ext>
               </a:extLst>
             </p:cNvPr>
@@ -27014,7 +27093,7 @@
             <p:nvPr>
               <p:extLst>
                 <p:ext uri="{386F3935-93C4-4BCD-93E2-E3B085C9AB24}">
-                  <p16:designElem xmlns:p16="http://schemas.microsoft.com/office/powerpoint/2015/main" val="1"/>
+                  <p16:designElem xmlns:p16="http://schemas.microsoft.com/office/powerpoint/2015/main" xmlns="" val="1"/>
                 </p:ext>
               </p:extLst>
             </p:nvPr>
@@ -27117,10 +27196,10 @@
             <p:cNvPr id="14" name="Rectangle 13">
               <a:extLst>
                 <a:ext uri="{FF2B5EF4-FFF2-40B4-BE49-F238E27FC236}">
-                  <a16:creationId xmlns:a16="http://schemas.microsoft.com/office/drawing/2014/main" id="{166E38B6-B050-4340-8E8F-3A971DADC031}"/>
+                  <a16:creationId xmlns:a16="http://schemas.microsoft.com/office/drawing/2014/main" xmlns="" id="{166E38B6-B050-4340-8E8F-3A971DADC031}"/>
                 </a:ext>
                 <a:ext uri="{C183D7F6-B498-43B3-948B-1728B52AA6E4}">
-                  <adec:decorative xmlns:adec="http://schemas.microsoft.com/office/drawing/2017/decorative" val="1"/>
+                  <adec:decorative xmlns:adec="http://schemas.microsoft.com/office/drawing/2017/decorative" xmlns="" val="1"/>
                 </a:ext>
               </a:extLst>
             </p:cNvPr>
@@ -27128,7 +27207,7 @@
             <p:nvPr>
               <p:extLst>
                 <p:ext uri="{386F3935-93C4-4BCD-93E2-E3B085C9AB24}">
-                  <p16:designElem xmlns:p16="http://schemas.microsoft.com/office/powerpoint/2015/main" val="1"/>
+                  <p16:designElem xmlns:p16="http://schemas.microsoft.com/office/powerpoint/2015/main" xmlns="" val="1"/>
                 </p:ext>
               </p:extLst>
             </p:nvPr>
@@ -27181,10 +27260,10 @@
           <p:cNvPr id="16" name="Rectangle 15">
             <a:extLst>
               <a:ext uri="{FF2B5EF4-FFF2-40B4-BE49-F238E27FC236}">
-                <a16:creationId xmlns:a16="http://schemas.microsoft.com/office/drawing/2014/main" id="{2E80C965-DB6D-4F81-9E9E-B027384D0BD6}"/>
+                <a16:creationId xmlns:a16="http://schemas.microsoft.com/office/drawing/2014/main" xmlns="" id="{2E80C965-DB6D-4F81-9E9E-B027384D0BD6}"/>
               </a:ext>
               <a:ext uri="{C183D7F6-B498-43B3-948B-1728B52AA6E4}">
-                <adec:decorative xmlns:adec="http://schemas.microsoft.com/office/drawing/2017/decorative" val="1"/>
+                <adec:decorative xmlns:adec="http://schemas.microsoft.com/office/drawing/2017/decorative" xmlns="" val="1"/>
               </a:ext>
             </a:extLst>
           </p:cNvPr>
@@ -27194,7 +27273,7 @@
           <p:nvPr>
             <p:extLst>
               <p:ext uri="{386F3935-93C4-4BCD-93E2-E3B085C9AB24}">
-                <p16:designElem xmlns:p16="http://schemas.microsoft.com/office/powerpoint/2015/main" val="1"/>
+                <p16:designElem xmlns:p16="http://schemas.microsoft.com/office/powerpoint/2015/main" xmlns="" val="1"/>
               </p:ext>
             </p:extLst>
           </p:nvPr>
@@ -27246,10 +27325,10 @@
           <p:cNvPr id="18" name="Isosceles Triangle 17">
             <a:extLst>
               <a:ext uri="{FF2B5EF4-FFF2-40B4-BE49-F238E27FC236}">
-                <a16:creationId xmlns:a16="http://schemas.microsoft.com/office/drawing/2014/main" id="{633C5E46-DAC5-4661-9C87-22B08E2A512F}"/>
+                <a16:creationId xmlns:a16="http://schemas.microsoft.com/office/drawing/2014/main" xmlns="" id="{633C5E46-DAC5-4661-9C87-22B08E2A512F}"/>
               </a:ext>
               <a:ext uri="{C183D7F6-B498-43B3-948B-1728B52AA6E4}">
-                <adec:decorative xmlns:adec="http://schemas.microsoft.com/office/drawing/2017/decorative" val="1"/>
+                <adec:decorative xmlns:adec="http://schemas.microsoft.com/office/drawing/2017/decorative" xmlns="" val="1"/>
               </a:ext>
             </a:extLst>
           </p:cNvPr>
@@ -27259,7 +27338,7 @@
           <p:nvPr>
             <p:extLst>
               <p:ext uri="{386F3935-93C4-4BCD-93E2-E3B085C9AB24}">
-                <p16:designElem xmlns:p16="http://schemas.microsoft.com/office/powerpoint/2015/main" val="1"/>
+                <p16:designElem xmlns:p16="http://schemas.microsoft.com/office/powerpoint/2015/main" xmlns="" val="1"/>
               </p:ext>
             </p:extLst>
           </p:nvPr>
@@ -27313,7 +27392,7 @@
           <p:cNvPr id="5" name="Picture Placeholder 4">
             <a:extLst>
               <a:ext uri="{FF2B5EF4-FFF2-40B4-BE49-F238E27FC236}">
-                <a16:creationId xmlns:a16="http://schemas.microsoft.com/office/drawing/2014/main" id="{CBCC0BE6-EB61-08BE-FD31-B46AA7CFC7F7}"/>
+                <a16:creationId xmlns:a16="http://schemas.microsoft.com/office/drawing/2014/main" xmlns="" id="{CBCC0BE6-EB61-08BE-FD31-B46AA7CFC7F7}"/>
               </a:ext>
             </a:extLst>
           </p:cNvPr>
@@ -27347,7 +27426,7 @@
           <p:cNvPr id="4" name="TextBox 3">
             <a:extLst>
               <a:ext uri="{FF2B5EF4-FFF2-40B4-BE49-F238E27FC236}">
-                <a16:creationId xmlns:a16="http://schemas.microsoft.com/office/drawing/2014/main" id="{A6A82067-850F-1CD6-781C-6907FC8631D7}"/>
+                <a16:creationId xmlns:a16="http://schemas.microsoft.com/office/drawing/2014/main" xmlns="" id="{A6A82067-850F-1CD6-781C-6907FC8631D7}"/>
               </a:ext>
             </a:extLst>
           </p:cNvPr>
@@ -27385,7 +27464,7 @@
           <p:cNvPr id="6" name="TextBox 5">
             <a:extLst>
               <a:ext uri="{FF2B5EF4-FFF2-40B4-BE49-F238E27FC236}">
-                <a16:creationId xmlns:a16="http://schemas.microsoft.com/office/drawing/2014/main" id="{A4920DB4-C2CE-8F7B-9D1B-B57AAA6A13F1}"/>
+                <a16:creationId xmlns:a16="http://schemas.microsoft.com/office/drawing/2014/main" xmlns="" id="{A4920DB4-C2CE-8F7B-9D1B-B57AAA6A13F1}"/>
               </a:ext>
             </a:extLst>
           </p:cNvPr>
@@ -27482,7 +27561,7 @@
           <p:cNvPr id="7" name="TextBox 6">
             <a:extLst>
               <a:ext uri="{FF2B5EF4-FFF2-40B4-BE49-F238E27FC236}">
-                <a16:creationId xmlns:a16="http://schemas.microsoft.com/office/drawing/2014/main" id="{1A367EE2-1EEB-5119-096B-97AF2AD9377A}"/>
+                <a16:creationId xmlns:a16="http://schemas.microsoft.com/office/drawing/2014/main" xmlns="" id="{1A367EE2-1EEB-5119-096B-97AF2AD9377A}"/>
               </a:ext>
             </a:extLst>
           </p:cNvPr>
@@ -27584,10 +27663,10 @@
           <p:cNvPr id="27" name="Rectangle 26">
             <a:extLst>
               <a:ext uri="{FF2B5EF4-FFF2-40B4-BE49-F238E27FC236}">
-                <a16:creationId xmlns:a16="http://schemas.microsoft.com/office/drawing/2014/main" id="{F3060C83-F051-4F0E-ABAD-AA0DFC48B218}"/>
+                <a16:creationId xmlns:a16="http://schemas.microsoft.com/office/drawing/2014/main" xmlns="" id="{F3060C83-F051-4F0E-ABAD-AA0DFC48B218}"/>
               </a:ext>
               <a:ext uri="{C183D7F6-B498-43B3-948B-1728B52AA6E4}">
-                <adec:decorative xmlns:adec="http://schemas.microsoft.com/office/drawing/2017/decorative" val="1"/>
+                <adec:decorative xmlns:adec="http://schemas.microsoft.com/office/drawing/2017/decorative" xmlns="" val="1"/>
               </a:ext>
             </a:extLst>
           </p:cNvPr>
@@ -27597,7 +27676,7 @@
           <p:nvPr>
             <p:extLst>
               <p:ext uri="{386F3935-93C4-4BCD-93E2-E3B085C9AB24}">
-                <p16:designElem xmlns:p16="http://schemas.microsoft.com/office/powerpoint/2015/main" val="1"/>
+                <p16:designElem xmlns:p16="http://schemas.microsoft.com/office/powerpoint/2015/main" xmlns="" val="1"/>
               </p:ext>
             </p:extLst>
           </p:nvPr>
@@ -27647,10 +27726,10 @@
           <p:cNvPr id="29" name="Freeform: Shape 28">
             <a:extLst>
               <a:ext uri="{FF2B5EF4-FFF2-40B4-BE49-F238E27FC236}">
-                <a16:creationId xmlns:a16="http://schemas.microsoft.com/office/drawing/2014/main" id="{83C98ABE-055B-441F-B07E-44F97F083C39}"/>
+                <a16:creationId xmlns:a16="http://schemas.microsoft.com/office/drawing/2014/main" xmlns="" id="{83C98ABE-055B-441F-B07E-44F97F083C39}"/>
               </a:ext>
               <a:ext uri="{C183D7F6-B498-43B3-948B-1728B52AA6E4}">
-                <adec:decorative xmlns:adec="http://schemas.microsoft.com/office/drawing/2017/decorative" val="1"/>
+                <adec:decorative xmlns:adec="http://schemas.microsoft.com/office/drawing/2017/decorative" xmlns="" val="1"/>
               </a:ext>
             </a:extLst>
           </p:cNvPr>
@@ -27660,7 +27739,7 @@
           <p:nvPr>
             <p:extLst>
               <p:ext uri="{386F3935-93C4-4BCD-93E2-E3B085C9AB24}">
-                <p16:designElem xmlns:p16="http://schemas.microsoft.com/office/powerpoint/2015/main" val="1"/>
+                <p16:designElem xmlns:p16="http://schemas.microsoft.com/office/powerpoint/2015/main" xmlns="" val="1"/>
               </p:ext>
             </p:extLst>
           </p:nvPr>
@@ -27763,10 +27842,10 @@
           <p:cNvPr id="31" name="Rectangle 30">
             <a:extLst>
               <a:ext uri="{FF2B5EF4-FFF2-40B4-BE49-F238E27FC236}">
-                <a16:creationId xmlns:a16="http://schemas.microsoft.com/office/drawing/2014/main" id="{29FDB030-9B49-4CED-8CCD-4D99382388AC}"/>
+                <a16:creationId xmlns:a16="http://schemas.microsoft.com/office/drawing/2014/main" xmlns="" id="{29FDB030-9B49-4CED-8CCD-4D99382388AC}"/>
               </a:ext>
               <a:ext uri="{C183D7F6-B498-43B3-948B-1728B52AA6E4}">
-                <adec:decorative xmlns:adec="http://schemas.microsoft.com/office/drawing/2017/decorative" val="1"/>
+                <adec:decorative xmlns:adec="http://schemas.microsoft.com/office/drawing/2017/decorative" xmlns="" val="1"/>
               </a:ext>
             </a:extLst>
           </p:cNvPr>
@@ -27776,7 +27855,7 @@
           <p:nvPr>
             <p:extLst>
               <p:ext uri="{386F3935-93C4-4BCD-93E2-E3B085C9AB24}">
-                <p16:designElem xmlns:p16="http://schemas.microsoft.com/office/powerpoint/2015/main" val="1"/>
+                <p16:designElem xmlns:p16="http://schemas.microsoft.com/office/powerpoint/2015/main" xmlns="" val="1"/>
               </p:ext>
             </p:extLst>
           </p:nvPr>
@@ -27828,10 +27907,10 @@
           <p:cNvPr id="33" name="Rectangle 32">
             <a:extLst>
               <a:ext uri="{FF2B5EF4-FFF2-40B4-BE49-F238E27FC236}">
-                <a16:creationId xmlns:a16="http://schemas.microsoft.com/office/drawing/2014/main" id="{3783CA14-24A1-485C-8B30-D6A5D87987AD}"/>
+                <a16:creationId xmlns:a16="http://schemas.microsoft.com/office/drawing/2014/main" xmlns="" id="{3783CA14-24A1-485C-8B30-D6A5D87987AD}"/>
               </a:ext>
               <a:ext uri="{C183D7F6-B498-43B3-948B-1728B52AA6E4}">
-                <adec:decorative xmlns:adec="http://schemas.microsoft.com/office/drawing/2017/decorative" val="1"/>
+                <adec:decorative xmlns:adec="http://schemas.microsoft.com/office/drawing/2017/decorative" xmlns="" val="1"/>
               </a:ext>
             </a:extLst>
           </p:cNvPr>
@@ -27841,7 +27920,7 @@
           <p:nvPr>
             <p:extLst>
               <p:ext uri="{386F3935-93C4-4BCD-93E2-E3B085C9AB24}">
-                <p16:designElem xmlns:p16="http://schemas.microsoft.com/office/powerpoint/2015/main" val="1"/>
+                <p16:designElem xmlns:p16="http://schemas.microsoft.com/office/powerpoint/2015/main" xmlns="" val="1"/>
               </p:ext>
             </p:extLst>
           </p:nvPr>
@@ -27893,10 +27972,10 @@
           <p:cNvPr id="35" name="Freeform: Shape 34">
             <a:extLst>
               <a:ext uri="{FF2B5EF4-FFF2-40B4-BE49-F238E27FC236}">
-                <a16:creationId xmlns:a16="http://schemas.microsoft.com/office/drawing/2014/main" id="{9A97C86A-04D6-40F7-AE84-31AB43E6A846}"/>
+                <a16:creationId xmlns:a16="http://schemas.microsoft.com/office/drawing/2014/main" xmlns="" id="{9A97C86A-04D6-40F7-AE84-31AB43E6A846}"/>
               </a:ext>
               <a:ext uri="{C183D7F6-B498-43B3-948B-1728B52AA6E4}">
-                <adec:decorative xmlns:adec="http://schemas.microsoft.com/office/drawing/2017/decorative" val="1"/>
+                <adec:decorative xmlns:adec="http://schemas.microsoft.com/office/drawing/2017/decorative" xmlns="" val="1"/>
               </a:ext>
             </a:extLst>
           </p:cNvPr>
@@ -27906,7 +27985,7 @@
           <p:nvPr>
             <p:extLst>
               <p:ext uri="{386F3935-93C4-4BCD-93E2-E3B085C9AB24}">
-                <p16:designElem xmlns:p16="http://schemas.microsoft.com/office/powerpoint/2015/main" val="1"/>
+                <p16:designElem xmlns:p16="http://schemas.microsoft.com/office/powerpoint/2015/main" xmlns="" val="1"/>
               </p:ext>
             </p:extLst>
           </p:nvPr>
@@ -28003,10 +28082,10 @@
           <p:cNvPr id="37" name="Isosceles Triangle 36">
             <a:extLst>
               <a:ext uri="{FF2B5EF4-FFF2-40B4-BE49-F238E27FC236}">
-                <a16:creationId xmlns:a16="http://schemas.microsoft.com/office/drawing/2014/main" id="{FF9F2414-84E8-453E-B1F3-389FDE8192D9}"/>
+                <a16:creationId xmlns:a16="http://schemas.microsoft.com/office/drawing/2014/main" xmlns="" id="{FF9F2414-84E8-453E-B1F3-389FDE8192D9}"/>
               </a:ext>
               <a:ext uri="{C183D7F6-B498-43B3-948B-1728B52AA6E4}">
-                <adec:decorative xmlns:adec="http://schemas.microsoft.com/office/drawing/2017/decorative" val="1"/>
+                <adec:decorative xmlns:adec="http://schemas.microsoft.com/office/drawing/2017/decorative" xmlns="" val="1"/>
               </a:ext>
             </a:extLst>
           </p:cNvPr>
@@ -28016,7 +28095,7 @@
           <p:nvPr>
             <p:extLst>
               <p:ext uri="{386F3935-93C4-4BCD-93E2-E3B085C9AB24}">
-                <p16:designElem xmlns:p16="http://schemas.microsoft.com/office/powerpoint/2015/main" val="1"/>
+                <p16:designElem xmlns:p16="http://schemas.microsoft.com/office/powerpoint/2015/main" xmlns="" val="1"/>
               </p:ext>
             </p:extLst>
           </p:nvPr>
@@ -28068,7 +28147,7 @@
           <p:cNvPr id="22" name="Picture Placeholder 21">
             <a:extLst>
               <a:ext uri="{FF2B5EF4-FFF2-40B4-BE49-F238E27FC236}">
-                <a16:creationId xmlns:a16="http://schemas.microsoft.com/office/drawing/2014/main" id="{0916C1A5-630A-2B78-E639-0A2051E47CA1}"/>
+                <a16:creationId xmlns:a16="http://schemas.microsoft.com/office/drawing/2014/main" xmlns="" id="{0916C1A5-630A-2B78-E639-0A2051E47CA1}"/>
               </a:ext>
             </a:extLst>
           </p:cNvPr>
@@ -28102,10 +28181,10 @@
           <p:cNvPr id="39" name="Isosceles Triangle 38">
             <a:extLst>
               <a:ext uri="{FF2B5EF4-FFF2-40B4-BE49-F238E27FC236}">
-                <a16:creationId xmlns:a16="http://schemas.microsoft.com/office/drawing/2014/main" id="{3ECA69A1-7536-43AC-85EF-C7106179F5ED}"/>
+                <a16:creationId xmlns:a16="http://schemas.microsoft.com/office/drawing/2014/main" xmlns="" id="{3ECA69A1-7536-43AC-85EF-C7106179F5ED}"/>
               </a:ext>
               <a:ext uri="{C183D7F6-B498-43B3-948B-1728B52AA6E4}">
-                <adec:decorative xmlns:adec="http://schemas.microsoft.com/office/drawing/2017/decorative" val="1"/>
+                <adec:decorative xmlns:adec="http://schemas.microsoft.com/office/drawing/2017/decorative" xmlns="" val="1"/>
               </a:ext>
             </a:extLst>
           </p:cNvPr>
@@ -28115,7 +28194,7 @@
           <p:nvPr>
             <p:extLst>
               <p:ext uri="{386F3935-93C4-4BCD-93E2-E3B085C9AB24}">
-                <p16:designElem xmlns:p16="http://schemas.microsoft.com/office/powerpoint/2015/main" val="1"/>
+                <p16:designElem xmlns:p16="http://schemas.microsoft.com/office/powerpoint/2015/main" xmlns="" val="1"/>
               </p:ext>
             </p:extLst>
           </p:nvPr>
@@ -28167,7 +28246,7 @@
           <p:cNvPr id="26" name="TextBox 25">
             <a:extLst>
               <a:ext uri="{FF2B5EF4-FFF2-40B4-BE49-F238E27FC236}">
-                <a16:creationId xmlns:a16="http://schemas.microsoft.com/office/drawing/2014/main" id="{D502CC51-A9FD-C5BF-A2CF-3C3A5B2FF1EE}"/>
+                <a16:creationId xmlns:a16="http://schemas.microsoft.com/office/drawing/2014/main" xmlns="" id="{D502CC51-A9FD-C5BF-A2CF-3C3A5B2FF1EE}"/>
               </a:ext>
             </a:extLst>
           </p:cNvPr>
@@ -28205,7 +28284,7 @@
           <p:cNvPr id="28" name="TextBox 27">
             <a:extLst>
               <a:ext uri="{FF2B5EF4-FFF2-40B4-BE49-F238E27FC236}">
-                <a16:creationId xmlns:a16="http://schemas.microsoft.com/office/drawing/2014/main" id="{47AF6F8F-D018-2350-B83D-4C889AC4610F}"/>
+                <a16:creationId xmlns:a16="http://schemas.microsoft.com/office/drawing/2014/main" xmlns="" id="{47AF6F8F-D018-2350-B83D-4C889AC4610F}"/>
               </a:ext>
             </a:extLst>
           </p:cNvPr>
@@ -28340,7 +28419,7 @@
         <p:cNvPr id="1" name="">
           <a:extLst>
             <a:ext uri="{FF2B5EF4-FFF2-40B4-BE49-F238E27FC236}">
-              <a16:creationId xmlns:a16="http://schemas.microsoft.com/office/drawing/2014/main" id="{43721567-CC8A-A7F3-20FA-1E041D14A7EC}"/>
+              <a16:creationId xmlns:a16="http://schemas.microsoft.com/office/drawing/2014/main" xmlns="" id="{43721567-CC8A-A7F3-20FA-1E041D14A7EC}"/>
             </a:ext>
           </a:extLst>
         </p:cNvPr>
@@ -28360,10 +28439,10 @@
           <p:cNvPr id="27" name="Rectangle 26">
             <a:extLst>
               <a:ext uri="{FF2B5EF4-FFF2-40B4-BE49-F238E27FC236}">
-                <a16:creationId xmlns:a16="http://schemas.microsoft.com/office/drawing/2014/main" id="{86FF76B9-219D-4469-AF87-0236D29032F1}"/>
+                <a16:creationId xmlns:a16="http://schemas.microsoft.com/office/drawing/2014/main" xmlns="" id="{86FF76B9-219D-4469-AF87-0236D29032F1}"/>
               </a:ext>
               <a:ext uri="{C183D7F6-B498-43B3-948B-1728B52AA6E4}">
-                <adec:decorative xmlns:adec="http://schemas.microsoft.com/office/drawing/2017/decorative" val="1"/>
+                <adec:decorative xmlns:adec="http://schemas.microsoft.com/office/drawing/2017/decorative" xmlns="" val="1"/>
               </a:ext>
             </a:extLst>
           </p:cNvPr>
@@ -28373,7 +28452,7 @@
           <p:nvPr>
             <p:extLst>
               <p:ext uri="{386F3935-93C4-4BCD-93E2-E3B085C9AB24}">
-                <p16:designElem xmlns:p16="http://schemas.microsoft.com/office/powerpoint/2015/main" val="1"/>
+                <p16:designElem xmlns:p16="http://schemas.microsoft.com/office/powerpoint/2015/main" xmlns="" val="1"/>
               </p:ext>
             </p:extLst>
           </p:nvPr>
@@ -28423,10 +28502,10 @@
           <p:cNvPr id="29" name="Group 28">
             <a:extLst>
               <a:ext uri="{FF2B5EF4-FFF2-40B4-BE49-F238E27FC236}">
-                <a16:creationId xmlns:a16="http://schemas.microsoft.com/office/drawing/2014/main" id="{DB88BD78-87E1-424D-B479-C37D8E41B12E}"/>
+                <a16:creationId xmlns:a16="http://schemas.microsoft.com/office/drawing/2014/main" xmlns="" id="{DB88BD78-87E1-424D-B479-C37D8E41B12E}"/>
               </a:ext>
               <a:ext uri="{C183D7F6-B498-43B3-948B-1728B52AA6E4}">
-                <adec:decorative xmlns:adec="http://schemas.microsoft.com/office/drawing/2017/decorative" val="1"/>
+                <adec:decorative xmlns:adec="http://schemas.microsoft.com/office/drawing/2017/decorative" xmlns="" val="1"/>
               </a:ext>
             </a:extLst>
           </p:cNvPr>
@@ -28436,7 +28515,7 @@
           <p:nvPr>
             <p:extLst>
               <p:ext uri="{386F3935-93C4-4BCD-93E2-E3B085C9AB24}">
-                <p16:designElem xmlns:p16="http://schemas.microsoft.com/office/powerpoint/2015/main" val="1"/>
+                <p16:designElem xmlns:p16="http://schemas.microsoft.com/office/powerpoint/2015/main" xmlns="" val="1"/>
               </p:ext>
             </p:extLst>
           </p:nvPr>
@@ -28454,10 +28533,10 @@
             <p:cNvPr id="30" name="Freeform: Shape 29">
               <a:extLst>
                 <a:ext uri="{FF2B5EF4-FFF2-40B4-BE49-F238E27FC236}">
-                  <a16:creationId xmlns:a16="http://schemas.microsoft.com/office/drawing/2014/main" id="{C05EB894-9410-4B20-95E4-7A25101AB895}"/>
+                  <a16:creationId xmlns:a16="http://schemas.microsoft.com/office/drawing/2014/main" xmlns="" id="{C05EB894-9410-4B20-95E4-7A25101AB895}"/>
                 </a:ext>
                 <a:ext uri="{C183D7F6-B498-43B3-948B-1728B52AA6E4}">
-                  <adec:decorative xmlns:adec="http://schemas.microsoft.com/office/drawing/2017/decorative" val="1"/>
+                  <adec:decorative xmlns:adec="http://schemas.microsoft.com/office/drawing/2017/decorative" xmlns="" val="1"/>
                 </a:ext>
               </a:extLst>
             </p:cNvPr>
@@ -28465,7 +28544,7 @@
             <p:nvPr>
               <p:extLst>
                 <p:ext uri="{386F3935-93C4-4BCD-93E2-E3B085C9AB24}">
-                  <p16:designElem xmlns:p16="http://schemas.microsoft.com/office/powerpoint/2015/main" val="1"/>
+                  <p16:designElem xmlns:p16="http://schemas.microsoft.com/office/powerpoint/2015/main" xmlns="" val="1"/>
                 </p:ext>
               </p:extLst>
             </p:nvPr>
@@ -28568,10 +28647,10 @@
             <p:cNvPr id="31" name="Rectangle 30">
               <a:extLst>
                 <a:ext uri="{FF2B5EF4-FFF2-40B4-BE49-F238E27FC236}">
-                  <a16:creationId xmlns:a16="http://schemas.microsoft.com/office/drawing/2014/main" id="{166E38B6-B050-4340-8E8F-3A971DADC031}"/>
+                  <a16:creationId xmlns:a16="http://schemas.microsoft.com/office/drawing/2014/main" xmlns="" id="{166E38B6-B050-4340-8E8F-3A971DADC031}"/>
                 </a:ext>
                 <a:ext uri="{C183D7F6-B498-43B3-948B-1728B52AA6E4}">
-                  <adec:decorative xmlns:adec="http://schemas.microsoft.com/office/drawing/2017/decorative" val="1"/>
+                  <adec:decorative xmlns:adec="http://schemas.microsoft.com/office/drawing/2017/decorative" xmlns="" val="1"/>
                 </a:ext>
               </a:extLst>
             </p:cNvPr>
@@ -28579,7 +28658,7 @@
             <p:nvPr>
               <p:extLst>
                 <p:ext uri="{386F3935-93C4-4BCD-93E2-E3B085C9AB24}">
-                  <p16:designElem xmlns:p16="http://schemas.microsoft.com/office/powerpoint/2015/main" val="1"/>
+                  <p16:designElem xmlns:p16="http://schemas.microsoft.com/office/powerpoint/2015/main" xmlns="" val="1"/>
                 </p:ext>
               </p:extLst>
             </p:nvPr>
@@ -28632,10 +28711,10 @@
           <p:cNvPr id="33" name="Rectangle 32">
             <a:extLst>
               <a:ext uri="{FF2B5EF4-FFF2-40B4-BE49-F238E27FC236}">
-                <a16:creationId xmlns:a16="http://schemas.microsoft.com/office/drawing/2014/main" id="{2E80C965-DB6D-4F81-9E9E-B027384D0BD6}"/>
+                <a16:creationId xmlns:a16="http://schemas.microsoft.com/office/drawing/2014/main" xmlns="" id="{2E80C965-DB6D-4F81-9E9E-B027384D0BD6}"/>
               </a:ext>
               <a:ext uri="{C183D7F6-B498-43B3-948B-1728B52AA6E4}">
-                <adec:decorative xmlns:adec="http://schemas.microsoft.com/office/drawing/2017/decorative" val="1"/>
+                <adec:decorative xmlns:adec="http://schemas.microsoft.com/office/drawing/2017/decorative" xmlns="" val="1"/>
               </a:ext>
             </a:extLst>
           </p:cNvPr>
@@ -28645,7 +28724,7 @@
           <p:nvPr>
             <p:extLst>
               <p:ext uri="{386F3935-93C4-4BCD-93E2-E3B085C9AB24}">
-                <p16:designElem xmlns:p16="http://schemas.microsoft.com/office/powerpoint/2015/main" val="1"/>
+                <p16:designElem xmlns:p16="http://schemas.microsoft.com/office/powerpoint/2015/main" xmlns="" val="1"/>
               </p:ext>
             </p:extLst>
           </p:nvPr>
@@ -28697,10 +28776,10 @@
           <p:cNvPr id="35" name="Isosceles Triangle 34">
             <a:extLst>
               <a:ext uri="{FF2B5EF4-FFF2-40B4-BE49-F238E27FC236}">
-                <a16:creationId xmlns:a16="http://schemas.microsoft.com/office/drawing/2014/main" id="{633C5E46-DAC5-4661-9C87-22B08E2A512F}"/>
+                <a16:creationId xmlns:a16="http://schemas.microsoft.com/office/drawing/2014/main" xmlns="" id="{633C5E46-DAC5-4661-9C87-22B08E2A512F}"/>
               </a:ext>
               <a:ext uri="{C183D7F6-B498-43B3-948B-1728B52AA6E4}">
-                <adec:decorative xmlns:adec="http://schemas.microsoft.com/office/drawing/2017/decorative" val="1"/>
+                <adec:decorative xmlns:adec="http://schemas.microsoft.com/office/drawing/2017/decorative" xmlns="" val="1"/>
               </a:ext>
             </a:extLst>
           </p:cNvPr>
@@ -28710,7 +28789,7 @@
           <p:nvPr>
             <p:extLst>
               <p:ext uri="{386F3935-93C4-4BCD-93E2-E3B085C9AB24}">
-                <p16:designElem xmlns:p16="http://schemas.microsoft.com/office/powerpoint/2015/main" val="1"/>
+                <p16:designElem xmlns:p16="http://schemas.microsoft.com/office/powerpoint/2015/main" xmlns="" val="1"/>
               </p:ext>
             </p:extLst>
           </p:nvPr>
@@ -28764,7 +28843,7 @@
           <p:cNvPr id="4" name="TextBox 3">
             <a:extLst>
               <a:ext uri="{FF2B5EF4-FFF2-40B4-BE49-F238E27FC236}">
-                <a16:creationId xmlns:a16="http://schemas.microsoft.com/office/drawing/2014/main" id="{AA30CD2F-F220-0E5F-544F-FC701E5F9F6A}"/>
+                <a16:creationId xmlns:a16="http://schemas.microsoft.com/office/drawing/2014/main" xmlns="" id="{AA30CD2F-F220-0E5F-544F-FC701E5F9F6A}"/>
               </a:ext>
             </a:extLst>
           </p:cNvPr>
@@ -28802,7 +28881,7 @@
           <p:cNvPr id="6" name="Picture 5">
             <a:extLst>
               <a:ext uri="{FF2B5EF4-FFF2-40B4-BE49-F238E27FC236}">
-                <a16:creationId xmlns:a16="http://schemas.microsoft.com/office/drawing/2014/main" id="{F127BFC5-8A1A-BE1F-89FE-44FA39B50501}"/>
+                <a16:creationId xmlns:a16="http://schemas.microsoft.com/office/drawing/2014/main" xmlns="" id="{F127BFC5-8A1A-BE1F-89FE-44FA39B50501}"/>
               </a:ext>
             </a:extLst>
           </p:cNvPr>
@@ -28832,7 +28911,7 @@
           <p:cNvPr id="2" name="TextBox 1">
             <a:extLst>
               <a:ext uri="{FF2B5EF4-FFF2-40B4-BE49-F238E27FC236}">
-                <a16:creationId xmlns:a16="http://schemas.microsoft.com/office/drawing/2014/main" id="{8563F755-11F5-A0B7-B0CD-FD86CB286958}"/>
+                <a16:creationId xmlns:a16="http://schemas.microsoft.com/office/drawing/2014/main" xmlns="" id="{8563F755-11F5-A0B7-B0CD-FD86CB286958}"/>
               </a:ext>
             </a:extLst>
           </p:cNvPr>
@@ -28894,7 +28973,7 @@
         <p:cNvPr id="1" name="">
           <a:extLst>
             <a:ext uri="{FF2B5EF4-FFF2-40B4-BE49-F238E27FC236}">
-              <a16:creationId xmlns:a16="http://schemas.microsoft.com/office/drawing/2014/main" id="{43721567-CC8A-A7F3-20FA-1E041D14A7EC}"/>
+              <a16:creationId xmlns:a16="http://schemas.microsoft.com/office/drawing/2014/main" xmlns="" id="{43721567-CC8A-A7F3-20FA-1E041D14A7EC}"/>
             </a:ext>
           </a:extLst>
         </p:cNvPr>
@@ -28914,10 +28993,10 @@
           <p:cNvPr id="27" name="Rectangle 26">
             <a:extLst>
               <a:ext uri="{FF2B5EF4-FFF2-40B4-BE49-F238E27FC236}">
-                <a16:creationId xmlns:a16="http://schemas.microsoft.com/office/drawing/2014/main" id="{86FF76B9-219D-4469-AF87-0236D29032F1}"/>
+                <a16:creationId xmlns:a16="http://schemas.microsoft.com/office/drawing/2014/main" xmlns="" id="{86FF76B9-219D-4469-AF87-0236D29032F1}"/>
               </a:ext>
               <a:ext uri="{C183D7F6-B498-43B3-948B-1728B52AA6E4}">
-                <adec:decorative xmlns:adec="http://schemas.microsoft.com/office/drawing/2017/decorative" val="1"/>
+                <adec:decorative xmlns:adec="http://schemas.microsoft.com/office/drawing/2017/decorative" xmlns="" val="1"/>
               </a:ext>
             </a:extLst>
           </p:cNvPr>
@@ -28927,7 +29006,7 @@
           <p:nvPr>
             <p:extLst>
               <p:ext uri="{386F3935-93C4-4BCD-93E2-E3B085C9AB24}">
-                <p16:designElem xmlns:p16="http://schemas.microsoft.com/office/powerpoint/2015/main" val="1"/>
+                <p16:designElem xmlns:p16="http://schemas.microsoft.com/office/powerpoint/2015/main" xmlns="" val="1"/>
               </p:ext>
             </p:extLst>
           </p:nvPr>
@@ -28977,10 +29056,10 @@
           <p:cNvPr id="29" name="Group 28">
             <a:extLst>
               <a:ext uri="{FF2B5EF4-FFF2-40B4-BE49-F238E27FC236}">
-                <a16:creationId xmlns:a16="http://schemas.microsoft.com/office/drawing/2014/main" id="{DB88BD78-87E1-424D-B479-C37D8E41B12E}"/>
+                <a16:creationId xmlns:a16="http://schemas.microsoft.com/office/drawing/2014/main" xmlns="" id="{DB88BD78-87E1-424D-B479-C37D8E41B12E}"/>
               </a:ext>
               <a:ext uri="{C183D7F6-B498-43B3-948B-1728B52AA6E4}">
-                <adec:decorative xmlns:adec="http://schemas.microsoft.com/office/drawing/2017/decorative" val="1"/>
+                <adec:decorative xmlns:adec="http://schemas.microsoft.com/office/drawing/2017/decorative" xmlns="" val="1"/>
               </a:ext>
             </a:extLst>
           </p:cNvPr>
@@ -28990,7 +29069,7 @@
           <p:nvPr>
             <p:extLst>
               <p:ext uri="{386F3935-93C4-4BCD-93E2-E3B085C9AB24}">
-                <p16:designElem xmlns:p16="http://schemas.microsoft.com/office/powerpoint/2015/main" val="1"/>
+                <p16:designElem xmlns:p16="http://schemas.microsoft.com/office/powerpoint/2015/main" xmlns="" val="1"/>
               </p:ext>
             </p:extLst>
           </p:nvPr>
@@ -29008,10 +29087,10 @@
             <p:cNvPr id="30" name="Freeform: Shape 29">
               <a:extLst>
                 <a:ext uri="{FF2B5EF4-FFF2-40B4-BE49-F238E27FC236}">
-                  <a16:creationId xmlns:a16="http://schemas.microsoft.com/office/drawing/2014/main" id="{C05EB894-9410-4B20-95E4-7A25101AB895}"/>
+                  <a16:creationId xmlns:a16="http://schemas.microsoft.com/office/drawing/2014/main" xmlns="" id="{C05EB894-9410-4B20-95E4-7A25101AB895}"/>
                 </a:ext>
                 <a:ext uri="{C183D7F6-B498-43B3-948B-1728B52AA6E4}">
-                  <adec:decorative xmlns:adec="http://schemas.microsoft.com/office/drawing/2017/decorative" val="1"/>
+                  <adec:decorative xmlns:adec="http://schemas.microsoft.com/office/drawing/2017/decorative" xmlns="" val="1"/>
                 </a:ext>
               </a:extLst>
             </p:cNvPr>
@@ -29019,7 +29098,7 @@
             <p:nvPr>
               <p:extLst>
                 <p:ext uri="{386F3935-93C4-4BCD-93E2-E3B085C9AB24}">
-                  <p16:designElem xmlns:p16="http://schemas.microsoft.com/office/powerpoint/2015/main" val="1"/>
+                  <p16:designElem xmlns:p16="http://schemas.microsoft.com/office/powerpoint/2015/main" xmlns="" val="1"/>
                 </p:ext>
               </p:extLst>
             </p:nvPr>
@@ -29122,10 +29201,10 @@
             <p:cNvPr id="31" name="Rectangle 30">
               <a:extLst>
                 <a:ext uri="{FF2B5EF4-FFF2-40B4-BE49-F238E27FC236}">
-                  <a16:creationId xmlns:a16="http://schemas.microsoft.com/office/drawing/2014/main" id="{166E38B6-B050-4340-8E8F-3A971DADC031}"/>
+                  <a16:creationId xmlns:a16="http://schemas.microsoft.com/office/drawing/2014/main" xmlns="" id="{166E38B6-B050-4340-8E8F-3A971DADC031}"/>
                 </a:ext>
                 <a:ext uri="{C183D7F6-B498-43B3-948B-1728B52AA6E4}">
-                  <adec:decorative xmlns:adec="http://schemas.microsoft.com/office/drawing/2017/decorative" val="1"/>
+                  <adec:decorative xmlns:adec="http://schemas.microsoft.com/office/drawing/2017/decorative" xmlns="" val="1"/>
                 </a:ext>
               </a:extLst>
             </p:cNvPr>
@@ -29133,7 +29212,7 @@
             <p:nvPr>
               <p:extLst>
                 <p:ext uri="{386F3935-93C4-4BCD-93E2-E3B085C9AB24}">
-                  <p16:designElem xmlns:p16="http://schemas.microsoft.com/office/powerpoint/2015/main" val="1"/>
+                  <p16:designElem xmlns:p16="http://schemas.microsoft.com/office/powerpoint/2015/main" xmlns="" val="1"/>
                 </p:ext>
               </p:extLst>
             </p:nvPr>
@@ -29186,10 +29265,10 @@
           <p:cNvPr id="33" name="Rectangle 32">
             <a:extLst>
               <a:ext uri="{FF2B5EF4-FFF2-40B4-BE49-F238E27FC236}">
-                <a16:creationId xmlns:a16="http://schemas.microsoft.com/office/drawing/2014/main" id="{2E80C965-DB6D-4F81-9E9E-B027384D0BD6}"/>
+                <a16:creationId xmlns:a16="http://schemas.microsoft.com/office/drawing/2014/main" xmlns="" id="{2E80C965-DB6D-4F81-9E9E-B027384D0BD6}"/>
               </a:ext>
               <a:ext uri="{C183D7F6-B498-43B3-948B-1728B52AA6E4}">
-                <adec:decorative xmlns:adec="http://schemas.microsoft.com/office/drawing/2017/decorative" val="1"/>
+                <adec:decorative xmlns:adec="http://schemas.microsoft.com/office/drawing/2017/decorative" xmlns="" val="1"/>
               </a:ext>
             </a:extLst>
           </p:cNvPr>
@@ -29199,7 +29278,7 @@
           <p:nvPr>
             <p:extLst>
               <p:ext uri="{386F3935-93C4-4BCD-93E2-E3B085C9AB24}">
-                <p16:designElem xmlns:p16="http://schemas.microsoft.com/office/powerpoint/2015/main" val="1"/>
+                <p16:designElem xmlns:p16="http://schemas.microsoft.com/office/powerpoint/2015/main" xmlns="" val="1"/>
               </p:ext>
             </p:extLst>
           </p:nvPr>
@@ -29251,10 +29330,10 @@
           <p:cNvPr id="35" name="Isosceles Triangle 34">
             <a:extLst>
               <a:ext uri="{FF2B5EF4-FFF2-40B4-BE49-F238E27FC236}">
-                <a16:creationId xmlns:a16="http://schemas.microsoft.com/office/drawing/2014/main" id="{633C5E46-DAC5-4661-9C87-22B08E2A512F}"/>
+                <a16:creationId xmlns:a16="http://schemas.microsoft.com/office/drawing/2014/main" xmlns="" id="{633C5E46-DAC5-4661-9C87-22B08E2A512F}"/>
               </a:ext>
               <a:ext uri="{C183D7F6-B498-43B3-948B-1728B52AA6E4}">
-                <adec:decorative xmlns:adec="http://schemas.microsoft.com/office/drawing/2017/decorative" val="1"/>
+                <adec:decorative xmlns:adec="http://schemas.microsoft.com/office/drawing/2017/decorative" xmlns="" val="1"/>
               </a:ext>
             </a:extLst>
           </p:cNvPr>
@@ -29264,7 +29343,7 @@
           <p:nvPr>
             <p:extLst>
               <p:ext uri="{386F3935-93C4-4BCD-93E2-E3B085C9AB24}">
-                <p16:designElem xmlns:p16="http://schemas.microsoft.com/office/powerpoint/2015/main" val="1"/>
+                <p16:designElem xmlns:p16="http://schemas.microsoft.com/office/powerpoint/2015/main" xmlns="" val="1"/>
               </p:ext>
             </p:extLst>
           </p:nvPr>
@@ -29318,7 +29397,7 @@
           <p:cNvPr id="4" name="TextBox 3">
             <a:extLst>
               <a:ext uri="{FF2B5EF4-FFF2-40B4-BE49-F238E27FC236}">
-                <a16:creationId xmlns:a16="http://schemas.microsoft.com/office/drawing/2014/main" id="{AA30CD2F-F220-0E5F-544F-FC701E5F9F6A}"/>
+                <a16:creationId xmlns:a16="http://schemas.microsoft.com/office/drawing/2014/main" xmlns="" id="{AA30CD2F-F220-0E5F-544F-FC701E5F9F6A}"/>
               </a:ext>
             </a:extLst>
           </p:cNvPr>
@@ -29356,7 +29435,7 @@
           <p:cNvPr id="8" name="Picture 7">
             <a:extLst>
               <a:ext uri="{FF2B5EF4-FFF2-40B4-BE49-F238E27FC236}">
-                <a16:creationId xmlns:a16="http://schemas.microsoft.com/office/drawing/2014/main" id="{E739D135-5263-E8AF-FB9B-50963AA8AE99}"/>
+                <a16:creationId xmlns:a16="http://schemas.microsoft.com/office/drawing/2014/main" xmlns="" id="{E739D135-5263-E8AF-FB9B-50963AA8AE99}"/>
               </a:ext>
             </a:extLst>
           </p:cNvPr>
@@ -29409,7 +29488,7 @@
         <p:cNvPr id="1" name="">
           <a:extLst>
             <a:ext uri="{FF2B5EF4-FFF2-40B4-BE49-F238E27FC236}">
-              <a16:creationId xmlns:a16="http://schemas.microsoft.com/office/drawing/2014/main" id="{70E4827D-FA93-1341-12C6-77721C36F92A}"/>
+              <a16:creationId xmlns:a16="http://schemas.microsoft.com/office/drawing/2014/main" xmlns="" id="{70E4827D-FA93-1341-12C6-77721C36F92A}"/>
             </a:ext>
           </a:extLst>
         </p:cNvPr>
@@ -29429,10 +29508,10 @@
           <p:cNvPr id="27" name="Rectangle 26">
             <a:extLst>
               <a:ext uri="{FF2B5EF4-FFF2-40B4-BE49-F238E27FC236}">
-                <a16:creationId xmlns:a16="http://schemas.microsoft.com/office/drawing/2014/main" id="{DE2787E3-913E-2363-C94D-1D76F979980A}"/>
+                <a16:creationId xmlns:a16="http://schemas.microsoft.com/office/drawing/2014/main" xmlns="" id="{DE2787E3-913E-2363-C94D-1D76F979980A}"/>
               </a:ext>
               <a:ext uri="{C183D7F6-B498-43B3-948B-1728B52AA6E4}">
-                <adec:decorative xmlns:adec="http://schemas.microsoft.com/office/drawing/2017/decorative" val="1"/>
+                <adec:decorative xmlns:adec="http://schemas.microsoft.com/office/drawing/2017/decorative" xmlns="" val="1"/>
               </a:ext>
             </a:extLst>
           </p:cNvPr>
@@ -29442,7 +29521,7 @@
           <p:nvPr>
             <p:extLst>
               <p:ext uri="{386F3935-93C4-4BCD-93E2-E3B085C9AB24}">
-                <p16:designElem xmlns:p16="http://schemas.microsoft.com/office/powerpoint/2015/main" val="1"/>
+                <p16:designElem xmlns:p16="http://schemas.microsoft.com/office/powerpoint/2015/main" xmlns="" val="1"/>
               </p:ext>
             </p:extLst>
           </p:nvPr>
@@ -29492,10 +29571,10 @@
           <p:cNvPr id="29" name="Group 28">
             <a:extLst>
               <a:ext uri="{FF2B5EF4-FFF2-40B4-BE49-F238E27FC236}">
-                <a16:creationId xmlns:a16="http://schemas.microsoft.com/office/drawing/2014/main" id="{1DE4C16E-0B4D-1171-1AF0-D8934765E7D3}"/>
+                <a16:creationId xmlns:a16="http://schemas.microsoft.com/office/drawing/2014/main" xmlns="" id="{1DE4C16E-0B4D-1171-1AF0-D8934765E7D3}"/>
               </a:ext>
               <a:ext uri="{C183D7F6-B498-43B3-948B-1728B52AA6E4}">
-                <adec:decorative xmlns:adec="http://schemas.microsoft.com/office/drawing/2017/decorative" val="1"/>
+                <adec:decorative xmlns:adec="http://schemas.microsoft.com/office/drawing/2017/decorative" xmlns="" val="1"/>
               </a:ext>
             </a:extLst>
           </p:cNvPr>
@@ -29505,7 +29584,7 @@
           <p:nvPr>
             <p:extLst>
               <p:ext uri="{386F3935-93C4-4BCD-93E2-E3B085C9AB24}">
-                <p16:designElem xmlns:p16="http://schemas.microsoft.com/office/powerpoint/2015/main" val="1"/>
+                <p16:designElem xmlns:p16="http://schemas.microsoft.com/office/powerpoint/2015/main" xmlns="" val="1"/>
               </p:ext>
             </p:extLst>
           </p:nvPr>
@@ -29523,10 +29602,10 @@
             <p:cNvPr id="30" name="Freeform: Shape 29">
               <a:extLst>
                 <a:ext uri="{FF2B5EF4-FFF2-40B4-BE49-F238E27FC236}">
-                  <a16:creationId xmlns:a16="http://schemas.microsoft.com/office/drawing/2014/main" id="{B1219E35-B86C-7398-CFCB-3057BEEB9EE1}"/>
+                  <a16:creationId xmlns:a16="http://schemas.microsoft.com/office/drawing/2014/main" xmlns="" id="{B1219E35-B86C-7398-CFCB-3057BEEB9EE1}"/>
                 </a:ext>
                 <a:ext uri="{C183D7F6-B498-43B3-948B-1728B52AA6E4}">
-                  <adec:decorative xmlns:adec="http://schemas.microsoft.com/office/drawing/2017/decorative" val="1"/>
+                  <adec:decorative xmlns:adec="http://schemas.microsoft.com/office/drawing/2017/decorative" xmlns="" val="1"/>
                 </a:ext>
               </a:extLst>
             </p:cNvPr>
@@ -29534,7 +29613,7 @@
             <p:nvPr>
               <p:extLst>
                 <p:ext uri="{386F3935-93C4-4BCD-93E2-E3B085C9AB24}">
-                  <p16:designElem xmlns:p16="http://schemas.microsoft.com/office/powerpoint/2015/main" val="1"/>
+                  <p16:designElem xmlns:p16="http://schemas.microsoft.com/office/powerpoint/2015/main" xmlns="" val="1"/>
                 </p:ext>
               </p:extLst>
             </p:nvPr>
@@ -29637,10 +29716,10 @@
             <p:cNvPr id="31" name="Rectangle 30">
               <a:extLst>
                 <a:ext uri="{FF2B5EF4-FFF2-40B4-BE49-F238E27FC236}">
-                  <a16:creationId xmlns:a16="http://schemas.microsoft.com/office/drawing/2014/main" id="{FB3469AA-404B-091F-684D-2479FFABF035}"/>
+                  <a16:creationId xmlns:a16="http://schemas.microsoft.com/office/drawing/2014/main" xmlns="" id="{FB3469AA-404B-091F-684D-2479FFABF035}"/>
                 </a:ext>
                 <a:ext uri="{C183D7F6-B498-43B3-948B-1728B52AA6E4}">
-                  <adec:decorative xmlns:adec="http://schemas.microsoft.com/office/drawing/2017/decorative" val="1"/>
+                  <adec:decorative xmlns:adec="http://schemas.microsoft.com/office/drawing/2017/decorative" xmlns="" val="1"/>
                 </a:ext>
               </a:extLst>
             </p:cNvPr>
@@ -29648,7 +29727,7 @@
             <p:nvPr>
               <p:extLst>
                 <p:ext uri="{386F3935-93C4-4BCD-93E2-E3B085C9AB24}">
-                  <p16:designElem xmlns:p16="http://schemas.microsoft.com/office/powerpoint/2015/main" val="1"/>
+                  <p16:designElem xmlns:p16="http://schemas.microsoft.com/office/powerpoint/2015/main" xmlns="" val="1"/>
                 </p:ext>
               </p:extLst>
             </p:nvPr>
@@ -29701,10 +29780,10 @@
           <p:cNvPr id="33" name="Rectangle 32">
             <a:extLst>
               <a:ext uri="{FF2B5EF4-FFF2-40B4-BE49-F238E27FC236}">
-                <a16:creationId xmlns:a16="http://schemas.microsoft.com/office/drawing/2014/main" id="{B7073EDB-4528-B259-D07A-6FF38339B31A}"/>
+                <a16:creationId xmlns:a16="http://schemas.microsoft.com/office/drawing/2014/main" xmlns="" id="{B7073EDB-4528-B259-D07A-6FF38339B31A}"/>
               </a:ext>
               <a:ext uri="{C183D7F6-B498-43B3-948B-1728B52AA6E4}">
-                <adec:decorative xmlns:adec="http://schemas.microsoft.com/office/drawing/2017/decorative" val="1"/>
+                <adec:decorative xmlns:adec="http://schemas.microsoft.com/office/drawing/2017/decorative" xmlns="" val="1"/>
               </a:ext>
             </a:extLst>
           </p:cNvPr>
@@ -29714,7 +29793,7 @@
           <p:nvPr>
             <p:extLst>
               <p:ext uri="{386F3935-93C4-4BCD-93E2-E3B085C9AB24}">
-                <p16:designElem xmlns:p16="http://schemas.microsoft.com/office/powerpoint/2015/main" val="1"/>
+                <p16:designElem xmlns:p16="http://schemas.microsoft.com/office/powerpoint/2015/main" xmlns="" val="1"/>
               </p:ext>
             </p:extLst>
           </p:nvPr>
@@ -29766,10 +29845,10 @@
           <p:cNvPr id="35" name="Isosceles Triangle 34">
             <a:extLst>
               <a:ext uri="{FF2B5EF4-FFF2-40B4-BE49-F238E27FC236}">
-                <a16:creationId xmlns:a16="http://schemas.microsoft.com/office/drawing/2014/main" id="{C111DA31-D09F-8393-520F-73770EA179FA}"/>
+                <a16:creationId xmlns:a16="http://schemas.microsoft.com/office/drawing/2014/main" xmlns="" id="{C111DA31-D09F-8393-520F-73770EA179FA}"/>
               </a:ext>
               <a:ext uri="{C183D7F6-B498-43B3-948B-1728B52AA6E4}">
-                <adec:decorative xmlns:adec="http://schemas.microsoft.com/office/drawing/2017/decorative" val="1"/>
+                <adec:decorative xmlns:adec="http://schemas.microsoft.com/office/drawing/2017/decorative" xmlns="" val="1"/>
               </a:ext>
             </a:extLst>
           </p:cNvPr>
@@ -29779,7 +29858,7 @@
           <p:nvPr>
             <p:extLst>
               <p:ext uri="{386F3935-93C4-4BCD-93E2-E3B085C9AB24}">
-                <p16:designElem xmlns:p16="http://schemas.microsoft.com/office/powerpoint/2015/main" val="1"/>
+                <p16:designElem xmlns:p16="http://schemas.microsoft.com/office/powerpoint/2015/main" xmlns="" val="1"/>
               </p:ext>
             </p:extLst>
           </p:nvPr>
@@ -29833,7 +29912,7 @@
           <p:cNvPr id="2" name="Picture 1">
             <a:extLst>
               <a:ext uri="{FF2B5EF4-FFF2-40B4-BE49-F238E27FC236}">
-                <a16:creationId xmlns:a16="http://schemas.microsoft.com/office/drawing/2014/main" id="{B0D09405-DF54-A9DA-B577-B5C163B12EEA}"/>
+                <a16:creationId xmlns:a16="http://schemas.microsoft.com/office/drawing/2014/main" xmlns="" id="{B0D09405-DF54-A9DA-B577-B5C163B12EEA}"/>
               </a:ext>
             </a:extLst>
           </p:cNvPr>
@@ -29862,7 +29941,7 @@
           <p:cNvPr id="3" name="TextBox 2">
             <a:extLst>
               <a:ext uri="{FF2B5EF4-FFF2-40B4-BE49-F238E27FC236}">
-                <a16:creationId xmlns:a16="http://schemas.microsoft.com/office/drawing/2014/main" id="{A07A71D1-DF9D-B94A-43FB-DF518BF0E32E}"/>
+                <a16:creationId xmlns:a16="http://schemas.microsoft.com/office/drawing/2014/main" xmlns="" id="{A07A71D1-DF9D-B94A-43FB-DF518BF0E32E}"/>
               </a:ext>
             </a:extLst>
           </p:cNvPr>
@@ -29924,7 +30003,7 @@
         <p:cNvPr id="1" name="">
           <a:extLst>
             <a:ext uri="{FF2B5EF4-FFF2-40B4-BE49-F238E27FC236}">
-              <a16:creationId xmlns:a16="http://schemas.microsoft.com/office/drawing/2014/main" id="{8C10D4AF-D2B4-5A43-3193-64BE0EC66DAF}"/>
+              <a16:creationId xmlns:a16="http://schemas.microsoft.com/office/drawing/2014/main" xmlns="" id="{8C10D4AF-D2B4-5A43-3193-64BE0EC66DAF}"/>
             </a:ext>
           </a:extLst>
         </p:cNvPr>
@@ -29944,10 +30023,10 @@
           <p:cNvPr id="27" name="Rectangle 26">
             <a:extLst>
               <a:ext uri="{FF2B5EF4-FFF2-40B4-BE49-F238E27FC236}">
-                <a16:creationId xmlns:a16="http://schemas.microsoft.com/office/drawing/2014/main" id="{3876AB3A-66F7-DD52-0EFD-1441D7B21AA1}"/>
+                <a16:creationId xmlns:a16="http://schemas.microsoft.com/office/drawing/2014/main" xmlns="" id="{3876AB3A-66F7-DD52-0EFD-1441D7B21AA1}"/>
               </a:ext>
               <a:ext uri="{C183D7F6-B498-43B3-948B-1728B52AA6E4}">
-                <adec:decorative xmlns:adec="http://schemas.microsoft.com/office/drawing/2017/decorative" val="1"/>
+                <adec:decorative xmlns:adec="http://schemas.microsoft.com/office/drawing/2017/decorative" xmlns="" val="1"/>
               </a:ext>
             </a:extLst>
           </p:cNvPr>
@@ -29957,7 +30036,7 @@
           <p:nvPr>
             <p:extLst>
               <p:ext uri="{386F3935-93C4-4BCD-93E2-E3B085C9AB24}">
-                <p16:designElem xmlns:p16="http://schemas.microsoft.com/office/powerpoint/2015/main" val="1"/>
+                <p16:designElem xmlns:p16="http://schemas.microsoft.com/office/powerpoint/2015/main" xmlns="" val="1"/>
               </p:ext>
             </p:extLst>
           </p:nvPr>
@@ -30007,10 +30086,10 @@
           <p:cNvPr id="4" name="Rectangle 3">
             <a:extLst>
               <a:ext uri="{FF2B5EF4-FFF2-40B4-BE49-F238E27FC236}">
-                <a16:creationId xmlns:a16="http://schemas.microsoft.com/office/drawing/2014/main" id="{BA072E84-FD9C-903F-254B-786D2344CE93}"/>
+                <a16:creationId xmlns:a16="http://schemas.microsoft.com/office/drawing/2014/main" xmlns="" id="{BA072E84-FD9C-903F-254B-786D2344CE93}"/>
               </a:ext>
               <a:ext uri="{C183D7F6-B498-43B3-948B-1728B52AA6E4}">
-                <adec:decorative xmlns:adec="http://schemas.microsoft.com/office/drawing/2017/decorative" val="1"/>
+                <adec:decorative xmlns:adec="http://schemas.microsoft.com/office/drawing/2017/decorative" xmlns="" val="1"/>
               </a:ext>
             </a:extLst>
           </p:cNvPr>
@@ -30018,7 +30097,7 @@
           <p:nvPr>
             <p:extLst>
               <p:ext uri="{386F3935-93C4-4BCD-93E2-E3B085C9AB24}">
-                <p16:designElem xmlns:p16="http://schemas.microsoft.com/office/powerpoint/2015/main" val="1"/>
+                <p16:designElem xmlns:p16="http://schemas.microsoft.com/office/powerpoint/2015/main" xmlns="" val="1"/>
               </p:ext>
             </p:extLst>
           </p:nvPr>
@@ -30065,10 +30144,10 @@
           <p:cNvPr id="29" name="Group 28">
             <a:extLst>
               <a:ext uri="{FF2B5EF4-FFF2-40B4-BE49-F238E27FC236}">
-                <a16:creationId xmlns:a16="http://schemas.microsoft.com/office/drawing/2014/main" id="{2BC39B7A-F362-2A32-AE7A-8E22BA70B802}"/>
+                <a16:creationId xmlns:a16="http://schemas.microsoft.com/office/drawing/2014/main" xmlns="" id="{2BC39B7A-F362-2A32-AE7A-8E22BA70B802}"/>
               </a:ext>
               <a:ext uri="{C183D7F6-B498-43B3-948B-1728B52AA6E4}">
-                <adec:decorative xmlns:adec="http://schemas.microsoft.com/office/drawing/2017/decorative" val="1"/>
+                <adec:decorative xmlns:adec="http://schemas.microsoft.com/office/drawing/2017/decorative" xmlns="" val="1"/>
               </a:ext>
             </a:extLst>
           </p:cNvPr>
@@ -30078,7 +30157,7 @@
           <p:nvPr>
             <p:extLst>
               <p:ext uri="{386F3935-93C4-4BCD-93E2-E3B085C9AB24}">
-                <p16:designElem xmlns:p16="http://schemas.microsoft.com/office/powerpoint/2015/main" val="1"/>
+                <p16:designElem xmlns:p16="http://schemas.microsoft.com/office/powerpoint/2015/main" xmlns="" val="1"/>
               </p:ext>
             </p:extLst>
           </p:nvPr>
@@ -30096,10 +30175,10 @@
             <p:cNvPr id="30" name="Freeform: Shape 29">
               <a:extLst>
                 <a:ext uri="{FF2B5EF4-FFF2-40B4-BE49-F238E27FC236}">
-                  <a16:creationId xmlns:a16="http://schemas.microsoft.com/office/drawing/2014/main" id="{217EBE0F-0125-9C1A-A341-8FB323A34866}"/>
+                  <a16:creationId xmlns:a16="http://schemas.microsoft.com/office/drawing/2014/main" xmlns="" id="{217EBE0F-0125-9C1A-A341-8FB323A34866}"/>
                 </a:ext>
                 <a:ext uri="{C183D7F6-B498-43B3-948B-1728B52AA6E4}">
-                  <adec:decorative xmlns:adec="http://schemas.microsoft.com/office/drawing/2017/decorative" val="1"/>
+                  <adec:decorative xmlns:adec="http://schemas.microsoft.com/office/drawing/2017/decorative" xmlns="" val="1"/>
                 </a:ext>
               </a:extLst>
             </p:cNvPr>
@@ -30107,7 +30186,7 @@
             <p:nvPr>
               <p:extLst>
                 <p:ext uri="{386F3935-93C4-4BCD-93E2-E3B085C9AB24}">
-                  <p16:designElem xmlns:p16="http://schemas.microsoft.com/office/powerpoint/2015/main" val="1"/>
+                  <p16:designElem xmlns:p16="http://schemas.microsoft.com/office/powerpoint/2015/main" xmlns="" val="1"/>
                 </p:ext>
               </p:extLst>
             </p:nvPr>
@@ -30210,10 +30289,10 @@
             <p:cNvPr id="31" name="Rectangle 30">
               <a:extLst>
                 <a:ext uri="{FF2B5EF4-FFF2-40B4-BE49-F238E27FC236}">
-                  <a16:creationId xmlns:a16="http://schemas.microsoft.com/office/drawing/2014/main" id="{494A396C-C4D8-3A39-535F-8E8B176C30EF}"/>
+                  <a16:creationId xmlns:a16="http://schemas.microsoft.com/office/drawing/2014/main" xmlns="" id="{494A396C-C4D8-3A39-535F-8E8B176C30EF}"/>
                 </a:ext>
                 <a:ext uri="{C183D7F6-B498-43B3-948B-1728B52AA6E4}">
-                  <adec:decorative xmlns:adec="http://schemas.microsoft.com/office/drawing/2017/decorative" val="1"/>
+                  <adec:decorative xmlns:adec="http://schemas.microsoft.com/office/drawing/2017/decorative" xmlns="" val="1"/>
                 </a:ext>
               </a:extLst>
             </p:cNvPr>
@@ -30221,7 +30300,7 @@
             <p:nvPr>
               <p:extLst>
                 <p:ext uri="{386F3935-93C4-4BCD-93E2-E3B085C9AB24}">
-                  <p16:designElem xmlns:p16="http://schemas.microsoft.com/office/powerpoint/2015/main" val="1"/>
+                  <p16:designElem xmlns:p16="http://schemas.microsoft.com/office/powerpoint/2015/main" xmlns="" val="1"/>
                 </p:ext>
               </p:extLst>
             </p:nvPr>
@@ -30274,10 +30353,10 @@
           <p:cNvPr id="33" name="Rectangle 32">
             <a:extLst>
               <a:ext uri="{FF2B5EF4-FFF2-40B4-BE49-F238E27FC236}">
-                <a16:creationId xmlns:a16="http://schemas.microsoft.com/office/drawing/2014/main" id="{C7079BC6-D1A9-77C1-1DFF-7458C9145A54}"/>
+                <a16:creationId xmlns:a16="http://schemas.microsoft.com/office/drawing/2014/main" xmlns="" id="{C7079BC6-D1A9-77C1-1DFF-7458C9145A54}"/>
               </a:ext>
               <a:ext uri="{C183D7F6-B498-43B3-948B-1728B52AA6E4}">
-                <adec:decorative xmlns:adec="http://schemas.microsoft.com/office/drawing/2017/decorative" val="1"/>
+                <adec:decorative xmlns:adec="http://schemas.microsoft.com/office/drawing/2017/decorative" xmlns="" val="1"/>
               </a:ext>
             </a:extLst>
           </p:cNvPr>
@@ -30287,7 +30366,7 @@
           <p:nvPr>
             <p:extLst>
               <p:ext uri="{386F3935-93C4-4BCD-93E2-E3B085C9AB24}">
-                <p16:designElem xmlns:p16="http://schemas.microsoft.com/office/powerpoint/2015/main" val="1"/>
+                <p16:designElem xmlns:p16="http://schemas.microsoft.com/office/powerpoint/2015/main" xmlns="" val="1"/>
               </p:ext>
             </p:extLst>
           </p:nvPr>
@@ -30339,10 +30418,10 @@
           <p:cNvPr id="35" name="Isosceles Triangle 34">
             <a:extLst>
               <a:ext uri="{FF2B5EF4-FFF2-40B4-BE49-F238E27FC236}">
-                <a16:creationId xmlns:a16="http://schemas.microsoft.com/office/drawing/2014/main" id="{86E863FB-6F14-C999-2015-4803D694F098}"/>
+                <a16:creationId xmlns:a16="http://schemas.microsoft.com/office/drawing/2014/main" xmlns="" id="{86E863FB-6F14-C999-2015-4803D694F098}"/>
               </a:ext>
               <a:ext uri="{C183D7F6-B498-43B3-948B-1728B52AA6E4}">
-                <adec:decorative xmlns:adec="http://schemas.microsoft.com/office/drawing/2017/decorative" val="1"/>
+                <adec:decorative xmlns:adec="http://schemas.microsoft.com/office/drawing/2017/decorative" xmlns="" val="1"/>
               </a:ext>
             </a:extLst>
           </p:cNvPr>
@@ -30352,7 +30431,7 @@
           <p:nvPr>
             <p:extLst>
               <p:ext uri="{386F3935-93C4-4BCD-93E2-E3B085C9AB24}">
-                <p16:designElem xmlns:p16="http://schemas.microsoft.com/office/powerpoint/2015/main" val="1"/>
+                <p16:designElem xmlns:p16="http://schemas.microsoft.com/office/powerpoint/2015/main" xmlns="" val="1"/>
               </p:ext>
             </p:extLst>
           </p:nvPr>
@@ -30406,7 +30485,7 @@
           <p:cNvPr id="5" name="TextBox 4">
             <a:extLst>
               <a:ext uri="{FF2B5EF4-FFF2-40B4-BE49-F238E27FC236}">
-                <a16:creationId xmlns:a16="http://schemas.microsoft.com/office/drawing/2014/main" id="{01ACD746-3C8B-368F-61C6-296C97DF35E5}"/>
+                <a16:creationId xmlns:a16="http://schemas.microsoft.com/office/drawing/2014/main" xmlns="" id="{01ACD746-3C8B-368F-61C6-296C97DF35E5}"/>
               </a:ext>
             </a:extLst>
           </p:cNvPr>
@@ -30444,7 +30523,7 @@
           <p:cNvPr id="6" name="Picture 5" descr="A graph of scatter plot&#10;&#10;Description automatically generated">
             <a:extLst>
               <a:ext uri="{FF2B5EF4-FFF2-40B4-BE49-F238E27FC236}">
-                <a16:creationId xmlns:a16="http://schemas.microsoft.com/office/drawing/2014/main" id="{CD3A66E3-6703-FB43-50A9-2272F442AD79}"/>
+                <a16:creationId xmlns:a16="http://schemas.microsoft.com/office/drawing/2014/main" xmlns="" id="{CD3A66E3-6703-FB43-50A9-2272F442AD79}"/>
               </a:ext>
             </a:extLst>
           </p:cNvPr>
@@ -30473,7 +30552,7 @@
           <p:cNvPr id="7" name="Picture 6">
             <a:extLst>
               <a:ext uri="{FF2B5EF4-FFF2-40B4-BE49-F238E27FC236}">
-                <a16:creationId xmlns:a16="http://schemas.microsoft.com/office/drawing/2014/main" id="{04D5EFC4-2CCC-C0CC-8969-BFF26379F320}"/>
+                <a16:creationId xmlns:a16="http://schemas.microsoft.com/office/drawing/2014/main" xmlns="" id="{04D5EFC4-2CCC-C0CC-8969-BFF26379F320}"/>
               </a:ext>
             </a:extLst>
           </p:cNvPr>
@@ -30503,7 +30582,7 @@
           <p:cNvPr id="8" name="Picture 7">
             <a:extLst>
               <a:ext uri="{FF2B5EF4-FFF2-40B4-BE49-F238E27FC236}">
-                <a16:creationId xmlns:a16="http://schemas.microsoft.com/office/drawing/2014/main" id="{1FAE35A6-5D7F-2BB8-EEB9-5E877F29EE0F}"/>
+                <a16:creationId xmlns:a16="http://schemas.microsoft.com/office/drawing/2014/main" xmlns="" id="{1FAE35A6-5D7F-2BB8-EEB9-5E877F29EE0F}"/>
               </a:ext>
             </a:extLst>
           </p:cNvPr>
@@ -30658,7 +30737,7 @@
         <p:cNvPr id="1" name="">
           <a:extLst>
             <a:ext uri="{FF2B5EF4-FFF2-40B4-BE49-F238E27FC236}">
-              <a16:creationId xmlns:a16="http://schemas.microsoft.com/office/drawing/2014/main" id="{597FC33D-E98D-55D5-AB02-9FAE4EED86D1}"/>
+              <a16:creationId xmlns:a16="http://schemas.microsoft.com/office/drawing/2014/main" xmlns="" id="{597FC33D-E98D-55D5-AB02-9FAE4EED86D1}"/>
             </a:ext>
           </a:extLst>
         </p:cNvPr>
@@ -30678,10 +30757,10 @@
           <p:cNvPr id="27" name="Rectangle 26">
             <a:extLst>
               <a:ext uri="{FF2B5EF4-FFF2-40B4-BE49-F238E27FC236}">
-                <a16:creationId xmlns:a16="http://schemas.microsoft.com/office/drawing/2014/main" id="{D46594EA-21FE-36D8-A04C-1207E04E2DE2}"/>
+                <a16:creationId xmlns:a16="http://schemas.microsoft.com/office/drawing/2014/main" xmlns="" id="{D46594EA-21FE-36D8-A04C-1207E04E2DE2}"/>
               </a:ext>
               <a:ext uri="{C183D7F6-B498-43B3-948B-1728B52AA6E4}">
-                <adec:decorative xmlns:adec="http://schemas.microsoft.com/office/drawing/2017/decorative" val="1"/>
+                <adec:decorative xmlns:adec="http://schemas.microsoft.com/office/drawing/2017/decorative" xmlns="" val="1"/>
               </a:ext>
             </a:extLst>
           </p:cNvPr>
@@ -30691,7 +30770,7 @@
           <p:nvPr>
             <p:extLst>
               <p:ext uri="{386F3935-93C4-4BCD-93E2-E3B085C9AB24}">
-                <p16:designElem xmlns:p16="http://schemas.microsoft.com/office/powerpoint/2015/main" val="1"/>
+                <p16:designElem xmlns:p16="http://schemas.microsoft.com/office/powerpoint/2015/main" xmlns="" val="1"/>
               </p:ext>
             </p:extLst>
           </p:nvPr>
@@ -30741,10 +30820,10 @@
           <p:cNvPr id="29" name="Group 28">
             <a:extLst>
               <a:ext uri="{FF2B5EF4-FFF2-40B4-BE49-F238E27FC236}">
-                <a16:creationId xmlns:a16="http://schemas.microsoft.com/office/drawing/2014/main" id="{6F67F534-9A71-ED9B-447B-9627E8562D35}"/>
+                <a16:creationId xmlns:a16="http://schemas.microsoft.com/office/drawing/2014/main" xmlns="" id="{6F67F534-9A71-ED9B-447B-9627E8562D35}"/>
               </a:ext>
               <a:ext uri="{C183D7F6-B498-43B3-948B-1728B52AA6E4}">
-                <adec:decorative xmlns:adec="http://schemas.microsoft.com/office/drawing/2017/decorative" val="1"/>
+                <adec:decorative xmlns:adec="http://schemas.microsoft.com/office/drawing/2017/decorative" xmlns="" val="1"/>
               </a:ext>
             </a:extLst>
           </p:cNvPr>
@@ -30754,7 +30833,7 @@
           <p:nvPr>
             <p:extLst>
               <p:ext uri="{386F3935-93C4-4BCD-93E2-E3B085C9AB24}">
-                <p16:designElem xmlns:p16="http://schemas.microsoft.com/office/powerpoint/2015/main" val="1"/>
+                <p16:designElem xmlns:p16="http://schemas.microsoft.com/office/powerpoint/2015/main" xmlns="" val="1"/>
               </p:ext>
             </p:extLst>
           </p:nvPr>
@@ -30772,10 +30851,10 @@
             <p:cNvPr id="30" name="Freeform: Shape 29">
               <a:extLst>
                 <a:ext uri="{FF2B5EF4-FFF2-40B4-BE49-F238E27FC236}">
-                  <a16:creationId xmlns:a16="http://schemas.microsoft.com/office/drawing/2014/main" id="{30D5B909-9292-92EB-9974-DD4339EC94B6}"/>
+                  <a16:creationId xmlns:a16="http://schemas.microsoft.com/office/drawing/2014/main" xmlns="" id="{30D5B909-9292-92EB-9974-DD4339EC94B6}"/>
                 </a:ext>
                 <a:ext uri="{C183D7F6-B498-43B3-948B-1728B52AA6E4}">
-                  <adec:decorative xmlns:adec="http://schemas.microsoft.com/office/drawing/2017/decorative" val="1"/>
+                  <adec:decorative xmlns:adec="http://schemas.microsoft.com/office/drawing/2017/decorative" xmlns="" val="1"/>
                 </a:ext>
               </a:extLst>
             </p:cNvPr>
@@ -30783,7 +30862,7 @@
             <p:nvPr>
               <p:extLst>
                 <p:ext uri="{386F3935-93C4-4BCD-93E2-E3B085C9AB24}">
-                  <p16:designElem xmlns:p16="http://schemas.microsoft.com/office/powerpoint/2015/main" val="1"/>
+                  <p16:designElem xmlns:p16="http://schemas.microsoft.com/office/powerpoint/2015/main" xmlns="" val="1"/>
                 </p:ext>
               </p:extLst>
             </p:nvPr>
@@ -30886,10 +30965,10 @@
             <p:cNvPr id="31" name="Rectangle 30">
               <a:extLst>
                 <a:ext uri="{FF2B5EF4-FFF2-40B4-BE49-F238E27FC236}">
-                  <a16:creationId xmlns:a16="http://schemas.microsoft.com/office/drawing/2014/main" id="{DC60AA1F-EF17-F70B-4F63-5A67139206DA}"/>
+                  <a16:creationId xmlns:a16="http://schemas.microsoft.com/office/drawing/2014/main" xmlns="" id="{DC60AA1F-EF17-F70B-4F63-5A67139206DA}"/>
                 </a:ext>
                 <a:ext uri="{C183D7F6-B498-43B3-948B-1728B52AA6E4}">
-                  <adec:decorative xmlns:adec="http://schemas.microsoft.com/office/drawing/2017/decorative" val="1"/>
+                  <adec:decorative xmlns:adec="http://schemas.microsoft.com/office/drawing/2017/decorative" xmlns="" val="1"/>
                 </a:ext>
               </a:extLst>
             </p:cNvPr>
@@ -30897,7 +30976,7 @@
             <p:nvPr>
               <p:extLst>
                 <p:ext uri="{386F3935-93C4-4BCD-93E2-E3B085C9AB24}">
-                  <p16:designElem xmlns:p16="http://schemas.microsoft.com/office/powerpoint/2015/main" val="1"/>
+                  <p16:designElem xmlns:p16="http://schemas.microsoft.com/office/powerpoint/2015/main" xmlns="" val="1"/>
                 </p:ext>
               </p:extLst>
             </p:nvPr>
@@ -30950,10 +31029,10 @@
           <p:cNvPr id="33" name="Rectangle 32">
             <a:extLst>
               <a:ext uri="{FF2B5EF4-FFF2-40B4-BE49-F238E27FC236}">
-                <a16:creationId xmlns:a16="http://schemas.microsoft.com/office/drawing/2014/main" id="{5FE2B063-6A29-B80D-B7A6-8895160E797A}"/>
+                <a16:creationId xmlns:a16="http://schemas.microsoft.com/office/drawing/2014/main" xmlns="" id="{5FE2B063-6A29-B80D-B7A6-8895160E797A}"/>
               </a:ext>
               <a:ext uri="{C183D7F6-B498-43B3-948B-1728B52AA6E4}">
-                <adec:decorative xmlns:adec="http://schemas.microsoft.com/office/drawing/2017/decorative" val="1"/>
+                <adec:decorative xmlns:adec="http://schemas.microsoft.com/office/drawing/2017/decorative" xmlns="" val="1"/>
               </a:ext>
             </a:extLst>
           </p:cNvPr>
@@ -30963,7 +31042,7 @@
           <p:nvPr>
             <p:extLst>
               <p:ext uri="{386F3935-93C4-4BCD-93E2-E3B085C9AB24}">
-                <p16:designElem xmlns:p16="http://schemas.microsoft.com/office/powerpoint/2015/main" val="1"/>
+                <p16:designElem xmlns:p16="http://schemas.microsoft.com/office/powerpoint/2015/main" xmlns="" val="1"/>
               </p:ext>
             </p:extLst>
           </p:nvPr>
@@ -31015,10 +31094,10 @@
           <p:cNvPr id="35" name="Isosceles Triangle 34">
             <a:extLst>
               <a:ext uri="{FF2B5EF4-FFF2-40B4-BE49-F238E27FC236}">
-                <a16:creationId xmlns:a16="http://schemas.microsoft.com/office/drawing/2014/main" id="{C00D0292-EFE4-7B80-97BB-AB0F53A5E100}"/>
+                <a16:creationId xmlns:a16="http://schemas.microsoft.com/office/drawing/2014/main" xmlns="" id="{C00D0292-EFE4-7B80-97BB-AB0F53A5E100}"/>
               </a:ext>
               <a:ext uri="{C183D7F6-B498-43B3-948B-1728B52AA6E4}">
-                <adec:decorative xmlns:adec="http://schemas.microsoft.com/office/drawing/2017/decorative" val="1"/>
+                <adec:decorative xmlns:adec="http://schemas.microsoft.com/office/drawing/2017/decorative" xmlns="" val="1"/>
               </a:ext>
             </a:extLst>
           </p:cNvPr>
@@ -31028,7 +31107,7 @@
           <p:nvPr>
             <p:extLst>
               <p:ext uri="{386F3935-93C4-4BCD-93E2-E3B085C9AB24}">
-                <p16:designElem xmlns:p16="http://schemas.microsoft.com/office/powerpoint/2015/main" val="1"/>
+                <p16:designElem xmlns:p16="http://schemas.microsoft.com/office/powerpoint/2015/main" xmlns="" val="1"/>
               </p:ext>
             </p:extLst>
           </p:nvPr>
@@ -31082,7 +31161,7 @@
           <p:cNvPr id="6" name="TextBox 5">
             <a:extLst>
               <a:ext uri="{FF2B5EF4-FFF2-40B4-BE49-F238E27FC236}">
-                <a16:creationId xmlns:a16="http://schemas.microsoft.com/office/drawing/2014/main" id="{6E31DBBA-A1DB-2D00-DDE4-901707E77C32}"/>
+                <a16:creationId xmlns:a16="http://schemas.microsoft.com/office/drawing/2014/main" xmlns="" id="{6E31DBBA-A1DB-2D00-DDE4-901707E77C32}"/>
               </a:ext>
             </a:extLst>
           </p:cNvPr>
@@ -31120,7 +31199,7 @@
           <p:cNvPr id="10" name="Picture 9" descr="A graph of scatter plot of bmi&#10;&#10;Description automatically generated">
             <a:extLst>
               <a:ext uri="{FF2B5EF4-FFF2-40B4-BE49-F238E27FC236}">
-                <a16:creationId xmlns:a16="http://schemas.microsoft.com/office/drawing/2014/main" id="{4319DEA3-B033-C3A6-3E85-E2B56BE19F3F}"/>
+                <a16:creationId xmlns:a16="http://schemas.microsoft.com/office/drawing/2014/main" xmlns="" id="{4319DEA3-B033-C3A6-3E85-E2B56BE19F3F}"/>
               </a:ext>
             </a:extLst>
           </p:cNvPr>
@@ -31150,7 +31229,7 @@
           <p:cNvPr id="7" name="Picture 6">
             <a:extLst>
               <a:ext uri="{FF2B5EF4-FFF2-40B4-BE49-F238E27FC236}">
-                <a16:creationId xmlns:a16="http://schemas.microsoft.com/office/drawing/2014/main" id="{4CA476C1-CECB-3FC6-C0E3-95E4F66B6970}"/>
+                <a16:creationId xmlns:a16="http://schemas.microsoft.com/office/drawing/2014/main" xmlns="" id="{4CA476C1-CECB-3FC6-C0E3-95E4F66B6970}"/>
               </a:ext>
             </a:extLst>
           </p:cNvPr>
@@ -31486,7 +31565,7 @@
   <a:extraClrSchemeLst/>
   <a:extLst>
     <a:ext uri="{05A4C25C-085E-4340-85A3-A5531E510DB2}">
-      <thm15:themeFamily xmlns:thm15="http://schemas.microsoft.com/office/thememl/2012/main" name="Office Theme" id="{62F939B6-93AF-4DB8-9C6B-D6C7DFDC589F}" vid="{4A3C46E8-61CC-4603-A589-7422A47A8E4A}"/>
+      <thm15:themeFamily xmlns:thm15="http://schemas.microsoft.com/office/thememl/2012/main" xmlns="" name="Office Theme" id="{62F939B6-93AF-4DB8-9C6B-D6C7DFDC589F}" vid="{4A3C46E8-61CC-4603-A589-7422A47A8E4A}"/>
     </a:ext>
   </a:extLst>
 </a:theme>
@@ -31781,7 +31860,7 @@
   <a:extraClrSchemeLst/>
   <a:extLst>
     <a:ext uri="{05A4C25C-085E-4340-85A3-A5531E510DB2}">
-      <thm15:themeFamily xmlns:thm15="http://schemas.microsoft.com/office/thememl/2012/main" name="Office Theme" id="{62F939B6-93AF-4DB8-9C6B-D6C7DFDC589F}" vid="{4A3C46E8-61CC-4603-A589-7422A47A8E4A}"/>
+      <thm15:themeFamily xmlns:thm15="http://schemas.microsoft.com/office/thememl/2012/main" xmlns="" name="Office Theme" id="{62F939B6-93AF-4DB8-9C6B-D6C7DFDC589F}" vid="{4A3C46E8-61CC-4603-A589-7422A47A8E4A}"/>
     </a:ext>
   </a:extLst>
 </a:theme>
@@ -32076,7 +32155,7 @@
   <a:extraClrSchemeLst/>
   <a:extLst>
     <a:ext uri="{05A4C25C-085E-4340-85A3-A5531E510DB2}">
-      <thm15:themeFamily xmlns:thm15="http://schemas.microsoft.com/office/thememl/2012/main" name="Office Theme" id="{62F939B6-93AF-4DB8-9C6B-D6C7DFDC589F}" vid="{4A3C46E8-61CC-4603-A589-7422A47A8E4A}"/>
+      <thm15:themeFamily xmlns:thm15="http://schemas.microsoft.com/office/thememl/2012/main" xmlns="" name="Office Theme" id="{62F939B6-93AF-4DB8-9C6B-D6C7DFDC589F}" vid="{4A3C46E8-61CC-4603-A589-7422A47A8E4A}"/>
     </a:ext>
   </a:extLst>
 </a:theme>
@@ -32103,12 +32182,12 @@
 </file>
 
 <file path=customXml/item1.xml><?xml version="1.0" encoding="utf-8"?>
-<?mso-contentType ?>
-<FormTemplates xmlns="http://schemas.microsoft.com/sharepoint/v3/contenttype/forms">
-  <Display>DocumentLibraryForm</Display>
-  <Edit>DocumentLibraryForm</Edit>
-  <New>DocumentLibraryForm</New>
-</FormTemplates>
+<p:properties xmlns:p="http://schemas.microsoft.com/office/2006/metadata/properties" xmlns:xsi="http://www.w3.org/2001/XMLSchema-instance" xmlns:pc="http://schemas.microsoft.com/office/infopath/2007/PartnerControls">
+  <documentManagement>
+    <Status xmlns="71af3243-3dd4-4a8d-8c0d-dd76da1f02a5">Not started</Status>
+    <MediaServiceKeyPoints xmlns="71af3243-3dd4-4a8d-8c0d-dd76da1f02a5" xsi:nil="true"/>
+  </documentManagement>
+</p:properties>
 </file>
 
 <file path=customXml/item2.xml><?xml version="1.0" encoding="utf-8"?>
@@ -32333,18 +32412,20 @@
 </file>
 
 <file path=customXml/item3.xml><?xml version="1.0" encoding="utf-8"?>
-<p:properties xmlns:p="http://schemas.microsoft.com/office/2006/metadata/properties" xmlns:xsi="http://www.w3.org/2001/XMLSchema-instance" xmlns:pc="http://schemas.microsoft.com/office/infopath/2007/PartnerControls">
-  <documentManagement>
-    <Status xmlns="71af3243-3dd4-4a8d-8c0d-dd76da1f02a5">Not started</Status>
-    <MediaServiceKeyPoints xmlns="71af3243-3dd4-4a8d-8c0d-dd76da1f02a5" xsi:nil="true"/>
-  </documentManagement>
-</p:properties>
+<?mso-contentType ?>
+<FormTemplates xmlns="http://schemas.microsoft.com/sharepoint/v3/contenttype/forms">
+  <Display>DocumentLibraryForm</Display>
+  <Edit>DocumentLibraryForm</Edit>
+  <New>DocumentLibraryForm</New>
+</FormTemplates>
 </file>
 
 <file path=customXml/itemProps1.xml><?xml version="1.0" encoding="utf-8"?>
-<ds:datastoreItem xmlns:ds="http://schemas.openxmlformats.org/officeDocument/2006/customXml" ds:itemID="{D9EAC644-7B36-4B02-AE6A-271637DE6193}">
+<ds:datastoreItem xmlns:ds="http://schemas.openxmlformats.org/officeDocument/2006/customXml" ds:itemID="{581AEECB-7CBF-41B6-B304-895A4D5BDF0F}">
   <ds:schemaRefs>
-    <ds:schemaRef ds:uri="http://schemas.microsoft.com/sharepoint/v3/contenttype/forms"/>
+    <ds:schemaRef ds:uri="http://schemas.microsoft.com/office/2006/metadata/properties"/>
+    <ds:schemaRef ds:uri="http://schemas.microsoft.com/office/infopath/2007/PartnerControls"/>
+    <ds:schemaRef ds:uri="71af3243-3dd4-4a8d-8c0d-dd76da1f02a5"/>
   </ds:schemaRefs>
 </ds:datastoreItem>
 </file>
@@ -32369,11 +32450,9 @@
 </file>
 
 <file path=customXml/itemProps3.xml><?xml version="1.0" encoding="utf-8"?>
-<ds:datastoreItem xmlns:ds="http://schemas.openxmlformats.org/officeDocument/2006/customXml" ds:itemID="{581AEECB-7CBF-41B6-B304-895A4D5BDF0F}">
+<ds:datastoreItem xmlns:ds="http://schemas.openxmlformats.org/officeDocument/2006/customXml" ds:itemID="{D9EAC644-7B36-4B02-AE6A-271637DE6193}">
   <ds:schemaRefs>
-    <ds:schemaRef ds:uri="http://schemas.microsoft.com/office/2006/metadata/properties"/>
-    <ds:schemaRef ds:uri="http://schemas.microsoft.com/office/infopath/2007/PartnerControls"/>
-    <ds:schemaRef ds:uri="71af3243-3dd4-4a8d-8c0d-dd76da1f02a5"/>
+    <ds:schemaRef ds:uri="http://schemas.microsoft.com/sharepoint/v3/contenttype/forms"/>
   </ds:schemaRefs>
 </ds:datastoreItem>
 </file>
--- a/Project4_presentation_final.pptx
+++ b/Project4_presentation_final.pptx
@@ -135,7 +135,7 @@
   </p:defaultTextStyle>
   <p:extLst>
     <p:ext uri="{EFAFB233-063F-42B5-8137-9DF3F51BA10A}">
-      <p15:sldGuideLst xmlns:p15="http://schemas.microsoft.com/office/powerpoint/2012/main" xmlns="">
+      <p15:sldGuideLst xmlns:p15="http://schemas.microsoft.com/office/powerpoint/2012/main">
         <p15:guide id="1" orient="horz" pos="2088" userDrawn="1">
           <p15:clr>
             <a:srgbClr val="A4A3A4"/>
@@ -159,7 +159,7 @@
       </p15:sldGuideLst>
     </p:ext>
     <p:ext uri="{2D200454-40CA-4A62-9FC3-DE9A4176ACB9}">
-      <p15:notesGuideLst xmlns:p15="http://schemas.microsoft.com/office/powerpoint/2012/main" xmlns=""/>
+      <p15:notesGuideLst xmlns:p15="http://schemas.microsoft.com/office/powerpoint/2012/main"/>
     </p:ext>
   </p:extLst>
 </p:presentation>
@@ -200,7 +200,7 @@
           <p:cNvPr id="2" name="Header Placeholder 1">
             <a:extLst>
               <a:ext uri="{FF2B5EF4-FFF2-40B4-BE49-F238E27FC236}">
-                <a16:creationId xmlns:a16="http://schemas.microsoft.com/office/drawing/2014/main" xmlns="" id="{57B51015-12CA-4649-B47F-D3EB5E109599}"/>
+                <a16:creationId xmlns:a16="http://schemas.microsoft.com/office/drawing/2014/main" id="{57B51015-12CA-4649-B47F-D3EB5E109599}"/>
               </a:ext>
             </a:extLst>
           </p:cNvPr>
@@ -237,7 +237,7 @@
           <p:cNvPr id="3" name="Date Placeholder 2">
             <a:extLst>
               <a:ext uri="{FF2B5EF4-FFF2-40B4-BE49-F238E27FC236}">
-                <a16:creationId xmlns:a16="http://schemas.microsoft.com/office/drawing/2014/main" xmlns="" id="{72111F2F-D8BA-4A13-91FC-3878C75727F0}"/>
+                <a16:creationId xmlns:a16="http://schemas.microsoft.com/office/drawing/2014/main" id="{72111F2F-D8BA-4A13-91FC-3878C75727F0}"/>
               </a:ext>
             </a:extLst>
           </p:cNvPr>
@@ -267,7 +267,7 @@
           <a:p>
             <a:fld id="{BE668B7C-E4CD-4872-B084-44133F808FCE}" type="datetimeFigureOut">
               <a:rPr lang="en-US" smtClean="0"/>
-              <a:t>1/24/2024</a:t>
+              <a:t>1/24/24</a:t>
             </a:fld>
             <a:endParaRPr lang="en-US" dirty="0"/>
           </a:p>
@@ -278,7 +278,7 @@
           <p:cNvPr id="4" name="Footer Placeholder 3">
             <a:extLst>
               <a:ext uri="{FF2B5EF4-FFF2-40B4-BE49-F238E27FC236}">
-                <a16:creationId xmlns:a16="http://schemas.microsoft.com/office/drawing/2014/main" xmlns="" id="{F38FD67D-A60A-4914-89F3-9FC43EF54702}"/>
+                <a16:creationId xmlns:a16="http://schemas.microsoft.com/office/drawing/2014/main" id="{F38FD67D-A60A-4914-89F3-9FC43EF54702}"/>
               </a:ext>
             </a:extLst>
           </p:cNvPr>
@@ -315,7 +315,7 @@
           <p:cNvPr id="5" name="Slide Number Placeholder 4">
             <a:extLst>
               <a:ext uri="{FF2B5EF4-FFF2-40B4-BE49-F238E27FC236}">
-                <a16:creationId xmlns:a16="http://schemas.microsoft.com/office/drawing/2014/main" xmlns="" id="{A51642D8-EDCF-4A15-A29F-1B065ECC2E77}"/>
+                <a16:creationId xmlns:a16="http://schemas.microsoft.com/office/drawing/2014/main" id="{A51642D8-EDCF-4A15-A29F-1B065ECC2E77}"/>
               </a:ext>
             </a:extLst>
           </p:cNvPr>
@@ -444,7 +444,7 @@
           <a:p>
             <a:fld id="{6733D5BD-E30B-48AB-B24F-3878C333D518}" type="datetimeFigureOut">
               <a:rPr lang="en-US" smtClean="0"/>
-              <a:t>1/24/2024</a:t>
+              <a:t>1/24/24</a:t>
             </a:fld>
             <a:endParaRPr lang="en-US" dirty="0"/>
           </a:p>
@@ -719,7 +719,7 @@
         <p:cNvPr id="1" name="">
           <a:extLst>
             <a:ext uri="{FF2B5EF4-FFF2-40B4-BE49-F238E27FC236}">
-              <a16:creationId xmlns:a16="http://schemas.microsoft.com/office/drawing/2014/main" xmlns="" id="{7C66F094-0F1D-8D1C-603B-9914C50B7913}"/>
+              <a16:creationId xmlns:a16="http://schemas.microsoft.com/office/drawing/2014/main" id="{7C66F094-0F1D-8D1C-603B-9914C50B7913}"/>
             </a:ext>
           </a:extLst>
         </p:cNvPr>
@@ -739,7 +739,7 @@
           <p:cNvPr id="2" name="Slide Image Placeholder 1">
             <a:extLst>
               <a:ext uri="{FF2B5EF4-FFF2-40B4-BE49-F238E27FC236}">
-                <a16:creationId xmlns:a16="http://schemas.microsoft.com/office/drawing/2014/main" xmlns="" id="{1ED4B40B-6349-296F-F00D-EA895E5DB01C}"/>
+                <a16:creationId xmlns:a16="http://schemas.microsoft.com/office/drawing/2014/main" id="{1ED4B40B-6349-296F-F00D-EA895E5DB01C}"/>
               </a:ext>
             </a:extLst>
           </p:cNvPr>
@@ -757,7 +757,7 @@
           <p:cNvPr id="3" name="Notes Placeholder 2">
             <a:extLst>
               <a:ext uri="{FF2B5EF4-FFF2-40B4-BE49-F238E27FC236}">
-                <a16:creationId xmlns:a16="http://schemas.microsoft.com/office/drawing/2014/main" xmlns="" id="{7E8AC052-B336-E1D9-A9A8-76BC165CCDC1}"/>
+                <a16:creationId xmlns:a16="http://schemas.microsoft.com/office/drawing/2014/main" id="{7E8AC052-B336-E1D9-A9A8-76BC165CCDC1}"/>
               </a:ext>
             </a:extLst>
           </p:cNvPr>
@@ -782,7 +782,7 @@
           <p:cNvPr id="4" name="Slide Number Placeholder 3">
             <a:extLst>
               <a:ext uri="{FF2B5EF4-FFF2-40B4-BE49-F238E27FC236}">
-                <a16:creationId xmlns:a16="http://schemas.microsoft.com/office/drawing/2014/main" xmlns="" id="{649321D6-00C0-54FB-DD94-1F8FC99C7D31}"/>
+                <a16:creationId xmlns:a16="http://schemas.microsoft.com/office/drawing/2014/main" id="{649321D6-00C0-54FB-DD94-1F8FC99C7D31}"/>
               </a:ext>
             </a:extLst>
           </p:cNvPr>
@@ -827,7 +827,7 @@
         <p:cNvPr id="1" name="">
           <a:extLst>
             <a:ext uri="{FF2B5EF4-FFF2-40B4-BE49-F238E27FC236}">
-              <a16:creationId xmlns:a16="http://schemas.microsoft.com/office/drawing/2014/main" xmlns="" id="{22297792-71FF-431E-DC59-7D78E2105884}"/>
+              <a16:creationId xmlns:a16="http://schemas.microsoft.com/office/drawing/2014/main" id="{22297792-71FF-431E-DC59-7D78E2105884}"/>
             </a:ext>
           </a:extLst>
         </p:cNvPr>
@@ -847,7 +847,7 @@
           <p:cNvPr id="2" name="Slide Image Placeholder 1">
             <a:extLst>
               <a:ext uri="{FF2B5EF4-FFF2-40B4-BE49-F238E27FC236}">
-                <a16:creationId xmlns:a16="http://schemas.microsoft.com/office/drawing/2014/main" xmlns="" id="{89D14B59-2DD8-D936-19E1-958A32E93C70}"/>
+                <a16:creationId xmlns:a16="http://schemas.microsoft.com/office/drawing/2014/main" id="{89D14B59-2DD8-D936-19E1-958A32E93C70}"/>
               </a:ext>
             </a:extLst>
           </p:cNvPr>
@@ -865,7 +865,7 @@
           <p:cNvPr id="3" name="Notes Placeholder 2">
             <a:extLst>
               <a:ext uri="{FF2B5EF4-FFF2-40B4-BE49-F238E27FC236}">
-                <a16:creationId xmlns:a16="http://schemas.microsoft.com/office/drawing/2014/main" xmlns="" id="{32EED05D-CE87-401E-F259-1CCB77F05D0D}"/>
+                <a16:creationId xmlns:a16="http://schemas.microsoft.com/office/drawing/2014/main" id="{32EED05D-CE87-401E-F259-1CCB77F05D0D}"/>
               </a:ext>
             </a:extLst>
           </p:cNvPr>
@@ -890,7 +890,7 @@
           <p:cNvPr id="4" name="Slide Number Placeholder 3">
             <a:extLst>
               <a:ext uri="{FF2B5EF4-FFF2-40B4-BE49-F238E27FC236}">
-                <a16:creationId xmlns:a16="http://schemas.microsoft.com/office/drawing/2014/main" xmlns="" id="{B5EBD881-A647-A476-B23A-2A86999F0342}"/>
+                <a16:creationId xmlns:a16="http://schemas.microsoft.com/office/drawing/2014/main" id="{B5EBD881-A647-A476-B23A-2A86999F0342}"/>
               </a:ext>
             </a:extLst>
           </p:cNvPr>
@@ -935,7 +935,7 @@
         <p:cNvPr id="1" name="">
           <a:extLst>
             <a:ext uri="{FF2B5EF4-FFF2-40B4-BE49-F238E27FC236}">
-              <a16:creationId xmlns:a16="http://schemas.microsoft.com/office/drawing/2014/main" xmlns="" id="{3F3EE3A8-7CCE-708A-6E46-AA69321F39EA}"/>
+              <a16:creationId xmlns:a16="http://schemas.microsoft.com/office/drawing/2014/main" id="{3F3EE3A8-7CCE-708A-6E46-AA69321F39EA}"/>
             </a:ext>
           </a:extLst>
         </p:cNvPr>
@@ -955,7 +955,7 @@
           <p:cNvPr id="2" name="Slide Image Placeholder 1">
             <a:extLst>
               <a:ext uri="{FF2B5EF4-FFF2-40B4-BE49-F238E27FC236}">
-                <a16:creationId xmlns:a16="http://schemas.microsoft.com/office/drawing/2014/main" xmlns="" id="{E29EC910-31F6-E9D6-49E8-68D0D726120E}"/>
+                <a16:creationId xmlns:a16="http://schemas.microsoft.com/office/drawing/2014/main" id="{E29EC910-31F6-E9D6-49E8-68D0D726120E}"/>
               </a:ext>
             </a:extLst>
           </p:cNvPr>
@@ -973,7 +973,7 @@
           <p:cNvPr id="3" name="Notes Placeholder 2">
             <a:extLst>
               <a:ext uri="{FF2B5EF4-FFF2-40B4-BE49-F238E27FC236}">
-                <a16:creationId xmlns:a16="http://schemas.microsoft.com/office/drawing/2014/main" xmlns="" id="{4FA7E07D-354E-55CB-BD2C-01FDAF532042}"/>
+                <a16:creationId xmlns:a16="http://schemas.microsoft.com/office/drawing/2014/main" id="{4FA7E07D-354E-55CB-BD2C-01FDAF532042}"/>
               </a:ext>
             </a:extLst>
           </p:cNvPr>
@@ -998,7 +998,7 @@
           <p:cNvPr id="4" name="Slide Number Placeholder 3">
             <a:extLst>
               <a:ext uri="{FF2B5EF4-FFF2-40B4-BE49-F238E27FC236}">
-                <a16:creationId xmlns:a16="http://schemas.microsoft.com/office/drawing/2014/main" xmlns="" id="{3862A2FC-7E98-6E31-2BF0-7CA7E8D9B8DA}"/>
+                <a16:creationId xmlns:a16="http://schemas.microsoft.com/office/drawing/2014/main" id="{3862A2FC-7E98-6E31-2BF0-7CA7E8D9B8DA}"/>
               </a:ext>
             </a:extLst>
           </p:cNvPr>
@@ -1043,7 +1043,7 @@
         <p:cNvPr id="1" name="">
           <a:extLst>
             <a:ext uri="{FF2B5EF4-FFF2-40B4-BE49-F238E27FC236}">
-              <a16:creationId xmlns:a16="http://schemas.microsoft.com/office/drawing/2014/main" xmlns="" id="{AFEBA301-17F6-F62F-6375-75E951C40637}"/>
+              <a16:creationId xmlns:a16="http://schemas.microsoft.com/office/drawing/2014/main" id="{AFEBA301-17F6-F62F-6375-75E951C40637}"/>
             </a:ext>
           </a:extLst>
         </p:cNvPr>
@@ -1063,7 +1063,7 @@
           <p:cNvPr id="2" name="Slide Image Placeholder 1">
             <a:extLst>
               <a:ext uri="{FF2B5EF4-FFF2-40B4-BE49-F238E27FC236}">
-                <a16:creationId xmlns:a16="http://schemas.microsoft.com/office/drawing/2014/main" xmlns="" id="{7F437E10-AA7D-7E50-CD22-021CCBA7D61F}"/>
+                <a16:creationId xmlns:a16="http://schemas.microsoft.com/office/drawing/2014/main" id="{7F437E10-AA7D-7E50-CD22-021CCBA7D61F}"/>
               </a:ext>
             </a:extLst>
           </p:cNvPr>
@@ -1081,7 +1081,7 @@
           <p:cNvPr id="3" name="Notes Placeholder 2">
             <a:extLst>
               <a:ext uri="{FF2B5EF4-FFF2-40B4-BE49-F238E27FC236}">
-                <a16:creationId xmlns:a16="http://schemas.microsoft.com/office/drawing/2014/main" xmlns="" id="{22342806-431D-CDB2-FFA9-8F703FD9A1D8}"/>
+                <a16:creationId xmlns:a16="http://schemas.microsoft.com/office/drawing/2014/main" id="{22342806-431D-CDB2-FFA9-8F703FD9A1D8}"/>
               </a:ext>
             </a:extLst>
           </p:cNvPr>
@@ -1106,7 +1106,7 @@
           <p:cNvPr id="4" name="Slide Number Placeholder 3">
             <a:extLst>
               <a:ext uri="{FF2B5EF4-FFF2-40B4-BE49-F238E27FC236}">
-                <a16:creationId xmlns:a16="http://schemas.microsoft.com/office/drawing/2014/main" xmlns="" id="{E12F6B1A-8D07-34B9-7DED-A3369CFE2B1F}"/>
+                <a16:creationId xmlns:a16="http://schemas.microsoft.com/office/drawing/2014/main" id="{E12F6B1A-8D07-34B9-7DED-A3369CFE2B1F}"/>
               </a:ext>
             </a:extLst>
           </p:cNvPr>
@@ -1151,7 +1151,7 @@
         <p:cNvPr id="1" name="">
           <a:extLst>
             <a:ext uri="{FF2B5EF4-FFF2-40B4-BE49-F238E27FC236}">
-              <a16:creationId xmlns:a16="http://schemas.microsoft.com/office/drawing/2014/main" xmlns="" id="{56702F0A-FF83-8FB5-F76B-487F66FE9C62}"/>
+              <a16:creationId xmlns:a16="http://schemas.microsoft.com/office/drawing/2014/main" id="{56702F0A-FF83-8FB5-F76B-487F66FE9C62}"/>
             </a:ext>
           </a:extLst>
         </p:cNvPr>
@@ -1171,7 +1171,7 @@
           <p:cNvPr id="2" name="Slide Image Placeholder 1">
             <a:extLst>
               <a:ext uri="{FF2B5EF4-FFF2-40B4-BE49-F238E27FC236}">
-                <a16:creationId xmlns:a16="http://schemas.microsoft.com/office/drawing/2014/main" xmlns="" id="{CD7BBD45-C00B-76A1-C40E-6C6B78F0A227}"/>
+                <a16:creationId xmlns:a16="http://schemas.microsoft.com/office/drawing/2014/main" id="{CD7BBD45-C00B-76A1-C40E-6C6B78F0A227}"/>
               </a:ext>
             </a:extLst>
           </p:cNvPr>
@@ -1189,7 +1189,7 @@
           <p:cNvPr id="3" name="Notes Placeholder 2">
             <a:extLst>
               <a:ext uri="{FF2B5EF4-FFF2-40B4-BE49-F238E27FC236}">
-                <a16:creationId xmlns:a16="http://schemas.microsoft.com/office/drawing/2014/main" xmlns="" id="{59636DCC-A61A-F8CC-2C38-69700DE75C1C}"/>
+                <a16:creationId xmlns:a16="http://schemas.microsoft.com/office/drawing/2014/main" id="{59636DCC-A61A-F8CC-2C38-69700DE75C1C}"/>
               </a:ext>
             </a:extLst>
           </p:cNvPr>
@@ -1214,7 +1214,7 @@
           <p:cNvPr id="4" name="Slide Number Placeholder 3">
             <a:extLst>
               <a:ext uri="{FF2B5EF4-FFF2-40B4-BE49-F238E27FC236}">
-                <a16:creationId xmlns:a16="http://schemas.microsoft.com/office/drawing/2014/main" xmlns="" id="{0C8F43F4-4EA0-C2F0-F921-8AB00E4EE3D8}"/>
+                <a16:creationId xmlns:a16="http://schemas.microsoft.com/office/drawing/2014/main" id="{0C8F43F4-4EA0-C2F0-F921-8AB00E4EE3D8}"/>
               </a:ext>
             </a:extLst>
           </p:cNvPr>
@@ -1259,7 +1259,7 @@
         <p:cNvPr id="1" name="">
           <a:extLst>
             <a:ext uri="{FF2B5EF4-FFF2-40B4-BE49-F238E27FC236}">
-              <a16:creationId xmlns:a16="http://schemas.microsoft.com/office/drawing/2014/main" xmlns="" id="{846E671E-1072-2D52-1F0F-9ECA70A167DA}"/>
+              <a16:creationId xmlns:a16="http://schemas.microsoft.com/office/drawing/2014/main" id="{846E671E-1072-2D52-1F0F-9ECA70A167DA}"/>
             </a:ext>
           </a:extLst>
         </p:cNvPr>
@@ -1279,7 +1279,7 @@
           <p:cNvPr id="2" name="Slide Image Placeholder 1">
             <a:extLst>
               <a:ext uri="{FF2B5EF4-FFF2-40B4-BE49-F238E27FC236}">
-                <a16:creationId xmlns:a16="http://schemas.microsoft.com/office/drawing/2014/main" xmlns="" id="{B641FFE1-DDE9-FC72-26B2-5C8CB728B80D}"/>
+                <a16:creationId xmlns:a16="http://schemas.microsoft.com/office/drawing/2014/main" id="{B641FFE1-DDE9-FC72-26B2-5C8CB728B80D}"/>
               </a:ext>
             </a:extLst>
           </p:cNvPr>
@@ -1297,7 +1297,7 @@
           <p:cNvPr id="3" name="Notes Placeholder 2">
             <a:extLst>
               <a:ext uri="{FF2B5EF4-FFF2-40B4-BE49-F238E27FC236}">
-                <a16:creationId xmlns:a16="http://schemas.microsoft.com/office/drawing/2014/main" xmlns="" id="{C35E039C-9E97-E129-EE3F-716ACBE22A82}"/>
+                <a16:creationId xmlns:a16="http://schemas.microsoft.com/office/drawing/2014/main" id="{C35E039C-9E97-E129-EE3F-716ACBE22A82}"/>
               </a:ext>
             </a:extLst>
           </p:cNvPr>
@@ -1322,7 +1322,7 @@
           <p:cNvPr id="4" name="Slide Number Placeholder 3">
             <a:extLst>
               <a:ext uri="{FF2B5EF4-FFF2-40B4-BE49-F238E27FC236}">
-                <a16:creationId xmlns:a16="http://schemas.microsoft.com/office/drawing/2014/main" xmlns="" id="{D1D1F1F1-28A1-206E-D3CF-AC23075A0369}"/>
+                <a16:creationId xmlns:a16="http://schemas.microsoft.com/office/drawing/2014/main" id="{D1D1F1F1-28A1-206E-D3CF-AC23075A0369}"/>
               </a:ext>
             </a:extLst>
           </p:cNvPr>
@@ -1367,7 +1367,7 @@
         <p:cNvPr id="1" name="">
           <a:extLst>
             <a:ext uri="{FF2B5EF4-FFF2-40B4-BE49-F238E27FC236}">
-              <a16:creationId xmlns:a16="http://schemas.microsoft.com/office/drawing/2014/main" xmlns="" id="{74BA25EE-7E93-CE2F-79CE-D4ADA4DD52E8}"/>
+              <a16:creationId xmlns:a16="http://schemas.microsoft.com/office/drawing/2014/main" id="{74BA25EE-7E93-CE2F-79CE-D4ADA4DD52E8}"/>
             </a:ext>
           </a:extLst>
         </p:cNvPr>
@@ -1387,7 +1387,7 @@
           <p:cNvPr id="2" name="Slide Image Placeholder 1">
             <a:extLst>
               <a:ext uri="{FF2B5EF4-FFF2-40B4-BE49-F238E27FC236}">
-                <a16:creationId xmlns:a16="http://schemas.microsoft.com/office/drawing/2014/main" xmlns="" id="{DFB03603-93F6-3281-21DA-A70436D1C5D5}"/>
+                <a16:creationId xmlns:a16="http://schemas.microsoft.com/office/drawing/2014/main" id="{DFB03603-93F6-3281-21DA-A70436D1C5D5}"/>
               </a:ext>
             </a:extLst>
           </p:cNvPr>
@@ -1405,7 +1405,7 @@
           <p:cNvPr id="3" name="Notes Placeholder 2">
             <a:extLst>
               <a:ext uri="{FF2B5EF4-FFF2-40B4-BE49-F238E27FC236}">
-                <a16:creationId xmlns:a16="http://schemas.microsoft.com/office/drawing/2014/main" xmlns="" id="{BF0ED93F-2C3C-330E-E012-79D7BA5B6EAD}"/>
+                <a16:creationId xmlns:a16="http://schemas.microsoft.com/office/drawing/2014/main" id="{BF0ED93F-2C3C-330E-E012-79D7BA5B6EAD}"/>
               </a:ext>
             </a:extLst>
           </p:cNvPr>
@@ -1430,7 +1430,7 @@
           <p:cNvPr id="4" name="Slide Number Placeholder 3">
             <a:extLst>
               <a:ext uri="{FF2B5EF4-FFF2-40B4-BE49-F238E27FC236}">
-                <a16:creationId xmlns:a16="http://schemas.microsoft.com/office/drawing/2014/main" xmlns="" id="{F90CFE23-0A54-730F-2E32-DA6AA2B66FA4}"/>
+                <a16:creationId xmlns:a16="http://schemas.microsoft.com/office/drawing/2014/main" id="{F90CFE23-0A54-730F-2E32-DA6AA2B66FA4}"/>
               </a:ext>
             </a:extLst>
           </p:cNvPr>
@@ -1475,7 +1475,7 @@
         <p:cNvPr id="1" name="">
           <a:extLst>
             <a:ext uri="{FF2B5EF4-FFF2-40B4-BE49-F238E27FC236}">
-              <a16:creationId xmlns:a16="http://schemas.microsoft.com/office/drawing/2014/main" xmlns="" id="{9F61BAD4-A0AB-DA1A-2955-1EF417B32C86}"/>
+              <a16:creationId xmlns:a16="http://schemas.microsoft.com/office/drawing/2014/main" id="{9F61BAD4-A0AB-DA1A-2955-1EF417B32C86}"/>
             </a:ext>
           </a:extLst>
         </p:cNvPr>
@@ -1495,7 +1495,7 @@
           <p:cNvPr id="2" name="Slide Image Placeholder 1">
             <a:extLst>
               <a:ext uri="{FF2B5EF4-FFF2-40B4-BE49-F238E27FC236}">
-                <a16:creationId xmlns:a16="http://schemas.microsoft.com/office/drawing/2014/main" xmlns="" id="{BAAFD9B4-3E2A-2AF2-A0F0-08BEFE5FE5C9}"/>
+                <a16:creationId xmlns:a16="http://schemas.microsoft.com/office/drawing/2014/main" id="{BAAFD9B4-3E2A-2AF2-A0F0-08BEFE5FE5C9}"/>
               </a:ext>
             </a:extLst>
           </p:cNvPr>
@@ -1513,7 +1513,7 @@
           <p:cNvPr id="3" name="Notes Placeholder 2">
             <a:extLst>
               <a:ext uri="{FF2B5EF4-FFF2-40B4-BE49-F238E27FC236}">
-                <a16:creationId xmlns:a16="http://schemas.microsoft.com/office/drawing/2014/main" xmlns="" id="{AA2271CC-44C3-C5D3-6205-DB9AB7183685}"/>
+                <a16:creationId xmlns:a16="http://schemas.microsoft.com/office/drawing/2014/main" id="{AA2271CC-44C3-C5D3-6205-DB9AB7183685}"/>
               </a:ext>
             </a:extLst>
           </p:cNvPr>
@@ -1538,7 +1538,7 @@
           <p:cNvPr id="4" name="Slide Number Placeholder 3">
             <a:extLst>
               <a:ext uri="{FF2B5EF4-FFF2-40B4-BE49-F238E27FC236}">
-                <a16:creationId xmlns:a16="http://schemas.microsoft.com/office/drawing/2014/main" xmlns="" id="{F2147C6B-D344-9236-276D-08687971A333}"/>
+                <a16:creationId xmlns:a16="http://schemas.microsoft.com/office/drawing/2014/main" id="{F2147C6B-D344-9236-276D-08687971A333}"/>
               </a:ext>
             </a:extLst>
           </p:cNvPr>
@@ -1583,7 +1583,7 @@
         <p:cNvPr id="1" name="">
           <a:extLst>
             <a:ext uri="{FF2B5EF4-FFF2-40B4-BE49-F238E27FC236}">
-              <a16:creationId xmlns:a16="http://schemas.microsoft.com/office/drawing/2014/main" xmlns="" id="{E7ABCDB1-36D4-5D66-304E-2D93A2B82AA1}"/>
+              <a16:creationId xmlns:a16="http://schemas.microsoft.com/office/drawing/2014/main" id="{E7ABCDB1-36D4-5D66-304E-2D93A2B82AA1}"/>
             </a:ext>
           </a:extLst>
         </p:cNvPr>
@@ -1603,7 +1603,7 @@
           <p:cNvPr id="2" name="Slide Image Placeholder 1">
             <a:extLst>
               <a:ext uri="{FF2B5EF4-FFF2-40B4-BE49-F238E27FC236}">
-                <a16:creationId xmlns:a16="http://schemas.microsoft.com/office/drawing/2014/main" xmlns="" id="{8DFD3C93-DAAE-C8F5-9D80-553A0A6C1D5C}"/>
+                <a16:creationId xmlns:a16="http://schemas.microsoft.com/office/drawing/2014/main" id="{8DFD3C93-DAAE-C8F5-9D80-553A0A6C1D5C}"/>
               </a:ext>
             </a:extLst>
           </p:cNvPr>
@@ -1621,7 +1621,7 @@
           <p:cNvPr id="3" name="Notes Placeholder 2">
             <a:extLst>
               <a:ext uri="{FF2B5EF4-FFF2-40B4-BE49-F238E27FC236}">
-                <a16:creationId xmlns:a16="http://schemas.microsoft.com/office/drawing/2014/main" xmlns="" id="{2AFCF123-C79E-448A-3017-C5A19B24BE5F}"/>
+                <a16:creationId xmlns:a16="http://schemas.microsoft.com/office/drawing/2014/main" id="{2AFCF123-C79E-448A-3017-C5A19B24BE5F}"/>
               </a:ext>
             </a:extLst>
           </p:cNvPr>
@@ -1646,7 +1646,7 @@
           <p:cNvPr id="4" name="Slide Number Placeholder 3">
             <a:extLst>
               <a:ext uri="{FF2B5EF4-FFF2-40B4-BE49-F238E27FC236}">
-                <a16:creationId xmlns:a16="http://schemas.microsoft.com/office/drawing/2014/main" xmlns="" id="{B17ADF82-E66C-7145-04BA-07AF47F7086A}"/>
+                <a16:creationId xmlns:a16="http://schemas.microsoft.com/office/drawing/2014/main" id="{B17ADF82-E66C-7145-04BA-07AF47F7086A}"/>
               </a:ext>
             </a:extLst>
           </p:cNvPr>
@@ -1691,7 +1691,7 @@
         <p:cNvPr id="1" name="">
           <a:extLst>
             <a:ext uri="{FF2B5EF4-FFF2-40B4-BE49-F238E27FC236}">
-              <a16:creationId xmlns:a16="http://schemas.microsoft.com/office/drawing/2014/main" xmlns="" id="{2FE89939-ACBE-F2AD-EE24-5880FA41CFA0}"/>
+              <a16:creationId xmlns:a16="http://schemas.microsoft.com/office/drawing/2014/main" id="{2FE89939-ACBE-F2AD-EE24-5880FA41CFA0}"/>
             </a:ext>
           </a:extLst>
         </p:cNvPr>
@@ -1711,7 +1711,7 @@
           <p:cNvPr id="2" name="Slide Image Placeholder 1">
             <a:extLst>
               <a:ext uri="{FF2B5EF4-FFF2-40B4-BE49-F238E27FC236}">
-                <a16:creationId xmlns:a16="http://schemas.microsoft.com/office/drawing/2014/main" xmlns="" id="{530B1C8D-1BFF-6E19-5BB8-4F3BDC196519}"/>
+                <a16:creationId xmlns:a16="http://schemas.microsoft.com/office/drawing/2014/main" id="{530B1C8D-1BFF-6E19-5BB8-4F3BDC196519}"/>
               </a:ext>
             </a:extLst>
           </p:cNvPr>
@@ -1729,7 +1729,7 @@
           <p:cNvPr id="3" name="Notes Placeholder 2">
             <a:extLst>
               <a:ext uri="{FF2B5EF4-FFF2-40B4-BE49-F238E27FC236}">
-                <a16:creationId xmlns:a16="http://schemas.microsoft.com/office/drawing/2014/main" xmlns="" id="{27DED105-0D56-0F47-BACE-E0231B8D8E05}"/>
+                <a16:creationId xmlns:a16="http://schemas.microsoft.com/office/drawing/2014/main" id="{27DED105-0D56-0F47-BACE-E0231B8D8E05}"/>
               </a:ext>
             </a:extLst>
           </p:cNvPr>
@@ -1754,7 +1754,7 @@
           <p:cNvPr id="4" name="Slide Number Placeholder 3">
             <a:extLst>
               <a:ext uri="{FF2B5EF4-FFF2-40B4-BE49-F238E27FC236}">
-                <a16:creationId xmlns:a16="http://schemas.microsoft.com/office/drawing/2014/main" xmlns="" id="{342E6D65-B4A5-7B3D-A37A-4DDB8F0FBC5D}"/>
+                <a16:creationId xmlns:a16="http://schemas.microsoft.com/office/drawing/2014/main" id="{342E6D65-B4A5-7B3D-A37A-4DDB8F0FBC5D}"/>
               </a:ext>
             </a:extLst>
           </p:cNvPr>
@@ -1799,7 +1799,7 @@
         <p:cNvPr id="1" name="">
           <a:extLst>
             <a:ext uri="{FF2B5EF4-FFF2-40B4-BE49-F238E27FC236}">
-              <a16:creationId xmlns:a16="http://schemas.microsoft.com/office/drawing/2014/main" xmlns="" id="{F867F575-13CF-2FBE-49FC-AFCC23C2EC06}"/>
+              <a16:creationId xmlns:a16="http://schemas.microsoft.com/office/drawing/2014/main" id="{F867F575-13CF-2FBE-49FC-AFCC23C2EC06}"/>
             </a:ext>
           </a:extLst>
         </p:cNvPr>
@@ -1819,7 +1819,7 @@
           <p:cNvPr id="2" name="Slide Image Placeholder 1">
             <a:extLst>
               <a:ext uri="{FF2B5EF4-FFF2-40B4-BE49-F238E27FC236}">
-                <a16:creationId xmlns:a16="http://schemas.microsoft.com/office/drawing/2014/main" xmlns="" id="{74E8810E-7BCF-47A8-4721-A9188B21171B}"/>
+                <a16:creationId xmlns:a16="http://schemas.microsoft.com/office/drawing/2014/main" id="{74E8810E-7BCF-47A8-4721-A9188B21171B}"/>
               </a:ext>
             </a:extLst>
           </p:cNvPr>
@@ -1837,7 +1837,7 @@
           <p:cNvPr id="3" name="Notes Placeholder 2">
             <a:extLst>
               <a:ext uri="{FF2B5EF4-FFF2-40B4-BE49-F238E27FC236}">
-                <a16:creationId xmlns:a16="http://schemas.microsoft.com/office/drawing/2014/main" xmlns="" id="{31A1E4B0-AF81-943B-B6F4-71965DB15E7A}"/>
+                <a16:creationId xmlns:a16="http://schemas.microsoft.com/office/drawing/2014/main" id="{31A1E4B0-AF81-943B-B6F4-71965DB15E7A}"/>
               </a:ext>
             </a:extLst>
           </p:cNvPr>
@@ -1862,7 +1862,7 @@
           <p:cNvPr id="4" name="Slide Number Placeholder 3">
             <a:extLst>
               <a:ext uri="{FF2B5EF4-FFF2-40B4-BE49-F238E27FC236}">
-                <a16:creationId xmlns:a16="http://schemas.microsoft.com/office/drawing/2014/main" xmlns="" id="{AA291FED-1B38-3151-F19D-964E9F07B4F7}"/>
+                <a16:creationId xmlns:a16="http://schemas.microsoft.com/office/drawing/2014/main" id="{AA291FED-1B38-3151-F19D-964E9F07B4F7}"/>
               </a:ext>
             </a:extLst>
           </p:cNvPr>
@@ -1907,7 +1907,7 @@
         <p:cNvPr id="1" name="">
           <a:extLst>
             <a:ext uri="{FF2B5EF4-FFF2-40B4-BE49-F238E27FC236}">
-              <a16:creationId xmlns:a16="http://schemas.microsoft.com/office/drawing/2014/main" xmlns="" id="{60F1D321-1548-AE2B-7392-A201216B6291}"/>
+              <a16:creationId xmlns:a16="http://schemas.microsoft.com/office/drawing/2014/main" id="{60F1D321-1548-AE2B-7392-A201216B6291}"/>
             </a:ext>
           </a:extLst>
         </p:cNvPr>
@@ -1927,7 +1927,7 @@
           <p:cNvPr id="2" name="Slide Image Placeholder 1">
             <a:extLst>
               <a:ext uri="{FF2B5EF4-FFF2-40B4-BE49-F238E27FC236}">
-                <a16:creationId xmlns:a16="http://schemas.microsoft.com/office/drawing/2014/main" xmlns="" id="{B51CB6E6-0AC5-75E5-1A67-FEAFD3507B1E}"/>
+                <a16:creationId xmlns:a16="http://schemas.microsoft.com/office/drawing/2014/main" id="{B51CB6E6-0AC5-75E5-1A67-FEAFD3507B1E}"/>
               </a:ext>
             </a:extLst>
           </p:cNvPr>
@@ -1945,7 +1945,7 @@
           <p:cNvPr id="3" name="Notes Placeholder 2">
             <a:extLst>
               <a:ext uri="{FF2B5EF4-FFF2-40B4-BE49-F238E27FC236}">
-                <a16:creationId xmlns:a16="http://schemas.microsoft.com/office/drawing/2014/main" xmlns="" id="{7072DC79-4824-EFC0-990A-613D3D0042D1}"/>
+                <a16:creationId xmlns:a16="http://schemas.microsoft.com/office/drawing/2014/main" id="{7072DC79-4824-EFC0-990A-613D3D0042D1}"/>
               </a:ext>
             </a:extLst>
           </p:cNvPr>
@@ -1970,7 +1970,7 @@
           <p:cNvPr id="4" name="Slide Number Placeholder 3">
             <a:extLst>
               <a:ext uri="{FF2B5EF4-FFF2-40B4-BE49-F238E27FC236}">
-                <a16:creationId xmlns:a16="http://schemas.microsoft.com/office/drawing/2014/main" xmlns="" id="{E867784D-03FA-B5F0-C1ED-1D006BE9DAAD}"/>
+                <a16:creationId xmlns:a16="http://schemas.microsoft.com/office/drawing/2014/main" id="{E867784D-03FA-B5F0-C1ED-1D006BE9DAAD}"/>
               </a:ext>
             </a:extLst>
           </p:cNvPr>
@@ -2015,7 +2015,7 @@
         <p:cNvPr id="1" name="">
           <a:extLst>
             <a:ext uri="{FF2B5EF4-FFF2-40B4-BE49-F238E27FC236}">
-              <a16:creationId xmlns:a16="http://schemas.microsoft.com/office/drawing/2014/main" xmlns="" id="{31CED5DF-CAF3-6E6E-3212-0A00341D9ECD}"/>
+              <a16:creationId xmlns:a16="http://schemas.microsoft.com/office/drawing/2014/main" id="{31CED5DF-CAF3-6E6E-3212-0A00341D9ECD}"/>
             </a:ext>
           </a:extLst>
         </p:cNvPr>
@@ -2035,7 +2035,7 @@
           <p:cNvPr id="2" name="Slide Image Placeholder 1">
             <a:extLst>
               <a:ext uri="{FF2B5EF4-FFF2-40B4-BE49-F238E27FC236}">
-                <a16:creationId xmlns:a16="http://schemas.microsoft.com/office/drawing/2014/main" xmlns="" id="{E93BB888-5963-C36B-A7CD-F82A87B2A3B1}"/>
+                <a16:creationId xmlns:a16="http://schemas.microsoft.com/office/drawing/2014/main" id="{E93BB888-5963-C36B-A7CD-F82A87B2A3B1}"/>
               </a:ext>
             </a:extLst>
           </p:cNvPr>
@@ -2053,7 +2053,7 @@
           <p:cNvPr id="3" name="Notes Placeholder 2">
             <a:extLst>
               <a:ext uri="{FF2B5EF4-FFF2-40B4-BE49-F238E27FC236}">
-                <a16:creationId xmlns:a16="http://schemas.microsoft.com/office/drawing/2014/main" xmlns="" id="{FF7AFAEE-4AC6-0939-EF27-36B5FF73C63D}"/>
+                <a16:creationId xmlns:a16="http://schemas.microsoft.com/office/drawing/2014/main" id="{FF7AFAEE-4AC6-0939-EF27-36B5FF73C63D}"/>
               </a:ext>
             </a:extLst>
           </p:cNvPr>
@@ -2078,7 +2078,7 @@
           <p:cNvPr id="4" name="Slide Number Placeholder 3">
             <a:extLst>
               <a:ext uri="{FF2B5EF4-FFF2-40B4-BE49-F238E27FC236}">
-                <a16:creationId xmlns:a16="http://schemas.microsoft.com/office/drawing/2014/main" xmlns="" id="{C29AF926-7DCA-B25F-46EE-AD9674353FC6}"/>
+                <a16:creationId xmlns:a16="http://schemas.microsoft.com/office/drawing/2014/main" id="{C29AF926-7DCA-B25F-46EE-AD9674353FC6}"/>
               </a:ext>
             </a:extLst>
           </p:cNvPr>
@@ -2123,7 +2123,7 @@
         <p:cNvPr id="1" name="">
           <a:extLst>
             <a:ext uri="{FF2B5EF4-FFF2-40B4-BE49-F238E27FC236}">
-              <a16:creationId xmlns:a16="http://schemas.microsoft.com/office/drawing/2014/main" xmlns="" id="{6451B88B-8A71-0F1A-067C-ACC7BE4D9F81}"/>
+              <a16:creationId xmlns:a16="http://schemas.microsoft.com/office/drawing/2014/main" id="{6451B88B-8A71-0F1A-067C-ACC7BE4D9F81}"/>
             </a:ext>
           </a:extLst>
         </p:cNvPr>
@@ -2143,7 +2143,7 @@
           <p:cNvPr id="2" name="Slide Image Placeholder 1">
             <a:extLst>
               <a:ext uri="{FF2B5EF4-FFF2-40B4-BE49-F238E27FC236}">
-                <a16:creationId xmlns:a16="http://schemas.microsoft.com/office/drawing/2014/main" xmlns="" id="{78F0EB87-8DDF-E18A-915E-0AD780B94AEA}"/>
+                <a16:creationId xmlns:a16="http://schemas.microsoft.com/office/drawing/2014/main" id="{78F0EB87-8DDF-E18A-915E-0AD780B94AEA}"/>
               </a:ext>
             </a:extLst>
           </p:cNvPr>
@@ -2161,7 +2161,7 @@
           <p:cNvPr id="3" name="Notes Placeholder 2">
             <a:extLst>
               <a:ext uri="{FF2B5EF4-FFF2-40B4-BE49-F238E27FC236}">
-                <a16:creationId xmlns:a16="http://schemas.microsoft.com/office/drawing/2014/main" xmlns="" id="{8A2A9E12-43BD-46B3-BC91-DCA40B0104B0}"/>
+                <a16:creationId xmlns:a16="http://schemas.microsoft.com/office/drawing/2014/main" id="{8A2A9E12-43BD-46B3-BC91-DCA40B0104B0}"/>
               </a:ext>
             </a:extLst>
           </p:cNvPr>
@@ -2186,7 +2186,7 @@
           <p:cNvPr id="4" name="Slide Number Placeholder 3">
             <a:extLst>
               <a:ext uri="{FF2B5EF4-FFF2-40B4-BE49-F238E27FC236}">
-                <a16:creationId xmlns:a16="http://schemas.microsoft.com/office/drawing/2014/main" xmlns="" id="{78E2421A-C25E-A214-66D0-AF4FD13B1EF4}"/>
+                <a16:creationId xmlns:a16="http://schemas.microsoft.com/office/drawing/2014/main" id="{78E2421A-C25E-A214-66D0-AF4FD13B1EF4}"/>
               </a:ext>
             </a:extLst>
           </p:cNvPr>
@@ -2231,7 +2231,7 @@
         <p:cNvPr id="1" name="">
           <a:extLst>
             <a:ext uri="{FF2B5EF4-FFF2-40B4-BE49-F238E27FC236}">
-              <a16:creationId xmlns:a16="http://schemas.microsoft.com/office/drawing/2014/main" xmlns="" id="{840AEF2D-759F-C2FB-DBBC-87B46E87DA2F}"/>
+              <a16:creationId xmlns:a16="http://schemas.microsoft.com/office/drawing/2014/main" id="{840AEF2D-759F-C2FB-DBBC-87B46E87DA2F}"/>
             </a:ext>
           </a:extLst>
         </p:cNvPr>
@@ -2251,7 +2251,7 @@
           <p:cNvPr id="2" name="Slide Image Placeholder 1">
             <a:extLst>
               <a:ext uri="{FF2B5EF4-FFF2-40B4-BE49-F238E27FC236}">
-                <a16:creationId xmlns:a16="http://schemas.microsoft.com/office/drawing/2014/main" xmlns="" id="{2749BBC4-26E0-D72A-A174-FA4214D66879}"/>
+                <a16:creationId xmlns:a16="http://schemas.microsoft.com/office/drawing/2014/main" id="{2749BBC4-26E0-D72A-A174-FA4214D66879}"/>
               </a:ext>
             </a:extLst>
           </p:cNvPr>
@@ -2269,7 +2269,7 @@
           <p:cNvPr id="3" name="Notes Placeholder 2">
             <a:extLst>
               <a:ext uri="{FF2B5EF4-FFF2-40B4-BE49-F238E27FC236}">
-                <a16:creationId xmlns:a16="http://schemas.microsoft.com/office/drawing/2014/main" xmlns="" id="{888148A5-6D2B-FF18-3349-7DF80D5A9BB4}"/>
+                <a16:creationId xmlns:a16="http://schemas.microsoft.com/office/drawing/2014/main" id="{888148A5-6D2B-FF18-3349-7DF80D5A9BB4}"/>
               </a:ext>
             </a:extLst>
           </p:cNvPr>
@@ -2294,7 +2294,7 @@
           <p:cNvPr id="4" name="Slide Number Placeholder 3">
             <a:extLst>
               <a:ext uri="{FF2B5EF4-FFF2-40B4-BE49-F238E27FC236}">
-                <a16:creationId xmlns:a16="http://schemas.microsoft.com/office/drawing/2014/main" xmlns="" id="{9696670F-BB6A-0402-116C-8AD39E1C11F3}"/>
+                <a16:creationId xmlns:a16="http://schemas.microsoft.com/office/drawing/2014/main" id="{9696670F-BB6A-0402-116C-8AD39E1C11F3}"/>
               </a:ext>
             </a:extLst>
           </p:cNvPr>
@@ -2339,7 +2339,7 @@
         <p:cNvPr id="1" name="">
           <a:extLst>
             <a:ext uri="{FF2B5EF4-FFF2-40B4-BE49-F238E27FC236}">
-              <a16:creationId xmlns:a16="http://schemas.microsoft.com/office/drawing/2014/main" xmlns="" id="{E8333B26-3930-582F-FE2F-AE5E4B4F363C}"/>
+              <a16:creationId xmlns:a16="http://schemas.microsoft.com/office/drawing/2014/main" id="{E8333B26-3930-582F-FE2F-AE5E4B4F363C}"/>
             </a:ext>
           </a:extLst>
         </p:cNvPr>
@@ -2359,7 +2359,7 @@
           <p:cNvPr id="2" name="Slide Image Placeholder 1">
             <a:extLst>
               <a:ext uri="{FF2B5EF4-FFF2-40B4-BE49-F238E27FC236}">
-                <a16:creationId xmlns:a16="http://schemas.microsoft.com/office/drawing/2014/main" xmlns="" id="{D0AD4EF8-6724-BCC0-1207-E9D569611398}"/>
+                <a16:creationId xmlns:a16="http://schemas.microsoft.com/office/drawing/2014/main" id="{D0AD4EF8-6724-BCC0-1207-E9D569611398}"/>
               </a:ext>
             </a:extLst>
           </p:cNvPr>
@@ -2377,7 +2377,7 @@
           <p:cNvPr id="3" name="Notes Placeholder 2">
             <a:extLst>
               <a:ext uri="{FF2B5EF4-FFF2-40B4-BE49-F238E27FC236}">
-                <a16:creationId xmlns:a16="http://schemas.microsoft.com/office/drawing/2014/main" xmlns="" id="{265FF0D8-8E1E-DE4F-38AD-910C4DEC2BA1}"/>
+                <a16:creationId xmlns:a16="http://schemas.microsoft.com/office/drawing/2014/main" id="{265FF0D8-8E1E-DE4F-38AD-910C4DEC2BA1}"/>
               </a:ext>
             </a:extLst>
           </p:cNvPr>
@@ -2402,7 +2402,7 @@
           <p:cNvPr id="4" name="Slide Number Placeholder 3">
             <a:extLst>
               <a:ext uri="{FF2B5EF4-FFF2-40B4-BE49-F238E27FC236}">
-                <a16:creationId xmlns:a16="http://schemas.microsoft.com/office/drawing/2014/main" xmlns="" id="{ACB8D817-0807-23D0-20BE-7704341F092D}"/>
+                <a16:creationId xmlns:a16="http://schemas.microsoft.com/office/drawing/2014/main" id="{ACB8D817-0807-23D0-20BE-7704341F092D}"/>
               </a:ext>
             </a:extLst>
           </p:cNvPr>
@@ -2531,7 +2531,7 @@
         <p:cNvPr id="1" name="">
           <a:extLst>
             <a:ext uri="{FF2B5EF4-FFF2-40B4-BE49-F238E27FC236}">
-              <a16:creationId xmlns:a16="http://schemas.microsoft.com/office/drawing/2014/main" xmlns="" id="{C865904B-EB61-2018-F872-F9A47FB05DC9}"/>
+              <a16:creationId xmlns:a16="http://schemas.microsoft.com/office/drawing/2014/main" id="{C865904B-EB61-2018-F872-F9A47FB05DC9}"/>
             </a:ext>
           </a:extLst>
         </p:cNvPr>
@@ -2551,7 +2551,7 @@
           <p:cNvPr id="2" name="Slide Image Placeholder 1">
             <a:extLst>
               <a:ext uri="{FF2B5EF4-FFF2-40B4-BE49-F238E27FC236}">
-                <a16:creationId xmlns:a16="http://schemas.microsoft.com/office/drawing/2014/main" xmlns="" id="{3B111D39-DBDA-BEAC-B218-DC411654422B}"/>
+                <a16:creationId xmlns:a16="http://schemas.microsoft.com/office/drawing/2014/main" id="{3B111D39-DBDA-BEAC-B218-DC411654422B}"/>
               </a:ext>
             </a:extLst>
           </p:cNvPr>
@@ -2569,7 +2569,7 @@
           <p:cNvPr id="3" name="Notes Placeholder 2">
             <a:extLst>
               <a:ext uri="{FF2B5EF4-FFF2-40B4-BE49-F238E27FC236}">
-                <a16:creationId xmlns:a16="http://schemas.microsoft.com/office/drawing/2014/main" xmlns="" id="{976E788D-9B88-F9AB-AE7F-51BDE6977F8E}"/>
+                <a16:creationId xmlns:a16="http://schemas.microsoft.com/office/drawing/2014/main" id="{976E788D-9B88-F9AB-AE7F-51BDE6977F8E}"/>
               </a:ext>
             </a:extLst>
           </p:cNvPr>
@@ -2594,7 +2594,7 @@
           <p:cNvPr id="4" name="Slide Number Placeholder 3">
             <a:extLst>
               <a:ext uri="{FF2B5EF4-FFF2-40B4-BE49-F238E27FC236}">
-                <a16:creationId xmlns:a16="http://schemas.microsoft.com/office/drawing/2014/main" xmlns="" id="{78079758-8998-855A-50D0-C9A23C6929C8}"/>
+                <a16:creationId xmlns:a16="http://schemas.microsoft.com/office/drawing/2014/main" id="{78079758-8998-855A-50D0-C9A23C6929C8}"/>
               </a:ext>
             </a:extLst>
           </p:cNvPr>
@@ -2759,7 +2759,7 @@
         <p:cNvPr id="1" name="">
           <a:extLst>
             <a:ext uri="{FF2B5EF4-FFF2-40B4-BE49-F238E27FC236}">
-              <a16:creationId xmlns:a16="http://schemas.microsoft.com/office/drawing/2014/main" xmlns="" id="{CA3EBFDD-0351-78E9-82BC-12C0725E4A5E}"/>
+              <a16:creationId xmlns:a16="http://schemas.microsoft.com/office/drawing/2014/main" id="{CA3EBFDD-0351-78E9-82BC-12C0725E4A5E}"/>
             </a:ext>
           </a:extLst>
         </p:cNvPr>
@@ -2779,7 +2779,7 @@
           <p:cNvPr id="2" name="Slide Image Placeholder 1">
             <a:extLst>
               <a:ext uri="{FF2B5EF4-FFF2-40B4-BE49-F238E27FC236}">
-                <a16:creationId xmlns:a16="http://schemas.microsoft.com/office/drawing/2014/main" xmlns="" id="{7B5EBF6D-BC8C-0A94-BCA8-579D6A0BCDAF}"/>
+                <a16:creationId xmlns:a16="http://schemas.microsoft.com/office/drawing/2014/main" id="{7B5EBF6D-BC8C-0A94-BCA8-579D6A0BCDAF}"/>
               </a:ext>
             </a:extLst>
           </p:cNvPr>
@@ -2797,7 +2797,7 @@
           <p:cNvPr id="3" name="Notes Placeholder 2">
             <a:extLst>
               <a:ext uri="{FF2B5EF4-FFF2-40B4-BE49-F238E27FC236}">
-                <a16:creationId xmlns:a16="http://schemas.microsoft.com/office/drawing/2014/main" xmlns="" id="{765B0262-FE92-D6FE-72EB-4714FAF4BEC5}"/>
+                <a16:creationId xmlns:a16="http://schemas.microsoft.com/office/drawing/2014/main" id="{765B0262-FE92-D6FE-72EB-4714FAF4BEC5}"/>
               </a:ext>
             </a:extLst>
           </p:cNvPr>
@@ -3072,7 +3072,7 @@
           <p:cNvPr id="4" name="Slide Number Placeholder 3">
             <a:extLst>
               <a:ext uri="{FF2B5EF4-FFF2-40B4-BE49-F238E27FC236}">
-                <a16:creationId xmlns:a16="http://schemas.microsoft.com/office/drawing/2014/main" xmlns="" id="{AD6697E5-F211-F48E-A66C-8FBCE248F9F9}"/>
+                <a16:creationId xmlns:a16="http://schemas.microsoft.com/office/drawing/2014/main" id="{AD6697E5-F211-F48E-A66C-8FBCE248F9F9}"/>
               </a:ext>
             </a:extLst>
           </p:cNvPr>
@@ -3117,7 +3117,7 @@
         <p:cNvPr id="1" name="">
           <a:extLst>
             <a:ext uri="{FF2B5EF4-FFF2-40B4-BE49-F238E27FC236}">
-              <a16:creationId xmlns:a16="http://schemas.microsoft.com/office/drawing/2014/main" xmlns="" id="{CA3EBFDD-0351-78E9-82BC-12C0725E4A5E}"/>
+              <a16:creationId xmlns:a16="http://schemas.microsoft.com/office/drawing/2014/main" id="{CA3EBFDD-0351-78E9-82BC-12C0725E4A5E}"/>
             </a:ext>
           </a:extLst>
         </p:cNvPr>
@@ -3137,7 +3137,7 @@
           <p:cNvPr id="2" name="Slide Image Placeholder 1">
             <a:extLst>
               <a:ext uri="{FF2B5EF4-FFF2-40B4-BE49-F238E27FC236}">
-                <a16:creationId xmlns:a16="http://schemas.microsoft.com/office/drawing/2014/main" xmlns="" id="{7B5EBF6D-BC8C-0A94-BCA8-579D6A0BCDAF}"/>
+                <a16:creationId xmlns:a16="http://schemas.microsoft.com/office/drawing/2014/main" id="{7B5EBF6D-BC8C-0A94-BCA8-579D6A0BCDAF}"/>
               </a:ext>
             </a:extLst>
           </p:cNvPr>
@@ -3155,7 +3155,7 @@
           <p:cNvPr id="3" name="Notes Placeholder 2">
             <a:extLst>
               <a:ext uri="{FF2B5EF4-FFF2-40B4-BE49-F238E27FC236}">
-                <a16:creationId xmlns:a16="http://schemas.microsoft.com/office/drawing/2014/main" xmlns="" id="{765B0262-FE92-D6FE-72EB-4714FAF4BEC5}"/>
+                <a16:creationId xmlns:a16="http://schemas.microsoft.com/office/drawing/2014/main" id="{765B0262-FE92-D6FE-72EB-4714FAF4BEC5}"/>
               </a:ext>
             </a:extLst>
           </p:cNvPr>
@@ -3171,10 +3171,6 @@
           <a:bodyPr/>
           <a:lstStyle/>
           <a:p>
-            <a:r>
-              <a:rPr lang="en-US" dirty="0"/>
-              <a:t/>
-            </a:r>
             <a:br>
               <a:rPr lang="en-US" dirty="0"/>
             </a:br>
@@ -3218,7 +3214,7 @@
           <p:cNvPr id="4" name="Slide Number Placeholder 3">
             <a:extLst>
               <a:ext uri="{FF2B5EF4-FFF2-40B4-BE49-F238E27FC236}">
-                <a16:creationId xmlns:a16="http://schemas.microsoft.com/office/drawing/2014/main" xmlns="" id="{AD6697E5-F211-F48E-A66C-8FBCE248F9F9}"/>
+                <a16:creationId xmlns:a16="http://schemas.microsoft.com/office/drawing/2014/main" id="{AD6697E5-F211-F48E-A66C-8FBCE248F9F9}"/>
               </a:ext>
             </a:extLst>
           </p:cNvPr>
@@ -3263,7 +3259,7 @@
         <p:cNvPr id="1" name="">
           <a:extLst>
             <a:ext uri="{FF2B5EF4-FFF2-40B4-BE49-F238E27FC236}">
-              <a16:creationId xmlns:a16="http://schemas.microsoft.com/office/drawing/2014/main" xmlns="" id="{05F413CB-DD0A-F4D0-C497-25A3D838C863}"/>
+              <a16:creationId xmlns:a16="http://schemas.microsoft.com/office/drawing/2014/main" id="{05F413CB-DD0A-F4D0-C497-25A3D838C863}"/>
             </a:ext>
           </a:extLst>
         </p:cNvPr>
@@ -3283,7 +3279,7 @@
           <p:cNvPr id="2" name="Slide Image Placeholder 1">
             <a:extLst>
               <a:ext uri="{FF2B5EF4-FFF2-40B4-BE49-F238E27FC236}">
-                <a16:creationId xmlns:a16="http://schemas.microsoft.com/office/drawing/2014/main" xmlns="" id="{E8128277-EDC4-06DD-44CD-BA25F60E09A8}"/>
+                <a16:creationId xmlns:a16="http://schemas.microsoft.com/office/drawing/2014/main" id="{E8128277-EDC4-06DD-44CD-BA25F60E09A8}"/>
               </a:ext>
             </a:extLst>
           </p:cNvPr>
@@ -3301,7 +3297,7 @@
           <p:cNvPr id="3" name="Notes Placeholder 2">
             <a:extLst>
               <a:ext uri="{FF2B5EF4-FFF2-40B4-BE49-F238E27FC236}">
-                <a16:creationId xmlns:a16="http://schemas.microsoft.com/office/drawing/2014/main" xmlns="" id="{A8B35E28-20B0-34C8-65CB-93E7B570B084}"/>
+                <a16:creationId xmlns:a16="http://schemas.microsoft.com/office/drawing/2014/main" id="{A8B35E28-20B0-34C8-65CB-93E7B570B084}"/>
               </a:ext>
             </a:extLst>
           </p:cNvPr>
@@ -3317,10 +3313,6 @@
           <a:bodyPr/>
           <a:lstStyle/>
           <a:p>
-            <a:r>
-              <a:rPr lang="en-US" dirty="0"/>
-              <a:t/>
-            </a:r>
             <a:br>
               <a:rPr lang="en-US" dirty="0"/>
             </a:br>
@@ -3364,7 +3356,7 @@
           <p:cNvPr id="4" name="Slide Number Placeholder 3">
             <a:extLst>
               <a:ext uri="{FF2B5EF4-FFF2-40B4-BE49-F238E27FC236}">
-                <a16:creationId xmlns:a16="http://schemas.microsoft.com/office/drawing/2014/main" xmlns="" id="{3D8D2931-4993-87CE-8A0E-E5BF72D1444A}"/>
+                <a16:creationId xmlns:a16="http://schemas.microsoft.com/office/drawing/2014/main" id="{3D8D2931-4993-87CE-8A0E-E5BF72D1444A}"/>
               </a:ext>
             </a:extLst>
           </p:cNvPr>
@@ -3409,7 +3401,7 @@
         <p:cNvPr id="1" name="">
           <a:extLst>
             <a:ext uri="{FF2B5EF4-FFF2-40B4-BE49-F238E27FC236}">
-              <a16:creationId xmlns:a16="http://schemas.microsoft.com/office/drawing/2014/main" xmlns="" id="{0D9A1D84-BCDD-21E0-C2E3-503B87D9D5D3}"/>
+              <a16:creationId xmlns:a16="http://schemas.microsoft.com/office/drawing/2014/main" id="{0D9A1D84-BCDD-21E0-C2E3-503B87D9D5D3}"/>
             </a:ext>
           </a:extLst>
         </p:cNvPr>
@@ -3429,7 +3421,7 @@
           <p:cNvPr id="2" name="Slide Image Placeholder 1">
             <a:extLst>
               <a:ext uri="{FF2B5EF4-FFF2-40B4-BE49-F238E27FC236}">
-                <a16:creationId xmlns:a16="http://schemas.microsoft.com/office/drawing/2014/main" xmlns="" id="{9600404D-EA4D-A6E2-EBCE-0834719F8676}"/>
+                <a16:creationId xmlns:a16="http://schemas.microsoft.com/office/drawing/2014/main" id="{9600404D-EA4D-A6E2-EBCE-0834719F8676}"/>
               </a:ext>
             </a:extLst>
           </p:cNvPr>
@@ -3447,7 +3439,7 @@
           <p:cNvPr id="3" name="Notes Placeholder 2">
             <a:extLst>
               <a:ext uri="{FF2B5EF4-FFF2-40B4-BE49-F238E27FC236}">
-                <a16:creationId xmlns:a16="http://schemas.microsoft.com/office/drawing/2014/main" xmlns="" id="{31DC5AD4-B9D9-B5D6-1E6F-43BF88E223B3}"/>
+                <a16:creationId xmlns:a16="http://schemas.microsoft.com/office/drawing/2014/main" id="{31DC5AD4-B9D9-B5D6-1E6F-43BF88E223B3}"/>
               </a:ext>
             </a:extLst>
           </p:cNvPr>
@@ -3463,10 +3455,6 @@
           <a:bodyPr/>
           <a:lstStyle/>
           <a:p>
-            <a:r>
-              <a:rPr lang="en-US" dirty="0"/>
-              <a:t/>
-            </a:r>
             <a:br>
               <a:rPr lang="en-US" dirty="0"/>
             </a:br>
@@ -3510,7 +3498,7 @@
           <p:cNvPr id="4" name="Slide Number Placeholder 3">
             <a:extLst>
               <a:ext uri="{FF2B5EF4-FFF2-40B4-BE49-F238E27FC236}">
-                <a16:creationId xmlns:a16="http://schemas.microsoft.com/office/drawing/2014/main" xmlns="" id="{A8A56D33-D6B4-5F0F-78CE-BD23695A555C}"/>
+                <a16:creationId xmlns:a16="http://schemas.microsoft.com/office/drawing/2014/main" id="{A8A56D33-D6B4-5F0F-78CE-BD23695A555C}"/>
               </a:ext>
             </a:extLst>
           </p:cNvPr>
@@ -3555,7 +3543,7 @@
         <p:cNvPr id="1" name="">
           <a:extLst>
             <a:ext uri="{FF2B5EF4-FFF2-40B4-BE49-F238E27FC236}">
-              <a16:creationId xmlns:a16="http://schemas.microsoft.com/office/drawing/2014/main" xmlns="" id="{39AFBB6F-C918-9767-7AE9-907236F5CF95}"/>
+              <a16:creationId xmlns:a16="http://schemas.microsoft.com/office/drawing/2014/main" id="{39AFBB6F-C918-9767-7AE9-907236F5CF95}"/>
             </a:ext>
           </a:extLst>
         </p:cNvPr>
@@ -3575,7 +3563,7 @@
           <p:cNvPr id="2" name="Slide Image Placeholder 1">
             <a:extLst>
               <a:ext uri="{FF2B5EF4-FFF2-40B4-BE49-F238E27FC236}">
-                <a16:creationId xmlns:a16="http://schemas.microsoft.com/office/drawing/2014/main" xmlns="" id="{420CAE82-375A-BD92-165A-0FB9C18CC8DF}"/>
+                <a16:creationId xmlns:a16="http://schemas.microsoft.com/office/drawing/2014/main" id="{420CAE82-375A-BD92-165A-0FB9C18CC8DF}"/>
               </a:ext>
             </a:extLst>
           </p:cNvPr>
@@ -3593,7 +3581,7 @@
           <p:cNvPr id="3" name="Notes Placeholder 2">
             <a:extLst>
               <a:ext uri="{FF2B5EF4-FFF2-40B4-BE49-F238E27FC236}">
-                <a16:creationId xmlns:a16="http://schemas.microsoft.com/office/drawing/2014/main" xmlns="" id="{E1B58FAB-2A2C-75A3-66A1-B7CA4A77BE97}"/>
+                <a16:creationId xmlns:a16="http://schemas.microsoft.com/office/drawing/2014/main" id="{E1B58FAB-2A2C-75A3-66A1-B7CA4A77BE97}"/>
               </a:ext>
             </a:extLst>
           </p:cNvPr>
@@ -3609,10 +3597,6 @@
           <a:bodyPr/>
           <a:lstStyle/>
           <a:p>
-            <a:r>
-              <a:rPr lang="en-US" dirty="0"/>
-              <a:t/>
-            </a:r>
             <a:br>
               <a:rPr lang="en-US" dirty="0"/>
             </a:br>
@@ -3656,7 +3640,7 @@
           <p:cNvPr id="4" name="Slide Number Placeholder 3">
             <a:extLst>
               <a:ext uri="{FF2B5EF4-FFF2-40B4-BE49-F238E27FC236}">
-                <a16:creationId xmlns:a16="http://schemas.microsoft.com/office/drawing/2014/main" xmlns="" id="{6105FA96-965B-442F-E9EC-340219A5B940}"/>
+                <a16:creationId xmlns:a16="http://schemas.microsoft.com/office/drawing/2014/main" id="{6105FA96-965B-442F-E9EC-340219A5B940}"/>
               </a:ext>
             </a:extLst>
           </p:cNvPr>
@@ -3715,7 +3699,7 @@
           <p:cNvPr id="6" name="Picture Placeholder 5">
             <a:extLst>
               <a:ext uri="{FF2B5EF4-FFF2-40B4-BE49-F238E27FC236}">
-                <a16:creationId xmlns:a16="http://schemas.microsoft.com/office/drawing/2014/main" xmlns="" id="{3D023C27-C474-480F-BC7F-9C1AAFCAD96E}"/>
+                <a16:creationId xmlns:a16="http://schemas.microsoft.com/office/drawing/2014/main" id="{3D023C27-C474-480F-BC7F-9C1AAFCAD96E}"/>
               </a:ext>
             </a:extLst>
           </p:cNvPr>
@@ -3745,7 +3729,7 @@
           <p:cNvPr id="3" name="Rectangle 2">
             <a:extLst>
               <a:ext uri="{FF2B5EF4-FFF2-40B4-BE49-F238E27FC236}">
-                <a16:creationId xmlns:a16="http://schemas.microsoft.com/office/drawing/2014/main" xmlns="" id="{A48A0F1A-22FB-45FF-80D6-4FE63A63EE04}"/>
+                <a16:creationId xmlns:a16="http://schemas.microsoft.com/office/drawing/2014/main" id="{A48A0F1A-22FB-45FF-80D6-4FE63A63EE04}"/>
               </a:ext>
             </a:extLst>
           </p:cNvPr>
@@ -3806,7 +3790,7 @@
           <p:cNvPr id="12" name="Content Placeholder 14">
             <a:extLst>
               <a:ext uri="{FF2B5EF4-FFF2-40B4-BE49-F238E27FC236}">
-                <a16:creationId xmlns:a16="http://schemas.microsoft.com/office/drawing/2014/main" xmlns="" id="{0D990D0E-21A8-4155-B955-886A21DE1825}"/>
+                <a16:creationId xmlns:a16="http://schemas.microsoft.com/office/drawing/2014/main" id="{0D990D0E-21A8-4155-B955-886A21DE1825}"/>
               </a:ext>
             </a:extLst>
           </p:cNvPr>
@@ -3852,7 +3836,7 @@
           <p:cNvPr id="13" name="Text Placeholder 16">
             <a:extLst>
               <a:ext uri="{FF2B5EF4-FFF2-40B4-BE49-F238E27FC236}">
-                <a16:creationId xmlns:a16="http://schemas.microsoft.com/office/drawing/2014/main" xmlns="" id="{E86030C3-0988-4616-B1A6-DC729760D6A1}"/>
+                <a16:creationId xmlns:a16="http://schemas.microsoft.com/office/drawing/2014/main" id="{E86030C3-0988-4616-B1A6-DC729760D6A1}"/>
               </a:ext>
             </a:extLst>
           </p:cNvPr>
@@ -3997,7 +3981,7 @@
           <p:cNvPr id="11" name="Title 1">
             <a:extLst>
               <a:ext uri="{FF2B5EF4-FFF2-40B4-BE49-F238E27FC236}">
-                <a16:creationId xmlns:a16="http://schemas.microsoft.com/office/drawing/2014/main" xmlns="" id="{B0BD0440-9D47-4C93-95F9-EFC0FCF1C626}"/>
+                <a16:creationId xmlns:a16="http://schemas.microsoft.com/office/drawing/2014/main" id="{B0BD0440-9D47-4C93-95F9-EFC0FCF1C626}"/>
               </a:ext>
             </a:extLst>
           </p:cNvPr>
@@ -4044,7 +4028,7 @@
           <p:cNvPr id="14" name="Subtitle 2">
             <a:extLst>
               <a:ext uri="{FF2B5EF4-FFF2-40B4-BE49-F238E27FC236}">
-                <a16:creationId xmlns:a16="http://schemas.microsoft.com/office/drawing/2014/main" xmlns="" id="{D62D81F5-56E3-4D39-96F6-6C09DF4C2835}"/>
+                <a16:creationId xmlns:a16="http://schemas.microsoft.com/office/drawing/2014/main" id="{D62D81F5-56E3-4D39-96F6-6C09DF4C2835}"/>
               </a:ext>
             </a:extLst>
           </p:cNvPr>
@@ -4125,7 +4109,7 @@
           <p:cNvPr id="16" name="Content Placeholder 14">
             <a:extLst>
               <a:ext uri="{FF2B5EF4-FFF2-40B4-BE49-F238E27FC236}">
-                <a16:creationId xmlns:a16="http://schemas.microsoft.com/office/drawing/2014/main" xmlns="" id="{6A973B95-8AB3-4E60-8A20-AB12D6D0E54E}"/>
+                <a16:creationId xmlns:a16="http://schemas.microsoft.com/office/drawing/2014/main" id="{6A973B95-8AB3-4E60-8A20-AB12D6D0E54E}"/>
               </a:ext>
             </a:extLst>
           </p:cNvPr>
@@ -4171,7 +4155,7 @@
           <p:cNvPr id="17" name="Text Placeholder 16">
             <a:extLst>
               <a:ext uri="{FF2B5EF4-FFF2-40B4-BE49-F238E27FC236}">
-                <a16:creationId xmlns:a16="http://schemas.microsoft.com/office/drawing/2014/main" xmlns="" id="{2569348C-F945-4CEC-9698-686F8ABC8B23}"/>
+                <a16:creationId xmlns:a16="http://schemas.microsoft.com/office/drawing/2014/main" id="{2569348C-F945-4CEC-9698-686F8ABC8B23}"/>
               </a:ext>
             </a:extLst>
           </p:cNvPr>
@@ -4293,7 +4277,7 @@
   </p:clrMapOvr>
   <p:extLst>
     <p:ext uri="{DCECCB84-F9BA-43D5-87BE-67443E8EF086}">
-      <p15:sldGuideLst xmlns:p15="http://schemas.microsoft.com/office/powerpoint/2012/main" xmlns=""/>
+      <p15:sldGuideLst xmlns:p15="http://schemas.microsoft.com/office/powerpoint/2012/main"/>
     </p:ext>
   </p:extLst>
 </p:sldLayout>
@@ -4321,7 +4305,7 @@
           <p:cNvPr id="6" name="Picture Placeholder 5">
             <a:extLst>
               <a:ext uri="{FF2B5EF4-FFF2-40B4-BE49-F238E27FC236}">
-                <a16:creationId xmlns:a16="http://schemas.microsoft.com/office/drawing/2014/main" xmlns="" id="{3D023C27-C474-480F-BC7F-9C1AAFCAD96E}"/>
+                <a16:creationId xmlns:a16="http://schemas.microsoft.com/office/drawing/2014/main" id="{3D023C27-C474-480F-BC7F-9C1AAFCAD96E}"/>
               </a:ext>
             </a:extLst>
           </p:cNvPr>
@@ -4351,7 +4335,7 @@
           <p:cNvPr id="3" name="Rectangle 2">
             <a:extLst>
               <a:ext uri="{FF2B5EF4-FFF2-40B4-BE49-F238E27FC236}">
-                <a16:creationId xmlns:a16="http://schemas.microsoft.com/office/drawing/2014/main" xmlns="" id="{A48A0F1A-22FB-45FF-80D6-4FE63A63EE04}"/>
+                <a16:creationId xmlns:a16="http://schemas.microsoft.com/office/drawing/2014/main" id="{A48A0F1A-22FB-45FF-80D6-4FE63A63EE04}"/>
               </a:ext>
             </a:extLst>
           </p:cNvPr>
@@ -4412,7 +4396,7 @@
           <p:cNvPr id="2" name="Title 1">
             <a:extLst>
               <a:ext uri="{FF2B5EF4-FFF2-40B4-BE49-F238E27FC236}">
-                <a16:creationId xmlns:a16="http://schemas.microsoft.com/office/drawing/2014/main" xmlns="" id="{DF01E5D2-6D16-41B9-8D95-C3831084A574}"/>
+                <a16:creationId xmlns:a16="http://schemas.microsoft.com/office/drawing/2014/main" id="{DF01E5D2-6D16-41B9-8D95-C3831084A574}"/>
               </a:ext>
             </a:extLst>
           </p:cNvPr>
@@ -4459,7 +4443,7 @@
           <p:cNvPr id="18" name="Subtitle 2">
             <a:extLst>
               <a:ext uri="{FF2B5EF4-FFF2-40B4-BE49-F238E27FC236}">
-                <a16:creationId xmlns:a16="http://schemas.microsoft.com/office/drawing/2014/main" xmlns="" id="{C1E1772A-8C1A-43F8-A297-A2A1C4961A78}"/>
+                <a16:creationId xmlns:a16="http://schemas.microsoft.com/office/drawing/2014/main" id="{C1E1772A-8C1A-43F8-A297-A2A1C4961A78}"/>
               </a:ext>
             </a:extLst>
           </p:cNvPr>
@@ -4540,7 +4524,7 @@
           <p:cNvPr id="15" name="Rectangle 14">
             <a:extLst>
               <a:ext uri="{FF2B5EF4-FFF2-40B4-BE49-F238E27FC236}">
-                <a16:creationId xmlns:a16="http://schemas.microsoft.com/office/drawing/2014/main" xmlns="" id="{97492751-E9EF-463C-8C1E-1AA3A9B1D816}"/>
+                <a16:creationId xmlns:a16="http://schemas.microsoft.com/office/drawing/2014/main" id="{97492751-E9EF-463C-8C1E-1AA3A9B1D816}"/>
               </a:ext>
             </a:extLst>
           </p:cNvPr>
@@ -4590,7 +4574,7 @@
           <p:cNvPr id="20" name="Content Placeholder 14">
             <a:extLst>
               <a:ext uri="{FF2B5EF4-FFF2-40B4-BE49-F238E27FC236}">
-                <a16:creationId xmlns:a16="http://schemas.microsoft.com/office/drawing/2014/main" xmlns="" id="{E6FA2C89-4818-4619-8F8B-31E5505EAF76}"/>
+                <a16:creationId xmlns:a16="http://schemas.microsoft.com/office/drawing/2014/main" id="{E6FA2C89-4818-4619-8F8B-31E5505EAF76}"/>
               </a:ext>
             </a:extLst>
           </p:cNvPr>
@@ -4636,7 +4620,7 @@
           <p:cNvPr id="21" name="Text Placeholder 16">
             <a:extLst>
               <a:ext uri="{FF2B5EF4-FFF2-40B4-BE49-F238E27FC236}">
-                <a16:creationId xmlns:a16="http://schemas.microsoft.com/office/drawing/2014/main" xmlns="" id="{67651986-01F3-4697-A0D4-31F6A1098310}"/>
+                <a16:creationId xmlns:a16="http://schemas.microsoft.com/office/drawing/2014/main" id="{67651986-01F3-4697-A0D4-31F6A1098310}"/>
               </a:ext>
             </a:extLst>
           </p:cNvPr>
@@ -4751,7 +4735,7 @@
           <p:cNvPr id="12" name="Content Placeholder 14">
             <a:extLst>
               <a:ext uri="{FF2B5EF4-FFF2-40B4-BE49-F238E27FC236}">
-                <a16:creationId xmlns:a16="http://schemas.microsoft.com/office/drawing/2014/main" xmlns="" id="{0D990D0E-21A8-4155-B955-886A21DE1825}"/>
+                <a16:creationId xmlns:a16="http://schemas.microsoft.com/office/drawing/2014/main" id="{0D990D0E-21A8-4155-B955-886A21DE1825}"/>
               </a:ext>
             </a:extLst>
           </p:cNvPr>
@@ -4797,7 +4781,7 @@
           <p:cNvPr id="13" name="Text Placeholder 16">
             <a:extLst>
               <a:ext uri="{FF2B5EF4-FFF2-40B4-BE49-F238E27FC236}">
-                <a16:creationId xmlns:a16="http://schemas.microsoft.com/office/drawing/2014/main" xmlns="" id="{E86030C3-0988-4616-B1A6-DC729760D6A1}"/>
+                <a16:creationId xmlns:a16="http://schemas.microsoft.com/office/drawing/2014/main" id="{E86030C3-0988-4616-B1A6-DC729760D6A1}"/>
               </a:ext>
             </a:extLst>
           </p:cNvPr>
@@ -4949,7 +4933,7 @@
   </p:clrMapOvr>
   <p:extLst>
     <p:ext uri="{DCECCB84-F9BA-43D5-87BE-67443E8EF086}">
-      <p15:sldGuideLst xmlns:p15="http://schemas.microsoft.com/office/powerpoint/2012/main" xmlns=""/>
+      <p15:sldGuideLst xmlns:p15="http://schemas.microsoft.com/office/powerpoint/2012/main"/>
     </p:ext>
   </p:extLst>
 </p:sldLayout>
@@ -4977,7 +4961,7 @@
           <p:cNvPr id="2" name="Rectangle 1">
             <a:extLst>
               <a:ext uri="{FF2B5EF4-FFF2-40B4-BE49-F238E27FC236}">
-                <a16:creationId xmlns:a16="http://schemas.microsoft.com/office/drawing/2014/main" xmlns="" id="{FA4B57A7-3A86-45DA-B5CA-AC7A481E3274}"/>
+                <a16:creationId xmlns:a16="http://schemas.microsoft.com/office/drawing/2014/main" id="{FA4B57A7-3A86-45DA-B5CA-AC7A481E3274}"/>
               </a:ext>
             </a:extLst>
           </p:cNvPr>
@@ -5034,7 +5018,7 @@
           <p:cNvPr id="3" name="Rectangle 2">
             <a:extLst>
               <a:ext uri="{FF2B5EF4-FFF2-40B4-BE49-F238E27FC236}">
-                <a16:creationId xmlns:a16="http://schemas.microsoft.com/office/drawing/2014/main" xmlns="" id="{14F3BCA9-2C74-4567-9FB2-2CE1AC28A6EC}"/>
+                <a16:creationId xmlns:a16="http://schemas.microsoft.com/office/drawing/2014/main" id="{14F3BCA9-2C74-4567-9FB2-2CE1AC28A6EC}"/>
               </a:ext>
             </a:extLst>
           </p:cNvPr>
@@ -5091,7 +5075,7 @@
           <p:cNvPr id="15" name="Picture Placeholder 12">
             <a:extLst>
               <a:ext uri="{FF2B5EF4-FFF2-40B4-BE49-F238E27FC236}">
-                <a16:creationId xmlns:a16="http://schemas.microsoft.com/office/drawing/2014/main" xmlns="" id="{86D9E3AF-002F-496A-AE6E-5675F6459273}"/>
+                <a16:creationId xmlns:a16="http://schemas.microsoft.com/office/drawing/2014/main" id="{86D9E3AF-002F-496A-AE6E-5675F6459273}"/>
               </a:ext>
             </a:extLst>
           </p:cNvPr>
@@ -5124,7 +5108,7 @@
           <p:cNvPr id="16" name="Picture Placeholder 11">
             <a:extLst>
               <a:ext uri="{FF2B5EF4-FFF2-40B4-BE49-F238E27FC236}">
-                <a16:creationId xmlns:a16="http://schemas.microsoft.com/office/drawing/2014/main" xmlns="" id="{86E48971-37C3-4BED-A53F-BBE4AE0A58D9}"/>
+                <a16:creationId xmlns:a16="http://schemas.microsoft.com/office/drawing/2014/main" id="{86E48971-37C3-4BED-A53F-BBE4AE0A58D9}"/>
               </a:ext>
             </a:extLst>
           </p:cNvPr>
@@ -5157,7 +5141,7 @@
           <p:cNvPr id="18" name="Picture Placeholder 14">
             <a:extLst>
               <a:ext uri="{FF2B5EF4-FFF2-40B4-BE49-F238E27FC236}">
-                <a16:creationId xmlns:a16="http://schemas.microsoft.com/office/drawing/2014/main" xmlns="" id="{E35617C7-C13A-4F76-8C0C-AF5E38C6227D}"/>
+                <a16:creationId xmlns:a16="http://schemas.microsoft.com/office/drawing/2014/main" id="{E35617C7-C13A-4F76-8C0C-AF5E38C6227D}"/>
               </a:ext>
             </a:extLst>
           </p:cNvPr>
@@ -5190,7 +5174,7 @@
           <p:cNvPr id="26" name="Text Placeholder 18">
             <a:extLst>
               <a:ext uri="{FF2B5EF4-FFF2-40B4-BE49-F238E27FC236}">
-                <a16:creationId xmlns:a16="http://schemas.microsoft.com/office/drawing/2014/main" xmlns="" id="{7DB83E81-869F-4BAD-AEC6-B87F2B879A30}"/>
+                <a16:creationId xmlns:a16="http://schemas.microsoft.com/office/drawing/2014/main" id="{7DB83E81-869F-4BAD-AEC6-B87F2B879A30}"/>
               </a:ext>
             </a:extLst>
           </p:cNvPr>
@@ -5328,7 +5312,7 @@
           <p:cNvPr id="30" name="Text Placeholder 18">
             <a:extLst>
               <a:ext uri="{FF2B5EF4-FFF2-40B4-BE49-F238E27FC236}">
-                <a16:creationId xmlns:a16="http://schemas.microsoft.com/office/drawing/2014/main" xmlns="" id="{6A9BD8AF-34CA-4F04-9A17-B45F6EB3AA9D}"/>
+                <a16:creationId xmlns:a16="http://schemas.microsoft.com/office/drawing/2014/main" id="{6A9BD8AF-34CA-4F04-9A17-B45F6EB3AA9D}"/>
               </a:ext>
             </a:extLst>
           </p:cNvPr>
@@ -5465,7 +5449,7 @@
           <p:cNvPr id="33" name="Text Placeholder 16">
             <a:extLst>
               <a:ext uri="{FF2B5EF4-FFF2-40B4-BE49-F238E27FC236}">
-                <a16:creationId xmlns:a16="http://schemas.microsoft.com/office/drawing/2014/main" xmlns="" id="{2390D74A-03BA-4C31-B59B-57CCDAF885DD}"/>
+                <a16:creationId xmlns:a16="http://schemas.microsoft.com/office/drawing/2014/main" id="{2390D74A-03BA-4C31-B59B-57CCDAF885DD}"/>
               </a:ext>
             </a:extLst>
           </p:cNvPr>
@@ -5518,7 +5502,7 @@
           <p:cNvPr id="34" name="Text Placeholder 18">
             <a:extLst>
               <a:ext uri="{FF2B5EF4-FFF2-40B4-BE49-F238E27FC236}">
-                <a16:creationId xmlns:a16="http://schemas.microsoft.com/office/drawing/2014/main" xmlns="" id="{50BE2EB5-0041-4D2D-A6AE-4DE92FEED83A}"/>
+                <a16:creationId xmlns:a16="http://schemas.microsoft.com/office/drawing/2014/main" id="{50BE2EB5-0041-4D2D-A6AE-4DE92FEED83A}"/>
               </a:ext>
             </a:extLst>
           </p:cNvPr>
@@ -5650,7 +5634,7 @@
           <p:cNvPr id="17" name="Title 3">
             <a:extLst>
               <a:ext uri="{FF2B5EF4-FFF2-40B4-BE49-F238E27FC236}">
-                <a16:creationId xmlns:a16="http://schemas.microsoft.com/office/drawing/2014/main" xmlns="" id="{7D4C849E-DCC1-4757-BBBF-C69B4CD0BD94}"/>
+                <a16:creationId xmlns:a16="http://schemas.microsoft.com/office/drawing/2014/main" id="{7D4C849E-DCC1-4757-BBBF-C69B4CD0BD94}"/>
               </a:ext>
             </a:extLst>
           </p:cNvPr>
@@ -5708,7 +5692,7 @@
   </p:clrMapOvr>
   <p:extLst>
     <p:ext uri="{DCECCB84-F9BA-43D5-87BE-67443E8EF086}">
-      <p15:sldGuideLst xmlns:p15="http://schemas.microsoft.com/office/powerpoint/2012/main" xmlns=""/>
+      <p15:sldGuideLst xmlns:p15="http://schemas.microsoft.com/office/powerpoint/2012/main"/>
     </p:ext>
   </p:extLst>
 </p:sldLayout>
@@ -5736,7 +5720,7 @@
           <p:cNvPr id="2" name="Rectangle 1">
             <a:extLst>
               <a:ext uri="{FF2B5EF4-FFF2-40B4-BE49-F238E27FC236}">
-                <a16:creationId xmlns:a16="http://schemas.microsoft.com/office/drawing/2014/main" xmlns="" id="{DF7DA993-9462-4064-B89B-BCEF27D4DACC}"/>
+                <a16:creationId xmlns:a16="http://schemas.microsoft.com/office/drawing/2014/main" id="{DF7DA993-9462-4064-B89B-BCEF27D4DACC}"/>
               </a:ext>
             </a:extLst>
           </p:cNvPr>
@@ -5797,7 +5781,7 @@
           <p:cNvPr id="3" name="Rectangle 2">
             <a:extLst>
               <a:ext uri="{FF2B5EF4-FFF2-40B4-BE49-F238E27FC236}">
-                <a16:creationId xmlns:a16="http://schemas.microsoft.com/office/drawing/2014/main" xmlns="" id="{C8931403-AA2F-415D-BC4C-E1168B62C473}"/>
+                <a16:creationId xmlns:a16="http://schemas.microsoft.com/office/drawing/2014/main" id="{C8931403-AA2F-415D-BC4C-E1168B62C473}"/>
               </a:ext>
             </a:extLst>
           </p:cNvPr>
@@ -5858,7 +5842,7 @@
           <p:cNvPr id="15" name="Picture Placeholder 12">
             <a:extLst>
               <a:ext uri="{FF2B5EF4-FFF2-40B4-BE49-F238E27FC236}">
-                <a16:creationId xmlns:a16="http://schemas.microsoft.com/office/drawing/2014/main" xmlns="" id="{86D9E3AF-002F-496A-AE6E-5675F6459273}"/>
+                <a16:creationId xmlns:a16="http://schemas.microsoft.com/office/drawing/2014/main" id="{86D9E3AF-002F-496A-AE6E-5675F6459273}"/>
               </a:ext>
             </a:extLst>
           </p:cNvPr>
@@ -5891,7 +5875,7 @@
           <p:cNvPr id="16" name="Picture Placeholder 11">
             <a:extLst>
               <a:ext uri="{FF2B5EF4-FFF2-40B4-BE49-F238E27FC236}">
-                <a16:creationId xmlns:a16="http://schemas.microsoft.com/office/drawing/2014/main" xmlns="" id="{86E48971-37C3-4BED-A53F-BBE4AE0A58D9}"/>
+                <a16:creationId xmlns:a16="http://schemas.microsoft.com/office/drawing/2014/main" id="{86E48971-37C3-4BED-A53F-BBE4AE0A58D9}"/>
               </a:ext>
             </a:extLst>
           </p:cNvPr>
@@ -5924,7 +5908,7 @@
           <p:cNvPr id="18" name="Picture Placeholder 14">
             <a:extLst>
               <a:ext uri="{FF2B5EF4-FFF2-40B4-BE49-F238E27FC236}">
-                <a16:creationId xmlns:a16="http://schemas.microsoft.com/office/drawing/2014/main" xmlns="" id="{E35617C7-C13A-4F76-8C0C-AF5E38C6227D}"/>
+                <a16:creationId xmlns:a16="http://schemas.microsoft.com/office/drawing/2014/main" id="{E35617C7-C13A-4F76-8C0C-AF5E38C6227D}"/>
               </a:ext>
             </a:extLst>
           </p:cNvPr>
@@ -5957,7 +5941,7 @@
           <p:cNvPr id="26" name="Text Placeholder 18">
             <a:extLst>
               <a:ext uri="{FF2B5EF4-FFF2-40B4-BE49-F238E27FC236}">
-                <a16:creationId xmlns:a16="http://schemas.microsoft.com/office/drawing/2014/main" xmlns="" id="{7DB83E81-869F-4BAD-AEC6-B87F2B879A30}"/>
+                <a16:creationId xmlns:a16="http://schemas.microsoft.com/office/drawing/2014/main" id="{7DB83E81-869F-4BAD-AEC6-B87F2B879A30}"/>
               </a:ext>
             </a:extLst>
           </p:cNvPr>
@@ -6110,7 +6094,7 @@
           <p:cNvPr id="24" name="Text Placeholder 16">
             <a:extLst>
               <a:ext uri="{FF2B5EF4-FFF2-40B4-BE49-F238E27FC236}">
-                <a16:creationId xmlns:a16="http://schemas.microsoft.com/office/drawing/2014/main" xmlns="" id="{998F7F43-9F0A-4A12-909E-A0A45D51298C}"/>
+                <a16:creationId xmlns:a16="http://schemas.microsoft.com/office/drawing/2014/main" id="{998F7F43-9F0A-4A12-909E-A0A45D51298C}"/>
               </a:ext>
             </a:extLst>
           </p:cNvPr>
@@ -6163,7 +6147,7 @@
           <p:cNvPr id="25" name="Text Placeholder 18">
             <a:extLst>
               <a:ext uri="{FF2B5EF4-FFF2-40B4-BE49-F238E27FC236}">
-                <a16:creationId xmlns:a16="http://schemas.microsoft.com/office/drawing/2014/main" xmlns="" id="{F5331389-512C-445A-AAE9-512161E8106E}"/>
+                <a16:creationId xmlns:a16="http://schemas.microsoft.com/office/drawing/2014/main" id="{F5331389-512C-445A-AAE9-512161E8106E}"/>
               </a:ext>
             </a:extLst>
           </p:cNvPr>
@@ -6316,7 +6300,7 @@
           <p:cNvPr id="14" name="Text Placeholder 18">
             <a:extLst>
               <a:ext uri="{FF2B5EF4-FFF2-40B4-BE49-F238E27FC236}">
-                <a16:creationId xmlns:a16="http://schemas.microsoft.com/office/drawing/2014/main" xmlns="" id="{77F65966-649A-4014-AAD1-3121592E2E38}"/>
+                <a16:creationId xmlns:a16="http://schemas.microsoft.com/office/drawing/2014/main" id="{77F65966-649A-4014-AAD1-3121592E2E38}"/>
               </a:ext>
             </a:extLst>
           </p:cNvPr>
@@ -6454,7 +6438,7 @@
           <p:cNvPr id="4" name="Title 3">
             <a:extLst>
               <a:ext uri="{FF2B5EF4-FFF2-40B4-BE49-F238E27FC236}">
-                <a16:creationId xmlns:a16="http://schemas.microsoft.com/office/drawing/2014/main" xmlns="" id="{059F801B-9725-432B-9CE8-6F353446EC4B}"/>
+                <a16:creationId xmlns:a16="http://schemas.microsoft.com/office/drawing/2014/main" id="{059F801B-9725-432B-9CE8-6F353446EC4B}"/>
               </a:ext>
             </a:extLst>
           </p:cNvPr>
@@ -6512,7 +6496,7 @@
   </p:clrMapOvr>
   <p:extLst>
     <p:ext uri="{DCECCB84-F9BA-43D5-87BE-67443E8EF086}">
-      <p15:sldGuideLst xmlns:p15="http://schemas.microsoft.com/office/powerpoint/2012/main" xmlns=""/>
+      <p15:sldGuideLst xmlns:p15="http://schemas.microsoft.com/office/powerpoint/2012/main"/>
     </p:ext>
   </p:extLst>
 </p:sldLayout>
@@ -6545,7 +6529,7 @@
           <p:cNvPr id="2" name="Title Placeholder 1">
             <a:extLst>
               <a:ext uri="{FF2B5EF4-FFF2-40B4-BE49-F238E27FC236}">
-                <a16:creationId xmlns:a16="http://schemas.microsoft.com/office/drawing/2014/main" xmlns="" id="{318615E1-5D6D-48CF-AD07-8B84FA4FCCB4}"/>
+                <a16:creationId xmlns:a16="http://schemas.microsoft.com/office/drawing/2014/main" id="{318615E1-5D6D-48CF-AD07-8B84FA4FCCB4}"/>
               </a:ext>
             </a:extLst>
           </p:cNvPr>
@@ -6583,7 +6567,7 @@
           <p:cNvPr id="3" name="Text Placeholder 2">
             <a:extLst>
               <a:ext uri="{FF2B5EF4-FFF2-40B4-BE49-F238E27FC236}">
-                <a16:creationId xmlns:a16="http://schemas.microsoft.com/office/drawing/2014/main" xmlns="" id="{E257D790-2770-4A00-BC9B-FA42651B62EE}"/>
+                <a16:creationId xmlns:a16="http://schemas.microsoft.com/office/drawing/2014/main" id="{E257D790-2770-4A00-BC9B-FA42651B62EE}"/>
               </a:ext>
             </a:extLst>
           </p:cNvPr>
@@ -6959,7 +6943,7 @@
   </p:txStyles>
   <p:extLst>
     <p:ext uri="{27BBF7A9-308A-43DC-89C8-2F10F3537804}">
-      <p15:sldGuideLst xmlns:p15="http://schemas.microsoft.com/office/powerpoint/2012/main" xmlns="">
+      <p15:sldGuideLst xmlns:p15="http://schemas.microsoft.com/office/powerpoint/2012/main">
         <p15:guide id="2" pos="2112" userDrawn="1">
           <p15:clr>
             <a:srgbClr val="F26B43"/>
@@ -7032,7 +7016,7 @@
         <p:cNvPr id="1" name="">
           <a:extLst>
             <a:ext uri="{FF2B5EF4-FFF2-40B4-BE49-F238E27FC236}">
-              <a16:creationId xmlns:a16="http://schemas.microsoft.com/office/drawing/2014/main" xmlns="" id="{D5C53301-8343-ADFD-88F6-3D781E6041C7}"/>
+              <a16:creationId xmlns:a16="http://schemas.microsoft.com/office/drawing/2014/main" id="{D5C53301-8343-ADFD-88F6-3D781E6041C7}"/>
             </a:ext>
           </a:extLst>
         </p:cNvPr>
@@ -7052,10 +7036,10 @@
           <p:cNvPr id="51" name="Rectangle 50">
             <a:extLst>
               <a:ext uri="{FF2B5EF4-FFF2-40B4-BE49-F238E27FC236}">
-                <a16:creationId xmlns:a16="http://schemas.microsoft.com/office/drawing/2014/main" xmlns="" id="{870A1295-61BC-4214-AA3E-D396673024D0}"/>
+                <a16:creationId xmlns:a16="http://schemas.microsoft.com/office/drawing/2014/main" id="{870A1295-61BC-4214-AA3E-D396673024D0}"/>
               </a:ext>
               <a:ext uri="{C183D7F6-B498-43B3-948B-1728B52AA6E4}">
-                <adec:decorative xmlns:adec="http://schemas.microsoft.com/office/drawing/2017/decorative" xmlns="" val="1"/>
+                <adec:decorative xmlns:adec="http://schemas.microsoft.com/office/drawing/2017/decorative" val="1"/>
               </a:ext>
             </a:extLst>
           </p:cNvPr>
@@ -7065,7 +7049,7 @@
           <p:nvPr>
             <p:extLst>
               <p:ext uri="{386F3935-93C4-4BCD-93E2-E3B085C9AB24}">
-                <p16:designElem xmlns:p16="http://schemas.microsoft.com/office/powerpoint/2015/main" xmlns="" val="1"/>
+                <p16:designElem xmlns:p16="http://schemas.microsoft.com/office/powerpoint/2015/main" val="1"/>
               </p:ext>
             </p:extLst>
           </p:nvPr>
@@ -7112,7 +7096,7 @@
           <p:cNvPr id="41" name="Picture Placeholder 40">
             <a:extLst>
               <a:ext uri="{FF2B5EF4-FFF2-40B4-BE49-F238E27FC236}">
-                <a16:creationId xmlns:a16="http://schemas.microsoft.com/office/drawing/2014/main" xmlns="" id="{329A0265-5337-8762-1546-57BFFDCC48FD}"/>
+                <a16:creationId xmlns:a16="http://schemas.microsoft.com/office/drawing/2014/main" id="{329A0265-5337-8762-1546-57BFFDCC48FD}"/>
               </a:ext>
             </a:extLst>
           </p:cNvPr>
@@ -7143,10 +7127,10 @@
           <p:cNvPr id="53" name="Group 52">
             <a:extLst>
               <a:ext uri="{FF2B5EF4-FFF2-40B4-BE49-F238E27FC236}">
-                <a16:creationId xmlns:a16="http://schemas.microsoft.com/office/drawing/2014/main" xmlns="" id="{0B139475-2B26-4CA9-9413-DE741E49F7BB}"/>
+                <a16:creationId xmlns:a16="http://schemas.microsoft.com/office/drawing/2014/main" id="{0B139475-2B26-4CA9-9413-DE741E49F7BB}"/>
               </a:ext>
               <a:ext uri="{C183D7F6-B498-43B3-948B-1728B52AA6E4}">
-                <adec:decorative xmlns:adec="http://schemas.microsoft.com/office/drawing/2017/decorative" xmlns="" val="1"/>
+                <adec:decorative xmlns:adec="http://schemas.microsoft.com/office/drawing/2017/decorative" val="1"/>
               </a:ext>
             </a:extLst>
           </p:cNvPr>
@@ -7156,7 +7140,7 @@
           <p:nvPr>
             <p:extLst>
               <p:ext uri="{386F3935-93C4-4BCD-93E2-E3B085C9AB24}">
-                <p16:designElem xmlns:p16="http://schemas.microsoft.com/office/powerpoint/2015/main" xmlns="" val="1"/>
+                <p16:designElem xmlns:p16="http://schemas.microsoft.com/office/powerpoint/2015/main" val="1"/>
               </p:ext>
             </p:extLst>
           </p:nvPr>
@@ -7174,10 +7158,10 @@
             <p:cNvPr id="54" name="Freeform: Shape 53">
               <a:extLst>
                 <a:ext uri="{FF2B5EF4-FFF2-40B4-BE49-F238E27FC236}">
-                  <a16:creationId xmlns:a16="http://schemas.microsoft.com/office/drawing/2014/main" xmlns="" id="{16C6BF63-6277-4C39-BE5D-3C341662CE4E}"/>
+                  <a16:creationId xmlns:a16="http://schemas.microsoft.com/office/drawing/2014/main" id="{16C6BF63-6277-4C39-BE5D-3C341662CE4E}"/>
                 </a:ext>
                 <a:ext uri="{C183D7F6-B498-43B3-948B-1728B52AA6E4}">
-                  <adec:decorative xmlns:adec="http://schemas.microsoft.com/office/drawing/2017/decorative" xmlns="" val="1"/>
+                  <adec:decorative xmlns:adec="http://schemas.microsoft.com/office/drawing/2017/decorative" val="1"/>
                 </a:ext>
               </a:extLst>
             </p:cNvPr>
@@ -7185,7 +7169,7 @@
             <p:nvPr>
               <p:extLst>
                 <p:ext uri="{386F3935-93C4-4BCD-93E2-E3B085C9AB24}">
-                  <p16:designElem xmlns:p16="http://schemas.microsoft.com/office/powerpoint/2015/main" xmlns="" val="1"/>
+                  <p16:designElem xmlns:p16="http://schemas.microsoft.com/office/powerpoint/2015/main" val="1"/>
                 </p:ext>
               </p:extLst>
             </p:nvPr>
@@ -7410,10 +7394,10 @@
             <p:cNvPr id="55" name="Freeform: Shape 54">
               <a:extLst>
                 <a:ext uri="{FF2B5EF4-FFF2-40B4-BE49-F238E27FC236}">
-                  <a16:creationId xmlns:a16="http://schemas.microsoft.com/office/drawing/2014/main" xmlns="" id="{6EA3BAD9-C130-4A9C-9086-20D132A6CF29}"/>
+                  <a16:creationId xmlns:a16="http://schemas.microsoft.com/office/drawing/2014/main" id="{6EA3BAD9-C130-4A9C-9086-20D132A6CF29}"/>
                 </a:ext>
                 <a:ext uri="{C183D7F6-B498-43B3-948B-1728B52AA6E4}">
-                  <adec:decorative xmlns:adec="http://schemas.microsoft.com/office/drawing/2017/decorative" xmlns="" val="1"/>
+                  <adec:decorative xmlns:adec="http://schemas.microsoft.com/office/drawing/2017/decorative" val="1"/>
                 </a:ext>
               </a:extLst>
             </p:cNvPr>
@@ -7421,7 +7405,7 @@
             <p:nvPr>
               <p:extLst>
                 <p:ext uri="{386F3935-93C4-4BCD-93E2-E3B085C9AB24}">
-                  <p16:designElem xmlns:p16="http://schemas.microsoft.com/office/powerpoint/2015/main" xmlns="" val="1"/>
+                  <p16:designElem xmlns:p16="http://schemas.microsoft.com/office/powerpoint/2015/main" val="1"/>
                 </p:ext>
               </p:extLst>
             </p:nvPr>
@@ -8429,10 +8413,10 @@
             <p:cNvPr id="56" name="Freeform: Shape 55">
               <a:extLst>
                 <a:ext uri="{FF2B5EF4-FFF2-40B4-BE49-F238E27FC236}">
-                  <a16:creationId xmlns:a16="http://schemas.microsoft.com/office/drawing/2014/main" xmlns="" id="{2587D38B-9E07-4A8B-B285-5FEBF6A60DC7}"/>
+                  <a16:creationId xmlns:a16="http://schemas.microsoft.com/office/drawing/2014/main" id="{2587D38B-9E07-4A8B-B285-5FEBF6A60DC7}"/>
                 </a:ext>
                 <a:ext uri="{C183D7F6-B498-43B3-948B-1728B52AA6E4}">
-                  <adec:decorative xmlns:adec="http://schemas.microsoft.com/office/drawing/2017/decorative" xmlns="" val="1"/>
+                  <adec:decorative xmlns:adec="http://schemas.microsoft.com/office/drawing/2017/decorative" val="1"/>
                 </a:ext>
               </a:extLst>
             </p:cNvPr>
@@ -8440,7 +8424,7 @@
             <p:nvPr>
               <p:extLst>
                 <p:ext uri="{386F3935-93C4-4BCD-93E2-E3B085C9AB24}">
-                  <p16:designElem xmlns:p16="http://schemas.microsoft.com/office/powerpoint/2015/main" xmlns="" val="1"/>
+                  <p16:designElem xmlns:p16="http://schemas.microsoft.com/office/powerpoint/2015/main" val="1"/>
                 </p:ext>
               </p:extLst>
             </p:nvPr>
@@ -9430,10 +9414,10 @@
             <p:cNvPr id="57" name="Freeform: Shape 56">
               <a:extLst>
                 <a:ext uri="{FF2B5EF4-FFF2-40B4-BE49-F238E27FC236}">
-                  <a16:creationId xmlns:a16="http://schemas.microsoft.com/office/drawing/2014/main" xmlns="" id="{5EF4DD4B-217B-4346-A2B8-4327936399CA}"/>
+                  <a16:creationId xmlns:a16="http://schemas.microsoft.com/office/drawing/2014/main" id="{5EF4DD4B-217B-4346-A2B8-4327936399CA}"/>
                 </a:ext>
                 <a:ext uri="{C183D7F6-B498-43B3-948B-1728B52AA6E4}">
-                  <adec:decorative xmlns:adec="http://schemas.microsoft.com/office/drawing/2017/decorative" xmlns="" val="1"/>
+                  <adec:decorative xmlns:adec="http://schemas.microsoft.com/office/drawing/2017/decorative" val="1"/>
                 </a:ext>
               </a:extLst>
             </p:cNvPr>
@@ -9441,7 +9425,7 @@
             <p:nvPr>
               <p:extLst>
                 <p:ext uri="{386F3935-93C4-4BCD-93E2-E3B085C9AB24}">
-                  <p16:designElem xmlns:p16="http://schemas.microsoft.com/office/powerpoint/2015/main" xmlns="" val="1"/>
+                  <p16:designElem xmlns:p16="http://schemas.microsoft.com/office/powerpoint/2015/main" val="1"/>
                 </p:ext>
               </p:extLst>
             </p:nvPr>
@@ -10342,7 +10326,7 @@
           <p:cNvPr id="6" name="Content Placeholder 3">
             <a:extLst>
               <a:ext uri="{FF2B5EF4-FFF2-40B4-BE49-F238E27FC236}">
-                <a16:creationId xmlns:a16="http://schemas.microsoft.com/office/drawing/2014/main" xmlns="" id="{23133077-9AFB-1C43-7D9D-CBBCAC517A78}"/>
+                <a16:creationId xmlns:a16="http://schemas.microsoft.com/office/drawing/2014/main" id="{23133077-9AFB-1C43-7D9D-CBBCAC517A78}"/>
               </a:ext>
             </a:extLst>
           </p:cNvPr>
@@ -10386,7 +10370,7 @@
           <p:cNvPr id="7" name="Text Placeholder 4">
             <a:extLst>
               <a:ext uri="{FF2B5EF4-FFF2-40B4-BE49-F238E27FC236}">
-                <a16:creationId xmlns:a16="http://schemas.microsoft.com/office/drawing/2014/main" xmlns="" id="{9B751328-D16F-48F5-34DA-40F821D533BC}"/>
+                <a16:creationId xmlns:a16="http://schemas.microsoft.com/office/drawing/2014/main" id="{9B751328-D16F-48F5-34DA-40F821D533BC}"/>
               </a:ext>
             </a:extLst>
           </p:cNvPr>
@@ -10475,7 +10459,7 @@
           <p:cNvPr id="8" name="Content Placeholder 38">
             <a:extLst>
               <a:ext uri="{FF2B5EF4-FFF2-40B4-BE49-F238E27FC236}">
-                <a16:creationId xmlns:a16="http://schemas.microsoft.com/office/drawing/2014/main" xmlns="" id="{D8F46DF2-CFE4-A8FA-F9CF-B9010BB1F23D}"/>
+                <a16:creationId xmlns:a16="http://schemas.microsoft.com/office/drawing/2014/main" id="{D8F46DF2-CFE4-A8FA-F9CF-B9010BB1F23D}"/>
               </a:ext>
             </a:extLst>
           </p:cNvPr>
@@ -10568,7 +10552,7 @@
         <p:cNvPr id="1" name="">
           <a:extLst>
             <a:ext uri="{FF2B5EF4-FFF2-40B4-BE49-F238E27FC236}">
-              <a16:creationId xmlns:a16="http://schemas.microsoft.com/office/drawing/2014/main" xmlns="" id="{F1F63712-DCF7-7FB6-CD1E-404F819B009A}"/>
+              <a16:creationId xmlns:a16="http://schemas.microsoft.com/office/drawing/2014/main" id="{F1F63712-DCF7-7FB6-CD1E-404F819B009A}"/>
             </a:ext>
           </a:extLst>
         </p:cNvPr>
@@ -10588,10 +10572,10 @@
           <p:cNvPr id="27" name="Rectangle 26">
             <a:extLst>
               <a:ext uri="{FF2B5EF4-FFF2-40B4-BE49-F238E27FC236}">
-                <a16:creationId xmlns:a16="http://schemas.microsoft.com/office/drawing/2014/main" xmlns="" id="{8156857F-BFAB-179B-3832-2A3B5E214362}"/>
+                <a16:creationId xmlns:a16="http://schemas.microsoft.com/office/drawing/2014/main" id="{8156857F-BFAB-179B-3832-2A3B5E214362}"/>
               </a:ext>
               <a:ext uri="{C183D7F6-B498-43B3-948B-1728B52AA6E4}">
-                <adec:decorative xmlns:adec="http://schemas.microsoft.com/office/drawing/2017/decorative" xmlns="" val="1"/>
+                <adec:decorative xmlns:adec="http://schemas.microsoft.com/office/drawing/2017/decorative" val="1"/>
               </a:ext>
             </a:extLst>
           </p:cNvPr>
@@ -10601,7 +10585,7 @@
           <p:nvPr>
             <p:extLst>
               <p:ext uri="{386F3935-93C4-4BCD-93E2-E3B085C9AB24}">
-                <p16:designElem xmlns:p16="http://schemas.microsoft.com/office/powerpoint/2015/main" xmlns="" val="1"/>
+                <p16:designElem xmlns:p16="http://schemas.microsoft.com/office/powerpoint/2015/main" val="1"/>
               </p:ext>
             </p:extLst>
           </p:nvPr>
@@ -10651,10 +10635,10 @@
           <p:cNvPr id="29" name="Freeform: Shape 28">
             <a:extLst>
               <a:ext uri="{FF2B5EF4-FFF2-40B4-BE49-F238E27FC236}">
-                <a16:creationId xmlns:a16="http://schemas.microsoft.com/office/drawing/2014/main" xmlns="" id="{25B32F72-8238-5E0C-5301-8221F8E52BA8}"/>
+                <a16:creationId xmlns:a16="http://schemas.microsoft.com/office/drawing/2014/main" id="{25B32F72-8238-5E0C-5301-8221F8E52BA8}"/>
               </a:ext>
               <a:ext uri="{C183D7F6-B498-43B3-948B-1728B52AA6E4}">
-                <adec:decorative xmlns:adec="http://schemas.microsoft.com/office/drawing/2017/decorative" xmlns="" val="1"/>
+                <adec:decorative xmlns:adec="http://schemas.microsoft.com/office/drawing/2017/decorative" val="1"/>
               </a:ext>
             </a:extLst>
           </p:cNvPr>
@@ -10664,7 +10648,7 @@
           <p:nvPr>
             <p:extLst>
               <p:ext uri="{386F3935-93C4-4BCD-93E2-E3B085C9AB24}">
-                <p16:designElem xmlns:p16="http://schemas.microsoft.com/office/powerpoint/2015/main" xmlns="" val="1"/>
+                <p16:designElem xmlns:p16="http://schemas.microsoft.com/office/powerpoint/2015/main" val="1"/>
               </p:ext>
             </p:extLst>
           </p:nvPr>
@@ -10767,10 +10751,10 @@
           <p:cNvPr id="31" name="Rectangle 30">
             <a:extLst>
               <a:ext uri="{FF2B5EF4-FFF2-40B4-BE49-F238E27FC236}">
-                <a16:creationId xmlns:a16="http://schemas.microsoft.com/office/drawing/2014/main" xmlns="" id="{44DBA55B-2EA7-7FFD-289B-95AC2464D02B}"/>
+                <a16:creationId xmlns:a16="http://schemas.microsoft.com/office/drawing/2014/main" id="{44DBA55B-2EA7-7FFD-289B-95AC2464D02B}"/>
               </a:ext>
               <a:ext uri="{C183D7F6-B498-43B3-948B-1728B52AA6E4}">
-                <adec:decorative xmlns:adec="http://schemas.microsoft.com/office/drawing/2017/decorative" xmlns="" val="1"/>
+                <adec:decorative xmlns:adec="http://schemas.microsoft.com/office/drawing/2017/decorative" val="1"/>
               </a:ext>
             </a:extLst>
           </p:cNvPr>
@@ -10780,7 +10764,7 @@
           <p:nvPr>
             <p:extLst>
               <p:ext uri="{386F3935-93C4-4BCD-93E2-E3B085C9AB24}">
-                <p16:designElem xmlns:p16="http://schemas.microsoft.com/office/powerpoint/2015/main" xmlns="" val="1"/>
+                <p16:designElem xmlns:p16="http://schemas.microsoft.com/office/powerpoint/2015/main" val="1"/>
               </p:ext>
             </p:extLst>
           </p:nvPr>
@@ -10832,10 +10816,10 @@
           <p:cNvPr id="33" name="Rectangle 32">
             <a:extLst>
               <a:ext uri="{FF2B5EF4-FFF2-40B4-BE49-F238E27FC236}">
-                <a16:creationId xmlns:a16="http://schemas.microsoft.com/office/drawing/2014/main" xmlns="" id="{803ED4A3-E6F6-A9E4-7297-5C1FBACCEFC5}"/>
+                <a16:creationId xmlns:a16="http://schemas.microsoft.com/office/drawing/2014/main" id="{803ED4A3-E6F6-A9E4-7297-5C1FBACCEFC5}"/>
               </a:ext>
               <a:ext uri="{C183D7F6-B498-43B3-948B-1728B52AA6E4}">
-                <adec:decorative xmlns:adec="http://schemas.microsoft.com/office/drawing/2017/decorative" xmlns="" val="1"/>
+                <adec:decorative xmlns:adec="http://schemas.microsoft.com/office/drawing/2017/decorative" val="1"/>
               </a:ext>
             </a:extLst>
           </p:cNvPr>
@@ -10845,7 +10829,7 @@
           <p:nvPr>
             <p:extLst>
               <p:ext uri="{386F3935-93C4-4BCD-93E2-E3B085C9AB24}">
-                <p16:designElem xmlns:p16="http://schemas.microsoft.com/office/powerpoint/2015/main" xmlns="" val="1"/>
+                <p16:designElem xmlns:p16="http://schemas.microsoft.com/office/powerpoint/2015/main" val="1"/>
               </p:ext>
             </p:extLst>
           </p:nvPr>
@@ -10897,10 +10881,10 @@
           <p:cNvPr id="35" name="Freeform: Shape 34">
             <a:extLst>
               <a:ext uri="{FF2B5EF4-FFF2-40B4-BE49-F238E27FC236}">
-                <a16:creationId xmlns:a16="http://schemas.microsoft.com/office/drawing/2014/main" xmlns="" id="{F759BBD1-D9C3-0F46-D07F-870E04C43D55}"/>
+                <a16:creationId xmlns:a16="http://schemas.microsoft.com/office/drawing/2014/main" id="{F759BBD1-D9C3-0F46-D07F-870E04C43D55}"/>
               </a:ext>
               <a:ext uri="{C183D7F6-B498-43B3-948B-1728B52AA6E4}">
-                <adec:decorative xmlns:adec="http://schemas.microsoft.com/office/drawing/2017/decorative" xmlns="" val="1"/>
+                <adec:decorative xmlns:adec="http://schemas.microsoft.com/office/drawing/2017/decorative" val="1"/>
               </a:ext>
             </a:extLst>
           </p:cNvPr>
@@ -10910,7 +10894,7 @@
           <p:nvPr>
             <p:extLst>
               <p:ext uri="{386F3935-93C4-4BCD-93E2-E3B085C9AB24}">
-                <p16:designElem xmlns:p16="http://schemas.microsoft.com/office/powerpoint/2015/main" xmlns="" val="1"/>
+                <p16:designElem xmlns:p16="http://schemas.microsoft.com/office/powerpoint/2015/main" val="1"/>
               </p:ext>
             </p:extLst>
           </p:nvPr>
@@ -11007,10 +10991,10 @@
           <p:cNvPr id="37" name="Isosceles Triangle 36">
             <a:extLst>
               <a:ext uri="{FF2B5EF4-FFF2-40B4-BE49-F238E27FC236}">
-                <a16:creationId xmlns:a16="http://schemas.microsoft.com/office/drawing/2014/main" xmlns="" id="{DCFBF983-ECAB-18D5-301E-4CEB1E72C8F1}"/>
+                <a16:creationId xmlns:a16="http://schemas.microsoft.com/office/drawing/2014/main" id="{DCFBF983-ECAB-18D5-301E-4CEB1E72C8F1}"/>
               </a:ext>
               <a:ext uri="{C183D7F6-B498-43B3-948B-1728B52AA6E4}">
-                <adec:decorative xmlns:adec="http://schemas.microsoft.com/office/drawing/2017/decorative" xmlns="" val="1"/>
+                <adec:decorative xmlns:adec="http://schemas.microsoft.com/office/drawing/2017/decorative" val="1"/>
               </a:ext>
             </a:extLst>
           </p:cNvPr>
@@ -11020,7 +11004,7 @@
           <p:nvPr>
             <p:extLst>
               <p:ext uri="{386F3935-93C4-4BCD-93E2-E3B085C9AB24}">
-                <p16:designElem xmlns:p16="http://schemas.microsoft.com/office/powerpoint/2015/main" xmlns="" val="1"/>
+                <p16:designElem xmlns:p16="http://schemas.microsoft.com/office/powerpoint/2015/main" val="1"/>
               </p:ext>
             </p:extLst>
           </p:nvPr>
@@ -11072,10 +11056,10 @@
           <p:cNvPr id="39" name="Isosceles Triangle 38">
             <a:extLst>
               <a:ext uri="{FF2B5EF4-FFF2-40B4-BE49-F238E27FC236}">
-                <a16:creationId xmlns:a16="http://schemas.microsoft.com/office/drawing/2014/main" xmlns="" id="{3C16498B-A146-11F6-EB6C-1AC65F0C9457}"/>
+                <a16:creationId xmlns:a16="http://schemas.microsoft.com/office/drawing/2014/main" id="{3C16498B-A146-11F6-EB6C-1AC65F0C9457}"/>
               </a:ext>
               <a:ext uri="{C183D7F6-B498-43B3-948B-1728B52AA6E4}">
-                <adec:decorative xmlns:adec="http://schemas.microsoft.com/office/drawing/2017/decorative" xmlns="" val="1"/>
+                <adec:decorative xmlns:adec="http://schemas.microsoft.com/office/drawing/2017/decorative" val="1"/>
               </a:ext>
             </a:extLst>
           </p:cNvPr>
@@ -11085,7 +11069,7 @@
           <p:nvPr>
             <p:extLst>
               <p:ext uri="{386F3935-93C4-4BCD-93E2-E3B085C9AB24}">
-                <p16:designElem xmlns:p16="http://schemas.microsoft.com/office/powerpoint/2015/main" xmlns="" val="1"/>
+                <p16:designElem xmlns:p16="http://schemas.microsoft.com/office/powerpoint/2015/main" val="1"/>
               </p:ext>
             </p:extLst>
           </p:nvPr>
@@ -11137,7 +11121,7 @@
           <p:cNvPr id="26" name="TextBox 25">
             <a:extLst>
               <a:ext uri="{FF2B5EF4-FFF2-40B4-BE49-F238E27FC236}">
-                <a16:creationId xmlns:a16="http://schemas.microsoft.com/office/drawing/2014/main" xmlns="" id="{69D98DB2-A86A-133F-F60A-9FEFEE6B32B6}"/>
+                <a16:creationId xmlns:a16="http://schemas.microsoft.com/office/drawing/2014/main" id="{69D98DB2-A86A-133F-F60A-9FEFEE6B32B6}"/>
               </a:ext>
             </a:extLst>
           </p:cNvPr>
@@ -11188,7 +11172,7 @@
           <p:cNvPr id="28" name="TextBox 27">
             <a:extLst>
               <a:ext uri="{FF2B5EF4-FFF2-40B4-BE49-F238E27FC236}">
-                <a16:creationId xmlns:a16="http://schemas.microsoft.com/office/drawing/2014/main" xmlns="" id="{01A3F7CE-72E4-C4EC-6307-7789992692F6}"/>
+                <a16:creationId xmlns:a16="http://schemas.microsoft.com/office/drawing/2014/main" id="{01A3F7CE-72E4-C4EC-6307-7789992692F6}"/>
               </a:ext>
             </a:extLst>
           </p:cNvPr>
@@ -11345,7 +11329,7 @@
           <p:cNvPr id="3" name="Picture Placeholder 2">
             <a:extLst>
               <a:ext uri="{FF2B5EF4-FFF2-40B4-BE49-F238E27FC236}">
-                <a16:creationId xmlns:a16="http://schemas.microsoft.com/office/drawing/2014/main" xmlns="" id="{6528BD2B-6DCE-E764-6196-D85CB05C09B8}"/>
+                <a16:creationId xmlns:a16="http://schemas.microsoft.com/office/drawing/2014/main" id="{6528BD2B-6DCE-E764-6196-D85CB05C09B8}"/>
               </a:ext>
             </a:extLst>
           </p:cNvPr>
@@ -11370,7 +11354,7 @@
           <p:cNvPr id="4" name="Picture 3">
             <a:extLst>
               <a:ext uri="{FF2B5EF4-FFF2-40B4-BE49-F238E27FC236}">
-                <a16:creationId xmlns:a16="http://schemas.microsoft.com/office/drawing/2014/main" xmlns="" id="{261E99A0-E5F0-D732-2211-333F3A759E00}"/>
+                <a16:creationId xmlns:a16="http://schemas.microsoft.com/office/drawing/2014/main" id="{261E99A0-E5F0-D732-2211-333F3A759E00}"/>
               </a:ext>
             </a:extLst>
           </p:cNvPr>
@@ -11424,7 +11408,7 @@
         <p:cNvPr id="1" name="">
           <a:extLst>
             <a:ext uri="{FF2B5EF4-FFF2-40B4-BE49-F238E27FC236}">
-              <a16:creationId xmlns:a16="http://schemas.microsoft.com/office/drawing/2014/main" xmlns="" id="{07076CFD-B08F-D550-E0F7-AD5D4BF78572}"/>
+              <a16:creationId xmlns:a16="http://schemas.microsoft.com/office/drawing/2014/main" id="{07076CFD-B08F-D550-E0F7-AD5D4BF78572}"/>
             </a:ext>
           </a:extLst>
         </p:cNvPr>
@@ -11444,10 +11428,10 @@
           <p:cNvPr id="27" name="Rectangle 26">
             <a:extLst>
               <a:ext uri="{FF2B5EF4-FFF2-40B4-BE49-F238E27FC236}">
-                <a16:creationId xmlns:a16="http://schemas.microsoft.com/office/drawing/2014/main" xmlns="" id="{86FF76B9-219D-4469-AF87-0236D29032F1}"/>
+                <a16:creationId xmlns:a16="http://schemas.microsoft.com/office/drawing/2014/main" id="{86FF76B9-219D-4469-AF87-0236D29032F1}"/>
               </a:ext>
               <a:ext uri="{C183D7F6-B498-43B3-948B-1728B52AA6E4}">
-                <adec:decorative xmlns:adec="http://schemas.microsoft.com/office/drawing/2017/decorative" xmlns="" val="1"/>
+                <adec:decorative xmlns:adec="http://schemas.microsoft.com/office/drawing/2017/decorative" val="1"/>
               </a:ext>
             </a:extLst>
           </p:cNvPr>
@@ -11457,7 +11441,7 @@
           <p:nvPr>
             <p:extLst>
               <p:ext uri="{386F3935-93C4-4BCD-93E2-E3B085C9AB24}">
-                <p16:designElem xmlns:p16="http://schemas.microsoft.com/office/powerpoint/2015/main" xmlns="" val="1"/>
+                <p16:designElem xmlns:p16="http://schemas.microsoft.com/office/powerpoint/2015/main" val="1"/>
               </p:ext>
             </p:extLst>
           </p:nvPr>
@@ -11507,10 +11491,10 @@
           <p:cNvPr id="29" name="Group 28">
             <a:extLst>
               <a:ext uri="{FF2B5EF4-FFF2-40B4-BE49-F238E27FC236}">
-                <a16:creationId xmlns:a16="http://schemas.microsoft.com/office/drawing/2014/main" xmlns="" id="{DB88BD78-87E1-424D-B479-C37D8E41B12E}"/>
+                <a16:creationId xmlns:a16="http://schemas.microsoft.com/office/drawing/2014/main" id="{DB88BD78-87E1-424D-B479-C37D8E41B12E}"/>
               </a:ext>
               <a:ext uri="{C183D7F6-B498-43B3-948B-1728B52AA6E4}">
-                <adec:decorative xmlns:adec="http://schemas.microsoft.com/office/drawing/2017/decorative" xmlns="" val="1"/>
+                <adec:decorative xmlns:adec="http://schemas.microsoft.com/office/drawing/2017/decorative" val="1"/>
               </a:ext>
             </a:extLst>
           </p:cNvPr>
@@ -11520,7 +11504,7 @@
           <p:nvPr>
             <p:extLst>
               <p:ext uri="{386F3935-93C4-4BCD-93E2-E3B085C9AB24}">
-                <p16:designElem xmlns:p16="http://schemas.microsoft.com/office/powerpoint/2015/main" xmlns="" val="1"/>
+                <p16:designElem xmlns:p16="http://schemas.microsoft.com/office/powerpoint/2015/main" val="1"/>
               </p:ext>
             </p:extLst>
           </p:nvPr>
@@ -11538,10 +11522,10 @@
             <p:cNvPr id="30" name="Freeform: Shape 29">
               <a:extLst>
                 <a:ext uri="{FF2B5EF4-FFF2-40B4-BE49-F238E27FC236}">
-                  <a16:creationId xmlns:a16="http://schemas.microsoft.com/office/drawing/2014/main" xmlns="" id="{C05EB894-9410-4B20-95E4-7A25101AB895}"/>
+                  <a16:creationId xmlns:a16="http://schemas.microsoft.com/office/drawing/2014/main" id="{C05EB894-9410-4B20-95E4-7A25101AB895}"/>
                 </a:ext>
                 <a:ext uri="{C183D7F6-B498-43B3-948B-1728B52AA6E4}">
-                  <adec:decorative xmlns:adec="http://schemas.microsoft.com/office/drawing/2017/decorative" xmlns="" val="1"/>
+                  <adec:decorative xmlns:adec="http://schemas.microsoft.com/office/drawing/2017/decorative" val="1"/>
                 </a:ext>
               </a:extLst>
             </p:cNvPr>
@@ -11549,7 +11533,7 @@
             <p:nvPr>
               <p:extLst>
                 <p:ext uri="{386F3935-93C4-4BCD-93E2-E3B085C9AB24}">
-                  <p16:designElem xmlns:p16="http://schemas.microsoft.com/office/powerpoint/2015/main" xmlns="" val="1"/>
+                  <p16:designElem xmlns:p16="http://schemas.microsoft.com/office/powerpoint/2015/main" val="1"/>
                 </p:ext>
               </p:extLst>
             </p:nvPr>
@@ -11652,10 +11636,10 @@
             <p:cNvPr id="31" name="Rectangle 30">
               <a:extLst>
                 <a:ext uri="{FF2B5EF4-FFF2-40B4-BE49-F238E27FC236}">
-                  <a16:creationId xmlns:a16="http://schemas.microsoft.com/office/drawing/2014/main" xmlns="" id="{166E38B6-B050-4340-8E8F-3A971DADC031}"/>
+                  <a16:creationId xmlns:a16="http://schemas.microsoft.com/office/drawing/2014/main" id="{166E38B6-B050-4340-8E8F-3A971DADC031}"/>
                 </a:ext>
                 <a:ext uri="{C183D7F6-B498-43B3-948B-1728B52AA6E4}">
-                  <adec:decorative xmlns:adec="http://schemas.microsoft.com/office/drawing/2017/decorative" xmlns="" val="1"/>
+                  <adec:decorative xmlns:adec="http://schemas.microsoft.com/office/drawing/2017/decorative" val="1"/>
                 </a:ext>
               </a:extLst>
             </p:cNvPr>
@@ -11663,7 +11647,7 @@
             <p:nvPr>
               <p:extLst>
                 <p:ext uri="{386F3935-93C4-4BCD-93E2-E3B085C9AB24}">
-                  <p16:designElem xmlns:p16="http://schemas.microsoft.com/office/powerpoint/2015/main" xmlns="" val="1"/>
+                  <p16:designElem xmlns:p16="http://schemas.microsoft.com/office/powerpoint/2015/main" val="1"/>
                 </p:ext>
               </p:extLst>
             </p:nvPr>
@@ -11716,10 +11700,10 @@
           <p:cNvPr id="33" name="Rectangle 32">
             <a:extLst>
               <a:ext uri="{FF2B5EF4-FFF2-40B4-BE49-F238E27FC236}">
-                <a16:creationId xmlns:a16="http://schemas.microsoft.com/office/drawing/2014/main" xmlns="" id="{2E80C965-DB6D-4F81-9E9E-B027384D0BD6}"/>
+                <a16:creationId xmlns:a16="http://schemas.microsoft.com/office/drawing/2014/main" id="{2E80C965-DB6D-4F81-9E9E-B027384D0BD6}"/>
               </a:ext>
               <a:ext uri="{C183D7F6-B498-43B3-948B-1728B52AA6E4}">
-                <adec:decorative xmlns:adec="http://schemas.microsoft.com/office/drawing/2017/decorative" xmlns="" val="1"/>
+                <adec:decorative xmlns:adec="http://schemas.microsoft.com/office/drawing/2017/decorative" val="1"/>
               </a:ext>
             </a:extLst>
           </p:cNvPr>
@@ -11729,7 +11713,7 @@
           <p:nvPr>
             <p:extLst>
               <p:ext uri="{386F3935-93C4-4BCD-93E2-E3B085C9AB24}">
-                <p16:designElem xmlns:p16="http://schemas.microsoft.com/office/powerpoint/2015/main" xmlns="" val="1"/>
+                <p16:designElem xmlns:p16="http://schemas.microsoft.com/office/powerpoint/2015/main" val="1"/>
               </p:ext>
             </p:extLst>
           </p:nvPr>
@@ -11781,10 +11765,10 @@
           <p:cNvPr id="35" name="Isosceles Triangle 34">
             <a:extLst>
               <a:ext uri="{FF2B5EF4-FFF2-40B4-BE49-F238E27FC236}">
-                <a16:creationId xmlns:a16="http://schemas.microsoft.com/office/drawing/2014/main" xmlns="" id="{633C5E46-DAC5-4661-9C87-22B08E2A512F}"/>
+                <a16:creationId xmlns:a16="http://schemas.microsoft.com/office/drawing/2014/main" id="{633C5E46-DAC5-4661-9C87-22B08E2A512F}"/>
               </a:ext>
               <a:ext uri="{C183D7F6-B498-43B3-948B-1728B52AA6E4}">
-                <adec:decorative xmlns:adec="http://schemas.microsoft.com/office/drawing/2017/decorative" xmlns="" val="1"/>
+                <adec:decorative xmlns:adec="http://schemas.microsoft.com/office/drawing/2017/decorative" val="1"/>
               </a:ext>
             </a:extLst>
           </p:cNvPr>
@@ -11794,7 +11778,7 @@
           <p:nvPr>
             <p:extLst>
               <p:ext uri="{386F3935-93C4-4BCD-93E2-E3B085C9AB24}">
-                <p16:designElem xmlns:p16="http://schemas.microsoft.com/office/powerpoint/2015/main" xmlns="" val="1"/>
+                <p16:designElem xmlns:p16="http://schemas.microsoft.com/office/powerpoint/2015/main" val="1"/>
               </p:ext>
             </p:extLst>
           </p:nvPr>
@@ -11848,7 +11832,7 @@
           <p:cNvPr id="6" name="TextBox 5">
             <a:extLst>
               <a:ext uri="{FF2B5EF4-FFF2-40B4-BE49-F238E27FC236}">
-                <a16:creationId xmlns:a16="http://schemas.microsoft.com/office/drawing/2014/main" xmlns="" id="{57471979-3A2A-3115-7259-DFBBC5EDD887}"/>
+                <a16:creationId xmlns:a16="http://schemas.microsoft.com/office/drawing/2014/main" id="{57471979-3A2A-3115-7259-DFBBC5EDD887}"/>
               </a:ext>
             </a:extLst>
           </p:cNvPr>
@@ -11887,7 +11871,7 @@
           <p:cNvPr id="3" name="Picture Placeholder 2">
             <a:extLst>
               <a:ext uri="{FF2B5EF4-FFF2-40B4-BE49-F238E27FC236}">
-                <a16:creationId xmlns:a16="http://schemas.microsoft.com/office/drawing/2014/main" xmlns="" id="{0FE749D7-A507-229A-4A56-EFDF203E4EF6}"/>
+                <a16:creationId xmlns:a16="http://schemas.microsoft.com/office/drawing/2014/main" id="{0FE749D7-A507-229A-4A56-EFDF203E4EF6}"/>
               </a:ext>
             </a:extLst>
           </p:cNvPr>
@@ -11912,7 +11896,7 @@
           <p:cNvPr id="4" name="Picture 3">
             <a:extLst>
               <a:ext uri="{FF2B5EF4-FFF2-40B4-BE49-F238E27FC236}">
-                <a16:creationId xmlns:a16="http://schemas.microsoft.com/office/drawing/2014/main" xmlns="" id="{DD7BC4ED-0EF1-B185-9EEB-0D2C804C1453}"/>
+                <a16:creationId xmlns:a16="http://schemas.microsoft.com/office/drawing/2014/main" id="{DD7BC4ED-0EF1-B185-9EEB-0D2C804C1453}"/>
               </a:ext>
             </a:extLst>
           </p:cNvPr>
@@ -11942,7 +11926,7 @@
           <p:cNvPr id="8" name="Picture 7">
             <a:extLst>
               <a:ext uri="{FF2B5EF4-FFF2-40B4-BE49-F238E27FC236}">
-                <a16:creationId xmlns:a16="http://schemas.microsoft.com/office/drawing/2014/main" xmlns="" id="{EBD022F7-9034-A9E4-7596-C9BF618BE616}"/>
+                <a16:creationId xmlns:a16="http://schemas.microsoft.com/office/drawing/2014/main" id="{EBD022F7-9034-A9E4-7596-C9BF618BE616}"/>
               </a:ext>
             </a:extLst>
           </p:cNvPr>
@@ -11972,7 +11956,7 @@
           <p:cNvPr id="9" name="Picture 8">
             <a:extLst>
               <a:ext uri="{FF2B5EF4-FFF2-40B4-BE49-F238E27FC236}">
-                <a16:creationId xmlns:a16="http://schemas.microsoft.com/office/drawing/2014/main" xmlns="" id="{50A053F5-EC2F-8602-C86F-EAF126080170}"/>
+                <a16:creationId xmlns:a16="http://schemas.microsoft.com/office/drawing/2014/main" id="{50A053F5-EC2F-8602-C86F-EAF126080170}"/>
               </a:ext>
             </a:extLst>
           </p:cNvPr>
@@ -12002,7 +11986,7 @@
           <p:cNvPr id="10" name="TextBox 9">
             <a:extLst>
               <a:ext uri="{FF2B5EF4-FFF2-40B4-BE49-F238E27FC236}">
-                <a16:creationId xmlns:a16="http://schemas.microsoft.com/office/drawing/2014/main" xmlns="" id="{34766FD2-D97E-42CB-2AFA-D6A69A3A76D7}"/>
+                <a16:creationId xmlns:a16="http://schemas.microsoft.com/office/drawing/2014/main" id="{34766FD2-D97E-42CB-2AFA-D6A69A3A76D7}"/>
               </a:ext>
             </a:extLst>
           </p:cNvPr>
@@ -12037,7 +12021,7 @@
           <p:cNvPr id="11" name="Picture 10">
             <a:extLst>
               <a:ext uri="{FF2B5EF4-FFF2-40B4-BE49-F238E27FC236}">
-                <a16:creationId xmlns:a16="http://schemas.microsoft.com/office/drawing/2014/main" xmlns="" id="{4F7EDA41-21EB-9064-6D64-AE6BA8A5D178}"/>
+                <a16:creationId xmlns:a16="http://schemas.microsoft.com/office/drawing/2014/main" id="{4F7EDA41-21EB-9064-6D64-AE6BA8A5D178}"/>
               </a:ext>
             </a:extLst>
           </p:cNvPr>
@@ -12091,7 +12075,7 @@
         <p:cNvPr id="1" name="">
           <a:extLst>
             <a:ext uri="{FF2B5EF4-FFF2-40B4-BE49-F238E27FC236}">
-              <a16:creationId xmlns:a16="http://schemas.microsoft.com/office/drawing/2014/main" xmlns="" id="{44464D06-C3E6-AA1C-6E98-1DA2883CD0BE}"/>
+              <a16:creationId xmlns:a16="http://schemas.microsoft.com/office/drawing/2014/main" id="{44464D06-C3E6-AA1C-6E98-1DA2883CD0BE}"/>
             </a:ext>
           </a:extLst>
         </p:cNvPr>
@@ -12111,10 +12095,10 @@
           <p:cNvPr id="27" name="Rectangle 26">
             <a:extLst>
               <a:ext uri="{FF2B5EF4-FFF2-40B4-BE49-F238E27FC236}">
-                <a16:creationId xmlns:a16="http://schemas.microsoft.com/office/drawing/2014/main" xmlns="" id="{A05955D2-655F-57B5-37A4-ADAEDE699BC5}"/>
+                <a16:creationId xmlns:a16="http://schemas.microsoft.com/office/drawing/2014/main" id="{A05955D2-655F-57B5-37A4-ADAEDE699BC5}"/>
               </a:ext>
               <a:ext uri="{C183D7F6-B498-43B3-948B-1728B52AA6E4}">
-                <adec:decorative xmlns:adec="http://schemas.microsoft.com/office/drawing/2017/decorative" xmlns="" val="1"/>
+                <adec:decorative xmlns:adec="http://schemas.microsoft.com/office/drawing/2017/decorative" val="1"/>
               </a:ext>
             </a:extLst>
           </p:cNvPr>
@@ -12124,7 +12108,7 @@
           <p:nvPr>
             <p:extLst>
               <p:ext uri="{386F3935-93C4-4BCD-93E2-E3B085C9AB24}">
-                <p16:designElem xmlns:p16="http://schemas.microsoft.com/office/powerpoint/2015/main" xmlns="" val="1"/>
+                <p16:designElem xmlns:p16="http://schemas.microsoft.com/office/powerpoint/2015/main" val="1"/>
               </p:ext>
             </p:extLst>
           </p:nvPr>
@@ -12174,10 +12158,10 @@
           <p:cNvPr id="29" name="Freeform: Shape 28">
             <a:extLst>
               <a:ext uri="{FF2B5EF4-FFF2-40B4-BE49-F238E27FC236}">
-                <a16:creationId xmlns:a16="http://schemas.microsoft.com/office/drawing/2014/main" xmlns="" id="{366ACB72-D978-92DD-5431-3827F8EC9EBE}"/>
+                <a16:creationId xmlns:a16="http://schemas.microsoft.com/office/drawing/2014/main" id="{366ACB72-D978-92DD-5431-3827F8EC9EBE}"/>
               </a:ext>
               <a:ext uri="{C183D7F6-B498-43B3-948B-1728B52AA6E4}">
-                <adec:decorative xmlns:adec="http://schemas.microsoft.com/office/drawing/2017/decorative" xmlns="" val="1"/>
+                <adec:decorative xmlns:adec="http://schemas.microsoft.com/office/drawing/2017/decorative" val="1"/>
               </a:ext>
             </a:extLst>
           </p:cNvPr>
@@ -12187,7 +12171,7 @@
           <p:nvPr>
             <p:extLst>
               <p:ext uri="{386F3935-93C4-4BCD-93E2-E3B085C9AB24}">
-                <p16:designElem xmlns:p16="http://schemas.microsoft.com/office/powerpoint/2015/main" xmlns="" val="1"/>
+                <p16:designElem xmlns:p16="http://schemas.microsoft.com/office/powerpoint/2015/main" val="1"/>
               </p:ext>
             </p:extLst>
           </p:nvPr>
@@ -12290,10 +12274,10 @@
           <p:cNvPr id="31" name="Rectangle 30">
             <a:extLst>
               <a:ext uri="{FF2B5EF4-FFF2-40B4-BE49-F238E27FC236}">
-                <a16:creationId xmlns:a16="http://schemas.microsoft.com/office/drawing/2014/main" xmlns="" id="{2CB9ED87-5971-7BA4-95EB-CC4C723FFF29}"/>
+                <a16:creationId xmlns:a16="http://schemas.microsoft.com/office/drawing/2014/main" id="{2CB9ED87-5971-7BA4-95EB-CC4C723FFF29}"/>
               </a:ext>
               <a:ext uri="{C183D7F6-B498-43B3-948B-1728B52AA6E4}">
-                <adec:decorative xmlns:adec="http://schemas.microsoft.com/office/drawing/2017/decorative" xmlns="" val="1"/>
+                <adec:decorative xmlns:adec="http://schemas.microsoft.com/office/drawing/2017/decorative" val="1"/>
               </a:ext>
             </a:extLst>
           </p:cNvPr>
@@ -12303,7 +12287,7 @@
           <p:nvPr>
             <p:extLst>
               <p:ext uri="{386F3935-93C4-4BCD-93E2-E3B085C9AB24}">
-                <p16:designElem xmlns:p16="http://schemas.microsoft.com/office/powerpoint/2015/main" xmlns="" val="1"/>
+                <p16:designElem xmlns:p16="http://schemas.microsoft.com/office/powerpoint/2015/main" val="1"/>
               </p:ext>
             </p:extLst>
           </p:nvPr>
@@ -12355,10 +12339,10 @@
           <p:cNvPr id="33" name="Rectangle 32">
             <a:extLst>
               <a:ext uri="{FF2B5EF4-FFF2-40B4-BE49-F238E27FC236}">
-                <a16:creationId xmlns:a16="http://schemas.microsoft.com/office/drawing/2014/main" xmlns="" id="{98ADFC44-0923-8257-C508-453EBA6EA2F2}"/>
+                <a16:creationId xmlns:a16="http://schemas.microsoft.com/office/drawing/2014/main" id="{98ADFC44-0923-8257-C508-453EBA6EA2F2}"/>
               </a:ext>
               <a:ext uri="{C183D7F6-B498-43B3-948B-1728B52AA6E4}">
-                <adec:decorative xmlns:adec="http://schemas.microsoft.com/office/drawing/2017/decorative" xmlns="" val="1"/>
+                <adec:decorative xmlns:adec="http://schemas.microsoft.com/office/drawing/2017/decorative" val="1"/>
               </a:ext>
             </a:extLst>
           </p:cNvPr>
@@ -12368,7 +12352,7 @@
           <p:nvPr>
             <p:extLst>
               <p:ext uri="{386F3935-93C4-4BCD-93E2-E3B085C9AB24}">
-                <p16:designElem xmlns:p16="http://schemas.microsoft.com/office/powerpoint/2015/main" xmlns="" val="1"/>
+                <p16:designElem xmlns:p16="http://schemas.microsoft.com/office/powerpoint/2015/main" val="1"/>
               </p:ext>
             </p:extLst>
           </p:nvPr>
@@ -12420,10 +12404,10 @@
           <p:cNvPr id="35" name="Freeform: Shape 34">
             <a:extLst>
               <a:ext uri="{FF2B5EF4-FFF2-40B4-BE49-F238E27FC236}">
-                <a16:creationId xmlns:a16="http://schemas.microsoft.com/office/drawing/2014/main" xmlns="" id="{4D74CE62-EBBB-2D48-4831-6B32ED7D471C}"/>
+                <a16:creationId xmlns:a16="http://schemas.microsoft.com/office/drawing/2014/main" id="{4D74CE62-EBBB-2D48-4831-6B32ED7D471C}"/>
               </a:ext>
               <a:ext uri="{C183D7F6-B498-43B3-948B-1728B52AA6E4}">
-                <adec:decorative xmlns:adec="http://schemas.microsoft.com/office/drawing/2017/decorative" xmlns="" val="1"/>
+                <adec:decorative xmlns:adec="http://schemas.microsoft.com/office/drawing/2017/decorative" val="1"/>
               </a:ext>
             </a:extLst>
           </p:cNvPr>
@@ -12433,7 +12417,7 @@
           <p:nvPr>
             <p:extLst>
               <p:ext uri="{386F3935-93C4-4BCD-93E2-E3B085C9AB24}">
-                <p16:designElem xmlns:p16="http://schemas.microsoft.com/office/powerpoint/2015/main" xmlns="" val="1"/>
+                <p16:designElem xmlns:p16="http://schemas.microsoft.com/office/powerpoint/2015/main" val="1"/>
               </p:ext>
             </p:extLst>
           </p:nvPr>
@@ -12530,10 +12514,10 @@
           <p:cNvPr id="37" name="Isosceles Triangle 36">
             <a:extLst>
               <a:ext uri="{FF2B5EF4-FFF2-40B4-BE49-F238E27FC236}">
-                <a16:creationId xmlns:a16="http://schemas.microsoft.com/office/drawing/2014/main" xmlns="" id="{C8C2CADF-8753-6E14-7A10-9EA4EF7BBEEA}"/>
+                <a16:creationId xmlns:a16="http://schemas.microsoft.com/office/drawing/2014/main" id="{C8C2CADF-8753-6E14-7A10-9EA4EF7BBEEA}"/>
               </a:ext>
               <a:ext uri="{C183D7F6-B498-43B3-948B-1728B52AA6E4}">
-                <adec:decorative xmlns:adec="http://schemas.microsoft.com/office/drawing/2017/decorative" xmlns="" val="1"/>
+                <adec:decorative xmlns:adec="http://schemas.microsoft.com/office/drawing/2017/decorative" val="1"/>
               </a:ext>
             </a:extLst>
           </p:cNvPr>
@@ -12543,7 +12527,7 @@
           <p:nvPr>
             <p:extLst>
               <p:ext uri="{386F3935-93C4-4BCD-93E2-E3B085C9AB24}">
-                <p16:designElem xmlns:p16="http://schemas.microsoft.com/office/powerpoint/2015/main" xmlns="" val="1"/>
+                <p16:designElem xmlns:p16="http://schemas.microsoft.com/office/powerpoint/2015/main" val="1"/>
               </p:ext>
             </p:extLst>
           </p:nvPr>
@@ -12595,10 +12579,10 @@
           <p:cNvPr id="39" name="Isosceles Triangle 38">
             <a:extLst>
               <a:ext uri="{FF2B5EF4-FFF2-40B4-BE49-F238E27FC236}">
-                <a16:creationId xmlns:a16="http://schemas.microsoft.com/office/drawing/2014/main" xmlns="" id="{495D4C37-9A2A-6709-1B54-A6CCCF8AD454}"/>
+                <a16:creationId xmlns:a16="http://schemas.microsoft.com/office/drawing/2014/main" id="{495D4C37-9A2A-6709-1B54-A6CCCF8AD454}"/>
               </a:ext>
               <a:ext uri="{C183D7F6-B498-43B3-948B-1728B52AA6E4}">
-                <adec:decorative xmlns:adec="http://schemas.microsoft.com/office/drawing/2017/decorative" xmlns="" val="1"/>
+                <adec:decorative xmlns:adec="http://schemas.microsoft.com/office/drawing/2017/decorative" val="1"/>
               </a:ext>
             </a:extLst>
           </p:cNvPr>
@@ -12608,7 +12592,7 @@
           <p:nvPr>
             <p:extLst>
               <p:ext uri="{386F3935-93C4-4BCD-93E2-E3B085C9AB24}">
-                <p16:designElem xmlns:p16="http://schemas.microsoft.com/office/powerpoint/2015/main" xmlns="" val="1"/>
+                <p16:designElem xmlns:p16="http://schemas.microsoft.com/office/powerpoint/2015/main" val="1"/>
               </p:ext>
             </p:extLst>
           </p:nvPr>
@@ -12660,7 +12644,7 @@
           <p:cNvPr id="26" name="TextBox 25">
             <a:extLst>
               <a:ext uri="{FF2B5EF4-FFF2-40B4-BE49-F238E27FC236}">
-                <a16:creationId xmlns:a16="http://schemas.microsoft.com/office/drawing/2014/main" xmlns="" id="{8FBB3F20-3CC5-0413-DE99-13D4C35CD8BF}"/>
+                <a16:creationId xmlns:a16="http://schemas.microsoft.com/office/drawing/2014/main" id="{8FBB3F20-3CC5-0413-DE99-13D4C35CD8BF}"/>
               </a:ext>
             </a:extLst>
           </p:cNvPr>
@@ -12714,7 +12698,7 @@
           <p:cNvPr id="3" name="Picture Placeholder 2">
             <a:extLst>
               <a:ext uri="{FF2B5EF4-FFF2-40B4-BE49-F238E27FC236}">
-                <a16:creationId xmlns:a16="http://schemas.microsoft.com/office/drawing/2014/main" xmlns="" id="{27E0065C-F81B-F5C1-68B0-DCDC486D6F83}"/>
+                <a16:creationId xmlns:a16="http://schemas.microsoft.com/office/drawing/2014/main" id="{27E0065C-F81B-F5C1-68B0-DCDC486D6F83}"/>
               </a:ext>
             </a:extLst>
           </p:cNvPr>
@@ -12739,7 +12723,7 @@
           <p:cNvPr id="5" name="Picture 4">
             <a:extLst>
               <a:ext uri="{FF2B5EF4-FFF2-40B4-BE49-F238E27FC236}">
-                <a16:creationId xmlns:a16="http://schemas.microsoft.com/office/drawing/2014/main" xmlns="" id="{9F86E908-CDF2-1770-A018-2008F1B0F8D6}"/>
+                <a16:creationId xmlns:a16="http://schemas.microsoft.com/office/drawing/2014/main" id="{9F86E908-CDF2-1770-A018-2008F1B0F8D6}"/>
               </a:ext>
             </a:extLst>
           </p:cNvPr>
@@ -12769,7 +12753,7 @@
           <p:cNvPr id="8" name="Picture 2" descr="z-score standard deviation">
             <a:extLst>
               <a:ext uri="{FF2B5EF4-FFF2-40B4-BE49-F238E27FC236}">
-                <a16:creationId xmlns:a16="http://schemas.microsoft.com/office/drawing/2014/main" xmlns="" id="{04435160-D634-A023-008E-6E269EEA64D5}"/>
+                <a16:creationId xmlns:a16="http://schemas.microsoft.com/office/drawing/2014/main" id="{04435160-D634-A023-008E-6E269EEA64D5}"/>
               </a:ext>
             </a:extLst>
           </p:cNvPr>
@@ -12816,7 +12800,7 @@
           <p:cNvPr id="9" name="TextBox 8">
             <a:extLst>
               <a:ext uri="{FF2B5EF4-FFF2-40B4-BE49-F238E27FC236}">
-                <a16:creationId xmlns:a16="http://schemas.microsoft.com/office/drawing/2014/main" xmlns="" id="{21FA62FC-B95E-6F93-2270-43A2B7D45874}"/>
+                <a16:creationId xmlns:a16="http://schemas.microsoft.com/office/drawing/2014/main" id="{21FA62FC-B95E-6F93-2270-43A2B7D45874}"/>
               </a:ext>
             </a:extLst>
           </p:cNvPr>
@@ -12865,7 +12849,7 @@
           <p:cNvPr id="10" name="Picture 9">
             <a:extLst>
               <a:ext uri="{FF2B5EF4-FFF2-40B4-BE49-F238E27FC236}">
-                <a16:creationId xmlns:a16="http://schemas.microsoft.com/office/drawing/2014/main" xmlns="" id="{A4A41A7B-33B1-F9E6-06AE-497D58F92E6D}"/>
+                <a16:creationId xmlns:a16="http://schemas.microsoft.com/office/drawing/2014/main" id="{A4A41A7B-33B1-F9E6-06AE-497D58F92E6D}"/>
               </a:ext>
             </a:extLst>
           </p:cNvPr>
@@ -12895,7 +12879,7 @@
           <p:cNvPr id="11" name="TextBox 10">
             <a:extLst>
               <a:ext uri="{FF2B5EF4-FFF2-40B4-BE49-F238E27FC236}">
-                <a16:creationId xmlns:a16="http://schemas.microsoft.com/office/drawing/2014/main" xmlns="" id="{4FAC40E7-EE1B-BD61-EA9F-E2FA79CE24E0}"/>
+                <a16:creationId xmlns:a16="http://schemas.microsoft.com/office/drawing/2014/main" id="{4FAC40E7-EE1B-BD61-EA9F-E2FA79CE24E0}"/>
               </a:ext>
             </a:extLst>
           </p:cNvPr>
@@ -12958,7 +12942,7 @@
         <p:cNvPr id="1" name="">
           <a:extLst>
             <a:ext uri="{FF2B5EF4-FFF2-40B4-BE49-F238E27FC236}">
-              <a16:creationId xmlns:a16="http://schemas.microsoft.com/office/drawing/2014/main" xmlns="" id="{4D4B2940-E5C6-E664-82FC-1AC9E90AE916}"/>
+              <a16:creationId xmlns:a16="http://schemas.microsoft.com/office/drawing/2014/main" id="{4D4B2940-E5C6-E664-82FC-1AC9E90AE916}"/>
             </a:ext>
           </a:extLst>
         </p:cNvPr>
@@ -12978,10 +12962,10 @@
           <p:cNvPr id="27" name="Rectangle 26">
             <a:extLst>
               <a:ext uri="{FF2B5EF4-FFF2-40B4-BE49-F238E27FC236}">
-                <a16:creationId xmlns:a16="http://schemas.microsoft.com/office/drawing/2014/main" xmlns="" id="{267C15C5-3E13-1F11-42BD-D84F48759E71}"/>
+                <a16:creationId xmlns:a16="http://schemas.microsoft.com/office/drawing/2014/main" id="{267C15C5-3E13-1F11-42BD-D84F48759E71}"/>
               </a:ext>
               <a:ext uri="{C183D7F6-B498-43B3-948B-1728B52AA6E4}">
-                <adec:decorative xmlns:adec="http://schemas.microsoft.com/office/drawing/2017/decorative" xmlns="" val="1"/>
+                <adec:decorative xmlns:adec="http://schemas.microsoft.com/office/drawing/2017/decorative" val="1"/>
               </a:ext>
             </a:extLst>
           </p:cNvPr>
@@ -12991,7 +12975,7 @@
           <p:nvPr>
             <p:extLst>
               <p:ext uri="{386F3935-93C4-4BCD-93E2-E3B085C9AB24}">
-                <p16:designElem xmlns:p16="http://schemas.microsoft.com/office/powerpoint/2015/main" xmlns="" val="1"/>
+                <p16:designElem xmlns:p16="http://schemas.microsoft.com/office/powerpoint/2015/main" val="1"/>
               </p:ext>
             </p:extLst>
           </p:nvPr>
@@ -13041,10 +13025,10 @@
           <p:cNvPr id="29" name="Group 28">
             <a:extLst>
               <a:ext uri="{FF2B5EF4-FFF2-40B4-BE49-F238E27FC236}">
-                <a16:creationId xmlns:a16="http://schemas.microsoft.com/office/drawing/2014/main" xmlns="" id="{3FD0A42E-2965-3907-FB70-C27D676E4660}"/>
+                <a16:creationId xmlns:a16="http://schemas.microsoft.com/office/drawing/2014/main" id="{3FD0A42E-2965-3907-FB70-C27D676E4660}"/>
               </a:ext>
               <a:ext uri="{C183D7F6-B498-43B3-948B-1728B52AA6E4}">
-                <adec:decorative xmlns:adec="http://schemas.microsoft.com/office/drawing/2017/decorative" xmlns="" val="1"/>
+                <adec:decorative xmlns:adec="http://schemas.microsoft.com/office/drawing/2017/decorative" val="1"/>
               </a:ext>
             </a:extLst>
           </p:cNvPr>
@@ -13054,7 +13038,7 @@
           <p:nvPr>
             <p:extLst>
               <p:ext uri="{386F3935-93C4-4BCD-93E2-E3B085C9AB24}">
-                <p16:designElem xmlns:p16="http://schemas.microsoft.com/office/powerpoint/2015/main" xmlns="" val="1"/>
+                <p16:designElem xmlns:p16="http://schemas.microsoft.com/office/powerpoint/2015/main" val="1"/>
               </p:ext>
             </p:extLst>
           </p:nvPr>
@@ -13072,10 +13056,10 @@
             <p:cNvPr id="30" name="Freeform: Shape 29">
               <a:extLst>
                 <a:ext uri="{FF2B5EF4-FFF2-40B4-BE49-F238E27FC236}">
-                  <a16:creationId xmlns:a16="http://schemas.microsoft.com/office/drawing/2014/main" xmlns="" id="{56CED4F7-E3E4-4E23-33FF-C3A336190162}"/>
+                  <a16:creationId xmlns:a16="http://schemas.microsoft.com/office/drawing/2014/main" id="{56CED4F7-E3E4-4E23-33FF-C3A336190162}"/>
                 </a:ext>
                 <a:ext uri="{C183D7F6-B498-43B3-948B-1728B52AA6E4}">
-                  <adec:decorative xmlns:adec="http://schemas.microsoft.com/office/drawing/2017/decorative" xmlns="" val="1"/>
+                  <adec:decorative xmlns:adec="http://schemas.microsoft.com/office/drawing/2017/decorative" val="1"/>
                 </a:ext>
               </a:extLst>
             </p:cNvPr>
@@ -13083,7 +13067,7 @@
             <p:nvPr>
               <p:extLst>
                 <p:ext uri="{386F3935-93C4-4BCD-93E2-E3B085C9AB24}">
-                  <p16:designElem xmlns:p16="http://schemas.microsoft.com/office/powerpoint/2015/main" xmlns="" val="1"/>
+                  <p16:designElem xmlns:p16="http://schemas.microsoft.com/office/powerpoint/2015/main" val="1"/>
                 </p:ext>
               </p:extLst>
             </p:nvPr>
@@ -13186,10 +13170,10 @@
             <p:cNvPr id="31" name="Rectangle 30">
               <a:extLst>
                 <a:ext uri="{FF2B5EF4-FFF2-40B4-BE49-F238E27FC236}">
-                  <a16:creationId xmlns:a16="http://schemas.microsoft.com/office/drawing/2014/main" xmlns="" id="{BC652BC5-9C8B-597E-0D1A-0FBFECA3B289}"/>
+                  <a16:creationId xmlns:a16="http://schemas.microsoft.com/office/drawing/2014/main" id="{BC652BC5-9C8B-597E-0D1A-0FBFECA3B289}"/>
                 </a:ext>
                 <a:ext uri="{C183D7F6-B498-43B3-948B-1728B52AA6E4}">
-                  <adec:decorative xmlns:adec="http://schemas.microsoft.com/office/drawing/2017/decorative" xmlns="" val="1"/>
+                  <adec:decorative xmlns:adec="http://schemas.microsoft.com/office/drawing/2017/decorative" val="1"/>
                 </a:ext>
               </a:extLst>
             </p:cNvPr>
@@ -13197,7 +13181,7 @@
             <p:nvPr>
               <p:extLst>
                 <p:ext uri="{386F3935-93C4-4BCD-93E2-E3B085C9AB24}">
-                  <p16:designElem xmlns:p16="http://schemas.microsoft.com/office/powerpoint/2015/main" xmlns="" val="1"/>
+                  <p16:designElem xmlns:p16="http://schemas.microsoft.com/office/powerpoint/2015/main" val="1"/>
                 </p:ext>
               </p:extLst>
             </p:nvPr>
@@ -13250,10 +13234,10 @@
           <p:cNvPr id="33" name="Rectangle 32">
             <a:extLst>
               <a:ext uri="{FF2B5EF4-FFF2-40B4-BE49-F238E27FC236}">
-                <a16:creationId xmlns:a16="http://schemas.microsoft.com/office/drawing/2014/main" xmlns="" id="{F68D9EE4-63BC-B96F-D7FF-1569EB63E418}"/>
+                <a16:creationId xmlns:a16="http://schemas.microsoft.com/office/drawing/2014/main" id="{F68D9EE4-63BC-B96F-D7FF-1569EB63E418}"/>
               </a:ext>
               <a:ext uri="{C183D7F6-B498-43B3-948B-1728B52AA6E4}">
-                <adec:decorative xmlns:adec="http://schemas.microsoft.com/office/drawing/2017/decorative" xmlns="" val="1"/>
+                <adec:decorative xmlns:adec="http://schemas.microsoft.com/office/drawing/2017/decorative" val="1"/>
               </a:ext>
             </a:extLst>
           </p:cNvPr>
@@ -13263,7 +13247,7 @@
           <p:nvPr>
             <p:extLst>
               <p:ext uri="{386F3935-93C4-4BCD-93E2-E3B085C9AB24}">
-                <p16:designElem xmlns:p16="http://schemas.microsoft.com/office/powerpoint/2015/main" xmlns="" val="1"/>
+                <p16:designElem xmlns:p16="http://schemas.microsoft.com/office/powerpoint/2015/main" val="1"/>
               </p:ext>
             </p:extLst>
           </p:nvPr>
@@ -13315,10 +13299,10 @@
           <p:cNvPr id="35" name="Isosceles Triangle 34">
             <a:extLst>
               <a:ext uri="{FF2B5EF4-FFF2-40B4-BE49-F238E27FC236}">
-                <a16:creationId xmlns:a16="http://schemas.microsoft.com/office/drawing/2014/main" xmlns="" id="{96A74666-9FDE-51EF-A10F-95DC34E1313C}"/>
+                <a16:creationId xmlns:a16="http://schemas.microsoft.com/office/drawing/2014/main" id="{96A74666-9FDE-51EF-A10F-95DC34E1313C}"/>
               </a:ext>
               <a:ext uri="{C183D7F6-B498-43B3-948B-1728B52AA6E4}">
-                <adec:decorative xmlns:adec="http://schemas.microsoft.com/office/drawing/2017/decorative" xmlns="" val="1"/>
+                <adec:decorative xmlns:adec="http://schemas.microsoft.com/office/drawing/2017/decorative" val="1"/>
               </a:ext>
             </a:extLst>
           </p:cNvPr>
@@ -13328,7 +13312,7 @@
           <p:nvPr>
             <p:extLst>
               <p:ext uri="{386F3935-93C4-4BCD-93E2-E3B085C9AB24}">
-                <p16:designElem xmlns:p16="http://schemas.microsoft.com/office/powerpoint/2015/main" xmlns="" val="1"/>
+                <p16:designElem xmlns:p16="http://schemas.microsoft.com/office/powerpoint/2015/main" val="1"/>
               </p:ext>
             </p:extLst>
           </p:nvPr>
@@ -13382,7 +13366,7 @@
           <p:cNvPr id="6" name="TextBox 5">
             <a:extLst>
               <a:ext uri="{FF2B5EF4-FFF2-40B4-BE49-F238E27FC236}">
-                <a16:creationId xmlns:a16="http://schemas.microsoft.com/office/drawing/2014/main" xmlns="" id="{84487772-E692-41DB-A02C-9D1F2785B3E2}"/>
+                <a16:creationId xmlns:a16="http://schemas.microsoft.com/office/drawing/2014/main" id="{84487772-E692-41DB-A02C-9D1F2785B3E2}"/>
               </a:ext>
             </a:extLst>
           </p:cNvPr>
@@ -13438,7 +13422,7 @@
           <p:cNvPr id="3" name="Picture Placeholder 2">
             <a:extLst>
               <a:ext uri="{FF2B5EF4-FFF2-40B4-BE49-F238E27FC236}">
-                <a16:creationId xmlns:a16="http://schemas.microsoft.com/office/drawing/2014/main" xmlns="" id="{6E3A0FF6-C913-5981-F06D-B91D33FC99EC}"/>
+                <a16:creationId xmlns:a16="http://schemas.microsoft.com/office/drawing/2014/main" id="{6E3A0FF6-C913-5981-F06D-B91D33FC99EC}"/>
               </a:ext>
             </a:extLst>
           </p:cNvPr>
@@ -13463,7 +13447,7 @@
           <p:cNvPr id="4" name="Picture 3">
             <a:extLst>
               <a:ext uri="{FF2B5EF4-FFF2-40B4-BE49-F238E27FC236}">
-                <a16:creationId xmlns:a16="http://schemas.microsoft.com/office/drawing/2014/main" xmlns="" id="{D2B17D0D-C09F-4C72-CFFC-F7FB19487DF1}"/>
+                <a16:creationId xmlns:a16="http://schemas.microsoft.com/office/drawing/2014/main" id="{D2B17D0D-C09F-4C72-CFFC-F7FB19487DF1}"/>
               </a:ext>
             </a:extLst>
           </p:cNvPr>
@@ -13493,7 +13477,7 @@
           <p:cNvPr id="8" name="Picture 7">
             <a:extLst>
               <a:ext uri="{FF2B5EF4-FFF2-40B4-BE49-F238E27FC236}">
-                <a16:creationId xmlns:a16="http://schemas.microsoft.com/office/drawing/2014/main" xmlns="" id="{7ECE89BA-4F64-2498-A460-13A97BF3C1FA}"/>
+                <a16:creationId xmlns:a16="http://schemas.microsoft.com/office/drawing/2014/main" id="{7ECE89BA-4F64-2498-A460-13A97BF3C1FA}"/>
               </a:ext>
             </a:extLst>
           </p:cNvPr>
@@ -13523,7 +13507,7 @@
           <p:cNvPr id="9" name="TextBox 8">
             <a:extLst>
               <a:ext uri="{FF2B5EF4-FFF2-40B4-BE49-F238E27FC236}">
-                <a16:creationId xmlns:a16="http://schemas.microsoft.com/office/drawing/2014/main" xmlns="" id="{3056A06A-42DB-2B74-8A1A-93A488B4E6C9}"/>
+                <a16:creationId xmlns:a16="http://schemas.microsoft.com/office/drawing/2014/main" id="{3056A06A-42DB-2B74-8A1A-93A488B4E6C9}"/>
               </a:ext>
             </a:extLst>
           </p:cNvPr>
@@ -13559,7 +13543,7 @@
           <p:cNvPr id="10" name="TextBox 9">
             <a:extLst>
               <a:ext uri="{FF2B5EF4-FFF2-40B4-BE49-F238E27FC236}">
-                <a16:creationId xmlns:a16="http://schemas.microsoft.com/office/drawing/2014/main" xmlns="" id="{77C21060-E1C1-4219-E3FE-746D498A58DA}"/>
+                <a16:creationId xmlns:a16="http://schemas.microsoft.com/office/drawing/2014/main" id="{77C21060-E1C1-4219-E3FE-746D498A58DA}"/>
               </a:ext>
             </a:extLst>
           </p:cNvPr>
@@ -13594,7 +13578,7 @@
           <p:cNvPr id="11" name="Picture 10">
             <a:extLst>
               <a:ext uri="{FF2B5EF4-FFF2-40B4-BE49-F238E27FC236}">
-                <a16:creationId xmlns:a16="http://schemas.microsoft.com/office/drawing/2014/main" xmlns="" id="{3454D7FC-1E95-2F69-C2E1-2772B6B5A262}"/>
+                <a16:creationId xmlns:a16="http://schemas.microsoft.com/office/drawing/2014/main" id="{3454D7FC-1E95-2F69-C2E1-2772B6B5A262}"/>
               </a:ext>
             </a:extLst>
           </p:cNvPr>
@@ -13624,7 +13608,7 @@
           <p:cNvPr id="15" name="Picture 14">
             <a:extLst>
               <a:ext uri="{FF2B5EF4-FFF2-40B4-BE49-F238E27FC236}">
-                <a16:creationId xmlns:a16="http://schemas.microsoft.com/office/drawing/2014/main" xmlns="" id="{4D88A727-898D-9880-891F-D0285DE9EDE6}"/>
+                <a16:creationId xmlns:a16="http://schemas.microsoft.com/office/drawing/2014/main" id="{4D88A727-898D-9880-891F-D0285DE9EDE6}"/>
               </a:ext>
             </a:extLst>
           </p:cNvPr>
@@ -13654,7 +13638,7 @@
           <p:cNvPr id="16" name="TextBox 15">
             <a:extLst>
               <a:ext uri="{FF2B5EF4-FFF2-40B4-BE49-F238E27FC236}">
-                <a16:creationId xmlns:a16="http://schemas.microsoft.com/office/drawing/2014/main" xmlns="" id="{E2F9D77F-A2A2-975B-B8CC-BA7C8409689E}"/>
+                <a16:creationId xmlns:a16="http://schemas.microsoft.com/office/drawing/2014/main" id="{E2F9D77F-A2A2-975B-B8CC-BA7C8409689E}"/>
               </a:ext>
             </a:extLst>
           </p:cNvPr>
@@ -13709,7 +13693,7 @@
           <p:cNvPr id="17" name="TextBox 16">
             <a:extLst>
               <a:ext uri="{FF2B5EF4-FFF2-40B4-BE49-F238E27FC236}">
-                <a16:creationId xmlns:a16="http://schemas.microsoft.com/office/drawing/2014/main" xmlns="" id="{F402CA93-C411-42CA-8E07-C6D50D2043CF}"/>
+                <a16:creationId xmlns:a16="http://schemas.microsoft.com/office/drawing/2014/main" id="{F402CA93-C411-42CA-8E07-C6D50D2043CF}"/>
               </a:ext>
             </a:extLst>
           </p:cNvPr>
@@ -13785,7 +13769,7 @@
         <p:cNvPr id="1" name="">
           <a:extLst>
             <a:ext uri="{FF2B5EF4-FFF2-40B4-BE49-F238E27FC236}">
-              <a16:creationId xmlns:a16="http://schemas.microsoft.com/office/drawing/2014/main" xmlns="" id="{5DBEE2C1-9D7E-D1C7-5E56-A18A2AA16024}"/>
+              <a16:creationId xmlns:a16="http://schemas.microsoft.com/office/drawing/2014/main" id="{5DBEE2C1-9D7E-D1C7-5E56-A18A2AA16024}"/>
             </a:ext>
           </a:extLst>
         </p:cNvPr>
@@ -13805,10 +13789,10 @@
           <p:cNvPr id="27" name="Rectangle 26">
             <a:extLst>
               <a:ext uri="{FF2B5EF4-FFF2-40B4-BE49-F238E27FC236}">
-                <a16:creationId xmlns:a16="http://schemas.microsoft.com/office/drawing/2014/main" xmlns="" id="{25DC7D64-B993-42DE-0BB6-219695D78332}"/>
+                <a16:creationId xmlns:a16="http://schemas.microsoft.com/office/drawing/2014/main" id="{25DC7D64-B993-42DE-0BB6-219695D78332}"/>
               </a:ext>
               <a:ext uri="{C183D7F6-B498-43B3-948B-1728B52AA6E4}">
-                <adec:decorative xmlns:adec="http://schemas.microsoft.com/office/drawing/2017/decorative" xmlns="" val="1"/>
+                <adec:decorative xmlns:adec="http://schemas.microsoft.com/office/drawing/2017/decorative" val="1"/>
               </a:ext>
             </a:extLst>
           </p:cNvPr>
@@ -13818,7 +13802,7 @@
           <p:nvPr>
             <p:extLst>
               <p:ext uri="{386F3935-93C4-4BCD-93E2-E3B085C9AB24}">
-                <p16:designElem xmlns:p16="http://schemas.microsoft.com/office/powerpoint/2015/main" xmlns="" val="1"/>
+                <p16:designElem xmlns:p16="http://schemas.microsoft.com/office/powerpoint/2015/main" val="1"/>
               </p:ext>
             </p:extLst>
           </p:nvPr>
@@ -13868,10 +13852,10 @@
           <p:cNvPr id="29" name="Freeform: Shape 28">
             <a:extLst>
               <a:ext uri="{FF2B5EF4-FFF2-40B4-BE49-F238E27FC236}">
-                <a16:creationId xmlns:a16="http://schemas.microsoft.com/office/drawing/2014/main" xmlns="" id="{12A72625-0764-E453-5FD0-36E941387D6C}"/>
+                <a16:creationId xmlns:a16="http://schemas.microsoft.com/office/drawing/2014/main" id="{12A72625-0764-E453-5FD0-36E941387D6C}"/>
               </a:ext>
               <a:ext uri="{C183D7F6-B498-43B3-948B-1728B52AA6E4}">
-                <adec:decorative xmlns:adec="http://schemas.microsoft.com/office/drawing/2017/decorative" xmlns="" val="1"/>
+                <adec:decorative xmlns:adec="http://schemas.microsoft.com/office/drawing/2017/decorative" val="1"/>
               </a:ext>
             </a:extLst>
           </p:cNvPr>
@@ -13881,7 +13865,7 @@
           <p:nvPr>
             <p:extLst>
               <p:ext uri="{386F3935-93C4-4BCD-93E2-E3B085C9AB24}">
-                <p16:designElem xmlns:p16="http://schemas.microsoft.com/office/powerpoint/2015/main" xmlns="" val="1"/>
+                <p16:designElem xmlns:p16="http://schemas.microsoft.com/office/powerpoint/2015/main" val="1"/>
               </p:ext>
             </p:extLst>
           </p:nvPr>
@@ -13984,10 +13968,10 @@
           <p:cNvPr id="31" name="Rectangle 30">
             <a:extLst>
               <a:ext uri="{FF2B5EF4-FFF2-40B4-BE49-F238E27FC236}">
-                <a16:creationId xmlns:a16="http://schemas.microsoft.com/office/drawing/2014/main" xmlns="" id="{048A37AD-0773-880C-6536-1FE3DFDC727C}"/>
+                <a16:creationId xmlns:a16="http://schemas.microsoft.com/office/drawing/2014/main" id="{048A37AD-0773-880C-6536-1FE3DFDC727C}"/>
               </a:ext>
               <a:ext uri="{C183D7F6-B498-43B3-948B-1728B52AA6E4}">
-                <adec:decorative xmlns:adec="http://schemas.microsoft.com/office/drawing/2017/decorative" xmlns="" val="1"/>
+                <adec:decorative xmlns:adec="http://schemas.microsoft.com/office/drawing/2017/decorative" val="1"/>
               </a:ext>
             </a:extLst>
           </p:cNvPr>
@@ -13997,7 +13981,7 @@
           <p:nvPr>
             <p:extLst>
               <p:ext uri="{386F3935-93C4-4BCD-93E2-E3B085C9AB24}">
-                <p16:designElem xmlns:p16="http://schemas.microsoft.com/office/powerpoint/2015/main" xmlns="" val="1"/>
+                <p16:designElem xmlns:p16="http://schemas.microsoft.com/office/powerpoint/2015/main" val="1"/>
               </p:ext>
             </p:extLst>
           </p:nvPr>
@@ -14049,10 +14033,10 @@
           <p:cNvPr id="33" name="Rectangle 32">
             <a:extLst>
               <a:ext uri="{FF2B5EF4-FFF2-40B4-BE49-F238E27FC236}">
-                <a16:creationId xmlns:a16="http://schemas.microsoft.com/office/drawing/2014/main" xmlns="" id="{D3B9A089-AC7F-29AD-E1C0-92883AEF082D}"/>
+                <a16:creationId xmlns:a16="http://schemas.microsoft.com/office/drawing/2014/main" id="{D3B9A089-AC7F-29AD-E1C0-92883AEF082D}"/>
               </a:ext>
               <a:ext uri="{C183D7F6-B498-43B3-948B-1728B52AA6E4}">
-                <adec:decorative xmlns:adec="http://schemas.microsoft.com/office/drawing/2017/decorative" xmlns="" val="1"/>
+                <adec:decorative xmlns:adec="http://schemas.microsoft.com/office/drawing/2017/decorative" val="1"/>
               </a:ext>
             </a:extLst>
           </p:cNvPr>
@@ -14062,7 +14046,7 @@
           <p:nvPr>
             <p:extLst>
               <p:ext uri="{386F3935-93C4-4BCD-93E2-E3B085C9AB24}">
-                <p16:designElem xmlns:p16="http://schemas.microsoft.com/office/powerpoint/2015/main" xmlns="" val="1"/>
+                <p16:designElem xmlns:p16="http://schemas.microsoft.com/office/powerpoint/2015/main" val="1"/>
               </p:ext>
             </p:extLst>
           </p:nvPr>
@@ -14114,10 +14098,10 @@
           <p:cNvPr id="35" name="Freeform: Shape 34">
             <a:extLst>
               <a:ext uri="{FF2B5EF4-FFF2-40B4-BE49-F238E27FC236}">
-                <a16:creationId xmlns:a16="http://schemas.microsoft.com/office/drawing/2014/main" xmlns="" id="{AE72E1D7-D4D9-FDA1-3476-A0D10489D39C}"/>
+                <a16:creationId xmlns:a16="http://schemas.microsoft.com/office/drawing/2014/main" id="{AE72E1D7-D4D9-FDA1-3476-A0D10489D39C}"/>
               </a:ext>
               <a:ext uri="{C183D7F6-B498-43B3-948B-1728B52AA6E4}">
-                <adec:decorative xmlns:adec="http://schemas.microsoft.com/office/drawing/2017/decorative" xmlns="" val="1"/>
+                <adec:decorative xmlns:adec="http://schemas.microsoft.com/office/drawing/2017/decorative" val="1"/>
               </a:ext>
             </a:extLst>
           </p:cNvPr>
@@ -14127,7 +14111,7 @@
           <p:nvPr>
             <p:extLst>
               <p:ext uri="{386F3935-93C4-4BCD-93E2-E3B085C9AB24}">
-                <p16:designElem xmlns:p16="http://schemas.microsoft.com/office/powerpoint/2015/main" xmlns="" val="1"/>
+                <p16:designElem xmlns:p16="http://schemas.microsoft.com/office/powerpoint/2015/main" val="1"/>
               </p:ext>
             </p:extLst>
           </p:nvPr>
@@ -14224,10 +14208,10 @@
           <p:cNvPr id="37" name="Isosceles Triangle 36">
             <a:extLst>
               <a:ext uri="{FF2B5EF4-FFF2-40B4-BE49-F238E27FC236}">
-                <a16:creationId xmlns:a16="http://schemas.microsoft.com/office/drawing/2014/main" xmlns="" id="{BA1115EC-44C4-0A28-76ED-108C165AD0A3}"/>
+                <a16:creationId xmlns:a16="http://schemas.microsoft.com/office/drawing/2014/main" id="{BA1115EC-44C4-0A28-76ED-108C165AD0A3}"/>
               </a:ext>
               <a:ext uri="{C183D7F6-B498-43B3-948B-1728B52AA6E4}">
-                <adec:decorative xmlns:adec="http://schemas.microsoft.com/office/drawing/2017/decorative" xmlns="" val="1"/>
+                <adec:decorative xmlns:adec="http://schemas.microsoft.com/office/drawing/2017/decorative" val="1"/>
               </a:ext>
             </a:extLst>
           </p:cNvPr>
@@ -14237,7 +14221,7 @@
           <p:nvPr>
             <p:extLst>
               <p:ext uri="{386F3935-93C4-4BCD-93E2-E3B085C9AB24}">
-                <p16:designElem xmlns:p16="http://schemas.microsoft.com/office/powerpoint/2015/main" xmlns="" val="1"/>
+                <p16:designElem xmlns:p16="http://schemas.microsoft.com/office/powerpoint/2015/main" val="1"/>
               </p:ext>
             </p:extLst>
           </p:nvPr>
@@ -14289,10 +14273,10 @@
           <p:cNvPr id="39" name="Isosceles Triangle 38">
             <a:extLst>
               <a:ext uri="{FF2B5EF4-FFF2-40B4-BE49-F238E27FC236}">
-                <a16:creationId xmlns:a16="http://schemas.microsoft.com/office/drawing/2014/main" xmlns="" id="{1BD3FC0A-0EEF-D07D-8D42-140136F2A22D}"/>
+                <a16:creationId xmlns:a16="http://schemas.microsoft.com/office/drawing/2014/main" id="{1BD3FC0A-0EEF-D07D-8D42-140136F2A22D}"/>
               </a:ext>
               <a:ext uri="{C183D7F6-B498-43B3-948B-1728B52AA6E4}">
-                <adec:decorative xmlns:adec="http://schemas.microsoft.com/office/drawing/2017/decorative" xmlns="" val="1"/>
+                <adec:decorative xmlns:adec="http://schemas.microsoft.com/office/drawing/2017/decorative" val="1"/>
               </a:ext>
             </a:extLst>
           </p:cNvPr>
@@ -14302,7 +14286,7 @@
           <p:nvPr>
             <p:extLst>
               <p:ext uri="{386F3935-93C4-4BCD-93E2-E3B085C9AB24}">
-                <p16:designElem xmlns:p16="http://schemas.microsoft.com/office/powerpoint/2015/main" xmlns="" val="1"/>
+                <p16:designElem xmlns:p16="http://schemas.microsoft.com/office/powerpoint/2015/main" val="1"/>
               </p:ext>
             </p:extLst>
           </p:nvPr>
@@ -14354,7 +14338,7 @@
           <p:cNvPr id="26" name="TextBox 25">
             <a:extLst>
               <a:ext uri="{FF2B5EF4-FFF2-40B4-BE49-F238E27FC236}">
-                <a16:creationId xmlns:a16="http://schemas.microsoft.com/office/drawing/2014/main" xmlns="" id="{8F8BB831-639B-F76A-1052-EAE6C576953C}"/>
+                <a16:creationId xmlns:a16="http://schemas.microsoft.com/office/drawing/2014/main" id="{8F8BB831-639B-F76A-1052-EAE6C576953C}"/>
               </a:ext>
             </a:extLst>
           </p:cNvPr>
@@ -14391,7 +14375,7 @@
           <p:cNvPr id="3" name="Picture Placeholder 2">
             <a:extLst>
               <a:ext uri="{FF2B5EF4-FFF2-40B4-BE49-F238E27FC236}">
-                <a16:creationId xmlns:a16="http://schemas.microsoft.com/office/drawing/2014/main" xmlns="" id="{AD75E344-34A7-3953-DBE1-C1AC0EEF25BF}"/>
+                <a16:creationId xmlns:a16="http://schemas.microsoft.com/office/drawing/2014/main" id="{AD75E344-34A7-3953-DBE1-C1AC0EEF25BF}"/>
               </a:ext>
             </a:extLst>
           </p:cNvPr>
@@ -14416,7 +14400,7 @@
           <p:cNvPr id="5" name="Content Placeholder 2">
             <a:extLst>
               <a:ext uri="{FF2B5EF4-FFF2-40B4-BE49-F238E27FC236}">
-                <a16:creationId xmlns:a16="http://schemas.microsoft.com/office/drawing/2014/main" xmlns="" id="{74A4C716-B13D-F106-1917-56A91000701D}"/>
+                <a16:creationId xmlns:a16="http://schemas.microsoft.com/office/drawing/2014/main" id="{74A4C716-B13D-F106-1917-56A91000701D}"/>
               </a:ext>
             </a:extLst>
           </p:cNvPr>
@@ -14856,7 +14840,7 @@
         <p:cNvPr id="1" name="">
           <a:extLst>
             <a:ext uri="{FF2B5EF4-FFF2-40B4-BE49-F238E27FC236}">
-              <a16:creationId xmlns:a16="http://schemas.microsoft.com/office/drawing/2014/main" xmlns="" id="{AB68B09A-02A9-FCF6-8CF4-E21D9D83F5B6}"/>
+              <a16:creationId xmlns:a16="http://schemas.microsoft.com/office/drawing/2014/main" id="{AB68B09A-02A9-FCF6-8CF4-E21D9D83F5B6}"/>
             </a:ext>
           </a:extLst>
         </p:cNvPr>
@@ -14876,10 +14860,10 @@
           <p:cNvPr id="27" name="Rectangle 26">
             <a:extLst>
               <a:ext uri="{FF2B5EF4-FFF2-40B4-BE49-F238E27FC236}">
-                <a16:creationId xmlns:a16="http://schemas.microsoft.com/office/drawing/2014/main" xmlns="" id="{72DB646F-EF7A-CDB6-8C97-BFA5811FC706}"/>
+                <a16:creationId xmlns:a16="http://schemas.microsoft.com/office/drawing/2014/main" id="{72DB646F-EF7A-CDB6-8C97-BFA5811FC706}"/>
               </a:ext>
               <a:ext uri="{C183D7F6-B498-43B3-948B-1728B52AA6E4}">
-                <adec:decorative xmlns:adec="http://schemas.microsoft.com/office/drawing/2017/decorative" xmlns="" val="1"/>
+                <adec:decorative xmlns:adec="http://schemas.microsoft.com/office/drawing/2017/decorative" val="1"/>
               </a:ext>
             </a:extLst>
           </p:cNvPr>
@@ -14889,7 +14873,7 @@
           <p:nvPr>
             <p:extLst>
               <p:ext uri="{386F3935-93C4-4BCD-93E2-E3B085C9AB24}">
-                <p16:designElem xmlns:p16="http://schemas.microsoft.com/office/powerpoint/2015/main" xmlns="" val="1"/>
+                <p16:designElem xmlns:p16="http://schemas.microsoft.com/office/powerpoint/2015/main" val="1"/>
               </p:ext>
             </p:extLst>
           </p:nvPr>
@@ -14939,10 +14923,10 @@
           <p:cNvPr id="29" name="Group 28">
             <a:extLst>
               <a:ext uri="{FF2B5EF4-FFF2-40B4-BE49-F238E27FC236}">
-                <a16:creationId xmlns:a16="http://schemas.microsoft.com/office/drawing/2014/main" xmlns="" id="{2208392C-196F-5C96-1245-94E5797EEA40}"/>
+                <a16:creationId xmlns:a16="http://schemas.microsoft.com/office/drawing/2014/main" id="{2208392C-196F-5C96-1245-94E5797EEA40}"/>
               </a:ext>
               <a:ext uri="{C183D7F6-B498-43B3-948B-1728B52AA6E4}">
-                <adec:decorative xmlns:adec="http://schemas.microsoft.com/office/drawing/2017/decorative" xmlns="" val="1"/>
+                <adec:decorative xmlns:adec="http://schemas.microsoft.com/office/drawing/2017/decorative" val="1"/>
               </a:ext>
             </a:extLst>
           </p:cNvPr>
@@ -14952,7 +14936,7 @@
           <p:nvPr>
             <p:extLst>
               <p:ext uri="{386F3935-93C4-4BCD-93E2-E3B085C9AB24}">
-                <p16:designElem xmlns:p16="http://schemas.microsoft.com/office/powerpoint/2015/main" xmlns="" val="1"/>
+                <p16:designElem xmlns:p16="http://schemas.microsoft.com/office/powerpoint/2015/main" val="1"/>
               </p:ext>
             </p:extLst>
           </p:nvPr>
@@ -14970,10 +14954,10 @@
             <p:cNvPr id="30" name="Freeform: Shape 29">
               <a:extLst>
                 <a:ext uri="{FF2B5EF4-FFF2-40B4-BE49-F238E27FC236}">
-                  <a16:creationId xmlns:a16="http://schemas.microsoft.com/office/drawing/2014/main" xmlns="" id="{F5DB40BB-1B9E-AF43-E22C-858F9B33D319}"/>
+                  <a16:creationId xmlns:a16="http://schemas.microsoft.com/office/drawing/2014/main" id="{F5DB40BB-1B9E-AF43-E22C-858F9B33D319}"/>
                 </a:ext>
                 <a:ext uri="{C183D7F6-B498-43B3-948B-1728B52AA6E4}">
-                  <adec:decorative xmlns:adec="http://schemas.microsoft.com/office/drawing/2017/decorative" xmlns="" val="1"/>
+                  <adec:decorative xmlns:adec="http://schemas.microsoft.com/office/drawing/2017/decorative" val="1"/>
                 </a:ext>
               </a:extLst>
             </p:cNvPr>
@@ -14981,7 +14965,7 @@
             <p:nvPr>
               <p:extLst>
                 <p:ext uri="{386F3935-93C4-4BCD-93E2-E3B085C9AB24}">
-                  <p16:designElem xmlns:p16="http://schemas.microsoft.com/office/powerpoint/2015/main" xmlns="" val="1"/>
+                  <p16:designElem xmlns:p16="http://schemas.microsoft.com/office/powerpoint/2015/main" val="1"/>
                 </p:ext>
               </p:extLst>
             </p:nvPr>
@@ -15084,10 +15068,10 @@
             <p:cNvPr id="31" name="Rectangle 30">
               <a:extLst>
                 <a:ext uri="{FF2B5EF4-FFF2-40B4-BE49-F238E27FC236}">
-                  <a16:creationId xmlns:a16="http://schemas.microsoft.com/office/drawing/2014/main" xmlns="" id="{A0D31D67-8F11-AC56-2C84-FE263B6D95F8}"/>
+                  <a16:creationId xmlns:a16="http://schemas.microsoft.com/office/drawing/2014/main" id="{A0D31D67-8F11-AC56-2C84-FE263B6D95F8}"/>
                 </a:ext>
                 <a:ext uri="{C183D7F6-B498-43B3-948B-1728B52AA6E4}">
-                  <adec:decorative xmlns:adec="http://schemas.microsoft.com/office/drawing/2017/decorative" xmlns="" val="1"/>
+                  <adec:decorative xmlns:adec="http://schemas.microsoft.com/office/drawing/2017/decorative" val="1"/>
                 </a:ext>
               </a:extLst>
             </p:cNvPr>
@@ -15095,7 +15079,7 @@
             <p:nvPr>
               <p:extLst>
                 <p:ext uri="{386F3935-93C4-4BCD-93E2-E3B085C9AB24}">
-                  <p16:designElem xmlns:p16="http://schemas.microsoft.com/office/powerpoint/2015/main" xmlns="" val="1"/>
+                  <p16:designElem xmlns:p16="http://schemas.microsoft.com/office/powerpoint/2015/main" val="1"/>
                 </p:ext>
               </p:extLst>
             </p:nvPr>
@@ -15148,10 +15132,10 @@
           <p:cNvPr id="33" name="Rectangle 32">
             <a:extLst>
               <a:ext uri="{FF2B5EF4-FFF2-40B4-BE49-F238E27FC236}">
-                <a16:creationId xmlns:a16="http://schemas.microsoft.com/office/drawing/2014/main" xmlns="" id="{25C6BF5C-E980-C71F-5F87-4988B5BC948C}"/>
+                <a16:creationId xmlns:a16="http://schemas.microsoft.com/office/drawing/2014/main" id="{25C6BF5C-E980-C71F-5F87-4988B5BC948C}"/>
               </a:ext>
               <a:ext uri="{C183D7F6-B498-43B3-948B-1728B52AA6E4}">
-                <adec:decorative xmlns:adec="http://schemas.microsoft.com/office/drawing/2017/decorative" xmlns="" val="1"/>
+                <adec:decorative xmlns:adec="http://schemas.microsoft.com/office/drawing/2017/decorative" val="1"/>
               </a:ext>
             </a:extLst>
           </p:cNvPr>
@@ -15161,7 +15145,7 @@
           <p:nvPr>
             <p:extLst>
               <p:ext uri="{386F3935-93C4-4BCD-93E2-E3B085C9AB24}">
-                <p16:designElem xmlns:p16="http://schemas.microsoft.com/office/powerpoint/2015/main" xmlns="" val="1"/>
+                <p16:designElem xmlns:p16="http://schemas.microsoft.com/office/powerpoint/2015/main" val="1"/>
               </p:ext>
             </p:extLst>
           </p:nvPr>
@@ -15213,10 +15197,10 @@
           <p:cNvPr id="35" name="Isosceles Triangle 34">
             <a:extLst>
               <a:ext uri="{FF2B5EF4-FFF2-40B4-BE49-F238E27FC236}">
-                <a16:creationId xmlns:a16="http://schemas.microsoft.com/office/drawing/2014/main" xmlns="" id="{EB1A9466-6EBD-2679-11FA-D68BC1CB464A}"/>
+                <a16:creationId xmlns:a16="http://schemas.microsoft.com/office/drawing/2014/main" id="{EB1A9466-6EBD-2679-11FA-D68BC1CB464A}"/>
               </a:ext>
               <a:ext uri="{C183D7F6-B498-43B3-948B-1728B52AA6E4}">
-                <adec:decorative xmlns:adec="http://schemas.microsoft.com/office/drawing/2017/decorative" xmlns="" val="1"/>
+                <adec:decorative xmlns:adec="http://schemas.microsoft.com/office/drawing/2017/decorative" val="1"/>
               </a:ext>
             </a:extLst>
           </p:cNvPr>
@@ -15226,7 +15210,7 @@
           <p:nvPr>
             <p:extLst>
               <p:ext uri="{386F3935-93C4-4BCD-93E2-E3B085C9AB24}">
-                <p16:designElem xmlns:p16="http://schemas.microsoft.com/office/powerpoint/2015/main" xmlns="" val="1"/>
+                <p16:designElem xmlns:p16="http://schemas.microsoft.com/office/powerpoint/2015/main" val="1"/>
               </p:ext>
             </p:extLst>
           </p:nvPr>
@@ -15280,7 +15264,7 @@
           <p:cNvPr id="6" name="TextBox 5">
             <a:extLst>
               <a:ext uri="{FF2B5EF4-FFF2-40B4-BE49-F238E27FC236}">
-                <a16:creationId xmlns:a16="http://schemas.microsoft.com/office/drawing/2014/main" xmlns="" id="{0A58F2F5-AAA1-FC09-9E73-8623E418A836}"/>
+                <a16:creationId xmlns:a16="http://schemas.microsoft.com/office/drawing/2014/main" id="{0A58F2F5-AAA1-FC09-9E73-8623E418A836}"/>
               </a:ext>
             </a:extLst>
           </p:cNvPr>
@@ -15316,7 +15300,7 @@
           <p:cNvPr id="3" name="Picture Placeholder 2">
             <a:extLst>
               <a:ext uri="{FF2B5EF4-FFF2-40B4-BE49-F238E27FC236}">
-                <a16:creationId xmlns:a16="http://schemas.microsoft.com/office/drawing/2014/main" xmlns="" id="{9565FECF-3BE0-B37A-FD11-67654283E950}"/>
+                <a16:creationId xmlns:a16="http://schemas.microsoft.com/office/drawing/2014/main" id="{9565FECF-3BE0-B37A-FD11-67654283E950}"/>
               </a:ext>
             </a:extLst>
           </p:cNvPr>
@@ -15341,7 +15325,7 @@
           <p:cNvPr id="2" name="Title 1">
             <a:extLst>
               <a:ext uri="{FF2B5EF4-FFF2-40B4-BE49-F238E27FC236}">
-                <a16:creationId xmlns:a16="http://schemas.microsoft.com/office/drawing/2014/main" xmlns="" id="{4A34A8C2-9497-38DC-9914-B9EB677E6073}"/>
+                <a16:creationId xmlns:a16="http://schemas.microsoft.com/office/drawing/2014/main" id="{4A34A8C2-9497-38DC-9914-B9EB677E6073}"/>
               </a:ext>
             </a:extLst>
           </p:cNvPr>
@@ -15374,7 +15358,7 @@
           <p:cNvPr id="5" name="Content Placeholder 2">
             <a:extLst>
               <a:ext uri="{FF2B5EF4-FFF2-40B4-BE49-F238E27FC236}">
-                <a16:creationId xmlns:a16="http://schemas.microsoft.com/office/drawing/2014/main" xmlns="" id="{78BF78A8-01EF-3FAA-1E25-C8DEB3374D83}"/>
+                <a16:creationId xmlns:a16="http://schemas.microsoft.com/office/drawing/2014/main" id="{78BF78A8-01EF-3FAA-1E25-C8DEB3374D83}"/>
               </a:ext>
             </a:extLst>
           </p:cNvPr>
@@ -15621,7 +15605,7 @@
           <p:cNvPr id="7" name="Picture 6">
             <a:extLst>
               <a:ext uri="{FF2B5EF4-FFF2-40B4-BE49-F238E27FC236}">
-                <a16:creationId xmlns:a16="http://schemas.microsoft.com/office/drawing/2014/main" xmlns="" id="{5373135D-56E5-9489-494A-76881ADA6D71}"/>
+                <a16:creationId xmlns:a16="http://schemas.microsoft.com/office/drawing/2014/main" id="{5373135D-56E5-9489-494A-76881ADA6D71}"/>
               </a:ext>
             </a:extLst>
           </p:cNvPr>
@@ -15651,7 +15635,7 @@
           <p:cNvPr id="12" name="Picture 11">
             <a:extLst>
               <a:ext uri="{FF2B5EF4-FFF2-40B4-BE49-F238E27FC236}">
-                <a16:creationId xmlns:a16="http://schemas.microsoft.com/office/drawing/2014/main" xmlns="" id="{6DB83A99-444D-1152-8CC6-F57BD636C896}"/>
+                <a16:creationId xmlns:a16="http://schemas.microsoft.com/office/drawing/2014/main" id="{6DB83A99-444D-1152-8CC6-F57BD636C896}"/>
               </a:ext>
             </a:extLst>
           </p:cNvPr>
@@ -15681,7 +15665,7 @@
           <p:cNvPr id="13" name="Picture 12">
             <a:extLst>
               <a:ext uri="{FF2B5EF4-FFF2-40B4-BE49-F238E27FC236}">
-                <a16:creationId xmlns:a16="http://schemas.microsoft.com/office/drawing/2014/main" xmlns="" id="{13E4D700-B8F3-1D25-CAEA-F99A71CD0407}"/>
+                <a16:creationId xmlns:a16="http://schemas.microsoft.com/office/drawing/2014/main" id="{13E4D700-B8F3-1D25-CAEA-F99A71CD0407}"/>
               </a:ext>
             </a:extLst>
           </p:cNvPr>
@@ -15711,7 +15695,7 @@
           <p:cNvPr id="14" name="Picture 13">
             <a:extLst>
               <a:ext uri="{FF2B5EF4-FFF2-40B4-BE49-F238E27FC236}">
-                <a16:creationId xmlns:a16="http://schemas.microsoft.com/office/drawing/2014/main" xmlns="" id="{43D20A3B-7FFA-EF53-4C9F-26520ABF8C8E}"/>
+                <a16:creationId xmlns:a16="http://schemas.microsoft.com/office/drawing/2014/main" id="{43D20A3B-7FFA-EF53-4C9F-26520ABF8C8E}"/>
               </a:ext>
             </a:extLst>
           </p:cNvPr>
@@ -15765,7 +15749,7 @@
         <p:cNvPr id="1" name="">
           <a:extLst>
             <a:ext uri="{FF2B5EF4-FFF2-40B4-BE49-F238E27FC236}">
-              <a16:creationId xmlns:a16="http://schemas.microsoft.com/office/drawing/2014/main" xmlns="" id="{DE08D394-2BD4-869F-235F-9850872C5740}"/>
+              <a16:creationId xmlns:a16="http://schemas.microsoft.com/office/drawing/2014/main" id="{DE08D394-2BD4-869F-235F-9850872C5740}"/>
             </a:ext>
           </a:extLst>
         </p:cNvPr>
@@ -15785,10 +15769,10 @@
           <p:cNvPr id="27" name="Rectangle 26">
             <a:extLst>
               <a:ext uri="{FF2B5EF4-FFF2-40B4-BE49-F238E27FC236}">
-                <a16:creationId xmlns:a16="http://schemas.microsoft.com/office/drawing/2014/main" xmlns="" id="{9314C8F3-8B4D-C47F-1366-D419C1E498B2}"/>
+                <a16:creationId xmlns:a16="http://schemas.microsoft.com/office/drawing/2014/main" id="{9314C8F3-8B4D-C47F-1366-D419C1E498B2}"/>
               </a:ext>
               <a:ext uri="{C183D7F6-B498-43B3-948B-1728B52AA6E4}">
-                <adec:decorative xmlns:adec="http://schemas.microsoft.com/office/drawing/2017/decorative" xmlns="" val="1"/>
+                <adec:decorative xmlns:adec="http://schemas.microsoft.com/office/drawing/2017/decorative" val="1"/>
               </a:ext>
             </a:extLst>
           </p:cNvPr>
@@ -15798,7 +15782,7 @@
           <p:nvPr>
             <p:extLst>
               <p:ext uri="{386F3935-93C4-4BCD-93E2-E3B085C9AB24}">
-                <p16:designElem xmlns:p16="http://schemas.microsoft.com/office/powerpoint/2015/main" xmlns="" val="1"/>
+                <p16:designElem xmlns:p16="http://schemas.microsoft.com/office/powerpoint/2015/main" val="1"/>
               </p:ext>
             </p:extLst>
           </p:nvPr>
@@ -15848,10 +15832,10 @@
           <p:cNvPr id="29" name="Freeform: Shape 28">
             <a:extLst>
               <a:ext uri="{FF2B5EF4-FFF2-40B4-BE49-F238E27FC236}">
-                <a16:creationId xmlns:a16="http://schemas.microsoft.com/office/drawing/2014/main" xmlns="" id="{A190D593-2004-AA64-5F30-4C16E0F64D2A}"/>
+                <a16:creationId xmlns:a16="http://schemas.microsoft.com/office/drawing/2014/main" id="{A190D593-2004-AA64-5F30-4C16E0F64D2A}"/>
               </a:ext>
               <a:ext uri="{C183D7F6-B498-43B3-948B-1728B52AA6E4}">
-                <adec:decorative xmlns:adec="http://schemas.microsoft.com/office/drawing/2017/decorative" xmlns="" val="1"/>
+                <adec:decorative xmlns:adec="http://schemas.microsoft.com/office/drawing/2017/decorative" val="1"/>
               </a:ext>
             </a:extLst>
           </p:cNvPr>
@@ -15861,7 +15845,7 @@
           <p:nvPr>
             <p:extLst>
               <p:ext uri="{386F3935-93C4-4BCD-93E2-E3B085C9AB24}">
-                <p16:designElem xmlns:p16="http://schemas.microsoft.com/office/powerpoint/2015/main" xmlns="" val="1"/>
+                <p16:designElem xmlns:p16="http://schemas.microsoft.com/office/powerpoint/2015/main" val="1"/>
               </p:ext>
             </p:extLst>
           </p:nvPr>
@@ -15964,10 +15948,10 @@
           <p:cNvPr id="31" name="Rectangle 30">
             <a:extLst>
               <a:ext uri="{FF2B5EF4-FFF2-40B4-BE49-F238E27FC236}">
-                <a16:creationId xmlns:a16="http://schemas.microsoft.com/office/drawing/2014/main" xmlns="" id="{F29EBCC0-12F4-6CEC-87D2-11155954A26B}"/>
+                <a16:creationId xmlns:a16="http://schemas.microsoft.com/office/drawing/2014/main" id="{F29EBCC0-12F4-6CEC-87D2-11155954A26B}"/>
               </a:ext>
               <a:ext uri="{C183D7F6-B498-43B3-948B-1728B52AA6E4}">
-                <adec:decorative xmlns:adec="http://schemas.microsoft.com/office/drawing/2017/decorative" xmlns="" val="1"/>
+                <adec:decorative xmlns:adec="http://schemas.microsoft.com/office/drawing/2017/decorative" val="1"/>
               </a:ext>
             </a:extLst>
           </p:cNvPr>
@@ -15977,7 +15961,7 @@
           <p:nvPr>
             <p:extLst>
               <p:ext uri="{386F3935-93C4-4BCD-93E2-E3B085C9AB24}">
-                <p16:designElem xmlns:p16="http://schemas.microsoft.com/office/powerpoint/2015/main" xmlns="" val="1"/>
+                <p16:designElem xmlns:p16="http://schemas.microsoft.com/office/powerpoint/2015/main" val="1"/>
               </p:ext>
             </p:extLst>
           </p:nvPr>
@@ -16029,10 +16013,10 @@
           <p:cNvPr id="33" name="Rectangle 32">
             <a:extLst>
               <a:ext uri="{FF2B5EF4-FFF2-40B4-BE49-F238E27FC236}">
-                <a16:creationId xmlns:a16="http://schemas.microsoft.com/office/drawing/2014/main" xmlns="" id="{6E2798DC-74EE-F16A-8314-1B17A297047B}"/>
+                <a16:creationId xmlns:a16="http://schemas.microsoft.com/office/drawing/2014/main" id="{6E2798DC-74EE-F16A-8314-1B17A297047B}"/>
               </a:ext>
               <a:ext uri="{C183D7F6-B498-43B3-948B-1728B52AA6E4}">
-                <adec:decorative xmlns:adec="http://schemas.microsoft.com/office/drawing/2017/decorative" xmlns="" val="1"/>
+                <adec:decorative xmlns:adec="http://schemas.microsoft.com/office/drawing/2017/decorative" val="1"/>
               </a:ext>
             </a:extLst>
           </p:cNvPr>
@@ -16042,7 +16026,7 @@
           <p:nvPr>
             <p:extLst>
               <p:ext uri="{386F3935-93C4-4BCD-93E2-E3B085C9AB24}">
-                <p16:designElem xmlns:p16="http://schemas.microsoft.com/office/powerpoint/2015/main" xmlns="" val="1"/>
+                <p16:designElem xmlns:p16="http://schemas.microsoft.com/office/powerpoint/2015/main" val="1"/>
               </p:ext>
             </p:extLst>
           </p:nvPr>
@@ -16094,10 +16078,10 @@
           <p:cNvPr id="35" name="Freeform: Shape 34">
             <a:extLst>
               <a:ext uri="{FF2B5EF4-FFF2-40B4-BE49-F238E27FC236}">
-                <a16:creationId xmlns:a16="http://schemas.microsoft.com/office/drawing/2014/main" xmlns="" id="{DA8E5BEA-06AB-D25B-21FA-62E598066C1E}"/>
+                <a16:creationId xmlns:a16="http://schemas.microsoft.com/office/drawing/2014/main" id="{DA8E5BEA-06AB-D25B-21FA-62E598066C1E}"/>
               </a:ext>
               <a:ext uri="{C183D7F6-B498-43B3-948B-1728B52AA6E4}">
-                <adec:decorative xmlns:adec="http://schemas.microsoft.com/office/drawing/2017/decorative" xmlns="" val="1"/>
+                <adec:decorative xmlns:adec="http://schemas.microsoft.com/office/drawing/2017/decorative" val="1"/>
               </a:ext>
             </a:extLst>
           </p:cNvPr>
@@ -16107,7 +16091,7 @@
           <p:nvPr>
             <p:extLst>
               <p:ext uri="{386F3935-93C4-4BCD-93E2-E3B085C9AB24}">
-                <p16:designElem xmlns:p16="http://schemas.microsoft.com/office/powerpoint/2015/main" xmlns="" val="1"/>
+                <p16:designElem xmlns:p16="http://schemas.microsoft.com/office/powerpoint/2015/main" val="1"/>
               </p:ext>
             </p:extLst>
           </p:nvPr>
@@ -16204,10 +16188,10 @@
           <p:cNvPr id="37" name="Isosceles Triangle 36">
             <a:extLst>
               <a:ext uri="{FF2B5EF4-FFF2-40B4-BE49-F238E27FC236}">
-                <a16:creationId xmlns:a16="http://schemas.microsoft.com/office/drawing/2014/main" xmlns="" id="{DB1FA6E3-AEA0-1BB8-AE6E-0EF548EC95FC}"/>
+                <a16:creationId xmlns:a16="http://schemas.microsoft.com/office/drawing/2014/main" id="{DB1FA6E3-AEA0-1BB8-AE6E-0EF548EC95FC}"/>
               </a:ext>
               <a:ext uri="{C183D7F6-B498-43B3-948B-1728B52AA6E4}">
-                <adec:decorative xmlns:adec="http://schemas.microsoft.com/office/drawing/2017/decorative" xmlns="" val="1"/>
+                <adec:decorative xmlns:adec="http://schemas.microsoft.com/office/drawing/2017/decorative" val="1"/>
               </a:ext>
             </a:extLst>
           </p:cNvPr>
@@ -16217,7 +16201,7 @@
           <p:nvPr>
             <p:extLst>
               <p:ext uri="{386F3935-93C4-4BCD-93E2-E3B085C9AB24}">
-                <p16:designElem xmlns:p16="http://schemas.microsoft.com/office/powerpoint/2015/main" xmlns="" val="1"/>
+                <p16:designElem xmlns:p16="http://schemas.microsoft.com/office/powerpoint/2015/main" val="1"/>
               </p:ext>
             </p:extLst>
           </p:nvPr>
@@ -16269,10 +16253,10 @@
           <p:cNvPr id="39" name="Isosceles Triangle 38">
             <a:extLst>
               <a:ext uri="{FF2B5EF4-FFF2-40B4-BE49-F238E27FC236}">
-                <a16:creationId xmlns:a16="http://schemas.microsoft.com/office/drawing/2014/main" xmlns="" id="{9FF762B8-666D-9538-F853-FB4BB0A4B746}"/>
+                <a16:creationId xmlns:a16="http://schemas.microsoft.com/office/drawing/2014/main" id="{9FF762B8-666D-9538-F853-FB4BB0A4B746}"/>
               </a:ext>
               <a:ext uri="{C183D7F6-B498-43B3-948B-1728B52AA6E4}">
-                <adec:decorative xmlns:adec="http://schemas.microsoft.com/office/drawing/2017/decorative" xmlns="" val="1"/>
+                <adec:decorative xmlns:adec="http://schemas.microsoft.com/office/drawing/2017/decorative" val="1"/>
               </a:ext>
             </a:extLst>
           </p:cNvPr>
@@ -16282,7 +16266,7 @@
           <p:nvPr>
             <p:extLst>
               <p:ext uri="{386F3935-93C4-4BCD-93E2-E3B085C9AB24}">
-                <p16:designElem xmlns:p16="http://schemas.microsoft.com/office/powerpoint/2015/main" xmlns="" val="1"/>
+                <p16:designElem xmlns:p16="http://schemas.microsoft.com/office/powerpoint/2015/main" val="1"/>
               </p:ext>
             </p:extLst>
           </p:nvPr>
@@ -16334,7 +16318,7 @@
           <p:cNvPr id="3" name="Picture Placeholder 2">
             <a:extLst>
               <a:ext uri="{FF2B5EF4-FFF2-40B4-BE49-F238E27FC236}">
-                <a16:creationId xmlns:a16="http://schemas.microsoft.com/office/drawing/2014/main" xmlns="" id="{1C371400-81F0-FFE8-1AF8-DD993353323A}"/>
+                <a16:creationId xmlns:a16="http://schemas.microsoft.com/office/drawing/2014/main" id="{1C371400-81F0-FFE8-1AF8-DD993353323A}"/>
               </a:ext>
             </a:extLst>
           </p:cNvPr>
@@ -16359,7 +16343,7 @@
           <p:cNvPr id="2" name="TextBox 1">
             <a:extLst>
               <a:ext uri="{FF2B5EF4-FFF2-40B4-BE49-F238E27FC236}">
-                <a16:creationId xmlns:a16="http://schemas.microsoft.com/office/drawing/2014/main" xmlns="" id="{CE2EAF3F-F2BE-256B-3163-500AC5109380}"/>
+                <a16:creationId xmlns:a16="http://schemas.microsoft.com/office/drawing/2014/main" id="{CE2EAF3F-F2BE-256B-3163-500AC5109380}"/>
               </a:ext>
             </a:extLst>
           </p:cNvPr>
@@ -16395,7 +16379,7 @@
           <p:cNvPr id="6" name="Arrow: Right 5">
             <a:extLst>
               <a:ext uri="{FF2B5EF4-FFF2-40B4-BE49-F238E27FC236}">
-                <a16:creationId xmlns:a16="http://schemas.microsoft.com/office/drawing/2014/main" xmlns="" id="{2CAAB777-F3C8-77A0-213C-0CF303349AD1}"/>
+                <a16:creationId xmlns:a16="http://schemas.microsoft.com/office/drawing/2014/main" id="{2CAAB777-F3C8-77A0-213C-0CF303349AD1}"/>
               </a:ext>
             </a:extLst>
           </p:cNvPr>
@@ -16441,7 +16425,7 @@
           <p:cNvPr id="9" name="Arrow: Right 10">
             <a:extLst>
               <a:ext uri="{FF2B5EF4-FFF2-40B4-BE49-F238E27FC236}">
-                <a16:creationId xmlns:a16="http://schemas.microsoft.com/office/drawing/2014/main" xmlns="" id="{F34B6CCF-8C22-B492-75ED-176612B2979B}"/>
+                <a16:creationId xmlns:a16="http://schemas.microsoft.com/office/drawing/2014/main" id="{F34B6CCF-8C22-B492-75ED-176612B2979B}"/>
               </a:ext>
             </a:extLst>
           </p:cNvPr>
@@ -16450,7 +16434,7 @@
         </p:nvSpPr>
         <p:spPr>
           <a:xfrm>
-            <a:off x="5798855" y="3724781"/>
+            <a:off x="5734213" y="4303024"/>
             <a:ext cx="930935" cy="149324"/>
           </a:xfrm>
           <a:prstGeom prst="rightArrow">
@@ -16487,7 +16471,7 @@
           <p:cNvPr id="5" name="Picture 4">
             <a:extLst>
               <a:ext uri="{FF2B5EF4-FFF2-40B4-BE49-F238E27FC236}">
-                <a16:creationId xmlns:a16="http://schemas.microsoft.com/office/drawing/2014/main" xmlns="" id="{665D1823-6FB1-3041-7DB3-D0311FD7B404}"/>
+                <a16:creationId xmlns:a16="http://schemas.microsoft.com/office/drawing/2014/main" id="{665D1823-6FB1-3041-7DB3-D0311FD7B404}"/>
               </a:ext>
             </a:extLst>
           </p:cNvPr>
@@ -16504,7 +16488,7 @@
         </p:blipFill>
         <p:spPr>
           <a:xfrm>
-            <a:off x="334022" y="1989625"/>
+            <a:off x="334022" y="2019549"/>
             <a:ext cx="4821970" cy="3127928"/>
           </a:xfrm>
           <a:prstGeom prst="rect">
@@ -16517,7 +16501,7 @@
           <p:cNvPr id="12" name="Picture 11">
             <a:extLst>
               <a:ext uri="{FF2B5EF4-FFF2-40B4-BE49-F238E27FC236}">
-                <a16:creationId xmlns:a16="http://schemas.microsoft.com/office/drawing/2014/main" xmlns="" id="{4E4FCF34-A635-AFAA-78EB-EC67DB483841}"/>
+                <a16:creationId xmlns:a16="http://schemas.microsoft.com/office/drawing/2014/main" id="{4E4FCF34-A635-AFAA-78EB-EC67DB483841}"/>
               </a:ext>
             </a:extLst>
           </p:cNvPr>
@@ -16547,7 +16531,7 @@
           <p:cNvPr id="13" name="Picture 12">
             <a:extLst>
               <a:ext uri="{FF2B5EF4-FFF2-40B4-BE49-F238E27FC236}">
-                <a16:creationId xmlns:a16="http://schemas.microsoft.com/office/drawing/2014/main" xmlns="" id="{F9EF9AED-7CD9-E30D-0F86-89EC4218BB5A}"/>
+                <a16:creationId xmlns:a16="http://schemas.microsoft.com/office/drawing/2014/main" id="{F9EF9AED-7CD9-E30D-0F86-89EC4218BB5A}"/>
               </a:ext>
             </a:extLst>
           </p:cNvPr>
@@ -16577,7 +16561,7 @@
           <p:cNvPr id="14" name="TextBox 13">
             <a:extLst>
               <a:ext uri="{FF2B5EF4-FFF2-40B4-BE49-F238E27FC236}">
-                <a16:creationId xmlns:a16="http://schemas.microsoft.com/office/drawing/2014/main" xmlns="" id="{DE4DCEFD-DDAE-6885-60F6-B3DE195B859F}"/>
+                <a16:creationId xmlns:a16="http://schemas.microsoft.com/office/drawing/2014/main" id="{DE4DCEFD-DDAE-6885-60F6-B3DE195B859F}"/>
               </a:ext>
             </a:extLst>
           </p:cNvPr>
@@ -16620,7 +16604,7 @@
           <p:cNvPr id="15" name="TextBox 14">
             <a:extLst>
               <a:ext uri="{FF2B5EF4-FFF2-40B4-BE49-F238E27FC236}">
-                <a16:creationId xmlns:a16="http://schemas.microsoft.com/office/drawing/2014/main" xmlns="" id="{DE022E67-0DEC-BDCF-9F73-80C49E221E00}"/>
+                <a16:creationId xmlns:a16="http://schemas.microsoft.com/office/drawing/2014/main" id="{DE022E67-0DEC-BDCF-9F73-80C49E221E00}"/>
               </a:ext>
             </a:extLst>
           </p:cNvPr>
@@ -16658,6 +16642,110 @@
           </a:p>
           <a:p>
             <a:endParaRPr lang="en-GB" dirty="0"/>
+          </a:p>
+        </p:txBody>
+      </p:sp>
+      <p:sp>
+        <p:nvSpPr>
+          <p:cNvPr id="4" name="Rectangle 3">
+            <a:extLst>
+              <a:ext uri="{FF2B5EF4-FFF2-40B4-BE49-F238E27FC236}">
+                <a16:creationId xmlns:a16="http://schemas.microsoft.com/office/drawing/2014/main" id="{C092D5A7-4336-965D-5949-639814C3C424}"/>
+              </a:ext>
+            </a:extLst>
+          </p:cNvPr>
+          <p:cNvSpPr/>
+          <p:nvPr/>
+        </p:nvSpPr>
+        <p:spPr>
+          <a:xfrm>
+            <a:off x="334022" y="2508735"/>
+            <a:ext cx="4821970" cy="406952"/>
+          </a:xfrm>
+          <a:prstGeom prst="rect">
+            <a:avLst/>
+          </a:prstGeom>
+          <a:noFill/>
+          <a:ln w="38100">
+            <a:solidFill>
+              <a:srgbClr val="00B050"/>
+            </a:solidFill>
+          </a:ln>
+        </p:spPr>
+        <p:style>
+          <a:lnRef idx="2">
+            <a:schemeClr val="accent1">
+              <a:shade val="15000"/>
+            </a:schemeClr>
+          </a:lnRef>
+          <a:fillRef idx="1">
+            <a:schemeClr val="accent1"/>
+          </a:fillRef>
+          <a:effectRef idx="0">
+            <a:schemeClr val="accent1"/>
+          </a:effectRef>
+          <a:fontRef idx="minor">
+            <a:schemeClr val="lt1"/>
+          </a:fontRef>
+        </p:style>
+        <p:txBody>
+          <a:bodyPr rtlCol="0" anchor="ctr"/>
+          <a:lstStyle/>
+          <a:p>
+            <a:pPr algn="ctr"/>
+            <a:endParaRPr lang="en-GB"/>
+          </a:p>
+        </p:txBody>
+      </p:sp>
+      <p:sp>
+        <p:nvSpPr>
+          <p:cNvPr id="7" name="Flowchart: Process 18">
+            <a:extLst>
+              <a:ext uri="{FF2B5EF4-FFF2-40B4-BE49-F238E27FC236}">
+                <a16:creationId xmlns:a16="http://schemas.microsoft.com/office/drawing/2014/main" id="{5D92BD47-EBEB-A90C-D208-53664464DEF1}"/>
+              </a:ext>
+            </a:extLst>
+          </p:cNvPr>
+          <p:cNvSpPr/>
+          <p:nvPr/>
+        </p:nvSpPr>
+        <p:spPr>
+          <a:xfrm>
+            <a:off x="219208" y="4230669"/>
+            <a:ext cx="4936784" cy="406953"/>
+          </a:xfrm>
+          <a:prstGeom prst="flowChartProcess">
+            <a:avLst/>
+          </a:prstGeom>
+          <a:noFill/>
+          <a:ln w="38100">
+            <a:solidFill>
+              <a:srgbClr val="00B050"/>
+            </a:solidFill>
+          </a:ln>
+        </p:spPr>
+        <p:style>
+          <a:lnRef idx="2">
+            <a:schemeClr val="accent1">
+              <a:shade val="15000"/>
+            </a:schemeClr>
+          </a:lnRef>
+          <a:fillRef idx="1">
+            <a:schemeClr val="accent1"/>
+          </a:fillRef>
+          <a:effectRef idx="0">
+            <a:schemeClr val="accent1"/>
+          </a:effectRef>
+          <a:fontRef idx="minor">
+            <a:schemeClr val="lt1"/>
+          </a:fontRef>
+        </p:style>
+        <p:txBody>
+          <a:bodyPr rtlCol="0" anchor="ctr"/>
+          <a:lstStyle/>
+          <a:p>
+            <a:pPr algn="ctr"/>
+            <a:endParaRPr lang="en-GB"/>
           </a:p>
         </p:txBody>
       </p:sp>
@@ -16690,7 +16778,7 @@
         <p:cNvPr id="1" name="">
           <a:extLst>
             <a:ext uri="{FF2B5EF4-FFF2-40B4-BE49-F238E27FC236}">
-              <a16:creationId xmlns:a16="http://schemas.microsoft.com/office/drawing/2014/main" xmlns="" id="{B52DC142-DDDA-E279-A9C8-E881EC4C5857}"/>
+              <a16:creationId xmlns:a16="http://schemas.microsoft.com/office/drawing/2014/main" id="{B52DC142-DDDA-E279-A9C8-E881EC4C5857}"/>
             </a:ext>
           </a:extLst>
         </p:cNvPr>
@@ -16710,10 +16798,10 @@
           <p:cNvPr id="27" name="Rectangle 26">
             <a:extLst>
               <a:ext uri="{FF2B5EF4-FFF2-40B4-BE49-F238E27FC236}">
-                <a16:creationId xmlns:a16="http://schemas.microsoft.com/office/drawing/2014/main" xmlns="" id="{D4C1A77A-646D-C446-EEC4-5CFB188C2869}"/>
+                <a16:creationId xmlns:a16="http://schemas.microsoft.com/office/drawing/2014/main" id="{D4C1A77A-646D-C446-EEC4-5CFB188C2869}"/>
               </a:ext>
               <a:ext uri="{C183D7F6-B498-43B3-948B-1728B52AA6E4}">
-                <adec:decorative xmlns:adec="http://schemas.microsoft.com/office/drawing/2017/decorative" xmlns="" val="1"/>
+                <adec:decorative xmlns:adec="http://schemas.microsoft.com/office/drawing/2017/decorative" val="1"/>
               </a:ext>
             </a:extLst>
           </p:cNvPr>
@@ -16723,7 +16811,7 @@
           <p:nvPr>
             <p:extLst>
               <p:ext uri="{386F3935-93C4-4BCD-93E2-E3B085C9AB24}">
-                <p16:designElem xmlns:p16="http://schemas.microsoft.com/office/powerpoint/2015/main" xmlns="" val="1"/>
+                <p16:designElem xmlns:p16="http://schemas.microsoft.com/office/powerpoint/2015/main" val="1"/>
               </p:ext>
             </p:extLst>
           </p:nvPr>
@@ -16773,10 +16861,10 @@
           <p:cNvPr id="29" name="Group 28">
             <a:extLst>
               <a:ext uri="{FF2B5EF4-FFF2-40B4-BE49-F238E27FC236}">
-                <a16:creationId xmlns:a16="http://schemas.microsoft.com/office/drawing/2014/main" xmlns="" id="{CF4062B0-BEFE-0414-D822-12F6D94722CE}"/>
+                <a16:creationId xmlns:a16="http://schemas.microsoft.com/office/drawing/2014/main" id="{CF4062B0-BEFE-0414-D822-12F6D94722CE}"/>
               </a:ext>
               <a:ext uri="{C183D7F6-B498-43B3-948B-1728B52AA6E4}">
-                <adec:decorative xmlns:adec="http://schemas.microsoft.com/office/drawing/2017/decorative" xmlns="" val="1"/>
+                <adec:decorative xmlns:adec="http://schemas.microsoft.com/office/drawing/2017/decorative" val="1"/>
               </a:ext>
             </a:extLst>
           </p:cNvPr>
@@ -16786,7 +16874,7 @@
           <p:nvPr>
             <p:extLst>
               <p:ext uri="{386F3935-93C4-4BCD-93E2-E3B085C9AB24}">
-                <p16:designElem xmlns:p16="http://schemas.microsoft.com/office/powerpoint/2015/main" xmlns="" val="1"/>
+                <p16:designElem xmlns:p16="http://schemas.microsoft.com/office/powerpoint/2015/main" val="1"/>
               </p:ext>
             </p:extLst>
           </p:nvPr>
@@ -16804,10 +16892,10 @@
             <p:cNvPr id="30" name="Freeform: Shape 29">
               <a:extLst>
                 <a:ext uri="{FF2B5EF4-FFF2-40B4-BE49-F238E27FC236}">
-                  <a16:creationId xmlns:a16="http://schemas.microsoft.com/office/drawing/2014/main" xmlns="" id="{6A362E68-575C-1D07-EE8A-A64C68972EC7}"/>
+                  <a16:creationId xmlns:a16="http://schemas.microsoft.com/office/drawing/2014/main" id="{6A362E68-575C-1D07-EE8A-A64C68972EC7}"/>
                 </a:ext>
                 <a:ext uri="{C183D7F6-B498-43B3-948B-1728B52AA6E4}">
-                  <adec:decorative xmlns:adec="http://schemas.microsoft.com/office/drawing/2017/decorative" xmlns="" val="1"/>
+                  <adec:decorative xmlns:adec="http://schemas.microsoft.com/office/drawing/2017/decorative" val="1"/>
                 </a:ext>
               </a:extLst>
             </p:cNvPr>
@@ -16815,7 +16903,7 @@
             <p:nvPr>
               <p:extLst>
                 <p:ext uri="{386F3935-93C4-4BCD-93E2-E3B085C9AB24}">
-                  <p16:designElem xmlns:p16="http://schemas.microsoft.com/office/powerpoint/2015/main" xmlns="" val="1"/>
+                  <p16:designElem xmlns:p16="http://schemas.microsoft.com/office/powerpoint/2015/main" val="1"/>
                 </p:ext>
               </p:extLst>
             </p:nvPr>
@@ -16918,10 +17006,10 @@
             <p:cNvPr id="31" name="Rectangle 30">
               <a:extLst>
                 <a:ext uri="{FF2B5EF4-FFF2-40B4-BE49-F238E27FC236}">
-                  <a16:creationId xmlns:a16="http://schemas.microsoft.com/office/drawing/2014/main" xmlns="" id="{643EA755-F8D9-A2A6-7756-3AC98482763C}"/>
+                  <a16:creationId xmlns:a16="http://schemas.microsoft.com/office/drawing/2014/main" id="{643EA755-F8D9-A2A6-7756-3AC98482763C}"/>
                 </a:ext>
                 <a:ext uri="{C183D7F6-B498-43B3-948B-1728B52AA6E4}">
-                  <adec:decorative xmlns:adec="http://schemas.microsoft.com/office/drawing/2017/decorative" xmlns="" val="1"/>
+                  <adec:decorative xmlns:adec="http://schemas.microsoft.com/office/drawing/2017/decorative" val="1"/>
                 </a:ext>
               </a:extLst>
             </p:cNvPr>
@@ -16929,7 +17017,7 @@
             <p:nvPr>
               <p:extLst>
                 <p:ext uri="{386F3935-93C4-4BCD-93E2-E3B085C9AB24}">
-                  <p16:designElem xmlns:p16="http://schemas.microsoft.com/office/powerpoint/2015/main" xmlns="" val="1"/>
+                  <p16:designElem xmlns:p16="http://schemas.microsoft.com/office/powerpoint/2015/main" val="1"/>
                 </p:ext>
               </p:extLst>
             </p:nvPr>
@@ -16982,10 +17070,10 @@
           <p:cNvPr id="33" name="Rectangle 32">
             <a:extLst>
               <a:ext uri="{FF2B5EF4-FFF2-40B4-BE49-F238E27FC236}">
-                <a16:creationId xmlns:a16="http://schemas.microsoft.com/office/drawing/2014/main" xmlns="" id="{467A269E-EE71-BC53-BA62-C5B8FB1D0A42}"/>
+                <a16:creationId xmlns:a16="http://schemas.microsoft.com/office/drawing/2014/main" id="{467A269E-EE71-BC53-BA62-C5B8FB1D0A42}"/>
               </a:ext>
               <a:ext uri="{C183D7F6-B498-43B3-948B-1728B52AA6E4}">
-                <adec:decorative xmlns:adec="http://schemas.microsoft.com/office/drawing/2017/decorative" xmlns="" val="1"/>
+                <adec:decorative xmlns:adec="http://schemas.microsoft.com/office/drawing/2017/decorative" val="1"/>
               </a:ext>
             </a:extLst>
           </p:cNvPr>
@@ -16995,7 +17083,7 @@
           <p:nvPr>
             <p:extLst>
               <p:ext uri="{386F3935-93C4-4BCD-93E2-E3B085C9AB24}">
-                <p16:designElem xmlns:p16="http://schemas.microsoft.com/office/powerpoint/2015/main" xmlns="" val="1"/>
+                <p16:designElem xmlns:p16="http://schemas.microsoft.com/office/powerpoint/2015/main" val="1"/>
               </p:ext>
             </p:extLst>
           </p:nvPr>
@@ -17047,10 +17135,10 @@
           <p:cNvPr id="35" name="Isosceles Triangle 34">
             <a:extLst>
               <a:ext uri="{FF2B5EF4-FFF2-40B4-BE49-F238E27FC236}">
-                <a16:creationId xmlns:a16="http://schemas.microsoft.com/office/drawing/2014/main" xmlns="" id="{1157ACF3-646F-57B0-1C6B-D87BEB272F5B}"/>
+                <a16:creationId xmlns:a16="http://schemas.microsoft.com/office/drawing/2014/main" id="{1157ACF3-646F-57B0-1C6B-D87BEB272F5B}"/>
               </a:ext>
               <a:ext uri="{C183D7F6-B498-43B3-948B-1728B52AA6E4}">
-                <adec:decorative xmlns:adec="http://schemas.microsoft.com/office/drawing/2017/decorative" xmlns="" val="1"/>
+                <adec:decorative xmlns:adec="http://schemas.microsoft.com/office/drawing/2017/decorative" val="1"/>
               </a:ext>
             </a:extLst>
           </p:cNvPr>
@@ -17060,7 +17148,7 @@
           <p:nvPr>
             <p:extLst>
               <p:ext uri="{386F3935-93C4-4BCD-93E2-E3B085C9AB24}">
-                <p16:designElem xmlns:p16="http://schemas.microsoft.com/office/powerpoint/2015/main" xmlns="" val="1"/>
+                <p16:designElem xmlns:p16="http://schemas.microsoft.com/office/powerpoint/2015/main" val="1"/>
               </p:ext>
             </p:extLst>
           </p:nvPr>
@@ -17114,7 +17202,7 @@
           <p:cNvPr id="6" name="TextBox 5">
             <a:extLst>
               <a:ext uri="{FF2B5EF4-FFF2-40B4-BE49-F238E27FC236}">
-                <a16:creationId xmlns:a16="http://schemas.microsoft.com/office/drawing/2014/main" xmlns="" id="{3EA251FE-7DA4-A4D7-1D0D-01CE499FC3D3}"/>
+                <a16:creationId xmlns:a16="http://schemas.microsoft.com/office/drawing/2014/main" id="{3EA251FE-7DA4-A4D7-1D0D-01CE499FC3D3}"/>
               </a:ext>
             </a:extLst>
           </p:cNvPr>
@@ -17162,7 +17250,7 @@
           <p:cNvPr id="3" name="Picture Placeholder 2">
             <a:extLst>
               <a:ext uri="{FF2B5EF4-FFF2-40B4-BE49-F238E27FC236}">
-                <a16:creationId xmlns:a16="http://schemas.microsoft.com/office/drawing/2014/main" xmlns="" id="{9A08079B-FE44-1DDD-5F3F-ADA4E5EC6338}"/>
+                <a16:creationId xmlns:a16="http://schemas.microsoft.com/office/drawing/2014/main" id="{9A08079B-FE44-1DDD-5F3F-ADA4E5EC6338}"/>
               </a:ext>
             </a:extLst>
           </p:cNvPr>
@@ -17187,7 +17275,7 @@
           <p:cNvPr id="18" name="Arrow: Right 20">
             <a:extLst>
               <a:ext uri="{FF2B5EF4-FFF2-40B4-BE49-F238E27FC236}">
-                <a16:creationId xmlns:a16="http://schemas.microsoft.com/office/drawing/2014/main" xmlns="" id="{508A11B0-6545-FCAF-56BD-A10E21FA0030}"/>
+                <a16:creationId xmlns:a16="http://schemas.microsoft.com/office/drawing/2014/main" id="{508A11B0-6545-FCAF-56BD-A10E21FA0030}"/>
               </a:ext>
             </a:extLst>
           </p:cNvPr>
@@ -17196,7 +17284,7 @@
         </p:nvSpPr>
         <p:spPr>
           <a:xfrm>
-            <a:off x="5618506" y="3161215"/>
+            <a:off x="5601770" y="3715861"/>
             <a:ext cx="1238783" cy="338406"/>
           </a:xfrm>
           <a:prstGeom prst="rightArrow">
@@ -17233,7 +17321,7 @@
           <p:cNvPr id="2" name="Picture 1">
             <a:extLst>
               <a:ext uri="{FF2B5EF4-FFF2-40B4-BE49-F238E27FC236}">
-                <a16:creationId xmlns:a16="http://schemas.microsoft.com/office/drawing/2014/main" xmlns="" id="{58A5F330-39D2-3D35-DAA7-5FD67B112930}"/>
+                <a16:creationId xmlns:a16="http://schemas.microsoft.com/office/drawing/2014/main" id="{58A5F330-39D2-3D35-DAA7-5FD67B112930}"/>
               </a:ext>
             </a:extLst>
           </p:cNvPr>
@@ -17250,8 +17338,8 @@
         </p:blipFill>
         <p:spPr>
           <a:xfrm>
-            <a:off x="529595" y="2608020"/>
-            <a:ext cx="4243818" cy="3123978"/>
+            <a:off x="529594" y="2176628"/>
+            <a:ext cx="4829849" cy="3555370"/>
           </a:xfrm>
           <a:prstGeom prst="rect">
             <a:avLst/>
@@ -17263,7 +17351,7 @@
           <p:cNvPr id="4" name="Picture 3">
             <a:extLst>
               <a:ext uri="{FF2B5EF4-FFF2-40B4-BE49-F238E27FC236}">
-                <a16:creationId xmlns:a16="http://schemas.microsoft.com/office/drawing/2014/main" xmlns="" id="{EB711DD9-C270-7C5F-8751-62C8576EE663}"/>
+                <a16:creationId xmlns:a16="http://schemas.microsoft.com/office/drawing/2014/main" id="{EB711DD9-C270-7C5F-8751-62C8576EE663}"/>
               </a:ext>
             </a:extLst>
           </p:cNvPr>
@@ -17280,7 +17368,7 @@
         </p:blipFill>
         <p:spPr>
           <a:xfrm>
-            <a:off x="7564582" y="4367481"/>
+            <a:off x="7558777" y="4527781"/>
             <a:ext cx="1862091" cy="2167686"/>
           </a:xfrm>
           <a:prstGeom prst="rect">
@@ -17293,7 +17381,7 @@
           <p:cNvPr id="5" name="Picture 4">
             <a:extLst>
               <a:ext uri="{FF2B5EF4-FFF2-40B4-BE49-F238E27FC236}">
-                <a16:creationId xmlns:a16="http://schemas.microsoft.com/office/drawing/2014/main" xmlns="" id="{04ED5590-897C-F7CE-3F65-2AD8DCB4654A}"/>
+                <a16:creationId xmlns:a16="http://schemas.microsoft.com/office/drawing/2014/main" id="{04ED5590-897C-F7CE-3F65-2AD8DCB4654A}"/>
               </a:ext>
             </a:extLst>
           </p:cNvPr>
@@ -17310,7 +17398,7 @@
         </p:blipFill>
         <p:spPr>
           <a:xfrm>
-            <a:off x="7564582" y="1705602"/>
+            <a:off x="7524187" y="2065190"/>
             <a:ext cx="1786525" cy="2241505"/>
           </a:xfrm>
           <a:prstGeom prst="rect">
@@ -17323,7 +17411,7 @@
           <p:cNvPr id="7" name="Arrow: Right 20">
             <a:extLst>
               <a:ext uri="{FF2B5EF4-FFF2-40B4-BE49-F238E27FC236}">
-                <a16:creationId xmlns:a16="http://schemas.microsoft.com/office/drawing/2014/main" xmlns="" id="{ED145A00-D596-CDF3-4477-97DB04DA0FC2}"/>
+                <a16:creationId xmlns:a16="http://schemas.microsoft.com/office/drawing/2014/main" id="{ED145A00-D596-CDF3-4477-97DB04DA0FC2}"/>
               </a:ext>
             </a:extLst>
           </p:cNvPr>
@@ -17369,7 +17457,7 @@
           <p:cNvPr id="10" name="TextBox 9">
             <a:extLst>
               <a:ext uri="{FF2B5EF4-FFF2-40B4-BE49-F238E27FC236}">
-                <a16:creationId xmlns:a16="http://schemas.microsoft.com/office/drawing/2014/main" xmlns="" id="{47A9BE98-C96E-3B41-928A-CE985A8C8E3E}"/>
+                <a16:creationId xmlns:a16="http://schemas.microsoft.com/office/drawing/2014/main" id="{47A9BE98-C96E-3B41-928A-CE985A8C8E3E}"/>
               </a:ext>
             </a:extLst>
           </p:cNvPr>
@@ -17409,6 +17497,110 @@
           </a:p>
           <a:p>
             <a:endParaRPr lang="en-GB" dirty="0"/>
+          </a:p>
+        </p:txBody>
+      </p:sp>
+      <p:sp>
+        <p:nvSpPr>
+          <p:cNvPr id="8" name="Rectangle 7">
+            <a:extLst>
+              <a:ext uri="{FF2B5EF4-FFF2-40B4-BE49-F238E27FC236}">
+                <a16:creationId xmlns:a16="http://schemas.microsoft.com/office/drawing/2014/main" id="{9609C5E8-0851-99A1-E92E-C04ECF21BF89}"/>
+              </a:ext>
+            </a:extLst>
+          </p:cNvPr>
+          <p:cNvSpPr/>
+          <p:nvPr/>
+        </p:nvSpPr>
+        <p:spPr>
+          <a:xfrm>
+            <a:off x="372184" y="3715861"/>
+            <a:ext cx="4987259" cy="613064"/>
+          </a:xfrm>
+          <a:prstGeom prst="rect">
+            <a:avLst/>
+          </a:prstGeom>
+          <a:noFill/>
+          <a:ln w="38100">
+            <a:solidFill>
+              <a:srgbClr val="00B050"/>
+            </a:solidFill>
+          </a:ln>
+        </p:spPr>
+        <p:style>
+          <a:lnRef idx="2">
+            <a:schemeClr val="accent1">
+              <a:shade val="15000"/>
+            </a:schemeClr>
+          </a:lnRef>
+          <a:fillRef idx="1">
+            <a:schemeClr val="accent1"/>
+          </a:fillRef>
+          <a:effectRef idx="0">
+            <a:schemeClr val="accent1"/>
+          </a:effectRef>
+          <a:fontRef idx="minor">
+            <a:schemeClr val="lt1"/>
+          </a:fontRef>
+        </p:style>
+        <p:txBody>
+          <a:bodyPr rtlCol="0" anchor="ctr"/>
+          <a:lstStyle/>
+          <a:p>
+            <a:pPr algn="ctr"/>
+            <a:endParaRPr lang="en-GB"/>
+          </a:p>
+        </p:txBody>
+      </p:sp>
+      <p:sp>
+        <p:nvSpPr>
+          <p:cNvPr id="9" name="Rectangle 8">
+            <a:extLst>
+              <a:ext uri="{FF2B5EF4-FFF2-40B4-BE49-F238E27FC236}">
+                <a16:creationId xmlns:a16="http://schemas.microsoft.com/office/drawing/2014/main" id="{F7BF1ABD-F3CA-D6BB-FCA3-B14855D9B04D}"/>
+              </a:ext>
+            </a:extLst>
+          </p:cNvPr>
+          <p:cNvSpPr/>
+          <p:nvPr/>
+        </p:nvSpPr>
+        <p:spPr>
+          <a:xfrm>
+            <a:off x="372185" y="4647929"/>
+            <a:ext cx="4987258" cy="613064"/>
+          </a:xfrm>
+          <a:prstGeom prst="rect">
+            <a:avLst/>
+          </a:prstGeom>
+          <a:noFill/>
+          <a:ln w="38100">
+            <a:solidFill>
+              <a:srgbClr val="00B050"/>
+            </a:solidFill>
+          </a:ln>
+        </p:spPr>
+        <p:style>
+          <a:lnRef idx="2">
+            <a:schemeClr val="accent1">
+              <a:shade val="15000"/>
+            </a:schemeClr>
+          </a:lnRef>
+          <a:fillRef idx="1">
+            <a:schemeClr val="accent1"/>
+          </a:fillRef>
+          <a:effectRef idx="0">
+            <a:schemeClr val="accent1"/>
+          </a:effectRef>
+          <a:fontRef idx="minor">
+            <a:schemeClr val="lt1"/>
+          </a:fontRef>
+        </p:style>
+        <p:txBody>
+          <a:bodyPr rtlCol="0" anchor="ctr"/>
+          <a:lstStyle/>
+          <a:p>
+            <a:pPr algn="ctr"/>
+            <a:endParaRPr lang="en-GB"/>
           </a:p>
         </p:txBody>
       </p:sp>
@@ -17441,7 +17633,7 @@
         <p:cNvPr id="1" name="">
           <a:extLst>
             <a:ext uri="{FF2B5EF4-FFF2-40B4-BE49-F238E27FC236}">
-              <a16:creationId xmlns:a16="http://schemas.microsoft.com/office/drawing/2014/main" xmlns="" id="{8909239B-F233-1ADA-B4AA-6FABE1173C5D}"/>
+              <a16:creationId xmlns:a16="http://schemas.microsoft.com/office/drawing/2014/main" id="{8909239B-F233-1ADA-B4AA-6FABE1173C5D}"/>
             </a:ext>
           </a:extLst>
         </p:cNvPr>
@@ -17461,10 +17653,10 @@
           <p:cNvPr id="27" name="Rectangle 26">
             <a:extLst>
               <a:ext uri="{FF2B5EF4-FFF2-40B4-BE49-F238E27FC236}">
-                <a16:creationId xmlns:a16="http://schemas.microsoft.com/office/drawing/2014/main" xmlns="" id="{26A7D641-3603-DCFE-110B-C71D4F3AEC96}"/>
+                <a16:creationId xmlns:a16="http://schemas.microsoft.com/office/drawing/2014/main" id="{26A7D641-3603-DCFE-110B-C71D4F3AEC96}"/>
               </a:ext>
               <a:ext uri="{C183D7F6-B498-43B3-948B-1728B52AA6E4}">
-                <adec:decorative xmlns:adec="http://schemas.microsoft.com/office/drawing/2017/decorative" xmlns="" val="1"/>
+                <adec:decorative xmlns:adec="http://schemas.microsoft.com/office/drawing/2017/decorative" val="1"/>
               </a:ext>
             </a:extLst>
           </p:cNvPr>
@@ -17474,7 +17666,7 @@
           <p:nvPr>
             <p:extLst>
               <p:ext uri="{386F3935-93C4-4BCD-93E2-E3B085C9AB24}">
-                <p16:designElem xmlns:p16="http://schemas.microsoft.com/office/powerpoint/2015/main" xmlns="" val="1"/>
+                <p16:designElem xmlns:p16="http://schemas.microsoft.com/office/powerpoint/2015/main" val="1"/>
               </p:ext>
             </p:extLst>
           </p:nvPr>
@@ -17524,10 +17716,10 @@
           <p:cNvPr id="29" name="Group 28">
             <a:extLst>
               <a:ext uri="{FF2B5EF4-FFF2-40B4-BE49-F238E27FC236}">
-                <a16:creationId xmlns:a16="http://schemas.microsoft.com/office/drawing/2014/main" xmlns="" id="{D0C8186D-6A43-58BE-90F9-B01669F27C8A}"/>
+                <a16:creationId xmlns:a16="http://schemas.microsoft.com/office/drawing/2014/main" id="{D0C8186D-6A43-58BE-90F9-B01669F27C8A}"/>
               </a:ext>
               <a:ext uri="{C183D7F6-B498-43B3-948B-1728B52AA6E4}">
-                <adec:decorative xmlns:adec="http://schemas.microsoft.com/office/drawing/2017/decorative" xmlns="" val="1"/>
+                <adec:decorative xmlns:adec="http://schemas.microsoft.com/office/drawing/2017/decorative" val="1"/>
               </a:ext>
             </a:extLst>
           </p:cNvPr>
@@ -17537,7 +17729,7 @@
           <p:nvPr>
             <p:extLst>
               <p:ext uri="{386F3935-93C4-4BCD-93E2-E3B085C9AB24}">
-                <p16:designElem xmlns:p16="http://schemas.microsoft.com/office/powerpoint/2015/main" xmlns="" val="1"/>
+                <p16:designElem xmlns:p16="http://schemas.microsoft.com/office/powerpoint/2015/main" val="1"/>
               </p:ext>
             </p:extLst>
           </p:nvPr>
@@ -17555,10 +17747,10 @@
             <p:cNvPr id="30" name="Freeform: Shape 29">
               <a:extLst>
                 <a:ext uri="{FF2B5EF4-FFF2-40B4-BE49-F238E27FC236}">
-                  <a16:creationId xmlns:a16="http://schemas.microsoft.com/office/drawing/2014/main" xmlns="" id="{5395C22A-2080-D742-6812-E838EE0E098C}"/>
+                  <a16:creationId xmlns:a16="http://schemas.microsoft.com/office/drawing/2014/main" id="{5395C22A-2080-D742-6812-E838EE0E098C}"/>
                 </a:ext>
                 <a:ext uri="{C183D7F6-B498-43B3-948B-1728B52AA6E4}">
-                  <adec:decorative xmlns:adec="http://schemas.microsoft.com/office/drawing/2017/decorative" xmlns="" val="1"/>
+                  <adec:decorative xmlns:adec="http://schemas.microsoft.com/office/drawing/2017/decorative" val="1"/>
                 </a:ext>
               </a:extLst>
             </p:cNvPr>
@@ -17566,7 +17758,7 @@
             <p:nvPr>
               <p:extLst>
                 <p:ext uri="{386F3935-93C4-4BCD-93E2-E3B085C9AB24}">
-                  <p16:designElem xmlns:p16="http://schemas.microsoft.com/office/powerpoint/2015/main" xmlns="" val="1"/>
+                  <p16:designElem xmlns:p16="http://schemas.microsoft.com/office/powerpoint/2015/main" val="1"/>
                 </p:ext>
               </p:extLst>
             </p:nvPr>
@@ -17669,10 +17861,10 @@
             <p:cNvPr id="31" name="Rectangle 30">
               <a:extLst>
                 <a:ext uri="{FF2B5EF4-FFF2-40B4-BE49-F238E27FC236}">
-                  <a16:creationId xmlns:a16="http://schemas.microsoft.com/office/drawing/2014/main" xmlns="" id="{5D0FB55F-A100-9786-976D-739E5FE4ECA8}"/>
+                  <a16:creationId xmlns:a16="http://schemas.microsoft.com/office/drawing/2014/main" id="{5D0FB55F-A100-9786-976D-739E5FE4ECA8}"/>
                 </a:ext>
                 <a:ext uri="{C183D7F6-B498-43B3-948B-1728B52AA6E4}">
-                  <adec:decorative xmlns:adec="http://schemas.microsoft.com/office/drawing/2017/decorative" xmlns="" val="1"/>
+                  <adec:decorative xmlns:adec="http://schemas.microsoft.com/office/drawing/2017/decorative" val="1"/>
                 </a:ext>
               </a:extLst>
             </p:cNvPr>
@@ -17680,7 +17872,7 @@
             <p:nvPr>
               <p:extLst>
                 <p:ext uri="{386F3935-93C4-4BCD-93E2-E3B085C9AB24}">
-                  <p16:designElem xmlns:p16="http://schemas.microsoft.com/office/powerpoint/2015/main" xmlns="" val="1"/>
+                  <p16:designElem xmlns:p16="http://schemas.microsoft.com/office/powerpoint/2015/main" val="1"/>
                 </p:ext>
               </p:extLst>
             </p:nvPr>
@@ -17733,10 +17925,10 @@
           <p:cNvPr id="33" name="Rectangle 32">
             <a:extLst>
               <a:ext uri="{FF2B5EF4-FFF2-40B4-BE49-F238E27FC236}">
-                <a16:creationId xmlns:a16="http://schemas.microsoft.com/office/drawing/2014/main" xmlns="" id="{B822E68A-1D0F-A3E5-C900-7CEFB1812355}"/>
+                <a16:creationId xmlns:a16="http://schemas.microsoft.com/office/drawing/2014/main" id="{B822E68A-1D0F-A3E5-C900-7CEFB1812355}"/>
               </a:ext>
               <a:ext uri="{C183D7F6-B498-43B3-948B-1728B52AA6E4}">
-                <adec:decorative xmlns:adec="http://schemas.microsoft.com/office/drawing/2017/decorative" xmlns="" val="1"/>
+                <adec:decorative xmlns:adec="http://schemas.microsoft.com/office/drawing/2017/decorative" val="1"/>
               </a:ext>
             </a:extLst>
           </p:cNvPr>
@@ -17746,7 +17938,7 @@
           <p:nvPr>
             <p:extLst>
               <p:ext uri="{386F3935-93C4-4BCD-93E2-E3B085C9AB24}">
-                <p16:designElem xmlns:p16="http://schemas.microsoft.com/office/powerpoint/2015/main" xmlns="" val="1"/>
+                <p16:designElem xmlns:p16="http://schemas.microsoft.com/office/powerpoint/2015/main" val="1"/>
               </p:ext>
             </p:extLst>
           </p:nvPr>
@@ -17798,10 +17990,10 @@
           <p:cNvPr id="35" name="Isosceles Triangle 34">
             <a:extLst>
               <a:ext uri="{FF2B5EF4-FFF2-40B4-BE49-F238E27FC236}">
-                <a16:creationId xmlns:a16="http://schemas.microsoft.com/office/drawing/2014/main" xmlns="" id="{BBD0ED0B-3B23-BC98-FFD9-D7FEAF424222}"/>
+                <a16:creationId xmlns:a16="http://schemas.microsoft.com/office/drawing/2014/main" id="{BBD0ED0B-3B23-BC98-FFD9-D7FEAF424222}"/>
               </a:ext>
               <a:ext uri="{C183D7F6-B498-43B3-948B-1728B52AA6E4}">
-                <adec:decorative xmlns:adec="http://schemas.microsoft.com/office/drawing/2017/decorative" xmlns="" val="1"/>
+                <adec:decorative xmlns:adec="http://schemas.microsoft.com/office/drawing/2017/decorative" val="1"/>
               </a:ext>
             </a:extLst>
           </p:cNvPr>
@@ -17811,7 +18003,7 @@
           <p:nvPr>
             <p:extLst>
               <p:ext uri="{386F3935-93C4-4BCD-93E2-E3B085C9AB24}">
-                <p16:designElem xmlns:p16="http://schemas.microsoft.com/office/powerpoint/2015/main" xmlns="" val="1"/>
+                <p16:designElem xmlns:p16="http://schemas.microsoft.com/office/powerpoint/2015/main" val="1"/>
               </p:ext>
             </p:extLst>
           </p:nvPr>
@@ -17865,7 +18057,7 @@
           <p:cNvPr id="6" name="TextBox 5">
             <a:extLst>
               <a:ext uri="{FF2B5EF4-FFF2-40B4-BE49-F238E27FC236}">
-                <a16:creationId xmlns:a16="http://schemas.microsoft.com/office/drawing/2014/main" xmlns="" id="{C581DE83-0E5A-9094-1B32-D31468C34E23}"/>
+                <a16:creationId xmlns:a16="http://schemas.microsoft.com/office/drawing/2014/main" id="{C581DE83-0E5A-9094-1B32-D31468C34E23}"/>
               </a:ext>
             </a:extLst>
           </p:cNvPr>
@@ -17907,7 +18099,7 @@
           <p:cNvPr id="3" name="Picture Placeholder 2">
             <a:extLst>
               <a:ext uri="{FF2B5EF4-FFF2-40B4-BE49-F238E27FC236}">
-                <a16:creationId xmlns:a16="http://schemas.microsoft.com/office/drawing/2014/main" xmlns="" id="{2D5C1153-9BEC-F03A-F6E5-6A38F134724A}"/>
+                <a16:creationId xmlns:a16="http://schemas.microsoft.com/office/drawing/2014/main" id="{2D5C1153-9BEC-F03A-F6E5-6A38F134724A}"/>
               </a:ext>
             </a:extLst>
           </p:cNvPr>
@@ -17932,7 +18124,7 @@
           <p:cNvPr id="18" name="Arrow: Right 20">
             <a:extLst>
               <a:ext uri="{FF2B5EF4-FFF2-40B4-BE49-F238E27FC236}">
-                <a16:creationId xmlns:a16="http://schemas.microsoft.com/office/drawing/2014/main" xmlns="" id="{EAA9FF8C-A86B-0C45-955B-132D8A7BF286}"/>
+                <a16:creationId xmlns:a16="http://schemas.microsoft.com/office/drawing/2014/main" id="{EAA9FF8C-A86B-0C45-955B-132D8A7BF286}"/>
               </a:ext>
             </a:extLst>
           </p:cNvPr>
@@ -17978,7 +18170,7 @@
           <p:cNvPr id="2" name="TextBox 1">
             <a:extLst>
               <a:ext uri="{FF2B5EF4-FFF2-40B4-BE49-F238E27FC236}">
-                <a16:creationId xmlns:a16="http://schemas.microsoft.com/office/drawing/2014/main" xmlns="" id="{CC1D5DB6-9EDE-F3E8-F893-0FAEF03EE8F4}"/>
+                <a16:creationId xmlns:a16="http://schemas.microsoft.com/office/drawing/2014/main" id="{CC1D5DB6-9EDE-F3E8-F893-0FAEF03EE8F4}"/>
               </a:ext>
             </a:extLst>
           </p:cNvPr>
@@ -18017,7 +18209,7 @@
           <p:cNvPr id="4" name="Picture 3">
             <a:extLst>
               <a:ext uri="{FF2B5EF4-FFF2-40B4-BE49-F238E27FC236}">
-                <a16:creationId xmlns:a16="http://schemas.microsoft.com/office/drawing/2014/main" xmlns="" id="{6E3FB56E-170C-F886-5758-E3F33C2D73A1}"/>
+                <a16:creationId xmlns:a16="http://schemas.microsoft.com/office/drawing/2014/main" id="{6E3FB56E-170C-F886-5758-E3F33C2D73A1}"/>
               </a:ext>
             </a:extLst>
           </p:cNvPr>
@@ -18047,7 +18239,7 @@
           <p:cNvPr id="5" name="Picture 4">
             <a:extLst>
               <a:ext uri="{FF2B5EF4-FFF2-40B4-BE49-F238E27FC236}">
-                <a16:creationId xmlns:a16="http://schemas.microsoft.com/office/drawing/2014/main" xmlns="" id="{77C6D20E-DB41-EA7B-8F85-119C52A19290}"/>
+                <a16:creationId xmlns:a16="http://schemas.microsoft.com/office/drawing/2014/main" id="{77C6D20E-DB41-EA7B-8F85-119C52A19290}"/>
               </a:ext>
             </a:extLst>
           </p:cNvPr>
@@ -18072,6 +18264,58 @@
           </a:prstGeom>
         </p:spPr>
       </p:pic>
+      <p:sp>
+        <p:nvSpPr>
+          <p:cNvPr id="7" name="Rectangle 6">
+            <a:extLst>
+              <a:ext uri="{FF2B5EF4-FFF2-40B4-BE49-F238E27FC236}">
+                <a16:creationId xmlns:a16="http://schemas.microsoft.com/office/drawing/2014/main" id="{EED33D6B-74CF-5840-9D45-AD42C18D33A1}"/>
+              </a:ext>
+            </a:extLst>
+          </p:cNvPr>
+          <p:cNvSpPr/>
+          <p:nvPr/>
+        </p:nvSpPr>
+        <p:spPr>
+          <a:xfrm>
+            <a:off x="435847" y="3555410"/>
+            <a:ext cx="5029200" cy="428711"/>
+          </a:xfrm>
+          <a:prstGeom prst="rect">
+            <a:avLst/>
+          </a:prstGeom>
+          <a:noFill/>
+          <a:ln w="38100">
+            <a:solidFill>
+              <a:srgbClr val="00B050"/>
+            </a:solidFill>
+          </a:ln>
+        </p:spPr>
+        <p:style>
+          <a:lnRef idx="2">
+            <a:schemeClr val="accent1">
+              <a:shade val="15000"/>
+            </a:schemeClr>
+          </a:lnRef>
+          <a:fillRef idx="1">
+            <a:schemeClr val="accent1"/>
+          </a:fillRef>
+          <a:effectRef idx="0">
+            <a:schemeClr val="accent1"/>
+          </a:effectRef>
+          <a:fontRef idx="minor">
+            <a:schemeClr val="lt1"/>
+          </a:fontRef>
+        </p:style>
+        <p:txBody>
+          <a:bodyPr rtlCol="0" anchor="ctr"/>
+          <a:lstStyle/>
+          <a:p>
+            <a:pPr algn="ctr"/>
+            <a:endParaRPr lang="en-GB"/>
+          </a:p>
+        </p:txBody>
+      </p:sp>
     </p:spTree>
     <p:extLst>
       <p:ext uri="{BB962C8B-B14F-4D97-AF65-F5344CB8AC3E}">
@@ -18101,7 +18345,7 @@
         <p:cNvPr id="1" name="">
           <a:extLst>
             <a:ext uri="{FF2B5EF4-FFF2-40B4-BE49-F238E27FC236}">
-              <a16:creationId xmlns:a16="http://schemas.microsoft.com/office/drawing/2014/main" xmlns="" id="{C6B4CF4D-762A-DE2E-C4F7-010025F1397A}"/>
+              <a16:creationId xmlns:a16="http://schemas.microsoft.com/office/drawing/2014/main" id="{C6B4CF4D-762A-DE2E-C4F7-010025F1397A}"/>
             </a:ext>
           </a:extLst>
         </p:cNvPr>
@@ -18121,10 +18365,10 @@
           <p:cNvPr id="27" name="Rectangle 26">
             <a:extLst>
               <a:ext uri="{FF2B5EF4-FFF2-40B4-BE49-F238E27FC236}">
-                <a16:creationId xmlns:a16="http://schemas.microsoft.com/office/drawing/2014/main" xmlns="" id="{95F4A986-6A23-CB2E-DE53-4F0AECED1CC7}"/>
+                <a16:creationId xmlns:a16="http://schemas.microsoft.com/office/drawing/2014/main" id="{95F4A986-6A23-CB2E-DE53-4F0AECED1CC7}"/>
               </a:ext>
               <a:ext uri="{C183D7F6-B498-43B3-948B-1728B52AA6E4}">
-                <adec:decorative xmlns:adec="http://schemas.microsoft.com/office/drawing/2017/decorative" xmlns="" val="1"/>
+                <adec:decorative xmlns:adec="http://schemas.microsoft.com/office/drawing/2017/decorative" val="1"/>
               </a:ext>
             </a:extLst>
           </p:cNvPr>
@@ -18134,7 +18378,7 @@
           <p:nvPr>
             <p:extLst>
               <p:ext uri="{386F3935-93C4-4BCD-93E2-E3B085C9AB24}">
-                <p16:designElem xmlns:p16="http://schemas.microsoft.com/office/powerpoint/2015/main" xmlns="" val="1"/>
+                <p16:designElem xmlns:p16="http://schemas.microsoft.com/office/powerpoint/2015/main" val="1"/>
               </p:ext>
             </p:extLst>
           </p:nvPr>
@@ -18184,10 +18428,10 @@
           <p:cNvPr id="29" name="Freeform: Shape 28">
             <a:extLst>
               <a:ext uri="{FF2B5EF4-FFF2-40B4-BE49-F238E27FC236}">
-                <a16:creationId xmlns:a16="http://schemas.microsoft.com/office/drawing/2014/main" xmlns="" id="{F69B61BC-3EA7-6670-B7A9-3809E7D81E20}"/>
+                <a16:creationId xmlns:a16="http://schemas.microsoft.com/office/drawing/2014/main" id="{F69B61BC-3EA7-6670-B7A9-3809E7D81E20}"/>
               </a:ext>
               <a:ext uri="{C183D7F6-B498-43B3-948B-1728B52AA6E4}">
-                <adec:decorative xmlns:adec="http://schemas.microsoft.com/office/drawing/2017/decorative" xmlns="" val="1"/>
+                <adec:decorative xmlns:adec="http://schemas.microsoft.com/office/drawing/2017/decorative" val="1"/>
               </a:ext>
             </a:extLst>
           </p:cNvPr>
@@ -18197,7 +18441,7 @@
           <p:nvPr>
             <p:extLst>
               <p:ext uri="{386F3935-93C4-4BCD-93E2-E3B085C9AB24}">
-                <p16:designElem xmlns:p16="http://schemas.microsoft.com/office/powerpoint/2015/main" xmlns="" val="1"/>
+                <p16:designElem xmlns:p16="http://schemas.microsoft.com/office/powerpoint/2015/main" val="1"/>
               </p:ext>
             </p:extLst>
           </p:nvPr>
@@ -18300,10 +18544,10 @@
           <p:cNvPr id="31" name="Rectangle 30">
             <a:extLst>
               <a:ext uri="{FF2B5EF4-FFF2-40B4-BE49-F238E27FC236}">
-                <a16:creationId xmlns:a16="http://schemas.microsoft.com/office/drawing/2014/main" xmlns="" id="{C9424F9F-6FF4-FE01-7457-487D98107E16}"/>
+                <a16:creationId xmlns:a16="http://schemas.microsoft.com/office/drawing/2014/main" id="{C9424F9F-6FF4-FE01-7457-487D98107E16}"/>
               </a:ext>
               <a:ext uri="{C183D7F6-B498-43B3-948B-1728B52AA6E4}">
-                <adec:decorative xmlns:adec="http://schemas.microsoft.com/office/drawing/2017/decorative" xmlns="" val="1"/>
+                <adec:decorative xmlns:adec="http://schemas.microsoft.com/office/drawing/2017/decorative" val="1"/>
               </a:ext>
             </a:extLst>
           </p:cNvPr>
@@ -18313,7 +18557,7 @@
           <p:nvPr>
             <p:extLst>
               <p:ext uri="{386F3935-93C4-4BCD-93E2-E3B085C9AB24}">
-                <p16:designElem xmlns:p16="http://schemas.microsoft.com/office/powerpoint/2015/main" xmlns="" val="1"/>
+                <p16:designElem xmlns:p16="http://schemas.microsoft.com/office/powerpoint/2015/main" val="1"/>
               </p:ext>
             </p:extLst>
           </p:nvPr>
@@ -18365,10 +18609,10 @@
           <p:cNvPr id="33" name="Rectangle 32">
             <a:extLst>
               <a:ext uri="{FF2B5EF4-FFF2-40B4-BE49-F238E27FC236}">
-                <a16:creationId xmlns:a16="http://schemas.microsoft.com/office/drawing/2014/main" xmlns="" id="{45228FD3-3044-89D3-B303-642A33313C13}"/>
+                <a16:creationId xmlns:a16="http://schemas.microsoft.com/office/drawing/2014/main" id="{45228FD3-3044-89D3-B303-642A33313C13}"/>
               </a:ext>
               <a:ext uri="{C183D7F6-B498-43B3-948B-1728B52AA6E4}">
-                <adec:decorative xmlns:adec="http://schemas.microsoft.com/office/drawing/2017/decorative" xmlns="" val="1"/>
+                <adec:decorative xmlns:adec="http://schemas.microsoft.com/office/drawing/2017/decorative" val="1"/>
               </a:ext>
             </a:extLst>
           </p:cNvPr>
@@ -18378,7 +18622,7 @@
           <p:nvPr>
             <p:extLst>
               <p:ext uri="{386F3935-93C4-4BCD-93E2-E3B085C9AB24}">
-                <p16:designElem xmlns:p16="http://schemas.microsoft.com/office/powerpoint/2015/main" xmlns="" val="1"/>
+                <p16:designElem xmlns:p16="http://schemas.microsoft.com/office/powerpoint/2015/main" val="1"/>
               </p:ext>
             </p:extLst>
           </p:nvPr>
@@ -18430,10 +18674,10 @@
           <p:cNvPr id="35" name="Freeform: Shape 34">
             <a:extLst>
               <a:ext uri="{FF2B5EF4-FFF2-40B4-BE49-F238E27FC236}">
-                <a16:creationId xmlns:a16="http://schemas.microsoft.com/office/drawing/2014/main" xmlns="" id="{532A32A1-DA88-7EB3-4471-70C5A8162F91}"/>
+                <a16:creationId xmlns:a16="http://schemas.microsoft.com/office/drawing/2014/main" id="{532A32A1-DA88-7EB3-4471-70C5A8162F91}"/>
               </a:ext>
               <a:ext uri="{C183D7F6-B498-43B3-948B-1728B52AA6E4}">
-                <adec:decorative xmlns:adec="http://schemas.microsoft.com/office/drawing/2017/decorative" xmlns="" val="1"/>
+                <adec:decorative xmlns:adec="http://schemas.microsoft.com/office/drawing/2017/decorative" val="1"/>
               </a:ext>
             </a:extLst>
           </p:cNvPr>
@@ -18443,7 +18687,7 @@
           <p:nvPr>
             <p:extLst>
               <p:ext uri="{386F3935-93C4-4BCD-93E2-E3B085C9AB24}">
-                <p16:designElem xmlns:p16="http://schemas.microsoft.com/office/powerpoint/2015/main" xmlns="" val="1"/>
+                <p16:designElem xmlns:p16="http://schemas.microsoft.com/office/powerpoint/2015/main" val="1"/>
               </p:ext>
             </p:extLst>
           </p:nvPr>
@@ -18540,10 +18784,10 @@
           <p:cNvPr id="37" name="Isosceles Triangle 36">
             <a:extLst>
               <a:ext uri="{FF2B5EF4-FFF2-40B4-BE49-F238E27FC236}">
-                <a16:creationId xmlns:a16="http://schemas.microsoft.com/office/drawing/2014/main" xmlns="" id="{9BCC2685-14A7-19D2-D445-3A3D4E73E412}"/>
+                <a16:creationId xmlns:a16="http://schemas.microsoft.com/office/drawing/2014/main" id="{9BCC2685-14A7-19D2-D445-3A3D4E73E412}"/>
               </a:ext>
               <a:ext uri="{C183D7F6-B498-43B3-948B-1728B52AA6E4}">
-                <adec:decorative xmlns:adec="http://schemas.microsoft.com/office/drawing/2017/decorative" xmlns="" val="1"/>
+                <adec:decorative xmlns:adec="http://schemas.microsoft.com/office/drawing/2017/decorative" val="1"/>
               </a:ext>
             </a:extLst>
           </p:cNvPr>
@@ -18553,7 +18797,7 @@
           <p:nvPr>
             <p:extLst>
               <p:ext uri="{386F3935-93C4-4BCD-93E2-E3B085C9AB24}">
-                <p16:designElem xmlns:p16="http://schemas.microsoft.com/office/powerpoint/2015/main" xmlns="" val="1"/>
+                <p16:designElem xmlns:p16="http://schemas.microsoft.com/office/powerpoint/2015/main" val="1"/>
               </p:ext>
             </p:extLst>
           </p:nvPr>
@@ -18605,10 +18849,10 @@
           <p:cNvPr id="39" name="Isosceles Triangle 38">
             <a:extLst>
               <a:ext uri="{FF2B5EF4-FFF2-40B4-BE49-F238E27FC236}">
-                <a16:creationId xmlns:a16="http://schemas.microsoft.com/office/drawing/2014/main" xmlns="" id="{07209B77-EB1D-1498-3A81-0E3BE9995709}"/>
+                <a16:creationId xmlns:a16="http://schemas.microsoft.com/office/drawing/2014/main" id="{07209B77-EB1D-1498-3A81-0E3BE9995709}"/>
               </a:ext>
               <a:ext uri="{C183D7F6-B498-43B3-948B-1728B52AA6E4}">
-                <adec:decorative xmlns:adec="http://schemas.microsoft.com/office/drawing/2017/decorative" xmlns="" val="1"/>
+                <adec:decorative xmlns:adec="http://schemas.microsoft.com/office/drawing/2017/decorative" val="1"/>
               </a:ext>
             </a:extLst>
           </p:cNvPr>
@@ -18618,7 +18862,7 @@
           <p:nvPr>
             <p:extLst>
               <p:ext uri="{386F3935-93C4-4BCD-93E2-E3B085C9AB24}">
-                <p16:designElem xmlns:p16="http://schemas.microsoft.com/office/powerpoint/2015/main" xmlns="" val="1"/>
+                <p16:designElem xmlns:p16="http://schemas.microsoft.com/office/powerpoint/2015/main" val="1"/>
               </p:ext>
             </p:extLst>
           </p:nvPr>
@@ -18670,7 +18914,7 @@
           <p:cNvPr id="3" name="Picture Placeholder 2">
             <a:extLst>
               <a:ext uri="{FF2B5EF4-FFF2-40B4-BE49-F238E27FC236}">
-                <a16:creationId xmlns:a16="http://schemas.microsoft.com/office/drawing/2014/main" xmlns="" id="{04A177BF-42B4-9BEE-9DBE-A7A5941FD585}"/>
+                <a16:creationId xmlns:a16="http://schemas.microsoft.com/office/drawing/2014/main" id="{04A177BF-42B4-9BEE-9DBE-A7A5941FD585}"/>
               </a:ext>
             </a:extLst>
           </p:cNvPr>
@@ -18695,7 +18939,7 @@
           <p:cNvPr id="2" name="TextBox 1">
             <a:extLst>
               <a:ext uri="{FF2B5EF4-FFF2-40B4-BE49-F238E27FC236}">
-                <a16:creationId xmlns:a16="http://schemas.microsoft.com/office/drawing/2014/main" xmlns="" id="{E6B97963-37AA-324C-D414-212D6594A3FF}"/>
+                <a16:creationId xmlns:a16="http://schemas.microsoft.com/office/drawing/2014/main" id="{E6B97963-37AA-324C-D414-212D6594A3FF}"/>
               </a:ext>
             </a:extLst>
           </p:cNvPr>
@@ -18738,7 +18982,7 @@
           <p:cNvPr id="5" name="Content Placeholder 2">
             <a:extLst>
               <a:ext uri="{FF2B5EF4-FFF2-40B4-BE49-F238E27FC236}">
-                <a16:creationId xmlns:a16="http://schemas.microsoft.com/office/drawing/2014/main" xmlns="" id="{A34BDE4E-112D-C0EB-8BDC-4CC50B382AB7}"/>
+                <a16:creationId xmlns:a16="http://schemas.microsoft.com/office/drawing/2014/main" id="{A34BDE4E-112D-C0EB-8BDC-4CC50B382AB7}"/>
               </a:ext>
             </a:extLst>
           </p:cNvPr>
@@ -19006,7 +19250,7 @@
           <p:cNvPr id="12" name="Picture 2">
             <a:extLst>
               <a:ext uri="{FF2B5EF4-FFF2-40B4-BE49-F238E27FC236}">
-                <a16:creationId xmlns:a16="http://schemas.microsoft.com/office/drawing/2014/main" xmlns="" id="{9AC53A73-32FA-0C7A-0ADC-E55C8B386725}"/>
+                <a16:creationId xmlns:a16="http://schemas.microsoft.com/office/drawing/2014/main" id="{9AC53A73-32FA-0C7A-0ADC-E55C8B386725}"/>
               </a:ext>
             </a:extLst>
           </p:cNvPr>
@@ -19076,7 +19320,7 @@
           <p:cNvPr id="13" name="Picture 4">
             <a:extLst>
               <a:ext uri="{FF2B5EF4-FFF2-40B4-BE49-F238E27FC236}">
-                <a16:creationId xmlns:a16="http://schemas.microsoft.com/office/drawing/2014/main" xmlns="" id="{7B9A3ACC-7F11-FE45-2E0F-949675A858FE}"/>
+                <a16:creationId xmlns:a16="http://schemas.microsoft.com/office/drawing/2014/main" id="{7B9A3ACC-7F11-FE45-2E0F-949675A858FE}"/>
               </a:ext>
             </a:extLst>
           </p:cNvPr>
@@ -19146,7 +19390,7 @@
           <p:cNvPr id="14" name="TextBox 13">
             <a:extLst>
               <a:ext uri="{FF2B5EF4-FFF2-40B4-BE49-F238E27FC236}">
-                <a16:creationId xmlns:a16="http://schemas.microsoft.com/office/drawing/2014/main" xmlns="" id="{F63AA505-2803-A1AB-30E1-B1CB59899586}"/>
+                <a16:creationId xmlns:a16="http://schemas.microsoft.com/office/drawing/2014/main" id="{F63AA505-2803-A1AB-30E1-B1CB59899586}"/>
               </a:ext>
             </a:extLst>
           </p:cNvPr>
@@ -19241,7 +19485,7 @@
         <p:cNvPr id="1" name="">
           <a:extLst>
             <a:ext uri="{FF2B5EF4-FFF2-40B4-BE49-F238E27FC236}">
-              <a16:creationId xmlns:a16="http://schemas.microsoft.com/office/drawing/2014/main" xmlns="" id="{02984243-06AA-7503-EAE6-C43F12132B68}"/>
+              <a16:creationId xmlns:a16="http://schemas.microsoft.com/office/drawing/2014/main" id="{02984243-06AA-7503-EAE6-C43F12132B68}"/>
             </a:ext>
           </a:extLst>
         </p:cNvPr>
@@ -19261,10 +19505,10 @@
           <p:cNvPr id="27" name="Rectangle 26">
             <a:extLst>
               <a:ext uri="{FF2B5EF4-FFF2-40B4-BE49-F238E27FC236}">
-                <a16:creationId xmlns:a16="http://schemas.microsoft.com/office/drawing/2014/main" xmlns="" id="{73CDEEF2-1AB3-80D1-CDA4-608C51A8E1C7}"/>
+                <a16:creationId xmlns:a16="http://schemas.microsoft.com/office/drawing/2014/main" id="{73CDEEF2-1AB3-80D1-CDA4-608C51A8E1C7}"/>
               </a:ext>
               <a:ext uri="{C183D7F6-B498-43B3-948B-1728B52AA6E4}">
-                <adec:decorative xmlns:adec="http://schemas.microsoft.com/office/drawing/2017/decorative" xmlns="" val="1"/>
+                <adec:decorative xmlns:adec="http://schemas.microsoft.com/office/drawing/2017/decorative" val="1"/>
               </a:ext>
             </a:extLst>
           </p:cNvPr>
@@ -19274,7 +19518,7 @@
           <p:nvPr>
             <p:extLst>
               <p:ext uri="{386F3935-93C4-4BCD-93E2-E3B085C9AB24}">
-                <p16:designElem xmlns:p16="http://schemas.microsoft.com/office/powerpoint/2015/main" xmlns="" val="1"/>
+                <p16:designElem xmlns:p16="http://schemas.microsoft.com/office/powerpoint/2015/main" val="1"/>
               </p:ext>
             </p:extLst>
           </p:nvPr>
@@ -19324,10 +19568,10 @@
           <p:cNvPr id="29" name="Freeform: Shape 28">
             <a:extLst>
               <a:ext uri="{FF2B5EF4-FFF2-40B4-BE49-F238E27FC236}">
-                <a16:creationId xmlns:a16="http://schemas.microsoft.com/office/drawing/2014/main" xmlns="" id="{7C7D98AB-74B6-9E79-6551-31459B530EA0}"/>
+                <a16:creationId xmlns:a16="http://schemas.microsoft.com/office/drawing/2014/main" id="{7C7D98AB-74B6-9E79-6551-31459B530EA0}"/>
               </a:ext>
               <a:ext uri="{C183D7F6-B498-43B3-948B-1728B52AA6E4}">
-                <adec:decorative xmlns:adec="http://schemas.microsoft.com/office/drawing/2017/decorative" xmlns="" val="1"/>
+                <adec:decorative xmlns:adec="http://schemas.microsoft.com/office/drawing/2017/decorative" val="1"/>
               </a:ext>
             </a:extLst>
           </p:cNvPr>
@@ -19337,7 +19581,7 @@
           <p:nvPr>
             <p:extLst>
               <p:ext uri="{386F3935-93C4-4BCD-93E2-E3B085C9AB24}">
-                <p16:designElem xmlns:p16="http://schemas.microsoft.com/office/powerpoint/2015/main" xmlns="" val="1"/>
+                <p16:designElem xmlns:p16="http://schemas.microsoft.com/office/powerpoint/2015/main" val="1"/>
               </p:ext>
             </p:extLst>
           </p:nvPr>
@@ -19440,10 +19684,10 @@
           <p:cNvPr id="31" name="Rectangle 30">
             <a:extLst>
               <a:ext uri="{FF2B5EF4-FFF2-40B4-BE49-F238E27FC236}">
-                <a16:creationId xmlns:a16="http://schemas.microsoft.com/office/drawing/2014/main" xmlns="" id="{E02A97E4-FFF3-59F6-2E50-A49A1B875210}"/>
+                <a16:creationId xmlns:a16="http://schemas.microsoft.com/office/drawing/2014/main" id="{E02A97E4-FFF3-59F6-2E50-A49A1B875210}"/>
               </a:ext>
               <a:ext uri="{C183D7F6-B498-43B3-948B-1728B52AA6E4}">
-                <adec:decorative xmlns:adec="http://schemas.microsoft.com/office/drawing/2017/decorative" xmlns="" val="1"/>
+                <adec:decorative xmlns:adec="http://schemas.microsoft.com/office/drawing/2017/decorative" val="1"/>
               </a:ext>
             </a:extLst>
           </p:cNvPr>
@@ -19453,7 +19697,7 @@
           <p:nvPr>
             <p:extLst>
               <p:ext uri="{386F3935-93C4-4BCD-93E2-E3B085C9AB24}">
-                <p16:designElem xmlns:p16="http://schemas.microsoft.com/office/powerpoint/2015/main" xmlns="" val="1"/>
+                <p16:designElem xmlns:p16="http://schemas.microsoft.com/office/powerpoint/2015/main" val="1"/>
               </p:ext>
             </p:extLst>
           </p:nvPr>
@@ -19505,10 +19749,10 @@
           <p:cNvPr id="33" name="Rectangle 32">
             <a:extLst>
               <a:ext uri="{FF2B5EF4-FFF2-40B4-BE49-F238E27FC236}">
-                <a16:creationId xmlns:a16="http://schemas.microsoft.com/office/drawing/2014/main" xmlns="" id="{7D5189F2-CEF8-E33C-1F6D-25FADC8721D8}"/>
+                <a16:creationId xmlns:a16="http://schemas.microsoft.com/office/drawing/2014/main" id="{7D5189F2-CEF8-E33C-1F6D-25FADC8721D8}"/>
               </a:ext>
               <a:ext uri="{C183D7F6-B498-43B3-948B-1728B52AA6E4}">
-                <adec:decorative xmlns:adec="http://schemas.microsoft.com/office/drawing/2017/decorative" xmlns="" val="1"/>
+                <adec:decorative xmlns:adec="http://schemas.microsoft.com/office/drawing/2017/decorative" val="1"/>
               </a:ext>
             </a:extLst>
           </p:cNvPr>
@@ -19518,7 +19762,7 @@
           <p:nvPr>
             <p:extLst>
               <p:ext uri="{386F3935-93C4-4BCD-93E2-E3B085C9AB24}">
-                <p16:designElem xmlns:p16="http://schemas.microsoft.com/office/powerpoint/2015/main" xmlns="" val="1"/>
+                <p16:designElem xmlns:p16="http://schemas.microsoft.com/office/powerpoint/2015/main" val="1"/>
               </p:ext>
             </p:extLst>
           </p:nvPr>
@@ -19570,10 +19814,10 @@
           <p:cNvPr id="35" name="Freeform: Shape 34">
             <a:extLst>
               <a:ext uri="{FF2B5EF4-FFF2-40B4-BE49-F238E27FC236}">
-                <a16:creationId xmlns:a16="http://schemas.microsoft.com/office/drawing/2014/main" xmlns="" id="{88944EF9-2B55-2555-0F0D-1F9070FAB8F6}"/>
+                <a16:creationId xmlns:a16="http://schemas.microsoft.com/office/drawing/2014/main" id="{88944EF9-2B55-2555-0F0D-1F9070FAB8F6}"/>
               </a:ext>
               <a:ext uri="{C183D7F6-B498-43B3-948B-1728B52AA6E4}">
-                <adec:decorative xmlns:adec="http://schemas.microsoft.com/office/drawing/2017/decorative" xmlns="" val="1"/>
+                <adec:decorative xmlns:adec="http://schemas.microsoft.com/office/drawing/2017/decorative" val="1"/>
               </a:ext>
             </a:extLst>
           </p:cNvPr>
@@ -19583,7 +19827,7 @@
           <p:nvPr>
             <p:extLst>
               <p:ext uri="{386F3935-93C4-4BCD-93E2-E3B085C9AB24}">
-                <p16:designElem xmlns:p16="http://schemas.microsoft.com/office/powerpoint/2015/main" xmlns="" val="1"/>
+                <p16:designElem xmlns:p16="http://schemas.microsoft.com/office/powerpoint/2015/main" val="1"/>
               </p:ext>
             </p:extLst>
           </p:nvPr>
@@ -19680,10 +19924,10 @@
           <p:cNvPr id="37" name="Isosceles Triangle 36">
             <a:extLst>
               <a:ext uri="{FF2B5EF4-FFF2-40B4-BE49-F238E27FC236}">
-                <a16:creationId xmlns:a16="http://schemas.microsoft.com/office/drawing/2014/main" xmlns="" id="{39D0DBA3-22C1-A7AD-5B65-E017A98F619A}"/>
+                <a16:creationId xmlns:a16="http://schemas.microsoft.com/office/drawing/2014/main" id="{39D0DBA3-22C1-A7AD-5B65-E017A98F619A}"/>
               </a:ext>
               <a:ext uri="{C183D7F6-B498-43B3-948B-1728B52AA6E4}">
-                <adec:decorative xmlns:adec="http://schemas.microsoft.com/office/drawing/2017/decorative" xmlns="" val="1"/>
+                <adec:decorative xmlns:adec="http://schemas.microsoft.com/office/drawing/2017/decorative" val="1"/>
               </a:ext>
             </a:extLst>
           </p:cNvPr>
@@ -19693,7 +19937,7 @@
           <p:nvPr>
             <p:extLst>
               <p:ext uri="{386F3935-93C4-4BCD-93E2-E3B085C9AB24}">
-                <p16:designElem xmlns:p16="http://schemas.microsoft.com/office/powerpoint/2015/main" xmlns="" val="1"/>
+                <p16:designElem xmlns:p16="http://schemas.microsoft.com/office/powerpoint/2015/main" val="1"/>
               </p:ext>
             </p:extLst>
           </p:nvPr>
@@ -19745,10 +19989,10 @@
           <p:cNvPr id="39" name="Isosceles Triangle 38">
             <a:extLst>
               <a:ext uri="{FF2B5EF4-FFF2-40B4-BE49-F238E27FC236}">
-                <a16:creationId xmlns:a16="http://schemas.microsoft.com/office/drawing/2014/main" xmlns="" id="{11E4C121-B4D1-7C55-C58B-079744362B58}"/>
+                <a16:creationId xmlns:a16="http://schemas.microsoft.com/office/drawing/2014/main" id="{11E4C121-B4D1-7C55-C58B-079744362B58}"/>
               </a:ext>
               <a:ext uri="{C183D7F6-B498-43B3-948B-1728B52AA6E4}">
-                <adec:decorative xmlns:adec="http://schemas.microsoft.com/office/drawing/2017/decorative" xmlns="" val="1"/>
+                <adec:decorative xmlns:adec="http://schemas.microsoft.com/office/drawing/2017/decorative" val="1"/>
               </a:ext>
             </a:extLst>
           </p:cNvPr>
@@ -19758,7 +20002,7 @@
           <p:nvPr>
             <p:extLst>
               <p:ext uri="{386F3935-93C4-4BCD-93E2-E3B085C9AB24}">
-                <p16:designElem xmlns:p16="http://schemas.microsoft.com/office/powerpoint/2015/main" xmlns="" val="1"/>
+                <p16:designElem xmlns:p16="http://schemas.microsoft.com/office/powerpoint/2015/main" val="1"/>
               </p:ext>
             </p:extLst>
           </p:nvPr>
@@ -19810,7 +20054,7 @@
           <p:cNvPr id="6" name="TextBox 5">
             <a:extLst>
               <a:ext uri="{FF2B5EF4-FFF2-40B4-BE49-F238E27FC236}">
-                <a16:creationId xmlns:a16="http://schemas.microsoft.com/office/drawing/2014/main" xmlns="" id="{4F82D9C0-7538-351C-DD92-6383E4364DC0}"/>
+                <a16:creationId xmlns:a16="http://schemas.microsoft.com/office/drawing/2014/main" id="{4F82D9C0-7538-351C-DD92-6383E4364DC0}"/>
               </a:ext>
             </a:extLst>
           </p:cNvPr>
@@ -19848,7 +20092,7 @@
           <p:cNvPr id="7" name="TextBox 6">
             <a:extLst>
               <a:ext uri="{FF2B5EF4-FFF2-40B4-BE49-F238E27FC236}">
-                <a16:creationId xmlns:a16="http://schemas.microsoft.com/office/drawing/2014/main" xmlns="" id="{716ECDE0-EB0A-BB9E-DDD2-7D61E6AD8FDA}"/>
+                <a16:creationId xmlns:a16="http://schemas.microsoft.com/office/drawing/2014/main" id="{716ECDE0-EB0A-BB9E-DDD2-7D61E6AD8FDA}"/>
               </a:ext>
             </a:extLst>
           </p:cNvPr>
@@ -19955,7 +20199,7 @@
         <p:cNvPr id="1" name="">
           <a:extLst>
             <a:ext uri="{FF2B5EF4-FFF2-40B4-BE49-F238E27FC236}">
-              <a16:creationId xmlns:a16="http://schemas.microsoft.com/office/drawing/2014/main" xmlns="" id="{AC3B1513-936B-7599-6ABE-71802B4453E4}"/>
+              <a16:creationId xmlns:a16="http://schemas.microsoft.com/office/drawing/2014/main" id="{AC3B1513-936B-7599-6ABE-71802B4453E4}"/>
             </a:ext>
           </a:extLst>
         </p:cNvPr>
@@ -19975,10 +20219,10 @@
           <p:cNvPr id="27" name="Rectangle 26">
             <a:extLst>
               <a:ext uri="{FF2B5EF4-FFF2-40B4-BE49-F238E27FC236}">
-                <a16:creationId xmlns:a16="http://schemas.microsoft.com/office/drawing/2014/main" xmlns="" id="{C5EBDAD9-F8C8-BD82-6A1C-1B46211B993B}"/>
+                <a16:creationId xmlns:a16="http://schemas.microsoft.com/office/drawing/2014/main" id="{C5EBDAD9-F8C8-BD82-6A1C-1B46211B993B}"/>
               </a:ext>
               <a:ext uri="{C183D7F6-B498-43B3-948B-1728B52AA6E4}">
-                <adec:decorative xmlns:adec="http://schemas.microsoft.com/office/drawing/2017/decorative" xmlns="" val="1"/>
+                <adec:decorative xmlns:adec="http://schemas.microsoft.com/office/drawing/2017/decorative" val="1"/>
               </a:ext>
             </a:extLst>
           </p:cNvPr>
@@ -19988,7 +20232,7 @@
           <p:nvPr>
             <p:extLst>
               <p:ext uri="{386F3935-93C4-4BCD-93E2-E3B085C9AB24}">
-                <p16:designElem xmlns:p16="http://schemas.microsoft.com/office/powerpoint/2015/main" xmlns="" val="1"/>
+                <p16:designElem xmlns:p16="http://schemas.microsoft.com/office/powerpoint/2015/main" val="1"/>
               </p:ext>
             </p:extLst>
           </p:nvPr>
@@ -20038,10 +20282,10 @@
           <p:cNvPr id="29" name="Group 28">
             <a:extLst>
               <a:ext uri="{FF2B5EF4-FFF2-40B4-BE49-F238E27FC236}">
-                <a16:creationId xmlns:a16="http://schemas.microsoft.com/office/drawing/2014/main" xmlns="" id="{428EBB58-D62D-9B51-78DF-6472139DCD9A}"/>
+                <a16:creationId xmlns:a16="http://schemas.microsoft.com/office/drawing/2014/main" id="{428EBB58-D62D-9B51-78DF-6472139DCD9A}"/>
               </a:ext>
               <a:ext uri="{C183D7F6-B498-43B3-948B-1728B52AA6E4}">
-                <adec:decorative xmlns:adec="http://schemas.microsoft.com/office/drawing/2017/decorative" xmlns="" val="1"/>
+                <adec:decorative xmlns:adec="http://schemas.microsoft.com/office/drawing/2017/decorative" val="1"/>
               </a:ext>
             </a:extLst>
           </p:cNvPr>
@@ -20051,7 +20295,7 @@
           <p:nvPr>
             <p:extLst>
               <p:ext uri="{386F3935-93C4-4BCD-93E2-E3B085C9AB24}">
-                <p16:designElem xmlns:p16="http://schemas.microsoft.com/office/powerpoint/2015/main" xmlns="" val="1"/>
+                <p16:designElem xmlns:p16="http://schemas.microsoft.com/office/powerpoint/2015/main" val="1"/>
               </p:ext>
             </p:extLst>
           </p:nvPr>
@@ -20069,10 +20313,10 @@
             <p:cNvPr id="30" name="Freeform: Shape 29">
               <a:extLst>
                 <a:ext uri="{FF2B5EF4-FFF2-40B4-BE49-F238E27FC236}">
-                  <a16:creationId xmlns:a16="http://schemas.microsoft.com/office/drawing/2014/main" xmlns="" id="{5E1AF157-DD9F-ABBB-7AE8-BA1F8325BDDB}"/>
+                  <a16:creationId xmlns:a16="http://schemas.microsoft.com/office/drawing/2014/main" id="{5E1AF157-DD9F-ABBB-7AE8-BA1F8325BDDB}"/>
                 </a:ext>
                 <a:ext uri="{C183D7F6-B498-43B3-948B-1728B52AA6E4}">
-                  <adec:decorative xmlns:adec="http://schemas.microsoft.com/office/drawing/2017/decorative" xmlns="" val="1"/>
+                  <adec:decorative xmlns:adec="http://schemas.microsoft.com/office/drawing/2017/decorative" val="1"/>
                 </a:ext>
               </a:extLst>
             </p:cNvPr>
@@ -20080,7 +20324,7 @@
             <p:nvPr>
               <p:extLst>
                 <p:ext uri="{386F3935-93C4-4BCD-93E2-E3B085C9AB24}">
-                  <p16:designElem xmlns:p16="http://schemas.microsoft.com/office/powerpoint/2015/main" xmlns="" val="1"/>
+                  <p16:designElem xmlns:p16="http://schemas.microsoft.com/office/powerpoint/2015/main" val="1"/>
                 </p:ext>
               </p:extLst>
             </p:nvPr>
@@ -20183,10 +20427,10 @@
             <p:cNvPr id="31" name="Rectangle 30">
               <a:extLst>
                 <a:ext uri="{FF2B5EF4-FFF2-40B4-BE49-F238E27FC236}">
-                  <a16:creationId xmlns:a16="http://schemas.microsoft.com/office/drawing/2014/main" xmlns="" id="{151AE59E-D5F5-4A2F-F502-E767D3A0D49E}"/>
+                  <a16:creationId xmlns:a16="http://schemas.microsoft.com/office/drawing/2014/main" id="{151AE59E-D5F5-4A2F-F502-E767D3A0D49E}"/>
                 </a:ext>
                 <a:ext uri="{C183D7F6-B498-43B3-948B-1728B52AA6E4}">
-                  <adec:decorative xmlns:adec="http://schemas.microsoft.com/office/drawing/2017/decorative" xmlns="" val="1"/>
+                  <adec:decorative xmlns:adec="http://schemas.microsoft.com/office/drawing/2017/decorative" val="1"/>
                 </a:ext>
               </a:extLst>
             </p:cNvPr>
@@ -20194,7 +20438,7 @@
             <p:nvPr>
               <p:extLst>
                 <p:ext uri="{386F3935-93C4-4BCD-93E2-E3B085C9AB24}">
-                  <p16:designElem xmlns:p16="http://schemas.microsoft.com/office/powerpoint/2015/main" xmlns="" val="1"/>
+                  <p16:designElem xmlns:p16="http://schemas.microsoft.com/office/powerpoint/2015/main" val="1"/>
                 </p:ext>
               </p:extLst>
             </p:nvPr>
@@ -20247,10 +20491,10 @@
           <p:cNvPr id="33" name="Rectangle 32">
             <a:extLst>
               <a:ext uri="{FF2B5EF4-FFF2-40B4-BE49-F238E27FC236}">
-                <a16:creationId xmlns:a16="http://schemas.microsoft.com/office/drawing/2014/main" xmlns="" id="{506515F5-7660-CB1F-6BC9-9219282B8ED8}"/>
+                <a16:creationId xmlns:a16="http://schemas.microsoft.com/office/drawing/2014/main" id="{506515F5-7660-CB1F-6BC9-9219282B8ED8}"/>
               </a:ext>
               <a:ext uri="{C183D7F6-B498-43B3-948B-1728B52AA6E4}">
-                <adec:decorative xmlns:adec="http://schemas.microsoft.com/office/drawing/2017/decorative" xmlns="" val="1"/>
+                <adec:decorative xmlns:adec="http://schemas.microsoft.com/office/drawing/2017/decorative" val="1"/>
               </a:ext>
             </a:extLst>
           </p:cNvPr>
@@ -20260,7 +20504,7 @@
           <p:nvPr>
             <p:extLst>
               <p:ext uri="{386F3935-93C4-4BCD-93E2-E3B085C9AB24}">
-                <p16:designElem xmlns:p16="http://schemas.microsoft.com/office/powerpoint/2015/main" xmlns="" val="1"/>
+                <p16:designElem xmlns:p16="http://schemas.microsoft.com/office/powerpoint/2015/main" val="1"/>
               </p:ext>
             </p:extLst>
           </p:nvPr>
@@ -20312,10 +20556,10 @@
           <p:cNvPr id="35" name="Isosceles Triangle 34">
             <a:extLst>
               <a:ext uri="{FF2B5EF4-FFF2-40B4-BE49-F238E27FC236}">
-                <a16:creationId xmlns:a16="http://schemas.microsoft.com/office/drawing/2014/main" xmlns="" id="{8F3A049A-F43B-6E90-C5B5-04CF4B4EA7FF}"/>
+                <a16:creationId xmlns:a16="http://schemas.microsoft.com/office/drawing/2014/main" id="{8F3A049A-F43B-6E90-C5B5-04CF4B4EA7FF}"/>
               </a:ext>
               <a:ext uri="{C183D7F6-B498-43B3-948B-1728B52AA6E4}">
-                <adec:decorative xmlns:adec="http://schemas.microsoft.com/office/drawing/2017/decorative" xmlns="" val="1"/>
+                <adec:decorative xmlns:adec="http://schemas.microsoft.com/office/drawing/2017/decorative" val="1"/>
               </a:ext>
             </a:extLst>
           </p:cNvPr>
@@ -20325,7 +20569,7 @@
           <p:nvPr>
             <p:extLst>
               <p:ext uri="{386F3935-93C4-4BCD-93E2-E3B085C9AB24}">
-                <p16:designElem xmlns:p16="http://schemas.microsoft.com/office/powerpoint/2015/main" xmlns="" val="1"/>
+                <p16:designElem xmlns:p16="http://schemas.microsoft.com/office/powerpoint/2015/main" val="1"/>
               </p:ext>
             </p:extLst>
           </p:nvPr>
@@ -20379,7 +20623,7 @@
           <p:cNvPr id="6" name="TextBox 5">
             <a:extLst>
               <a:ext uri="{FF2B5EF4-FFF2-40B4-BE49-F238E27FC236}">
-                <a16:creationId xmlns:a16="http://schemas.microsoft.com/office/drawing/2014/main" xmlns="" id="{34017482-172B-6AC6-13EB-BF55A94A4EE8}"/>
+                <a16:creationId xmlns:a16="http://schemas.microsoft.com/office/drawing/2014/main" id="{34017482-172B-6AC6-13EB-BF55A94A4EE8}"/>
               </a:ext>
             </a:extLst>
           </p:cNvPr>
@@ -20421,7 +20665,7 @@
           <p:cNvPr id="3" name="Picture Placeholder 2">
             <a:extLst>
               <a:ext uri="{FF2B5EF4-FFF2-40B4-BE49-F238E27FC236}">
-                <a16:creationId xmlns:a16="http://schemas.microsoft.com/office/drawing/2014/main" xmlns="" id="{6EF0B4F8-75D6-0F10-F5E2-AB246F3F31E2}"/>
+                <a16:creationId xmlns:a16="http://schemas.microsoft.com/office/drawing/2014/main" id="{6EF0B4F8-75D6-0F10-F5E2-AB246F3F31E2}"/>
               </a:ext>
             </a:extLst>
           </p:cNvPr>
@@ -20446,7 +20690,7 @@
           <p:cNvPr id="2" name="Content Placeholder 2">
             <a:extLst>
               <a:ext uri="{FF2B5EF4-FFF2-40B4-BE49-F238E27FC236}">
-                <a16:creationId xmlns:a16="http://schemas.microsoft.com/office/drawing/2014/main" xmlns="" id="{736E2FF1-480D-5CE9-FA48-5C92826C5B03}"/>
+                <a16:creationId xmlns:a16="http://schemas.microsoft.com/office/drawing/2014/main" id="{736E2FF1-480D-5CE9-FA48-5C92826C5B03}"/>
               </a:ext>
             </a:extLst>
           </p:cNvPr>
@@ -20768,7 +21012,7 @@
           <p:cNvPr id="4" name="Picture 7">
             <a:extLst>
               <a:ext uri="{FF2B5EF4-FFF2-40B4-BE49-F238E27FC236}">
-                <a16:creationId xmlns:a16="http://schemas.microsoft.com/office/drawing/2014/main" xmlns="" id="{95E36B68-62AD-B9F2-70C2-B586569BA4BB}"/>
+                <a16:creationId xmlns:a16="http://schemas.microsoft.com/office/drawing/2014/main" id="{95E36B68-62AD-B9F2-70C2-B586569BA4BB}"/>
               </a:ext>
             </a:extLst>
           </p:cNvPr>
@@ -20838,7 +21082,7 @@
           <p:cNvPr id="5" name="Picture 2">
             <a:extLst>
               <a:ext uri="{FF2B5EF4-FFF2-40B4-BE49-F238E27FC236}">
-                <a16:creationId xmlns:a16="http://schemas.microsoft.com/office/drawing/2014/main" xmlns="" id="{55C85C03-1F66-B7D4-1002-5DC66D5A7379}"/>
+                <a16:creationId xmlns:a16="http://schemas.microsoft.com/office/drawing/2014/main" id="{55C85C03-1F66-B7D4-1002-5DC66D5A7379}"/>
               </a:ext>
             </a:extLst>
           </p:cNvPr>
@@ -20932,7 +21176,7 @@
         <p:cNvPr id="1" name="">
           <a:extLst>
             <a:ext uri="{FF2B5EF4-FFF2-40B4-BE49-F238E27FC236}">
-              <a16:creationId xmlns:a16="http://schemas.microsoft.com/office/drawing/2014/main" xmlns="" id="{E15E6289-D2A4-4F75-BD0F-B033EBE77AF5}"/>
+              <a16:creationId xmlns:a16="http://schemas.microsoft.com/office/drawing/2014/main" id="{E15E6289-D2A4-4F75-BD0F-B033EBE77AF5}"/>
             </a:ext>
           </a:extLst>
         </p:cNvPr>
@@ -20952,10 +21196,10 @@
           <p:cNvPr id="27" name="Rectangle 26">
             <a:extLst>
               <a:ext uri="{FF2B5EF4-FFF2-40B4-BE49-F238E27FC236}">
-                <a16:creationId xmlns:a16="http://schemas.microsoft.com/office/drawing/2014/main" xmlns="" id="{77F31254-3ECC-CD98-4245-A1F2BEE4BD65}"/>
+                <a16:creationId xmlns:a16="http://schemas.microsoft.com/office/drawing/2014/main" id="{77F31254-3ECC-CD98-4245-A1F2BEE4BD65}"/>
               </a:ext>
               <a:ext uri="{C183D7F6-B498-43B3-948B-1728B52AA6E4}">
-                <adec:decorative xmlns:adec="http://schemas.microsoft.com/office/drawing/2017/decorative" xmlns="" val="1"/>
+                <adec:decorative xmlns:adec="http://schemas.microsoft.com/office/drawing/2017/decorative" val="1"/>
               </a:ext>
             </a:extLst>
           </p:cNvPr>
@@ -20965,7 +21209,7 @@
           <p:nvPr>
             <p:extLst>
               <p:ext uri="{386F3935-93C4-4BCD-93E2-E3B085C9AB24}">
-                <p16:designElem xmlns:p16="http://schemas.microsoft.com/office/powerpoint/2015/main" xmlns="" val="1"/>
+                <p16:designElem xmlns:p16="http://schemas.microsoft.com/office/powerpoint/2015/main" val="1"/>
               </p:ext>
             </p:extLst>
           </p:nvPr>
@@ -21015,10 +21259,10 @@
           <p:cNvPr id="29" name="Freeform: Shape 28">
             <a:extLst>
               <a:ext uri="{FF2B5EF4-FFF2-40B4-BE49-F238E27FC236}">
-                <a16:creationId xmlns:a16="http://schemas.microsoft.com/office/drawing/2014/main" xmlns="" id="{BB8EF534-9FDA-8196-9E94-D28AB12F3F37}"/>
+                <a16:creationId xmlns:a16="http://schemas.microsoft.com/office/drawing/2014/main" id="{BB8EF534-9FDA-8196-9E94-D28AB12F3F37}"/>
               </a:ext>
               <a:ext uri="{C183D7F6-B498-43B3-948B-1728B52AA6E4}">
-                <adec:decorative xmlns:adec="http://schemas.microsoft.com/office/drawing/2017/decorative" xmlns="" val="1"/>
+                <adec:decorative xmlns:adec="http://schemas.microsoft.com/office/drawing/2017/decorative" val="1"/>
               </a:ext>
             </a:extLst>
           </p:cNvPr>
@@ -21028,7 +21272,7 @@
           <p:nvPr>
             <p:extLst>
               <p:ext uri="{386F3935-93C4-4BCD-93E2-E3B085C9AB24}">
-                <p16:designElem xmlns:p16="http://schemas.microsoft.com/office/powerpoint/2015/main" xmlns="" val="1"/>
+                <p16:designElem xmlns:p16="http://schemas.microsoft.com/office/powerpoint/2015/main" val="1"/>
               </p:ext>
             </p:extLst>
           </p:nvPr>
@@ -21131,10 +21375,10 @@
           <p:cNvPr id="31" name="Rectangle 30">
             <a:extLst>
               <a:ext uri="{FF2B5EF4-FFF2-40B4-BE49-F238E27FC236}">
-                <a16:creationId xmlns:a16="http://schemas.microsoft.com/office/drawing/2014/main" xmlns="" id="{22EDC221-84C4-45E7-20F4-A775EADD7107}"/>
+                <a16:creationId xmlns:a16="http://schemas.microsoft.com/office/drawing/2014/main" id="{22EDC221-84C4-45E7-20F4-A775EADD7107}"/>
               </a:ext>
               <a:ext uri="{C183D7F6-B498-43B3-948B-1728B52AA6E4}">
-                <adec:decorative xmlns:adec="http://schemas.microsoft.com/office/drawing/2017/decorative" xmlns="" val="1"/>
+                <adec:decorative xmlns:adec="http://schemas.microsoft.com/office/drawing/2017/decorative" val="1"/>
               </a:ext>
             </a:extLst>
           </p:cNvPr>
@@ -21144,7 +21388,7 @@
           <p:nvPr>
             <p:extLst>
               <p:ext uri="{386F3935-93C4-4BCD-93E2-E3B085C9AB24}">
-                <p16:designElem xmlns:p16="http://schemas.microsoft.com/office/powerpoint/2015/main" xmlns="" val="1"/>
+                <p16:designElem xmlns:p16="http://schemas.microsoft.com/office/powerpoint/2015/main" val="1"/>
               </p:ext>
             </p:extLst>
           </p:nvPr>
@@ -21196,10 +21440,10 @@
           <p:cNvPr id="33" name="Rectangle 32">
             <a:extLst>
               <a:ext uri="{FF2B5EF4-FFF2-40B4-BE49-F238E27FC236}">
-                <a16:creationId xmlns:a16="http://schemas.microsoft.com/office/drawing/2014/main" xmlns="" id="{7479AA36-DD2C-0367-D3BF-2CBFC0810615}"/>
+                <a16:creationId xmlns:a16="http://schemas.microsoft.com/office/drawing/2014/main" id="{7479AA36-DD2C-0367-D3BF-2CBFC0810615}"/>
               </a:ext>
               <a:ext uri="{C183D7F6-B498-43B3-948B-1728B52AA6E4}">
-                <adec:decorative xmlns:adec="http://schemas.microsoft.com/office/drawing/2017/decorative" xmlns="" val="1"/>
+                <adec:decorative xmlns:adec="http://schemas.microsoft.com/office/drawing/2017/decorative" val="1"/>
               </a:ext>
             </a:extLst>
           </p:cNvPr>
@@ -21209,7 +21453,7 @@
           <p:nvPr>
             <p:extLst>
               <p:ext uri="{386F3935-93C4-4BCD-93E2-E3B085C9AB24}">
-                <p16:designElem xmlns:p16="http://schemas.microsoft.com/office/powerpoint/2015/main" xmlns="" val="1"/>
+                <p16:designElem xmlns:p16="http://schemas.microsoft.com/office/powerpoint/2015/main" val="1"/>
               </p:ext>
             </p:extLst>
           </p:nvPr>
@@ -21261,10 +21505,10 @@
           <p:cNvPr id="35" name="Freeform: Shape 34">
             <a:extLst>
               <a:ext uri="{FF2B5EF4-FFF2-40B4-BE49-F238E27FC236}">
-                <a16:creationId xmlns:a16="http://schemas.microsoft.com/office/drawing/2014/main" xmlns="" id="{0E5E699F-E37D-DCDB-1510-887BC772A803}"/>
+                <a16:creationId xmlns:a16="http://schemas.microsoft.com/office/drawing/2014/main" id="{0E5E699F-E37D-DCDB-1510-887BC772A803}"/>
               </a:ext>
               <a:ext uri="{C183D7F6-B498-43B3-948B-1728B52AA6E4}">
-                <adec:decorative xmlns:adec="http://schemas.microsoft.com/office/drawing/2017/decorative" xmlns="" val="1"/>
+                <adec:decorative xmlns:adec="http://schemas.microsoft.com/office/drawing/2017/decorative" val="1"/>
               </a:ext>
             </a:extLst>
           </p:cNvPr>
@@ -21274,7 +21518,7 @@
           <p:nvPr>
             <p:extLst>
               <p:ext uri="{386F3935-93C4-4BCD-93E2-E3B085C9AB24}">
-                <p16:designElem xmlns:p16="http://schemas.microsoft.com/office/powerpoint/2015/main" xmlns="" val="1"/>
+                <p16:designElem xmlns:p16="http://schemas.microsoft.com/office/powerpoint/2015/main" val="1"/>
               </p:ext>
             </p:extLst>
           </p:nvPr>
@@ -21371,10 +21615,10 @@
           <p:cNvPr id="37" name="Isosceles Triangle 36">
             <a:extLst>
               <a:ext uri="{FF2B5EF4-FFF2-40B4-BE49-F238E27FC236}">
-                <a16:creationId xmlns:a16="http://schemas.microsoft.com/office/drawing/2014/main" xmlns="" id="{DED12C94-78A4-58DD-9F96-9100F83C0996}"/>
+                <a16:creationId xmlns:a16="http://schemas.microsoft.com/office/drawing/2014/main" id="{DED12C94-78A4-58DD-9F96-9100F83C0996}"/>
               </a:ext>
               <a:ext uri="{C183D7F6-B498-43B3-948B-1728B52AA6E4}">
-                <adec:decorative xmlns:adec="http://schemas.microsoft.com/office/drawing/2017/decorative" xmlns="" val="1"/>
+                <adec:decorative xmlns:adec="http://schemas.microsoft.com/office/drawing/2017/decorative" val="1"/>
               </a:ext>
             </a:extLst>
           </p:cNvPr>
@@ -21384,7 +21628,7 @@
           <p:nvPr>
             <p:extLst>
               <p:ext uri="{386F3935-93C4-4BCD-93E2-E3B085C9AB24}">
-                <p16:designElem xmlns:p16="http://schemas.microsoft.com/office/powerpoint/2015/main" xmlns="" val="1"/>
+                <p16:designElem xmlns:p16="http://schemas.microsoft.com/office/powerpoint/2015/main" val="1"/>
               </p:ext>
             </p:extLst>
           </p:nvPr>
@@ -21436,10 +21680,10 @@
           <p:cNvPr id="39" name="Isosceles Triangle 38">
             <a:extLst>
               <a:ext uri="{FF2B5EF4-FFF2-40B4-BE49-F238E27FC236}">
-                <a16:creationId xmlns:a16="http://schemas.microsoft.com/office/drawing/2014/main" xmlns="" id="{15A2B5EA-0540-4F24-C209-FD2FC5F6B531}"/>
+                <a16:creationId xmlns:a16="http://schemas.microsoft.com/office/drawing/2014/main" id="{15A2B5EA-0540-4F24-C209-FD2FC5F6B531}"/>
               </a:ext>
               <a:ext uri="{C183D7F6-B498-43B3-948B-1728B52AA6E4}">
-                <adec:decorative xmlns:adec="http://schemas.microsoft.com/office/drawing/2017/decorative" xmlns="" val="1"/>
+                <adec:decorative xmlns:adec="http://schemas.microsoft.com/office/drawing/2017/decorative" val="1"/>
               </a:ext>
             </a:extLst>
           </p:cNvPr>
@@ -21449,7 +21693,7 @@
           <p:nvPr>
             <p:extLst>
               <p:ext uri="{386F3935-93C4-4BCD-93E2-E3B085C9AB24}">
-                <p16:designElem xmlns:p16="http://schemas.microsoft.com/office/powerpoint/2015/main" xmlns="" val="1"/>
+                <p16:designElem xmlns:p16="http://schemas.microsoft.com/office/powerpoint/2015/main" val="1"/>
               </p:ext>
             </p:extLst>
           </p:nvPr>
@@ -21501,7 +21745,7 @@
           <p:cNvPr id="3" name="Picture Placeholder 2">
             <a:extLst>
               <a:ext uri="{FF2B5EF4-FFF2-40B4-BE49-F238E27FC236}">
-                <a16:creationId xmlns:a16="http://schemas.microsoft.com/office/drawing/2014/main" xmlns="" id="{B5A7F5EF-0726-1DC1-6367-0D2CC7CF76B3}"/>
+                <a16:creationId xmlns:a16="http://schemas.microsoft.com/office/drawing/2014/main" id="{B5A7F5EF-0726-1DC1-6367-0D2CC7CF76B3}"/>
               </a:ext>
             </a:extLst>
           </p:cNvPr>
@@ -21526,7 +21770,7 @@
           <p:cNvPr id="2" name="TextBox 1">
             <a:extLst>
               <a:ext uri="{FF2B5EF4-FFF2-40B4-BE49-F238E27FC236}">
-                <a16:creationId xmlns:a16="http://schemas.microsoft.com/office/drawing/2014/main" xmlns="" id="{B987AA80-7A43-8370-43FC-3BD03724238D}"/>
+                <a16:creationId xmlns:a16="http://schemas.microsoft.com/office/drawing/2014/main" id="{B987AA80-7A43-8370-43FC-3BD03724238D}"/>
               </a:ext>
             </a:extLst>
           </p:cNvPr>
@@ -21568,7 +21812,7 @@
           <p:cNvPr id="9" name="Content Placeholder 2">
             <a:extLst>
               <a:ext uri="{FF2B5EF4-FFF2-40B4-BE49-F238E27FC236}">
-                <a16:creationId xmlns:a16="http://schemas.microsoft.com/office/drawing/2014/main" xmlns="" id="{FAC76963-A1CA-2926-E857-CE39D04B9173}"/>
+                <a16:creationId xmlns:a16="http://schemas.microsoft.com/office/drawing/2014/main" id="{FAC76963-A1CA-2926-E857-CE39D04B9173}"/>
               </a:ext>
             </a:extLst>
           </p:cNvPr>
@@ -21810,7 +22054,7 @@
           <p:cNvPr id="10" name="Picture 2">
             <a:extLst>
               <a:ext uri="{FF2B5EF4-FFF2-40B4-BE49-F238E27FC236}">
-                <a16:creationId xmlns:a16="http://schemas.microsoft.com/office/drawing/2014/main" xmlns="" id="{908A447D-EF01-3FC5-2964-5E7CD920F672}"/>
+                <a16:creationId xmlns:a16="http://schemas.microsoft.com/office/drawing/2014/main" id="{908A447D-EF01-3FC5-2964-5E7CD920F672}"/>
               </a:ext>
             </a:extLst>
           </p:cNvPr>
@@ -21904,7 +22148,7 @@
         <p:cNvPr id="1" name="">
           <a:extLst>
             <a:ext uri="{FF2B5EF4-FFF2-40B4-BE49-F238E27FC236}">
-              <a16:creationId xmlns:a16="http://schemas.microsoft.com/office/drawing/2014/main" xmlns="" id="{5A0248B8-8DC7-9B91-D463-477BB00EAB2B}"/>
+              <a16:creationId xmlns:a16="http://schemas.microsoft.com/office/drawing/2014/main" id="{5A0248B8-8DC7-9B91-D463-477BB00EAB2B}"/>
             </a:ext>
           </a:extLst>
         </p:cNvPr>
@@ -21924,10 +22168,10 @@
           <p:cNvPr id="27" name="Rectangle 26">
             <a:extLst>
               <a:ext uri="{FF2B5EF4-FFF2-40B4-BE49-F238E27FC236}">
-                <a16:creationId xmlns:a16="http://schemas.microsoft.com/office/drawing/2014/main" xmlns="" id="{CE4A4C2E-4CD4-2A76-6622-B9EB5418100F}"/>
+                <a16:creationId xmlns:a16="http://schemas.microsoft.com/office/drawing/2014/main" id="{CE4A4C2E-4CD4-2A76-6622-B9EB5418100F}"/>
               </a:ext>
               <a:ext uri="{C183D7F6-B498-43B3-948B-1728B52AA6E4}">
-                <adec:decorative xmlns:adec="http://schemas.microsoft.com/office/drawing/2017/decorative" xmlns="" val="1"/>
+                <adec:decorative xmlns:adec="http://schemas.microsoft.com/office/drawing/2017/decorative" val="1"/>
               </a:ext>
             </a:extLst>
           </p:cNvPr>
@@ -21937,7 +22181,7 @@
           <p:nvPr>
             <p:extLst>
               <p:ext uri="{386F3935-93C4-4BCD-93E2-E3B085C9AB24}">
-                <p16:designElem xmlns:p16="http://schemas.microsoft.com/office/powerpoint/2015/main" xmlns="" val="1"/>
+                <p16:designElem xmlns:p16="http://schemas.microsoft.com/office/powerpoint/2015/main" val="1"/>
               </p:ext>
             </p:extLst>
           </p:nvPr>
@@ -21987,10 +22231,10 @@
           <p:cNvPr id="29" name="Group 28">
             <a:extLst>
               <a:ext uri="{FF2B5EF4-FFF2-40B4-BE49-F238E27FC236}">
-                <a16:creationId xmlns:a16="http://schemas.microsoft.com/office/drawing/2014/main" xmlns="" id="{5E367D03-888F-8D6B-0B39-F21F420069E4}"/>
+                <a16:creationId xmlns:a16="http://schemas.microsoft.com/office/drawing/2014/main" id="{5E367D03-888F-8D6B-0B39-F21F420069E4}"/>
               </a:ext>
               <a:ext uri="{C183D7F6-B498-43B3-948B-1728B52AA6E4}">
-                <adec:decorative xmlns:adec="http://schemas.microsoft.com/office/drawing/2017/decorative" xmlns="" val="1"/>
+                <adec:decorative xmlns:adec="http://schemas.microsoft.com/office/drawing/2017/decorative" val="1"/>
               </a:ext>
             </a:extLst>
           </p:cNvPr>
@@ -22000,7 +22244,7 @@
           <p:nvPr>
             <p:extLst>
               <p:ext uri="{386F3935-93C4-4BCD-93E2-E3B085C9AB24}">
-                <p16:designElem xmlns:p16="http://schemas.microsoft.com/office/powerpoint/2015/main" xmlns="" val="1"/>
+                <p16:designElem xmlns:p16="http://schemas.microsoft.com/office/powerpoint/2015/main" val="1"/>
               </p:ext>
             </p:extLst>
           </p:nvPr>
@@ -22018,10 +22262,10 @@
             <p:cNvPr id="30" name="Freeform: Shape 29">
               <a:extLst>
                 <a:ext uri="{FF2B5EF4-FFF2-40B4-BE49-F238E27FC236}">
-                  <a16:creationId xmlns:a16="http://schemas.microsoft.com/office/drawing/2014/main" xmlns="" id="{9648791F-FE86-339C-1395-A69157610BD0}"/>
+                  <a16:creationId xmlns:a16="http://schemas.microsoft.com/office/drawing/2014/main" id="{9648791F-FE86-339C-1395-A69157610BD0}"/>
                 </a:ext>
                 <a:ext uri="{C183D7F6-B498-43B3-948B-1728B52AA6E4}">
-                  <adec:decorative xmlns:adec="http://schemas.microsoft.com/office/drawing/2017/decorative" xmlns="" val="1"/>
+                  <adec:decorative xmlns:adec="http://schemas.microsoft.com/office/drawing/2017/decorative" val="1"/>
                 </a:ext>
               </a:extLst>
             </p:cNvPr>
@@ -22029,7 +22273,7 @@
             <p:nvPr>
               <p:extLst>
                 <p:ext uri="{386F3935-93C4-4BCD-93E2-E3B085C9AB24}">
-                  <p16:designElem xmlns:p16="http://schemas.microsoft.com/office/powerpoint/2015/main" xmlns="" val="1"/>
+                  <p16:designElem xmlns:p16="http://schemas.microsoft.com/office/powerpoint/2015/main" val="1"/>
                 </p:ext>
               </p:extLst>
             </p:nvPr>
@@ -22132,10 +22376,10 @@
             <p:cNvPr id="31" name="Rectangle 30">
               <a:extLst>
                 <a:ext uri="{FF2B5EF4-FFF2-40B4-BE49-F238E27FC236}">
-                  <a16:creationId xmlns:a16="http://schemas.microsoft.com/office/drawing/2014/main" xmlns="" id="{A517F13D-87B3-54B1-6815-94406218E8C0}"/>
+                  <a16:creationId xmlns:a16="http://schemas.microsoft.com/office/drawing/2014/main" id="{A517F13D-87B3-54B1-6815-94406218E8C0}"/>
                 </a:ext>
                 <a:ext uri="{C183D7F6-B498-43B3-948B-1728B52AA6E4}">
-                  <adec:decorative xmlns:adec="http://schemas.microsoft.com/office/drawing/2017/decorative" xmlns="" val="1"/>
+                  <adec:decorative xmlns:adec="http://schemas.microsoft.com/office/drawing/2017/decorative" val="1"/>
                 </a:ext>
               </a:extLst>
             </p:cNvPr>
@@ -22143,7 +22387,7 @@
             <p:nvPr>
               <p:extLst>
                 <p:ext uri="{386F3935-93C4-4BCD-93E2-E3B085C9AB24}">
-                  <p16:designElem xmlns:p16="http://schemas.microsoft.com/office/powerpoint/2015/main" xmlns="" val="1"/>
+                  <p16:designElem xmlns:p16="http://schemas.microsoft.com/office/powerpoint/2015/main" val="1"/>
                 </p:ext>
               </p:extLst>
             </p:nvPr>
@@ -22196,10 +22440,10 @@
           <p:cNvPr id="33" name="Rectangle 32">
             <a:extLst>
               <a:ext uri="{FF2B5EF4-FFF2-40B4-BE49-F238E27FC236}">
-                <a16:creationId xmlns:a16="http://schemas.microsoft.com/office/drawing/2014/main" xmlns="" id="{B3A5A92E-54FE-1A3C-249E-4FAD6D642F1D}"/>
+                <a16:creationId xmlns:a16="http://schemas.microsoft.com/office/drawing/2014/main" id="{B3A5A92E-54FE-1A3C-249E-4FAD6D642F1D}"/>
               </a:ext>
               <a:ext uri="{C183D7F6-B498-43B3-948B-1728B52AA6E4}">
-                <adec:decorative xmlns:adec="http://schemas.microsoft.com/office/drawing/2017/decorative" xmlns="" val="1"/>
+                <adec:decorative xmlns:adec="http://schemas.microsoft.com/office/drawing/2017/decorative" val="1"/>
               </a:ext>
             </a:extLst>
           </p:cNvPr>
@@ -22209,7 +22453,7 @@
           <p:nvPr>
             <p:extLst>
               <p:ext uri="{386F3935-93C4-4BCD-93E2-E3B085C9AB24}">
-                <p16:designElem xmlns:p16="http://schemas.microsoft.com/office/powerpoint/2015/main" xmlns="" val="1"/>
+                <p16:designElem xmlns:p16="http://schemas.microsoft.com/office/powerpoint/2015/main" val="1"/>
               </p:ext>
             </p:extLst>
           </p:nvPr>
@@ -22261,10 +22505,10 @@
           <p:cNvPr id="35" name="Isosceles Triangle 34">
             <a:extLst>
               <a:ext uri="{FF2B5EF4-FFF2-40B4-BE49-F238E27FC236}">
-                <a16:creationId xmlns:a16="http://schemas.microsoft.com/office/drawing/2014/main" xmlns="" id="{457827A6-6C47-4CD7-971A-A75A5EC48C64}"/>
+                <a16:creationId xmlns:a16="http://schemas.microsoft.com/office/drawing/2014/main" id="{457827A6-6C47-4CD7-971A-A75A5EC48C64}"/>
               </a:ext>
               <a:ext uri="{C183D7F6-B498-43B3-948B-1728B52AA6E4}">
-                <adec:decorative xmlns:adec="http://schemas.microsoft.com/office/drawing/2017/decorative" xmlns="" val="1"/>
+                <adec:decorative xmlns:adec="http://schemas.microsoft.com/office/drawing/2017/decorative" val="1"/>
               </a:ext>
             </a:extLst>
           </p:cNvPr>
@@ -22274,7 +22518,7 @@
           <p:nvPr>
             <p:extLst>
               <p:ext uri="{386F3935-93C4-4BCD-93E2-E3B085C9AB24}">
-                <p16:designElem xmlns:p16="http://schemas.microsoft.com/office/powerpoint/2015/main" xmlns="" val="1"/>
+                <p16:designElem xmlns:p16="http://schemas.microsoft.com/office/powerpoint/2015/main" val="1"/>
               </p:ext>
             </p:extLst>
           </p:nvPr>
@@ -22328,7 +22572,7 @@
           <p:cNvPr id="6" name="TextBox 5">
             <a:extLst>
               <a:ext uri="{FF2B5EF4-FFF2-40B4-BE49-F238E27FC236}">
-                <a16:creationId xmlns:a16="http://schemas.microsoft.com/office/drawing/2014/main" xmlns="" id="{97AB226D-A7D2-EBE5-24AE-889A0AA39C7D}"/>
+                <a16:creationId xmlns:a16="http://schemas.microsoft.com/office/drawing/2014/main" id="{97AB226D-A7D2-EBE5-24AE-889A0AA39C7D}"/>
               </a:ext>
             </a:extLst>
           </p:cNvPr>
@@ -22370,7 +22614,7 @@
           <p:cNvPr id="3" name="Picture Placeholder 2">
             <a:extLst>
               <a:ext uri="{FF2B5EF4-FFF2-40B4-BE49-F238E27FC236}">
-                <a16:creationId xmlns:a16="http://schemas.microsoft.com/office/drawing/2014/main" xmlns="" id="{33C0A025-B4CA-9BB6-3CFE-7C65274EFD3F}"/>
+                <a16:creationId xmlns:a16="http://schemas.microsoft.com/office/drawing/2014/main" id="{33C0A025-B4CA-9BB6-3CFE-7C65274EFD3F}"/>
               </a:ext>
             </a:extLst>
           </p:cNvPr>
@@ -22395,7 +22639,7 @@
           <p:cNvPr id="7" name="Content Placeholder 2">
             <a:extLst>
               <a:ext uri="{FF2B5EF4-FFF2-40B4-BE49-F238E27FC236}">
-                <a16:creationId xmlns:a16="http://schemas.microsoft.com/office/drawing/2014/main" xmlns="" id="{0DB26922-CFEE-749D-60DB-C47E91FC97BB}"/>
+                <a16:creationId xmlns:a16="http://schemas.microsoft.com/office/drawing/2014/main" id="{0DB26922-CFEE-749D-60DB-C47E91FC97BB}"/>
               </a:ext>
             </a:extLst>
           </p:cNvPr>
@@ -22647,7 +22891,7 @@
           <p:cNvPr id="8" name="Picture 2">
             <a:extLst>
               <a:ext uri="{FF2B5EF4-FFF2-40B4-BE49-F238E27FC236}">
-                <a16:creationId xmlns:a16="http://schemas.microsoft.com/office/drawing/2014/main" xmlns="" id="{E398BE58-468A-7435-84A5-36A212E36745}"/>
+                <a16:creationId xmlns:a16="http://schemas.microsoft.com/office/drawing/2014/main" id="{E398BE58-468A-7435-84A5-36A212E36745}"/>
               </a:ext>
             </a:extLst>
           </p:cNvPr>
@@ -22717,7 +22961,7 @@
           <p:cNvPr id="9" name="Picture 3">
             <a:extLst>
               <a:ext uri="{FF2B5EF4-FFF2-40B4-BE49-F238E27FC236}">
-                <a16:creationId xmlns:a16="http://schemas.microsoft.com/office/drawing/2014/main" xmlns="" id="{36E739D3-7E61-06D9-C308-0A0F19FDE3F7}"/>
+                <a16:creationId xmlns:a16="http://schemas.microsoft.com/office/drawing/2014/main" id="{36E739D3-7E61-06D9-C308-0A0F19FDE3F7}"/>
               </a:ext>
             </a:extLst>
           </p:cNvPr>
@@ -22811,7 +23055,7 @@
         <p:cNvPr id="1" name="">
           <a:extLst>
             <a:ext uri="{FF2B5EF4-FFF2-40B4-BE49-F238E27FC236}">
-              <a16:creationId xmlns:a16="http://schemas.microsoft.com/office/drawing/2014/main" xmlns="" id="{19976652-C50D-0AED-59F5-520024B90CBE}"/>
+              <a16:creationId xmlns:a16="http://schemas.microsoft.com/office/drawing/2014/main" id="{19976652-C50D-0AED-59F5-520024B90CBE}"/>
             </a:ext>
           </a:extLst>
         </p:cNvPr>
@@ -22831,10 +23075,10 @@
           <p:cNvPr id="27" name="Rectangle 26">
             <a:extLst>
               <a:ext uri="{FF2B5EF4-FFF2-40B4-BE49-F238E27FC236}">
-                <a16:creationId xmlns:a16="http://schemas.microsoft.com/office/drawing/2014/main" xmlns="" id="{7BB21BAA-CED1-B16A-1DEE-E71B871D83E9}"/>
+                <a16:creationId xmlns:a16="http://schemas.microsoft.com/office/drawing/2014/main" id="{7BB21BAA-CED1-B16A-1DEE-E71B871D83E9}"/>
               </a:ext>
               <a:ext uri="{C183D7F6-B498-43B3-948B-1728B52AA6E4}">
-                <adec:decorative xmlns:adec="http://schemas.microsoft.com/office/drawing/2017/decorative" xmlns="" val="1"/>
+                <adec:decorative xmlns:adec="http://schemas.microsoft.com/office/drawing/2017/decorative" val="1"/>
               </a:ext>
             </a:extLst>
           </p:cNvPr>
@@ -22844,7 +23088,7 @@
           <p:nvPr>
             <p:extLst>
               <p:ext uri="{386F3935-93C4-4BCD-93E2-E3B085C9AB24}">
-                <p16:designElem xmlns:p16="http://schemas.microsoft.com/office/powerpoint/2015/main" xmlns="" val="1"/>
+                <p16:designElem xmlns:p16="http://schemas.microsoft.com/office/powerpoint/2015/main" val="1"/>
               </p:ext>
             </p:extLst>
           </p:nvPr>
@@ -22894,10 +23138,10 @@
           <p:cNvPr id="29" name="Freeform: Shape 28">
             <a:extLst>
               <a:ext uri="{FF2B5EF4-FFF2-40B4-BE49-F238E27FC236}">
-                <a16:creationId xmlns:a16="http://schemas.microsoft.com/office/drawing/2014/main" xmlns="" id="{59F97F45-7FAF-0965-515C-DF36AA4F4400}"/>
+                <a16:creationId xmlns:a16="http://schemas.microsoft.com/office/drawing/2014/main" id="{59F97F45-7FAF-0965-515C-DF36AA4F4400}"/>
               </a:ext>
               <a:ext uri="{C183D7F6-B498-43B3-948B-1728B52AA6E4}">
-                <adec:decorative xmlns:adec="http://schemas.microsoft.com/office/drawing/2017/decorative" xmlns="" val="1"/>
+                <adec:decorative xmlns:adec="http://schemas.microsoft.com/office/drawing/2017/decorative" val="1"/>
               </a:ext>
             </a:extLst>
           </p:cNvPr>
@@ -22907,7 +23151,7 @@
           <p:nvPr>
             <p:extLst>
               <p:ext uri="{386F3935-93C4-4BCD-93E2-E3B085C9AB24}">
-                <p16:designElem xmlns:p16="http://schemas.microsoft.com/office/powerpoint/2015/main" xmlns="" val="1"/>
+                <p16:designElem xmlns:p16="http://schemas.microsoft.com/office/powerpoint/2015/main" val="1"/>
               </p:ext>
             </p:extLst>
           </p:nvPr>
@@ -23010,10 +23254,10 @@
           <p:cNvPr id="31" name="Rectangle 30">
             <a:extLst>
               <a:ext uri="{FF2B5EF4-FFF2-40B4-BE49-F238E27FC236}">
-                <a16:creationId xmlns:a16="http://schemas.microsoft.com/office/drawing/2014/main" xmlns="" id="{C8E56BDA-4F67-DA7E-D11A-F7C40647ADE6}"/>
+                <a16:creationId xmlns:a16="http://schemas.microsoft.com/office/drawing/2014/main" id="{C8E56BDA-4F67-DA7E-D11A-F7C40647ADE6}"/>
               </a:ext>
               <a:ext uri="{C183D7F6-B498-43B3-948B-1728B52AA6E4}">
-                <adec:decorative xmlns:adec="http://schemas.microsoft.com/office/drawing/2017/decorative" xmlns="" val="1"/>
+                <adec:decorative xmlns:adec="http://schemas.microsoft.com/office/drawing/2017/decorative" val="1"/>
               </a:ext>
             </a:extLst>
           </p:cNvPr>
@@ -23023,7 +23267,7 @@
           <p:nvPr>
             <p:extLst>
               <p:ext uri="{386F3935-93C4-4BCD-93E2-E3B085C9AB24}">
-                <p16:designElem xmlns:p16="http://schemas.microsoft.com/office/powerpoint/2015/main" xmlns="" val="1"/>
+                <p16:designElem xmlns:p16="http://schemas.microsoft.com/office/powerpoint/2015/main" val="1"/>
               </p:ext>
             </p:extLst>
           </p:nvPr>
@@ -23075,10 +23319,10 @@
           <p:cNvPr id="33" name="Rectangle 32">
             <a:extLst>
               <a:ext uri="{FF2B5EF4-FFF2-40B4-BE49-F238E27FC236}">
-                <a16:creationId xmlns:a16="http://schemas.microsoft.com/office/drawing/2014/main" xmlns="" id="{1AEBF9B3-2C45-A7B0-CBD6-7ACEF01BA03C}"/>
+                <a16:creationId xmlns:a16="http://schemas.microsoft.com/office/drawing/2014/main" id="{1AEBF9B3-2C45-A7B0-CBD6-7ACEF01BA03C}"/>
               </a:ext>
               <a:ext uri="{C183D7F6-B498-43B3-948B-1728B52AA6E4}">
-                <adec:decorative xmlns:adec="http://schemas.microsoft.com/office/drawing/2017/decorative" xmlns="" val="1"/>
+                <adec:decorative xmlns:adec="http://schemas.microsoft.com/office/drawing/2017/decorative" val="1"/>
               </a:ext>
             </a:extLst>
           </p:cNvPr>
@@ -23088,7 +23332,7 @@
           <p:nvPr>
             <p:extLst>
               <p:ext uri="{386F3935-93C4-4BCD-93E2-E3B085C9AB24}">
-                <p16:designElem xmlns:p16="http://schemas.microsoft.com/office/powerpoint/2015/main" xmlns="" val="1"/>
+                <p16:designElem xmlns:p16="http://schemas.microsoft.com/office/powerpoint/2015/main" val="1"/>
               </p:ext>
             </p:extLst>
           </p:nvPr>
@@ -23140,10 +23384,10 @@
           <p:cNvPr id="35" name="Freeform: Shape 34">
             <a:extLst>
               <a:ext uri="{FF2B5EF4-FFF2-40B4-BE49-F238E27FC236}">
-                <a16:creationId xmlns:a16="http://schemas.microsoft.com/office/drawing/2014/main" xmlns="" id="{9683BA8B-41AC-57DC-440A-8E392CF1D52A}"/>
+                <a16:creationId xmlns:a16="http://schemas.microsoft.com/office/drawing/2014/main" id="{9683BA8B-41AC-57DC-440A-8E392CF1D52A}"/>
               </a:ext>
               <a:ext uri="{C183D7F6-B498-43B3-948B-1728B52AA6E4}">
-                <adec:decorative xmlns:adec="http://schemas.microsoft.com/office/drawing/2017/decorative" xmlns="" val="1"/>
+                <adec:decorative xmlns:adec="http://schemas.microsoft.com/office/drawing/2017/decorative" val="1"/>
               </a:ext>
             </a:extLst>
           </p:cNvPr>
@@ -23153,7 +23397,7 @@
           <p:nvPr>
             <p:extLst>
               <p:ext uri="{386F3935-93C4-4BCD-93E2-E3B085C9AB24}">
-                <p16:designElem xmlns:p16="http://schemas.microsoft.com/office/powerpoint/2015/main" xmlns="" val="1"/>
+                <p16:designElem xmlns:p16="http://schemas.microsoft.com/office/powerpoint/2015/main" val="1"/>
               </p:ext>
             </p:extLst>
           </p:nvPr>
@@ -23250,10 +23494,10 @@
           <p:cNvPr id="37" name="Isosceles Triangle 36">
             <a:extLst>
               <a:ext uri="{FF2B5EF4-FFF2-40B4-BE49-F238E27FC236}">
-                <a16:creationId xmlns:a16="http://schemas.microsoft.com/office/drawing/2014/main" xmlns="" id="{D21B866A-A77B-1BB1-62F9-4A0813EBCE97}"/>
+                <a16:creationId xmlns:a16="http://schemas.microsoft.com/office/drawing/2014/main" id="{D21B866A-A77B-1BB1-62F9-4A0813EBCE97}"/>
               </a:ext>
               <a:ext uri="{C183D7F6-B498-43B3-948B-1728B52AA6E4}">
-                <adec:decorative xmlns:adec="http://schemas.microsoft.com/office/drawing/2017/decorative" xmlns="" val="1"/>
+                <adec:decorative xmlns:adec="http://schemas.microsoft.com/office/drawing/2017/decorative" val="1"/>
               </a:ext>
             </a:extLst>
           </p:cNvPr>
@@ -23263,7 +23507,7 @@
           <p:nvPr>
             <p:extLst>
               <p:ext uri="{386F3935-93C4-4BCD-93E2-E3B085C9AB24}">
-                <p16:designElem xmlns:p16="http://schemas.microsoft.com/office/powerpoint/2015/main" xmlns="" val="1"/>
+                <p16:designElem xmlns:p16="http://schemas.microsoft.com/office/powerpoint/2015/main" val="1"/>
               </p:ext>
             </p:extLst>
           </p:nvPr>
@@ -23315,7 +23559,7 @@
           <p:cNvPr id="22" name="Picture Placeholder 21">
             <a:extLst>
               <a:ext uri="{FF2B5EF4-FFF2-40B4-BE49-F238E27FC236}">
-                <a16:creationId xmlns:a16="http://schemas.microsoft.com/office/drawing/2014/main" xmlns="" id="{A15C48D8-1E7C-8255-8356-E6FB553D0FC0}"/>
+                <a16:creationId xmlns:a16="http://schemas.microsoft.com/office/drawing/2014/main" id="{A15C48D8-1E7C-8255-8356-E6FB553D0FC0}"/>
               </a:ext>
             </a:extLst>
           </p:cNvPr>
@@ -23349,10 +23593,10 @@
           <p:cNvPr id="39" name="Isosceles Triangle 38">
             <a:extLst>
               <a:ext uri="{FF2B5EF4-FFF2-40B4-BE49-F238E27FC236}">
-                <a16:creationId xmlns:a16="http://schemas.microsoft.com/office/drawing/2014/main" xmlns="" id="{2F03BE48-83EC-1FB1-519E-B8C8262286CB}"/>
+                <a16:creationId xmlns:a16="http://schemas.microsoft.com/office/drawing/2014/main" id="{2F03BE48-83EC-1FB1-519E-B8C8262286CB}"/>
               </a:ext>
               <a:ext uri="{C183D7F6-B498-43B3-948B-1728B52AA6E4}">
-                <adec:decorative xmlns:adec="http://schemas.microsoft.com/office/drawing/2017/decorative" xmlns="" val="1"/>
+                <adec:decorative xmlns:adec="http://schemas.microsoft.com/office/drawing/2017/decorative" val="1"/>
               </a:ext>
             </a:extLst>
           </p:cNvPr>
@@ -23362,7 +23606,7 @@
           <p:nvPr>
             <p:extLst>
               <p:ext uri="{386F3935-93C4-4BCD-93E2-E3B085C9AB24}">
-                <p16:designElem xmlns:p16="http://schemas.microsoft.com/office/powerpoint/2015/main" xmlns="" val="1"/>
+                <p16:designElem xmlns:p16="http://schemas.microsoft.com/office/powerpoint/2015/main" val="1"/>
               </p:ext>
             </p:extLst>
           </p:nvPr>
@@ -23414,7 +23658,7 @@
           <p:cNvPr id="26" name="TextBox 25">
             <a:extLst>
               <a:ext uri="{FF2B5EF4-FFF2-40B4-BE49-F238E27FC236}">
-                <a16:creationId xmlns:a16="http://schemas.microsoft.com/office/drawing/2014/main" xmlns="" id="{2EA0F888-E47D-84AF-8912-FA2245A9C028}"/>
+                <a16:creationId xmlns:a16="http://schemas.microsoft.com/office/drawing/2014/main" id="{2EA0F888-E47D-84AF-8912-FA2245A9C028}"/>
               </a:ext>
             </a:extLst>
           </p:cNvPr>
@@ -23478,7 +23722,7 @@
               <a:t>optimisation</a:t>
             </a:r>
             <a:r>
-              <a:rPr lang="en-US" dirty="0" smtClean="0"/>
+              <a:rPr lang="en-US" dirty="0"/>
               <a:t>.</a:t>
             </a:r>
           </a:p>
@@ -23487,23 +23731,23 @@
           </a:p>
           <a:p>
             <a:r>
-              <a:rPr lang="en-US" dirty="0" smtClean="0"/>
+              <a:rPr lang="en-US" dirty="0"/>
               <a:t>Despite </a:t>
             </a:r>
             <a:r>
-              <a:rPr lang="en-US" dirty="0" err="1" smtClean="0"/>
+              <a:rPr lang="en-US" dirty="0" err="1"/>
               <a:t>optimisation</a:t>
             </a:r>
             <a:r>
-              <a:rPr lang="en-US" dirty="0" smtClean="0"/>
+              <a:rPr lang="en-US" dirty="0"/>
               <a:t>, unfortunately we were either presented with really high accuracy with poor precision &amp; recall, or good precision &amp; recall and not quite 75% accuracy that the project required. Support Vector Model is our best model, and further work would be required, perhaps another </a:t>
             </a:r>
             <a:r>
-              <a:rPr lang="en-US" dirty="0" err="1" smtClean="0"/>
+              <a:rPr lang="en-US" dirty="0" err="1"/>
               <a:t>GridSearchCV</a:t>
             </a:r>
             <a:r>
-              <a:rPr lang="en-US" dirty="0" smtClean="0"/>
+              <a:rPr lang="en-US" dirty="0"/>
               <a:t> being ran on it to see what else could be improved.</a:t>
             </a:r>
             <a:endParaRPr lang="en-GB" dirty="0"/>
@@ -23553,10 +23797,10 @@
           <p:cNvPr id="69" name="Rectangle 68">
             <a:extLst>
               <a:ext uri="{FF2B5EF4-FFF2-40B4-BE49-F238E27FC236}">
-                <a16:creationId xmlns:a16="http://schemas.microsoft.com/office/drawing/2014/main" xmlns="" id="{870A1295-61BC-4214-AA3E-D396673024D0}"/>
+                <a16:creationId xmlns:a16="http://schemas.microsoft.com/office/drawing/2014/main" id="{870A1295-61BC-4214-AA3E-D396673024D0}"/>
               </a:ext>
               <a:ext uri="{C183D7F6-B498-43B3-948B-1728B52AA6E4}">
-                <adec:decorative xmlns:adec="http://schemas.microsoft.com/office/drawing/2017/decorative" xmlns="" val="1"/>
+                <adec:decorative xmlns:adec="http://schemas.microsoft.com/office/drawing/2017/decorative" val="1"/>
               </a:ext>
             </a:extLst>
           </p:cNvPr>
@@ -23566,7 +23810,7 @@
           <p:nvPr>
             <p:extLst>
               <p:ext uri="{386F3935-93C4-4BCD-93E2-E3B085C9AB24}">
-                <p16:designElem xmlns:p16="http://schemas.microsoft.com/office/powerpoint/2015/main" xmlns="" val="1"/>
+                <p16:designElem xmlns:p16="http://schemas.microsoft.com/office/powerpoint/2015/main" val="1"/>
               </p:ext>
             </p:extLst>
           </p:nvPr>
@@ -23613,7 +23857,7 @@
           <p:cNvPr id="45" name="Title 44">
             <a:extLst>
               <a:ext uri="{FF2B5EF4-FFF2-40B4-BE49-F238E27FC236}">
-                <a16:creationId xmlns:a16="http://schemas.microsoft.com/office/drawing/2014/main" xmlns="" id="{2704561A-EBDC-4554-AB63-6E7F0AD34E9B}"/>
+                <a16:creationId xmlns:a16="http://schemas.microsoft.com/office/drawing/2014/main" id="{2704561A-EBDC-4554-AB63-6E7F0AD34E9B}"/>
               </a:ext>
             </a:extLst>
           </p:cNvPr>
@@ -23657,7 +23901,7 @@
           <p:cNvPr id="41" name="Picture Placeholder 40">
             <a:extLst>
               <a:ext uri="{FF2B5EF4-FFF2-40B4-BE49-F238E27FC236}">
-                <a16:creationId xmlns:a16="http://schemas.microsoft.com/office/drawing/2014/main" xmlns="" id="{B18AACB1-42A2-4B1E-8CE7-58311236AD5E}"/>
+                <a16:creationId xmlns:a16="http://schemas.microsoft.com/office/drawing/2014/main" id="{B18AACB1-42A2-4B1E-8CE7-58311236AD5E}"/>
               </a:ext>
             </a:extLst>
           </p:cNvPr>
@@ -23688,10 +23932,10 @@
           <p:cNvPr id="71" name="Group 70">
             <a:extLst>
               <a:ext uri="{FF2B5EF4-FFF2-40B4-BE49-F238E27FC236}">
-                <a16:creationId xmlns:a16="http://schemas.microsoft.com/office/drawing/2014/main" xmlns="" id="{0B139475-2B26-4CA9-9413-DE741E49F7BB}"/>
+                <a16:creationId xmlns:a16="http://schemas.microsoft.com/office/drawing/2014/main" id="{0B139475-2B26-4CA9-9413-DE741E49F7BB}"/>
               </a:ext>
               <a:ext uri="{C183D7F6-B498-43B3-948B-1728B52AA6E4}">
-                <adec:decorative xmlns:adec="http://schemas.microsoft.com/office/drawing/2017/decorative" xmlns="" val="1"/>
+                <adec:decorative xmlns:adec="http://schemas.microsoft.com/office/drawing/2017/decorative" val="1"/>
               </a:ext>
             </a:extLst>
           </p:cNvPr>
@@ -23701,7 +23945,7 @@
           <p:nvPr>
             <p:extLst>
               <p:ext uri="{386F3935-93C4-4BCD-93E2-E3B085C9AB24}">
-                <p16:designElem xmlns:p16="http://schemas.microsoft.com/office/powerpoint/2015/main" xmlns="" val="1"/>
+                <p16:designElem xmlns:p16="http://schemas.microsoft.com/office/powerpoint/2015/main" val="1"/>
               </p:ext>
             </p:extLst>
           </p:nvPr>
@@ -23719,10 +23963,10 @@
             <p:cNvPr id="72" name="Freeform: Shape 71">
               <a:extLst>
                 <a:ext uri="{FF2B5EF4-FFF2-40B4-BE49-F238E27FC236}">
-                  <a16:creationId xmlns:a16="http://schemas.microsoft.com/office/drawing/2014/main" xmlns="" id="{16C6BF63-6277-4C39-BE5D-3C341662CE4E}"/>
+                  <a16:creationId xmlns:a16="http://schemas.microsoft.com/office/drawing/2014/main" id="{16C6BF63-6277-4C39-BE5D-3C341662CE4E}"/>
                 </a:ext>
                 <a:ext uri="{C183D7F6-B498-43B3-948B-1728B52AA6E4}">
-                  <adec:decorative xmlns:adec="http://schemas.microsoft.com/office/drawing/2017/decorative" xmlns="" val="1"/>
+                  <adec:decorative xmlns:adec="http://schemas.microsoft.com/office/drawing/2017/decorative" val="1"/>
                 </a:ext>
               </a:extLst>
             </p:cNvPr>
@@ -23730,7 +23974,7 @@
             <p:nvPr>
               <p:extLst>
                 <p:ext uri="{386F3935-93C4-4BCD-93E2-E3B085C9AB24}">
-                  <p16:designElem xmlns:p16="http://schemas.microsoft.com/office/powerpoint/2015/main" xmlns="" val="1"/>
+                  <p16:designElem xmlns:p16="http://schemas.microsoft.com/office/powerpoint/2015/main" val="1"/>
                 </p:ext>
               </p:extLst>
             </p:nvPr>
@@ -23955,10 +24199,10 @@
             <p:cNvPr id="73" name="Freeform: Shape 72">
               <a:extLst>
                 <a:ext uri="{FF2B5EF4-FFF2-40B4-BE49-F238E27FC236}">
-                  <a16:creationId xmlns:a16="http://schemas.microsoft.com/office/drawing/2014/main" xmlns="" id="{6EA3BAD9-C130-4A9C-9086-20D132A6CF29}"/>
+                  <a16:creationId xmlns:a16="http://schemas.microsoft.com/office/drawing/2014/main" id="{6EA3BAD9-C130-4A9C-9086-20D132A6CF29}"/>
                 </a:ext>
                 <a:ext uri="{C183D7F6-B498-43B3-948B-1728B52AA6E4}">
-                  <adec:decorative xmlns:adec="http://schemas.microsoft.com/office/drawing/2017/decorative" xmlns="" val="1"/>
+                  <adec:decorative xmlns:adec="http://schemas.microsoft.com/office/drawing/2017/decorative" val="1"/>
                 </a:ext>
               </a:extLst>
             </p:cNvPr>
@@ -23966,7 +24210,7 @@
             <p:nvPr>
               <p:extLst>
                 <p:ext uri="{386F3935-93C4-4BCD-93E2-E3B085C9AB24}">
-                  <p16:designElem xmlns:p16="http://schemas.microsoft.com/office/powerpoint/2015/main" xmlns="" val="1"/>
+                  <p16:designElem xmlns:p16="http://schemas.microsoft.com/office/powerpoint/2015/main" val="1"/>
                 </p:ext>
               </p:extLst>
             </p:nvPr>
@@ -24974,10 +25218,10 @@
             <p:cNvPr id="74" name="Freeform: Shape 73">
               <a:extLst>
                 <a:ext uri="{FF2B5EF4-FFF2-40B4-BE49-F238E27FC236}">
-                  <a16:creationId xmlns:a16="http://schemas.microsoft.com/office/drawing/2014/main" xmlns="" id="{2587D38B-9E07-4A8B-B285-5FEBF6A60DC7}"/>
+                  <a16:creationId xmlns:a16="http://schemas.microsoft.com/office/drawing/2014/main" id="{2587D38B-9E07-4A8B-B285-5FEBF6A60DC7}"/>
                 </a:ext>
                 <a:ext uri="{C183D7F6-B498-43B3-948B-1728B52AA6E4}">
-                  <adec:decorative xmlns:adec="http://schemas.microsoft.com/office/drawing/2017/decorative" xmlns="" val="1"/>
+                  <adec:decorative xmlns:adec="http://schemas.microsoft.com/office/drawing/2017/decorative" val="1"/>
                 </a:ext>
               </a:extLst>
             </p:cNvPr>
@@ -24985,7 +25229,7 @@
             <p:nvPr>
               <p:extLst>
                 <p:ext uri="{386F3935-93C4-4BCD-93E2-E3B085C9AB24}">
-                  <p16:designElem xmlns:p16="http://schemas.microsoft.com/office/powerpoint/2015/main" xmlns="" val="1"/>
+                  <p16:designElem xmlns:p16="http://schemas.microsoft.com/office/powerpoint/2015/main" val="1"/>
                 </p:ext>
               </p:extLst>
             </p:nvPr>
@@ -25975,10 +26219,10 @@
             <p:cNvPr id="75" name="Freeform: Shape 74">
               <a:extLst>
                 <a:ext uri="{FF2B5EF4-FFF2-40B4-BE49-F238E27FC236}">
-                  <a16:creationId xmlns:a16="http://schemas.microsoft.com/office/drawing/2014/main" xmlns="" id="{5EF4DD4B-217B-4346-A2B8-4327936399CA}"/>
+                  <a16:creationId xmlns:a16="http://schemas.microsoft.com/office/drawing/2014/main" id="{5EF4DD4B-217B-4346-A2B8-4327936399CA}"/>
                 </a:ext>
                 <a:ext uri="{C183D7F6-B498-43B3-948B-1728B52AA6E4}">
-                  <adec:decorative xmlns:adec="http://schemas.microsoft.com/office/drawing/2017/decorative" xmlns="" val="1"/>
+                  <adec:decorative xmlns:adec="http://schemas.microsoft.com/office/drawing/2017/decorative" val="1"/>
                 </a:ext>
               </a:extLst>
             </p:cNvPr>
@@ -25986,7 +26230,7 @@
             <p:nvPr>
               <p:extLst>
                 <p:ext uri="{386F3935-93C4-4BCD-93E2-E3B085C9AB24}">
-                  <p16:designElem xmlns:p16="http://schemas.microsoft.com/office/powerpoint/2015/main" xmlns="" val="1"/>
+                  <p16:designElem xmlns:p16="http://schemas.microsoft.com/office/powerpoint/2015/main" val="1"/>
                 </p:ext>
               </p:extLst>
             </p:nvPr>
@@ -26887,7 +27131,7 @@
           <p:cNvPr id="46" name="Subtitle 45">
             <a:extLst>
               <a:ext uri="{FF2B5EF4-FFF2-40B4-BE49-F238E27FC236}">
-                <a16:creationId xmlns:a16="http://schemas.microsoft.com/office/drawing/2014/main" xmlns="" id="{84AA5B14-11B0-4875-B1F5-69DBF1E46D68}"/>
+                <a16:creationId xmlns:a16="http://schemas.microsoft.com/office/drawing/2014/main" id="{84AA5B14-11B0-4875-B1F5-69DBF1E46D68}"/>
               </a:ext>
             </a:extLst>
           </p:cNvPr>
@@ -26968,7 +27212,7 @@
         <p:cNvPr id="1" name="">
           <a:extLst>
             <a:ext uri="{FF2B5EF4-FFF2-40B4-BE49-F238E27FC236}">
-              <a16:creationId xmlns:a16="http://schemas.microsoft.com/office/drawing/2014/main" xmlns="" id="{78D17414-6BDF-C386-5C52-A601AC71A2B9}"/>
+              <a16:creationId xmlns:a16="http://schemas.microsoft.com/office/drawing/2014/main" id="{78D17414-6BDF-C386-5C52-A601AC71A2B9}"/>
             </a:ext>
           </a:extLst>
         </p:cNvPr>
@@ -26988,10 +27232,10 @@
           <p:cNvPr id="10" name="Rectangle 9">
             <a:extLst>
               <a:ext uri="{FF2B5EF4-FFF2-40B4-BE49-F238E27FC236}">
-                <a16:creationId xmlns:a16="http://schemas.microsoft.com/office/drawing/2014/main" xmlns="" id="{86FF76B9-219D-4469-AF87-0236D29032F1}"/>
+                <a16:creationId xmlns:a16="http://schemas.microsoft.com/office/drawing/2014/main" id="{86FF76B9-219D-4469-AF87-0236D29032F1}"/>
               </a:ext>
               <a:ext uri="{C183D7F6-B498-43B3-948B-1728B52AA6E4}">
-                <adec:decorative xmlns:adec="http://schemas.microsoft.com/office/drawing/2017/decorative" xmlns="" val="1"/>
+                <adec:decorative xmlns:adec="http://schemas.microsoft.com/office/drawing/2017/decorative" val="1"/>
               </a:ext>
             </a:extLst>
           </p:cNvPr>
@@ -27001,7 +27245,7 @@
           <p:nvPr>
             <p:extLst>
               <p:ext uri="{386F3935-93C4-4BCD-93E2-E3B085C9AB24}">
-                <p16:designElem xmlns:p16="http://schemas.microsoft.com/office/powerpoint/2015/main" xmlns="" val="1"/>
+                <p16:designElem xmlns:p16="http://schemas.microsoft.com/office/powerpoint/2015/main" val="1"/>
               </p:ext>
             </p:extLst>
           </p:nvPr>
@@ -27051,10 +27295,10 @@
           <p:cNvPr id="12" name="Group 11">
             <a:extLst>
               <a:ext uri="{FF2B5EF4-FFF2-40B4-BE49-F238E27FC236}">
-                <a16:creationId xmlns:a16="http://schemas.microsoft.com/office/drawing/2014/main" xmlns="" id="{DB88BD78-87E1-424D-B479-C37D8E41B12E}"/>
+                <a16:creationId xmlns:a16="http://schemas.microsoft.com/office/drawing/2014/main" id="{DB88BD78-87E1-424D-B479-C37D8E41B12E}"/>
               </a:ext>
               <a:ext uri="{C183D7F6-B498-43B3-948B-1728B52AA6E4}">
-                <adec:decorative xmlns:adec="http://schemas.microsoft.com/office/drawing/2017/decorative" xmlns="" val="1"/>
+                <adec:decorative xmlns:adec="http://schemas.microsoft.com/office/drawing/2017/decorative" val="1"/>
               </a:ext>
             </a:extLst>
           </p:cNvPr>
@@ -27064,7 +27308,7 @@
           <p:nvPr>
             <p:extLst>
               <p:ext uri="{386F3935-93C4-4BCD-93E2-E3B085C9AB24}">
-                <p16:designElem xmlns:p16="http://schemas.microsoft.com/office/powerpoint/2015/main" xmlns="" val="1"/>
+                <p16:designElem xmlns:p16="http://schemas.microsoft.com/office/powerpoint/2015/main" val="1"/>
               </p:ext>
             </p:extLst>
           </p:nvPr>
@@ -27082,10 +27326,10 @@
             <p:cNvPr id="13" name="Freeform: Shape 12">
               <a:extLst>
                 <a:ext uri="{FF2B5EF4-FFF2-40B4-BE49-F238E27FC236}">
-                  <a16:creationId xmlns:a16="http://schemas.microsoft.com/office/drawing/2014/main" xmlns="" id="{C05EB894-9410-4B20-95E4-7A25101AB895}"/>
+                  <a16:creationId xmlns:a16="http://schemas.microsoft.com/office/drawing/2014/main" id="{C05EB894-9410-4B20-95E4-7A25101AB895}"/>
                 </a:ext>
                 <a:ext uri="{C183D7F6-B498-43B3-948B-1728B52AA6E4}">
-                  <adec:decorative xmlns:adec="http://schemas.microsoft.com/office/drawing/2017/decorative" xmlns="" val="1"/>
+                  <adec:decorative xmlns:adec="http://schemas.microsoft.com/office/drawing/2017/decorative" val="1"/>
                 </a:ext>
               </a:extLst>
             </p:cNvPr>
@@ -27093,7 +27337,7 @@
             <p:nvPr>
               <p:extLst>
                 <p:ext uri="{386F3935-93C4-4BCD-93E2-E3B085C9AB24}">
-                  <p16:designElem xmlns:p16="http://schemas.microsoft.com/office/powerpoint/2015/main" xmlns="" val="1"/>
+                  <p16:designElem xmlns:p16="http://schemas.microsoft.com/office/powerpoint/2015/main" val="1"/>
                 </p:ext>
               </p:extLst>
             </p:nvPr>
@@ -27196,10 +27440,10 @@
             <p:cNvPr id="14" name="Rectangle 13">
               <a:extLst>
                 <a:ext uri="{FF2B5EF4-FFF2-40B4-BE49-F238E27FC236}">
-                  <a16:creationId xmlns:a16="http://schemas.microsoft.com/office/drawing/2014/main" xmlns="" id="{166E38B6-B050-4340-8E8F-3A971DADC031}"/>
+                  <a16:creationId xmlns:a16="http://schemas.microsoft.com/office/drawing/2014/main" id="{166E38B6-B050-4340-8E8F-3A971DADC031}"/>
                 </a:ext>
                 <a:ext uri="{C183D7F6-B498-43B3-948B-1728B52AA6E4}">
-                  <adec:decorative xmlns:adec="http://schemas.microsoft.com/office/drawing/2017/decorative" xmlns="" val="1"/>
+                  <adec:decorative xmlns:adec="http://schemas.microsoft.com/office/drawing/2017/decorative" val="1"/>
                 </a:ext>
               </a:extLst>
             </p:cNvPr>
@@ -27207,7 +27451,7 @@
             <p:nvPr>
               <p:extLst>
                 <p:ext uri="{386F3935-93C4-4BCD-93E2-E3B085C9AB24}">
-                  <p16:designElem xmlns:p16="http://schemas.microsoft.com/office/powerpoint/2015/main" xmlns="" val="1"/>
+                  <p16:designElem xmlns:p16="http://schemas.microsoft.com/office/powerpoint/2015/main" val="1"/>
                 </p:ext>
               </p:extLst>
             </p:nvPr>
@@ -27260,10 +27504,10 @@
           <p:cNvPr id="16" name="Rectangle 15">
             <a:extLst>
               <a:ext uri="{FF2B5EF4-FFF2-40B4-BE49-F238E27FC236}">
-                <a16:creationId xmlns:a16="http://schemas.microsoft.com/office/drawing/2014/main" xmlns="" id="{2E80C965-DB6D-4F81-9E9E-B027384D0BD6}"/>
+                <a16:creationId xmlns:a16="http://schemas.microsoft.com/office/drawing/2014/main" id="{2E80C965-DB6D-4F81-9E9E-B027384D0BD6}"/>
               </a:ext>
               <a:ext uri="{C183D7F6-B498-43B3-948B-1728B52AA6E4}">
-                <adec:decorative xmlns:adec="http://schemas.microsoft.com/office/drawing/2017/decorative" xmlns="" val="1"/>
+                <adec:decorative xmlns:adec="http://schemas.microsoft.com/office/drawing/2017/decorative" val="1"/>
               </a:ext>
             </a:extLst>
           </p:cNvPr>
@@ -27273,7 +27517,7 @@
           <p:nvPr>
             <p:extLst>
               <p:ext uri="{386F3935-93C4-4BCD-93E2-E3B085C9AB24}">
-                <p16:designElem xmlns:p16="http://schemas.microsoft.com/office/powerpoint/2015/main" xmlns="" val="1"/>
+                <p16:designElem xmlns:p16="http://schemas.microsoft.com/office/powerpoint/2015/main" val="1"/>
               </p:ext>
             </p:extLst>
           </p:nvPr>
@@ -27325,10 +27569,10 @@
           <p:cNvPr id="18" name="Isosceles Triangle 17">
             <a:extLst>
               <a:ext uri="{FF2B5EF4-FFF2-40B4-BE49-F238E27FC236}">
-                <a16:creationId xmlns:a16="http://schemas.microsoft.com/office/drawing/2014/main" xmlns="" id="{633C5E46-DAC5-4661-9C87-22B08E2A512F}"/>
+                <a16:creationId xmlns:a16="http://schemas.microsoft.com/office/drawing/2014/main" id="{633C5E46-DAC5-4661-9C87-22B08E2A512F}"/>
               </a:ext>
               <a:ext uri="{C183D7F6-B498-43B3-948B-1728B52AA6E4}">
-                <adec:decorative xmlns:adec="http://schemas.microsoft.com/office/drawing/2017/decorative" xmlns="" val="1"/>
+                <adec:decorative xmlns:adec="http://schemas.microsoft.com/office/drawing/2017/decorative" val="1"/>
               </a:ext>
             </a:extLst>
           </p:cNvPr>
@@ -27338,7 +27582,7 @@
           <p:nvPr>
             <p:extLst>
               <p:ext uri="{386F3935-93C4-4BCD-93E2-E3B085C9AB24}">
-                <p16:designElem xmlns:p16="http://schemas.microsoft.com/office/powerpoint/2015/main" xmlns="" val="1"/>
+                <p16:designElem xmlns:p16="http://schemas.microsoft.com/office/powerpoint/2015/main" val="1"/>
               </p:ext>
             </p:extLst>
           </p:nvPr>
@@ -27392,7 +27636,7 @@
           <p:cNvPr id="5" name="Picture Placeholder 4">
             <a:extLst>
               <a:ext uri="{FF2B5EF4-FFF2-40B4-BE49-F238E27FC236}">
-                <a16:creationId xmlns:a16="http://schemas.microsoft.com/office/drawing/2014/main" xmlns="" id="{CBCC0BE6-EB61-08BE-FD31-B46AA7CFC7F7}"/>
+                <a16:creationId xmlns:a16="http://schemas.microsoft.com/office/drawing/2014/main" id="{CBCC0BE6-EB61-08BE-FD31-B46AA7CFC7F7}"/>
               </a:ext>
             </a:extLst>
           </p:cNvPr>
@@ -27426,7 +27670,7 @@
           <p:cNvPr id="4" name="TextBox 3">
             <a:extLst>
               <a:ext uri="{FF2B5EF4-FFF2-40B4-BE49-F238E27FC236}">
-                <a16:creationId xmlns:a16="http://schemas.microsoft.com/office/drawing/2014/main" xmlns="" id="{A6A82067-850F-1CD6-781C-6907FC8631D7}"/>
+                <a16:creationId xmlns:a16="http://schemas.microsoft.com/office/drawing/2014/main" id="{A6A82067-850F-1CD6-781C-6907FC8631D7}"/>
               </a:ext>
             </a:extLst>
           </p:cNvPr>
@@ -27464,7 +27708,7 @@
           <p:cNvPr id="6" name="TextBox 5">
             <a:extLst>
               <a:ext uri="{FF2B5EF4-FFF2-40B4-BE49-F238E27FC236}">
-                <a16:creationId xmlns:a16="http://schemas.microsoft.com/office/drawing/2014/main" xmlns="" id="{A4920DB4-C2CE-8F7B-9D1B-B57AAA6A13F1}"/>
+                <a16:creationId xmlns:a16="http://schemas.microsoft.com/office/drawing/2014/main" id="{A4920DB4-C2CE-8F7B-9D1B-B57AAA6A13F1}"/>
               </a:ext>
             </a:extLst>
           </p:cNvPr>
@@ -27561,7 +27805,7 @@
           <p:cNvPr id="7" name="TextBox 6">
             <a:extLst>
               <a:ext uri="{FF2B5EF4-FFF2-40B4-BE49-F238E27FC236}">
-                <a16:creationId xmlns:a16="http://schemas.microsoft.com/office/drawing/2014/main" xmlns="" id="{1A367EE2-1EEB-5119-096B-97AF2AD9377A}"/>
+                <a16:creationId xmlns:a16="http://schemas.microsoft.com/office/drawing/2014/main" id="{1A367EE2-1EEB-5119-096B-97AF2AD9377A}"/>
               </a:ext>
             </a:extLst>
           </p:cNvPr>
@@ -27663,10 +27907,10 @@
           <p:cNvPr id="27" name="Rectangle 26">
             <a:extLst>
               <a:ext uri="{FF2B5EF4-FFF2-40B4-BE49-F238E27FC236}">
-                <a16:creationId xmlns:a16="http://schemas.microsoft.com/office/drawing/2014/main" xmlns="" id="{F3060C83-F051-4F0E-ABAD-AA0DFC48B218}"/>
+                <a16:creationId xmlns:a16="http://schemas.microsoft.com/office/drawing/2014/main" id="{F3060C83-F051-4F0E-ABAD-AA0DFC48B218}"/>
               </a:ext>
               <a:ext uri="{C183D7F6-B498-43B3-948B-1728B52AA6E4}">
-                <adec:decorative xmlns:adec="http://schemas.microsoft.com/office/drawing/2017/decorative" xmlns="" val="1"/>
+                <adec:decorative xmlns:adec="http://schemas.microsoft.com/office/drawing/2017/decorative" val="1"/>
               </a:ext>
             </a:extLst>
           </p:cNvPr>
@@ -27676,7 +27920,7 @@
           <p:nvPr>
             <p:extLst>
               <p:ext uri="{386F3935-93C4-4BCD-93E2-E3B085C9AB24}">
-                <p16:designElem xmlns:p16="http://schemas.microsoft.com/office/powerpoint/2015/main" xmlns="" val="1"/>
+                <p16:designElem xmlns:p16="http://schemas.microsoft.com/office/powerpoint/2015/main" val="1"/>
               </p:ext>
             </p:extLst>
           </p:nvPr>
@@ -27726,10 +27970,10 @@
           <p:cNvPr id="29" name="Freeform: Shape 28">
             <a:extLst>
               <a:ext uri="{FF2B5EF4-FFF2-40B4-BE49-F238E27FC236}">
-                <a16:creationId xmlns:a16="http://schemas.microsoft.com/office/drawing/2014/main" xmlns="" id="{83C98ABE-055B-441F-B07E-44F97F083C39}"/>
+                <a16:creationId xmlns:a16="http://schemas.microsoft.com/office/drawing/2014/main" id="{83C98ABE-055B-441F-B07E-44F97F083C39}"/>
               </a:ext>
               <a:ext uri="{C183D7F6-B498-43B3-948B-1728B52AA6E4}">
-                <adec:decorative xmlns:adec="http://schemas.microsoft.com/office/drawing/2017/decorative" xmlns="" val="1"/>
+                <adec:decorative xmlns:adec="http://schemas.microsoft.com/office/drawing/2017/decorative" val="1"/>
               </a:ext>
             </a:extLst>
           </p:cNvPr>
@@ -27739,7 +27983,7 @@
           <p:nvPr>
             <p:extLst>
               <p:ext uri="{386F3935-93C4-4BCD-93E2-E3B085C9AB24}">
-                <p16:designElem xmlns:p16="http://schemas.microsoft.com/office/powerpoint/2015/main" xmlns="" val="1"/>
+                <p16:designElem xmlns:p16="http://schemas.microsoft.com/office/powerpoint/2015/main" val="1"/>
               </p:ext>
             </p:extLst>
           </p:nvPr>
@@ -27842,10 +28086,10 @@
           <p:cNvPr id="31" name="Rectangle 30">
             <a:extLst>
               <a:ext uri="{FF2B5EF4-FFF2-40B4-BE49-F238E27FC236}">
-                <a16:creationId xmlns:a16="http://schemas.microsoft.com/office/drawing/2014/main" xmlns="" id="{29FDB030-9B49-4CED-8CCD-4D99382388AC}"/>
+                <a16:creationId xmlns:a16="http://schemas.microsoft.com/office/drawing/2014/main" id="{29FDB030-9B49-4CED-8CCD-4D99382388AC}"/>
               </a:ext>
               <a:ext uri="{C183D7F6-B498-43B3-948B-1728B52AA6E4}">
-                <adec:decorative xmlns:adec="http://schemas.microsoft.com/office/drawing/2017/decorative" xmlns="" val="1"/>
+                <adec:decorative xmlns:adec="http://schemas.microsoft.com/office/drawing/2017/decorative" val="1"/>
               </a:ext>
             </a:extLst>
           </p:cNvPr>
@@ -27855,7 +28099,7 @@
           <p:nvPr>
             <p:extLst>
               <p:ext uri="{386F3935-93C4-4BCD-93E2-E3B085C9AB24}">
-                <p16:designElem xmlns:p16="http://schemas.microsoft.com/office/powerpoint/2015/main" xmlns="" val="1"/>
+                <p16:designElem xmlns:p16="http://schemas.microsoft.com/office/powerpoint/2015/main" val="1"/>
               </p:ext>
             </p:extLst>
           </p:nvPr>
@@ -27907,10 +28151,10 @@
           <p:cNvPr id="33" name="Rectangle 32">
             <a:extLst>
               <a:ext uri="{FF2B5EF4-FFF2-40B4-BE49-F238E27FC236}">
-                <a16:creationId xmlns:a16="http://schemas.microsoft.com/office/drawing/2014/main" xmlns="" id="{3783CA14-24A1-485C-8B30-D6A5D87987AD}"/>
+                <a16:creationId xmlns:a16="http://schemas.microsoft.com/office/drawing/2014/main" id="{3783CA14-24A1-485C-8B30-D6A5D87987AD}"/>
               </a:ext>
               <a:ext uri="{C183D7F6-B498-43B3-948B-1728B52AA6E4}">
-                <adec:decorative xmlns:adec="http://schemas.microsoft.com/office/drawing/2017/decorative" xmlns="" val="1"/>
+                <adec:decorative xmlns:adec="http://schemas.microsoft.com/office/drawing/2017/decorative" val="1"/>
               </a:ext>
             </a:extLst>
           </p:cNvPr>
@@ -27920,7 +28164,7 @@
           <p:nvPr>
             <p:extLst>
               <p:ext uri="{386F3935-93C4-4BCD-93E2-E3B085C9AB24}">
-                <p16:designElem xmlns:p16="http://schemas.microsoft.com/office/powerpoint/2015/main" xmlns="" val="1"/>
+                <p16:designElem xmlns:p16="http://schemas.microsoft.com/office/powerpoint/2015/main" val="1"/>
               </p:ext>
             </p:extLst>
           </p:nvPr>
@@ -27972,10 +28216,10 @@
           <p:cNvPr id="35" name="Freeform: Shape 34">
             <a:extLst>
               <a:ext uri="{FF2B5EF4-FFF2-40B4-BE49-F238E27FC236}">
-                <a16:creationId xmlns:a16="http://schemas.microsoft.com/office/drawing/2014/main" xmlns="" id="{9A97C86A-04D6-40F7-AE84-31AB43E6A846}"/>
+                <a16:creationId xmlns:a16="http://schemas.microsoft.com/office/drawing/2014/main" id="{9A97C86A-04D6-40F7-AE84-31AB43E6A846}"/>
               </a:ext>
               <a:ext uri="{C183D7F6-B498-43B3-948B-1728B52AA6E4}">
-                <adec:decorative xmlns:adec="http://schemas.microsoft.com/office/drawing/2017/decorative" xmlns="" val="1"/>
+                <adec:decorative xmlns:adec="http://schemas.microsoft.com/office/drawing/2017/decorative" val="1"/>
               </a:ext>
             </a:extLst>
           </p:cNvPr>
@@ -27985,7 +28229,7 @@
           <p:nvPr>
             <p:extLst>
               <p:ext uri="{386F3935-93C4-4BCD-93E2-E3B085C9AB24}">
-                <p16:designElem xmlns:p16="http://schemas.microsoft.com/office/powerpoint/2015/main" xmlns="" val="1"/>
+                <p16:designElem xmlns:p16="http://schemas.microsoft.com/office/powerpoint/2015/main" val="1"/>
               </p:ext>
             </p:extLst>
           </p:nvPr>
@@ -28082,10 +28326,10 @@
           <p:cNvPr id="37" name="Isosceles Triangle 36">
             <a:extLst>
               <a:ext uri="{FF2B5EF4-FFF2-40B4-BE49-F238E27FC236}">
-                <a16:creationId xmlns:a16="http://schemas.microsoft.com/office/drawing/2014/main" xmlns="" id="{FF9F2414-84E8-453E-B1F3-389FDE8192D9}"/>
+                <a16:creationId xmlns:a16="http://schemas.microsoft.com/office/drawing/2014/main" id="{FF9F2414-84E8-453E-B1F3-389FDE8192D9}"/>
               </a:ext>
               <a:ext uri="{C183D7F6-B498-43B3-948B-1728B52AA6E4}">
-                <adec:decorative xmlns:adec="http://schemas.microsoft.com/office/drawing/2017/decorative" xmlns="" val="1"/>
+                <adec:decorative xmlns:adec="http://schemas.microsoft.com/office/drawing/2017/decorative" val="1"/>
               </a:ext>
             </a:extLst>
           </p:cNvPr>
@@ -28095,7 +28339,7 @@
           <p:nvPr>
             <p:extLst>
               <p:ext uri="{386F3935-93C4-4BCD-93E2-E3B085C9AB24}">
-                <p16:designElem xmlns:p16="http://schemas.microsoft.com/office/powerpoint/2015/main" xmlns="" val="1"/>
+                <p16:designElem xmlns:p16="http://schemas.microsoft.com/office/powerpoint/2015/main" val="1"/>
               </p:ext>
             </p:extLst>
           </p:nvPr>
@@ -28147,7 +28391,7 @@
           <p:cNvPr id="22" name="Picture Placeholder 21">
             <a:extLst>
               <a:ext uri="{FF2B5EF4-FFF2-40B4-BE49-F238E27FC236}">
-                <a16:creationId xmlns:a16="http://schemas.microsoft.com/office/drawing/2014/main" xmlns="" id="{0916C1A5-630A-2B78-E639-0A2051E47CA1}"/>
+                <a16:creationId xmlns:a16="http://schemas.microsoft.com/office/drawing/2014/main" id="{0916C1A5-630A-2B78-E639-0A2051E47CA1}"/>
               </a:ext>
             </a:extLst>
           </p:cNvPr>
@@ -28181,10 +28425,10 @@
           <p:cNvPr id="39" name="Isosceles Triangle 38">
             <a:extLst>
               <a:ext uri="{FF2B5EF4-FFF2-40B4-BE49-F238E27FC236}">
-                <a16:creationId xmlns:a16="http://schemas.microsoft.com/office/drawing/2014/main" xmlns="" id="{3ECA69A1-7536-43AC-85EF-C7106179F5ED}"/>
+                <a16:creationId xmlns:a16="http://schemas.microsoft.com/office/drawing/2014/main" id="{3ECA69A1-7536-43AC-85EF-C7106179F5ED}"/>
               </a:ext>
               <a:ext uri="{C183D7F6-B498-43B3-948B-1728B52AA6E4}">
-                <adec:decorative xmlns:adec="http://schemas.microsoft.com/office/drawing/2017/decorative" xmlns="" val="1"/>
+                <adec:decorative xmlns:adec="http://schemas.microsoft.com/office/drawing/2017/decorative" val="1"/>
               </a:ext>
             </a:extLst>
           </p:cNvPr>
@@ -28194,7 +28438,7 @@
           <p:nvPr>
             <p:extLst>
               <p:ext uri="{386F3935-93C4-4BCD-93E2-E3B085C9AB24}">
-                <p16:designElem xmlns:p16="http://schemas.microsoft.com/office/powerpoint/2015/main" xmlns="" val="1"/>
+                <p16:designElem xmlns:p16="http://schemas.microsoft.com/office/powerpoint/2015/main" val="1"/>
               </p:ext>
             </p:extLst>
           </p:nvPr>
@@ -28246,7 +28490,7 @@
           <p:cNvPr id="26" name="TextBox 25">
             <a:extLst>
               <a:ext uri="{FF2B5EF4-FFF2-40B4-BE49-F238E27FC236}">
-                <a16:creationId xmlns:a16="http://schemas.microsoft.com/office/drawing/2014/main" xmlns="" id="{D502CC51-A9FD-C5BF-A2CF-3C3A5B2FF1EE}"/>
+                <a16:creationId xmlns:a16="http://schemas.microsoft.com/office/drawing/2014/main" id="{D502CC51-A9FD-C5BF-A2CF-3C3A5B2FF1EE}"/>
               </a:ext>
             </a:extLst>
           </p:cNvPr>
@@ -28284,7 +28528,7 @@
           <p:cNvPr id="28" name="TextBox 27">
             <a:extLst>
               <a:ext uri="{FF2B5EF4-FFF2-40B4-BE49-F238E27FC236}">
-                <a16:creationId xmlns:a16="http://schemas.microsoft.com/office/drawing/2014/main" xmlns="" id="{47AF6F8F-D018-2350-B83D-4C889AC4610F}"/>
+                <a16:creationId xmlns:a16="http://schemas.microsoft.com/office/drawing/2014/main" id="{47AF6F8F-D018-2350-B83D-4C889AC4610F}"/>
               </a:ext>
             </a:extLst>
           </p:cNvPr>
@@ -28419,7 +28663,7 @@
         <p:cNvPr id="1" name="">
           <a:extLst>
             <a:ext uri="{FF2B5EF4-FFF2-40B4-BE49-F238E27FC236}">
-              <a16:creationId xmlns:a16="http://schemas.microsoft.com/office/drawing/2014/main" xmlns="" id="{43721567-CC8A-A7F3-20FA-1E041D14A7EC}"/>
+              <a16:creationId xmlns:a16="http://schemas.microsoft.com/office/drawing/2014/main" id="{43721567-CC8A-A7F3-20FA-1E041D14A7EC}"/>
             </a:ext>
           </a:extLst>
         </p:cNvPr>
@@ -28439,10 +28683,10 @@
           <p:cNvPr id="27" name="Rectangle 26">
             <a:extLst>
               <a:ext uri="{FF2B5EF4-FFF2-40B4-BE49-F238E27FC236}">
-                <a16:creationId xmlns:a16="http://schemas.microsoft.com/office/drawing/2014/main" xmlns="" id="{86FF76B9-219D-4469-AF87-0236D29032F1}"/>
+                <a16:creationId xmlns:a16="http://schemas.microsoft.com/office/drawing/2014/main" id="{86FF76B9-219D-4469-AF87-0236D29032F1}"/>
               </a:ext>
               <a:ext uri="{C183D7F6-B498-43B3-948B-1728B52AA6E4}">
-                <adec:decorative xmlns:adec="http://schemas.microsoft.com/office/drawing/2017/decorative" xmlns="" val="1"/>
+                <adec:decorative xmlns:adec="http://schemas.microsoft.com/office/drawing/2017/decorative" val="1"/>
               </a:ext>
             </a:extLst>
           </p:cNvPr>
@@ -28452,7 +28696,7 @@
           <p:nvPr>
             <p:extLst>
               <p:ext uri="{386F3935-93C4-4BCD-93E2-E3B085C9AB24}">
-                <p16:designElem xmlns:p16="http://schemas.microsoft.com/office/powerpoint/2015/main" xmlns="" val="1"/>
+                <p16:designElem xmlns:p16="http://schemas.microsoft.com/office/powerpoint/2015/main" val="1"/>
               </p:ext>
             </p:extLst>
           </p:nvPr>
@@ -28502,10 +28746,10 @@
           <p:cNvPr id="29" name="Group 28">
             <a:extLst>
               <a:ext uri="{FF2B5EF4-FFF2-40B4-BE49-F238E27FC236}">
-                <a16:creationId xmlns:a16="http://schemas.microsoft.com/office/drawing/2014/main" xmlns="" id="{DB88BD78-87E1-424D-B479-C37D8E41B12E}"/>
+                <a16:creationId xmlns:a16="http://schemas.microsoft.com/office/drawing/2014/main" id="{DB88BD78-87E1-424D-B479-C37D8E41B12E}"/>
               </a:ext>
               <a:ext uri="{C183D7F6-B498-43B3-948B-1728B52AA6E4}">
-                <adec:decorative xmlns:adec="http://schemas.microsoft.com/office/drawing/2017/decorative" xmlns="" val="1"/>
+                <adec:decorative xmlns:adec="http://schemas.microsoft.com/office/drawing/2017/decorative" val="1"/>
               </a:ext>
             </a:extLst>
           </p:cNvPr>
@@ -28515,7 +28759,7 @@
           <p:nvPr>
             <p:extLst>
               <p:ext uri="{386F3935-93C4-4BCD-93E2-E3B085C9AB24}">
-                <p16:designElem xmlns:p16="http://schemas.microsoft.com/office/powerpoint/2015/main" xmlns="" val="1"/>
+                <p16:designElem xmlns:p16="http://schemas.microsoft.com/office/powerpoint/2015/main" val="1"/>
               </p:ext>
             </p:extLst>
           </p:nvPr>
@@ -28533,10 +28777,10 @@
             <p:cNvPr id="30" name="Freeform: Shape 29">
               <a:extLst>
                 <a:ext uri="{FF2B5EF4-FFF2-40B4-BE49-F238E27FC236}">
-                  <a16:creationId xmlns:a16="http://schemas.microsoft.com/office/drawing/2014/main" xmlns="" id="{C05EB894-9410-4B20-95E4-7A25101AB895}"/>
+                  <a16:creationId xmlns:a16="http://schemas.microsoft.com/office/drawing/2014/main" id="{C05EB894-9410-4B20-95E4-7A25101AB895}"/>
                 </a:ext>
                 <a:ext uri="{C183D7F6-B498-43B3-948B-1728B52AA6E4}">
-                  <adec:decorative xmlns:adec="http://schemas.microsoft.com/office/drawing/2017/decorative" xmlns="" val="1"/>
+                  <adec:decorative xmlns:adec="http://schemas.microsoft.com/office/drawing/2017/decorative" val="1"/>
                 </a:ext>
               </a:extLst>
             </p:cNvPr>
@@ -28544,7 +28788,7 @@
             <p:nvPr>
               <p:extLst>
                 <p:ext uri="{386F3935-93C4-4BCD-93E2-E3B085C9AB24}">
-                  <p16:designElem xmlns:p16="http://schemas.microsoft.com/office/powerpoint/2015/main" xmlns="" val="1"/>
+                  <p16:designElem xmlns:p16="http://schemas.microsoft.com/office/powerpoint/2015/main" val="1"/>
                 </p:ext>
               </p:extLst>
             </p:nvPr>
@@ -28647,10 +28891,10 @@
             <p:cNvPr id="31" name="Rectangle 30">
               <a:extLst>
                 <a:ext uri="{FF2B5EF4-FFF2-40B4-BE49-F238E27FC236}">
-                  <a16:creationId xmlns:a16="http://schemas.microsoft.com/office/drawing/2014/main" xmlns="" id="{166E38B6-B050-4340-8E8F-3A971DADC031}"/>
+                  <a16:creationId xmlns:a16="http://schemas.microsoft.com/office/drawing/2014/main" id="{166E38B6-B050-4340-8E8F-3A971DADC031}"/>
                 </a:ext>
                 <a:ext uri="{C183D7F6-B498-43B3-948B-1728B52AA6E4}">
-                  <adec:decorative xmlns:adec="http://schemas.microsoft.com/office/drawing/2017/decorative" xmlns="" val="1"/>
+                  <adec:decorative xmlns:adec="http://schemas.microsoft.com/office/drawing/2017/decorative" val="1"/>
                 </a:ext>
               </a:extLst>
             </p:cNvPr>
@@ -28658,7 +28902,7 @@
             <p:nvPr>
               <p:extLst>
                 <p:ext uri="{386F3935-93C4-4BCD-93E2-E3B085C9AB24}">
-                  <p16:designElem xmlns:p16="http://schemas.microsoft.com/office/powerpoint/2015/main" xmlns="" val="1"/>
+                  <p16:designElem xmlns:p16="http://schemas.microsoft.com/office/powerpoint/2015/main" val="1"/>
                 </p:ext>
               </p:extLst>
             </p:nvPr>
@@ -28711,10 +28955,10 @@
           <p:cNvPr id="33" name="Rectangle 32">
             <a:extLst>
               <a:ext uri="{FF2B5EF4-FFF2-40B4-BE49-F238E27FC236}">
-                <a16:creationId xmlns:a16="http://schemas.microsoft.com/office/drawing/2014/main" xmlns="" id="{2E80C965-DB6D-4F81-9E9E-B027384D0BD6}"/>
+                <a16:creationId xmlns:a16="http://schemas.microsoft.com/office/drawing/2014/main" id="{2E80C965-DB6D-4F81-9E9E-B027384D0BD6}"/>
               </a:ext>
               <a:ext uri="{C183D7F6-B498-43B3-948B-1728B52AA6E4}">
-                <adec:decorative xmlns:adec="http://schemas.microsoft.com/office/drawing/2017/decorative" xmlns="" val="1"/>
+                <adec:decorative xmlns:adec="http://schemas.microsoft.com/office/drawing/2017/decorative" val="1"/>
               </a:ext>
             </a:extLst>
           </p:cNvPr>
@@ -28724,7 +28968,7 @@
           <p:nvPr>
             <p:extLst>
               <p:ext uri="{386F3935-93C4-4BCD-93E2-E3B085C9AB24}">
-                <p16:designElem xmlns:p16="http://schemas.microsoft.com/office/powerpoint/2015/main" xmlns="" val="1"/>
+                <p16:designElem xmlns:p16="http://schemas.microsoft.com/office/powerpoint/2015/main" val="1"/>
               </p:ext>
             </p:extLst>
           </p:nvPr>
@@ -28776,10 +29020,10 @@
           <p:cNvPr id="35" name="Isosceles Triangle 34">
             <a:extLst>
               <a:ext uri="{FF2B5EF4-FFF2-40B4-BE49-F238E27FC236}">
-                <a16:creationId xmlns:a16="http://schemas.microsoft.com/office/drawing/2014/main" xmlns="" id="{633C5E46-DAC5-4661-9C87-22B08E2A512F}"/>
+                <a16:creationId xmlns:a16="http://schemas.microsoft.com/office/drawing/2014/main" id="{633C5E46-DAC5-4661-9C87-22B08E2A512F}"/>
               </a:ext>
               <a:ext uri="{C183D7F6-B498-43B3-948B-1728B52AA6E4}">
-                <adec:decorative xmlns:adec="http://schemas.microsoft.com/office/drawing/2017/decorative" xmlns="" val="1"/>
+                <adec:decorative xmlns:adec="http://schemas.microsoft.com/office/drawing/2017/decorative" val="1"/>
               </a:ext>
             </a:extLst>
           </p:cNvPr>
@@ -28789,7 +29033,7 @@
           <p:nvPr>
             <p:extLst>
               <p:ext uri="{386F3935-93C4-4BCD-93E2-E3B085C9AB24}">
-                <p16:designElem xmlns:p16="http://schemas.microsoft.com/office/powerpoint/2015/main" xmlns="" val="1"/>
+                <p16:designElem xmlns:p16="http://schemas.microsoft.com/office/powerpoint/2015/main" val="1"/>
               </p:ext>
             </p:extLst>
           </p:nvPr>
@@ -28843,7 +29087,7 @@
           <p:cNvPr id="4" name="TextBox 3">
             <a:extLst>
               <a:ext uri="{FF2B5EF4-FFF2-40B4-BE49-F238E27FC236}">
-                <a16:creationId xmlns:a16="http://schemas.microsoft.com/office/drawing/2014/main" xmlns="" id="{AA30CD2F-F220-0E5F-544F-FC701E5F9F6A}"/>
+                <a16:creationId xmlns:a16="http://schemas.microsoft.com/office/drawing/2014/main" id="{AA30CD2F-F220-0E5F-544F-FC701E5F9F6A}"/>
               </a:ext>
             </a:extLst>
           </p:cNvPr>
@@ -28881,7 +29125,7 @@
           <p:cNvPr id="6" name="Picture 5">
             <a:extLst>
               <a:ext uri="{FF2B5EF4-FFF2-40B4-BE49-F238E27FC236}">
-                <a16:creationId xmlns:a16="http://schemas.microsoft.com/office/drawing/2014/main" xmlns="" id="{F127BFC5-8A1A-BE1F-89FE-44FA39B50501}"/>
+                <a16:creationId xmlns:a16="http://schemas.microsoft.com/office/drawing/2014/main" id="{F127BFC5-8A1A-BE1F-89FE-44FA39B50501}"/>
               </a:ext>
             </a:extLst>
           </p:cNvPr>
@@ -28911,7 +29155,7 @@
           <p:cNvPr id="2" name="TextBox 1">
             <a:extLst>
               <a:ext uri="{FF2B5EF4-FFF2-40B4-BE49-F238E27FC236}">
-                <a16:creationId xmlns:a16="http://schemas.microsoft.com/office/drawing/2014/main" xmlns="" id="{8563F755-11F5-A0B7-B0CD-FD86CB286958}"/>
+                <a16:creationId xmlns:a16="http://schemas.microsoft.com/office/drawing/2014/main" id="{8563F755-11F5-A0B7-B0CD-FD86CB286958}"/>
               </a:ext>
             </a:extLst>
           </p:cNvPr>
@@ -28973,7 +29217,7 @@
         <p:cNvPr id="1" name="">
           <a:extLst>
             <a:ext uri="{FF2B5EF4-FFF2-40B4-BE49-F238E27FC236}">
-              <a16:creationId xmlns:a16="http://schemas.microsoft.com/office/drawing/2014/main" xmlns="" id="{43721567-CC8A-A7F3-20FA-1E041D14A7EC}"/>
+              <a16:creationId xmlns:a16="http://schemas.microsoft.com/office/drawing/2014/main" id="{43721567-CC8A-A7F3-20FA-1E041D14A7EC}"/>
             </a:ext>
           </a:extLst>
         </p:cNvPr>
@@ -28993,10 +29237,10 @@
           <p:cNvPr id="27" name="Rectangle 26">
             <a:extLst>
               <a:ext uri="{FF2B5EF4-FFF2-40B4-BE49-F238E27FC236}">
-                <a16:creationId xmlns:a16="http://schemas.microsoft.com/office/drawing/2014/main" xmlns="" id="{86FF76B9-219D-4469-AF87-0236D29032F1}"/>
+                <a16:creationId xmlns:a16="http://schemas.microsoft.com/office/drawing/2014/main" id="{86FF76B9-219D-4469-AF87-0236D29032F1}"/>
               </a:ext>
               <a:ext uri="{C183D7F6-B498-43B3-948B-1728B52AA6E4}">
-                <adec:decorative xmlns:adec="http://schemas.microsoft.com/office/drawing/2017/decorative" xmlns="" val="1"/>
+                <adec:decorative xmlns:adec="http://schemas.microsoft.com/office/drawing/2017/decorative" val="1"/>
               </a:ext>
             </a:extLst>
           </p:cNvPr>
@@ -29006,7 +29250,7 @@
           <p:nvPr>
             <p:extLst>
               <p:ext uri="{386F3935-93C4-4BCD-93E2-E3B085C9AB24}">
-                <p16:designElem xmlns:p16="http://schemas.microsoft.com/office/powerpoint/2015/main" xmlns="" val="1"/>
+                <p16:designElem xmlns:p16="http://schemas.microsoft.com/office/powerpoint/2015/main" val="1"/>
               </p:ext>
             </p:extLst>
           </p:nvPr>
@@ -29056,10 +29300,10 @@
           <p:cNvPr id="29" name="Group 28">
             <a:extLst>
               <a:ext uri="{FF2B5EF4-FFF2-40B4-BE49-F238E27FC236}">
-                <a16:creationId xmlns:a16="http://schemas.microsoft.com/office/drawing/2014/main" xmlns="" id="{DB88BD78-87E1-424D-B479-C37D8E41B12E}"/>
+                <a16:creationId xmlns:a16="http://schemas.microsoft.com/office/drawing/2014/main" id="{DB88BD78-87E1-424D-B479-C37D8E41B12E}"/>
               </a:ext>
               <a:ext uri="{C183D7F6-B498-43B3-948B-1728B52AA6E4}">
-                <adec:decorative xmlns:adec="http://schemas.microsoft.com/office/drawing/2017/decorative" xmlns="" val="1"/>
+                <adec:decorative xmlns:adec="http://schemas.microsoft.com/office/drawing/2017/decorative" val="1"/>
               </a:ext>
             </a:extLst>
           </p:cNvPr>
@@ -29069,7 +29313,7 @@
           <p:nvPr>
             <p:extLst>
               <p:ext uri="{386F3935-93C4-4BCD-93E2-E3B085C9AB24}">
-                <p16:designElem xmlns:p16="http://schemas.microsoft.com/office/powerpoint/2015/main" xmlns="" val="1"/>
+                <p16:designElem xmlns:p16="http://schemas.microsoft.com/office/powerpoint/2015/main" val="1"/>
               </p:ext>
             </p:extLst>
           </p:nvPr>
@@ -29087,10 +29331,10 @@
             <p:cNvPr id="30" name="Freeform: Shape 29">
               <a:extLst>
                 <a:ext uri="{FF2B5EF4-FFF2-40B4-BE49-F238E27FC236}">
-                  <a16:creationId xmlns:a16="http://schemas.microsoft.com/office/drawing/2014/main" xmlns="" id="{C05EB894-9410-4B20-95E4-7A25101AB895}"/>
+                  <a16:creationId xmlns:a16="http://schemas.microsoft.com/office/drawing/2014/main" id="{C05EB894-9410-4B20-95E4-7A25101AB895}"/>
                 </a:ext>
                 <a:ext uri="{C183D7F6-B498-43B3-948B-1728B52AA6E4}">
-                  <adec:decorative xmlns:adec="http://schemas.microsoft.com/office/drawing/2017/decorative" xmlns="" val="1"/>
+                  <adec:decorative xmlns:adec="http://schemas.microsoft.com/office/drawing/2017/decorative" val="1"/>
                 </a:ext>
               </a:extLst>
             </p:cNvPr>
@@ -29098,7 +29342,7 @@
             <p:nvPr>
               <p:extLst>
                 <p:ext uri="{386F3935-93C4-4BCD-93E2-E3B085C9AB24}">
-                  <p16:designElem xmlns:p16="http://schemas.microsoft.com/office/powerpoint/2015/main" xmlns="" val="1"/>
+                  <p16:designElem xmlns:p16="http://schemas.microsoft.com/office/powerpoint/2015/main" val="1"/>
                 </p:ext>
               </p:extLst>
             </p:nvPr>
@@ -29201,10 +29445,10 @@
             <p:cNvPr id="31" name="Rectangle 30">
               <a:extLst>
                 <a:ext uri="{FF2B5EF4-FFF2-40B4-BE49-F238E27FC236}">
-                  <a16:creationId xmlns:a16="http://schemas.microsoft.com/office/drawing/2014/main" xmlns="" id="{166E38B6-B050-4340-8E8F-3A971DADC031}"/>
+                  <a16:creationId xmlns:a16="http://schemas.microsoft.com/office/drawing/2014/main" id="{166E38B6-B050-4340-8E8F-3A971DADC031}"/>
                 </a:ext>
                 <a:ext uri="{C183D7F6-B498-43B3-948B-1728B52AA6E4}">
-                  <adec:decorative xmlns:adec="http://schemas.microsoft.com/office/drawing/2017/decorative" xmlns="" val="1"/>
+                  <adec:decorative xmlns:adec="http://schemas.microsoft.com/office/drawing/2017/decorative" val="1"/>
                 </a:ext>
               </a:extLst>
             </p:cNvPr>
@@ -29212,7 +29456,7 @@
             <p:nvPr>
               <p:extLst>
                 <p:ext uri="{386F3935-93C4-4BCD-93E2-E3B085C9AB24}">
-                  <p16:designElem xmlns:p16="http://schemas.microsoft.com/office/powerpoint/2015/main" xmlns="" val="1"/>
+                  <p16:designElem xmlns:p16="http://schemas.microsoft.com/office/powerpoint/2015/main" val="1"/>
                 </p:ext>
               </p:extLst>
             </p:nvPr>
@@ -29265,10 +29509,10 @@
           <p:cNvPr id="33" name="Rectangle 32">
             <a:extLst>
               <a:ext uri="{FF2B5EF4-FFF2-40B4-BE49-F238E27FC236}">
-                <a16:creationId xmlns:a16="http://schemas.microsoft.com/office/drawing/2014/main" xmlns="" id="{2E80C965-DB6D-4F81-9E9E-B027384D0BD6}"/>
+                <a16:creationId xmlns:a16="http://schemas.microsoft.com/office/drawing/2014/main" id="{2E80C965-DB6D-4F81-9E9E-B027384D0BD6}"/>
               </a:ext>
               <a:ext uri="{C183D7F6-B498-43B3-948B-1728B52AA6E4}">
-                <adec:decorative xmlns:adec="http://schemas.microsoft.com/office/drawing/2017/decorative" xmlns="" val="1"/>
+                <adec:decorative xmlns:adec="http://schemas.microsoft.com/office/drawing/2017/decorative" val="1"/>
               </a:ext>
             </a:extLst>
           </p:cNvPr>
@@ -29278,7 +29522,7 @@
           <p:nvPr>
             <p:extLst>
               <p:ext uri="{386F3935-93C4-4BCD-93E2-E3B085C9AB24}">
-                <p16:designElem xmlns:p16="http://schemas.microsoft.com/office/powerpoint/2015/main" xmlns="" val="1"/>
+                <p16:designElem xmlns:p16="http://schemas.microsoft.com/office/powerpoint/2015/main" val="1"/>
               </p:ext>
             </p:extLst>
           </p:nvPr>
@@ -29330,10 +29574,10 @@
           <p:cNvPr id="35" name="Isosceles Triangle 34">
             <a:extLst>
               <a:ext uri="{FF2B5EF4-FFF2-40B4-BE49-F238E27FC236}">
-                <a16:creationId xmlns:a16="http://schemas.microsoft.com/office/drawing/2014/main" xmlns="" id="{633C5E46-DAC5-4661-9C87-22B08E2A512F}"/>
+                <a16:creationId xmlns:a16="http://schemas.microsoft.com/office/drawing/2014/main" id="{633C5E46-DAC5-4661-9C87-22B08E2A512F}"/>
               </a:ext>
               <a:ext uri="{C183D7F6-B498-43B3-948B-1728B52AA6E4}">
-                <adec:decorative xmlns:adec="http://schemas.microsoft.com/office/drawing/2017/decorative" xmlns="" val="1"/>
+                <adec:decorative xmlns:adec="http://schemas.microsoft.com/office/drawing/2017/decorative" val="1"/>
               </a:ext>
             </a:extLst>
           </p:cNvPr>
@@ -29343,7 +29587,7 @@
           <p:nvPr>
             <p:extLst>
               <p:ext uri="{386F3935-93C4-4BCD-93E2-E3B085C9AB24}">
-                <p16:designElem xmlns:p16="http://schemas.microsoft.com/office/powerpoint/2015/main" xmlns="" val="1"/>
+                <p16:designElem xmlns:p16="http://schemas.microsoft.com/office/powerpoint/2015/main" val="1"/>
               </p:ext>
             </p:extLst>
           </p:nvPr>
@@ -29397,7 +29641,7 @@
           <p:cNvPr id="4" name="TextBox 3">
             <a:extLst>
               <a:ext uri="{FF2B5EF4-FFF2-40B4-BE49-F238E27FC236}">
-                <a16:creationId xmlns:a16="http://schemas.microsoft.com/office/drawing/2014/main" xmlns="" id="{AA30CD2F-F220-0E5F-544F-FC701E5F9F6A}"/>
+                <a16:creationId xmlns:a16="http://schemas.microsoft.com/office/drawing/2014/main" id="{AA30CD2F-F220-0E5F-544F-FC701E5F9F6A}"/>
               </a:ext>
             </a:extLst>
           </p:cNvPr>
@@ -29435,7 +29679,7 @@
           <p:cNvPr id="8" name="Picture 7">
             <a:extLst>
               <a:ext uri="{FF2B5EF4-FFF2-40B4-BE49-F238E27FC236}">
-                <a16:creationId xmlns:a16="http://schemas.microsoft.com/office/drawing/2014/main" xmlns="" id="{E739D135-5263-E8AF-FB9B-50963AA8AE99}"/>
+                <a16:creationId xmlns:a16="http://schemas.microsoft.com/office/drawing/2014/main" id="{E739D135-5263-E8AF-FB9B-50963AA8AE99}"/>
               </a:ext>
             </a:extLst>
           </p:cNvPr>
@@ -29488,7 +29732,7 @@
         <p:cNvPr id="1" name="">
           <a:extLst>
             <a:ext uri="{FF2B5EF4-FFF2-40B4-BE49-F238E27FC236}">
-              <a16:creationId xmlns:a16="http://schemas.microsoft.com/office/drawing/2014/main" xmlns="" id="{70E4827D-FA93-1341-12C6-77721C36F92A}"/>
+              <a16:creationId xmlns:a16="http://schemas.microsoft.com/office/drawing/2014/main" id="{70E4827D-FA93-1341-12C6-77721C36F92A}"/>
             </a:ext>
           </a:extLst>
         </p:cNvPr>
@@ -29508,10 +29752,10 @@
           <p:cNvPr id="27" name="Rectangle 26">
             <a:extLst>
               <a:ext uri="{FF2B5EF4-FFF2-40B4-BE49-F238E27FC236}">
-                <a16:creationId xmlns:a16="http://schemas.microsoft.com/office/drawing/2014/main" xmlns="" id="{DE2787E3-913E-2363-C94D-1D76F979980A}"/>
+                <a16:creationId xmlns:a16="http://schemas.microsoft.com/office/drawing/2014/main" id="{DE2787E3-913E-2363-C94D-1D76F979980A}"/>
               </a:ext>
               <a:ext uri="{C183D7F6-B498-43B3-948B-1728B52AA6E4}">
-                <adec:decorative xmlns:adec="http://schemas.microsoft.com/office/drawing/2017/decorative" xmlns="" val="1"/>
+                <adec:decorative xmlns:adec="http://schemas.microsoft.com/office/drawing/2017/decorative" val="1"/>
               </a:ext>
             </a:extLst>
           </p:cNvPr>
@@ -29521,7 +29765,7 @@
           <p:nvPr>
             <p:extLst>
               <p:ext uri="{386F3935-93C4-4BCD-93E2-E3B085C9AB24}">
-                <p16:designElem xmlns:p16="http://schemas.microsoft.com/office/powerpoint/2015/main" xmlns="" val="1"/>
+                <p16:designElem xmlns:p16="http://schemas.microsoft.com/office/powerpoint/2015/main" val="1"/>
               </p:ext>
             </p:extLst>
           </p:nvPr>
@@ -29571,10 +29815,10 @@
           <p:cNvPr id="29" name="Group 28">
             <a:extLst>
               <a:ext uri="{FF2B5EF4-FFF2-40B4-BE49-F238E27FC236}">
-                <a16:creationId xmlns:a16="http://schemas.microsoft.com/office/drawing/2014/main" xmlns="" id="{1DE4C16E-0B4D-1171-1AF0-D8934765E7D3}"/>
+                <a16:creationId xmlns:a16="http://schemas.microsoft.com/office/drawing/2014/main" id="{1DE4C16E-0B4D-1171-1AF0-D8934765E7D3}"/>
               </a:ext>
               <a:ext uri="{C183D7F6-B498-43B3-948B-1728B52AA6E4}">
-                <adec:decorative xmlns:adec="http://schemas.microsoft.com/office/drawing/2017/decorative" xmlns="" val="1"/>
+                <adec:decorative xmlns:adec="http://schemas.microsoft.com/office/drawing/2017/decorative" val="1"/>
               </a:ext>
             </a:extLst>
           </p:cNvPr>
@@ -29584,7 +29828,7 @@
           <p:nvPr>
             <p:extLst>
               <p:ext uri="{386F3935-93C4-4BCD-93E2-E3B085C9AB24}">
-                <p16:designElem xmlns:p16="http://schemas.microsoft.com/office/powerpoint/2015/main" xmlns="" val="1"/>
+                <p16:designElem xmlns:p16="http://schemas.microsoft.com/office/powerpoint/2015/main" val="1"/>
               </p:ext>
             </p:extLst>
           </p:nvPr>
@@ -29602,10 +29846,10 @@
             <p:cNvPr id="30" name="Freeform: Shape 29">
               <a:extLst>
                 <a:ext uri="{FF2B5EF4-FFF2-40B4-BE49-F238E27FC236}">
-                  <a16:creationId xmlns:a16="http://schemas.microsoft.com/office/drawing/2014/main" xmlns="" id="{B1219E35-B86C-7398-CFCB-3057BEEB9EE1}"/>
+                  <a16:creationId xmlns:a16="http://schemas.microsoft.com/office/drawing/2014/main" id="{B1219E35-B86C-7398-CFCB-3057BEEB9EE1}"/>
                 </a:ext>
                 <a:ext uri="{C183D7F6-B498-43B3-948B-1728B52AA6E4}">
-                  <adec:decorative xmlns:adec="http://schemas.microsoft.com/office/drawing/2017/decorative" xmlns="" val="1"/>
+                  <adec:decorative xmlns:adec="http://schemas.microsoft.com/office/drawing/2017/decorative" val="1"/>
                 </a:ext>
               </a:extLst>
             </p:cNvPr>
@@ -29613,7 +29857,7 @@
             <p:nvPr>
               <p:extLst>
                 <p:ext uri="{386F3935-93C4-4BCD-93E2-E3B085C9AB24}">
-                  <p16:designElem xmlns:p16="http://schemas.microsoft.com/office/powerpoint/2015/main" xmlns="" val="1"/>
+                  <p16:designElem xmlns:p16="http://schemas.microsoft.com/office/powerpoint/2015/main" val="1"/>
                 </p:ext>
               </p:extLst>
             </p:nvPr>
@@ -29716,10 +29960,10 @@
             <p:cNvPr id="31" name="Rectangle 30">
               <a:extLst>
                 <a:ext uri="{FF2B5EF4-FFF2-40B4-BE49-F238E27FC236}">
-                  <a16:creationId xmlns:a16="http://schemas.microsoft.com/office/drawing/2014/main" xmlns="" id="{FB3469AA-404B-091F-684D-2479FFABF035}"/>
+                  <a16:creationId xmlns:a16="http://schemas.microsoft.com/office/drawing/2014/main" id="{FB3469AA-404B-091F-684D-2479FFABF035}"/>
                 </a:ext>
                 <a:ext uri="{C183D7F6-B498-43B3-948B-1728B52AA6E4}">
-                  <adec:decorative xmlns:adec="http://schemas.microsoft.com/office/drawing/2017/decorative" xmlns="" val="1"/>
+                  <adec:decorative xmlns:adec="http://schemas.microsoft.com/office/drawing/2017/decorative" val="1"/>
                 </a:ext>
               </a:extLst>
             </p:cNvPr>
@@ -29727,7 +29971,7 @@
             <p:nvPr>
               <p:extLst>
                 <p:ext uri="{386F3935-93C4-4BCD-93E2-E3B085C9AB24}">
-                  <p16:designElem xmlns:p16="http://schemas.microsoft.com/office/powerpoint/2015/main" xmlns="" val="1"/>
+                  <p16:designElem xmlns:p16="http://schemas.microsoft.com/office/powerpoint/2015/main" val="1"/>
                 </p:ext>
               </p:extLst>
             </p:nvPr>
@@ -29780,10 +30024,10 @@
           <p:cNvPr id="33" name="Rectangle 32">
             <a:extLst>
               <a:ext uri="{FF2B5EF4-FFF2-40B4-BE49-F238E27FC236}">
-                <a16:creationId xmlns:a16="http://schemas.microsoft.com/office/drawing/2014/main" xmlns="" id="{B7073EDB-4528-B259-D07A-6FF38339B31A}"/>
+                <a16:creationId xmlns:a16="http://schemas.microsoft.com/office/drawing/2014/main" id="{B7073EDB-4528-B259-D07A-6FF38339B31A}"/>
               </a:ext>
               <a:ext uri="{C183D7F6-B498-43B3-948B-1728B52AA6E4}">
-                <adec:decorative xmlns:adec="http://schemas.microsoft.com/office/drawing/2017/decorative" xmlns="" val="1"/>
+                <adec:decorative xmlns:adec="http://schemas.microsoft.com/office/drawing/2017/decorative" val="1"/>
               </a:ext>
             </a:extLst>
           </p:cNvPr>
@@ -29793,7 +30037,7 @@
           <p:nvPr>
             <p:extLst>
               <p:ext uri="{386F3935-93C4-4BCD-93E2-E3B085C9AB24}">
-                <p16:designElem xmlns:p16="http://schemas.microsoft.com/office/powerpoint/2015/main" xmlns="" val="1"/>
+                <p16:designElem xmlns:p16="http://schemas.microsoft.com/office/powerpoint/2015/main" val="1"/>
               </p:ext>
             </p:extLst>
           </p:nvPr>
@@ -29845,10 +30089,10 @@
           <p:cNvPr id="35" name="Isosceles Triangle 34">
             <a:extLst>
               <a:ext uri="{FF2B5EF4-FFF2-40B4-BE49-F238E27FC236}">
-                <a16:creationId xmlns:a16="http://schemas.microsoft.com/office/drawing/2014/main" xmlns="" id="{C111DA31-D09F-8393-520F-73770EA179FA}"/>
+                <a16:creationId xmlns:a16="http://schemas.microsoft.com/office/drawing/2014/main" id="{C111DA31-D09F-8393-520F-73770EA179FA}"/>
               </a:ext>
               <a:ext uri="{C183D7F6-B498-43B3-948B-1728B52AA6E4}">
-                <adec:decorative xmlns:adec="http://schemas.microsoft.com/office/drawing/2017/decorative" xmlns="" val="1"/>
+                <adec:decorative xmlns:adec="http://schemas.microsoft.com/office/drawing/2017/decorative" val="1"/>
               </a:ext>
             </a:extLst>
           </p:cNvPr>
@@ -29858,7 +30102,7 @@
           <p:nvPr>
             <p:extLst>
               <p:ext uri="{386F3935-93C4-4BCD-93E2-E3B085C9AB24}">
-                <p16:designElem xmlns:p16="http://schemas.microsoft.com/office/powerpoint/2015/main" xmlns="" val="1"/>
+                <p16:designElem xmlns:p16="http://schemas.microsoft.com/office/powerpoint/2015/main" val="1"/>
               </p:ext>
             </p:extLst>
           </p:nvPr>
@@ -29912,7 +30156,7 @@
           <p:cNvPr id="2" name="Picture 1">
             <a:extLst>
               <a:ext uri="{FF2B5EF4-FFF2-40B4-BE49-F238E27FC236}">
-                <a16:creationId xmlns:a16="http://schemas.microsoft.com/office/drawing/2014/main" xmlns="" id="{B0D09405-DF54-A9DA-B577-B5C163B12EEA}"/>
+                <a16:creationId xmlns:a16="http://schemas.microsoft.com/office/drawing/2014/main" id="{B0D09405-DF54-A9DA-B577-B5C163B12EEA}"/>
               </a:ext>
             </a:extLst>
           </p:cNvPr>
@@ -29941,7 +30185,7 @@
           <p:cNvPr id="3" name="TextBox 2">
             <a:extLst>
               <a:ext uri="{FF2B5EF4-FFF2-40B4-BE49-F238E27FC236}">
-                <a16:creationId xmlns:a16="http://schemas.microsoft.com/office/drawing/2014/main" xmlns="" id="{A07A71D1-DF9D-B94A-43FB-DF518BF0E32E}"/>
+                <a16:creationId xmlns:a16="http://schemas.microsoft.com/office/drawing/2014/main" id="{A07A71D1-DF9D-B94A-43FB-DF518BF0E32E}"/>
               </a:ext>
             </a:extLst>
           </p:cNvPr>
@@ -30003,7 +30247,7 @@
         <p:cNvPr id="1" name="">
           <a:extLst>
             <a:ext uri="{FF2B5EF4-FFF2-40B4-BE49-F238E27FC236}">
-              <a16:creationId xmlns:a16="http://schemas.microsoft.com/office/drawing/2014/main" xmlns="" id="{8C10D4AF-D2B4-5A43-3193-64BE0EC66DAF}"/>
+              <a16:creationId xmlns:a16="http://schemas.microsoft.com/office/drawing/2014/main" id="{8C10D4AF-D2B4-5A43-3193-64BE0EC66DAF}"/>
             </a:ext>
           </a:extLst>
         </p:cNvPr>
@@ -30023,10 +30267,10 @@
           <p:cNvPr id="27" name="Rectangle 26">
             <a:extLst>
               <a:ext uri="{FF2B5EF4-FFF2-40B4-BE49-F238E27FC236}">
-                <a16:creationId xmlns:a16="http://schemas.microsoft.com/office/drawing/2014/main" xmlns="" id="{3876AB3A-66F7-DD52-0EFD-1441D7B21AA1}"/>
+                <a16:creationId xmlns:a16="http://schemas.microsoft.com/office/drawing/2014/main" id="{3876AB3A-66F7-DD52-0EFD-1441D7B21AA1}"/>
               </a:ext>
               <a:ext uri="{C183D7F6-B498-43B3-948B-1728B52AA6E4}">
-                <adec:decorative xmlns:adec="http://schemas.microsoft.com/office/drawing/2017/decorative" xmlns="" val="1"/>
+                <adec:decorative xmlns:adec="http://schemas.microsoft.com/office/drawing/2017/decorative" val="1"/>
               </a:ext>
             </a:extLst>
           </p:cNvPr>
@@ -30036,7 +30280,7 @@
           <p:nvPr>
             <p:extLst>
               <p:ext uri="{386F3935-93C4-4BCD-93E2-E3B085C9AB24}">
-                <p16:designElem xmlns:p16="http://schemas.microsoft.com/office/powerpoint/2015/main" xmlns="" val="1"/>
+                <p16:designElem xmlns:p16="http://schemas.microsoft.com/office/powerpoint/2015/main" val="1"/>
               </p:ext>
             </p:extLst>
           </p:nvPr>
@@ -30086,10 +30330,10 @@
           <p:cNvPr id="4" name="Rectangle 3">
             <a:extLst>
               <a:ext uri="{FF2B5EF4-FFF2-40B4-BE49-F238E27FC236}">
-                <a16:creationId xmlns:a16="http://schemas.microsoft.com/office/drawing/2014/main" xmlns="" id="{BA072E84-FD9C-903F-254B-786D2344CE93}"/>
+                <a16:creationId xmlns:a16="http://schemas.microsoft.com/office/drawing/2014/main" id="{BA072E84-FD9C-903F-254B-786D2344CE93}"/>
               </a:ext>
               <a:ext uri="{C183D7F6-B498-43B3-948B-1728B52AA6E4}">
-                <adec:decorative xmlns:adec="http://schemas.microsoft.com/office/drawing/2017/decorative" xmlns="" val="1"/>
+                <adec:decorative xmlns:adec="http://schemas.microsoft.com/office/drawing/2017/decorative" val="1"/>
               </a:ext>
             </a:extLst>
           </p:cNvPr>
@@ -30097,7 +30341,7 @@
           <p:nvPr>
             <p:extLst>
               <p:ext uri="{386F3935-93C4-4BCD-93E2-E3B085C9AB24}">
-                <p16:designElem xmlns:p16="http://schemas.microsoft.com/office/powerpoint/2015/main" xmlns="" val="1"/>
+                <p16:designElem xmlns:p16="http://schemas.microsoft.com/office/powerpoint/2015/main" val="1"/>
               </p:ext>
             </p:extLst>
           </p:nvPr>
@@ -30144,10 +30388,10 @@
           <p:cNvPr id="29" name="Group 28">
             <a:extLst>
               <a:ext uri="{FF2B5EF4-FFF2-40B4-BE49-F238E27FC236}">
-                <a16:creationId xmlns:a16="http://schemas.microsoft.com/office/drawing/2014/main" xmlns="" id="{2BC39B7A-F362-2A32-AE7A-8E22BA70B802}"/>
+                <a16:creationId xmlns:a16="http://schemas.microsoft.com/office/drawing/2014/main" id="{2BC39B7A-F362-2A32-AE7A-8E22BA70B802}"/>
               </a:ext>
               <a:ext uri="{C183D7F6-B498-43B3-948B-1728B52AA6E4}">
-                <adec:decorative xmlns:adec="http://schemas.microsoft.com/office/drawing/2017/decorative" xmlns="" val="1"/>
+                <adec:decorative xmlns:adec="http://schemas.microsoft.com/office/drawing/2017/decorative" val="1"/>
               </a:ext>
             </a:extLst>
           </p:cNvPr>
@@ -30157,7 +30401,7 @@
           <p:nvPr>
             <p:extLst>
               <p:ext uri="{386F3935-93C4-4BCD-93E2-E3B085C9AB24}">
-                <p16:designElem xmlns:p16="http://schemas.microsoft.com/office/powerpoint/2015/main" xmlns="" val="1"/>
+                <p16:designElem xmlns:p16="http://schemas.microsoft.com/office/powerpoint/2015/main" val="1"/>
               </p:ext>
             </p:extLst>
           </p:nvPr>
@@ -30175,10 +30419,10 @@
             <p:cNvPr id="30" name="Freeform: Shape 29">
               <a:extLst>
                 <a:ext uri="{FF2B5EF4-FFF2-40B4-BE49-F238E27FC236}">
-                  <a16:creationId xmlns:a16="http://schemas.microsoft.com/office/drawing/2014/main" xmlns="" id="{217EBE0F-0125-9C1A-A341-8FB323A34866}"/>
+                  <a16:creationId xmlns:a16="http://schemas.microsoft.com/office/drawing/2014/main" id="{217EBE0F-0125-9C1A-A341-8FB323A34866}"/>
                 </a:ext>
                 <a:ext uri="{C183D7F6-B498-43B3-948B-1728B52AA6E4}">
-                  <adec:decorative xmlns:adec="http://schemas.microsoft.com/office/drawing/2017/decorative" xmlns="" val="1"/>
+                  <adec:decorative xmlns:adec="http://schemas.microsoft.com/office/drawing/2017/decorative" val="1"/>
                 </a:ext>
               </a:extLst>
             </p:cNvPr>
@@ -30186,7 +30430,7 @@
             <p:nvPr>
               <p:extLst>
                 <p:ext uri="{386F3935-93C4-4BCD-93E2-E3B085C9AB24}">
-                  <p16:designElem xmlns:p16="http://schemas.microsoft.com/office/powerpoint/2015/main" xmlns="" val="1"/>
+                  <p16:designElem xmlns:p16="http://schemas.microsoft.com/office/powerpoint/2015/main" val="1"/>
                 </p:ext>
               </p:extLst>
             </p:nvPr>
@@ -30289,10 +30533,10 @@
             <p:cNvPr id="31" name="Rectangle 30">
               <a:extLst>
                 <a:ext uri="{FF2B5EF4-FFF2-40B4-BE49-F238E27FC236}">
-                  <a16:creationId xmlns:a16="http://schemas.microsoft.com/office/drawing/2014/main" xmlns="" id="{494A396C-C4D8-3A39-535F-8E8B176C30EF}"/>
+                  <a16:creationId xmlns:a16="http://schemas.microsoft.com/office/drawing/2014/main" id="{494A396C-C4D8-3A39-535F-8E8B176C30EF}"/>
                 </a:ext>
                 <a:ext uri="{C183D7F6-B498-43B3-948B-1728B52AA6E4}">
-                  <adec:decorative xmlns:adec="http://schemas.microsoft.com/office/drawing/2017/decorative" xmlns="" val="1"/>
+                  <adec:decorative xmlns:adec="http://schemas.microsoft.com/office/drawing/2017/decorative" val="1"/>
                 </a:ext>
               </a:extLst>
             </p:cNvPr>
@@ -30300,7 +30544,7 @@
             <p:nvPr>
               <p:extLst>
                 <p:ext uri="{386F3935-93C4-4BCD-93E2-E3B085C9AB24}">
-                  <p16:designElem xmlns:p16="http://schemas.microsoft.com/office/powerpoint/2015/main" xmlns="" val="1"/>
+                  <p16:designElem xmlns:p16="http://schemas.microsoft.com/office/powerpoint/2015/main" val="1"/>
                 </p:ext>
               </p:extLst>
             </p:nvPr>
@@ -30353,10 +30597,10 @@
           <p:cNvPr id="33" name="Rectangle 32">
             <a:extLst>
               <a:ext uri="{FF2B5EF4-FFF2-40B4-BE49-F238E27FC236}">
-                <a16:creationId xmlns:a16="http://schemas.microsoft.com/office/drawing/2014/main" xmlns="" id="{C7079BC6-D1A9-77C1-1DFF-7458C9145A54}"/>
+                <a16:creationId xmlns:a16="http://schemas.microsoft.com/office/drawing/2014/main" id="{C7079BC6-D1A9-77C1-1DFF-7458C9145A54}"/>
               </a:ext>
               <a:ext uri="{C183D7F6-B498-43B3-948B-1728B52AA6E4}">
-                <adec:decorative xmlns:adec="http://schemas.microsoft.com/office/drawing/2017/decorative" xmlns="" val="1"/>
+                <adec:decorative xmlns:adec="http://schemas.microsoft.com/office/drawing/2017/decorative" val="1"/>
               </a:ext>
             </a:extLst>
           </p:cNvPr>
@@ -30366,7 +30610,7 @@
           <p:nvPr>
             <p:extLst>
               <p:ext uri="{386F3935-93C4-4BCD-93E2-E3B085C9AB24}">
-                <p16:designElem xmlns:p16="http://schemas.microsoft.com/office/powerpoint/2015/main" xmlns="" val="1"/>
+                <p16:designElem xmlns:p16="http://schemas.microsoft.com/office/powerpoint/2015/main" val="1"/>
               </p:ext>
             </p:extLst>
           </p:nvPr>
@@ -30418,10 +30662,10 @@
           <p:cNvPr id="35" name="Isosceles Triangle 34">
             <a:extLst>
               <a:ext uri="{FF2B5EF4-FFF2-40B4-BE49-F238E27FC236}">
-                <a16:creationId xmlns:a16="http://schemas.microsoft.com/office/drawing/2014/main" xmlns="" id="{86E863FB-6F14-C999-2015-4803D694F098}"/>
+                <a16:creationId xmlns:a16="http://schemas.microsoft.com/office/drawing/2014/main" id="{86E863FB-6F14-C999-2015-4803D694F098}"/>
               </a:ext>
               <a:ext uri="{C183D7F6-B498-43B3-948B-1728B52AA6E4}">
-                <adec:decorative xmlns:adec="http://schemas.microsoft.com/office/drawing/2017/decorative" xmlns="" val="1"/>
+                <adec:decorative xmlns:adec="http://schemas.microsoft.com/office/drawing/2017/decorative" val="1"/>
               </a:ext>
             </a:extLst>
           </p:cNvPr>
@@ -30431,7 +30675,7 @@
           <p:nvPr>
             <p:extLst>
               <p:ext uri="{386F3935-93C4-4BCD-93E2-E3B085C9AB24}">
-                <p16:designElem xmlns:p16="http://schemas.microsoft.com/office/powerpoint/2015/main" xmlns="" val="1"/>
+                <p16:designElem xmlns:p16="http://schemas.microsoft.com/office/powerpoint/2015/main" val="1"/>
               </p:ext>
             </p:extLst>
           </p:nvPr>
@@ -30485,7 +30729,7 @@
           <p:cNvPr id="5" name="TextBox 4">
             <a:extLst>
               <a:ext uri="{FF2B5EF4-FFF2-40B4-BE49-F238E27FC236}">
-                <a16:creationId xmlns:a16="http://schemas.microsoft.com/office/drawing/2014/main" xmlns="" id="{01ACD746-3C8B-368F-61C6-296C97DF35E5}"/>
+                <a16:creationId xmlns:a16="http://schemas.microsoft.com/office/drawing/2014/main" id="{01ACD746-3C8B-368F-61C6-296C97DF35E5}"/>
               </a:ext>
             </a:extLst>
           </p:cNvPr>
@@ -30523,7 +30767,7 @@
           <p:cNvPr id="6" name="Picture 5" descr="A graph of scatter plot&#10;&#10;Description automatically generated">
             <a:extLst>
               <a:ext uri="{FF2B5EF4-FFF2-40B4-BE49-F238E27FC236}">
-                <a16:creationId xmlns:a16="http://schemas.microsoft.com/office/drawing/2014/main" xmlns="" id="{CD3A66E3-6703-FB43-50A9-2272F442AD79}"/>
+                <a16:creationId xmlns:a16="http://schemas.microsoft.com/office/drawing/2014/main" id="{CD3A66E3-6703-FB43-50A9-2272F442AD79}"/>
               </a:ext>
             </a:extLst>
           </p:cNvPr>
@@ -30552,7 +30796,7 @@
           <p:cNvPr id="7" name="Picture 6">
             <a:extLst>
               <a:ext uri="{FF2B5EF4-FFF2-40B4-BE49-F238E27FC236}">
-                <a16:creationId xmlns:a16="http://schemas.microsoft.com/office/drawing/2014/main" xmlns="" id="{04D5EFC4-2CCC-C0CC-8969-BFF26379F320}"/>
+                <a16:creationId xmlns:a16="http://schemas.microsoft.com/office/drawing/2014/main" id="{04D5EFC4-2CCC-C0CC-8969-BFF26379F320}"/>
               </a:ext>
             </a:extLst>
           </p:cNvPr>
@@ -30582,7 +30826,7 @@
           <p:cNvPr id="8" name="Picture 7">
             <a:extLst>
               <a:ext uri="{FF2B5EF4-FFF2-40B4-BE49-F238E27FC236}">
-                <a16:creationId xmlns:a16="http://schemas.microsoft.com/office/drawing/2014/main" xmlns="" id="{1FAE35A6-5D7F-2BB8-EEB9-5E877F29EE0F}"/>
+                <a16:creationId xmlns:a16="http://schemas.microsoft.com/office/drawing/2014/main" id="{1FAE35A6-5D7F-2BB8-EEB9-5E877F29EE0F}"/>
               </a:ext>
             </a:extLst>
           </p:cNvPr>
@@ -30737,7 +30981,7 @@
         <p:cNvPr id="1" name="">
           <a:extLst>
             <a:ext uri="{FF2B5EF4-FFF2-40B4-BE49-F238E27FC236}">
-              <a16:creationId xmlns:a16="http://schemas.microsoft.com/office/drawing/2014/main" xmlns="" id="{597FC33D-E98D-55D5-AB02-9FAE4EED86D1}"/>
+              <a16:creationId xmlns:a16="http://schemas.microsoft.com/office/drawing/2014/main" id="{597FC33D-E98D-55D5-AB02-9FAE4EED86D1}"/>
             </a:ext>
           </a:extLst>
         </p:cNvPr>
@@ -30757,10 +31001,10 @@
           <p:cNvPr id="27" name="Rectangle 26">
             <a:extLst>
               <a:ext uri="{FF2B5EF4-FFF2-40B4-BE49-F238E27FC236}">
-                <a16:creationId xmlns:a16="http://schemas.microsoft.com/office/drawing/2014/main" xmlns="" id="{D46594EA-21FE-36D8-A04C-1207E04E2DE2}"/>
+                <a16:creationId xmlns:a16="http://schemas.microsoft.com/office/drawing/2014/main" id="{D46594EA-21FE-36D8-A04C-1207E04E2DE2}"/>
               </a:ext>
               <a:ext uri="{C183D7F6-B498-43B3-948B-1728B52AA6E4}">
-                <adec:decorative xmlns:adec="http://schemas.microsoft.com/office/drawing/2017/decorative" xmlns="" val="1"/>
+                <adec:decorative xmlns:adec="http://schemas.microsoft.com/office/drawing/2017/decorative" val="1"/>
               </a:ext>
             </a:extLst>
           </p:cNvPr>
@@ -30770,7 +31014,7 @@
           <p:nvPr>
             <p:extLst>
               <p:ext uri="{386F3935-93C4-4BCD-93E2-E3B085C9AB24}">
-                <p16:designElem xmlns:p16="http://schemas.microsoft.com/office/powerpoint/2015/main" xmlns="" val="1"/>
+                <p16:designElem xmlns:p16="http://schemas.microsoft.com/office/powerpoint/2015/main" val="1"/>
               </p:ext>
             </p:extLst>
           </p:nvPr>
@@ -30820,10 +31064,10 @@
           <p:cNvPr id="29" name="Group 28">
             <a:extLst>
               <a:ext uri="{FF2B5EF4-FFF2-40B4-BE49-F238E27FC236}">
-                <a16:creationId xmlns:a16="http://schemas.microsoft.com/office/drawing/2014/main" xmlns="" id="{6F67F534-9A71-ED9B-447B-9627E8562D35}"/>
+                <a16:creationId xmlns:a16="http://schemas.microsoft.com/office/drawing/2014/main" id="{6F67F534-9A71-ED9B-447B-9627E8562D35}"/>
               </a:ext>
               <a:ext uri="{C183D7F6-B498-43B3-948B-1728B52AA6E4}">
-                <adec:decorative xmlns:adec="http://schemas.microsoft.com/office/drawing/2017/decorative" xmlns="" val="1"/>
+                <adec:decorative xmlns:adec="http://schemas.microsoft.com/office/drawing/2017/decorative" val="1"/>
               </a:ext>
             </a:extLst>
           </p:cNvPr>
@@ -30833,7 +31077,7 @@
           <p:nvPr>
             <p:extLst>
               <p:ext uri="{386F3935-93C4-4BCD-93E2-E3B085C9AB24}">
-                <p16:designElem xmlns:p16="http://schemas.microsoft.com/office/powerpoint/2015/main" xmlns="" val="1"/>
+                <p16:designElem xmlns:p16="http://schemas.microsoft.com/office/powerpoint/2015/main" val="1"/>
               </p:ext>
             </p:extLst>
           </p:nvPr>
@@ -30851,10 +31095,10 @@
             <p:cNvPr id="30" name="Freeform: Shape 29">
               <a:extLst>
                 <a:ext uri="{FF2B5EF4-FFF2-40B4-BE49-F238E27FC236}">
-                  <a16:creationId xmlns:a16="http://schemas.microsoft.com/office/drawing/2014/main" xmlns="" id="{30D5B909-9292-92EB-9974-DD4339EC94B6}"/>
+                  <a16:creationId xmlns:a16="http://schemas.microsoft.com/office/drawing/2014/main" id="{30D5B909-9292-92EB-9974-DD4339EC94B6}"/>
                 </a:ext>
                 <a:ext uri="{C183D7F6-B498-43B3-948B-1728B52AA6E4}">
-                  <adec:decorative xmlns:adec="http://schemas.microsoft.com/office/drawing/2017/decorative" xmlns="" val="1"/>
+                  <adec:decorative xmlns:adec="http://schemas.microsoft.com/office/drawing/2017/decorative" val="1"/>
                 </a:ext>
               </a:extLst>
             </p:cNvPr>
@@ -30862,7 +31106,7 @@
             <p:nvPr>
               <p:extLst>
                 <p:ext uri="{386F3935-93C4-4BCD-93E2-E3B085C9AB24}">
-                  <p16:designElem xmlns:p16="http://schemas.microsoft.com/office/powerpoint/2015/main" xmlns="" val="1"/>
+                  <p16:designElem xmlns:p16="http://schemas.microsoft.com/office/powerpoint/2015/main" val="1"/>
                 </p:ext>
               </p:extLst>
             </p:nvPr>
@@ -30965,10 +31209,10 @@
             <p:cNvPr id="31" name="Rectangle 30">
               <a:extLst>
                 <a:ext uri="{FF2B5EF4-FFF2-40B4-BE49-F238E27FC236}">
-                  <a16:creationId xmlns:a16="http://schemas.microsoft.com/office/drawing/2014/main" xmlns="" id="{DC60AA1F-EF17-F70B-4F63-5A67139206DA}"/>
+                  <a16:creationId xmlns:a16="http://schemas.microsoft.com/office/drawing/2014/main" id="{DC60AA1F-EF17-F70B-4F63-5A67139206DA}"/>
                 </a:ext>
                 <a:ext uri="{C183D7F6-B498-43B3-948B-1728B52AA6E4}">
-                  <adec:decorative xmlns:adec="http://schemas.microsoft.com/office/drawing/2017/decorative" xmlns="" val="1"/>
+                  <adec:decorative xmlns:adec="http://schemas.microsoft.com/office/drawing/2017/decorative" val="1"/>
                 </a:ext>
               </a:extLst>
             </p:cNvPr>
@@ -30976,7 +31220,7 @@
             <p:nvPr>
               <p:extLst>
                 <p:ext uri="{386F3935-93C4-4BCD-93E2-E3B085C9AB24}">
-                  <p16:designElem xmlns:p16="http://schemas.microsoft.com/office/powerpoint/2015/main" xmlns="" val="1"/>
+                  <p16:designElem xmlns:p16="http://schemas.microsoft.com/office/powerpoint/2015/main" val="1"/>
                 </p:ext>
               </p:extLst>
             </p:nvPr>
@@ -31029,10 +31273,10 @@
           <p:cNvPr id="33" name="Rectangle 32">
             <a:extLst>
               <a:ext uri="{FF2B5EF4-FFF2-40B4-BE49-F238E27FC236}">
-                <a16:creationId xmlns:a16="http://schemas.microsoft.com/office/drawing/2014/main" xmlns="" id="{5FE2B063-6A29-B80D-B7A6-8895160E797A}"/>
+                <a16:creationId xmlns:a16="http://schemas.microsoft.com/office/drawing/2014/main" id="{5FE2B063-6A29-B80D-B7A6-8895160E797A}"/>
               </a:ext>
               <a:ext uri="{C183D7F6-B498-43B3-948B-1728B52AA6E4}">
-                <adec:decorative xmlns:adec="http://schemas.microsoft.com/office/drawing/2017/decorative" xmlns="" val="1"/>
+                <adec:decorative xmlns:adec="http://schemas.microsoft.com/office/drawing/2017/decorative" val="1"/>
               </a:ext>
             </a:extLst>
           </p:cNvPr>
@@ -31042,7 +31286,7 @@
           <p:nvPr>
             <p:extLst>
               <p:ext uri="{386F3935-93C4-4BCD-93E2-E3B085C9AB24}">
-                <p16:designElem xmlns:p16="http://schemas.microsoft.com/office/powerpoint/2015/main" xmlns="" val="1"/>
+                <p16:designElem xmlns:p16="http://schemas.microsoft.com/office/powerpoint/2015/main" val="1"/>
               </p:ext>
             </p:extLst>
           </p:nvPr>
@@ -31094,10 +31338,10 @@
           <p:cNvPr id="35" name="Isosceles Triangle 34">
             <a:extLst>
               <a:ext uri="{FF2B5EF4-FFF2-40B4-BE49-F238E27FC236}">
-                <a16:creationId xmlns:a16="http://schemas.microsoft.com/office/drawing/2014/main" xmlns="" id="{C00D0292-EFE4-7B80-97BB-AB0F53A5E100}"/>
+                <a16:creationId xmlns:a16="http://schemas.microsoft.com/office/drawing/2014/main" id="{C00D0292-EFE4-7B80-97BB-AB0F53A5E100}"/>
               </a:ext>
               <a:ext uri="{C183D7F6-B498-43B3-948B-1728B52AA6E4}">
-                <adec:decorative xmlns:adec="http://schemas.microsoft.com/office/drawing/2017/decorative" xmlns="" val="1"/>
+                <adec:decorative xmlns:adec="http://schemas.microsoft.com/office/drawing/2017/decorative" val="1"/>
               </a:ext>
             </a:extLst>
           </p:cNvPr>
@@ -31107,7 +31351,7 @@
           <p:nvPr>
             <p:extLst>
               <p:ext uri="{386F3935-93C4-4BCD-93E2-E3B085C9AB24}">
-                <p16:designElem xmlns:p16="http://schemas.microsoft.com/office/powerpoint/2015/main" xmlns="" val="1"/>
+                <p16:designElem xmlns:p16="http://schemas.microsoft.com/office/powerpoint/2015/main" val="1"/>
               </p:ext>
             </p:extLst>
           </p:nvPr>
@@ -31161,7 +31405,7 @@
           <p:cNvPr id="6" name="TextBox 5">
             <a:extLst>
               <a:ext uri="{FF2B5EF4-FFF2-40B4-BE49-F238E27FC236}">
-                <a16:creationId xmlns:a16="http://schemas.microsoft.com/office/drawing/2014/main" xmlns="" id="{6E31DBBA-A1DB-2D00-DDE4-901707E77C32}"/>
+                <a16:creationId xmlns:a16="http://schemas.microsoft.com/office/drawing/2014/main" id="{6E31DBBA-A1DB-2D00-DDE4-901707E77C32}"/>
               </a:ext>
             </a:extLst>
           </p:cNvPr>
@@ -31199,7 +31443,7 @@
           <p:cNvPr id="10" name="Picture 9" descr="A graph of scatter plot of bmi&#10;&#10;Description automatically generated">
             <a:extLst>
               <a:ext uri="{FF2B5EF4-FFF2-40B4-BE49-F238E27FC236}">
-                <a16:creationId xmlns:a16="http://schemas.microsoft.com/office/drawing/2014/main" xmlns="" id="{4319DEA3-B033-C3A6-3E85-E2B56BE19F3F}"/>
+                <a16:creationId xmlns:a16="http://schemas.microsoft.com/office/drawing/2014/main" id="{4319DEA3-B033-C3A6-3E85-E2B56BE19F3F}"/>
               </a:ext>
             </a:extLst>
           </p:cNvPr>
@@ -31229,7 +31473,7 @@
           <p:cNvPr id="7" name="Picture 6">
             <a:extLst>
               <a:ext uri="{FF2B5EF4-FFF2-40B4-BE49-F238E27FC236}">
-                <a16:creationId xmlns:a16="http://schemas.microsoft.com/office/drawing/2014/main" xmlns="" id="{4CA476C1-CECB-3FC6-C0E3-95E4F66B6970}"/>
+                <a16:creationId xmlns:a16="http://schemas.microsoft.com/office/drawing/2014/main" id="{4CA476C1-CECB-3FC6-C0E3-95E4F66B6970}"/>
               </a:ext>
             </a:extLst>
           </p:cNvPr>
@@ -31565,7 +31809,7 @@
   <a:extraClrSchemeLst/>
   <a:extLst>
     <a:ext uri="{05A4C25C-085E-4340-85A3-A5531E510DB2}">
-      <thm15:themeFamily xmlns:thm15="http://schemas.microsoft.com/office/thememl/2012/main" xmlns="" name="Office Theme" id="{62F939B6-93AF-4DB8-9C6B-D6C7DFDC589F}" vid="{4A3C46E8-61CC-4603-A589-7422A47A8E4A}"/>
+      <thm15:themeFamily xmlns:thm15="http://schemas.microsoft.com/office/thememl/2012/main" name="Office Theme" id="{62F939B6-93AF-4DB8-9C6B-D6C7DFDC589F}" vid="{4A3C46E8-61CC-4603-A589-7422A47A8E4A}"/>
     </a:ext>
   </a:extLst>
 </a:theme>
@@ -31860,7 +32104,7 @@
   <a:extraClrSchemeLst/>
   <a:extLst>
     <a:ext uri="{05A4C25C-085E-4340-85A3-A5531E510DB2}">
-      <thm15:themeFamily xmlns:thm15="http://schemas.microsoft.com/office/thememl/2012/main" xmlns="" name="Office Theme" id="{62F939B6-93AF-4DB8-9C6B-D6C7DFDC589F}" vid="{4A3C46E8-61CC-4603-A589-7422A47A8E4A}"/>
+      <thm15:themeFamily xmlns:thm15="http://schemas.microsoft.com/office/thememl/2012/main" name="Office Theme" id="{62F939B6-93AF-4DB8-9C6B-D6C7DFDC589F}" vid="{4A3C46E8-61CC-4603-A589-7422A47A8E4A}"/>
     </a:ext>
   </a:extLst>
 </a:theme>
@@ -32155,7 +32399,7 @@
   <a:extraClrSchemeLst/>
   <a:extLst>
     <a:ext uri="{05A4C25C-085E-4340-85A3-A5531E510DB2}">
-      <thm15:themeFamily xmlns:thm15="http://schemas.microsoft.com/office/thememl/2012/main" xmlns="" name="Office Theme" id="{62F939B6-93AF-4DB8-9C6B-D6C7DFDC589F}" vid="{4A3C46E8-61CC-4603-A589-7422A47A8E4A}"/>
+      <thm15:themeFamily xmlns:thm15="http://schemas.microsoft.com/office/thememl/2012/main" name="Office Theme" id="{62F939B6-93AF-4DB8-9C6B-D6C7DFDC589F}" vid="{4A3C46E8-61CC-4603-A589-7422A47A8E4A}"/>
     </a:ext>
   </a:extLst>
 </a:theme>
@@ -32182,15 +32426,6 @@
 </file>
 
 <file path=customXml/item1.xml><?xml version="1.0" encoding="utf-8"?>
-<p:properties xmlns:p="http://schemas.microsoft.com/office/2006/metadata/properties" xmlns:xsi="http://www.w3.org/2001/XMLSchema-instance" xmlns:pc="http://schemas.microsoft.com/office/infopath/2007/PartnerControls">
-  <documentManagement>
-    <Status xmlns="71af3243-3dd4-4a8d-8c0d-dd76da1f02a5">Not started</Status>
-    <MediaServiceKeyPoints xmlns="71af3243-3dd4-4a8d-8c0d-dd76da1f02a5" xsi:nil="true"/>
-  </documentManagement>
-</p:properties>
-</file>
-
-<file path=customXml/item2.xml><?xml version="1.0" encoding="utf-8"?>
 <ct:contentTypeSchema xmlns:ct="http://schemas.microsoft.com/office/2006/metadata/contentType" xmlns:ma="http://schemas.microsoft.com/office/2006/metadata/properties/metaAttributes" ct:_="" ma:_="" ma:contentTypeName="Document" ma:contentTypeID="0x01010079F111ED35F8CC479449609E8A0923A6" ma:contentTypeVersion="12" ma:contentTypeDescription="Create a new document." ma:contentTypeScope="" ma:versionID="426e97fa315356fffbdcd9876fe988c2">
   <xsd:schema xmlns:xsd="http://www.w3.org/2001/XMLSchema" xmlns:xs="http://www.w3.org/2001/XMLSchema" xmlns:p="http://schemas.microsoft.com/office/2006/metadata/properties" xmlns:ns2="71af3243-3dd4-4a8d-8c0d-dd76da1f02a5" xmlns:ns3="16c05727-aa75-4e4a-9b5f-8a80a1165891" targetNamespace="http://schemas.microsoft.com/office/2006/metadata/properties" ma:root="true" ma:fieldsID="14b8f0def80e6d70ce3def20c90759ae" ns2:_="" ns3:_="">
     <xsd:import namespace="71af3243-3dd4-4a8d-8c0d-dd76da1f02a5"/>
@@ -32411,6 +32646,15 @@
 </ct:contentTypeSchema>
 </file>
 
+<file path=customXml/item2.xml><?xml version="1.0" encoding="utf-8"?>
+<p:properties xmlns:p="http://schemas.microsoft.com/office/2006/metadata/properties" xmlns:xsi="http://www.w3.org/2001/XMLSchema-instance" xmlns:pc="http://schemas.microsoft.com/office/infopath/2007/PartnerControls">
+  <documentManagement>
+    <Status xmlns="71af3243-3dd4-4a8d-8c0d-dd76da1f02a5">Not started</Status>
+    <MediaServiceKeyPoints xmlns="71af3243-3dd4-4a8d-8c0d-dd76da1f02a5" xsi:nil="true"/>
+  </documentManagement>
+</p:properties>
+</file>
+
 <file path=customXml/item3.xml><?xml version="1.0" encoding="utf-8"?>
 <?mso-contentType ?>
 <FormTemplates xmlns="http://schemas.microsoft.com/sharepoint/v3/contenttype/forms">
@@ -32421,16 +32665,6 @@
 </file>
 
 <file path=customXml/itemProps1.xml><?xml version="1.0" encoding="utf-8"?>
-<ds:datastoreItem xmlns:ds="http://schemas.openxmlformats.org/officeDocument/2006/customXml" ds:itemID="{581AEECB-7CBF-41B6-B304-895A4D5BDF0F}">
-  <ds:schemaRefs>
-    <ds:schemaRef ds:uri="http://schemas.microsoft.com/office/2006/metadata/properties"/>
-    <ds:schemaRef ds:uri="http://schemas.microsoft.com/office/infopath/2007/PartnerControls"/>
-    <ds:schemaRef ds:uri="71af3243-3dd4-4a8d-8c0d-dd76da1f02a5"/>
-  </ds:schemaRefs>
-</ds:datastoreItem>
-</file>
-
-<file path=customXml/itemProps2.xml><?xml version="1.0" encoding="utf-8"?>
 <ds:datastoreItem xmlns:ds="http://schemas.openxmlformats.org/officeDocument/2006/customXml" ds:itemID="{5D82FBE3-5E95-4B7A-88C0-B7BB58A96823}">
   <ds:schemaRefs>
     <ds:schemaRef ds:uri="http://schemas.microsoft.com/office/2006/metadata/contentType"/>
@@ -32449,6 +32683,16 @@
 </ds:datastoreItem>
 </file>
 
+<file path=customXml/itemProps2.xml><?xml version="1.0" encoding="utf-8"?>
+<ds:datastoreItem xmlns:ds="http://schemas.openxmlformats.org/officeDocument/2006/customXml" ds:itemID="{581AEECB-7CBF-41B6-B304-895A4D5BDF0F}">
+  <ds:schemaRefs>
+    <ds:schemaRef ds:uri="http://schemas.microsoft.com/office/2006/metadata/properties"/>
+    <ds:schemaRef ds:uri="http://schemas.microsoft.com/office/infopath/2007/PartnerControls"/>
+    <ds:schemaRef ds:uri="71af3243-3dd4-4a8d-8c0d-dd76da1f02a5"/>
+  </ds:schemaRefs>
+</ds:datastoreItem>
+</file>
+
 <file path=customXml/itemProps3.xml><?xml version="1.0" encoding="utf-8"?>
 <ds:datastoreItem xmlns:ds="http://schemas.openxmlformats.org/officeDocument/2006/customXml" ds:itemID="{D9EAC644-7B36-4B02-AE6A-271637DE6193}">
   <ds:schemaRefs>

--- a/Project4_presentation_final.pptx
+++ b/Project4_presentation_final.pptx
@@ -135,7 +135,7 @@
   </p:defaultTextStyle>
   <p:extLst>
     <p:ext uri="{EFAFB233-063F-42B5-8137-9DF3F51BA10A}">
-      <p15:sldGuideLst xmlns:p15="http://schemas.microsoft.com/office/powerpoint/2012/main">
+      <p15:sldGuideLst xmlns:p15="http://schemas.microsoft.com/office/powerpoint/2012/main" xmlns="">
         <p15:guide id="1" orient="horz" pos="2088" userDrawn="1">
           <p15:clr>
             <a:srgbClr val="A4A3A4"/>
@@ -159,7 +159,7 @@
       </p15:sldGuideLst>
     </p:ext>
     <p:ext uri="{2D200454-40CA-4A62-9FC3-DE9A4176ACB9}">
-      <p15:notesGuideLst xmlns:p15="http://schemas.microsoft.com/office/powerpoint/2012/main"/>
+      <p15:notesGuideLst xmlns:p15="http://schemas.microsoft.com/office/powerpoint/2012/main" xmlns=""/>
     </p:ext>
   </p:extLst>
 </p:presentation>
@@ -200,7 +200,7 @@
           <p:cNvPr id="2" name="Header Placeholder 1">
             <a:extLst>
               <a:ext uri="{FF2B5EF4-FFF2-40B4-BE49-F238E27FC236}">
-                <a16:creationId xmlns:a16="http://schemas.microsoft.com/office/drawing/2014/main" id="{57B51015-12CA-4649-B47F-D3EB5E109599}"/>
+                <a16:creationId xmlns:a16="http://schemas.microsoft.com/office/drawing/2014/main" xmlns="" id="{57B51015-12CA-4649-B47F-D3EB5E109599}"/>
               </a:ext>
             </a:extLst>
           </p:cNvPr>
@@ -237,7 +237,7 @@
           <p:cNvPr id="3" name="Date Placeholder 2">
             <a:extLst>
               <a:ext uri="{FF2B5EF4-FFF2-40B4-BE49-F238E27FC236}">
-                <a16:creationId xmlns:a16="http://schemas.microsoft.com/office/drawing/2014/main" id="{72111F2F-D8BA-4A13-91FC-3878C75727F0}"/>
+                <a16:creationId xmlns:a16="http://schemas.microsoft.com/office/drawing/2014/main" xmlns="" id="{72111F2F-D8BA-4A13-91FC-3878C75727F0}"/>
               </a:ext>
             </a:extLst>
           </p:cNvPr>
@@ -267,7 +267,7 @@
           <a:p>
             <a:fld id="{BE668B7C-E4CD-4872-B084-44133F808FCE}" type="datetimeFigureOut">
               <a:rPr lang="en-US" smtClean="0"/>
-              <a:t>1/24/24</a:t>
+              <a:t>1/24/2024</a:t>
             </a:fld>
             <a:endParaRPr lang="en-US" dirty="0"/>
           </a:p>
@@ -278,7 +278,7 @@
           <p:cNvPr id="4" name="Footer Placeholder 3">
             <a:extLst>
               <a:ext uri="{FF2B5EF4-FFF2-40B4-BE49-F238E27FC236}">
-                <a16:creationId xmlns:a16="http://schemas.microsoft.com/office/drawing/2014/main" id="{F38FD67D-A60A-4914-89F3-9FC43EF54702}"/>
+                <a16:creationId xmlns:a16="http://schemas.microsoft.com/office/drawing/2014/main" xmlns="" id="{F38FD67D-A60A-4914-89F3-9FC43EF54702}"/>
               </a:ext>
             </a:extLst>
           </p:cNvPr>
@@ -315,7 +315,7 @@
           <p:cNvPr id="5" name="Slide Number Placeholder 4">
             <a:extLst>
               <a:ext uri="{FF2B5EF4-FFF2-40B4-BE49-F238E27FC236}">
-                <a16:creationId xmlns:a16="http://schemas.microsoft.com/office/drawing/2014/main" id="{A51642D8-EDCF-4A15-A29F-1B065ECC2E77}"/>
+                <a16:creationId xmlns:a16="http://schemas.microsoft.com/office/drawing/2014/main" xmlns="" id="{A51642D8-EDCF-4A15-A29F-1B065ECC2E77}"/>
               </a:ext>
             </a:extLst>
           </p:cNvPr>
@@ -444,7 +444,7 @@
           <a:p>
             <a:fld id="{6733D5BD-E30B-48AB-B24F-3878C333D518}" type="datetimeFigureOut">
               <a:rPr lang="en-US" smtClean="0"/>
-              <a:t>1/24/24</a:t>
+              <a:t>1/24/2024</a:t>
             </a:fld>
             <a:endParaRPr lang="en-US" dirty="0"/>
           </a:p>
@@ -719,7 +719,7 @@
         <p:cNvPr id="1" name="">
           <a:extLst>
             <a:ext uri="{FF2B5EF4-FFF2-40B4-BE49-F238E27FC236}">
-              <a16:creationId xmlns:a16="http://schemas.microsoft.com/office/drawing/2014/main" id="{7C66F094-0F1D-8D1C-603B-9914C50B7913}"/>
+              <a16:creationId xmlns:a16="http://schemas.microsoft.com/office/drawing/2014/main" xmlns="" id="{7C66F094-0F1D-8D1C-603B-9914C50B7913}"/>
             </a:ext>
           </a:extLst>
         </p:cNvPr>
@@ -739,7 +739,7 @@
           <p:cNvPr id="2" name="Slide Image Placeholder 1">
             <a:extLst>
               <a:ext uri="{FF2B5EF4-FFF2-40B4-BE49-F238E27FC236}">
-                <a16:creationId xmlns:a16="http://schemas.microsoft.com/office/drawing/2014/main" id="{1ED4B40B-6349-296F-F00D-EA895E5DB01C}"/>
+                <a16:creationId xmlns:a16="http://schemas.microsoft.com/office/drawing/2014/main" xmlns="" id="{1ED4B40B-6349-296F-F00D-EA895E5DB01C}"/>
               </a:ext>
             </a:extLst>
           </p:cNvPr>
@@ -757,7 +757,7 @@
           <p:cNvPr id="3" name="Notes Placeholder 2">
             <a:extLst>
               <a:ext uri="{FF2B5EF4-FFF2-40B4-BE49-F238E27FC236}">
-                <a16:creationId xmlns:a16="http://schemas.microsoft.com/office/drawing/2014/main" id="{7E8AC052-B336-E1D9-A9A8-76BC165CCDC1}"/>
+                <a16:creationId xmlns:a16="http://schemas.microsoft.com/office/drawing/2014/main" xmlns="" id="{7E8AC052-B336-E1D9-A9A8-76BC165CCDC1}"/>
               </a:ext>
             </a:extLst>
           </p:cNvPr>
@@ -782,7 +782,7 @@
           <p:cNvPr id="4" name="Slide Number Placeholder 3">
             <a:extLst>
               <a:ext uri="{FF2B5EF4-FFF2-40B4-BE49-F238E27FC236}">
-                <a16:creationId xmlns:a16="http://schemas.microsoft.com/office/drawing/2014/main" id="{649321D6-00C0-54FB-DD94-1F8FC99C7D31}"/>
+                <a16:creationId xmlns:a16="http://schemas.microsoft.com/office/drawing/2014/main" xmlns="" id="{649321D6-00C0-54FB-DD94-1F8FC99C7D31}"/>
               </a:ext>
             </a:extLst>
           </p:cNvPr>
@@ -827,7 +827,7 @@
         <p:cNvPr id="1" name="">
           <a:extLst>
             <a:ext uri="{FF2B5EF4-FFF2-40B4-BE49-F238E27FC236}">
-              <a16:creationId xmlns:a16="http://schemas.microsoft.com/office/drawing/2014/main" id="{22297792-71FF-431E-DC59-7D78E2105884}"/>
+              <a16:creationId xmlns:a16="http://schemas.microsoft.com/office/drawing/2014/main" xmlns="" id="{22297792-71FF-431E-DC59-7D78E2105884}"/>
             </a:ext>
           </a:extLst>
         </p:cNvPr>
@@ -847,7 +847,7 @@
           <p:cNvPr id="2" name="Slide Image Placeholder 1">
             <a:extLst>
               <a:ext uri="{FF2B5EF4-FFF2-40B4-BE49-F238E27FC236}">
-                <a16:creationId xmlns:a16="http://schemas.microsoft.com/office/drawing/2014/main" id="{89D14B59-2DD8-D936-19E1-958A32E93C70}"/>
+                <a16:creationId xmlns:a16="http://schemas.microsoft.com/office/drawing/2014/main" xmlns="" id="{89D14B59-2DD8-D936-19E1-958A32E93C70}"/>
               </a:ext>
             </a:extLst>
           </p:cNvPr>
@@ -865,7 +865,7 @@
           <p:cNvPr id="3" name="Notes Placeholder 2">
             <a:extLst>
               <a:ext uri="{FF2B5EF4-FFF2-40B4-BE49-F238E27FC236}">
-                <a16:creationId xmlns:a16="http://schemas.microsoft.com/office/drawing/2014/main" id="{32EED05D-CE87-401E-F259-1CCB77F05D0D}"/>
+                <a16:creationId xmlns:a16="http://schemas.microsoft.com/office/drawing/2014/main" xmlns="" id="{32EED05D-CE87-401E-F259-1CCB77F05D0D}"/>
               </a:ext>
             </a:extLst>
           </p:cNvPr>
@@ -890,7 +890,7 @@
           <p:cNvPr id="4" name="Slide Number Placeholder 3">
             <a:extLst>
               <a:ext uri="{FF2B5EF4-FFF2-40B4-BE49-F238E27FC236}">
-                <a16:creationId xmlns:a16="http://schemas.microsoft.com/office/drawing/2014/main" id="{B5EBD881-A647-A476-B23A-2A86999F0342}"/>
+                <a16:creationId xmlns:a16="http://schemas.microsoft.com/office/drawing/2014/main" xmlns="" id="{B5EBD881-A647-A476-B23A-2A86999F0342}"/>
               </a:ext>
             </a:extLst>
           </p:cNvPr>
@@ -935,7 +935,7 @@
         <p:cNvPr id="1" name="">
           <a:extLst>
             <a:ext uri="{FF2B5EF4-FFF2-40B4-BE49-F238E27FC236}">
-              <a16:creationId xmlns:a16="http://schemas.microsoft.com/office/drawing/2014/main" id="{3F3EE3A8-7CCE-708A-6E46-AA69321F39EA}"/>
+              <a16:creationId xmlns:a16="http://schemas.microsoft.com/office/drawing/2014/main" xmlns="" id="{3F3EE3A8-7CCE-708A-6E46-AA69321F39EA}"/>
             </a:ext>
           </a:extLst>
         </p:cNvPr>
@@ -955,7 +955,7 @@
           <p:cNvPr id="2" name="Slide Image Placeholder 1">
             <a:extLst>
               <a:ext uri="{FF2B5EF4-FFF2-40B4-BE49-F238E27FC236}">
-                <a16:creationId xmlns:a16="http://schemas.microsoft.com/office/drawing/2014/main" id="{E29EC910-31F6-E9D6-49E8-68D0D726120E}"/>
+                <a16:creationId xmlns:a16="http://schemas.microsoft.com/office/drawing/2014/main" xmlns="" id="{E29EC910-31F6-E9D6-49E8-68D0D726120E}"/>
               </a:ext>
             </a:extLst>
           </p:cNvPr>
@@ -973,7 +973,7 @@
           <p:cNvPr id="3" name="Notes Placeholder 2">
             <a:extLst>
               <a:ext uri="{FF2B5EF4-FFF2-40B4-BE49-F238E27FC236}">
-                <a16:creationId xmlns:a16="http://schemas.microsoft.com/office/drawing/2014/main" id="{4FA7E07D-354E-55CB-BD2C-01FDAF532042}"/>
+                <a16:creationId xmlns:a16="http://schemas.microsoft.com/office/drawing/2014/main" xmlns="" id="{4FA7E07D-354E-55CB-BD2C-01FDAF532042}"/>
               </a:ext>
             </a:extLst>
           </p:cNvPr>
@@ -998,7 +998,7 @@
           <p:cNvPr id="4" name="Slide Number Placeholder 3">
             <a:extLst>
               <a:ext uri="{FF2B5EF4-FFF2-40B4-BE49-F238E27FC236}">
-                <a16:creationId xmlns:a16="http://schemas.microsoft.com/office/drawing/2014/main" id="{3862A2FC-7E98-6E31-2BF0-7CA7E8D9B8DA}"/>
+                <a16:creationId xmlns:a16="http://schemas.microsoft.com/office/drawing/2014/main" xmlns="" id="{3862A2FC-7E98-6E31-2BF0-7CA7E8D9B8DA}"/>
               </a:ext>
             </a:extLst>
           </p:cNvPr>
@@ -1043,7 +1043,7 @@
         <p:cNvPr id="1" name="">
           <a:extLst>
             <a:ext uri="{FF2B5EF4-FFF2-40B4-BE49-F238E27FC236}">
-              <a16:creationId xmlns:a16="http://schemas.microsoft.com/office/drawing/2014/main" id="{AFEBA301-17F6-F62F-6375-75E951C40637}"/>
+              <a16:creationId xmlns:a16="http://schemas.microsoft.com/office/drawing/2014/main" xmlns="" id="{AFEBA301-17F6-F62F-6375-75E951C40637}"/>
             </a:ext>
           </a:extLst>
         </p:cNvPr>
@@ -1063,7 +1063,7 @@
           <p:cNvPr id="2" name="Slide Image Placeholder 1">
             <a:extLst>
               <a:ext uri="{FF2B5EF4-FFF2-40B4-BE49-F238E27FC236}">
-                <a16:creationId xmlns:a16="http://schemas.microsoft.com/office/drawing/2014/main" id="{7F437E10-AA7D-7E50-CD22-021CCBA7D61F}"/>
+                <a16:creationId xmlns:a16="http://schemas.microsoft.com/office/drawing/2014/main" xmlns="" id="{7F437E10-AA7D-7E50-CD22-021CCBA7D61F}"/>
               </a:ext>
             </a:extLst>
           </p:cNvPr>
@@ -1081,7 +1081,7 @@
           <p:cNvPr id="3" name="Notes Placeholder 2">
             <a:extLst>
               <a:ext uri="{FF2B5EF4-FFF2-40B4-BE49-F238E27FC236}">
-                <a16:creationId xmlns:a16="http://schemas.microsoft.com/office/drawing/2014/main" id="{22342806-431D-CDB2-FFA9-8F703FD9A1D8}"/>
+                <a16:creationId xmlns:a16="http://schemas.microsoft.com/office/drawing/2014/main" xmlns="" id="{22342806-431D-CDB2-FFA9-8F703FD9A1D8}"/>
               </a:ext>
             </a:extLst>
           </p:cNvPr>
@@ -1106,7 +1106,7 @@
           <p:cNvPr id="4" name="Slide Number Placeholder 3">
             <a:extLst>
               <a:ext uri="{FF2B5EF4-FFF2-40B4-BE49-F238E27FC236}">
-                <a16:creationId xmlns:a16="http://schemas.microsoft.com/office/drawing/2014/main" id="{E12F6B1A-8D07-34B9-7DED-A3369CFE2B1F}"/>
+                <a16:creationId xmlns:a16="http://schemas.microsoft.com/office/drawing/2014/main" xmlns="" id="{E12F6B1A-8D07-34B9-7DED-A3369CFE2B1F}"/>
               </a:ext>
             </a:extLst>
           </p:cNvPr>
@@ -1151,7 +1151,7 @@
         <p:cNvPr id="1" name="">
           <a:extLst>
             <a:ext uri="{FF2B5EF4-FFF2-40B4-BE49-F238E27FC236}">
-              <a16:creationId xmlns:a16="http://schemas.microsoft.com/office/drawing/2014/main" id="{56702F0A-FF83-8FB5-F76B-487F66FE9C62}"/>
+              <a16:creationId xmlns:a16="http://schemas.microsoft.com/office/drawing/2014/main" xmlns="" id="{56702F0A-FF83-8FB5-F76B-487F66FE9C62}"/>
             </a:ext>
           </a:extLst>
         </p:cNvPr>
@@ -1171,7 +1171,7 @@
           <p:cNvPr id="2" name="Slide Image Placeholder 1">
             <a:extLst>
               <a:ext uri="{FF2B5EF4-FFF2-40B4-BE49-F238E27FC236}">
-                <a16:creationId xmlns:a16="http://schemas.microsoft.com/office/drawing/2014/main" id="{CD7BBD45-C00B-76A1-C40E-6C6B78F0A227}"/>
+                <a16:creationId xmlns:a16="http://schemas.microsoft.com/office/drawing/2014/main" xmlns="" id="{CD7BBD45-C00B-76A1-C40E-6C6B78F0A227}"/>
               </a:ext>
             </a:extLst>
           </p:cNvPr>
@@ -1189,7 +1189,7 @@
           <p:cNvPr id="3" name="Notes Placeholder 2">
             <a:extLst>
               <a:ext uri="{FF2B5EF4-FFF2-40B4-BE49-F238E27FC236}">
-                <a16:creationId xmlns:a16="http://schemas.microsoft.com/office/drawing/2014/main" id="{59636DCC-A61A-F8CC-2C38-69700DE75C1C}"/>
+                <a16:creationId xmlns:a16="http://schemas.microsoft.com/office/drawing/2014/main" xmlns="" id="{59636DCC-A61A-F8CC-2C38-69700DE75C1C}"/>
               </a:ext>
             </a:extLst>
           </p:cNvPr>
@@ -1214,7 +1214,7 @@
           <p:cNvPr id="4" name="Slide Number Placeholder 3">
             <a:extLst>
               <a:ext uri="{FF2B5EF4-FFF2-40B4-BE49-F238E27FC236}">
-                <a16:creationId xmlns:a16="http://schemas.microsoft.com/office/drawing/2014/main" id="{0C8F43F4-4EA0-C2F0-F921-8AB00E4EE3D8}"/>
+                <a16:creationId xmlns:a16="http://schemas.microsoft.com/office/drawing/2014/main" xmlns="" id="{0C8F43F4-4EA0-C2F0-F921-8AB00E4EE3D8}"/>
               </a:ext>
             </a:extLst>
           </p:cNvPr>
@@ -1259,7 +1259,7 @@
         <p:cNvPr id="1" name="">
           <a:extLst>
             <a:ext uri="{FF2B5EF4-FFF2-40B4-BE49-F238E27FC236}">
-              <a16:creationId xmlns:a16="http://schemas.microsoft.com/office/drawing/2014/main" id="{846E671E-1072-2D52-1F0F-9ECA70A167DA}"/>
+              <a16:creationId xmlns:a16="http://schemas.microsoft.com/office/drawing/2014/main" xmlns="" id="{846E671E-1072-2D52-1F0F-9ECA70A167DA}"/>
             </a:ext>
           </a:extLst>
         </p:cNvPr>
@@ -1279,7 +1279,7 @@
           <p:cNvPr id="2" name="Slide Image Placeholder 1">
             <a:extLst>
               <a:ext uri="{FF2B5EF4-FFF2-40B4-BE49-F238E27FC236}">
-                <a16:creationId xmlns:a16="http://schemas.microsoft.com/office/drawing/2014/main" id="{B641FFE1-DDE9-FC72-26B2-5C8CB728B80D}"/>
+                <a16:creationId xmlns:a16="http://schemas.microsoft.com/office/drawing/2014/main" xmlns="" id="{B641FFE1-DDE9-FC72-26B2-5C8CB728B80D}"/>
               </a:ext>
             </a:extLst>
           </p:cNvPr>
@@ -1297,7 +1297,7 @@
           <p:cNvPr id="3" name="Notes Placeholder 2">
             <a:extLst>
               <a:ext uri="{FF2B5EF4-FFF2-40B4-BE49-F238E27FC236}">
-                <a16:creationId xmlns:a16="http://schemas.microsoft.com/office/drawing/2014/main" id="{C35E039C-9E97-E129-EE3F-716ACBE22A82}"/>
+                <a16:creationId xmlns:a16="http://schemas.microsoft.com/office/drawing/2014/main" xmlns="" id="{C35E039C-9E97-E129-EE3F-716ACBE22A82}"/>
               </a:ext>
             </a:extLst>
           </p:cNvPr>
@@ -1322,7 +1322,7 @@
           <p:cNvPr id="4" name="Slide Number Placeholder 3">
             <a:extLst>
               <a:ext uri="{FF2B5EF4-FFF2-40B4-BE49-F238E27FC236}">
-                <a16:creationId xmlns:a16="http://schemas.microsoft.com/office/drawing/2014/main" id="{D1D1F1F1-28A1-206E-D3CF-AC23075A0369}"/>
+                <a16:creationId xmlns:a16="http://schemas.microsoft.com/office/drawing/2014/main" xmlns="" id="{D1D1F1F1-28A1-206E-D3CF-AC23075A0369}"/>
               </a:ext>
             </a:extLst>
           </p:cNvPr>
@@ -1367,7 +1367,7 @@
         <p:cNvPr id="1" name="">
           <a:extLst>
             <a:ext uri="{FF2B5EF4-FFF2-40B4-BE49-F238E27FC236}">
-              <a16:creationId xmlns:a16="http://schemas.microsoft.com/office/drawing/2014/main" id="{74BA25EE-7E93-CE2F-79CE-D4ADA4DD52E8}"/>
+              <a16:creationId xmlns:a16="http://schemas.microsoft.com/office/drawing/2014/main" xmlns="" id="{74BA25EE-7E93-CE2F-79CE-D4ADA4DD52E8}"/>
             </a:ext>
           </a:extLst>
         </p:cNvPr>
@@ -1387,7 +1387,7 @@
           <p:cNvPr id="2" name="Slide Image Placeholder 1">
             <a:extLst>
               <a:ext uri="{FF2B5EF4-FFF2-40B4-BE49-F238E27FC236}">
-                <a16:creationId xmlns:a16="http://schemas.microsoft.com/office/drawing/2014/main" id="{DFB03603-93F6-3281-21DA-A70436D1C5D5}"/>
+                <a16:creationId xmlns:a16="http://schemas.microsoft.com/office/drawing/2014/main" xmlns="" id="{DFB03603-93F6-3281-21DA-A70436D1C5D5}"/>
               </a:ext>
             </a:extLst>
           </p:cNvPr>
@@ -1405,7 +1405,7 @@
           <p:cNvPr id="3" name="Notes Placeholder 2">
             <a:extLst>
               <a:ext uri="{FF2B5EF4-FFF2-40B4-BE49-F238E27FC236}">
-                <a16:creationId xmlns:a16="http://schemas.microsoft.com/office/drawing/2014/main" id="{BF0ED93F-2C3C-330E-E012-79D7BA5B6EAD}"/>
+                <a16:creationId xmlns:a16="http://schemas.microsoft.com/office/drawing/2014/main" xmlns="" id="{BF0ED93F-2C3C-330E-E012-79D7BA5B6EAD}"/>
               </a:ext>
             </a:extLst>
           </p:cNvPr>
@@ -1430,7 +1430,7 @@
           <p:cNvPr id="4" name="Slide Number Placeholder 3">
             <a:extLst>
               <a:ext uri="{FF2B5EF4-FFF2-40B4-BE49-F238E27FC236}">
-                <a16:creationId xmlns:a16="http://schemas.microsoft.com/office/drawing/2014/main" id="{F90CFE23-0A54-730F-2E32-DA6AA2B66FA4}"/>
+                <a16:creationId xmlns:a16="http://schemas.microsoft.com/office/drawing/2014/main" xmlns="" id="{F90CFE23-0A54-730F-2E32-DA6AA2B66FA4}"/>
               </a:ext>
             </a:extLst>
           </p:cNvPr>
@@ -1475,7 +1475,7 @@
         <p:cNvPr id="1" name="">
           <a:extLst>
             <a:ext uri="{FF2B5EF4-FFF2-40B4-BE49-F238E27FC236}">
-              <a16:creationId xmlns:a16="http://schemas.microsoft.com/office/drawing/2014/main" id="{9F61BAD4-A0AB-DA1A-2955-1EF417B32C86}"/>
+              <a16:creationId xmlns:a16="http://schemas.microsoft.com/office/drawing/2014/main" xmlns="" id="{9F61BAD4-A0AB-DA1A-2955-1EF417B32C86}"/>
             </a:ext>
           </a:extLst>
         </p:cNvPr>
@@ -1495,7 +1495,7 @@
           <p:cNvPr id="2" name="Slide Image Placeholder 1">
             <a:extLst>
               <a:ext uri="{FF2B5EF4-FFF2-40B4-BE49-F238E27FC236}">
-                <a16:creationId xmlns:a16="http://schemas.microsoft.com/office/drawing/2014/main" id="{BAAFD9B4-3E2A-2AF2-A0F0-08BEFE5FE5C9}"/>
+                <a16:creationId xmlns:a16="http://schemas.microsoft.com/office/drawing/2014/main" xmlns="" id="{BAAFD9B4-3E2A-2AF2-A0F0-08BEFE5FE5C9}"/>
               </a:ext>
             </a:extLst>
           </p:cNvPr>
@@ -1513,7 +1513,7 @@
           <p:cNvPr id="3" name="Notes Placeholder 2">
             <a:extLst>
               <a:ext uri="{FF2B5EF4-FFF2-40B4-BE49-F238E27FC236}">
-                <a16:creationId xmlns:a16="http://schemas.microsoft.com/office/drawing/2014/main" id="{AA2271CC-44C3-C5D3-6205-DB9AB7183685}"/>
+                <a16:creationId xmlns:a16="http://schemas.microsoft.com/office/drawing/2014/main" xmlns="" id="{AA2271CC-44C3-C5D3-6205-DB9AB7183685}"/>
               </a:ext>
             </a:extLst>
           </p:cNvPr>
@@ -1538,7 +1538,7 @@
           <p:cNvPr id="4" name="Slide Number Placeholder 3">
             <a:extLst>
               <a:ext uri="{FF2B5EF4-FFF2-40B4-BE49-F238E27FC236}">
-                <a16:creationId xmlns:a16="http://schemas.microsoft.com/office/drawing/2014/main" id="{F2147C6B-D344-9236-276D-08687971A333}"/>
+                <a16:creationId xmlns:a16="http://schemas.microsoft.com/office/drawing/2014/main" xmlns="" id="{F2147C6B-D344-9236-276D-08687971A333}"/>
               </a:ext>
             </a:extLst>
           </p:cNvPr>
@@ -1583,7 +1583,7 @@
         <p:cNvPr id="1" name="">
           <a:extLst>
             <a:ext uri="{FF2B5EF4-FFF2-40B4-BE49-F238E27FC236}">
-              <a16:creationId xmlns:a16="http://schemas.microsoft.com/office/drawing/2014/main" id="{E7ABCDB1-36D4-5D66-304E-2D93A2B82AA1}"/>
+              <a16:creationId xmlns:a16="http://schemas.microsoft.com/office/drawing/2014/main" xmlns="" id="{E7ABCDB1-36D4-5D66-304E-2D93A2B82AA1}"/>
             </a:ext>
           </a:extLst>
         </p:cNvPr>
@@ -1603,7 +1603,7 @@
           <p:cNvPr id="2" name="Slide Image Placeholder 1">
             <a:extLst>
               <a:ext uri="{FF2B5EF4-FFF2-40B4-BE49-F238E27FC236}">
-                <a16:creationId xmlns:a16="http://schemas.microsoft.com/office/drawing/2014/main" id="{8DFD3C93-DAAE-C8F5-9D80-553A0A6C1D5C}"/>
+                <a16:creationId xmlns:a16="http://schemas.microsoft.com/office/drawing/2014/main" xmlns="" id="{8DFD3C93-DAAE-C8F5-9D80-553A0A6C1D5C}"/>
               </a:ext>
             </a:extLst>
           </p:cNvPr>
@@ -1621,7 +1621,7 @@
           <p:cNvPr id="3" name="Notes Placeholder 2">
             <a:extLst>
               <a:ext uri="{FF2B5EF4-FFF2-40B4-BE49-F238E27FC236}">
-                <a16:creationId xmlns:a16="http://schemas.microsoft.com/office/drawing/2014/main" id="{2AFCF123-C79E-448A-3017-C5A19B24BE5F}"/>
+                <a16:creationId xmlns:a16="http://schemas.microsoft.com/office/drawing/2014/main" xmlns="" id="{2AFCF123-C79E-448A-3017-C5A19B24BE5F}"/>
               </a:ext>
             </a:extLst>
           </p:cNvPr>
@@ -1646,7 +1646,7 @@
           <p:cNvPr id="4" name="Slide Number Placeholder 3">
             <a:extLst>
               <a:ext uri="{FF2B5EF4-FFF2-40B4-BE49-F238E27FC236}">
-                <a16:creationId xmlns:a16="http://schemas.microsoft.com/office/drawing/2014/main" id="{B17ADF82-E66C-7145-04BA-07AF47F7086A}"/>
+                <a16:creationId xmlns:a16="http://schemas.microsoft.com/office/drawing/2014/main" xmlns="" id="{B17ADF82-E66C-7145-04BA-07AF47F7086A}"/>
               </a:ext>
             </a:extLst>
           </p:cNvPr>
@@ -1691,7 +1691,7 @@
         <p:cNvPr id="1" name="">
           <a:extLst>
             <a:ext uri="{FF2B5EF4-FFF2-40B4-BE49-F238E27FC236}">
-              <a16:creationId xmlns:a16="http://schemas.microsoft.com/office/drawing/2014/main" id="{2FE89939-ACBE-F2AD-EE24-5880FA41CFA0}"/>
+              <a16:creationId xmlns:a16="http://schemas.microsoft.com/office/drawing/2014/main" xmlns="" id="{2FE89939-ACBE-F2AD-EE24-5880FA41CFA0}"/>
             </a:ext>
           </a:extLst>
         </p:cNvPr>
@@ -1711,7 +1711,7 @@
           <p:cNvPr id="2" name="Slide Image Placeholder 1">
             <a:extLst>
               <a:ext uri="{FF2B5EF4-FFF2-40B4-BE49-F238E27FC236}">
-                <a16:creationId xmlns:a16="http://schemas.microsoft.com/office/drawing/2014/main" id="{530B1C8D-1BFF-6E19-5BB8-4F3BDC196519}"/>
+                <a16:creationId xmlns:a16="http://schemas.microsoft.com/office/drawing/2014/main" xmlns="" id="{530B1C8D-1BFF-6E19-5BB8-4F3BDC196519}"/>
               </a:ext>
             </a:extLst>
           </p:cNvPr>
@@ -1729,7 +1729,7 @@
           <p:cNvPr id="3" name="Notes Placeholder 2">
             <a:extLst>
               <a:ext uri="{FF2B5EF4-FFF2-40B4-BE49-F238E27FC236}">
-                <a16:creationId xmlns:a16="http://schemas.microsoft.com/office/drawing/2014/main" id="{27DED105-0D56-0F47-BACE-E0231B8D8E05}"/>
+                <a16:creationId xmlns:a16="http://schemas.microsoft.com/office/drawing/2014/main" xmlns="" id="{27DED105-0D56-0F47-BACE-E0231B8D8E05}"/>
               </a:ext>
             </a:extLst>
           </p:cNvPr>
@@ -1754,7 +1754,7 @@
           <p:cNvPr id="4" name="Slide Number Placeholder 3">
             <a:extLst>
               <a:ext uri="{FF2B5EF4-FFF2-40B4-BE49-F238E27FC236}">
-                <a16:creationId xmlns:a16="http://schemas.microsoft.com/office/drawing/2014/main" id="{342E6D65-B4A5-7B3D-A37A-4DDB8F0FBC5D}"/>
+                <a16:creationId xmlns:a16="http://schemas.microsoft.com/office/drawing/2014/main" xmlns="" id="{342E6D65-B4A5-7B3D-A37A-4DDB8F0FBC5D}"/>
               </a:ext>
             </a:extLst>
           </p:cNvPr>
@@ -1799,7 +1799,7 @@
         <p:cNvPr id="1" name="">
           <a:extLst>
             <a:ext uri="{FF2B5EF4-FFF2-40B4-BE49-F238E27FC236}">
-              <a16:creationId xmlns:a16="http://schemas.microsoft.com/office/drawing/2014/main" id="{F867F575-13CF-2FBE-49FC-AFCC23C2EC06}"/>
+              <a16:creationId xmlns:a16="http://schemas.microsoft.com/office/drawing/2014/main" xmlns="" id="{F867F575-13CF-2FBE-49FC-AFCC23C2EC06}"/>
             </a:ext>
           </a:extLst>
         </p:cNvPr>
@@ -1819,7 +1819,7 @@
           <p:cNvPr id="2" name="Slide Image Placeholder 1">
             <a:extLst>
               <a:ext uri="{FF2B5EF4-FFF2-40B4-BE49-F238E27FC236}">
-                <a16:creationId xmlns:a16="http://schemas.microsoft.com/office/drawing/2014/main" id="{74E8810E-7BCF-47A8-4721-A9188B21171B}"/>
+                <a16:creationId xmlns:a16="http://schemas.microsoft.com/office/drawing/2014/main" xmlns="" id="{74E8810E-7BCF-47A8-4721-A9188B21171B}"/>
               </a:ext>
             </a:extLst>
           </p:cNvPr>
@@ -1837,7 +1837,7 @@
           <p:cNvPr id="3" name="Notes Placeholder 2">
             <a:extLst>
               <a:ext uri="{FF2B5EF4-FFF2-40B4-BE49-F238E27FC236}">
-                <a16:creationId xmlns:a16="http://schemas.microsoft.com/office/drawing/2014/main" id="{31A1E4B0-AF81-943B-B6F4-71965DB15E7A}"/>
+                <a16:creationId xmlns:a16="http://schemas.microsoft.com/office/drawing/2014/main" xmlns="" id="{31A1E4B0-AF81-943B-B6F4-71965DB15E7A}"/>
               </a:ext>
             </a:extLst>
           </p:cNvPr>
@@ -1862,7 +1862,7 @@
           <p:cNvPr id="4" name="Slide Number Placeholder 3">
             <a:extLst>
               <a:ext uri="{FF2B5EF4-FFF2-40B4-BE49-F238E27FC236}">
-                <a16:creationId xmlns:a16="http://schemas.microsoft.com/office/drawing/2014/main" id="{AA291FED-1B38-3151-F19D-964E9F07B4F7}"/>
+                <a16:creationId xmlns:a16="http://schemas.microsoft.com/office/drawing/2014/main" xmlns="" id="{AA291FED-1B38-3151-F19D-964E9F07B4F7}"/>
               </a:ext>
             </a:extLst>
           </p:cNvPr>
@@ -1907,7 +1907,7 @@
         <p:cNvPr id="1" name="">
           <a:extLst>
             <a:ext uri="{FF2B5EF4-FFF2-40B4-BE49-F238E27FC236}">
-              <a16:creationId xmlns:a16="http://schemas.microsoft.com/office/drawing/2014/main" id="{60F1D321-1548-AE2B-7392-A201216B6291}"/>
+              <a16:creationId xmlns:a16="http://schemas.microsoft.com/office/drawing/2014/main" xmlns="" id="{60F1D321-1548-AE2B-7392-A201216B6291}"/>
             </a:ext>
           </a:extLst>
         </p:cNvPr>
@@ -1927,7 +1927,7 @@
           <p:cNvPr id="2" name="Slide Image Placeholder 1">
             <a:extLst>
               <a:ext uri="{FF2B5EF4-FFF2-40B4-BE49-F238E27FC236}">
-                <a16:creationId xmlns:a16="http://schemas.microsoft.com/office/drawing/2014/main" id="{B51CB6E6-0AC5-75E5-1A67-FEAFD3507B1E}"/>
+                <a16:creationId xmlns:a16="http://schemas.microsoft.com/office/drawing/2014/main" xmlns="" id="{B51CB6E6-0AC5-75E5-1A67-FEAFD3507B1E}"/>
               </a:ext>
             </a:extLst>
           </p:cNvPr>
@@ -1945,7 +1945,7 @@
           <p:cNvPr id="3" name="Notes Placeholder 2">
             <a:extLst>
               <a:ext uri="{FF2B5EF4-FFF2-40B4-BE49-F238E27FC236}">
-                <a16:creationId xmlns:a16="http://schemas.microsoft.com/office/drawing/2014/main" id="{7072DC79-4824-EFC0-990A-613D3D0042D1}"/>
+                <a16:creationId xmlns:a16="http://schemas.microsoft.com/office/drawing/2014/main" xmlns="" id="{7072DC79-4824-EFC0-990A-613D3D0042D1}"/>
               </a:ext>
             </a:extLst>
           </p:cNvPr>
@@ -1970,7 +1970,7 @@
           <p:cNvPr id="4" name="Slide Number Placeholder 3">
             <a:extLst>
               <a:ext uri="{FF2B5EF4-FFF2-40B4-BE49-F238E27FC236}">
-                <a16:creationId xmlns:a16="http://schemas.microsoft.com/office/drawing/2014/main" id="{E867784D-03FA-B5F0-C1ED-1D006BE9DAAD}"/>
+                <a16:creationId xmlns:a16="http://schemas.microsoft.com/office/drawing/2014/main" xmlns="" id="{E867784D-03FA-B5F0-C1ED-1D006BE9DAAD}"/>
               </a:ext>
             </a:extLst>
           </p:cNvPr>
@@ -2015,7 +2015,7 @@
         <p:cNvPr id="1" name="">
           <a:extLst>
             <a:ext uri="{FF2B5EF4-FFF2-40B4-BE49-F238E27FC236}">
-              <a16:creationId xmlns:a16="http://schemas.microsoft.com/office/drawing/2014/main" id="{31CED5DF-CAF3-6E6E-3212-0A00341D9ECD}"/>
+              <a16:creationId xmlns:a16="http://schemas.microsoft.com/office/drawing/2014/main" xmlns="" id="{31CED5DF-CAF3-6E6E-3212-0A00341D9ECD}"/>
             </a:ext>
           </a:extLst>
         </p:cNvPr>
@@ -2035,7 +2035,7 @@
           <p:cNvPr id="2" name="Slide Image Placeholder 1">
             <a:extLst>
               <a:ext uri="{FF2B5EF4-FFF2-40B4-BE49-F238E27FC236}">
-                <a16:creationId xmlns:a16="http://schemas.microsoft.com/office/drawing/2014/main" id="{E93BB888-5963-C36B-A7CD-F82A87B2A3B1}"/>
+                <a16:creationId xmlns:a16="http://schemas.microsoft.com/office/drawing/2014/main" xmlns="" id="{E93BB888-5963-C36B-A7CD-F82A87B2A3B1}"/>
               </a:ext>
             </a:extLst>
           </p:cNvPr>
@@ -2053,7 +2053,7 @@
           <p:cNvPr id="3" name="Notes Placeholder 2">
             <a:extLst>
               <a:ext uri="{FF2B5EF4-FFF2-40B4-BE49-F238E27FC236}">
-                <a16:creationId xmlns:a16="http://schemas.microsoft.com/office/drawing/2014/main" id="{FF7AFAEE-4AC6-0939-EF27-36B5FF73C63D}"/>
+                <a16:creationId xmlns:a16="http://schemas.microsoft.com/office/drawing/2014/main" xmlns="" id="{FF7AFAEE-4AC6-0939-EF27-36B5FF73C63D}"/>
               </a:ext>
             </a:extLst>
           </p:cNvPr>
@@ -2078,7 +2078,7 @@
           <p:cNvPr id="4" name="Slide Number Placeholder 3">
             <a:extLst>
               <a:ext uri="{FF2B5EF4-FFF2-40B4-BE49-F238E27FC236}">
-                <a16:creationId xmlns:a16="http://schemas.microsoft.com/office/drawing/2014/main" id="{C29AF926-7DCA-B25F-46EE-AD9674353FC6}"/>
+                <a16:creationId xmlns:a16="http://schemas.microsoft.com/office/drawing/2014/main" xmlns="" id="{C29AF926-7DCA-B25F-46EE-AD9674353FC6}"/>
               </a:ext>
             </a:extLst>
           </p:cNvPr>
@@ -2123,7 +2123,7 @@
         <p:cNvPr id="1" name="">
           <a:extLst>
             <a:ext uri="{FF2B5EF4-FFF2-40B4-BE49-F238E27FC236}">
-              <a16:creationId xmlns:a16="http://schemas.microsoft.com/office/drawing/2014/main" id="{6451B88B-8A71-0F1A-067C-ACC7BE4D9F81}"/>
+              <a16:creationId xmlns:a16="http://schemas.microsoft.com/office/drawing/2014/main" xmlns="" id="{6451B88B-8A71-0F1A-067C-ACC7BE4D9F81}"/>
             </a:ext>
           </a:extLst>
         </p:cNvPr>
@@ -2143,7 +2143,7 @@
           <p:cNvPr id="2" name="Slide Image Placeholder 1">
             <a:extLst>
               <a:ext uri="{FF2B5EF4-FFF2-40B4-BE49-F238E27FC236}">
-                <a16:creationId xmlns:a16="http://schemas.microsoft.com/office/drawing/2014/main" id="{78F0EB87-8DDF-E18A-915E-0AD780B94AEA}"/>
+                <a16:creationId xmlns:a16="http://schemas.microsoft.com/office/drawing/2014/main" xmlns="" id="{78F0EB87-8DDF-E18A-915E-0AD780B94AEA}"/>
               </a:ext>
             </a:extLst>
           </p:cNvPr>
@@ -2161,7 +2161,7 @@
           <p:cNvPr id="3" name="Notes Placeholder 2">
             <a:extLst>
               <a:ext uri="{FF2B5EF4-FFF2-40B4-BE49-F238E27FC236}">
-                <a16:creationId xmlns:a16="http://schemas.microsoft.com/office/drawing/2014/main" id="{8A2A9E12-43BD-46B3-BC91-DCA40B0104B0}"/>
+                <a16:creationId xmlns:a16="http://schemas.microsoft.com/office/drawing/2014/main" xmlns="" id="{8A2A9E12-43BD-46B3-BC91-DCA40B0104B0}"/>
               </a:ext>
             </a:extLst>
           </p:cNvPr>
@@ -2186,7 +2186,7 @@
           <p:cNvPr id="4" name="Slide Number Placeholder 3">
             <a:extLst>
               <a:ext uri="{FF2B5EF4-FFF2-40B4-BE49-F238E27FC236}">
-                <a16:creationId xmlns:a16="http://schemas.microsoft.com/office/drawing/2014/main" id="{78E2421A-C25E-A214-66D0-AF4FD13B1EF4}"/>
+                <a16:creationId xmlns:a16="http://schemas.microsoft.com/office/drawing/2014/main" xmlns="" id="{78E2421A-C25E-A214-66D0-AF4FD13B1EF4}"/>
               </a:ext>
             </a:extLst>
           </p:cNvPr>
@@ -2231,7 +2231,7 @@
         <p:cNvPr id="1" name="">
           <a:extLst>
             <a:ext uri="{FF2B5EF4-FFF2-40B4-BE49-F238E27FC236}">
-              <a16:creationId xmlns:a16="http://schemas.microsoft.com/office/drawing/2014/main" id="{840AEF2D-759F-C2FB-DBBC-87B46E87DA2F}"/>
+              <a16:creationId xmlns:a16="http://schemas.microsoft.com/office/drawing/2014/main" xmlns="" id="{840AEF2D-759F-C2FB-DBBC-87B46E87DA2F}"/>
             </a:ext>
           </a:extLst>
         </p:cNvPr>
@@ -2251,7 +2251,7 @@
           <p:cNvPr id="2" name="Slide Image Placeholder 1">
             <a:extLst>
               <a:ext uri="{FF2B5EF4-FFF2-40B4-BE49-F238E27FC236}">
-                <a16:creationId xmlns:a16="http://schemas.microsoft.com/office/drawing/2014/main" id="{2749BBC4-26E0-D72A-A174-FA4214D66879}"/>
+                <a16:creationId xmlns:a16="http://schemas.microsoft.com/office/drawing/2014/main" xmlns="" id="{2749BBC4-26E0-D72A-A174-FA4214D66879}"/>
               </a:ext>
             </a:extLst>
           </p:cNvPr>
@@ -2269,7 +2269,7 @@
           <p:cNvPr id="3" name="Notes Placeholder 2">
             <a:extLst>
               <a:ext uri="{FF2B5EF4-FFF2-40B4-BE49-F238E27FC236}">
-                <a16:creationId xmlns:a16="http://schemas.microsoft.com/office/drawing/2014/main" id="{888148A5-6D2B-FF18-3349-7DF80D5A9BB4}"/>
+                <a16:creationId xmlns:a16="http://schemas.microsoft.com/office/drawing/2014/main" xmlns="" id="{888148A5-6D2B-FF18-3349-7DF80D5A9BB4}"/>
               </a:ext>
             </a:extLst>
           </p:cNvPr>
@@ -2294,7 +2294,7 @@
           <p:cNvPr id="4" name="Slide Number Placeholder 3">
             <a:extLst>
               <a:ext uri="{FF2B5EF4-FFF2-40B4-BE49-F238E27FC236}">
-                <a16:creationId xmlns:a16="http://schemas.microsoft.com/office/drawing/2014/main" id="{9696670F-BB6A-0402-116C-8AD39E1C11F3}"/>
+                <a16:creationId xmlns:a16="http://schemas.microsoft.com/office/drawing/2014/main" xmlns="" id="{9696670F-BB6A-0402-116C-8AD39E1C11F3}"/>
               </a:ext>
             </a:extLst>
           </p:cNvPr>
@@ -2339,7 +2339,7 @@
         <p:cNvPr id="1" name="">
           <a:extLst>
             <a:ext uri="{FF2B5EF4-FFF2-40B4-BE49-F238E27FC236}">
-              <a16:creationId xmlns:a16="http://schemas.microsoft.com/office/drawing/2014/main" id="{E8333B26-3930-582F-FE2F-AE5E4B4F363C}"/>
+              <a16:creationId xmlns:a16="http://schemas.microsoft.com/office/drawing/2014/main" xmlns="" id="{E8333B26-3930-582F-FE2F-AE5E4B4F363C}"/>
             </a:ext>
           </a:extLst>
         </p:cNvPr>
@@ -2359,7 +2359,7 @@
           <p:cNvPr id="2" name="Slide Image Placeholder 1">
             <a:extLst>
               <a:ext uri="{FF2B5EF4-FFF2-40B4-BE49-F238E27FC236}">
-                <a16:creationId xmlns:a16="http://schemas.microsoft.com/office/drawing/2014/main" id="{D0AD4EF8-6724-BCC0-1207-E9D569611398}"/>
+                <a16:creationId xmlns:a16="http://schemas.microsoft.com/office/drawing/2014/main" xmlns="" id="{D0AD4EF8-6724-BCC0-1207-E9D569611398}"/>
               </a:ext>
             </a:extLst>
           </p:cNvPr>
@@ -2377,7 +2377,7 @@
           <p:cNvPr id="3" name="Notes Placeholder 2">
             <a:extLst>
               <a:ext uri="{FF2B5EF4-FFF2-40B4-BE49-F238E27FC236}">
-                <a16:creationId xmlns:a16="http://schemas.microsoft.com/office/drawing/2014/main" id="{265FF0D8-8E1E-DE4F-38AD-910C4DEC2BA1}"/>
+                <a16:creationId xmlns:a16="http://schemas.microsoft.com/office/drawing/2014/main" xmlns="" id="{265FF0D8-8E1E-DE4F-38AD-910C4DEC2BA1}"/>
               </a:ext>
             </a:extLst>
           </p:cNvPr>
@@ -2402,7 +2402,7 @@
           <p:cNvPr id="4" name="Slide Number Placeholder 3">
             <a:extLst>
               <a:ext uri="{FF2B5EF4-FFF2-40B4-BE49-F238E27FC236}">
-                <a16:creationId xmlns:a16="http://schemas.microsoft.com/office/drawing/2014/main" id="{ACB8D817-0807-23D0-20BE-7704341F092D}"/>
+                <a16:creationId xmlns:a16="http://schemas.microsoft.com/office/drawing/2014/main" xmlns="" id="{ACB8D817-0807-23D0-20BE-7704341F092D}"/>
               </a:ext>
             </a:extLst>
           </p:cNvPr>
@@ -2531,7 +2531,7 @@
         <p:cNvPr id="1" name="">
           <a:extLst>
             <a:ext uri="{FF2B5EF4-FFF2-40B4-BE49-F238E27FC236}">
-              <a16:creationId xmlns:a16="http://schemas.microsoft.com/office/drawing/2014/main" id="{C865904B-EB61-2018-F872-F9A47FB05DC9}"/>
+              <a16:creationId xmlns:a16="http://schemas.microsoft.com/office/drawing/2014/main" xmlns="" id="{C865904B-EB61-2018-F872-F9A47FB05DC9}"/>
             </a:ext>
           </a:extLst>
         </p:cNvPr>
@@ -2551,7 +2551,7 @@
           <p:cNvPr id="2" name="Slide Image Placeholder 1">
             <a:extLst>
               <a:ext uri="{FF2B5EF4-FFF2-40B4-BE49-F238E27FC236}">
-                <a16:creationId xmlns:a16="http://schemas.microsoft.com/office/drawing/2014/main" id="{3B111D39-DBDA-BEAC-B218-DC411654422B}"/>
+                <a16:creationId xmlns:a16="http://schemas.microsoft.com/office/drawing/2014/main" xmlns="" id="{3B111D39-DBDA-BEAC-B218-DC411654422B}"/>
               </a:ext>
             </a:extLst>
           </p:cNvPr>
@@ -2569,7 +2569,7 @@
           <p:cNvPr id="3" name="Notes Placeholder 2">
             <a:extLst>
               <a:ext uri="{FF2B5EF4-FFF2-40B4-BE49-F238E27FC236}">
-                <a16:creationId xmlns:a16="http://schemas.microsoft.com/office/drawing/2014/main" id="{976E788D-9B88-F9AB-AE7F-51BDE6977F8E}"/>
+                <a16:creationId xmlns:a16="http://schemas.microsoft.com/office/drawing/2014/main" xmlns="" id="{976E788D-9B88-F9AB-AE7F-51BDE6977F8E}"/>
               </a:ext>
             </a:extLst>
           </p:cNvPr>
@@ -2594,7 +2594,7 @@
           <p:cNvPr id="4" name="Slide Number Placeholder 3">
             <a:extLst>
               <a:ext uri="{FF2B5EF4-FFF2-40B4-BE49-F238E27FC236}">
-                <a16:creationId xmlns:a16="http://schemas.microsoft.com/office/drawing/2014/main" id="{78079758-8998-855A-50D0-C9A23C6929C8}"/>
+                <a16:creationId xmlns:a16="http://schemas.microsoft.com/office/drawing/2014/main" xmlns="" id="{78079758-8998-855A-50D0-C9A23C6929C8}"/>
               </a:ext>
             </a:extLst>
           </p:cNvPr>
@@ -2759,7 +2759,7 @@
         <p:cNvPr id="1" name="">
           <a:extLst>
             <a:ext uri="{FF2B5EF4-FFF2-40B4-BE49-F238E27FC236}">
-              <a16:creationId xmlns:a16="http://schemas.microsoft.com/office/drawing/2014/main" id="{CA3EBFDD-0351-78E9-82BC-12C0725E4A5E}"/>
+              <a16:creationId xmlns:a16="http://schemas.microsoft.com/office/drawing/2014/main" xmlns="" id="{CA3EBFDD-0351-78E9-82BC-12C0725E4A5E}"/>
             </a:ext>
           </a:extLst>
         </p:cNvPr>
@@ -2779,7 +2779,7 @@
           <p:cNvPr id="2" name="Slide Image Placeholder 1">
             <a:extLst>
               <a:ext uri="{FF2B5EF4-FFF2-40B4-BE49-F238E27FC236}">
-                <a16:creationId xmlns:a16="http://schemas.microsoft.com/office/drawing/2014/main" id="{7B5EBF6D-BC8C-0A94-BCA8-579D6A0BCDAF}"/>
+                <a16:creationId xmlns:a16="http://schemas.microsoft.com/office/drawing/2014/main" xmlns="" id="{7B5EBF6D-BC8C-0A94-BCA8-579D6A0BCDAF}"/>
               </a:ext>
             </a:extLst>
           </p:cNvPr>
@@ -2797,7 +2797,7 @@
           <p:cNvPr id="3" name="Notes Placeholder 2">
             <a:extLst>
               <a:ext uri="{FF2B5EF4-FFF2-40B4-BE49-F238E27FC236}">
-                <a16:creationId xmlns:a16="http://schemas.microsoft.com/office/drawing/2014/main" id="{765B0262-FE92-D6FE-72EB-4714FAF4BEC5}"/>
+                <a16:creationId xmlns:a16="http://schemas.microsoft.com/office/drawing/2014/main" xmlns="" id="{765B0262-FE92-D6FE-72EB-4714FAF4BEC5}"/>
               </a:ext>
             </a:extLst>
           </p:cNvPr>
@@ -3072,7 +3072,7 @@
           <p:cNvPr id="4" name="Slide Number Placeholder 3">
             <a:extLst>
               <a:ext uri="{FF2B5EF4-FFF2-40B4-BE49-F238E27FC236}">
-                <a16:creationId xmlns:a16="http://schemas.microsoft.com/office/drawing/2014/main" id="{AD6697E5-F211-F48E-A66C-8FBCE248F9F9}"/>
+                <a16:creationId xmlns:a16="http://schemas.microsoft.com/office/drawing/2014/main" xmlns="" id="{AD6697E5-F211-F48E-A66C-8FBCE248F9F9}"/>
               </a:ext>
             </a:extLst>
           </p:cNvPr>
@@ -3117,7 +3117,7 @@
         <p:cNvPr id="1" name="">
           <a:extLst>
             <a:ext uri="{FF2B5EF4-FFF2-40B4-BE49-F238E27FC236}">
-              <a16:creationId xmlns:a16="http://schemas.microsoft.com/office/drawing/2014/main" id="{CA3EBFDD-0351-78E9-82BC-12C0725E4A5E}"/>
+              <a16:creationId xmlns:a16="http://schemas.microsoft.com/office/drawing/2014/main" xmlns="" id="{CA3EBFDD-0351-78E9-82BC-12C0725E4A5E}"/>
             </a:ext>
           </a:extLst>
         </p:cNvPr>
@@ -3137,7 +3137,7 @@
           <p:cNvPr id="2" name="Slide Image Placeholder 1">
             <a:extLst>
               <a:ext uri="{FF2B5EF4-FFF2-40B4-BE49-F238E27FC236}">
-                <a16:creationId xmlns:a16="http://schemas.microsoft.com/office/drawing/2014/main" id="{7B5EBF6D-BC8C-0A94-BCA8-579D6A0BCDAF}"/>
+                <a16:creationId xmlns:a16="http://schemas.microsoft.com/office/drawing/2014/main" xmlns="" id="{7B5EBF6D-BC8C-0A94-BCA8-579D6A0BCDAF}"/>
               </a:ext>
             </a:extLst>
           </p:cNvPr>
@@ -3155,7 +3155,7 @@
           <p:cNvPr id="3" name="Notes Placeholder 2">
             <a:extLst>
               <a:ext uri="{FF2B5EF4-FFF2-40B4-BE49-F238E27FC236}">
-                <a16:creationId xmlns:a16="http://schemas.microsoft.com/office/drawing/2014/main" id="{765B0262-FE92-D6FE-72EB-4714FAF4BEC5}"/>
+                <a16:creationId xmlns:a16="http://schemas.microsoft.com/office/drawing/2014/main" xmlns="" id="{765B0262-FE92-D6FE-72EB-4714FAF4BEC5}"/>
               </a:ext>
             </a:extLst>
           </p:cNvPr>
@@ -3171,6 +3171,10 @@
           <a:bodyPr/>
           <a:lstStyle/>
           <a:p>
+            <a:r>
+              <a:rPr lang="en-US" dirty="0"/>
+              <a:t/>
+            </a:r>
             <a:br>
               <a:rPr lang="en-US" dirty="0"/>
             </a:br>
@@ -3214,7 +3218,7 @@
           <p:cNvPr id="4" name="Slide Number Placeholder 3">
             <a:extLst>
               <a:ext uri="{FF2B5EF4-FFF2-40B4-BE49-F238E27FC236}">
-                <a16:creationId xmlns:a16="http://schemas.microsoft.com/office/drawing/2014/main" id="{AD6697E5-F211-F48E-A66C-8FBCE248F9F9}"/>
+                <a16:creationId xmlns:a16="http://schemas.microsoft.com/office/drawing/2014/main" xmlns="" id="{AD6697E5-F211-F48E-A66C-8FBCE248F9F9}"/>
               </a:ext>
             </a:extLst>
           </p:cNvPr>
@@ -3259,7 +3263,7 @@
         <p:cNvPr id="1" name="">
           <a:extLst>
             <a:ext uri="{FF2B5EF4-FFF2-40B4-BE49-F238E27FC236}">
-              <a16:creationId xmlns:a16="http://schemas.microsoft.com/office/drawing/2014/main" id="{05F413CB-DD0A-F4D0-C497-25A3D838C863}"/>
+              <a16:creationId xmlns:a16="http://schemas.microsoft.com/office/drawing/2014/main" xmlns="" id="{05F413CB-DD0A-F4D0-C497-25A3D838C863}"/>
             </a:ext>
           </a:extLst>
         </p:cNvPr>
@@ -3279,7 +3283,7 @@
           <p:cNvPr id="2" name="Slide Image Placeholder 1">
             <a:extLst>
               <a:ext uri="{FF2B5EF4-FFF2-40B4-BE49-F238E27FC236}">
-                <a16:creationId xmlns:a16="http://schemas.microsoft.com/office/drawing/2014/main" id="{E8128277-EDC4-06DD-44CD-BA25F60E09A8}"/>
+                <a16:creationId xmlns:a16="http://schemas.microsoft.com/office/drawing/2014/main" xmlns="" id="{E8128277-EDC4-06DD-44CD-BA25F60E09A8}"/>
               </a:ext>
             </a:extLst>
           </p:cNvPr>
@@ -3297,7 +3301,7 @@
           <p:cNvPr id="3" name="Notes Placeholder 2">
             <a:extLst>
               <a:ext uri="{FF2B5EF4-FFF2-40B4-BE49-F238E27FC236}">
-                <a16:creationId xmlns:a16="http://schemas.microsoft.com/office/drawing/2014/main" id="{A8B35E28-20B0-34C8-65CB-93E7B570B084}"/>
+                <a16:creationId xmlns:a16="http://schemas.microsoft.com/office/drawing/2014/main" xmlns="" id="{A8B35E28-20B0-34C8-65CB-93E7B570B084}"/>
               </a:ext>
             </a:extLst>
           </p:cNvPr>
@@ -3313,6 +3317,10 @@
           <a:bodyPr/>
           <a:lstStyle/>
           <a:p>
+            <a:r>
+              <a:rPr lang="en-US" dirty="0"/>
+              <a:t/>
+            </a:r>
             <a:br>
               <a:rPr lang="en-US" dirty="0"/>
             </a:br>
@@ -3356,7 +3364,7 @@
           <p:cNvPr id="4" name="Slide Number Placeholder 3">
             <a:extLst>
               <a:ext uri="{FF2B5EF4-FFF2-40B4-BE49-F238E27FC236}">
-                <a16:creationId xmlns:a16="http://schemas.microsoft.com/office/drawing/2014/main" id="{3D8D2931-4993-87CE-8A0E-E5BF72D1444A}"/>
+                <a16:creationId xmlns:a16="http://schemas.microsoft.com/office/drawing/2014/main" xmlns="" id="{3D8D2931-4993-87CE-8A0E-E5BF72D1444A}"/>
               </a:ext>
             </a:extLst>
           </p:cNvPr>
@@ -3401,7 +3409,7 @@
         <p:cNvPr id="1" name="">
           <a:extLst>
             <a:ext uri="{FF2B5EF4-FFF2-40B4-BE49-F238E27FC236}">
-              <a16:creationId xmlns:a16="http://schemas.microsoft.com/office/drawing/2014/main" id="{0D9A1D84-BCDD-21E0-C2E3-503B87D9D5D3}"/>
+              <a16:creationId xmlns:a16="http://schemas.microsoft.com/office/drawing/2014/main" xmlns="" id="{0D9A1D84-BCDD-21E0-C2E3-503B87D9D5D3}"/>
             </a:ext>
           </a:extLst>
         </p:cNvPr>
@@ -3421,7 +3429,7 @@
           <p:cNvPr id="2" name="Slide Image Placeholder 1">
             <a:extLst>
               <a:ext uri="{FF2B5EF4-FFF2-40B4-BE49-F238E27FC236}">
-                <a16:creationId xmlns:a16="http://schemas.microsoft.com/office/drawing/2014/main" id="{9600404D-EA4D-A6E2-EBCE-0834719F8676}"/>
+                <a16:creationId xmlns:a16="http://schemas.microsoft.com/office/drawing/2014/main" xmlns="" id="{9600404D-EA4D-A6E2-EBCE-0834719F8676}"/>
               </a:ext>
             </a:extLst>
           </p:cNvPr>
@@ -3439,7 +3447,7 @@
           <p:cNvPr id="3" name="Notes Placeholder 2">
             <a:extLst>
               <a:ext uri="{FF2B5EF4-FFF2-40B4-BE49-F238E27FC236}">
-                <a16:creationId xmlns:a16="http://schemas.microsoft.com/office/drawing/2014/main" id="{31DC5AD4-B9D9-B5D6-1E6F-43BF88E223B3}"/>
+                <a16:creationId xmlns:a16="http://schemas.microsoft.com/office/drawing/2014/main" xmlns="" id="{31DC5AD4-B9D9-B5D6-1E6F-43BF88E223B3}"/>
               </a:ext>
             </a:extLst>
           </p:cNvPr>
@@ -3455,6 +3463,10 @@
           <a:bodyPr/>
           <a:lstStyle/>
           <a:p>
+            <a:r>
+              <a:rPr lang="en-US" dirty="0"/>
+              <a:t/>
+            </a:r>
             <a:br>
               <a:rPr lang="en-US" dirty="0"/>
             </a:br>
@@ -3498,7 +3510,7 @@
           <p:cNvPr id="4" name="Slide Number Placeholder 3">
             <a:extLst>
               <a:ext uri="{FF2B5EF4-FFF2-40B4-BE49-F238E27FC236}">
-                <a16:creationId xmlns:a16="http://schemas.microsoft.com/office/drawing/2014/main" id="{A8A56D33-D6B4-5F0F-78CE-BD23695A555C}"/>
+                <a16:creationId xmlns:a16="http://schemas.microsoft.com/office/drawing/2014/main" xmlns="" id="{A8A56D33-D6B4-5F0F-78CE-BD23695A555C}"/>
               </a:ext>
             </a:extLst>
           </p:cNvPr>
@@ -3543,7 +3555,7 @@
         <p:cNvPr id="1" name="">
           <a:extLst>
             <a:ext uri="{FF2B5EF4-FFF2-40B4-BE49-F238E27FC236}">
-              <a16:creationId xmlns:a16="http://schemas.microsoft.com/office/drawing/2014/main" id="{39AFBB6F-C918-9767-7AE9-907236F5CF95}"/>
+              <a16:creationId xmlns:a16="http://schemas.microsoft.com/office/drawing/2014/main" xmlns="" id="{39AFBB6F-C918-9767-7AE9-907236F5CF95}"/>
             </a:ext>
           </a:extLst>
         </p:cNvPr>
@@ -3563,7 +3575,7 @@
           <p:cNvPr id="2" name="Slide Image Placeholder 1">
             <a:extLst>
               <a:ext uri="{FF2B5EF4-FFF2-40B4-BE49-F238E27FC236}">
-                <a16:creationId xmlns:a16="http://schemas.microsoft.com/office/drawing/2014/main" id="{420CAE82-375A-BD92-165A-0FB9C18CC8DF}"/>
+                <a16:creationId xmlns:a16="http://schemas.microsoft.com/office/drawing/2014/main" xmlns="" id="{420CAE82-375A-BD92-165A-0FB9C18CC8DF}"/>
               </a:ext>
             </a:extLst>
           </p:cNvPr>
@@ -3581,7 +3593,7 @@
           <p:cNvPr id="3" name="Notes Placeholder 2">
             <a:extLst>
               <a:ext uri="{FF2B5EF4-FFF2-40B4-BE49-F238E27FC236}">
-                <a16:creationId xmlns:a16="http://schemas.microsoft.com/office/drawing/2014/main" id="{E1B58FAB-2A2C-75A3-66A1-B7CA4A77BE97}"/>
+                <a16:creationId xmlns:a16="http://schemas.microsoft.com/office/drawing/2014/main" xmlns="" id="{E1B58FAB-2A2C-75A3-66A1-B7CA4A77BE97}"/>
               </a:ext>
             </a:extLst>
           </p:cNvPr>
@@ -3597,6 +3609,10 @@
           <a:bodyPr/>
           <a:lstStyle/>
           <a:p>
+            <a:r>
+              <a:rPr lang="en-US" dirty="0"/>
+              <a:t/>
+            </a:r>
             <a:br>
               <a:rPr lang="en-US" dirty="0"/>
             </a:br>
@@ -3640,7 +3656,7 @@
           <p:cNvPr id="4" name="Slide Number Placeholder 3">
             <a:extLst>
               <a:ext uri="{FF2B5EF4-FFF2-40B4-BE49-F238E27FC236}">
-                <a16:creationId xmlns:a16="http://schemas.microsoft.com/office/drawing/2014/main" id="{6105FA96-965B-442F-E9EC-340219A5B940}"/>
+                <a16:creationId xmlns:a16="http://schemas.microsoft.com/office/drawing/2014/main" xmlns="" id="{6105FA96-965B-442F-E9EC-340219A5B940}"/>
               </a:ext>
             </a:extLst>
           </p:cNvPr>
@@ -3699,7 +3715,7 @@
           <p:cNvPr id="6" name="Picture Placeholder 5">
             <a:extLst>
               <a:ext uri="{FF2B5EF4-FFF2-40B4-BE49-F238E27FC236}">
-                <a16:creationId xmlns:a16="http://schemas.microsoft.com/office/drawing/2014/main" id="{3D023C27-C474-480F-BC7F-9C1AAFCAD96E}"/>
+                <a16:creationId xmlns:a16="http://schemas.microsoft.com/office/drawing/2014/main" xmlns="" id="{3D023C27-C474-480F-BC7F-9C1AAFCAD96E}"/>
               </a:ext>
             </a:extLst>
           </p:cNvPr>
@@ -3729,7 +3745,7 @@
           <p:cNvPr id="3" name="Rectangle 2">
             <a:extLst>
               <a:ext uri="{FF2B5EF4-FFF2-40B4-BE49-F238E27FC236}">
-                <a16:creationId xmlns:a16="http://schemas.microsoft.com/office/drawing/2014/main" id="{A48A0F1A-22FB-45FF-80D6-4FE63A63EE04}"/>
+                <a16:creationId xmlns:a16="http://schemas.microsoft.com/office/drawing/2014/main" xmlns="" id="{A48A0F1A-22FB-45FF-80D6-4FE63A63EE04}"/>
               </a:ext>
             </a:extLst>
           </p:cNvPr>
@@ -3790,7 +3806,7 @@
           <p:cNvPr id="12" name="Content Placeholder 14">
             <a:extLst>
               <a:ext uri="{FF2B5EF4-FFF2-40B4-BE49-F238E27FC236}">
-                <a16:creationId xmlns:a16="http://schemas.microsoft.com/office/drawing/2014/main" id="{0D990D0E-21A8-4155-B955-886A21DE1825}"/>
+                <a16:creationId xmlns:a16="http://schemas.microsoft.com/office/drawing/2014/main" xmlns="" id="{0D990D0E-21A8-4155-B955-886A21DE1825}"/>
               </a:ext>
             </a:extLst>
           </p:cNvPr>
@@ -3836,7 +3852,7 @@
           <p:cNvPr id="13" name="Text Placeholder 16">
             <a:extLst>
               <a:ext uri="{FF2B5EF4-FFF2-40B4-BE49-F238E27FC236}">
-                <a16:creationId xmlns:a16="http://schemas.microsoft.com/office/drawing/2014/main" id="{E86030C3-0988-4616-B1A6-DC729760D6A1}"/>
+                <a16:creationId xmlns:a16="http://schemas.microsoft.com/office/drawing/2014/main" xmlns="" id="{E86030C3-0988-4616-B1A6-DC729760D6A1}"/>
               </a:ext>
             </a:extLst>
           </p:cNvPr>
@@ -3981,7 +3997,7 @@
           <p:cNvPr id="11" name="Title 1">
             <a:extLst>
               <a:ext uri="{FF2B5EF4-FFF2-40B4-BE49-F238E27FC236}">
-                <a16:creationId xmlns:a16="http://schemas.microsoft.com/office/drawing/2014/main" id="{B0BD0440-9D47-4C93-95F9-EFC0FCF1C626}"/>
+                <a16:creationId xmlns:a16="http://schemas.microsoft.com/office/drawing/2014/main" xmlns="" id="{B0BD0440-9D47-4C93-95F9-EFC0FCF1C626}"/>
               </a:ext>
             </a:extLst>
           </p:cNvPr>
@@ -4028,7 +4044,7 @@
           <p:cNvPr id="14" name="Subtitle 2">
             <a:extLst>
               <a:ext uri="{FF2B5EF4-FFF2-40B4-BE49-F238E27FC236}">
-                <a16:creationId xmlns:a16="http://schemas.microsoft.com/office/drawing/2014/main" id="{D62D81F5-56E3-4D39-96F6-6C09DF4C2835}"/>
+                <a16:creationId xmlns:a16="http://schemas.microsoft.com/office/drawing/2014/main" xmlns="" id="{D62D81F5-56E3-4D39-96F6-6C09DF4C2835}"/>
               </a:ext>
             </a:extLst>
           </p:cNvPr>
@@ -4109,7 +4125,7 @@
           <p:cNvPr id="16" name="Content Placeholder 14">
             <a:extLst>
               <a:ext uri="{FF2B5EF4-FFF2-40B4-BE49-F238E27FC236}">
-                <a16:creationId xmlns:a16="http://schemas.microsoft.com/office/drawing/2014/main" id="{6A973B95-8AB3-4E60-8A20-AB12D6D0E54E}"/>
+                <a16:creationId xmlns:a16="http://schemas.microsoft.com/office/drawing/2014/main" xmlns="" id="{6A973B95-8AB3-4E60-8A20-AB12D6D0E54E}"/>
               </a:ext>
             </a:extLst>
           </p:cNvPr>
@@ -4155,7 +4171,7 @@
           <p:cNvPr id="17" name="Text Placeholder 16">
             <a:extLst>
               <a:ext uri="{FF2B5EF4-FFF2-40B4-BE49-F238E27FC236}">
-                <a16:creationId xmlns:a16="http://schemas.microsoft.com/office/drawing/2014/main" id="{2569348C-F945-4CEC-9698-686F8ABC8B23}"/>
+                <a16:creationId xmlns:a16="http://schemas.microsoft.com/office/drawing/2014/main" xmlns="" id="{2569348C-F945-4CEC-9698-686F8ABC8B23}"/>
               </a:ext>
             </a:extLst>
           </p:cNvPr>
@@ -4277,7 +4293,7 @@
   </p:clrMapOvr>
   <p:extLst>
     <p:ext uri="{DCECCB84-F9BA-43D5-87BE-67443E8EF086}">
-      <p15:sldGuideLst xmlns:p15="http://schemas.microsoft.com/office/powerpoint/2012/main"/>
+      <p15:sldGuideLst xmlns:p15="http://schemas.microsoft.com/office/powerpoint/2012/main" xmlns=""/>
     </p:ext>
   </p:extLst>
 </p:sldLayout>
@@ -4305,7 +4321,7 @@
           <p:cNvPr id="6" name="Picture Placeholder 5">
             <a:extLst>
               <a:ext uri="{FF2B5EF4-FFF2-40B4-BE49-F238E27FC236}">
-                <a16:creationId xmlns:a16="http://schemas.microsoft.com/office/drawing/2014/main" id="{3D023C27-C474-480F-BC7F-9C1AAFCAD96E}"/>
+                <a16:creationId xmlns:a16="http://schemas.microsoft.com/office/drawing/2014/main" xmlns="" id="{3D023C27-C474-480F-BC7F-9C1AAFCAD96E}"/>
               </a:ext>
             </a:extLst>
           </p:cNvPr>
@@ -4335,7 +4351,7 @@
           <p:cNvPr id="3" name="Rectangle 2">
             <a:extLst>
               <a:ext uri="{FF2B5EF4-FFF2-40B4-BE49-F238E27FC236}">
-                <a16:creationId xmlns:a16="http://schemas.microsoft.com/office/drawing/2014/main" id="{A48A0F1A-22FB-45FF-80D6-4FE63A63EE04}"/>
+                <a16:creationId xmlns:a16="http://schemas.microsoft.com/office/drawing/2014/main" xmlns="" id="{A48A0F1A-22FB-45FF-80D6-4FE63A63EE04}"/>
               </a:ext>
             </a:extLst>
           </p:cNvPr>
@@ -4396,7 +4412,7 @@
           <p:cNvPr id="2" name="Title 1">
             <a:extLst>
               <a:ext uri="{FF2B5EF4-FFF2-40B4-BE49-F238E27FC236}">
-                <a16:creationId xmlns:a16="http://schemas.microsoft.com/office/drawing/2014/main" id="{DF01E5D2-6D16-41B9-8D95-C3831084A574}"/>
+                <a16:creationId xmlns:a16="http://schemas.microsoft.com/office/drawing/2014/main" xmlns="" id="{DF01E5D2-6D16-41B9-8D95-C3831084A574}"/>
               </a:ext>
             </a:extLst>
           </p:cNvPr>
@@ -4443,7 +4459,7 @@
           <p:cNvPr id="18" name="Subtitle 2">
             <a:extLst>
               <a:ext uri="{FF2B5EF4-FFF2-40B4-BE49-F238E27FC236}">
-                <a16:creationId xmlns:a16="http://schemas.microsoft.com/office/drawing/2014/main" id="{C1E1772A-8C1A-43F8-A297-A2A1C4961A78}"/>
+                <a16:creationId xmlns:a16="http://schemas.microsoft.com/office/drawing/2014/main" xmlns="" id="{C1E1772A-8C1A-43F8-A297-A2A1C4961A78}"/>
               </a:ext>
             </a:extLst>
           </p:cNvPr>
@@ -4524,7 +4540,7 @@
           <p:cNvPr id="15" name="Rectangle 14">
             <a:extLst>
               <a:ext uri="{FF2B5EF4-FFF2-40B4-BE49-F238E27FC236}">
-                <a16:creationId xmlns:a16="http://schemas.microsoft.com/office/drawing/2014/main" id="{97492751-E9EF-463C-8C1E-1AA3A9B1D816}"/>
+                <a16:creationId xmlns:a16="http://schemas.microsoft.com/office/drawing/2014/main" xmlns="" id="{97492751-E9EF-463C-8C1E-1AA3A9B1D816}"/>
               </a:ext>
             </a:extLst>
           </p:cNvPr>
@@ -4574,7 +4590,7 @@
           <p:cNvPr id="20" name="Content Placeholder 14">
             <a:extLst>
               <a:ext uri="{FF2B5EF4-FFF2-40B4-BE49-F238E27FC236}">
-                <a16:creationId xmlns:a16="http://schemas.microsoft.com/office/drawing/2014/main" id="{E6FA2C89-4818-4619-8F8B-31E5505EAF76}"/>
+                <a16:creationId xmlns:a16="http://schemas.microsoft.com/office/drawing/2014/main" xmlns="" id="{E6FA2C89-4818-4619-8F8B-31E5505EAF76}"/>
               </a:ext>
             </a:extLst>
           </p:cNvPr>
@@ -4620,7 +4636,7 @@
           <p:cNvPr id="21" name="Text Placeholder 16">
             <a:extLst>
               <a:ext uri="{FF2B5EF4-FFF2-40B4-BE49-F238E27FC236}">
-                <a16:creationId xmlns:a16="http://schemas.microsoft.com/office/drawing/2014/main" id="{67651986-01F3-4697-A0D4-31F6A1098310}"/>
+                <a16:creationId xmlns:a16="http://schemas.microsoft.com/office/drawing/2014/main" xmlns="" id="{67651986-01F3-4697-A0D4-31F6A1098310}"/>
               </a:ext>
             </a:extLst>
           </p:cNvPr>
@@ -4735,7 +4751,7 @@
           <p:cNvPr id="12" name="Content Placeholder 14">
             <a:extLst>
               <a:ext uri="{FF2B5EF4-FFF2-40B4-BE49-F238E27FC236}">
-                <a16:creationId xmlns:a16="http://schemas.microsoft.com/office/drawing/2014/main" id="{0D990D0E-21A8-4155-B955-886A21DE1825}"/>
+                <a16:creationId xmlns:a16="http://schemas.microsoft.com/office/drawing/2014/main" xmlns="" id="{0D990D0E-21A8-4155-B955-886A21DE1825}"/>
               </a:ext>
             </a:extLst>
           </p:cNvPr>
@@ -4781,7 +4797,7 @@
           <p:cNvPr id="13" name="Text Placeholder 16">
             <a:extLst>
               <a:ext uri="{FF2B5EF4-FFF2-40B4-BE49-F238E27FC236}">
-                <a16:creationId xmlns:a16="http://schemas.microsoft.com/office/drawing/2014/main" id="{E86030C3-0988-4616-B1A6-DC729760D6A1}"/>
+                <a16:creationId xmlns:a16="http://schemas.microsoft.com/office/drawing/2014/main" xmlns="" id="{E86030C3-0988-4616-B1A6-DC729760D6A1}"/>
               </a:ext>
             </a:extLst>
           </p:cNvPr>
@@ -4933,7 +4949,7 @@
   </p:clrMapOvr>
   <p:extLst>
     <p:ext uri="{DCECCB84-F9BA-43D5-87BE-67443E8EF086}">
-      <p15:sldGuideLst xmlns:p15="http://schemas.microsoft.com/office/powerpoint/2012/main"/>
+      <p15:sldGuideLst xmlns:p15="http://schemas.microsoft.com/office/powerpoint/2012/main" xmlns=""/>
     </p:ext>
   </p:extLst>
 </p:sldLayout>
@@ -4961,7 +4977,7 @@
           <p:cNvPr id="2" name="Rectangle 1">
             <a:extLst>
               <a:ext uri="{FF2B5EF4-FFF2-40B4-BE49-F238E27FC236}">
-                <a16:creationId xmlns:a16="http://schemas.microsoft.com/office/drawing/2014/main" id="{FA4B57A7-3A86-45DA-B5CA-AC7A481E3274}"/>
+                <a16:creationId xmlns:a16="http://schemas.microsoft.com/office/drawing/2014/main" xmlns="" id="{FA4B57A7-3A86-45DA-B5CA-AC7A481E3274}"/>
               </a:ext>
             </a:extLst>
           </p:cNvPr>
@@ -5018,7 +5034,7 @@
           <p:cNvPr id="3" name="Rectangle 2">
             <a:extLst>
               <a:ext uri="{FF2B5EF4-FFF2-40B4-BE49-F238E27FC236}">
-                <a16:creationId xmlns:a16="http://schemas.microsoft.com/office/drawing/2014/main" id="{14F3BCA9-2C74-4567-9FB2-2CE1AC28A6EC}"/>
+                <a16:creationId xmlns:a16="http://schemas.microsoft.com/office/drawing/2014/main" xmlns="" id="{14F3BCA9-2C74-4567-9FB2-2CE1AC28A6EC}"/>
               </a:ext>
             </a:extLst>
           </p:cNvPr>
@@ -5075,7 +5091,7 @@
           <p:cNvPr id="15" name="Picture Placeholder 12">
             <a:extLst>
               <a:ext uri="{FF2B5EF4-FFF2-40B4-BE49-F238E27FC236}">
-                <a16:creationId xmlns:a16="http://schemas.microsoft.com/office/drawing/2014/main" id="{86D9E3AF-002F-496A-AE6E-5675F6459273}"/>
+                <a16:creationId xmlns:a16="http://schemas.microsoft.com/office/drawing/2014/main" xmlns="" id="{86D9E3AF-002F-496A-AE6E-5675F6459273}"/>
               </a:ext>
             </a:extLst>
           </p:cNvPr>
@@ -5108,7 +5124,7 @@
           <p:cNvPr id="16" name="Picture Placeholder 11">
             <a:extLst>
               <a:ext uri="{FF2B5EF4-FFF2-40B4-BE49-F238E27FC236}">
-                <a16:creationId xmlns:a16="http://schemas.microsoft.com/office/drawing/2014/main" id="{86E48971-37C3-4BED-A53F-BBE4AE0A58D9}"/>
+                <a16:creationId xmlns:a16="http://schemas.microsoft.com/office/drawing/2014/main" xmlns="" id="{86E48971-37C3-4BED-A53F-BBE4AE0A58D9}"/>
               </a:ext>
             </a:extLst>
           </p:cNvPr>
@@ -5141,7 +5157,7 @@
           <p:cNvPr id="18" name="Picture Placeholder 14">
             <a:extLst>
               <a:ext uri="{FF2B5EF4-FFF2-40B4-BE49-F238E27FC236}">
-                <a16:creationId xmlns:a16="http://schemas.microsoft.com/office/drawing/2014/main" id="{E35617C7-C13A-4F76-8C0C-AF5E38C6227D}"/>
+                <a16:creationId xmlns:a16="http://schemas.microsoft.com/office/drawing/2014/main" xmlns="" id="{E35617C7-C13A-4F76-8C0C-AF5E38C6227D}"/>
               </a:ext>
             </a:extLst>
           </p:cNvPr>
@@ -5174,7 +5190,7 @@
           <p:cNvPr id="26" name="Text Placeholder 18">
             <a:extLst>
               <a:ext uri="{FF2B5EF4-FFF2-40B4-BE49-F238E27FC236}">
-                <a16:creationId xmlns:a16="http://schemas.microsoft.com/office/drawing/2014/main" id="{7DB83E81-869F-4BAD-AEC6-B87F2B879A30}"/>
+                <a16:creationId xmlns:a16="http://schemas.microsoft.com/office/drawing/2014/main" xmlns="" id="{7DB83E81-869F-4BAD-AEC6-B87F2B879A30}"/>
               </a:ext>
             </a:extLst>
           </p:cNvPr>
@@ -5312,7 +5328,7 @@
           <p:cNvPr id="30" name="Text Placeholder 18">
             <a:extLst>
               <a:ext uri="{FF2B5EF4-FFF2-40B4-BE49-F238E27FC236}">
-                <a16:creationId xmlns:a16="http://schemas.microsoft.com/office/drawing/2014/main" id="{6A9BD8AF-34CA-4F04-9A17-B45F6EB3AA9D}"/>
+                <a16:creationId xmlns:a16="http://schemas.microsoft.com/office/drawing/2014/main" xmlns="" id="{6A9BD8AF-34CA-4F04-9A17-B45F6EB3AA9D}"/>
               </a:ext>
             </a:extLst>
           </p:cNvPr>
@@ -5449,7 +5465,7 @@
           <p:cNvPr id="33" name="Text Placeholder 16">
             <a:extLst>
               <a:ext uri="{FF2B5EF4-FFF2-40B4-BE49-F238E27FC236}">
-                <a16:creationId xmlns:a16="http://schemas.microsoft.com/office/drawing/2014/main" id="{2390D74A-03BA-4C31-B59B-57CCDAF885DD}"/>
+                <a16:creationId xmlns:a16="http://schemas.microsoft.com/office/drawing/2014/main" xmlns="" id="{2390D74A-03BA-4C31-B59B-57CCDAF885DD}"/>
               </a:ext>
             </a:extLst>
           </p:cNvPr>
@@ -5502,7 +5518,7 @@
           <p:cNvPr id="34" name="Text Placeholder 18">
             <a:extLst>
               <a:ext uri="{FF2B5EF4-FFF2-40B4-BE49-F238E27FC236}">
-                <a16:creationId xmlns:a16="http://schemas.microsoft.com/office/drawing/2014/main" id="{50BE2EB5-0041-4D2D-A6AE-4DE92FEED83A}"/>
+                <a16:creationId xmlns:a16="http://schemas.microsoft.com/office/drawing/2014/main" xmlns="" id="{50BE2EB5-0041-4D2D-A6AE-4DE92FEED83A}"/>
               </a:ext>
             </a:extLst>
           </p:cNvPr>
@@ -5634,7 +5650,7 @@
           <p:cNvPr id="17" name="Title 3">
             <a:extLst>
               <a:ext uri="{FF2B5EF4-FFF2-40B4-BE49-F238E27FC236}">
-                <a16:creationId xmlns:a16="http://schemas.microsoft.com/office/drawing/2014/main" id="{7D4C849E-DCC1-4757-BBBF-C69B4CD0BD94}"/>
+                <a16:creationId xmlns:a16="http://schemas.microsoft.com/office/drawing/2014/main" xmlns="" id="{7D4C849E-DCC1-4757-BBBF-C69B4CD0BD94}"/>
               </a:ext>
             </a:extLst>
           </p:cNvPr>
@@ -5692,7 +5708,7 @@
   </p:clrMapOvr>
   <p:extLst>
     <p:ext uri="{DCECCB84-F9BA-43D5-87BE-67443E8EF086}">
-      <p15:sldGuideLst xmlns:p15="http://schemas.microsoft.com/office/powerpoint/2012/main"/>
+      <p15:sldGuideLst xmlns:p15="http://schemas.microsoft.com/office/powerpoint/2012/main" xmlns=""/>
     </p:ext>
   </p:extLst>
 </p:sldLayout>
@@ -5720,7 +5736,7 @@
           <p:cNvPr id="2" name="Rectangle 1">
             <a:extLst>
               <a:ext uri="{FF2B5EF4-FFF2-40B4-BE49-F238E27FC236}">
-                <a16:creationId xmlns:a16="http://schemas.microsoft.com/office/drawing/2014/main" id="{DF7DA993-9462-4064-B89B-BCEF27D4DACC}"/>
+                <a16:creationId xmlns:a16="http://schemas.microsoft.com/office/drawing/2014/main" xmlns="" id="{DF7DA993-9462-4064-B89B-BCEF27D4DACC}"/>
               </a:ext>
             </a:extLst>
           </p:cNvPr>
@@ -5781,7 +5797,7 @@
           <p:cNvPr id="3" name="Rectangle 2">
             <a:extLst>
               <a:ext uri="{FF2B5EF4-FFF2-40B4-BE49-F238E27FC236}">
-                <a16:creationId xmlns:a16="http://schemas.microsoft.com/office/drawing/2014/main" id="{C8931403-AA2F-415D-BC4C-E1168B62C473}"/>
+                <a16:creationId xmlns:a16="http://schemas.microsoft.com/office/drawing/2014/main" xmlns="" id="{C8931403-AA2F-415D-BC4C-E1168B62C473}"/>
               </a:ext>
             </a:extLst>
           </p:cNvPr>
@@ -5842,7 +5858,7 @@
           <p:cNvPr id="15" name="Picture Placeholder 12">
             <a:extLst>
               <a:ext uri="{FF2B5EF4-FFF2-40B4-BE49-F238E27FC236}">
-                <a16:creationId xmlns:a16="http://schemas.microsoft.com/office/drawing/2014/main" id="{86D9E3AF-002F-496A-AE6E-5675F6459273}"/>
+                <a16:creationId xmlns:a16="http://schemas.microsoft.com/office/drawing/2014/main" xmlns="" id="{86D9E3AF-002F-496A-AE6E-5675F6459273}"/>
               </a:ext>
             </a:extLst>
           </p:cNvPr>
@@ -5875,7 +5891,7 @@
           <p:cNvPr id="16" name="Picture Placeholder 11">
             <a:extLst>
               <a:ext uri="{FF2B5EF4-FFF2-40B4-BE49-F238E27FC236}">
-                <a16:creationId xmlns:a16="http://schemas.microsoft.com/office/drawing/2014/main" id="{86E48971-37C3-4BED-A53F-BBE4AE0A58D9}"/>
+                <a16:creationId xmlns:a16="http://schemas.microsoft.com/office/drawing/2014/main" xmlns="" id="{86E48971-37C3-4BED-A53F-BBE4AE0A58D9}"/>
               </a:ext>
             </a:extLst>
           </p:cNvPr>
@@ -5908,7 +5924,7 @@
           <p:cNvPr id="18" name="Picture Placeholder 14">
             <a:extLst>
               <a:ext uri="{FF2B5EF4-FFF2-40B4-BE49-F238E27FC236}">
-                <a16:creationId xmlns:a16="http://schemas.microsoft.com/office/drawing/2014/main" id="{E35617C7-C13A-4F76-8C0C-AF5E38C6227D}"/>
+                <a16:creationId xmlns:a16="http://schemas.microsoft.com/office/drawing/2014/main" xmlns="" id="{E35617C7-C13A-4F76-8C0C-AF5E38C6227D}"/>
               </a:ext>
             </a:extLst>
           </p:cNvPr>
@@ -5941,7 +5957,7 @@
           <p:cNvPr id="26" name="Text Placeholder 18">
             <a:extLst>
               <a:ext uri="{FF2B5EF4-FFF2-40B4-BE49-F238E27FC236}">
-                <a16:creationId xmlns:a16="http://schemas.microsoft.com/office/drawing/2014/main" id="{7DB83E81-869F-4BAD-AEC6-B87F2B879A30}"/>
+                <a16:creationId xmlns:a16="http://schemas.microsoft.com/office/drawing/2014/main" xmlns="" id="{7DB83E81-869F-4BAD-AEC6-B87F2B879A30}"/>
               </a:ext>
             </a:extLst>
           </p:cNvPr>
@@ -6094,7 +6110,7 @@
           <p:cNvPr id="24" name="Text Placeholder 16">
             <a:extLst>
               <a:ext uri="{FF2B5EF4-FFF2-40B4-BE49-F238E27FC236}">
-                <a16:creationId xmlns:a16="http://schemas.microsoft.com/office/drawing/2014/main" id="{998F7F43-9F0A-4A12-909E-A0A45D51298C}"/>
+                <a16:creationId xmlns:a16="http://schemas.microsoft.com/office/drawing/2014/main" xmlns="" id="{998F7F43-9F0A-4A12-909E-A0A45D51298C}"/>
               </a:ext>
             </a:extLst>
           </p:cNvPr>
@@ -6147,7 +6163,7 @@
           <p:cNvPr id="25" name="Text Placeholder 18">
             <a:extLst>
               <a:ext uri="{FF2B5EF4-FFF2-40B4-BE49-F238E27FC236}">
-                <a16:creationId xmlns:a16="http://schemas.microsoft.com/office/drawing/2014/main" id="{F5331389-512C-445A-AAE9-512161E8106E}"/>
+                <a16:creationId xmlns:a16="http://schemas.microsoft.com/office/drawing/2014/main" xmlns="" id="{F5331389-512C-445A-AAE9-512161E8106E}"/>
               </a:ext>
             </a:extLst>
           </p:cNvPr>
@@ -6300,7 +6316,7 @@
           <p:cNvPr id="14" name="Text Placeholder 18">
             <a:extLst>
               <a:ext uri="{FF2B5EF4-FFF2-40B4-BE49-F238E27FC236}">
-                <a16:creationId xmlns:a16="http://schemas.microsoft.com/office/drawing/2014/main" id="{77F65966-649A-4014-AAD1-3121592E2E38}"/>
+                <a16:creationId xmlns:a16="http://schemas.microsoft.com/office/drawing/2014/main" xmlns="" id="{77F65966-649A-4014-AAD1-3121592E2E38}"/>
               </a:ext>
             </a:extLst>
           </p:cNvPr>
@@ -6438,7 +6454,7 @@
           <p:cNvPr id="4" name="Title 3">
             <a:extLst>
               <a:ext uri="{FF2B5EF4-FFF2-40B4-BE49-F238E27FC236}">
-                <a16:creationId xmlns:a16="http://schemas.microsoft.com/office/drawing/2014/main" id="{059F801B-9725-432B-9CE8-6F353446EC4B}"/>
+                <a16:creationId xmlns:a16="http://schemas.microsoft.com/office/drawing/2014/main" xmlns="" id="{059F801B-9725-432B-9CE8-6F353446EC4B}"/>
               </a:ext>
             </a:extLst>
           </p:cNvPr>
@@ -6496,7 +6512,7 @@
   </p:clrMapOvr>
   <p:extLst>
     <p:ext uri="{DCECCB84-F9BA-43D5-87BE-67443E8EF086}">
-      <p15:sldGuideLst xmlns:p15="http://schemas.microsoft.com/office/powerpoint/2012/main"/>
+      <p15:sldGuideLst xmlns:p15="http://schemas.microsoft.com/office/powerpoint/2012/main" xmlns=""/>
     </p:ext>
   </p:extLst>
 </p:sldLayout>
@@ -6529,7 +6545,7 @@
           <p:cNvPr id="2" name="Title Placeholder 1">
             <a:extLst>
               <a:ext uri="{FF2B5EF4-FFF2-40B4-BE49-F238E27FC236}">
-                <a16:creationId xmlns:a16="http://schemas.microsoft.com/office/drawing/2014/main" id="{318615E1-5D6D-48CF-AD07-8B84FA4FCCB4}"/>
+                <a16:creationId xmlns:a16="http://schemas.microsoft.com/office/drawing/2014/main" xmlns="" id="{318615E1-5D6D-48CF-AD07-8B84FA4FCCB4}"/>
               </a:ext>
             </a:extLst>
           </p:cNvPr>
@@ -6567,7 +6583,7 @@
           <p:cNvPr id="3" name="Text Placeholder 2">
             <a:extLst>
               <a:ext uri="{FF2B5EF4-FFF2-40B4-BE49-F238E27FC236}">
-                <a16:creationId xmlns:a16="http://schemas.microsoft.com/office/drawing/2014/main" id="{E257D790-2770-4A00-BC9B-FA42651B62EE}"/>
+                <a16:creationId xmlns:a16="http://schemas.microsoft.com/office/drawing/2014/main" xmlns="" id="{E257D790-2770-4A00-BC9B-FA42651B62EE}"/>
               </a:ext>
             </a:extLst>
           </p:cNvPr>
@@ -6943,7 +6959,7 @@
   </p:txStyles>
   <p:extLst>
     <p:ext uri="{27BBF7A9-308A-43DC-89C8-2F10F3537804}">
-      <p15:sldGuideLst xmlns:p15="http://schemas.microsoft.com/office/powerpoint/2012/main">
+      <p15:sldGuideLst xmlns:p15="http://schemas.microsoft.com/office/powerpoint/2012/main" xmlns="">
         <p15:guide id="2" pos="2112" userDrawn="1">
           <p15:clr>
             <a:srgbClr val="F26B43"/>
@@ -7016,7 +7032,7 @@
         <p:cNvPr id="1" name="">
           <a:extLst>
             <a:ext uri="{FF2B5EF4-FFF2-40B4-BE49-F238E27FC236}">
-              <a16:creationId xmlns:a16="http://schemas.microsoft.com/office/drawing/2014/main" id="{D5C53301-8343-ADFD-88F6-3D781E6041C7}"/>
+              <a16:creationId xmlns:a16="http://schemas.microsoft.com/office/drawing/2014/main" xmlns="" id="{D5C53301-8343-ADFD-88F6-3D781E6041C7}"/>
             </a:ext>
           </a:extLst>
         </p:cNvPr>
@@ -7036,10 +7052,10 @@
           <p:cNvPr id="51" name="Rectangle 50">
             <a:extLst>
               <a:ext uri="{FF2B5EF4-FFF2-40B4-BE49-F238E27FC236}">
-                <a16:creationId xmlns:a16="http://schemas.microsoft.com/office/drawing/2014/main" id="{870A1295-61BC-4214-AA3E-D396673024D0}"/>
+                <a16:creationId xmlns:a16="http://schemas.microsoft.com/office/drawing/2014/main" xmlns="" id="{870A1295-61BC-4214-AA3E-D396673024D0}"/>
               </a:ext>
               <a:ext uri="{C183D7F6-B498-43B3-948B-1728B52AA6E4}">
-                <adec:decorative xmlns:adec="http://schemas.microsoft.com/office/drawing/2017/decorative" val="1"/>
+                <adec:decorative xmlns:adec="http://schemas.microsoft.com/office/drawing/2017/decorative" xmlns="" val="1"/>
               </a:ext>
             </a:extLst>
           </p:cNvPr>
@@ -7049,7 +7065,7 @@
           <p:nvPr>
             <p:extLst>
               <p:ext uri="{386F3935-93C4-4BCD-93E2-E3B085C9AB24}">
-                <p16:designElem xmlns:p16="http://schemas.microsoft.com/office/powerpoint/2015/main" val="1"/>
+                <p16:designElem xmlns:p16="http://schemas.microsoft.com/office/powerpoint/2015/main" xmlns="" val="1"/>
               </p:ext>
             </p:extLst>
           </p:nvPr>
@@ -7096,7 +7112,7 @@
           <p:cNvPr id="41" name="Picture Placeholder 40">
             <a:extLst>
               <a:ext uri="{FF2B5EF4-FFF2-40B4-BE49-F238E27FC236}">
-                <a16:creationId xmlns:a16="http://schemas.microsoft.com/office/drawing/2014/main" id="{329A0265-5337-8762-1546-57BFFDCC48FD}"/>
+                <a16:creationId xmlns:a16="http://schemas.microsoft.com/office/drawing/2014/main" xmlns="" id="{329A0265-5337-8762-1546-57BFFDCC48FD}"/>
               </a:ext>
             </a:extLst>
           </p:cNvPr>
@@ -7127,10 +7143,10 @@
           <p:cNvPr id="53" name="Group 52">
             <a:extLst>
               <a:ext uri="{FF2B5EF4-FFF2-40B4-BE49-F238E27FC236}">
-                <a16:creationId xmlns:a16="http://schemas.microsoft.com/office/drawing/2014/main" id="{0B139475-2B26-4CA9-9413-DE741E49F7BB}"/>
+                <a16:creationId xmlns:a16="http://schemas.microsoft.com/office/drawing/2014/main" xmlns="" id="{0B139475-2B26-4CA9-9413-DE741E49F7BB}"/>
               </a:ext>
               <a:ext uri="{C183D7F6-B498-43B3-948B-1728B52AA6E4}">
-                <adec:decorative xmlns:adec="http://schemas.microsoft.com/office/drawing/2017/decorative" val="1"/>
+                <adec:decorative xmlns:adec="http://schemas.microsoft.com/office/drawing/2017/decorative" xmlns="" val="1"/>
               </a:ext>
             </a:extLst>
           </p:cNvPr>
@@ -7140,7 +7156,7 @@
           <p:nvPr>
             <p:extLst>
               <p:ext uri="{386F3935-93C4-4BCD-93E2-E3B085C9AB24}">
-                <p16:designElem xmlns:p16="http://schemas.microsoft.com/office/powerpoint/2015/main" val="1"/>
+                <p16:designElem xmlns:p16="http://schemas.microsoft.com/office/powerpoint/2015/main" xmlns="" val="1"/>
               </p:ext>
             </p:extLst>
           </p:nvPr>
@@ -7158,10 +7174,10 @@
             <p:cNvPr id="54" name="Freeform: Shape 53">
               <a:extLst>
                 <a:ext uri="{FF2B5EF4-FFF2-40B4-BE49-F238E27FC236}">
-                  <a16:creationId xmlns:a16="http://schemas.microsoft.com/office/drawing/2014/main" id="{16C6BF63-6277-4C39-BE5D-3C341662CE4E}"/>
+                  <a16:creationId xmlns:a16="http://schemas.microsoft.com/office/drawing/2014/main" xmlns="" id="{16C6BF63-6277-4C39-BE5D-3C341662CE4E}"/>
                 </a:ext>
                 <a:ext uri="{C183D7F6-B498-43B3-948B-1728B52AA6E4}">
-                  <adec:decorative xmlns:adec="http://schemas.microsoft.com/office/drawing/2017/decorative" val="1"/>
+                  <adec:decorative xmlns:adec="http://schemas.microsoft.com/office/drawing/2017/decorative" xmlns="" val="1"/>
                 </a:ext>
               </a:extLst>
             </p:cNvPr>
@@ -7169,7 +7185,7 @@
             <p:nvPr>
               <p:extLst>
                 <p:ext uri="{386F3935-93C4-4BCD-93E2-E3B085C9AB24}">
-                  <p16:designElem xmlns:p16="http://schemas.microsoft.com/office/powerpoint/2015/main" val="1"/>
+                  <p16:designElem xmlns:p16="http://schemas.microsoft.com/office/powerpoint/2015/main" xmlns="" val="1"/>
                 </p:ext>
               </p:extLst>
             </p:nvPr>
@@ -7394,10 +7410,10 @@
             <p:cNvPr id="55" name="Freeform: Shape 54">
               <a:extLst>
                 <a:ext uri="{FF2B5EF4-FFF2-40B4-BE49-F238E27FC236}">
-                  <a16:creationId xmlns:a16="http://schemas.microsoft.com/office/drawing/2014/main" id="{6EA3BAD9-C130-4A9C-9086-20D132A6CF29}"/>
+                  <a16:creationId xmlns:a16="http://schemas.microsoft.com/office/drawing/2014/main" xmlns="" id="{6EA3BAD9-C130-4A9C-9086-20D132A6CF29}"/>
                 </a:ext>
                 <a:ext uri="{C183D7F6-B498-43B3-948B-1728B52AA6E4}">
-                  <adec:decorative xmlns:adec="http://schemas.microsoft.com/office/drawing/2017/decorative" val="1"/>
+                  <adec:decorative xmlns:adec="http://schemas.microsoft.com/office/drawing/2017/decorative" xmlns="" val="1"/>
                 </a:ext>
               </a:extLst>
             </p:cNvPr>
@@ -7405,7 +7421,7 @@
             <p:nvPr>
               <p:extLst>
                 <p:ext uri="{386F3935-93C4-4BCD-93E2-E3B085C9AB24}">
-                  <p16:designElem xmlns:p16="http://schemas.microsoft.com/office/powerpoint/2015/main" val="1"/>
+                  <p16:designElem xmlns:p16="http://schemas.microsoft.com/office/powerpoint/2015/main" xmlns="" val="1"/>
                 </p:ext>
               </p:extLst>
             </p:nvPr>
@@ -8413,10 +8429,10 @@
             <p:cNvPr id="56" name="Freeform: Shape 55">
               <a:extLst>
                 <a:ext uri="{FF2B5EF4-FFF2-40B4-BE49-F238E27FC236}">
-                  <a16:creationId xmlns:a16="http://schemas.microsoft.com/office/drawing/2014/main" id="{2587D38B-9E07-4A8B-B285-5FEBF6A60DC7}"/>
+                  <a16:creationId xmlns:a16="http://schemas.microsoft.com/office/drawing/2014/main" xmlns="" id="{2587D38B-9E07-4A8B-B285-5FEBF6A60DC7}"/>
                 </a:ext>
                 <a:ext uri="{C183D7F6-B498-43B3-948B-1728B52AA6E4}">
-                  <adec:decorative xmlns:adec="http://schemas.microsoft.com/office/drawing/2017/decorative" val="1"/>
+                  <adec:decorative xmlns:adec="http://schemas.microsoft.com/office/drawing/2017/decorative" xmlns="" val="1"/>
                 </a:ext>
               </a:extLst>
             </p:cNvPr>
@@ -8424,7 +8440,7 @@
             <p:nvPr>
               <p:extLst>
                 <p:ext uri="{386F3935-93C4-4BCD-93E2-E3B085C9AB24}">
-                  <p16:designElem xmlns:p16="http://schemas.microsoft.com/office/powerpoint/2015/main" val="1"/>
+                  <p16:designElem xmlns:p16="http://schemas.microsoft.com/office/powerpoint/2015/main" xmlns="" val="1"/>
                 </p:ext>
               </p:extLst>
             </p:nvPr>
@@ -9414,10 +9430,10 @@
             <p:cNvPr id="57" name="Freeform: Shape 56">
               <a:extLst>
                 <a:ext uri="{FF2B5EF4-FFF2-40B4-BE49-F238E27FC236}">
-                  <a16:creationId xmlns:a16="http://schemas.microsoft.com/office/drawing/2014/main" id="{5EF4DD4B-217B-4346-A2B8-4327936399CA}"/>
+                  <a16:creationId xmlns:a16="http://schemas.microsoft.com/office/drawing/2014/main" xmlns="" id="{5EF4DD4B-217B-4346-A2B8-4327936399CA}"/>
                 </a:ext>
                 <a:ext uri="{C183D7F6-B498-43B3-948B-1728B52AA6E4}">
-                  <adec:decorative xmlns:adec="http://schemas.microsoft.com/office/drawing/2017/decorative" val="1"/>
+                  <adec:decorative xmlns:adec="http://schemas.microsoft.com/office/drawing/2017/decorative" xmlns="" val="1"/>
                 </a:ext>
               </a:extLst>
             </p:cNvPr>
@@ -9425,7 +9441,7 @@
             <p:nvPr>
               <p:extLst>
                 <p:ext uri="{386F3935-93C4-4BCD-93E2-E3B085C9AB24}">
-                  <p16:designElem xmlns:p16="http://schemas.microsoft.com/office/powerpoint/2015/main" val="1"/>
+                  <p16:designElem xmlns:p16="http://schemas.microsoft.com/office/powerpoint/2015/main" xmlns="" val="1"/>
                 </p:ext>
               </p:extLst>
             </p:nvPr>
@@ -10326,7 +10342,7 @@
           <p:cNvPr id="6" name="Content Placeholder 3">
             <a:extLst>
               <a:ext uri="{FF2B5EF4-FFF2-40B4-BE49-F238E27FC236}">
-                <a16:creationId xmlns:a16="http://schemas.microsoft.com/office/drawing/2014/main" id="{23133077-9AFB-1C43-7D9D-CBBCAC517A78}"/>
+                <a16:creationId xmlns:a16="http://schemas.microsoft.com/office/drawing/2014/main" xmlns="" id="{23133077-9AFB-1C43-7D9D-CBBCAC517A78}"/>
               </a:ext>
             </a:extLst>
           </p:cNvPr>
@@ -10370,7 +10386,7 @@
           <p:cNvPr id="7" name="Text Placeholder 4">
             <a:extLst>
               <a:ext uri="{FF2B5EF4-FFF2-40B4-BE49-F238E27FC236}">
-                <a16:creationId xmlns:a16="http://schemas.microsoft.com/office/drawing/2014/main" id="{9B751328-D16F-48F5-34DA-40F821D533BC}"/>
+                <a16:creationId xmlns:a16="http://schemas.microsoft.com/office/drawing/2014/main" xmlns="" id="{9B751328-D16F-48F5-34DA-40F821D533BC}"/>
               </a:ext>
             </a:extLst>
           </p:cNvPr>
@@ -10459,7 +10475,7 @@
           <p:cNvPr id="8" name="Content Placeholder 38">
             <a:extLst>
               <a:ext uri="{FF2B5EF4-FFF2-40B4-BE49-F238E27FC236}">
-                <a16:creationId xmlns:a16="http://schemas.microsoft.com/office/drawing/2014/main" id="{D8F46DF2-CFE4-A8FA-F9CF-B9010BB1F23D}"/>
+                <a16:creationId xmlns:a16="http://schemas.microsoft.com/office/drawing/2014/main" xmlns="" id="{D8F46DF2-CFE4-A8FA-F9CF-B9010BB1F23D}"/>
               </a:ext>
             </a:extLst>
           </p:cNvPr>
@@ -10533,6 +10549,13 @@
   <p:clrMapOvr>
     <a:masterClrMapping/>
   </p:clrMapOvr>
+  <p:timing>
+    <p:tnLst>
+      <p:par>
+        <p:cTn id="1" dur="indefinite" restart="never" nodeType="tmRoot"/>
+      </p:par>
+    </p:tnLst>
+  </p:timing>
 </p:sld>
 </file>
 
@@ -10552,7 +10575,7 @@
         <p:cNvPr id="1" name="">
           <a:extLst>
             <a:ext uri="{FF2B5EF4-FFF2-40B4-BE49-F238E27FC236}">
-              <a16:creationId xmlns:a16="http://schemas.microsoft.com/office/drawing/2014/main" id="{F1F63712-DCF7-7FB6-CD1E-404F819B009A}"/>
+              <a16:creationId xmlns:a16="http://schemas.microsoft.com/office/drawing/2014/main" xmlns="" id="{F1F63712-DCF7-7FB6-CD1E-404F819B009A}"/>
             </a:ext>
           </a:extLst>
         </p:cNvPr>
@@ -10572,10 +10595,10 @@
           <p:cNvPr id="27" name="Rectangle 26">
             <a:extLst>
               <a:ext uri="{FF2B5EF4-FFF2-40B4-BE49-F238E27FC236}">
-                <a16:creationId xmlns:a16="http://schemas.microsoft.com/office/drawing/2014/main" id="{8156857F-BFAB-179B-3832-2A3B5E214362}"/>
+                <a16:creationId xmlns:a16="http://schemas.microsoft.com/office/drawing/2014/main" xmlns="" id="{8156857F-BFAB-179B-3832-2A3B5E214362}"/>
               </a:ext>
               <a:ext uri="{C183D7F6-B498-43B3-948B-1728B52AA6E4}">
-                <adec:decorative xmlns:adec="http://schemas.microsoft.com/office/drawing/2017/decorative" val="1"/>
+                <adec:decorative xmlns:adec="http://schemas.microsoft.com/office/drawing/2017/decorative" xmlns="" val="1"/>
               </a:ext>
             </a:extLst>
           </p:cNvPr>
@@ -10585,7 +10608,7 @@
           <p:nvPr>
             <p:extLst>
               <p:ext uri="{386F3935-93C4-4BCD-93E2-E3B085C9AB24}">
-                <p16:designElem xmlns:p16="http://schemas.microsoft.com/office/powerpoint/2015/main" val="1"/>
+                <p16:designElem xmlns:p16="http://schemas.microsoft.com/office/powerpoint/2015/main" xmlns="" val="1"/>
               </p:ext>
             </p:extLst>
           </p:nvPr>
@@ -10635,10 +10658,10 @@
           <p:cNvPr id="29" name="Freeform: Shape 28">
             <a:extLst>
               <a:ext uri="{FF2B5EF4-FFF2-40B4-BE49-F238E27FC236}">
-                <a16:creationId xmlns:a16="http://schemas.microsoft.com/office/drawing/2014/main" id="{25B32F72-8238-5E0C-5301-8221F8E52BA8}"/>
+                <a16:creationId xmlns:a16="http://schemas.microsoft.com/office/drawing/2014/main" xmlns="" id="{25B32F72-8238-5E0C-5301-8221F8E52BA8}"/>
               </a:ext>
               <a:ext uri="{C183D7F6-B498-43B3-948B-1728B52AA6E4}">
-                <adec:decorative xmlns:adec="http://schemas.microsoft.com/office/drawing/2017/decorative" val="1"/>
+                <adec:decorative xmlns:adec="http://schemas.microsoft.com/office/drawing/2017/decorative" xmlns="" val="1"/>
               </a:ext>
             </a:extLst>
           </p:cNvPr>
@@ -10648,7 +10671,7 @@
           <p:nvPr>
             <p:extLst>
               <p:ext uri="{386F3935-93C4-4BCD-93E2-E3B085C9AB24}">
-                <p16:designElem xmlns:p16="http://schemas.microsoft.com/office/powerpoint/2015/main" val="1"/>
+                <p16:designElem xmlns:p16="http://schemas.microsoft.com/office/powerpoint/2015/main" xmlns="" val="1"/>
               </p:ext>
             </p:extLst>
           </p:nvPr>
@@ -10751,10 +10774,10 @@
           <p:cNvPr id="31" name="Rectangle 30">
             <a:extLst>
               <a:ext uri="{FF2B5EF4-FFF2-40B4-BE49-F238E27FC236}">
-                <a16:creationId xmlns:a16="http://schemas.microsoft.com/office/drawing/2014/main" id="{44DBA55B-2EA7-7FFD-289B-95AC2464D02B}"/>
+                <a16:creationId xmlns:a16="http://schemas.microsoft.com/office/drawing/2014/main" xmlns="" id="{44DBA55B-2EA7-7FFD-289B-95AC2464D02B}"/>
               </a:ext>
               <a:ext uri="{C183D7F6-B498-43B3-948B-1728B52AA6E4}">
-                <adec:decorative xmlns:adec="http://schemas.microsoft.com/office/drawing/2017/decorative" val="1"/>
+                <adec:decorative xmlns:adec="http://schemas.microsoft.com/office/drawing/2017/decorative" xmlns="" val="1"/>
               </a:ext>
             </a:extLst>
           </p:cNvPr>
@@ -10764,7 +10787,7 @@
           <p:nvPr>
             <p:extLst>
               <p:ext uri="{386F3935-93C4-4BCD-93E2-E3B085C9AB24}">
-                <p16:designElem xmlns:p16="http://schemas.microsoft.com/office/powerpoint/2015/main" val="1"/>
+                <p16:designElem xmlns:p16="http://schemas.microsoft.com/office/powerpoint/2015/main" xmlns="" val="1"/>
               </p:ext>
             </p:extLst>
           </p:nvPr>
@@ -10816,10 +10839,10 @@
           <p:cNvPr id="33" name="Rectangle 32">
             <a:extLst>
               <a:ext uri="{FF2B5EF4-FFF2-40B4-BE49-F238E27FC236}">
-                <a16:creationId xmlns:a16="http://schemas.microsoft.com/office/drawing/2014/main" id="{803ED4A3-E6F6-A9E4-7297-5C1FBACCEFC5}"/>
+                <a16:creationId xmlns:a16="http://schemas.microsoft.com/office/drawing/2014/main" xmlns="" id="{803ED4A3-E6F6-A9E4-7297-5C1FBACCEFC5}"/>
               </a:ext>
               <a:ext uri="{C183D7F6-B498-43B3-948B-1728B52AA6E4}">
-                <adec:decorative xmlns:adec="http://schemas.microsoft.com/office/drawing/2017/decorative" val="1"/>
+                <adec:decorative xmlns:adec="http://schemas.microsoft.com/office/drawing/2017/decorative" xmlns="" val="1"/>
               </a:ext>
             </a:extLst>
           </p:cNvPr>
@@ -10829,7 +10852,7 @@
           <p:nvPr>
             <p:extLst>
               <p:ext uri="{386F3935-93C4-4BCD-93E2-E3B085C9AB24}">
-                <p16:designElem xmlns:p16="http://schemas.microsoft.com/office/powerpoint/2015/main" val="1"/>
+                <p16:designElem xmlns:p16="http://schemas.microsoft.com/office/powerpoint/2015/main" xmlns="" val="1"/>
               </p:ext>
             </p:extLst>
           </p:nvPr>
@@ -10881,10 +10904,10 @@
           <p:cNvPr id="35" name="Freeform: Shape 34">
             <a:extLst>
               <a:ext uri="{FF2B5EF4-FFF2-40B4-BE49-F238E27FC236}">
-                <a16:creationId xmlns:a16="http://schemas.microsoft.com/office/drawing/2014/main" id="{F759BBD1-D9C3-0F46-D07F-870E04C43D55}"/>
+                <a16:creationId xmlns:a16="http://schemas.microsoft.com/office/drawing/2014/main" xmlns="" id="{F759BBD1-D9C3-0F46-D07F-870E04C43D55}"/>
               </a:ext>
               <a:ext uri="{C183D7F6-B498-43B3-948B-1728B52AA6E4}">
-                <adec:decorative xmlns:adec="http://schemas.microsoft.com/office/drawing/2017/decorative" val="1"/>
+                <adec:decorative xmlns:adec="http://schemas.microsoft.com/office/drawing/2017/decorative" xmlns="" val="1"/>
               </a:ext>
             </a:extLst>
           </p:cNvPr>
@@ -10894,7 +10917,7 @@
           <p:nvPr>
             <p:extLst>
               <p:ext uri="{386F3935-93C4-4BCD-93E2-E3B085C9AB24}">
-                <p16:designElem xmlns:p16="http://schemas.microsoft.com/office/powerpoint/2015/main" val="1"/>
+                <p16:designElem xmlns:p16="http://schemas.microsoft.com/office/powerpoint/2015/main" xmlns="" val="1"/>
               </p:ext>
             </p:extLst>
           </p:nvPr>
@@ -10991,10 +11014,10 @@
           <p:cNvPr id="37" name="Isosceles Triangle 36">
             <a:extLst>
               <a:ext uri="{FF2B5EF4-FFF2-40B4-BE49-F238E27FC236}">
-                <a16:creationId xmlns:a16="http://schemas.microsoft.com/office/drawing/2014/main" id="{DCFBF983-ECAB-18D5-301E-4CEB1E72C8F1}"/>
+                <a16:creationId xmlns:a16="http://schemas.microsoft.com/office/drawing/2014/main" xmlns="" id="{DCFBF983-ECAB-18D5-301E-4CEB1E72C8F1}"/>
               </a:ext>
               <a:ext uri="{C183D7F6-B498-43B3-948B-1728B52AA6E4}">
-                <adec:decorative xmlns:adec="http://schemas.microsoft.com/office/drawing/2017/decorative" val="1"/>
+                <adec:decorative xmlns:adec="http://schemas.microsoft.com/office/drawing/2017/decorative" xmlns="" val="1"/>
               </a:ext>
             </a:extLst>
           </p:cNvPr>
@@ -11004,7 +11027,7 @@
           <p:nvPr>
             <p:extLst>
               <p:ext uri="{386F3935-93C4-4BCD-93E2-E3B085C9AB24}">
-                <p16:designElem xmlns:p16="http://schemas.microsoft.com/office/powerpoint/2015/main" val="1"/>
+                <p16:designElem xmlns:p16="http://schemas.microsoft.com/office/powerpoint/2015/main" xmlns="" val="1"/>
               </p:ext>
             </p:extLst>
           </p:nvPr>
@@ -11056,10 +11079,10 @@
           <p:cNvPr id="39" name="Isosceles Triangle 38">
             <a:extLst>
               <a:ext uri="{FF2B5EF4-FFF2-40B4-BE49-F238E27FC236}">
-                <a16:creationId xmlns:a16="http://schemas.microsoft.com/office/drawing/2014/main" id="{3C16498B-A146-11F6-EB6C-1AC65F0C9457}"/>
+                <a16:creationId xmlns:a16="http://schemas.microsoft.com/office/drawing/2014/main" xmlns="" id="{3C16498B-A146-11F6-EB6C-1AC65F0C9457}"/>
               </a:ext>
               <a:ext uri="{C183D7F6-B498-43B3-948B-1728B52AA6E4}">
-                <adec:decorative xmlns:adec="http://schemas.microsoft.com/office/drawing/2017/decorative" val="1"/>
+                <adec:decorative xmlns:adec="http://schemas.microsoft.com/office/drawing/2017/decorative" xmlns="" val="1"/>
               </a:ext>
             </a:extLst>
           </p:cNvPr>
@@ -11069,7 +11092,7 @@
           <p:nvPr>
             <p:extLst>
               <p:ext uri="{386F3935-93C4-4BCD-93E2-E3B085C9AB24}">
-                <p16:designElem xmlns:p16="http://schemas.microsoft.com/office/powerpoint/2015/main" val="1"/>
+                <p16:designElem xmlns:p16="http://schemas.microsoft.com/office/powerpoint/2015/main" xmlns="" val="1"/>
               </p:ext>
             </p:extLst>
           </p:nvPr>
@@ -11121,7 +11144,7 @@
           <p:cNvPr id="26" name="TextBox 25">
             <a:extLst>
               <a:ext uri="{FF2B5EF4-FFF2-40B4-BE49-F238E27FC236}">
-                <a16:creationId xmlns:a16="http://schemas.microsoft.com/office/drawing/2014/main" id="{69D98DB2-A86A-133F-F60A-9FEFEE6B32B6}"/>
+                <a16:creationId xmlns:a16="http://schemas.microsoft.com/office/drawing/2014/main" xmlns="" id="{69D98DB2-A86A-133F-F60A-9FEFEE6B32B6}"/>
               </a:ext>
             </a:extLst>
           </p:cNvPr>
@@ -11172,7 +11195,7 @@
           <p:cNvPr id="28" name="TextBox 27">
             <a:extLst>
               <a:ext uri="{FF2B5EF4-FFF2-40B4-BE49-F238E27FC236}">
-                <a16:creationId xmlns:a16="http://schemas.microsoft.com/office/drawing/2014/main" id="{01A3F7CE-72E4-C4EC-6307-7789992692F6}"/>
+                <a16:creationId xmlns:a16="http://schemas.microsoft.com/office/drawing/2014/main" xmlns="" id="{01A3F7CE-72E4-C4EC-6307-7789992692F6}"/>
               </a:ext>
             </a:extLst>
           </p:cNvPr>
@@ -11329,7 +11352,7 @@
           <p:cNvPr id="3" name="Picture Placeholder 2">
             <a:extLst>
               <a:ext uri="{FF2B5EF4-FFF2-40B4-BE49-F238E27FC236}">
-                <a16:creationId xmlns:a16="http://schemas.microsoft.com/office/drawing/2014/main" id="{6528BD2B-6DCE-E764-6196-D85CB05C09B8}"/>
+                <a16:creationId xmlns:a16="http://schemas.microsoft.com/office/drawing/2014/main" xmlns="" id="{6528BD2B-6DCE-E764-6196-D85CB05C09B8}"/>
               </a:ext>
             </a:extLst>
           </p:cNvPr>
@@ -11354,7 +11377,7 @@
           <p:cNvPr id="4" name="Picture 3">
             <a:extLst>
               <a:ext uri="{FF2B5EF4-FFF2-40B4-BE49-F238E27FC236}">
-                <a16:creationId xmlns:a16="http://schemas.microsoft.com/office/drawing/2014/main" id="{261E99A0-E5F0-D732-2211-333F3A759E00}"/>
+                <a16:creationId xmlns:a16="http://schemas.microsoft.com/office/drawing/2014/main" xmlns="" id="{261E99A0-E5F0-D732-2211-333F3A759E00}"/>
               </a:ext>
             </a:extLst>
           </p:cNvPr>
@@ -11389,6 +11412,13 @@
   <p:clrMapOvr>
     <a:masterClrMapping/>
   </p:clrMapOvr>
+  <p:timing>
+    <p:tnLst>
+      <p:par>
+        <p:cTn id="1" dur="indefinite" restart="never" nodeType="tmRoot"/>
+      </p:par>
+    </p:tnLst>
+  </p:timing>
 </p:sld>
 </file>
 
@@ -11408,7 +11438,7 @@
         <p:cNvPr id="1" name="">
           <a:extLst>
             <a:ext uri="{FF2B5EF4-FFF2-40B4-BE49-F238E27FC236}">
-              <a16:creationId xmlns:a16="http://schemas.microsoft.com/office/drawing/2014/main" id="{07076CFD-B08F-D550-E0F7-AD5D4BF78572}"/>
+              <a16:creationId xmlns:a16="http://schemas.microsoft.com/office/drawing/2014/main" xmlns="" id="{07076CFD-B08F-D550-E0F7-AD5D4BF78572}"/>
             </a:ext>
           </a:extLst>
         </p:cNvPr>
@@ -11428,10 +11458,10 @@
           <p:cNvPr id="27" name="Rectangle 26">
             <a:extLst>
               <a:ext uri="{FF2B5EF4-FFF2-40B4-BE49-F238E27FC236}">
-                <a16:creationId xmlns:a16="http://schemas.microsoft.com/office/drawing/2014/main" id="{86FF76B9-219D-4469-AF87-0236D29032F1}"/>
+                <a16:creationId xmlns:a16="http://schemas.microsoft.com/office/drawing/2014/main" xmlns="" id="{86FF76B9-219D-4469-AF87-0236D29032F1}"/>
               </a:ext>
               <a:ext uri="{C183D7F6-B498-43B3-948B-1728B52AA6E4}">
-                <adec:decorative xmlns:adec="http://schemas.microsoft.com/office/drawing/2017/decorative" val="1"/>
+                <adec:decorative xmlns:adec="http://schemas.microsoft.com/office/drawing/2017/decorative" xmlns="" val="1"/>
               </a:ext>
             </a:extLst>
           </p:cNvPr>
@@ -11441,7 +11471,7 @@
           <p:nvPr>
             <p:extLst>
               <p:ext uri="{386F3935-93C4-4BCD-93E2-E3B085C9AB24}">
-                <p16:designElem xmlns:p16="http://schemas.microsoft.com/office/powerpoint/2015/main" val="1"/>
+                <p16:designElem xmlns:p16="http://schemas.microsoft.com/office/powerpoint/2015/main" xmlns="" val="1"/>
               </p:ext>
             </p:extLst>
           </p:nvPr>
@@ -11491,10 +11521,10 @@
           <p:cNvPr id="29" name="Group 28">
             <a:extLst>
               <a:ext uri="{FF2B5EF4-FFF2-40B4-BE49-F238E27FC236}">
-                <a16:creationId xmlns:a16="http://schemas.microsoft.com/office/drawing/2014/main" id="{DB88BD78-87E1-424D-B479-C37D8E41B12E}"/>
+                <a16:creationId xmlns:a16="http://schemas.microsoft.com/office/drawing/2014/main" xmlns="" id="{DB88BD78-87E1-424D-B479-C37D8E41B12E}"/>
               </a:ext>
               <a:ext uri="{C183D7F6-B498-43B3-948B-1728B52AA6E4}">
-                <adec:decorative xmlns:adec="http://schemas.microsoft.com/office/drawing/2017/decorative" val="1"/>
+                <adec:decorative xmlns:adec="http://schemas.microsoft.com/office/drawing/2017/decorative" xmlns="" val="1"/>
               </a:ext>
             </a:extLst>
           </p:cNvPr>
@@ -11504,7 +11534,7 @@
           <p:nvPr>
             <p:extLst>
               <p:ext uri="{386F3935-93C4-4BCD-93E2-E3B085C9AB24}">
-                <p16:designElem xmlns:p16="http://schemas.microsoft.com/office/powerpoint/2015/main" val="1"/>
+                <p16:designElem xmlns:p16="http://schemas.microsoft.com/office/powerpoint/2015/main" xmlns="" val="1"/>
               </p:ext>
             </p:extLst>
           </p:nvPr>
@@ -11522,10 +11552,10 @@
             <p:cNvPr id="30" name="Freeform: Shape 29">
               <a:extLst>
                 <a:ext uri="{FF2B5EF4-FFF2-40B4-BE49-F238E27FC236}">
-                  <a16:creationId xmlns:a16="http://schemas.microsoft.com/office/drawing/2014/main" id="{C05EB894-9410-4B20-95E4-7A25101AB895}"/>
+                  <a16:creationId xmlns:a16="http://schemas.microsoft.com/office/drawing/2014/main" xmlns="" id="{C05EB894-9410-4B20-95E4-7A25101AB895}"/>
                 </a:ext>
                 <a:ext uri="{C183D7F6-B498-43B3-948B-1728B52AA6E4}">
-                  <adec:decorative xmlns:adec="http://schemas.microsoft.com/office/drawing/2017/decorative" val="1"/>
+                  <adec:decorative xmlns:adec="http://schemas.microsoft.com/office/drawing/2017/decorative" xmlns="" val="1"/>
                 </a:ext>
               </a:extLst>
             </p:cNvPr>
@@ -11533,7 +11563,7 @@
             <p:nvPr>
               <p:extLst>
                 <p:ext uri="{386F3935-93C4-4BCD-93E2-E3B085C9AB24}">
-                  <p16:designElem xmlns:p16="http://schemas.microsoft.com/office/powerpoint/2015/main" val="1"/>
+                  <p16:designElem xmlns:p16="http://schemas.microsoft.com/office/powerpoint/2015/main" xmlns="" val="1"/>
                 </p:ext>
               </p:extLst>
             </p:nvPr>
@@ -11636,10 +11666,10 @@
             <p:cNvPr id="31" name="Rectangle 30">
               <a:extLst>
                 <a:ext uri="{FF2B5EF4-FFF2-40B4-BE49-F238E27FC236}">
-                  <a16:creationId xmlns:a16="http://schemas.microsoft.com/office/drawing/2014/main" id="{166E38B6-B050-4340-8E8F-3A971DADC031}"/>
+                  <a16:creationId xmlns:a16="http://schemas.microsoft.com/office/drawing/2014/main" xmlns="" id="{166E38B6-B050-4340-8E8F-3A971DADC031}"/>
                 </a:ext>
                 <a:ext uri="{C183D7F6-B498-43B3-948B-1728B52AA6E4}">
-                  <adec:decorative xmlns:adec="http://schemas.microsoft.com/office/drawing/2017/decorative" val="1"/>
+                  <adec:decorative xmlns:adec="http://schemas.microsoft.com/office/drawing/2017/decorative" xmlns="" val="1"/>
                 </a:ext>
               </a:extLst>
             </p:cNvPr>
@@ -11647,7 +11677,7 @@
             <p:nvPr>
               <p:extLst>
                 <p:ext uri="{386F3935-93C4-4BCD-93E2-E3B085C9AB24}">
-                  <p16:designElem xmlns:p16="http://schemas.microsoft.com/office/powerpoint/2015/main" val="1"/>
+                  <p16:designElem xmlns:p16="http://schemas.microsoft.com/office/powerpoint/2015/main" xmlns="" val="1"/>
                 </p:ext>
               </p:extLst>
             </p:nvPr>
@@ -11700,10 +11730,10 @@
           <p:cNvPr id="33" name="Rectangle 32">
             <a:extLst>
               <a:ext uri="{FF2B5EF4-FFF2-40B4-BE49-F238E27FC236}">
-                <a16:creationId xmlns:a16="http://schemas.microsoft.com/office/drawing/2014/main" id="{2E80C965-DB6D-4F81-9E9E-B027384D0BD6}"/>
+                <a16:creationId xmlns:a16="http://schemas.microsoft.com/office/drawing/2014/main" xmlns="" id="{2E80C965-DB6D-4F81-9E9E-B027384D0BD6}"/>
               </a:ext>
               <a:ext uri="{C183D7F6-B498-43B3-948B-1728B52AA6E4}">
-                <adec:decorative xmlns:adec="http://schemas.microsoft.com/office/drawing/2017/decorative" val="1"/>
+                <adec:decorative xmlns:adec="http://schemas.microsoft.com/office/drawing/2017/decorative" xmlns="" val="1"/>
               </a:ext>
             </a:extLst>
           </p:cNvPr>
@@ -11713,7 +11743,7 @@
           <p:nvPr>
             <p:extLst>
               <p:ext uri="{386F3935-93C4-4BCD-93E2-E3B085C9AB24}">
-                <p16:designElem xmlns:p16="http://schemas.microsoft.com/office/powerpoint/2015/main" val="1"/>
+                <p16:designElem xmlns:p16="http://schemas.microsoft.com/office/powerpoint/2015/main" xmlns="" val="1"/>
               </p:ext>
             </p:extLst>
           </p:nvPr>
@@ -11765,10 +11795,10 @@
           <p:cNvPr id="35" name="Isosceles Triangle 34">
             <a:extLst>
               <a:ext uri="{FF2B5EF4-FFF2-40B4-BE49-F238E27FC236}">
-                <a16:creationId xmlns:a16="http://schemas.microsoft.com/office/drawing/2014/main" id="{633C5E46-DAC5-4661-9C87-22B08E2A512F}"/>
+                <a16:creationId xmlns:a16="http://schemas.microsoft.com/office/drawing/2014/main" xmlns="" id="{633C5E46-DAC5-4661-9C87-22B08E2A512F}"/>
               </a:ext>
               <a:ext uri="{C183D7F6-B498-43B3-948B-1728B52AA6E4}">
-                <adec:decorative xmlns:adec="http://schemas.microsoft.com/office/drawing/2017/decorative" val="1"/>
+                <adec:decorative xmlns:adec="http://schemas.microsoft.com/office/drawing/2017/decorative" xmlns="" val="1"/>
               </a:ext>
             </a:extLst>
           </p:cNvPr>
@@ -11778,7 +11808,7 @@
           <p:nvPr>
             <p:extLst>
               <p:ext uri="{386F3935-93C4-4BCD-93E2-E3B085C9AB24}">
-                <p16:designElem xmlns:p16="http://schemas.microsoft.com/office/powerpoint/2015/main" val="1"/>
+                <p16:designElem xmlns:p16="http://schemas.microsoft.com/office/powerpoint/2015/main" xmlns="" val="1"/>
               </p:ext>
             </p:extLst>
           </p:nvPr>
@@ -11832,7 +11862,7 @@
           <p:cNvPr id="6" name="TextBox 5">
             <a:extLst>
               <a:ext uri="{FF2B5EF4-FFF2-40B4-BE49-F238E27FC236}">
-                <a16:creationId xmlns:a16="http://schemas.microsoft.com/office/drawing/2014/main" id="{57471979-3A2A-3115-7259-DFBBC5EDD887}"/>
+                <a16:creationId xmlns:a16="http://schemas.microsoft.com/office/drawing/2014/main" xmlns="" id="{57471979-3A2A-3115-7259-DFBBC5EDD887}"/>
               </a:ext>
             </a:extLst>
           </p:cNvPr>
@@ -11871,7 +11901,7 @@
           <p:cNvPr id="3" name="Picture Placeholder 2">
             <a:extLst>
               <a:ext uri="{FF2B5EF4-FFF2-40B4-BE49-F238E27FC236}">
-                <a16:creationId xmlns:a16="http://schemas.microsoft.com/office/drawing/2014/main" id="{0FE749D7-A507-229A-4A56-EFDF203E4EF6}"/>
+                <a16:creationId xmlns:a16="http://schemas.microsoft.com/office/drawing/2014/main" xmlns="" id="{0FE749D7-A507-229A-4A56-EFDF203E4EF6}"/>
               </a:ext>
             </a:extLst>
           </p:cNvPr>
@@ -11896,7 +11926,7 @@
           <p:cNvPr id="4" name="Picture 3">
             <a:extLst>
               <a:ext uri="{FF2B5EF4-FFF2-40B4-BE49-F238E27FC236}">
-                <a16:creationId xmlns:a16="http://schemas.microsoft.com/office/drawing/2014/main" id="{DD7BC4ED-0EF1-B185-9EEB-0D2C804C1453}"/>
+                <a16:creationId xmlns:a16="http://schemas.microsoft.com/office/drawing/2014/main" xmlns="" id="{DD7BC4ED-0EF1-B185-9EEB-0D2C804C1453}"/>
               </a:ext>
             </a:extLst>
           </p:cNvPr>
@@ -11926,7 +11956,7 @@
           <p:cNvPr id="8" name="Picture 7">
             <a:extLst>
               <a:ext uri="{FF2B5EF4-FFF2-40B4-BE49-F238E27FC236}">
-                <a16:creationId xmlns:a16="http://schemas.microsoft.com/office/drawing/2014/main" id="{EBD022F7-9034-A9E4-7596-C9BF618BE616}"/>
+                <a16:creationId xmlns:a16="http://schemas.microsoft.com/office/drawing/2014/main" xmlns="" id="{EBD022F7-9034-A9E4-7596-C9BF618BE616}"/>
               </a:ext>
             </a:extLst>
           </p:cNvPr>
@@ -11956,7 +11986,7 @@
           <p:cNvPr id="9" name="Picture 8">
             <a:extLst>
               <a:ext uri="{FF2B5EF4-FFF2-40B4-BE49-F238E27FC236}">
-                <a16:creationId xmlns:a16="http://schemas.microsoft.com/office/drawing/2014/main" id="{50A053F5-EC2F-8602-C86F-EAF126080170}"/>
+                <a16:creationId xmlns:a16="http://schemas.microsoft.com/office/drawing/2014/main" xmlns="" id="{50A053F5-EC2F-8602-C86F-EAF126080170}"/>
               </a:ext>
             </a:extLst>
           </p:cNvPr>
@@ -11986,7 +12016,7 @@
           <p:cNvPr id="10" name="TextBox 9">
             <a:extLst>
               <a:ext uri="{FF2B5EF4-FFF2-40B4-BE49-F238E27FC236}">
-                <a16:creationId xmlns:a16="http://schemas.microsoft.com/office/drawing/2014/main" id="{34766FD2-D97E-42CB-2AFA-D6A69A3A76D7}"/>
+                <a16:creationId xmlns:a16="http://schemas.microsoft.com/office/drawing/2014/main" xmlns="" id="{34766FD2-D97E-42CB-2AFA-D6A69A3A76D7}"/>
               </a:ext>
             </a:extLst>
           </p:cNvPr>
@@ -12021,7 +12051,7 @@
           <p:cNvPr id="11" name="Picture 10">
             <a:extLst>
               <a:ext uri="{FF2B5EF4-FFF2-40B4-BE49-F238E27FC236}">
-                <a16:creationId xmlns:a16="http://schemas.microsoft.com/office/drawing/2014/main" id="{4F7EDA41-21EB-9064-6D64-AE6BA8A5D178}"/>
+                <a16:creationId xmlns:a16="http://schemas.microsoft.com/office/drawing/2014/main" xmlns="" id="{4F7EDA41-21EB-9064-6D64-AE6BA8A5D178}"/>
               </a:ext>
             </a:extLst>
           </p:cNvPr>
@@ -12056,6 +12086,13 @@
   <p:clrMapOvr>
     <a:masterClrMapping/>
   </p:clrMapOvr>
+  <p:timing>
+    <p:tnLst>
+      <p:par>
+        <p:cTn id="1" dur="indefinite" restart="never" nodeType="tmRoot"/>
+      </p:par>
+    </p:tnLst>
+  </p:timing>
 </p:sld>
 </file>
 
@@ -12075,7 +12112,7 @@
         <p:cNvPr id="1" name="">
           <a:extLst>
             <a:ext uri="{FF2B5EF4-FFF2-40B4-BE49-F238E27FC236}">
-              <a16:creationId xmlns:a16="http://schemas.microsoft.com/office/drawing/2014/main" id="{44464D06-C3E6-AA1C-6E98-1DA2883CD0BE}"/>
+              <a16:creationId xmlns:a16="http://schemas.microsoft.com/office/drawing/2014/main" xmlns="" id="{44464D06-C3E6-AA1C-6E98-1DA2883CD0BE}"/>
             </a:ext>
           </a:extLst>
         </p:cNvPr>
@@ -12095,10 +12132,10 @@
           <p:cNvPr id="27" name="Rectangle 26">
             <a:extLst>
               <a:ext uri="{FF2B5EF4-FFF2-40B4-BE49-F238E27FC236}">
-                <a16:creationId xmlns:a16="http://schemas.microsoft.com/office/drawing/2014/main" id="{A05955D2-655F-57B5-37A4-ADAEDE699BC5}"/>
+                <a16:creationId xmlns:a16="http://schemas.microsoft.com/office/drawing/2014/main" xmlns="" id="{A05955D2-655F-57B5-37A4-ADAEDE699BC5}"/>
               </a:ext>
               <a:ext uri="{C183D7F6-B498-43B3-948B-1728B52AA6E4}">
-                <adec:decorative xmlns:adec="http://schemas.microsoft.com/office/drawing/2017/decorative" val="1"/>
+                <adec:decorative xmlns:adec="http://schemas.microsoft.com/office/drawing/2017/decorative" xmlns="" val="1"/>
               </a:ext>
             </a:extLst>
           </p:cNvPr>
@@ -12108,7 +12145,7 @@
           <p:nvPr>
             <p:extLst>
               <p:ext uri="{386F3935-93C4-4BCD-93E2-E3B085C9AB24}">
-                <p16:designElem xmlns:p16="http://schemas.microsoft.com/office/powerpoint/2015/main" val="1"/>
+                <p16:designElem xmlns:p16="http://schemas.microsoft.com/office/powerpoint/2015/main" xmlns="" val="1"/>
               </p:ext>
             </p:extLst>
           </p:nvPr>
@@ -12158,10 +12195,10 @@
           <p:cNvPr id="29" name="Freeform: Shape 28">
             <a:extLst>
               <a:ext uri="{FF2B5EF4-FFF2-40B4-BE49-F238E27FC236}">
-                <a16:creationId xmlns:a16="http://schemas.microsoft.com/office/drawing/2014/main" id="{366ACB72-D978-92DD-5431-3827F8EC9EBE}"/>
+                <a16:creationId xmlns:a16="http://schemas.microsoft.com/office/drawing/2014/main" xmlns="" id="{366ACB72-D978-92DD-5431-3827F8EC9EBE}"/>
               </a:ext>
               <a:ext uri="{C183D7F6-B498-43B3-948B-1728B52AA6E4}">
-                <adec:decorative xmlns:adec="http://schemas.microsoft.com/office/drawing/2017/decorative" val="1"/>
+                <adec:decorative xmlns:adec="http://schemas.microsoft.com/office/drawing/2017/decorative" xmlns="" val="1"/>
               </a:ext>
             </a:extLst>
           </p:cNvPr>
@@ -12171,7 +12208,7 @@
           <p:nvPr>
             <p:extLst>
               <p:ext uri="{386F3935-93C4-4BCD-93E2-E3B085C9AB24}">
-                <p16:designElem xmlns:p16="http://schemas.microsoft.com/office/powerpoint/2015/main" val="1"/>
+                <p16:designElem xmlns:p16="http://schemas.microsoft.com/office/powerpoint/2015/main" xmlns="" val="1"/>
               </p:ext>
             </p:extLst>
           </p:nvPr>
@@ -12274,10 +12311,10 @@
           <p:cNvPr id="31" name="Rectangle 30">
             <a:extLst>
               <a:ext uri="{FF2B5EF4-FFF2-40B4-BE49-F238E27FC236}">
-                <a16:creationId xmlns:a16="http://schemas.microsoft.com/office/drawing/2014/main" id="{2CB9ED87-5971-7BA4-95EB-CC4C723FFF29}"/>
+                <a16:creationId xmlns:a16="http://schemas.microsoft.com/office/drawing/2014/main" xmlns="" id="{2CB9ED87-5971-7BA4-95EB-CC4C723FFF29}"/>
               </a:ext>
               <a:ext uri="{C183D7F6-B498-43B3-948B-1728B52AA6E4}">
-                <adec:decorative xmlns:adec="http://schemas.microsoft.com/office/drawing/2017/decorative" val="1"/>
+                <adec:decorative xmlns:adec="http://schemas.microsoft.com/office/drawing/2017/decorative" xmlns="" val="1"/>
               </a:ext>
             </a:extLst>
           </p:cNvPr>
@@ -12287,7 +12324,7 @@
           <p:nvPr>
             <p:extLst>
               <p:ext uri="{386F3935-93C4-4BCD-93E2-E3B085C9AB24}">
-                <p16:designElem xmlns:p16="http://schemas.microsoft.com/office/powerpoint/2015/main" val="1"/>
+                <p16:designElem xmlns:p16="http://schemas.microsoft.com/office/powerpoint/2015/main" xmlns="" val="1"/>
               </p:ext>
             </p:extLst>
           </p:nvPr>
@@ -12339,10 +12376,10 @@
           <p:cNvPr id="33" name="Rectangle 32">
             <a:extLst>
               <a:ext uri="{FF2B5EF4-FFF2-40B4-BE49-F238E27FC236}">
-                <a16:creationId xmlns:a16="http://schemas.microsoft.com/office/drawing/2014/main" id="{98ADFC44-0923-8257-C508-453EBA6EA2F2}"/>
+                <a16:creationId xmlns:a16="http://schemas.microsoft.com/office/drawing/2014/main" xmlns="" id="{98ADFC44-0923-8257-C508-453EBA6EA2F2}"/>
               </a:ext>
               <a:ext uri="{C183D7F6-B498-43B3-948B-1728B52AA6E4}">
-                <adec:decorative xmlns:adec="http://schemas.microsoft.com/office/drawing/2017/decorative" val="1"/>
+                <adec:decorative xmlns:adec="http://schemas.microsoft.com/office/drawing/2017/decorative" xmlns="" val="1"/>
               </a:ext>
             </a:extLst>
           </p:cNvPr>
@@ -12352,7 +12389,7 @@
           <p:nvPr>
             <p:extLst>
               <p:ext uri="{386F3935-93C4-4BCD-93E2-E3B085C9AB24}">
-                <p16:designElem xmlns:p16="http://schemas.microsoft.com/office/powerpoint/2015/main" val="1"/>
+                <p16:designElem xmlns:p16="http://schemas.microsoft.com/office/powerpoint/2015/main" xmlns="" val="1"/>
               </p:ext>
             </p:extLst>
           </p:nvPr>
@@ -12404,10 +12441,10 @@
           <p:cNvPr id="35" name="Freeform: Shape 34">
             <a:extLst>
               <a:ext uri="{FF2B5EF4-FFF2-40B4-BE49-F238E27FC236}">
-                <a16:creationId xmlns:a16="http://schemas.microsoft.com/office/drawing/2014/main" id="{4D74CE62-EBBB-2D48-4831-6B32ED7D471C}"/>
+                <a16:creationId xmlns:a16="http://schemas.microsoft.com/office/drawing/2014/main" xmlns="" id="{4D74CE62-EBBB-2D48-4831-6B32ED7D471C}"/>
               </a:ext>
               <a:ext uri="{C183D7F6-B498-43B3-948B-1728B52AA6E4}">
-                <adec:decorative xmlns:adec="http://schemas.microsoft.com/office/drawing/2017/decorative" val="1"/>
+                <adec:decorative xmlns:adec="http://schemas.microsoft.com/office/drawing/2017/decorative" xmlns="" val="1"/>
               </a:ext>
             </a:extLst>
           </p:cNvPr>
@@ -12417,7 +12454,7 @@
           <p:nvPr>
             <p:extLst>
               <p:ext uri="{386F3935-93C4-4BCD-93E2-E3B085C9AB24}">
-                <p16:designElem xmlns:p16="http://schemas.microsoft.com/office/powerpoint/2015/main" val="1"/>
+                <p16:designElem xmlns:p16="http://schemas.microsoft.com/office/powerpoint/2015/main" xmlns="" val="1"/>
               </p:ext>
             </p:extLst>
           </p:nvPr>
@@ -12514,10 +12551,10 @@
           <p:cNvPr id="37" name="Isosceles Triangle 36">
             <a:extLst>
               <a:ext uri="{FF2B5EF4-FFF2-40B4-BE49-F238E27FC236}">
-                <a16:creationId xmlns:a16="http://schemas.microsoft.com/office/drawing/2014/main" id="{C8C2CADF-8753-6E14-7A10-9EA4EF7BBEEA}"/>
+                <a16:creationId xmlns:a16="http://schemas.microsoft.com/office/drawing/2014/main" xmlns="" id="{C8C2CADF-8753-6E14-7A10-9EA4EF7BBEEA}"/>
               </a:ext>
               <a:ext uri="{C183D7F6-B498-43B3-948B-1728B52AA6E4}">
-                <adec:decorative xmlns:adec="http://schemas.microsoft.com/office/drawing/2017/decorative" val="1"/>
+                <adec:decorative xmlns:adec="http://schemas.microsoft.com/office/drawing/2017/decorative" xmlns="" val="1"/>
               </a:ext>
             </a:extLst>
           </p:cNvPr>
@@ -12527,7 +12564,7 @@
           <p:nvPr>
             <p:extLst>
               <p:ext uri="{386F3935-93C4-4BCD-93E2-E3B085C9AB24}">
-                <p16:designElem xmlns:p16="http://schemas.microsoft.com/office/powerpoint/2015/main" val="1"/>
+                <p16:designElem xmlns:p16="http://schemas.microsoft.com/office/powerpoint/2015/main" xmlns="" val="1"/>
               </p:ext>
             </p:extLst>
           </p:nvPr>
@@ -12579,10 +12616,10 @@
           <p:cNvPr id="39" name="Isosceles Triangle 38">
             <a:extLst>
               <a:ext uri="{FF2B5EF4-FFF2-40B4-BE49-F238E27FC236}">
-                <a16:creationId xmlns:a16="http://schemas.microsoft.com/office/drawing/2014/main" id="{495D4C37-9A2A-6709-1B54-A6CCCF8AD454}"/>
+                <a16:creationId xmlns:a16="http://schemas.microsoft.com/office/drawing/2014/main" xmlns="" id="{495D4C37-9A2A-6709-1B54-A6CCCF8AD454}"/>
               </a:ext>
               <a:ext uri="{C183D7F6-B498-43B3-948B-1728B52AA6E4}">
-                <adec:decorative xmlns:adec="http://schemas.microsoft.com/office/drawing/2017/decorative" val="1"/>
+                <adec:decorative xmlns:adec="http://schemas.microsoft.com/office/drawing/2017/decorative" xmlns="" val="1"/>
               </a:ext>
             </a:extLst>
           </p:cNvPr>
@@ -12592,7 +12629,7 @@
           <p:nvPr>
             <p:extLst>
               <p:ext uri="{386F3935-93C4-4BCD-93E2-E3B085C9AB24}">
-                <p16:designElem xmlns:p16="http://schemas.microsoft.com/office/powerpoint/2015/main" val="1"/>
+                <p16:designElem xmlns:p16="http://schemas.microsoft.com/office/powerpoint/2015/main" xmlns="" val="1"/>
               </p:ext>
             </p:extLst>
           </p:nvPr>
@@ -12644,7 +12681,7 @@
           <p:cNvPr id="26" name="TextBox 25">
             <a:extLst>
               <a:ext uri="{FF2B5EF4-FFF2-40B4-BE49-F238E27FC236}">
-                <a16:creationId xmlns:a16="http://schemas.microsoft.com/office/drawing/2014/main" id="{8FBB3F20-3CC5-0413-DE99-13D4C35CD8BF}"/>
+                <a16:creationId xmlns:a16="http://schemas.microsoft.com/office/drawing/2014/main" xmlns="" id="{8FBB3F20-3CC5-0413-DE99-13D4C35CD8BF}"/>
               </a:ext>
             </a:extLst>
           </p:cNvPr>
@@ -12698,7 +12735,7 @@
           <p:cNvPr id="3" name="Picture Placeholder 2">
             <a:extLst>
               <a:ext uri="{FF2B5EF4-FFF2-40B4-BE49-F238E27FC236}">
-                <a16:creationId xmlns:a16="http://schemas.microsoft.com/office/drawing/2014/main" id="{27E0065C-F81B-F5C1-68B0-DCDC486D6F83}"/>
+                <a16:creationId xmlns:a16="http://schemas.microsoft.com/office/drawing/2014/main" xmlns="" id="{27E0065C-F81B-F5C1-68B0-DCDC486D6F83}"/>
               </a:ext>
             </a:extLst>
           </p:cNvPr>
@@ -12723,7 +12760,7 @@
           <p:cNvPr id="5" name="Picture 4">
             <a:extLst>
               <a:ext uri="{FF2B5EF4-FFF2-40B4-BE49-F238E27FC236}">
-                <a16:creationId xmlns:a16="http://schemas.microsoft.com/office/drawing/2014/main" id="{9F86E908-CDF2-1770-A018-2008F1B0F8D6}"/>
+                <a16:creationId xmlns:a16="http://schemas.microsoft.com/office/drawing/2014/main" xmlns="" id="{9F86E908-CDF2-1770-A018-2008F1B0F8D6}"/>
               </a:ext>
             </a:extLst>
           </p:cNvPr>
@@ -12753,7 +12790,7 @@
           <p:cNvPr id="8" name="Picture 2" descr="z-score standard deviation">
             <a:extLst>
               <a:ext uri="{FF2B5EF4-FFF2-40B4-BE49-F238E27FC236}">
-                <a16:creationId xmlns:a16="http://schemas.microsoft.com/office/drawing/2014/main" id="{04435160-D634-A023-008E-6E269EEA64D5}"/>
+                <a16:creationId xmlns:a16="http://schemas.microsoft.com/office/drawing/2014/main" xmlns="" id="{04435160-D634-A023-008E-6E269EEA64D5}"/>
               </a:ext>
             </a:extLst>
           </p:cNvPr>
@@ -12800,7 +12837,7 @@
           <p:cNvPr id="9" name="TextBox 8">
             <a:extLst>
               <a:ext uri="{FF2B5EF4-FFF2-40B4-BE49-F238E27FC236}">
-                <a16:creationId xmlns:a16="http://schemas.microsoft.com/office/drawing/2014/main" id="{21FA62FC-B95E-6F93-2270-43A2B7D45874}"/>
+                <a16:creationId xmlns:a16="http://schemas.microsoft.com/office/drawing/2014/main" xmlns="" id="{21FA62FC-B95E-6F93-2270-43A2B7D45874}"/>
               </a:ext>
             </a:extLst>
           </p:cNvPr>
@@ -12849,7 +12886,7 @@
           <p:cNvPr id="10" name="Picture 9">
             <a:extLst>
               <a:ext uri="{FF2B5EF4-FFF2-40B4-BE49-F238E27FC236}">
-                <a16:creationId xmlns:a16="http://schemas.microsoft.com/office/drawing/2014/main" id="{A4A41A7B-33B1-F9E6-06AE-497D58F92E6D}"/>
+                <a16:creationId xmlns:a16="http://schemas.microsoft.com/office/drawing/2014/main" xmlns="" id="{A4A41A7B-33B1-F9E6-06AE-497D58F92E6D}"/>
               </a:ext>
             </a:extLst>
           </p:cNvPr>
@@ -12879,7 +12916,7 @@
           <p:cNvPr id="11" name="TextBox 10">
             <a:extLst>
               <a:ext uri="{FF2B5EF4-FFF2-40B4-BE49-F238E27FC236}">
-                <a16:creationId xmlns:a16="http://schemas.microsoft.com/office/drawing/2014/main" id="{4FAC40E7-EE1B-BD61-EA9F-E2FA79CE24E0}"/>
+                <a16:creationId xmlns:a16="http://schemas.microsoft.com/office/drawing/2014/main" xmlns="" id="{4FAC40E7-EE1B-BD61-EA9F-E2FA79CE24E0}"/>
               </a:ext>
             </a:extLst>
           </p:cNvPr>
@@ -12923,6 +12960,13 @@
   <p:clrMapOvr>
     <a:masterClrMapping/>
   </p:clrMapOvr>
+  <p:timing>
+    <p:tnLst>
+      <p:par>
+        <p:cTn id="1" dur="indefinite" restart="never" nodeType="tmRoot"/>
+      </p:par>
+    </p:tnLst>
+  </p:timing>
 </p:sld>
 </file>
 
@@ -12942,7 +12986,7 @@
         <p:cNvPr id="1" name="">
           <a:extLst>
             <a:ext uri="{FF2B5EF4-FFF2-40B4-BE49-F238E27FC236}">
-              <a16:creationId xmlns:a16="http://schemas.microsoft.com/office/drawing/2014/main" id="{4D4B2940-E5C6-E664-82FC-1AC9E90AE916}"/>
+              <a16:creationId xmlns:a16="http://schemas.microsoft.com/office/drawing/2014/main" xmlns="" id="{4D4B2940-E5C6-E664-82FC-1AC9E90AE916}"/>
             </a:ext>
           </a:extLst>
         </p:cNvPr>
@@ -12962,10 +13006,10 @@
           <p:cNvPr id="27" name="Rectangle 26">
             <a:extLst>
               <a:ext uri="{FF2B5EF4-FFF2-40B4-BE49-F238E27FC236}">
-                <a16:creationId xmlns:a16="http://schemas.microsoft.com/office/drawing/2014/main" id="{267C15C5-3E13-1F11-42BD-D84F48759E71}"/>
+                <a16:creationId xmlns:a16="http://schemas.microsoft.com/office/drawing/2014/main" xmlns="" id="{267C15C5-3E13-1F11-42BD-D84F48759E71}"/>
               </a:ext>
               <a:ext uri="{C183D7F6-B498-43B3-948B-1728B52AA6E4}">
-                <adec:decorative xmlns:adec="http://schemas.microsoft.com/office/drawing/2017/decorative" val="1"/>
+                <adec:decorative xmlns:adec="http://schemas.microsoft.com/office/drawing/2017/decorative" xmlns="" val="1"/>
               </a:ext>
             </a:extLst>
           </p:cNvPr>
@@ -12975,7 +13019,7 @@
           <p:nvPr>
             <p:extLst>
               <p:ext uri="{386F3935-93C4-4BCD-93E2-E3B085C9AB24}">
-                <p16:designElem xmlns:p16="http://schemas.microsoft.com/office/powerpoint/2015/main" val="1"/>
+                <p16:designElem xmlns:p16="http://schemas.microsoft.com/office/powerpoint/2015/main" xmlns="" val="1"/>
               </p:ext>
             </p:extLst>
           </p:nvPr>
@@ -13025,10 +13069,10 @@
           <p:cNvPr id="29" name="Group 28">
             <a:extLst>
               <a:ext uri="{FF2B5EF4-FFF2-40B4-BE49-F238E27FC236}">
-                <a16:creationId xmlns:a16="http://schemas.microsoft.com/office/drawing/2014/main" id="{3FD0A42E-2965-3907-FB70-C27D676E4660}"/>
+                <a16:creationId xmlns:a16="http://schemas.microsoft.com/office/drawing/2014/main" xmlns="" id="{3FD0A42E-2965-3907-FB70-C27D676E4660}"/>
               </a:ext>
               <a:ext uri="{C183D7F6-B498-43B3-948B-1728B52AA6E4}">
-                <adec:decorative xmlns:adec="http://schemas.microsoft.com/office/drawing/2017/decorative" val="1"/>
+                <adec:decorative xmlns:adec="http://schemas.microsoft.com/office/drawing/2017/decorative" xmlns="" val="1"/>
               </a:ext>
             </a:extLst>
           </p:cNvPr>
@@ -13038,7 +13082,7 @@
           <p:nvPr>
             <p:extLst>
               <p:ext uri="{386F3935-93C4-4BCD-93E2-E3B085C9AB24}">
-                <p16:designElem xmlns:p16="http://schemas.microsoft.com/office/powerpoint/2015/main" val="1"/>
+                <p16:designElem xmlns:p16="http://schemas.microsoft.com/office/powerpoint/2015/main" xmlns="" val="1"/>
               </p:ext>
             </p:extLst>
           </p:nvPr>
@@ -13056,10 +13100,10 @@
             <p:cNvPr id="30" name="Freeform: Shape 29">
               <a:extLst>
                 <a:ext uri="{FF2B5EF4-FFF2-40B4-BE49-F238E27FC236}">
-                  <a16:creationId xmlns:a16="http://schemas.microsoft.com/office/drawing/2014/main" id="{56CED4F7-E3E4-4E23-33FF-C3A336190162}"/>
+                  <a16:creationId xmlns:a16="http://schemas.microsoft.com/office/drawing/2014/main" xmlns="" id="{56CED4F7-E3E4-4E23-33FF-C3A336190162}"/>
                 </a:ext>
                 <a:ext uri="{C183D7F6-B498-43B3-948B-1728B52AA6E4}">
-                  <adec:decorative xmlns:adec="http://schemas.microsoft.com/office/drawing/2017/decorative" val="1"/>
+                  <adec:decorative xmlns:adec="http://schemas.microsoft.com/office/drawing/2017/decorative" xmlns="" val="1"/>
                 </a:ext>
               </a:extLst>
             </p:cNvPr>
@@ -13067,7 +13111,7 @@
             <p:nvPr>
               <p:extLst>
                 <p:ext uri="{386F3935-93C4-4BCD-93E2-E3B085C9AB24}">
-                  <p16:designElem xmlns:p16="http://schemas.microsoft.com/office/powerpoint/2015/main" val="1"/>
+                  <p16:designElem xmlns:p16="http://schemas.microsoft.com/office/powerpoint/2015/main" xmlns="" val="1"/>
                 </p:ext>
               </p:extLst>
             </p:nvPr>
@@ -13170,10 +13214,10 @@
             <p:cNvPr id="31" name="Rectangle 30">
               <a:extLst>
                 <a:ext uri="{FF2B5EF4-FFF2-40B4-BE49-F238E27FC236}">
-                  <a16:creationId xmlns:a16="http://schemas.microsoft.com/office/drawing/2014/main" id="{BC652BC5-9C8B-597E-0D1A-0FBFECA3B289}"/>
+                  <a16:creationId xmlns:a16="http://schemas.microsoft.com/office/drawing/2014/main" xmlns="" id="{BC652BC5-9C8B-597E-0D1A-0FBFECA3B289}"/>
                 </a:ext>
                 <a:ext uri="{C183D7F6-B498-43B3-948B-1728B52AA6E4}">
-                  <adec:decorative xmlns:adec="http://schemas.microsoft.com/office/drawing/2017/decorative" val="1"/>
+                  <adec:decorative xmlns:adec="http://schemas.microsoft.com/office/drawing/2017/decorative" xmlns="" val="1"/>
                 </a:ext>
               </a:extLst>
             </p:cNvPr>
@@ -13181,7 +13225,7 @@
             <p:nvPr>
               <p:extLst>
                 <p:ext uri="{386F3935-93C4-4BCD-93E2-E3B085C9AB24}">
-                  <p16:designElem xmlns:p16="http://schemas.microsoft.com/office/powerpoint/2015/main" val="1"/>
+                  <p16:designElem xmlns:p16="http://schemas.microsoft.com/office/powerpoint/2015/main" xmlns="" val="1"/>
                 </p:ext>
               </p:extLst>
             </p:nvPr>
@@ -13234,10 +13278,10 @@
           <p:cNvPr id="33" name="Rectangle 32">
             <a:extLst>
               <a:ext uri="{FF2B5EF4-FFF2-40B4-BE49-F238E27FC236}">
-                <a16:creationId xmlns:a16="http://schemas.microsoft.com/office/drawing/2014/main" id="{F68D9EE4-63BC-B96F-D7FF-1569EB63E418}"/>
+                <a16:creationId xmlns:a16="http://schemas.microsoft.com/office/drawing/2014/main" xmlns="" id="{F68D9EE4-63BC-B96F-D7FF-1569EB63E418}"/>
               </a:ext>
               <a:ext uri="{C183D7F6-B498-43B3-948B-1728B52AA6E4}">
-                <adec:decorative xmlns:adec="http://schemas.microsoft.com/office/drawing/2017/decorative" val="1"/>
+                <adec:decorative xmlns:adec="http://schemas.microsoft.com/office/drawing/2017/decorative" xmlns="" val="1"/>
               </a:ext>
             </a:extLst>
           </p:cNvPr>
@@ -13247,7 +13291,7 @@
           <p:nvPr>
             <p:extLst>
               <p:ext uri="{386F3935-93C4-4BCD-93E2-E3B085C9AB24}">
-                <p16:designElem xmlns:p16="http://schemas.microsoft.com/office/powerpoint/2015/main" val="1"/>
+                <p16:designElem xmlns:p16="http://schemas.microsoft.com/office/powerpoint/2015/main" xmlns="" val="1"/>
               </p:ext>
             </p:extLst>
           </p:nvPr>
@@ -13299,10 +13343,10 @@
           <p:cNvPr id="35" name="Isosceles Triangle 34">
             <a:extLst>
               <a:ext uri="{FF2B5EF4-FFF2-40B4-BE49-F238E27FC236}">
-                <a16:creationId xmlns:a16="http://schemas.microsoft.com/office/drawing/2014/main" id="{96A74666-9FDE-51EF-A10F-95DC34E1313C}"/>
+                <a16:creationId xmlns:a16="http://schemas.microsoft.com/office/drawing/2014/main" xmlns="" id="{96A74666-9FDE-51EF-A10F-95DC34E1313C}"/>
               </a:ext>
               <a:ext uri="{C183D7F6-B498-43B3-948B-1728B52AA6E4}">
-                <adec:decorative xmlns:adec="http://schemas.microsoft.com/office/drawing/2017/decorative" val="1"/>
+                <adec:decorative xmlns:adec="http://schemas.microsoft.com/office/drawing/2017/decorative" xmlns="" val="1"/>
               </a:ext>
             </a:extLst>
           </p:cNvPr>
@@ -13312,7 +13356,7 @@
           <p:nvPr>
             <p:extLst>
               <p:ext uri="{386F3935-93C4-4BCD-93E2-E3B085C9AB24}">
-                <p16:designElem xmlns:p16="http://schemas.microsoft.com/office/powerpoint/2015/main" val="1"/>
+                <p16:designElem xmlns:p16="http://schemas.microsoft.com/office/powerpoint/2015/main" xmlns="" val="1"/>
               </p:ext>
             </p:extLst>
           </p:nvPr>
@@ -13366,7 +13410,7 @@
           <p:cNvPr id="6" name="TextBox 5">
             <a:extLst>
               <a:ext uri="{FF2B5EF4-FFF2-40B4-BE49-F238E27FC236}">
-                <a16:creationId xmlns:a16="http://schemas.microsoft.com/office/drawing/2014/main" id="{84487772-E692-41DB-A02C-9D1F2785B3E2}"/>
+                <a16:creationId xmlns:a16="http://schemas.microsoft.com/office/drawing/2014/main" xmlns="" id="{84487772-E692-41DB-A02C-9D1F2785B3E2}"/>
               </a:ext>
             </a:extLst>
           </p:cNvPr>
@@ -13422,7 +13466,7 @@
           <p:cNvPr id="3" name="Picture Placeholder 2">
             <a:extLst>
               <a:ext uri="{FF2B5EF4-FFF2-40B4-BE49-F238E27FC236}">
-                <a16:creationId xmlns:a16="http://schemas.microsoft.com/office/drawing/2014/main" id="{6E3A0FF6-C913-5981-F06D-B91D33FC99EC}"/>
+                <a16:creationId xmlns:a16="http://schemas.microsoft.com/office/drawing/2014/main" xmlns="" id="{6E3A0FF6-C913-5981-F06D-B91D33FC99EC}"/>
               </a:ext>
             </a:extLst>
           </p:cNvPr>
@@ -13447,7 +13491,7 @@
           <p:cNvPr id="4" name="Picture 3">
             <a:extLst>
               <a:ext uri="{FF2B5EF4-FFF2-40B4-BE49-F238E27FC236}">
-                <a16:creationId xmlns:a16="http://schemas.microsoft.com/office/drawing/2014/main" id="{D2B17D0D-C09F-4C72-CFFC-F7FB19487DF1}"/>
+                <a16:creationId xmlns:a16="http://schemas.microsoft.com/office/drawing/2014/main" xmlns="" id="{D2B17D0D-C09F-4C72-CFFC-F7FB19487DF1}"/>
               </a:ext>
             </a:extLst>
           </p:cNvPr>
@@ -13477,7 +13521,7 @@
           <p:cNvPr id="8" name="Picture 7">
             <a:extLst>
               <a:ext uri="{FF2B5EF4-FFF2-40B4-BE49-F238E27FC236}">
-                <a16:creationId xmlns:a16="http://schemas.microsoft.com/office/drawing/2014/main" id="{7ECE89BA-4F64-2498-A460-13A97BF3C1FA}"/>
+                <a16:creationId xmlns:a16="http://schemas.microsoft.com/office/drawing/2014/main" xmlns="" id="{7ECE89BA-4F64-2498-A460-13A97BF3C1FA}"/>
               </a:ext>
             </a:extLst>
           </p:cNvPr>
@@ -13507,7 +13551,7 @@
           <p:cNvPr id="9" name="TextBox 8">
             <a:extLst>
               <a:ext uri="{FF2B5EF4-FFF2-40B4-BE49-F238E27FC236}">
-                <a16:creationId xmlns:a16="http://schemas.microsoft.com/office/drawing/2014/main" id="{3056A06A-42DB-2B74-8A1A-93A488B4E6C9}"/>
+                <a16:creationId xmlns:a16="http://schemas.microsoft.com/office/drawing/2014/main" xmlns="" id="{3056A06A-42DB-2B74-8A1A-93A488B4E6C9}"/>
               </a:ext>
             </a:extLst>
           </p:cNvPr>
@@ -13543,7 +13587,7 @@
           <p:cNvPr id="10" name="TextBox 9">
             <a:extLst>
               <a:ext uri="{FF2B5EF4-FFF2-40B4-BE49-F238E27FC236}">
-                <a16:creationId xmlns:a16="http://schemas.microsoft.com/office/drawing/2014/main" id="{77C21060-E1C1-4219-E3FE-746D498A58DA}"/>
+                <a16:creationId xmlns:a16="http://schemas.microsoft.com/office/drawing/2014/main" xmlns="" id="{77C21060-E1C1-4219-E3FE-746D498A58DA}"/>
               </a:ext>
             </a:extLst>
           </p:cNvPr>
@@ -13578,7 +13622,7 @@
           <p:cNvPr id="11" name="Picture 10">
             <a:extLst>
               <a:ext uri="{FF2B5EF4-FFF2-40B4-BE49-F238E27FC236}">
-                <a16:creationId xmlns:a16="http://schemas.microsoft.com/office/drawing/2014/main" id="{3454D7FC-1E95-2F69-C2E1-2772B6B5A262}"/>
+                <a16:creationId xmlns:a16="http://schemas.microsoft.com/office/drawing/2014/main" xmlns="" id="{3454D7FC-1E95-2F69-C2E1-2772B6B5A262}"/>
               </a:ext>
             </a:extLst>
           </p:cNvPr>
@@ -13608,7 +13652,7 @@
           <p:cNvPr id="15" name="Picture 14">
             <a:extLst>
               <a:ext uri="{FF2B5EF4-FFF2-40B4-BE49-F238E27FC236}">
-                <a16:creationId xmlns:a16="http://schemas.microsoft.com/office/drawing/2014/main" id="{4D88A727-898D-9880-891F-D0285DE9EDE6}"/>
+                <a16:creationId xmlns:a16="http://schemas.microsoft.com/office/drawing/2014/main" xmlns="" id="{4D88A727-898D-9880-891F-D0285DE9EDE6}"/>
               </a:ext>
             </a:extLst>
           </p:cNvPr>
@@ -13638,7 +13682,7 @@
           <p:cNvPr id="16" name="TextBox 15">
             <a:extLst>
               <a:ext uri="{FF2B5EF4-FFF2-40B4-BE49-F238E27FC236}">
-                <a16:creationId xmlns:a16="http://schemas.microsoft.com/office/drawing/2014/main" id="{E2F9D77F-A2A2-975B-B8CC-BA7C8409689E}"/>
+                <a16:creationId xmlns:a16="http://schemas.microsoft.com/office/drawing/2014/main" xmlns="" id="{E2F9D77F-A2A2-975B-B8CC-BA7C8409689E}"/>
               </a:ext>
             </a:extLst>
           </p:cNvPr>
@@ -13693,7 +13737,7 @@
           <p:cNvPr id="17" name="TextBox 16">
             <a:extLst>
               <a:ext uri="{FF2B5EF4-FFF2-40B4-BE49-F238E27FC236}">
-                <a16:creationId xmlns:a16="http://schemas.microsoft.com/office/drawing/2014/main" id="{F402CA93-C411-42CA-8E07-C6D50D2043CF}"/>
+                <a16:creationId xmlns:a16="http://schemas.microsoft.com/office/drawing/2014/main" xmlns="" id="{F402CA93-C411-42CA-8E07-C6D50D2043CF}"/>
               </a:ext>
             </a:extLst>
           </p:cNvPr>
@@ -13750,6 +13794,13 @@
   <p:clrMapOvr>
     <a:masterClrMapping/>
   </p:clrMapOvr>
+  <p:timing>
+    <p:tnLst>
+      <p:par>
+        <p:cTn id="1" dur="indefinite" restart="never" nodeType="tmRoot"/>
+      </p:par>
+    </p:tnLst>
+  </p:timing>
 </p:sld>
 </file>
 
@@ -13769,7 +13820,7 @@
         <p:cNvPr id="1" name="">
           <a:extLst>
             <a:ext uri="{FF2B5EF4-FFF2-40B4-BE49-F238E27FC236}">
-              <a16:creationId xmlns:a16="http://schemas.microsoft.com/office/drawing/2014/main" id="{5DBEE2C1-9D7E-D1C7-5E56-A18A2AA16024}"/>
+              <a16:creationId xmlns:a16="http://schemas.microsoft.com/office/drawing/2014/main" xmlns="" id="{5DBEE2C1-9D7E-D1C7-5E56-A18A2AA16024}"/>
             </a:ext>
           </a:extLst>
         </p:cNvPr>
@@ -13789,10 +13840,10 @@
           <p:cNvPr id="27" name="Rectangle 26">
             <a:extLst>
               <a:ext uri="{FF2B5EF4-FFF2-40B4-BE49-F238E27FC236}">
-                <a16:creationId xmlns:a16="http://schemas.microsoft.com/office/drawing/2014/main" id="{25DC7D64-B993-42DE-0BB6-219695D78332}"/>
+                <a16:creationId xmlns:a16="http://schemas.microsoft.com/office/drawing/2014/main" xmlns="" id="{25DC7D64-B993-42DE-0BB6-219695D78332}"/>
               </a:ext>
               <a:ext uri="{C183D7F6-B498-43B3-948B-1728B52AA6E4}">
-                <adec:decorative xmlns:adec="http://schemas.microsoft.com/office/drawing/2017/decorative" val="1"/>
+                <adec:decorative xmlns:adec="http://schemas.microsoft.com/office/drawing/2017/decorative" xmlns="" val="1"/>
               </a:ext>
             </a:extLst>
           </p:cNvPr>
@@ -13802,7 +13853,7 @@
           <p:nvPr>
             <p:extLst>
               <p:ext uri="{386F3935-93C4-4BCD-93E2-E3B085C9AB24}">
-                <p16:designElem xmlns:p16="http://schemas.microsoft.com/office/powerpoint/2015/main" val="1"/>
+                <p16:designElem xmlns:p16="http://schemas.microsoft.com/office/powerpoint/2015/main" xmlns="" val="1"/>
               </p:ext>
             </p:extLst>
           </p:nvPr>
@@ -13852,10 +13903,10 @@
           <p:cNvPr id="29" name="Freeform: Shape 28">
             <a:extLst>
               <a:ext uri="{FF2B5EF4-FFF2-40B4-BE49-F238E27FC236}">
-                <a16:creationId xmlns:a16="http://schemas.microsoft.com/office/drawing/2014/main" id="{12A72625-0764-E453-5FD0-36E941387D6C}"/>
+                <a16:creationId xmlns:a16="http://schemas.microsoft.com/office/drawing/2014/main" xmlns="" id="{12A72625-0764-E453-5FD0-36E941387D6C}"/>
               </a:ext>
               <a:ext uri="{C183D7F6-B498-43B3-948B-1728B52AA6E4}">
-                <adec:decorative xmlns:adec="http://schemas.microsoft.com/office/drawing/2017/decorative" val="1"/>
+                <adec:decorative xmlns:adec="http://schemas.microsoft.com/office/drawing/2017/decorative" xmlns="" val="1"/>
               </a:ext>
             </a:extLst>
           </p:cNvPr>
@@ -13865,7 +13916,7 @@
           <p:nvPr>
             <p:extLst>
               <p:ext uri="{386F3935-93C4-4BCD-93E2-E3B085C9AB24}">
-                <p16:designElem xmlns:p16="http://schemas.microsoft.com/office/powerpoint/2015/main" val="1"/>
+                <p16:designElem xmlns:p16="http://schemas.microsoft.com/office/powerpoint/2015/main" xmlns="" val="1"/>
               </p:ext>
             </p:extLst>
           </p:nvPr>
@@ -13968,10 +14019,10 @@
           <p:cNvPr id="31" name="Rectangle 30">
             <a:extLst>
               <a:ext uri="{FF2B5EF4-FFF2-40B4-BE49-F238E27FC236}">
-                <a16:creationId xmlns:a16="http://schemas.microsoft.com/office/drawing/2014/main" id="{048A37AD-0773-880C-6536-1FE3DFDC727C}"/>
+                <a16:creationId xmlns:a16="http://schemas.microsoft.com/office/drawing/2014/main" xmlns="" id="{048A37AD-0773-880C-6536-1FE3DFDC727C}"/>
               </a:ext>
               <a:ext uri="{C183D7F6-B498-43B3-948B-1728B52AA6E4}">
-                <adec:decorative xmlns:adec="http://schemas.microsoft.com/office/drawing/2017/decorative" val="1"/>
+                <adec:decorative xmlns:adec="http://schemas.microsoft.com/office/drawing/2017/decorative" xmlns="" val="1"/>
               </a:ext>
             </a:extLst>
           </p:cNvPr>
@@ -13981,7 +14032,7 @@
           <p:nvPr>
             <p:extLst>
               <p:ext uri="{386F3935-93C4-4BCD-93E2-E3B085C9AB24}">
-                <p16:designElem xmlns:p16="http://schemas.microsoft.com/office/powerpoint/2015/main" val="1"/>
+                <p16:designElem xmlns:p16="http://schemas.microsoft.com/office/powerpoint/2015/main" xmlns="" val="1"/>
               </p:ext>
             </p:extLst>
           </p:nvPr>
@@ -14033,10 +14084,10 @@
           <p:cNvPr id="33" name="Rectangle 32">
             <a:extLst>
               <a:ext uri="{FF2B5EF4-FFF2-40B4-BE49-F238E27FC236}">
-                <a16:creationId xmlns:a16="http://schemas.microsoft.com/office/drawing/2014/main" id="{D3B9A089-AC7F-29AD-E1C0-92883AEF082D}"/>
+                <a16:creationId xmlns:a16="http://schemas.microsoft.com/office/drawing/2014/main" xmlns="" id="{D3B9A089-AC7F-29AD-E1C0-92883AEF082D}"/>
               </a:ext>
               <a:ext uri="{C183D7F6-B498-43B3-948B-1728B52AA6E4}">
-                <adec:decorative xmlns:adec="http://schemas.microsoft.com/office/drawing/2017/decorative" val="1"/>
+                <adec:decorative xmlns:adec="http://schemas.microsoft.com/office/drawing/2017/decorative" xmlns="" val="1"/>
               </a:ext>
             </a:extLst>
           </p:cNvPr>
@@ -14046,7 +14097,7 @@
           <p:nvPr>
             <p:extLst>
               <p:ext uri="{386F3935-93C4-4BCD-93E2-E3B085C9AB24}">
-                <p16:designElem xmlns:p16="http://schemas.microsoft.com/office/powerpoint/2015/main" val="1"/>
+                <p16:designElem xmlns:p16="http://schemas.microsoft.com/office/powerpoint/2015/main" xmlns="" val="1"/>
               </p:ext>
             </p:extLst>
           </p:nvPr>
@@ -14098,10 +14149,10 @@
           <p:cNvPr id="35" name="Freeform: Shape 34">
             <a:extLst>
               <a:ext uri="{FF2B5EF4-FFF2-40B4-BE49-F238E27FC236}">
-                <a16:creationId xmlns:a16="http://schemas.microsoft.com/office/drawing/2014/main" id="{AE72E1D7-D4D9-FDA1-3476-A0D10489D39C}"/>
+                <a16:creationId xmlns:a16="http://schemas.microsoft.com/office/drawing/2014/main" xmlns="" id="{AE72E1D7-D4D9-FDA1-3476-A0D10489D39C}"/>
               </a:ext>
               <a:ext uri="{C183D7F6-B498-43B3-948B-1728B52AA6E4}">
-                <adec:decorative xmlns:adec="http://schemas.microsoft.com/office/drawing/2017/decorative" val="1"/>
+                <adec:decorative xmlns:adec="http://schemas.microsoft.com/office/drawing/2017/decorative" xmlns="" val="1"/>
               </a:ext>
             </a:extLst>
           </p:cNvPr>
@@ -14111,7 +14162,7 @@
           <p:nvPr>
             <p:extLst>
               <p:ext uri="{386F3935-93C4-4BCD-93E2-E3B085C9AB24}">
-                <p16:designElem xmlns:p16="http://schemas.microsoft.com/office/powerpoint/2015/main" val="1"/>
+                <p16:designElem xmlns:p16="http://schemas.microsoft.com/office/powerpoint/2015/main" xmlns="" val="1"/>
               </p:ext>
             </p:extLst>
           </p:nvPr>
@@ -14208,10 +14259,10 @@
           <p:cNvPr id="37" name="Isosceles Triangle 36">
             <a:extLst>
               <a:ext uri="{FF2B5EF4-FFF2-40B4-BE49-F238E27FC236}">
-                <a16:creationId xmlns:a16="http://schemas.microsoft.com/office/drawing/2014/main" id="{BA1115EC-44C4-0A28-76ED-108C165AD0A3}"/>
+                <a16:creationId xmlns:a16="http://schemas.microsoft.com/office/drawing/2014/main" xmlns="" id="{BA1115EC-44C4-0A28-76ED-108C165AD0A3}"/>
               </a:ext>
               <a:ext uri="{C183D7F6-B498-43B3-948B-1728B52AA6E4}">
-                <adec:decorative xmlns:adec="http://schemas.microsoft.com/office/drawing/2017/decorative" val="1"/>
+                <adec:decorative xmlns:adec="http://schemas.microsoft.com/office/drawing/2017/decorative" xmlns="" val="1"/>
               </a:ext>
             </a:extLst>
           </p:cNvPr>
@@ -14221,7 +14272,7 @@
           <p:nvPr>
             <p:extLst>
               <p:ext uri="{386F3935-93C4-4BCD-93E2-E3B085C9AB24}">
-                <p16:designElem xmlns:p16="http://schemas.microsoft.com/office/powerpoint/2015/main" val="1"/>
+                <p16:designElem xmlns:p16="http://schemas.microsoft.com/office/powerpoint/2015/main" xmlns="" val="1"/>
               </p:ext>
             </p:extLst>
           </p:nvPr>
@@ -14273,10 +14324,10 @@
           <p:cNvPr id="39" name="Isosceles Triangle 38">
             <a:extLst>
               <a:ext uri="{FF2B5EF4-FFF2-40B4-BE49-F238E27FC236}">
-                <a16:creationId xmlns:a16="http://schemas.microsoft.com/office/drawing/2014/main" id="{1BD3FC0A-0EEF-D07D-8D42-140136F2A22D}"/>
+                <a16:creationId xmlns:a16="http://schemas.microsoft.com/office/drawing/2014/main" xmlns="" id="{1BD3FC0A-0EEF-D07D-8D42-140136F2A22D}"/>
               </a:ext>
               <a:ext uri="{C183D7F6-B498-43B3-948B-1728B52AA6E4}">
-                <adec:decorative xmlns:adec="http://schemas.microsoft.com/office/drawing/2017/decorative" val="1"/>
+                <adec:decorative xmlns:adec="http://schemas.microsoft.com/office/drawing/2017/decorative" xmlns="" val="1"/>
               </a:ext>
             </a:extLst>
           </p:cNvPr>
@@ -14286,7 +14337,7 @@
           <p:nvPr>
             <p:extLst>
               <p:ext uri="{386F3935-93C4-4BCD-93E2-E3B085C9AB24}">
-                <p16:designElem xmlns:p16="http://schemas.microsoft.com/office/powerpoint/2015/main" val="1"/>
+                <p16:designElem xmlns:p16="http://schemas.microsoft.com/office/powerpoint/2015/main" xmlns="" val="1"/>
               </p:ext>
             </p:extLst>
           </p:nvPr>
@@ -14338,7 +14389,7 @@
           <p:cNvPr id="26" name="TextBox 25">
             <a:extLst>
               <a:ext uri="{FF2B5EF4-FFF2-40B4-BE49-F238E27FC236}">
-                <a16:creationId xmlns:a16="http://schemas.microsoft.com/office/drawing/2014/main" id="{8F8BB831-639B-F76A-1052-EAE6C576953C}"/>
+                <a16:creationId xmlns:a16="http://schemas.microsoft.com/office/drawing/2014/main" xmlns="" id="{8F8BB831-639B-F76A-1052-EAE6C576953C}"/>
               </a:ext>
             </a:extLst>
           </p:cNvPr>
@@ -14375,7 +14426,7 @@
           <p:cNvPr id="3" name="Picture Placeholder 2">
             <a:extLst>
               <a:ext uri="{FF2B5EF4-FFF2-40B4-BE49-F238E27FC236}">
-                <a16:creationId xmlns:a16="http://schemas.microsoft.com/office/drawing/2014/main" id="{AD75E344-34A7-3953-DBE1-C1AC0EEF25BF}"/>
+                <a16:creationId xmlns:a16="http://schemas.microsoft.com/office/drawing/2014/main" xmlns="" id="{AD75E344-34A7-3953-DBE1-C1AC0EEF25BF}"/>
               </a:ext>
             </a:extLst>
           </p:cNvPr>
@@ -14400,7 +14451,7 @@
           <p:cNvPr id="5" name="Content Placeholder 2">
             <a:extLst>
               <a:ext uri="{FF2B5EF4-FFF2-40B4-BE49-F238E27FC236}">
-                <a16:creationId xmlns:a16="http://schemas.microsoft.com/office/drawing/2014/main" id="{74A4C716-B13D-F106-1917-56A91000701D}"/>
+                <a16:creationId xmlns:a16="http://schemas.microsoft.com/office/drawing/2014/main" xmlns="" id="{74A4C716-B13D-F106-1917-56A91000701D}"/>
               </a:ext>
             </a:extLst>
           </p:cNvPr>
@@ -14821,6 +14872,13 @@
   <p:clrMapOvr>
     <a:masterClrMapping/>
   </p:clrMapOvr>
+  <p:timing>
+    <p:tnLst>
+      <p:par>
+        <p:cTn id="1" dur="indefinite" restart="never" nodeType="tmRoot"/>
+      </p:par>
+    </p:tnLst>
+  </p:timing>
 </p:sld>
 </file>
 
@@ -14840,7 +14898,7 @@
         <p:cNvPr id="1" name="">
           <a:extLst>
             <a:ext uri="{FF2B5EF4-FFF2-40B4-BE49-F238E27FC236}">
-              <a16:creationId xmlns:a16="http://schemas.microsoft.com/office/drawing/2014/main" id="{AB68B09A-02A9-FCF6-8CF4-E21D9D83F5B6}"/>
+              <a16:creationId xmlns:a16="http://schemas.microsoft.com/office/drawing/2014/main" xmlns="" id="{AB68B09A-02A9-FCF6-8CF4-E21D9D83F5B6}"/>
             </a:ext>
           </a:extLst>
         </p:cNvPr>
@@ -14860,10 +14918,10 @@
           <p:cNvPr id="27" name="Rectangle 26">
             <a:extLst>
               <a:ext uri="{FF2B5EF4-FFF2-40B4-BE49-F238E27FC236}">
-                <a16:creationId xmlns:a16="http://schemas.microsoft.com/office/drawing/2014/main" id="{72DB646F-EF7A-CDB6-8C97-BFA5811FC706}"/>
+                <a16:creationId xmlns:a16="http://schemas.microsoft.com/office/drawing/2014/main" xmlns="" id="{72DB646F-EF7A-CDB6-8C97-BFA5811FC706}"/>
               </a:ext>
               <a:ext uri="{C183D7F6-B498-43B3-948B-1728B52AA6E4}">
-                <adec:decorative xmlns:adec="http://schemas.microsoft.com/office/drawing/2017/decorative" val="1"/>
+                <adec:decorative xmlns:adec="http://schemas.microsoft.com/office/drawing/2017/decorative" xmlns="" val="1"/>
               </a:ext>
             </a:extLst>
           </p:cNvPr>
@@ -14873,7 +14931,7 @@
           <p:nvPr>
             <p:extLst>
               <p:ext uri="{386F3935-93C4-4BCD-93E2-E3B085C9AB24}">
-                <p16:designElem xmlns:p16="http://schemas.microsoft.com/office/powerpoint/2015/main" val="1"/>
+                <p16:designElem xmlns:p16="http://schemas.microsoft.com/office/powerpoint/2015/main" xmlns="" val="1"/>
               </p:ext>
             </p:extLst>
           </p:nvPr>
@@ -14923,10 +14981,10 @@
           <p:cNvPr id="29" name="Group 28">
             <a:extLst>
               <a:ext uri="{FF2B5EF4-FFF2-40B4-BE49-F238E27FC236}">
-                <a16:creationId xmlns:a16="http://schemas.microsoft.com/office/drawing/2014/main" id="{2208392C-196F-5C96-1245-94E5797EEA40}"/>
+                <a16:creationId xmlns:a16="http://schemas.microsoft.com/office/drawing/2014/main" xmlns="" id="{2208392C-196F-5C96-1245-94E5797EEA40}"/>
               </a:ext>
               <a:ext uri="{C183D7F6-B498-43B3-948B-1728B52AA6E4}">
-                <adec:decorative xmlns:adec="http://schemas.microsoft.com/office/drawing/2017/decorative" val="1"/>
+                <adec:decorative xmlns:adec="http://schemas.microsoft.com/office/drawing/2017/decorative" xmlns="" val="1"/>
               </a:ext>
             </a:extLst>
           </p:cNvPr>
@@ -14936,7 +14994,7 @@
           <p:nvPr>
             <p:extLst>
               <p:ext uri="{386F3935-93C4-4BCD-93E2-E3B085C9AB24}">
-                <p16:designElem xmlns:p16="http://schemas.microsoft.com/office/powerpoint/2015/main" val="1"/>
+                <p16:designElem xmlns:p16="http://schemas.microsoft.com/office/powerpoint/2015/main" xmlns="" val="1"/>
               </p:ext>
             </p:extLst>
           </p:nvPr>
@@ -14954,10 +15012,10 @@
             <p:cNvPr id="30" name="Freeform: Shape 29">
               <a:extLst>
                 <a:ext uri="{FF2B5EF4-FFF2-40B4-BE49-F238E27FC236}">
-                  <a16:creationId xmlns:a16="http://schemas.microsoft.com/office/drawing/2014/main" id="{F5DB40BB-1B9E-AF43-E22C-858F9B33D319}"/>
+                  <a16:creationId xmlns:a16="http://schemas.microsoft.com/office/drawing/2014/main" xmlns="" id="{F5DB40BB-1B9E-AF43-E22C-858F9B33D319}"/>
                 </a:ext>
                 <a:ext uri="{C183D7F6-B498-43B3-948B-1728B52AA6E4}">
-                  <adec:decorative xmlns:adec="http://schemas.microsoft.com/office/drawing/2017/decorative" val="1"/>
+                  <adec:decorative xmlns:adec="http://schemas.microsoft.com/office/drawing/2017/decorative" xmlns="" val="1"/>
                 </a:ext>
               </a:extLst>
             </p:cNvPr>
@@ -14965,7 +15023,7 @@
             <p:nvPr>
               <p:extLst>
                 <p:ext uri="{386F3935-93C4-4BCD-93E2-E3B085C9AB24}">
-                  <p16:designElem xmlns:p16="http://schemas.microsoft.com/office/powerpoint/2015/main" val="1"/>
+                  <p16:designElem xmlns:p16="http://schemas.microsoft.com/office/powerpoint/2015/main" xmlns="" val="1"/>
                 </p:ext>
               </p:extLst>
             </p:nvPr>
@@ -15068,10 +15126,10 @@
             <p:cNvPr id="31" name="Rectangle 30">
               <a:extLst>
                 <a:ext uri="{FF2B5EF4-FFF2-40B4-BE49-F238E27FC236}">
-                  <a16:creationId xmlns:a16="http://schemas.microsoft.com/office/drawing/2014/main" id="{A0D31D67-8F11-AC56-2C84-FE263B6D95F8}"/>
+                  <a16:creationId xmlns:a16="http://schemas.microsoft.com/office/drawing/2014/main" xmlns="" id="{A0D31D67-8F11-AC56-2C84-FE263B6D95F8}"/>
                 </a:ext>
                 <a:ext uri="{C183D7F6-B498-43B3-948B-1728B52AA6E4}">
-                  <adec:decorative xmlns:adec="http://schemas.microsoft.com/office/drawing/2017/decorative" val="1"/>
+                  <adec:decorative xmlns:adec="http://schemas.microsoft.com/office/drawing/2017/decorative" xmlns="" val="1"/>
                 </a:ext>
               </a:extLst>
             </p:cNvPr>
@@ -15079,7 +15137,7 @@
             <p:nvPr>
               <p:extLst>
                 <p:ext uri="{386F3935-93C4-4BCD-93E2-E3B085C9AB24}">
-                  <p16:designElem xmlns:p16="http://schemas.microsoft.com/office/powerpoint/2015/main" val="1"/>
+                  <p16:designElem xmlns:p16="http://schemas.microsoft.com/office/powerpoint/2015/main" xmlns="" val="1"/>
                 </p:ext>
               </p:extLst>
             </p:nvPr>
@@ -15132,10 +15190,10 @@
           <p:cNvPr id="33" name="Rectangle 32">
             <a:extLst>
               <a:ext uri="{FF2B5EF4-FFF2-40B4-BE49-F238E27FC236}">
-                <a16:creationId xmlns:a16="http://schemas.microsoft.com/office/drawing/2014/main" id="{25C6BF5C-E980-C71F-5F87-4988B5BC948C}"/>
+                <a16:creationId xmlns:a16="http://schemas.microsoft.com/office/drawing/2014/main" xmlns="" id="{25C6BF5C-E980-C71F-5F87-4988B5BC948C}"/>
               </a:ext>
               <a:ext uri="{C183D7F6-B498-43B3-948B-1728B52AA6E4}">
-                <adec:decorative xmlns:adec="http://schemas.microsoft.com/office/drawing/2017/decorative" val="1"/>
+                <adec:decorative xmlns:adec="http://schemas.microsoft.com/office/drawing/2017/decorative" xmlns="" val="1"/>
               </a:ext>
             </a:extLst>
           </p:cNvPr>
@@ -15145,7 +15203,7 @@
           <p:nvPr>
             <p:extLst>
               <p:ext uri="{386F3935-93C4-4BCD-93E2-E3B085C9AB24}">
-                <p16:designElem xmlns:p16="http://schemas.microsoft.com/office/powerpoint/2015/main" val="1"/>
+                <p16:designElem xmlns:p16="http://schemas.microsoft.com/office/powerpoint/2015/main" xmlns="" val="1"/>
               </p:ext>
             </p:extLst>
           </p:nvPr>
@@ -15197,10 +15255,10 @@
           <p:cNvPr id="35" name="Isosceles Triangle 34">
             <a:extLst>
               <a:ext uri="{FF2B5EF4-FFF2-40B4-BE49-F238E27FC236}">
-                <a16:creationId xmlns:a16="http://schemas.microsoft.com/office/drawing/2014/main" id="{EB1A9466-6EBD-2679-11FA-D68BC1CB464A}"/>
+                <a16:creationId xmlns:a16="http://schemas.microsoft.com/office/drawing/2014/main" xmlns="" id="{EB1A9466-6EBD-2679-11FA-D68BC1CB464A}"/>
               </a:ext>
               <a:ext uri="{C183D7F6-B498-43B3-948B-1728B52AA6E4}">
-                <adec:decorative xmlns:adec="http://schemas.microsoft.com/office/drawing/2017/decorative" val="1"/>
+                <adec:decorative xmlns:adec="http://schemas.microsoft.com/office/drawing/2017/decorative" xmlns="" val="1"/>
               </a:ext>
             </a:extLst>
           </p:cNvPr>
@@ -15210,7 +15268,7 @@
           <p:nvPr>
             <p:extLst>
               <p:ext uri="{386F3935-93C4-4BCD-93E2-E3B085C9AB24}">
-                <p16:designElem xmlns:p16="http://schemas.microsoft.com/office/powerpoint/2015/main" val="1"/>
+                <p16:designElem xmlns:p16="http://schemas.microsoft.com/office/powerpoint/2015/main" xmlns="" val="1"/>
               </p:ext>
             </p:extLst>
           </p:nvPr>
@@ -15264,7 +15322,7 @@
           <p:cNvPr id="6" name="TextBox 5">
             <a:extLst>
               <a:ext uri="{FF2B5EF4-FFF2-40B4-BE49-F238E27FC236}">
-                <a16:creationId xmlns:a16="http://schemas.microsoft.com/office/drawing/2014/main" id="{0A58F2F5-AAA1-FC09-9E73-8623E418A836}"/>
+                <a16:creationId xmlns:a16="http://schemas.microsoft.com/office/drawing/2014/main" xmlns="" id="{0A58F2F5-AAA1-FC09-9E73-8623E418A836}"/>
               </a:ext>
             </a:extLst>
           </p:cNvPr>
@@ -15300,7 +15358,7 @@
           <p:cNvPr id="3" name="Picture Placeholder 2">
             <a:extLst>
               <a:ext uri="{FF2B5EF4-FFF2-40B4-BE49-F238E27FC236}">
-                <a16:creationId xmlns:a16="http://schemas.microsoft.com/office/drawing/2014/main" id="{9565FECF-3BE0-B37A-FD11-67654283E950}"/>
+                <a16:creationId xmlns:a16="http://schemas.microsoft.com/office/drawing/2014/main" xmlns="" id="{9565FECF-3BE0-B37A-FD11-67654283E950}"/>
               </a:ext>
             </a:extLst>
           </p:cNvPr>
@@ -15325,7 +15383,7 @@
           <p:cNvPr id="2" name="Title 1">
             <a:extLst>
               <a:ext uri="{FF2B5EF4-FFF2-40B4-BE49-F238E27FC236}">
-                <a16:creationId xmlns:a16="http://schemas.microsoft.com/office/drawing/2014/main" id="{4A34A8C2-9497-38DC-9914-B9EB677E6073}"/>
+                <a16:creationId xmlns:a16="http://schemas.microsoft.com/office/drawing/2014/main" xmlns="" id="{4A34A8C2-9497-38DC-9914-B9EB677E6073}"/>
               </a:ext>
             </a:extLst>
           </p:cNvPr>
@@ -15358,7 +15416,7 @@
           <p:cNvPr id="5" name="Content Placeholder 2">
             <a:extLst>
               <a:ext uri="{FF2B5EF4-FFF2-40B4-BE49-F238E27FC236}">
-                <a16:creationId xmlns:a16="http://schemas.microsoft.com/office/drawing/2014/main" id="{78BF78A8-01EF-3FAA-1E25-C8DEB3374D83}"/>
+                <a16:creationId xmlns:a16="http://schemas.microsoft.com/office/drawing/2014/main" xmlns="" id="{78BF78A8-01EF-3FAA-1E25-C8DEB3374D83}"/>
               </a:ext>
             </a:extLst>
           </p:cNvPr>
@@ -15605,7 +15663,7 @@
           <p:cNvPr id="7" name="Picture 6">
             <a:extLst>
               <a:ext uri="{FF2B5EF4-FFF2-40B4-BE49-F238E27FC236}">
-                <a16:creationId xmlns:a16="http://schemas.microsoft.com/office/drawing/2014/main" id="{5373135D-56E5-9489-494A-76881ADA6D71}"/>
+                <a16:creationId xmlns:a16="http://schemas.microsoft.com/office/drawing/2014/main" xmlns="" id="{5373135D-56E5-9489-494A-76881ADA6D71}"/>
               </a:ext>
             </a:extLst>
           </p:cNvPr>
@@ -15635,7 +15693,7 @@
           <p:cNvPr id="12" name="Picture 11">
             <a:extLst>
               <a:ext uri="{FF2B5EF4-FFF2-40B4-BE49-F238E27FC236}">
-                <a16:creationId xmlns:a16="http://schemas.microsoft.com/office/drawing/2014/main" id="{6DB83A99-444D-1152-8CC6-F57BD636C896}"/>
+                <a16:creationId xmlns:a16="http://schemas.microsoft.com/office/drawing/2014/main" xmlns="" id="{6DB83A99-444D-1152-8CC6-F57BD636C896}"/>
               </a:ext>
             </a:extLst>
           </p:cNvPr>
@@ -15665,7 +15723,7 @@
           <p:cNvPr id="13" name="Picture 12">
             <a:extLst>
               <a:ext uri="{FF2B5EF4-FFF2-40B4-BE49-F238E27FC236}">
-                <a16:creationId xmlns:a16="http://schemas.microsoft.com/office/drawing/2014/main" id="{13E4D700-B8F3-1D25-CAEA-F99A71CD0407}"/>
+                <a16:creationId xmlns:a16="http://schemas.microsoft.com/office/drawing/2014/main" xmlns="" id="{13E4D700-B8F3-1D25-CAEA-F99A71CD0407}"/>
               </a:ext>
             </a:extLst>
           </p:cNvPr>
@@ -15695,7 +15753,7 @@
           <p:cNvPr id="14" name="Picture 13">
             <a:extLst>
               <a:ext uri="{FF2B5EF4-FFF2-40B4-BE49-F238E27FC236}">
-                <a16:creationId xmlns:a16="http://schemas.microsoft.com/office/drawing/2014/main" id="{43D20A3B-7FFA-EF53-4C9F-26520ABF8C8E}"/>
+                <a16:creationId xmlns:a16="http://schemas.microsoft.com/office/drawing/2014/main" xmlns="" id="{43D20A3B-7FFA-EF53-4C9F-26520ABF8C8E}"/>
               </a:ext>
             </a:extLst>
           </p:cNvPr>
@@ -15730,6 +15788,13 @@
   <p:clrMapOvr>
     <a:masterClrMapping/>
   </p:clrMapOvr>
+  <p:timing>
+    <p:tnLst>
+      <p:par>
+        <p:cTn id="1" dur="indefinite" restart="never" nodeType="tmRoot"/>
+      </p:par>
+    </p:tnLst>
+  </p:timing>
 </p:sld>
 </file>
 
@@ -15749,7 +15814,7 @@
         <p:cNvPr id="1" name="">
           <a:extLst>
             <a:ext uri="{FF2B5EF4-FFF2-40B4-BE49-F238E27FC236}">
-              <a16:creationId xmlns:a16="http://schemas.microsoft.com/office/drawing/2014/main" id="{DE08D394-2BD4-869F-235F-9850872C5740}"/>
+              <a16:creationId xmlns:a16="http://schemas.microsoft.com/office/drawing/2014/main" xmlns="" id="{DE08D394-2BD4-869F-235F-9850872C5740}"/>
             </a:ext>
           </a:extLst>
         </p:cNvPr>
@@ -15769,10 +15834,10 @@
           <p:cNvPr id="27" name="Rectangle 26">
             <a:extLst>
               <a:ext uri="{FF2B5EF4-FFF2-40B4-BE49-F238E27FC236}">
-                <a16:creationId xmlns:a16="http://schemas.microsoft.com/office/drawing/2014/main" id="{9314C8F3-8B4D-C47F-1366-D419C1E498B2}"/>
+                <a16:creationId xmlns:a16="http://schemas.microsoft.com/office/drawing/2014/main" xmlns="" id="{9314C8F3-8B4D-C47F-1366-D419C1E498B2}"/>
               </a:ext>
               <a:ext uri="{C183D7F6-B498-43B3-948B-1728B52AA6E4}">
-                <adec:decorative xmlns:adec="http://schemas.microsoft.com/office/drawing/2017/decorative" val="1"/>
+                <adec:decorative xmlns:adec="http://schemas.microsoft.com/office/drawing/2017/decorative" xmlns="" val="1"/>
               </a:ext>
             </a:extLst>
           </p:cNvPr>
@@ -15782,7 +15847,7 @@
           <p:nvPr>
             <p:extLst>
               <p:ext uri="{386F3935-93C4-4BCD-93E2-E3B085C9AB24}">
-                <p16:designElem xmlns:p16="http://schemas.microsoft.com/office/powerpoint/2015/main" val="1"/>
+                <p16:designElem xmlns:p16="http://schemas.microsoft.com/office/powerpoint/2015/main" xmlns="" val="1"/>
               </p:ext>
             </p:extLst>
           </p:nvPr>
@@ -15832,10 +15897,10 @@
           <p:cNvPr id="29" name="Freeform: Shape 28">
             <a:extLst>
               <a:ext uri="{FF2B5EF4-FFF2-40B4-BE49-F238E27FC236}">
-                <a16:creationId xmlns:a16="http://schemas.microsoft.com/office/drawing/2014/main" id="{A190D593-2004-AA64-5F30-4C16E0F64D2A}"/>
+                <a16:creationId xmlns:a16="http://schemas.microsoft.com/office/drawing/2014/main" xmlns="" id="{A190D593-2004-AA64-5F30-4C16E0F64D2A}"/>
               </a:ext>
               <a:ext uri="{C183D7F6-B498-43B3-948B-1728B52AA6E4}">
-                <adec:decorative xmlns:adec="http://schemas.microsoft.com/office/drawing/2017/decorative" val="1"/>
+                <adec:decorative xmlns:adec="http://schemas.microsoft.com/office/drawing/2017/decorative" xmlns="" val="1"/>
               </a:ext>
             </a:extLst>
           </p:cNvPr>
@@ -15845,7 +15910,7 @@
           <p:nvPr>
             <p:extLst>
               <p:ext uri="{386F3935-93C4-4BCD-93E2-E3B085C9AB24}">
-                <p16:designElem xmlns:p16="http://schemas.microsoft.com/office/powerpoint/2015/main" val="1"/>
+                <p16:designElem xmlns:p16="http://schemas.microsoft.com/office/powerpoint/2015/main" xmlns="" val="1"/>
               </p:ext>
             </p:extLst>
           </p:nvPr>
@@ -15948,10 +16013,10 @@
           <p:cNvPr id="31" name="Rectangle 30">
             <a:extLst>
               <a:ext uri="{FF2B5EF4-FFF2-40B4-BE49-F238E27FC236}">
-                <a16:creationId xmlns:a16="http://schemas.microsoft.com/office/drawing/2014/main" id="{F29EBCC0-12F4-6CEC-87D2-11155954A26B}"/>
+                <a16:creationId xmlns:a16="http://schemas.microsoft.com/office/drawing/2014/main" xmlns="" id="{F29EBCC0-12F4-6CEC-87D2-11155954A26B}"/>
               </a:ext>
               <a:ext uri="{C183D7F6-B498-43B3-948B-1728B52AA6E4}">
-                <adec:decorative xmlns:adec="http://schemas.microsoft.com/office/drawing/2017/decorative" val="1"/>
+                <adec:decorative xmlns:adec="http://schemas.microsoft.com/office/drawing/2017/decorative" xmlns="" val="1"/>
               </a:ext>
             </a:extLst>
           </p:cNvPr>
@@ -15961,7 +16026,7 @@
           <p:nvPr>
             <p:extLst>
               <p:ext uri="{386F3935-93C4-4BCD-93E2-E3B085C9AB24}">
-                <p16:designElem xmlns:p16="http://schemas.microsoft.com/office/powerpoint/2015/main" val="1"/>
+                <p16:designElem xmlns:p16="http://schemas.microsoft.com/office/powerpoint/2015/main" xmlns="" val="1"/>
               </p:ext>
             </p:extLst>
           </p:nvPr>
@@ -16013,10 +16078,10 @@
           <p:cNvPr id="33" name="Rectangle 32">
             <a:extLst>
               <a:ext uri="{FF2B5EF4-FFF2-40B4-BE49-F238E27FC236}">
-                <a16:creationId xmlns:a16="http://schemas.microsoft.com/office/drawing/2014/main" id="{6E2798DC-74EE-F16A-8314-1B17A297047B}"/>
+                <a16:creationId xmlns:a16="http://schemas.microsoft.com/office/drawing/2014/main" xmlns="" id="{6E2798DC-74EE-F16A-8314-1B17A297047B}"/>
               </a:ext>
               <a:ext uri="{C183D7F6-B498-43B3-948B-1728B52AA6E4}">
-                <adec:decorative xmlns:adec="http://schemas.microsoft.com/office/drawing/2017/decorative" val="1"/>
+                <adec:decorative xmlns:adec="http://schemas.microsoft.com/office/drawing/2017/decorative" xmlns="" val="1"/>
               </a:ext>
             </a:extLst>
           </p:cNvPr>
@@ -16026,7 +16091,7 @@
           <p:nvPr>
             <p:extLst>
               <p:ext uri="{386F3935-93C4-4BCD-93E2-E3B085C9AB24}">
-                <p16:designElem xmlns:p16="http://schemas.microsoft.com/office/powerpoint/2015/main" val="1"/>
+                <p16:designElem xmlns:p16="http://schemas.microsoft.com/office/powerpoint/2015/main" xmlns="" val="1"/>
               </p:ext>
             </p:extLst>
           </p:nvPr>
@@ -16078,10 +16143,10 @@
           <p:cNvPr id="35" name="Freeform: Shape 34">
             <a:extLst>
               <a:ext uri="{FF2B5EF4-FFF2-40B4-BE49-F238E27FC236}">
-                <a16:creationId xmlns:a16="http://schemas.microsoft.com/office/drawing/2014/main" id="{DA8E5BEA-06AB-D25B-21FA-62E598066C1E}"/>
+                <a16:creationId xmlns:a16="http://schemas.microsoft.com/office/drawing/2014/main" xmlns="" id="{DA8E5BEA-06AB-D25B-21FA-62E598066C1E}"/>
               </a:ext>
               <a:ext uri="{C183D7F6-B498-43B3-948B-1728B52AA6E4}">
-                <adec:decorative xmlns:adec="http://schemas.microsoft.com/office/drawing/2017/decorative" val="1"/>
+                <adec:decorative xmlns:adec="http://schemas.microsoft.com/office/drawing/2017/decorative" xmlns="" val="1"/>
               </a:ext>
             </a:extLst>
           </p:cNvPr>
@@ -16091,7 +16156,7 @@
           <p:nvPr>
             <p:extLst>
               <p:ext uri="{386F3935-93C4-4BCD-93E2-E3B085C9AB24}">
-                <p16:designElem xmlns:p16="http://schemas.microsoft.com/office/powerpoint/2015/main" val="1"/>
+                <p16:designElem xmlns:p16="http://schemas.microsoft.com/office/powerpoint/2015/main" xmlns="" val="1"/>
               </p:ext>
             </p:extLst>
           </p:nvPr>
@@ -16188,10 +16253,10 @@
           <p:cNvPr id="37" name="Isosceles Triangle 36">
             <a:extLst>
               <a:ext uri="{FF2B5EF4-FFF2-40B4-BE49-F238E27FC236}">
-                <a16:creationId xmlns:a16="http://schemas.microsoft.com/office/drawing/2014/main" id="{DB1FA6E3-AEA0-1BB8-AE6E-0EF548EC95FC}"/>
+                <a16:creationId xmlns:a16="http://schemas.microsoft.com/office/drawing/2014/main" xmlns="" id="{DB1FA6E3-AEA0-1BB8-AE6E-0EF548EC95FC}"/>
               </a:ext>
               <a:ext uri="{C183D7F6-B498-43B3-948B-1728B52AA6E4}">
-                <adec:decorative xmlns:adec="http://schemas.microsoft.com/office/drawing/2017/decorative" val="1"/>
+                <adec:decorative xmlns:adec="http://schemas.microsoft.com/office/drawing/2017/decorative" xmlns="" val="1"/>
               </a:ext>
             </a:extLst>
           </p:cNvPr>
@@ -16201,7 +16266,7 @@
           <p:nvPr>
             <p:extLst>
               <p:ext uri="{386F3935-93C4-4BCD-93E2-E3B085C9AB24}">
-                <p16:designElem xmlns:p16="http://schemas.microsoft.com/office/powerpoint/2015/main" val="1"/>
+                <p16:designElem xmlns:p16="http://schemas.microsoft.com/office/powerpoint/2015/main" xmlns="" val="1"/>
               </p:ext>
             </p:extLst>
           </p:nvPr>
@@ -16253,10 +16318,10 @@
           <p:cNvPr id="39" name="Isosceles Triangle 38">
             <a:extLst>
               <a:ext uri="{FF2B5EF4-FFF2-40B4-BE49-F238E27FC236}">
-                <a16:creationId xmlns:a16="http://schemas.microsoft.com/office/drawing/2014/main" id="{9FF762B8-666D-9538-F853-FB4BB0A4B746}"/>
+                <a16:creationId xmlns:a16="http://schemas.microsoft.com/office/drawing/2014/main" xmlns="" id="{9FF762B8-666D-9538-F853-FB4BB0A4B746}"/>
               </a:ext>
               <a:ext uri="{C183D7F6-B498-43B3-948B-1728B52AA6E4}">
-                <adec:decorative xmlns:adec="http://schemas.microsoft.com/office/drawing/2017/decorative" val="1"/>
+                <adec:decorative xmlns:adec="http://schemas.microsoft.com/office/drawing/2017/decorative" xmlns="" val="1"/>
               </a:ext>
             </a:extLst>
           </p:cNvPr>
@@ -16266,7 +16331,7 @@
           <p:nvPr>
             <p:extLst>
               <p:ext uri="{386F3935-93C4-4BCD-93E2-E3B085C9AB24}">
-                <p16:designElem xmlns:p16="http://schemas.microsoft.com/office/powerpoint/2015/main" val="1"/>
+                <p16:designElem xmlns:p16="http://schemas.microsoft.com/office/powerpoint/2015/main" xmlns="" val="1"/>
               </p:ext>
             </p:extLst>
           </p:nvPr>
@@ -16318,7 +16383,7 @@
           <p:cNvPr id="3" name="Picture Placeholder 2">
             <a:extLst>
               <a:ext uri="{FF2B5EF4-FFF2-40B4-BE49-F238E27FC236}">
-                <a16:creationId xmlns:a16="http://schemas.microsoft.com/office/drawing/2014/main" id="{1C371400-81F0-FFE8-1AF8-DD993353323A}"/>
+                <a16:creationId xmlns:a16="http://schemas.microsoft.com/office/drawing/2014/main" xmlns="" id="{1C371400-81F0-FFE8-1AF8-DD993353323A}"/>
               </a:ext>
             </a:extLst>
           </p:cNvPr>
@@ -16343,7 +16408,7 @@
           <p:cNvPr id="2" name="TextBox 1">
             <a:extLst>
               <a:ext uri="{FF2B5EF4-FFF2-40B4-BE49-F238E27FC236}">
-                <a16:creationId xmlns:a16="http://schemas.microsoft.com/office/drawing/2014/main" id="{CE2EAF3F-F2BE-256B-3163-500AC5109380}"/>
+                <a16:creationId xmlns:a16="http://schemas.microsoft.com/office/drawing/2014/main" xmlns="" id="{CE2EAF3F-F2BE-256B-3163-500AC5109380}"/>
               </a:ext>
             </a:extLst>
           </p:cNvPr>
@@ -16379,7 +16444,7 @@
           <p:cNvPr id="6" name="Arrow: Right 5">
             <a:extLst>
               <a:ext uri="{FF2B5EF4-FFF2-40B4-BE49-F238E27FC236}">
-                <a16:creationId xmlns:a16="http://schemas.microsoft.com/office/drawing/2014/main" id="{2CAAB777-F3C8-77A0-213C-0CF303349AD1}"/>
+                <a16:creationId xmlns:a16="http://schemas.microsoft.com/office/drawing/2014/main" xmlns="" id="{2CAAB777-F3C8-77A0-213C-0CF303349AD1}"/>
               </a:ext>
             </a:extLst>
           </p:cNvPr>
@@ -16425,7 +16490,7 @@
           <p:cNvPr id="9" name="Arrow: Right 10">
             <a:extLst>
               <a:ext uri="{FF2B5EF4-FFF2-40B4-BE49-F238E27FC236}">
-                <a16:creationId xmlns:a16="http://schemas.microsoft.com/office/drawing/2014/main" id="{F34B6CCF-8C22-B492-75ED-176612B2979B}"/>
+                <a16:creationId xmlns:a16="http://schemas.microsoft.com/office/drawing/2014/main" xmlns="" id="{F34B6CCF-8C22-B492-75ED-176612B2979B}"/>
               </a:ext>
             </a:extLst>
           </p:cNvPr>
@@ -16471,7 +16536,7 @@
           <p:cNvPr id="5" name="Picture 4">
             <a:extLst>
               <a:ext uri="{FF2B5EF4-FFF2-40B4-BE49-F238E27FC236}">
-                <a16:creationId xmlns:a16="http://schemas.microsoft.com/office/drawing/2014/main" id="{665D1823-6FB1-3041-7DB3-D0311FD7B404}"/>
+                <a16:creationId xmlns:a16="http://schemas.microsoft.com/office/drawing/2014/main" xmlns="" id="{665D1823-6FB1-3041-7DB3-D0311FD7B404}"/>
               </a:ext>
             </a:extLst>
           </p:cNvPr>
@@ -16501,7 +16566,7 @@
           <p:cNvPr id="12" name="Picture 11">
             <a:extLst>
               <a:ext uri="{FF2B5EF4-FFF2-40B4-BE49-F238E27FC236}">
-                <a16:creationId xmlns:a16="http://schemas.microsoft.com/office/drawing/2014/main" id="{4E4FCF34-A635-AFAA-78EB-EC67DB483841}"/>
+                <a16:creationId xmlns:a16="http://schemas.microsoft.com/office/drawing/2014/main" xmlns="" id="{4E4FCF34-A635-AFAA-78EB-EC67DB483841}"/>
               </a:ext>
             </a:extLst>
           </p:cNvPr>
@@ -16531,7 +16596,7 @@
           <p:cNvPr id="13" name="Picture 12">
             <a:extLst>
               <a:ext uri="{FF2B5EF4-FFF2-40B4-BE49-F238E27FC236}">
-                <a16:creationId xmlns:a16="http://schemas.microsoft.com/office/drawing/2014/main" id="{F9EF9AED-7CD9-E30D-0F86-89EC4218BB5A}"/>
+                <a16:creationId xmlns:a16="http://schemas.microsoft.com/office/drawing/2014/main" xmlns="" id="{F9EF9AED-7CD9-E30D-0F86-89EC4218BB5A}"/>
               </a:ext>
             </a:extLst>
           </p:cNvPr>
@@ -16561,7 +16626,7 @@
           <p:cNvPr id="14" name="TextBox 13">
             <a:extLst>
               <a:ext uri="{FF2B5EF4-FFF2-40B4-BE49-F238E27FC236}">
-                <a16:creationId xmlns:a16="http://schemas.microsoft.com/office/drawing/2014/main" id="{DE4DCEFD-DDAE-6885-60F6-B3DE195B859F}"/>
+                <a16:creationId xmlns:a16="http://schemas.microsoft.com/office/drawing/2014/main" xmlns="" id="{DE4DCEFD-DDAE-6885-60F6-B3DE195B859F}"/>
               </a:ext>
             </a:extLst>
           </p:cNvPr>
@@ -16604,7 +16669,7 @@
           <p:cNvPr id="15" name="TextBox 14">
             <a:extLst>
               <a:ext uri="{FF2B5EF4-FFF2-40B4-BE49-F238E27FC236}">
-                <a16:creationId xmlns:a16="http://schemas.microsoft.com/office/drawing/2014/main" id="{DE022E67-0DEC-BDCF-9F73-80C49E221E00}"/>
+                <a16:creationId xmlns:a16="http://schemas.microsoft.com/office/drawing/2014/main" xmlns="" id="{DE022E67-0DEC-BDCF-9F73-80C49E221E00}"/>
               </a:ext>
             </a:extLst>
           </p:cNvPr>
@@ -16650,7 +16715,7 @@
           <p:cNvPr id="4" name="Rectangle 3">
             <a:extLst>
               <a:ext uri="{FF2B5EF4-FFF2-40B4-BE49-F238E27FC236}">
-                <a16:creationId xmlns:a16="http://schemas.microsoft.com/office/drawing/2014/main" id="{C092D5A7-4336-965D-5949-639814C3C424}"/>
+                <a16:creationId xmlns:a16="http://schemas.microsoft.com/office/drawing/2014/main" xmlns="" id="{C092D5A7-4336-965D-5949-639814C3C424}"/>
               </a:ext>
             </a:extLst>
           </p:cNvPr>
@@ -16702,7 +16767,7 @@
           <p:cNvPr id="7" name="Flowchart: Process 18">
             <a:extLst>
               <a:ext uri="{FF2B5EF4-FFF2-40B4-BE49-F238E27FC236}">
-                <a16:creationId xmlns:a16="http://schemas.microsoft.com/office/drawing/2014/main" id="{5D92BD47-EBEB-A90C-D208-53664464DEF1}"/>
+                <a16:creationId xmlns:a16="http://schemas.microsoft.com/office/drawing/2014/main" xmlns="" id="{5D92BD47-EBEB-A90C-D208-53664464DEF1}"/>
               </a:ext>
             </a:extLst>
           </p:cNvPr>
@@ -16759,6 +16824,13 @@
   <p:clrMapOvr>
     <a:masterClrMapping/>
   </p:clrMapOvr>
+  <p:timing>
+    <p:tnLst>
+      <p:par>
+        <p:cTn id="1" dur="indefinite" restart="never" nodeType="tmRoot"/>
+      </p:par>
+    </p:tnLst>
+  </p:timing>
 </p:sld>
 </file>
 
@@ -16778,7 +16850,7 @@
         <p:cNvPr id="1" name="">
           <a:extLst>
             <a:ext uri="{FF2B5EF4-FFF2-40B4-BE49-F238E27FC236}">
-              <a16:creationId xmlns:a16="http://schemas.microsoft.com/office/drawing/2014/main" id="{B52DC142-DDDA-E279-A9C8-E881EC4C5857}"/>
+              <a16:creationId xmlns:a16="http://schemas.microsoft.com/office/drawing/2014/main" xmlns="" id="{B52DC142-DDDA-E279-A9C8-E881EC4C5857}"/>
             </a:ext>
           </a:extLst>
         </p:cNvPr>
@@ -16798,10 +16870,10 @@
           <p:cNvPr id="27" name="Rectangle 26">
             <a:extLst>
               <a:ext uri="{FF2B5EF4-FFF2-40B4-BE49-F238E27FC236}">
-                <a16:creationId xmlns:a16="http://schemas.microsoft.com/office/drawing/2014/main" id="{D4C1A77A-646D-C446-EEC4-5CFB188C2869}"/>
+                <a16:creationId xmlns:a16="http://schemas.microsoft.com/office/drawing/2014/main" xmlns="" id="{D4C1A77A-646D-C446-EEC4-5CFB188C2869}"/>
               </a:ext>
               <a:ext uri="{C183D7F6-B498-43B3-948B-1728B52AA6E4}">
-                <adec:decorative xmlns:adec="http://schemas.microsoft.com/office/drawing/2017/decorative" val="1"/>
+                <adec:decorative xmlns:adec="http://schemas.microsoft.com/office/drawing/2017/decorative" xmlns="" val="1"/>
               </a:ext>
             </a:extLst>
           </p:cNvPr>
@@ -16811,7 +16883,7 @@
           <p:nvPr>
             <p:extLst>
               <p:ext uri="{386F3935-93C4-4BCD-93E2-E3B085C9AB24}">
-                <p16:designElem xmlns:p16="http://schemas.microsoft.com/office/powerpoint/2015/main" val="1"/>
+                <p16:designElem xmlns:p16="http://schemas.microsoft.com/office/powerpoint/2015/main" xmlns="" val="1"/>
               </p:ext>
             </p:extLst>
           </p:nvPr>
@@ -16861,10 +16933,10 @@
           <p:cNvPr id="29" name="Group 28">
             <a:extLst>
               <a:ext uri="{FF2B5EF4-FFF2-40B4-BE49-F238E27FC236}">
-                <a16:creationId xmlns:a16="http://schemas.microsoft.com/office/drawing/2014/main" id="{CF4062B0-BEFE-0414-D822-12F6D94722CE}"/>
+                <a16:creationId xmlns:a16="http://schemas.microsoft.com/office/drawing/2014/main" xmlns="" id="{CF4062B0-BEFE-0414-D822-12F6D94722CE}"/>
               </a:ext>
               <a:ext uri="{C183D7F6-B498-43B3-948B-1728B52AA6E4}">
-                <adec:decorative xmlns:adec="http://schemas.microsoft.com/office/drawing/2017/decorative" val="1"/>
+                <adec:decorative xmlns:adec="http://schemas.microsoft.com/office/drawing/2017/decorative" xmlns="" val="1"/>
               </a:ext>
             </a:extLst>
           </p:cNvPr>
@@ -16874,7 +16946,7 @@
           <p:nvPr>
             <p:extLst>
               <p:ext uri="{386F3935-93C4-4BCD-93E2-E3B085C9AB24}">
-                <p16:designElem xmlns:p16="http://schemas.microsoft.com/office/powerpoint/2015/main" val="1"/>
+                <p16:designElem xmlns:p16="http://schemas.microsoft.com/office/powerpoint/2015/main" xmlns="" val="1"/>
               </p:ext>
             </p:extLst>
           </p:nvPr>
@@ -16892,10 +16964,10 @@
             <p:cNvPr id="30" name="Freeform: Shape 29">
               <a:extLst>
                 <a:ext uri="{FF2B5EF4-FFF2-40B4-BE49-F238E27FC236}">
-                  <a16:creationId xmlns:a16="http://schemas.microsoft.com/office/drawing/2014/main" id="{6A362E68-575C-1D07-EE8A-A64C68972EC7}"/>
+                  <a16:creationId xmlns:a16="http://schemas.microsoft.com/office/drawing/2014/main" xmlns="" id="{6A362E68-575C-1D07-EE8A-A64C68972EC7}"/>
                 </a:ext>
                 <a:ext uri="{C183D7F6-B498-43B3-948B-1728B52AA6E4}">
-                  <adec:decorative xmlns:adec="http://schemas.microsoft.com/office/drawing/2017/decorative" val="1"/>
+                  <adec:decorative xmlns:adec="http://schemas.microsoft.com/office/drawing/2017/decorative" xmlns="" val="1"/>
                 </a:ext>
               </a:extLst>
             </p:cNvPr>
@@ -16903,7 +16975,7 @@
             <p:nvPr>
               <p:extLst>
                 <p:ext uri="{386F3935-93C4-4BCD-93E2-E3B085C9AB24}">
-                  <p16:designElem xmlns:p16="http://schemas.microsoft.com/office/powerpoint/2015/main" val="1"/>
+                  <p16:designElem xmlns:p16="http://schemas.microsoft.com/office/powerpoint/2015/main" xmlns="" val="1"/>
                 </p:ext>
               </p:extLst>
             </p:nvPr>
@@ -17006,10 +17078,10 @@
             <p:cNvPr id="31" name="Rectangle 30">
               <a:extLst>
                 <a:ext uri="{FF2B5EF4-FFF2-40B4-BE49-F238E27FC236}">
-                  <a16:creationId xmlns:a16="http://schemas.microsoft.com/office/drawing/2014/main" id="{643EA755-F8D9-A2A6-7756-3AC98482763C}"/>
+                  <a16:creationId xmlns:a16="http://schemas.microsoft.com/office/drawing/2014/main" xmlns="" id="{643EA755-F8D9-A2A6-7756-3AC98482763C}"/>
                 </a:ext>
                 <a:ext uri="{C183D7F6-B498-43B3-948B-1728B52AA6E4}">
-                  <adec:decorative xmlns:adec="http://schemas.microsoft.com/office/drawing/2017/decorative" val="1"/>
+                  <adec:decorative xmlns:adec="http://schemas.microsoft.com/office/drawing/2017/decorative" xmlns="" val="1"/>
                 </a:ext>
               </a:extLst>
             </p:cNvPr>
@@ -17017,7 +17089,7 @@
             <p:nvPr>
               <p:extLst>
                 <p:ext uri="{386F3935-93C4-4BCD-93E2-E3B085C9AB24}">
-                  <p16:designElem xmlns:p16="http://schemas.microsoft.com/office/powerpoint/2015/main" val="1"/>
+                  <p16:designElem xmlns:p16="http://schemas.microsoft.com/office/powerpoint/2015/main" xmlns="" val="1"/>
                 </p:ext>
               </p:extLst>
             </p:nvPr>
@@ -17070,10 +17142,10 @@
           <p:cNvPr id="33" name="Rectangle 32">
             <a:extLst>
               <a:ext uri="{FF2B5EF4-FFF2-40B4-BE49-F238E27FC236}">
-                <a16:creationId xmlns:a16="http://schemas.microsoft.com/office/drawing/2014/main" id="{467A269E-EE71-BC53-BA62-C5B8FB1D0A42}"/>
+                <a16:creationId xmlns:a16="http://schemas.microsoft.com/office/drawing/2014/main" xmlns="" id="{467A269E-EE71-BC53-BA62-C5B8FB1D0A42}"/>
               </a:ext>
               <a:ext uri="{C183D7F6-B498-43B3-948B-1728B52AA6E4}">
-                <adec:decorative xmlns:adec="http://schemas.microsoft.com/office/drawing/2017/decorative" val="1"/>
+                <adec:decorative xmlns:adec="http://schemas.microsoft.com/office/drawing/2017/decorative" xmlns="" val="1"/>
               </a:ext>
             </a:extLst>
           </p:cNvPr>
@@ -17083,7 +17155,7 @@
           <p:nvPr>
             <p:extLst>
               <p:ext uri="{386F3935-93C4-4BCD-93E2-E3B085C9AB24}">
-                <p16:designElem xmlns:p16="http://schemas.microsoft.com/office/powerpoint/2015/main" val="1"/>
+                <p16:designElem xmlns:p16="http://schemas.microsoft.com/office/powerpoint/2015/main" xmlns="" val="1"/>
               </p:ext>
             </p:extLst>
           </p:nvPr>
@@ -17135,10 +17207,10 @@
           <p:cNvPr id="35" name="Isosceles Triangle 34">
             <a:extLst>
               <a:ext uri="{FF2B5EF4-FFF2-40B4-BE49-F238E27FC236}">
-                <a16:creationId xmlns:a16="http://schemas.microsoft.com/office/drawing/2014/main" id="{1157ACF3-646F-57B0-1C6B-D87BEB272F5B}"/>
+                <a16:creationId xmlns:a16="http://schemas.microsoft.com/office/drawing/2014/main" xmlns="" id="{1157ACF3-646F-57B0-1C6B-D87BEB272F5B}"/>
               </a:ext>
               <a:ext uri="{C183D7F6-B498-43B3-948B-1728B52AA6E4}">
-                <adec:decorative xmlns:adec="http://schemas.microsoft.com/office/drawing/2017/decorative" val="1"/>
+                <adec:decorative xmlns:adec="http://schemas.microsoft.com/office/drawing/2017/decorative" xmlns="" val="1"/>
               </a:ext>
             </a:extLst>
           </p:cNvPr>
@@ -17148,7 +17220,7 @@
           <p:nvPr>
             <p:extLst>
               <p:ext uri="{386F3935-93C4-4BCD-93E2-E3B085C9AB24}">
-                <p16:designElem xmlns:p16="http://schemas.microsoft.com/office/powerpoint/2015/main" val="1"/>
+                <p16:designElem xmlns:p16="http://schemas.microsoft.com/office/powerpoint/2015/main" xmlns="" val="1"/>
               </p:ext>
             </p:extLst>
           </p:nvPr>
@@ -17202,7 +17274,7 @@
           <p:cNvPr id="6" name="TextBox 5">
             <a:extLst>
               <a:ext uri="{FF2B5EF4-FFF2-40B4-BE49-F238E27FC236}">
-                <a16:creationId xmlns:a16="http://schemas.microsoft.com/office/drawing/2014/main" id="{3EA251FE-7DA4-A4D7-1D0D-01CE499FC3D3}"/>
+                <a16:creationId xmlns:a16="http://schemas.microsoft.com/office/drawing/2014/main" xmlns="" id="{3EA251FE-7DA4-A4D7-1D0D-01CE499FC3D3}"/>
               </a:ext>
             </a:extLst>
           </p:cNvPr>
@@ -17250,7 +17322,7 @@
           <p:cNvPr id="3" name="Picture Placeholder 2">
             <a:extLst>
               <a:ext uri="{FF2B5EF4-FFF2-40B4-BE49-F238E27FC236}">
-                <a16:creationId xmlns:a16="http://schemas.microsoft.com/office/drawing/2014/main" id="{9A08079B-FE44-1DDD-5F3F-ADA4E5EC6338}"/>
+                <a16:creationId xmlns:a16="http://schemas.microsoft.com/office/drawing/2014/main" xmlns="" id="{9A08079B-FE44-1DDD-5F3F-ADA4E5EC6338}"/>
               </a:ext>
             </a:extLst>
           </p:cNvPr>
@@ -17275,7 +17347,7 @@
           <p:cNvPr id="18" name="Arrow: Right 20">
             <a:extLst>
               <a:ext uri="{FF2B5EF4-FFF2-40B4-BE49-F238E27FC236}">
-                <a16:creationId xmlns:a16="http://schemas.microsoft.com/office/drawing/2014/main" id="{508A11B0-6545-FCAF-56BD-A10E21FA0030}"/>
+                <a16:creationId xmlns:a16="http://schemas.microsoft.com/office/drawing/2014/main" xmlns="" id="{508A11B0-6545-FCAF-56BD-A10E21FA0030}"/>
               </a:ext>
             </a:extLst>
           </p:cNvPr>
@@ -17321,7 +17393,7 @@
           <p:cNvPr id="2" name="Picture 1">
             <a:extLst>
               <a:ext uri="{FF2B5EF4-FFF2-40B4-BE49-F238E27FC236}">
-                <a16:creationId xmlns:a16="http://schemas.microsoft.com/office/drawing/2014/main" id="{58A5F330-39D2-3D35-DAA7-5FD67B112930}"/>
+                <a16:creationId xmlns:a16="http://schemas.microsoft.com/office/drawing/2014/main" xmlns="" id="{58A5F330-39D2-3D35-DAA7-5FD67B112930}"/>
               </a:ext>
             </a:extLst>
           </p:cNvPr>
@@ -17351,7 +17423,7 @@
           <p:cNvPr id="4" name="Picture 3">
             <a:extLst>
               <a:ext uri="{FF2B5EF4-FFF2-40B4-BE49-F238E27FC236}">
-                <a16:creationId xmlns:a16="http://schemas.microsoft.com/office/drawing/2014/main" id="{EB711DD9-C270-7C5F-8751-62C8576EE663}"/>
+                <a16:creationId xmlns:a16="http://schemas.microsoft.com/office/drawing/2014/main" xmlns="" id="{EB711DD9-C270-7C5F-8751-62C8576EE663}"/>
               </a:ext>
             </a:extLst>
           </p:cNvPr>
@@ -17381,7 +17453,7 @@
           <p:cNvPr id="5" name="Picture 4">
             <a:extLst>
               <a:ext uri="{FF2B5EF4-FFF2-40B4-BE49-F238E27FC236}">
-                <a16:creationId xmlns:a16="http://schemas.microsoft.com/office/drawing/2014/main" id="{04ED5590-897C-F7CE-3F65-2AD8DCB4654A}"/>
+                <a16:creationId xmlns:a16="http://schemas.microsoft.com/office/drawing/2014/main" xmlns="" id="{04ED5590-897C-F7CE-3F65-2AD8DCB4654A}"/>
               </a:ext>
             </a:extLst>
           </p:cNvPr>
@@ -17411,7 +17483,7 @@
           <p:cNvPr id="7" name="Arrow: Right 20">
             <a:extLst>
               <a:ext uri="{FF2B5EF4-FFF2-40B4-BE49-F238E27FC236}">
-                <a16:creationId xmlns:a16="http://schemas.microsoft.com/office/drawing/2014/main" id="{ED145A00-D596-CDF3-4477-97DB04DA0FC2}"/>
+                <a16:creationId xmlns:a16="http://schemas.microsoft.com/office/drawing/2014/main" xmlns="" id="{ED145A00-D596-CDF3-4477-97DB04DA0FC2}"/>
               </a:ext>
             </a:extLst>
           </p:cNvPr>
@@ -17457,7 +17529,7 @@
           <p:cNvPr id="10" name="TextBox 9">
             <a:extLst>
               <a:ext uri="{FF2B5EF4-FFF2-40B4-BE49-F238E27FC236}">
-                <a16:creationId xmlns:a16="http://schemas.microsoft.com/office/drawing/2014/main" id="{47A9BE98-C96E-3B41-928A-CE985A8C8E3E}"/>
+                <a16:creationId xmlns:a16="http://schemas.microsoft.com/office/drawing/2014/main" xmlns="" id="{47A9BE98-C96E-3B41-928A-CE985A8C8E3E}"/>
               </a:ext>
             </a:extLst>
           </p:cNvPr>
@@ -17505,7 +17577,7 @@
           <p:cNvPr id="8" name="Rectangle 7">
             <a:extLst>
               <a:ext uri="{FF2B5EF4-FFF2-40B4-BE49-F238E27FC236}">
-                <a16:creationId xmlns:a16="http://schemas.microsoft.com/office/drawing/2014/main" id="{9609C5E8-0851-99A1-E92E-C04ECF21BF89}"/>
+                <a16:creationId xmlns:a16="http://schemas.microsoft.com/office/drawing/2014/main" xmlns="" id="{9609C5E8-0851-99A1-E92E-C04ECF21BF89}"/>
               </a:ext>
             </a:extLst>
           </p:cNvPr>
@@ -17557,7 +17629,7 @@
           <p:cNvPr id="9" name="Rectangle 8">
             <a:extLst>
               <a:ext uri="{FF2B5EF4-FFF2-40B4-BE49-F238E27FC236}">
-                <a16:creationId xmlns:a16="http://schemas.microsoft.com/office/drawing/2014/main" id="{F7BF1ABD-F3CA-D6BB-FCA3-B14855D9B04D}"/>
+                <a16:creationId xmlns:a16="http://schemas.microsoft.com/office/drawing/2014/main" xmlns="" id="{F7BF1ABD-F3CA-D6BB-FCA3-B14855D9B04D}"/>
               </a:ext>
             </a:extLst>
           </p:cNvPr>
@@ -17614,6 +17686,13 @@
   <p:clrMapOvr>
     <a:masterClrMapping/>
   </p:clrMapOvr>
+  <p:timing>
+    <p:tnLst>
+      <p:par>
+        <p:cTn id="1" dur="indefinite" restart="never" nodeType="tmRoot"/>
+      </p:par>
+    </p:tnLst>
+  </p:timing>
 </p:sld>
 </file>
 
@@ -17633,7 +17712,7 @@
         <p:cNvPr id="1" name="">
           <a:extLst>
             <a:ext uri="{FF2B5EF4-FFF2-40B4-BE49-F238E27FC236}">
-              <a16:creationId xmlns:a16="http://schemas.microsoft.com/office/drawing/2014/main" id="{8909239B-F233-1ADA-B4AA-6FABE1173C5D}"/>
+              <a16:creationId xmlns:a16="http://schemas.microsoft.com/office/drawing/2014/main" xmlns="" id="{8909239B-F233-1ADA-B4AA-6FABE1173C5D}"/>
             </a:ext>
           </a:extLst>
         </p:cNvPr>
@@ -17653,10 +17732,10 @@
           <p:cNvPr id="27" name="Rectangle 26">
             <a:extLst>
               <a:ext uri="{FF2B5EF4-FFF2-40B4-BE49-F238E27FC236}">
-                <a16:creationId xmlns:a16="http://schemas.microsoft.com/office/drawing/2014/main" id="{26A7D641-3603-DCFE-110B-C71D4F3AEC96}"/>
+                <a16:creationId xmlns:a16="http://schemas.microsoft.com/office/drawing/2014/main" xmlns="" id="{26A7D641-3603-DCFE-110B-C71D4F3AEC96}"/>
               </a:ext>
               <a:ext uri="{C183D7F6-B498-43B3-948B-1728B52AA6E4}">
-                <adec:decorative xmlns:adec="http://schemas.microsoft.com/office/drawing/2017/decorative" val="1"/>
+                <adec:decorative xmlns:adec="http://schemas.microsoft.com/office/drawing/2017/decorative" xmlns="" val="1"/>
               </a:ext>
             </a:extLst>
           </p:cNvPr>
@@ -17666,7 +17745,7 @@
           <p:nvPr>
             <p:extLst>
               <p:ext uri="{386F3935-93C4-4BCD-93E2-E3B085C9AB24}">
-                <p16:designElem xmlns:p16="http://schemas.microsoft.com/office/powerpoint/2015/main" val="1"/>
+                <p16:designElem xmlns:p16="http://schemas.microsoft.com/office/powerpoint/2015/main" xmlns="" val="1"/>
               </p:ext>
             </p:extLst>
           </p:nvPr>
@@ -17716,10 +17795,10 @@
           <p:cNvPr id="29" name="Group 28">
             <a:extLst>
               <a:ext uri="{FF2B5EF4-FFF2-40B4-BE49-F238E27FC236}">
-                <a16:creationId xmlns:a16="http://schemas.microsoft.com/office/drawing/2014/main" id="{D0C8186D-6A43-58BE-90F9-B01669F27C8A}"/>
+                <a16:creationId xmlns:a16="http://schemas.microsoft.com/office/drawing/2014/main" xmlns="" id="{D0C8186D-6A43-58BE-90F9-B01669F27C8A}"/>
               </a:ext>
               <a:ext uri="{C183D7F6-B498-43B3-948B-1728B52AA6E4}">
-                <adec:decorative xmlns:adec="http://schemas.microsoft.com/office/drawing/2017/decorative" val="1"/>
+                <adec:decorative xmlns:adec="http://schemas.microsoft.com/office/drawing/2017/decorative" xmlns="" val="1"/>
               </a:ext>
             </a:extLst>
           </p:cNvPr>
@@ -17729,7 +17808,7 @@
           <p:nvPr>
             <p:extLst>
               <p:ext uri="{386F3935-93C4-4BCD-93E2-E3B085C9AB24}">
-                <p16:designElem xmlns:p16="http://schemas.microsoft.com/office/powerpoint/2015/main" val="1"/>
+                <p16:designElem xmlns:p16="http://schemas.microsoft.com/office/powerpoint/2015/main" xmlns="" val="1"/>
               </p:ext>
             </p:extLst>
           </p:nvPr>
@@ -17747,10 +17826,10 @@
             <p:cNvPr id="30" name="Freeform: Shape 29">
               <a:extLst>
                 <a:ext uri="{FF2B5EF4-FFF2-40B4-BE49-F238E27FC236}">
-                  <a16:creationId xmlns:a16="http://schemas.microsoft.com/office/drawing/2014/main" id="{5395C22A-2080-D742-6812-E838EE0E098C}"/>
+                  <a16:creationId xmlns:a16="http://schemas.microsoft.com/office/drawing/2014/main" xmlns="" id="{5395C22A-2080-D742-6812-E838EE0E098C}"/>
                 </a:ext>
                 <a:ext uri="{C183D7F6-B498-43B3-948B-1728B52AA6E4}">
-                  <adec:decorative xmlns:adec="http://schemas.microsoft.com/office/drawing/2017/decorative" val="1"/>
+                  <adec:decorative xmlns:adec="http://schemas.microsoft.com/office/drawing/2017/decorative" xmlns="" val="1"/>
                 </a:ext>
               </a:extLst>
             </p:cNvPr>
@@ -17758,7 +17837,7 @@
             <p:nvPr>
               <p:extLst>
                 <p:ext uri="{386F3935-93C4-4BCD-93E2-E3B085C9AB24}">
-                  <p16:designElem xmlns:p16="http://schemas.microsoft.com/office/powerpoint/2015/main" val="1"/>
+                  <p16:designElem xmlns:p16="http://schemas.microsoft.com/office/powerpoint/2015/main" xmlns="" val="1"/>
                 </p:ext>
               </p:extLst>
             </p:nvPr>
@@ -17861,10 +17940,10 @@
             <p:cNvPr id="31" name="Rectangle 30">
               <a:extLst>
                 <a:ext uri="{FF2B5EF4-FFF2-40B4-BE49-F238E27FC236}">
-                  <a16:creationId xmlns:a16="http://schemas.microsoft.com/office/drawing/2014/main" id="{5D0FB55F-A100-9786-976D-739E5FE4ECA8}"/>
+                  <a16:creationId xmlns:a16="http://schemas.microsoft.com/office/drawing/2014/main" xmlns="" id="{5D0FB55F-A100-9786-976D-739E5FE4ECA8}"/>
                 </a:ext>
                 <a:ext uri="{C183D7F6-B498-43B3-948B-1728B52AA6E4}">
-                  <adec:decorative xmlns:adec="http://schemas.microsoft.com/office/drawing/2017/decorative" val="1"/>
+                  <adec:decorative xmlns:adec="http://schemas.microsoft.com/office/drawing/2017/decorative" xmlns="" val="1"/>
                 </a:ext>
               </a:extLst>
             </p:cNvPr>
@@ -17872,7 +17951,7 @@
             <p:nvPr>
               <p:extLst>
                 <p:ext uri="{386F3935-93C4-4BCD-93E2-E3B085C9AB24}">
-                  <p16:designElem xmlns:p16="http://schemas.microsoft.com/office/powerpoint/2015/main" val="1"/>
+                  <p16:designElem xmlns:p16="http://schemas.microsoft.com/office/powerpoint/2015/main" xmlns="" val="1"/>
                 </p:ext>
               </p:extLst>
             </p:nvPr>
@@ -17925,10 +18004,10 @@
           <p:cNvPr id="33" name="Rectangle 32">
             <a:extLst>
               <a:ext uri="{FF2B5EF4-FFF2-40B4-BE49-F238E27FC236}">
-                <a16:creationId xmlns:a16="http://schemas.microsoft.com/office/drawing/2014/main" id="{B822E68A-1D0F-A3E5-C900-7CEFB1812355}"/>
+                <a16:creationId xmlns:a16="http://schemas.microsoft.com/office/drawing/2014/main" xmlns="" id="{B822E68A-1D0F-A3E5-C900-7CEFB1812355}"/>
               </a:ext>
               <a:ext uri="{C183D7F6-B498-43B3-948B-1728B52AA6E4}">
-                <adec:decorative xmlns:adec="http://schemas.microsoft.com/office/drawing/2017/decorative" val="1"/>
+                <adec:decorative xmlns:adec="http://schemas.microsoft.com/office/drawing/2017/decorative" xmlns="" val="1"/>
               </a:ext>
             </a:extLst>
           </p:cNvPr>
@@ -17938,7 +18017,7 @@
           <p:nvPr>
             <p:extLst>
               <p:ext uri="{386F3935-93C4-4BCD-93E2-E3B085C9AB24}">
-                <p16:designElem xmlns:p16="http://schemas.microsoft.com/office/powerpoint/2015/main" val="1"/>
+                <p16:designElem xmlns:p16="http://schemas.microsoft.com/office/powerpoint/2015/main" xmlns="" val="1"/>
               </p:ext>
             </p:extLst>
           </p:nvPr>
@@ -17990,10 +18069,10 @@
           <p:cNvPr id="35" name="Isosceles Triangle 34">
             <a:extLst>
               <a:ext uri="{FF2B5EF4-FFF2-40B4-BE49-F238E27FC236}">
-                <a16:creationId xmlns:a16="http://schemas.microsoft.com/office/drawing/2014/main" id="{BBD0ED0B-3B23-BC98-FFD9-D7FEAF424222}"/>
+                <a16:creationId xmlns:a16="http://schemas.microsoft.com/office/drawing/2014/main" xmlns="" id="{BBD0ED0B-3B23-BC98-FFD9-D7FEAF424222}"/>
               </a:ext>
               <a:ext uri="{C183D7F6-B498-43B3-948B-1728B52AA6E4}">
-                <adec:decorative xmlns:adec="http://schemas.microsoft.com/office/drawing/2017/decorative" val="1"/>
+                <adec:decorative xmlns:adec="http://schemas.microsoft.com/office/drawing/2017/decorative" xmlns="" val="1"/>
               </a:ext>
             </a:extLst>
           </p:cNvPr>
@@ -18003,7 +18082,7 @@
           <p:nvPr>
             <p:extLst>
               <p:ext uri="{386F3935-93C4-4BCD-93E2-E3B085C9AB24}">
-                <p16:designElem xmlns:p16="http://schemas.microsoft.com/office/powerpoint/2015/main" val="1"/>
+                <p16:designElem xmlns:p16="http://schemas.microsoft.com/office/powerpoint/2015/main" xmlns="" val="1"/>
               </p:ext>
             </p:extLst>
           </p:nvPr>
@@ -18057,7 +18136,7 @@
           <p:cNvPr id="6" name="TextBox 5">
             <a:extLst>
               <a:ext uri="{FF2B5EF4-FFF2-40B4-BE49-F238E27FC236}">
-                <a16:creationId xmlns:a16="http://schemas.microsoft.com/office/drawing/2014/main" id="{C581DE83-0E5A-9094-1B32-D31468C34E23}"/>
+                <a16:creationId xmlns:a16="http://schemas.microsoft.com/office/drawing/2014/main" xmlns="" id="{C581DE83-0E5A-9094-1B32-D31468C34E23}"/>
               </a:ext>
             </a:extLst>
           </p:cNvPr>
@@ -18099,7 +18178,7 @@
           <p:cNvPr id="3" name="Picture Placeholder 2">
             <a:extLst>
               <a:ext uri="{FF2B5EF4-FFF2-40B4-BE49-F238E27FC236}">
-                <a16:creationId xmlns:a16="http://schemas.microsoft.com/office/drawing/2014/main" id="{2D5C1153-9BEC-F03A-F6E5-6A38F134724A}"/>
+                <a16:creationId xmlns:a16="http://schemas.microsoft.com/office/drawing/2014/main" xmlns="" id="{2D5C1153-9BEC-F03A-F6E5-6A38F134724A}"/>
               </a:ext>
             </a:extLst>
           </p:cNvPr>
@@ -18124,7 +18203,7 @@
           <p:cNvPr id="18" name="Arrow: Right 20">
             <a:extLst>
               <a:ext uri="{FF2B5EF4-FFF2-40B4-BE49-F238E27FC236}">
-                <a16:creationId xmlns:a16="http://schemas.microsoft.com/office/drawing/2014/main" id="{EAA9FF8C-A86B-0C45-955B-132D8A7BF286}"/>
+                <a16:creationId xmlns:a16="http://schemas.microsoft.com/office/drawing/2014/main" xmlns="" id="{EAA9FF8C-A86B-0C45-955B-132D8A7BF286}"/>
               </a:ext>
             </a:extLst>
           </p:cNvPr>
@@ -18170,7 +18249,7 @@
           <p:cNvPr id="2" name="TextBox 1">
             <a:extLst>
               <a:ext uri="{FF2B5EF4-FFF2-40B4-BE49-F238E27FC236}">
-                <a16:creationId xmlns:a16="http://schemas.microsoft.com/office/drawing/2014/main" id="{CC1D5DB6-9EDE-F3E8-F893-0FAEF03EE8F4}"/>
+                <a16:creationId xmlns:a16="http://schemas.microsoft.com/office/drawing/2014/main" xmlns="" id="{CC1D5DB6-9EDE-F3E8-F893-0FAEF03EE8F4}"/>
               </a:ext>
             </a:extLst>
           </p:cNvPr>
@@ -18209,7 +18288,7 @@
           <p:cNvPr id="4" name="Picture 3">
             <a:extLst>
               <a:ext uri="{FF2B5EF4-FFF2-40B4-BE49-F238E27FC236}">
-                <a16:creationId xmlns:a16="http://schemas.microsoft.com/office/drawing/2014/main" id="{6E3FB56E-170C-F886-5758-E3F33C2D73A1}"/>
+                <a16:creationId xmlns:a16="http://schemas.microsoft.com/office/drawing/2014/main" xmlns="" id="{6E3FB56E-170C-F886-5758-E3F33C2D73A1}"/>
               </a:ext>
             </a:extLst>
           </p:cNvPr>
@@ -18239,7 +18318,7 @@
           <p:cNvPr id="5" name="Picture 4">
             <a:extLst>
               <a:ext uri="{FF2B5EF4-FFF2-40B4-BE49-F238E27FC236}">
-                <a16:creationId xmlns:a16="http://schemas.microsoft.com/office/drawing/2014/main" id="{77C6D20E-DB41-EA7B-8F85-119C52A19290}"/>
+                <a16:creationId xmlns:a16="http://schemas.microsoft.com/office/drawing/2014/main" xmlns="" id="{77C6D20E-DB41-EA7B-8F85-119C52A19290}"/>
               </a:ext>
             </a:extLst>
           </p:cNvPr>
@@ -18269,7 +18348,7 @@
           <p:cNvPr id="7" name="Rectangle 6">
             <a:extLst>
               <a:ext uri="{FF2B5EF4-FFF2-40B4-BE49-F238E27FC236}">
-                <a16:creationId xmlns:a16="http://schemas.microsoft.com/office/drawing/2014/main" id="{EED33D6B-74CF-5840-9D45-AD42C18D33A1}"/>
+                <a16:creationId xmlns:a16="http://schemas.microsoft.com/office/drawing/2014/main" xmlns="" id="{EED33D6B-74CF-5840-9D45-AD42C18D33A1}"/>
               </a:ext>
             </a:extLst>
           </p:cNvPr>
@@ -18326,6 +18405,13 @@
   <p:clrMapOvr>
     <a:masterClrMapping/>
   </p:clrMapOvr>
+  <p:timing>
+    <p:tnLst>
+      <p:par>
+        <p:cTn id="1" dur="indefinite" restart="never" nodeType="tmRoot"/>
+      </p:par>
+    </p:tnLst>
+  </p:timing>
 </p:sld>
 </file>
 
@@ -18345,7 +18431,7 @@
         <p:cNvPr id="1" name="">
           <a:extLst>
             <a:ext uri="{FF2B5EF4-FFF2-40B4-BE49-F238E27FC236}">
-              <a16:creationId xmlns:a16="http://schemas.microsoft.com/office/drawing/2014/main" id="{C6B4CF4D-762A-DE2E-C4F7-010025F1397A}"/>
+              <a16:creationId xmlns:a16="http://schemas.microsoft.com/office/drawing/2014/main" xmlns="" id="{C6B4CF4D-762A-DE2E-C4F7-010025F1397A}"/>
             </a:ext>
           </a:extLst>
         </p:cNvPr>
@@ -18365,10 +18451,10 @@
           <p:cNvPr id="27" name="Rectangle 26">
             <a:extLst>
               <a:ext uri="{FF2B5EF4-FFF2-40B4-BE49-F238E27FC236}">
-                <a16:creationId xmlns:a16="http://schemas.microsoft.com/office/drawing/2014/main" id="{95F4A986-6A23-CB2E-DE53-4F0AECED1CC7}"/>
+                <a16:creationId xmlns:a16="http://schemas.microsoft.com/office/drawing/2014/main" xmlns="" id="{95F4A986-6A23-CB2E-DE53-4F0AECED1CC7}"/>
               </a:ext>
               <a:ext uri="{C183D7F6-B498-43B3-948B-1728B52AA6E4}">
-                <adec:decorative xmlns:adec="http://schemas.microsoft.com/office/drawing/2017/decorative" val="1"/>
+                <adec:decorative xmlns:adec="http://schemas.microsoft.com/office/drawing/2017/decorative" xmlns="" val="1"/>
               </a:ext>
             </a:extLst>
           </p:cNvPr>
@@ -18378,7 +18464,7 @@
           <p:nvPr>
             <p:extLst>
               <p:ext uri="{386F3935-93C4-4BCD-93E2-E3B085C9AB24}">
-                <p16:designElem xmlns:p16="http://schemas.microsoft.com/office/powerpoint/2015/main" val="1"/>
+                <p16:designElem xmlns:p16="http://schemas.microsoft.com/office/powerpoint/2015/main" xmlns="" val="1"/>
               </p:ext>
             </p:extLst>
           </p:nvPr>
@@ -18428,10 +18514,10 @@
           <p:cNvPr id="29" name="Freeform: Shape 28">
             <a:extLst>
               <a:ext uri="{FF2B5EF4-FFF2-40B4-BE49-F238E27FC236}">
-                <a16:creationId xmlns:a16="http://schemas.microsoft.com/office/drawing/2014/main" id="{F69B61BC-3EA7-6670-B7A9-3809E7D81E20}"/>
+                <a16:creationId xmlns:a16="http://schemas.microsoft.com/office/drawing/2014/main" xmlns="" id="{F69B61BC-3EA7-6670-B7A9-3809E7D81E20}"/>
               </a:ext>
               <a:ext uri="{C183D7F6-B498-43B3-948B-1728B52AA6E4}">
-                <adec:decorative xmlns:adec="http://schemas.microsoft.com/office/drawing/2017/decorative" val="1"/>
+                <adec:decorative xmlns:adec="http://schemas.microsoft.com/office/drawing/2017/decorative" xmlns="" val="1"/>
               </a:ext>
             </a:extLst>
           </p:cNvPr>
@@ -18441,7 +18527,7 @@
           <p:nvPr>
             <p:extLst>
               <p:ext uri="{386F3935-93C4-4BCD-93E2-E3B085C9AB24}">
-                <p16:designElem xmlns:p16="http://schemas.microsoft.com/office/powerpoint/2015/main" val="1"/>
+                <p16:designElem xmlns:p16="http://schemas.microsoft.com/office/powerpoint/2015/main" xmlns="" val="1"/>
               </p:ext>
             </p:extLst>
           </p:nvPr>
@@ -18544,10 +18630,10 @@
           <p:cNvPr id="31" name="Rectangle 30">
             <a:extLst>
               <a:ext uri="{FF2B5EF4-FFF2-40B4-BE49-F238E27FC236}">
-                <a16:creationId xmlns:a16="http://schemas.microsoft.com/office/drawing/2014/main" id="{C9424F9F-6FF4-FE01-7457-487D98107E16}"/>
+                <a16:creationId xmlns:a16="http://schemas.microsoft.com/office/drawing/2014/main" xmlns="" id="{C9424F9F-6FF4-FE01-7457-487D98107E16}"/>
               </a:ext>
               <a:ext uri="{C183D7F6-B498-43B3-948B-1728B52AA6E4}">
-                <adec:decorative xmlns:adec="http://schemas.microsoft.com/office/drawing/2017/decorative" val="1"/>
+                <adec:decorative xmlns:adec="http://schemas.microsoft.com/office/drawing/2017/decorative" xmlns="" val="1"/>
               </a:ext>
             </a:extLst>
           </p:cNvPr>
@@ -18557,7 +18643,7 @@
           <p:nvPr>
             <p:extLst>
               <p:ext uri="{386F3935-93C4-4BCD-93E2-E3B085C9AB24}">
-                <p16:designElem xmlns:p16="http://schemas.microsoft.com/office/powerpoint/2015/main" val="1"/>
+                <p16:designElem xmlns:p16="http://schemas.microsoft.com/office/powerpoint/2015/main" xmlns="" val="1"/>
               </p:ext>
             </p:extLst>
           </p:nvPr>
@@ -18609,10 +18695,10 @@
           <p:cNvPr id="33" name="Rectangle 32">
             <a:extLst>
               <a:ext uri="{FF2B5EF4-FFF2-40B4-BE49-F238E27FC236}">
-                <a16:creationId xmlns:a16="http://schemas.microsoft.com/office/drawing/2014/main" id="{45228FD3-3044-89D3-B303-642A33313C13}"/>
+                <a16:creationId xmlns:a16="http://schemas.microsoft.com/office/drawing/2014/main" xmlns="" id="{45228FD3-3044-89D3-B303-642A33313C13}"/>
               </a:ext>
               <a:ext uri="{C183D7F6-B498-43B3-948B-1728B52AA6E4}">
-                <adec:decorative xmlns:adec="http://schemas.microsoft.com/office/drawing/2017/decorative" val="1"/>
+                <adec:decorative xmlns:adec="http://schemas.microsoft.com/office/drawing/2017/decorative" xmlns="" val="1"/>
               </a:ext>
             </a:extLst>
           </p:cNvPr>
@@ -18622,7 +18708,7 @@
           <p:nvPr>
             <p:extLst>
               <p:ext uri="{386F3935-93C4-4BCD-93E2-E3B085C9AB24}">
-                <p16:designElem xmlns:p16="http://schemas.microsoft.com/office/powerpoint/2015/main" val="1"/>
+                <p16:designElem xmlns:p16="http://schemas.microsoft.com/office/powerpoint/2015/main" xmlns="" val="1"/>
               </p:ext>
             </p:extLst>
           </p:nvPr>
@@ -18674,10 +18760,10 @@
           <p:cNvPr id="35" name="Freeform: Shape 34">
             <a:extLst>
               <a:ext uri="{FF2B5EF4-FFF2-40B4-BE49-F238E27FC236}">
-                <a16:creationId xmlns:a16="http://schemas.microsoft.com/office/drawing/2014/main" id="{532A32A1-DA88-7EB3-4471-70C5A8162F91}"/>
+                <a16:creationId xmlns:a16="http://schemas.microsoft.com/office/drawing/2014/main" xmlns="" id="{532A32A1-DA88-7EB3-4471-70C5A8162F91}"/>
               </a:ext>
               <a:ext uri="{C183D7F6-B498-43B3-948B-1728B52AA6E4}">
-                <adec:decorative xmlns:adec="http://schemas.microsoft.com/office/drawing/2017/decorative" val="1"/>
+                <adec:decorative xmlns:adec="http://schemas.microsoft.com/office/drawing/2017/decorative" xmlns="" val="1"/>
               </a:ext>
             </a:extLst>
           </p:cNvPr>
@@ -18687,7 +18773,7 @@
           <p:nvPr>
             <p:extLst>
               <p:ext uri="{386F3935-93C4-4BCD-93E2-E3B085C9AB24}">
-                <p16:designElem xmlns:p16="http://schemas.microsoft.com/office/powerpoint/2015/main" val="1"/>
+                <p16:designElem xmlns:p16="http://schemas.microsoft.com/office/powerpoint/2015/main" xmlns="" val="1"/>
               </p:ext>
             </p:extLst>
           </p:nvPr>
@@ -18784,10 +18870,10 @@
           <p:cNvPr id="37" name="Isosceles Triangle 36">
             <a:extLst>
               <a:ext uri="{FF2B5EF4-FFF2-40B4-BE49-F238E27FC236}">
-                <a16:creationId xmlns:a16="http://schemas.microsoft.com/office/drawing/2014/main" id="{9BCC2685-14A7-19D2-D445-3A3D4E73E412}"/>
+                <a16:creationId xmlns:a16="http://schemas.microsoft.com/office/drawing/2014/main" xmlns="" id="{9BCC2685-14A7-19D2-D445-3A3D4E73E412}"/>
               </a:ext>
               <a:ext uri="{C183D7F6-B498-43B3-948B-1728B52AA6E4}">
-                <adec:decorative xmlns:adec="http://schemas.microsoft.com/office/drawing/2017/decorative" val="1"/>
+                <adec:decorative xmlns:adec="http://schemas.microsoft.com/office/drawing/2017/decorative" xmlns="" val="1"/>
               </a:ext>
             </a:extLst>
           </p:cNvPr>
@@ -18797,7 +18883,7 @@
           <p:nvPr>
             <p:extLst>
               <p:ext uri="{386F3935-93C4-4BCD-93E2-E3B085C9AB24}">
-                <p16:designElem xmlns:p16="http://schemas.microsoft.com/office/powerpoint/2015/main" val="1"/>
+                <p16:designElem xmlns:p16="http://schemas.microsoft.com/office/powerpoint/2015/main" xmlns="" val="1"/>
               </p:ext>
             </p:extLst>
           </p:nvPr>
@@ -18849,10 +18935,10 @@
           <p:cNvPr id="39" name="Isosceles Triangle 38">
             <a:extLst>
               <a:ext uri="{FF2B5EF4-FFF2-40B4-BE49-F238E27FC236}">
-                <a16:creationId xmlns:a16="http://schemas.microsoft.com/office/drawing/2014/main" id="{07209B77-EB1D-1498-3A81-0E3BE9995709}"/>
+                <a16:creationId xmlns:a16="http://schemas.microsoft.com/office/drawing/2014/main" xmlns="" id="{07209B77-EB1D-1498-3A81-0E3BE9995709}"/>
               </a:ext>
               <a:ext uri="{C183D7F6-B498-43B3-948B-1728B52AA6E4}">
-                <adec:decorative xmlns:adec="http://schemas.microsoft.com/office/drawing/2017/decorative" val="1"/>
+                <adec:decorative xmlns:adec="http://schemas.microsoft.com/office/drawing/2017/decorative" xmlns="" val="1"/>
               </a:ext>
             </a:extLst>
           </p:cNvPr>
@@ -18862,7 +18948,7 @@
           <p:nvPr>
             <p:extLst>
               <p:ext uri="{386F3935-93C4-4BCD-93E2-E3B085C9AB24}">
-                <p16:designElem xmlns:p16="http://schemas.microsoft.com/office/powerpoint/2015/main" val="1"/>
+                <p16:designElem xmlns:p16="http://schemas.microsoft.com/office/powerpoint/2015/main" xmlns="" val="1"/>
               </p:ext>
             </p:extLst>
           </p:nvPr>
@@ -18914,7 +19000,7 @@
           <p:cNvPr id="3" name="Picture Placeholder 2">
             <a:extLst>
               <a:ext uri="{FF2B5EF4-FFF2-40B4-BE49-F238E27FC236}">
-                <a16:creationId xmlns:a16="http://schemas.microsoft.com/office/drawing/2014/main" id="{04A177BF-42B4-9BEE-9DBE-A7A5941FD585}"/>
+                <a16:creationId xmlns:a16="http://schemas.microsoft.com/office/drawing/2014/main" xmlns="" id="{04A177BF-42B4-9BEE-9DBE-A7A5941FD585}"/>
               </a:ext>
             </a:extLst>
           </p:cNvPr>
@@ -18939,7 +19025,7 @@
           <p:cNvPr id="2" name="TextBox 1">
             <a:extLst>
               <a:ext uri="{FF2B5EF4-FFF2-40B4-BE49-F238E27FC236}">
-                <a16:creationId xmlns:a16="http://schemas.microsoft.com/office/drawing/2014/main" id="{E6B97963-37AA-324C-D414-212D6594A3FF}"/>
+                <a16:creationId xmlns:a16="http://schemas.microsoft.com/office/drawing/2014/main" xmlns="" id="{E6B97963-37AA-324C-D414-212D6594A3FF}"/>
               </a:ext>
             </a:extLst>
           </p:cNvPr>
@@ -18982,7 +19068,7 @@
           <p:cNvPr id="5" name="Content Placeholder 2">
             <a:extLst>
               <a:ext uri="{FF2B5EF4-FFF2-40B4-BE49-F238E27FC236}">
-                <a16:creationId xmlns:a16="http://schemas.microsoft.com/office/drawing/2014/main" id="{A34BDE4E-112D-C0EB-8BDC-4CC50B382AB7}"/>
+                <a16:creationId xmlns:a16="http://schemas.microsoft.com/office/drawing/2014/main" xmlns="" id="{A34BDE4E-112D-C0EB-8BDC-4CC50B382AB7}"/>
               </a:ext>
             </a:extLst>
           </p:cNvPr>
@@ -19250,7 +19336,7 @@
           <p:cNvPr id="12" name="Picture 2">
             <a:extLst>
               <a:ext uri="{FF2B5EF4-FFF2-40B4-BE49-F238E27FC236}">
-                <a16:creationId xmlns:a16="http://schemas.microsoft.com/office/drawing/2014/main" id="{9AC53A73-32FA-0C7A-0ADC-E55C8B386725}"/>
+                <a16:creationId xmlns:a16="http://schemas.microsoft.com/office/drawing/2014/main" xmlns="" id="{9AC53A73-32FA-0C7A-0ADC-E55C8B386725}"/>
               </a:ext>
             </a:extLst>
           </p:cNvPr>
@@ -19320,7 +19406,7 @@
           <p:cNvPr id="13" name="Picture 4">
             <a:extLst>
               <a:ext uri="{FF2B5EF4-FFF2-40B4-BE49-F238E27FC236}">
-                <a16:creationId xmlns:a16="http://schemas.microsoft.com/office/drawing/2014/main" id="{7B9A3ACC-7F11-FE45-2E0F-949675A858FE}"/>
+                <a16:creationId xmlns:a16="http://schemas.microsoft.com/office/drawing/2014/main" xmlns="" id="{7B9A3ACC-7F11-FE45-2E0F-949675A858FE}"/>
               </a:ext>
             </a:extLst>
           </p:cNvPr>
@@ -19390,7 +19476,7 @@
           <p:cNvPr id="14" name="TextBox 13">
             <a:extLst>
               <a:ext uri="{FF2B5EF4-FFF2-40B4-BE49-F238E27FC236}">
-                <a16:creationId xmlns:a16="http://schemas.microsoft.com/office/drawing/2014/main" id="{F63AA505-2803-A1AB-30E1-B1CB59899586}"/>
+                <a16:creationId xmlns:a16="http://schemas.microsoft.com/office/drawing/2014/main" xmlns="" id="{F63AA505-2803-A1AB-30E1-B1CB59899586}"/>
               </a:ext>
             </a:extLst>
           </p:cNvPr>
@@ -19466,6 +19552,13 @@
   <p:clrMapOvr>
     <a:masterClrMapping/>
   </p:clrMapOvr>
+  <p:timing>
+    <p:tnLst>
+      <p:par>
+        <p:cTn id="1" dur="indefinite" restart="never" nodeType="tmRoot"/>
+      </p:par>
+    </p:tnLst>
+  </p:timing>
 </p:sld>
 </file>
 
@@ -19485,7 +19578,7 @@
         <p:cNvPr id="1" name="">
           <a:extLst>
             <a:ext uri="{FF2B5EF4-FFF2-40B4-BE49-F238E27FC236}">
-              <a16:creationId xmlns:a16="http://schemas.microsoft.com/office/drawing/2014/main" id="{02984243-06AA-7503-EAE6-C43F12132B68}"/>
+              <a16:creationId xmlns:a16="http://schemas.microsoft.com/office/drawing/2014/main" xmlns="" id="{02984243-06AA-7503-EAE6-C43F12132B68}"/>
             </a:ext>
           </a:extLst>
         </p:cNvPr>
@@ -19505,10 +19598,10 @@
           <p:cNvPr id="27" name="Rectangle 26">
             <a:extLst>
               <a:ext uri="{FF2B5EF4-FFF2-40B4-BE49-F238E27FC236}">
-                <a16:creationId xmlns:a16="http://schemas.microsoft.com/office/drawing/2014/main" id="{73CDEEF2-1AB3-80D1-CDA4-608C51A8E1C7}"/>
+                <a16:creationId xmlns:a16="http://schemas.microsoft.com/office/drawing/2014/main" xmlns="" id="{73CDEEF2-1AB3-80D1-CDA4-608C51A8E1C7}"/>
               </a:ext>
               <a:ext uri="{C183D7F6-B498-43B3-948B-1728B52AA6E4}">
-                <adec:decorative xmlns:adec="http://schemas.microsoft.com/office/drawing/2017/decorative" val="1"/>
+                <adec:decorative xmlns:adec="http://schemas.microsoft.com/office/drawing/2017/decorative" xmlns="" val="1"/>
               </a:ext>
             </a:extLst>
           </p:cNvPr>
@@ -19518,7 +19611,7 @@
           <p:nvPr>
             <p:extLst>
               <p:ext uri="{386F3935-93C4-4BCD-93E2-E3B085C9AB24}">
-                <p16:designElem xmlns:p16="http://schemas.microsoft.com/office/powerpoint/2015/main" val="1"/>
+                <p16:designElem xmlns:p16="http://schemas.microsoft.com/office/powerpoint/2015/main" xmlns="" val="1"/>
               </p:ext>
             </p:extLst>
           </p:nvPr>
@@ -19568,10 +19661,10 @@
           <p:cNvPr id="29" name="Freeform: Shape 28">
             <a:extLst>
               <a:ext uri="{FF2B5EF4-FFF2-40B4-BE49-F238E27FC236}">
-                <a16:creationId xmlns:a16="http://schemas.microsoft.com/office/drawing/2014/main" id="{7C7D98AB-74B6-9E79-6551-31459B530EA0}"/>
+                <a16:creationId xmlns:a16="http://schemas.microsoft.com/office/drawing/2014/main" xmlns="" id="{7C7D98AB-74B6-9E79-6551-31459B530EA0}"/>
               </a:ext>
               <a:ext uri="{C183D7F6-B498-43B3-948B-1728B52AA6E4}">
-                <adec:decorative xmlns:adec="http://schemas.microsoft.com/office/drawing/2017/decorative" val="1"/>
+                <adec:decorative xmlns:adec="http://schemas.microsoft.com/office/drawing/2017/decorative" xmlns="" val="1"/>
               </a:ext>
             </a:extLst>
           </p:cNvPr>
@@ -19581,7 +19674,7 @@
           <p:nvPr>
             <p:extLst>
               <p:ext uri="{386F3935-93C4-4BCD-93E2-E3B085C9AB24}">
-                <p16:designElem xmlns:p16="http://schemas.microsoft.com/office/powerpoint/2015/main" val="1"/>
+                <p16:designElem xmlns:p16="http://schemas.microsoft.com/office/powerpoint/2015/main" xmlns="" val="1"/>
               </p:ext>
             </p:extLst>
           </p:nvPr>
@@ -19684,10 +19777,10 @@
           <p:cNvPr id="31" name="Rectangle 30">
             <a:extLst>
               <a:ext uri="{FF2B5EF4-FFF2-40B4-BE49-F238E27FC236}">
-                <a16:creationId xmlns:a16="http://schemas.microsoft.com/office/drawing/2014/main" id="{E02A97E4-FFF3-59F6-2E50-A49A1B875210}"/>
+                <a16:creationId xmlns:a16="http://schemas.microsoft.com/office/drawing/2014/main" xmlns="" id="{E02A97E4-FFF3-59F6-2E50-A49A1B875210}"/>
               </a:ext>
               <a:ext uri="{C183D7F6-B498-43B3-948B-1728B52AA6E4}">
-                <adec:decorative xmlns:adec="http://schemas.microsoft.com/office/drawing/2017/decorative" val="1"/>
+                <adec:decorative xmlns:adec="http://schemas.microsoft.com/office/drawing/2017/decorative" xmlns="" val="1"/>
               </a:ext>
             </a:extLst>
           </p:cNvPr>
@@ -19697,7 +19790,7 @@
           <p:nvPr>
             <p:extLst>
               <p:ext uri="{386F3935-93C4-4BCD-93E2-E3B085C9AB24}">
-                <p16:designElem xmlns:p16="http://schemas.microsoft.com/office/powerpoint/2015/main" val="1"/>
+                <p16:designElem xmlns:p16="http://schemas.microsoft.com/office/powerpoint/2015/main" xmlns="" val="1"/>
               </p:ext>
             </p:extLst>
           </p:nvPr>
@@ -19749,10 +19842,10 @@
           <p:cNvPr id="33" name="Rectangle 32">
             <a:extLst>
               <a:ext uri="{FF2B5EF4-FFF2-40B4-BE49-F238E27FC236}">
-                <a16:creationId xmlns:a16="http://schemas.microsoft.com/office/drawing/2014/main" id="{7D5189F2-CEF8-E33C-1F6D-25FADC8721D8}"/>
+                <a16:creationId xmlns:a16="http://schemas.microsoft.com/office/drawing/2014/main" xmlns="" id="{7D5189F2-CEF8-E33C-1F6D-25FADC8721D8}"/>
               </a:ext>
               <a:ext uri="{C183D7F6-B498-43B3-948B-1728B52AA6E4}">
-                <adec:decorative xmlns:adec="http://schemas.microsoft.com/office/drawing/2017/decorative" val="1"/>
+                <adec:decorative xmlns:adec="http://schemas.microsoft.com/office/drawing/2017/decorative" xmlns="" val="1"/>
               </a:ext>
             </a:extLst>
           </p:cNvPr>
@@ -19762,7 +19855,7 @@
           <p:nvPr>
             <p:extLst>
               <p:ext uri="{386F3935-93C4-4BCD-93E2-E3B085C9AB24}">
-                <p16:designElem xmlns:p16="http://schemas.microsoft.com/office/powerpoint/2015/main" val="1"/>
+                <p16:designElem xmlns:p16="http://schemas.microsoft.com/office/powerpoint/2015/main" xmlns="" val="1"/>
               </p:ext>
             </p:extLst>
           </p:nvPr>
@@ -19814,10 +19907,10 @@
           <p:cNvPr id="35" name="Freeform: Shape 34">
             <a:extLst>
               <a:ext uri="{FF2B5EF4-FFF2-40B4-BE49-F238E27FC236}">
-                <a16:creationId xmlns:a16="http://schemas.microsoft.com/office/drawing/2014/main" id="{88944EF9-2B55-2555-0F0D-1F9070FAB8F6}"/>
+                <a16:creationId xmlns:a16="http://schemas.microsoft.com/office/drawing/2014/main" xmlns="" id="{88944EF9-2B55-2555-0F0D-1F9070FAB8F6}"/>
               </a:ext>
               <a:ext uri="{C183D7F6-B498-43B3-948B-1728B52AA6E4}">
-                <adec:decorative xmlns:adec="http://schemas.microsoft.com/office/drawing/2017/decorative" val="1"/>
+                <adec:decorative xmlns:adec="http://schemas.microsoft.com/office/drawing/2017/decorative" xmlns="" val="1"/>
               </a:ext>
             </a:extLst>
           </p:cNvPr>
@@ -19827,7 +19920,7 @@
           <p:nvPr>
             <p:extLst>
               <p:ext uri="{386F3935-93C4-4BCD-93E2-E3B085C9AB24}">
-                <p16:designElem xmlns:p16="http://schemas.microsoft.com/office/powerpoint/2015/main" val="1"/>
+                <p16:designElem xmlns:p16="http://schemas.microsoft.com/office/powerpoint/2015/main" xmlns="" val="1"/>
               </p:ext>
             </p:extLst>
           </p:nvPr>
@@ -19924,10 +20017,10 @@
           <p:cNvPr id="37" name="Isosceles Triangle 36">
             <a:extLst>
               <a:ext uri="{FF2B5EF4-FFF2-40B4-BE49-F238E27FC236}">
-                <a16:creationId xmlns:a16="http://schemas.microsoft.com/office/drawing/2014/main" id="{39D0DBA3-22C1-A7AD-5B65-E017A98F619A}"/>
+                <a16:creationId xmlns:a16="http://schemas.microsoft.com/office/drawing/2014/main" xmlns="" id="{39D0DBA3-22C1-A7AD-5B65-E017A98F619A}"/>
               </a:ext>
               <a:ext uri="{C183D7F6-B498-43B3-948B-1728B52AA6E4}">
-                <adec:decorative xmlns:adec="http://schemas.microsoft.com/office/drawing/2017/decorative" val="1"/>
+                <adec:decorative xmlns:adec="http://schemas.microsoft.com/office/drawing/2017/decorative" xmlns="" val="1"/>
               </a:ext>
             </a:extLst>
           </p:cNvPr>
@@ -19937,7 +20030,7 @@
           <p:nvPr>
             <p:extLst>
               <p:ext uri="{386F3935-93C4-4BCD-93E2-E3B085C9AB24}">
-                <p16:designElem xmlns:p16="http://schemas.microsoft.com/office/powerpoint/2015/main" val="1"/>
+                <p16:designElem xmlns:p16="http://schemas.microsoft.com/office/powerpoint/2015/main" xmlns="" val="1"/>
               </p:ext>
             </p:extLst>
           </p:nvPr>
@@ -19989,10 +20082,10 @@
           <p:cNvPr id="39" name="Isosceles Triangle 38">
             <a:extLst>
               <a:ext uri="{FF2B5EF4-FFF2-40B4-BE49-F238E27FC236}">
-                <a16:creationId xmlns:a16="http://schemas.microsoft.com/office/drawing/2014/main" id="{11E4C121-B4D1-7C55-C58B-079744362B58}"/>
+                <a16:creationId xmlns:a16="http://schemas.microsoft.com/office/drawing/2014/main" xmlns="" id="{11E4C121-B4D1-7C55-C58B-079744362B58}"/>
               </a:ext>
               <a:ext uri="{C183D7F6-B498-43B3-948B-1728B52AA6E4}">
-                <adec:decorative xmlns:adec="http://schemas.microsoft.com/office/drawing/2017/decorative" val="1"/>
+                <adec:decorative xmlns:adec="http://schemas.microsoft.com/office/drawing/2017/decorative" xmlns="" val="1"/>
               </a:ext>
             </a:extLst>
           </p:cNvPr>
@@ -20002,7 +20095,7 @@
           <p:nvPr>
             <p:extLst>
               <p:ext uri="{386F3935-93C4-4BCD-93E2-E3B085C9AB24}">
-                <p16:designElem xmlns:p16="http://schemas.microsoft.com/office/powerpoint/2015/main" val="1"/>
+                <p16:designElem xmlns:p16="http://schemas.microsoft.com/office/powerpoint/2015/main" xmlns="" val="1"/>
               </p:ext>
             </p:extLst>
           </p:nvPr>
@@ -20054,7 +20147,7 @@
           <p:cNvPr id="6" name="TextBox 5">
             <a:extLst>
               <a:ext uri="{FF2B5EF4-FFF2-40B4-BE49-F238E27FC236}">
-                <a16:creationId xmlns:a16="http://schemas.microsoft.com/office/drawing/2014/main" id="{4F82D9C0-7538-351C-DD92-6383E4364DC0}"/>
+                <a16:creationId xmlns:a16="http://schemas.microsoft.com/office/drawing/2014/main" xmlns="" id="{4F82D9C0-7538-351C-DD92-6383E4364DC0}"/>
               </a:ext>
             </a:extLst>
           </p:cNvPr>
@@ -20092,7 +20185,7 @@
           <p:cNvPr id="7" name="TextBox 6">
             <a:extLst>
               <a:ext uri="{FF2B5EF4-FFF2-40B4-BE49-F238E27FC236}">
-                <a16:creationId xmlns:a16="http://schemas.microsoft.com/office/drawing/2014/main" id="{716ECDE0-EB0A-BB9E-DDD2-7D61E6AD8FDA}"/>
+                <a16:creationId xmlns:a16="http://schemas.microsoft.com/office/drawing/2014/main" xmlns="" id="{716ECDE0-EB0A-BB9E-DDD2-7D61E6AD8FDA}"/>
               </a:ext>
             </a:extLst>
           </p:cNvPr>
@@ -20180,6 +20273,13 @@
   <p:clrMapOvr>
     <a:masterClrMapping/>
   </p:clrMapOvr>
+  <p:timing>
+    <p:tnLst>
+      <p:par>
+        <p:cTn id="1" dur="indefinite" restart="never" nodeType="tmRoot"/>
+      </p:par>
+    </p:tnLst>
+  </p:timing>
 </p:sld>
 </file>
 
@@ -20199,7 +20299,7 @@
         <p:cNvPr id="1" name="">
           <a:extLst>
             <a:ext uri="{FF2B5EF4-FFF2-40B4-BE49-F238E27FC236}">
-              <a16:creationId xmlns:a16="http://schemas.microsoft.com/office/drawing/2014/main" id="{AC3B1513-936B-7599-6ABE-71802B4453E4}"/>
+              <a16:creationId xmlns:a16="http://schemas.microsoft.com/office/drawing/2014/main" xmlns="" id="{AC3B1513-936B-7599-6ABE-71802B4453E4}"/>
             </a:ext>
           </a:extLst>
         </p:cNvPr>
@@ -20219,10 +20319,10 @@
           <p:cNvPr id="27" name="Rectangle 26">
             <a:extLst>
               <a:ext uri="{FF2B5EF4-FFF2-40B4-BE49-F238E27FC236}">
-                <a16:creationId xmlns:a16="http://schemas.microsoft.com/office/drawing/2014/main" id="{C5EBDAD9-F8C8-BD82-6A1C-1B46211B993B}"/>
+                <a16:creationId xmlns:a16="http://schemas.microsoft.com/office/drawing/2014/main" xmlns="" id="{C5EBDAD9-F8C8-BD82-6A1C-1B46211B993B}"/>
               </a:ext>
               <a:ext uri="{C183D7F6-B498-43B3-948B-1728B52AA6E4}">
-                <adec:decorative xmlns:adec="http://schemas.microsoft.com/office/drawing/2017/decorative" val="1"/>
+                <adec:decorative xmlns:adec="http://schemas.microsoft.com/office/drawing/2017/decorative" xmlns="" val="1"/>
               </a:ext>
             </a:extLst>
           </p:cNvPr>
@@ -20232,7 +20332,7 @@
           <p:nvPr>
             <p:extLst>
               <p:ext uri="{386F3935-93C4-4BCD-93E2-E3B085C9AB24}">
-                <p16:designElem xmlns:p16="http://schemas.microsoft.com/office/powerpoint/2015/main" val="1"/>
+                <p16:designElem xmlns:p16="http://schemas.microsoft.com/office/powerpoint/2015/main" xmlns="" val="1"/>
               </p:ext>
             </p:extLst>
           </p:nvPr>
@@ -20282,10 +20382,10 @@
           <p:cNvPr id="29" name="Group 28">
             <a:extLst>
               <a:ext uri="{FF2B5EF4-FFF2-40B4-BE49-F238E27FC236}">
-                <a16:creationId xmlns:a16="http://schemas.microsoft.com/office/drawing/2014/main" id="{428EBB58-D62D-9B51-78DF-6472139DCD9A}"/>
+                <a16:creationId xmlns:a16="http://schemas.microsoft.com/office/drawing/2014/main" xmlns="" id="{428EBB58-D62D-9B51-78DF-6472139DCD9A}"/>
               </a:ext>
               <a:ext uri="{C183D7F6-B498-43B3-948B-1728B52AA6E4}">
-                <adec:decorative xmlns:adec="http://schemas.microsoft.com/office/drawing/2017/decorative" val="1"/>
+                <adec:decorative xmlns:adec="http://schemas.microsoft.com/office/drawing/2017/decorative" xmlns="" val="1"/>
               </a:ext>
             </a:extLst>
           </p:cNvPr>
@@ -20295,7 +20395,7 @@
           <p:nvPr>
             <p:extLst>
               <p:ext uri="{386F3935-93C4-4BCD-93E2-E3B085C9AB24}">
-                <p16:designElem xmlns:p16="http://schemas.microsoft.com/office/powerpoint/2015/main" val="1"/>
+                <p16:designElem xmlns:p16="http://schemas.microsoft.com/office/powerpoint/2015/main" xmlns="" val="1"/>
               </p:ext>
             </p:extLst>
           </p:nvPr>
@@ -20313,10 +20413,10 @@
             <p:cNvPr id="30" name="Freeform: Shape 29">
               <a:extLst>
                 <a:ext uri="{FF2B5EF4-FFF2-40B4-BE49-F238E27FC236}">
-                  <a16:creationId xmlns:a16="http://schemas.microsoft.com/office/drawing/2014/main" id="{5E1AF157-DD9F-ABBB-7AE8-BA1F8325BDDB}"/>
+                  <a16:creationId xmlns:a16="http://schemas.microsoft.com/office/drawing/2014/main" xmlns="" id="{5E1AF157-DD9F-ABBB-7AE8-BA1F8325BDDB}"/>
                 </a:ext>
                 <a:ext uri="{C183D7F6-B498-43B3-948B-1728B52AA6E4}">
-                  <adec:decorative xmlns:adec="http://schemas.microsoft.com/office/drawing/2017/decorative" val="1"/>
+                  <adec:decorative xmlns:adec="http://schemas.microsoft.com/office/drawing/2017/decorative" xmlns="" val="1"/>
                 </a:ext>
               </a:extLst>
             </p:cNvPr>
@@ -20324,7 +20424,7 @@
             <p:nvPr>
               <p:extLst>
                 <p:ext uri="{386F3935-93C4-4BCD-93E2-E3B085C9AB24}">
-                  <p16:designElem xmlns:p16="http://schemas.microsoft.com/office/powerpoint/2015/main" val="1"/>
+                  <p16:designElem xmlns:p16="http://schemas.microsoft.com/office/powerpoint/2015/main" xmlns="" val="1"/>
                 </p:ext>
               </p:extLst>
             </p:nvPr>
@@ -20427,10 +20527,10 @@
             <p:cNvPr id="31" name="Rectangle 30">
               <a:extLst>
                 <a:ext uri="{FF2B5EF4-FFF2-40B4-BE49-F238E27FC236}">
-                  <a16:creationId xmlns:a16="http://schemas.microsoft.com/office/drawing/2014/main" id="{151AE59E-D5F5-4A2F-F502-E767D3A0D49E}"/>
+                  <a16:creationId xmlns:a16="http://schemas.microsoft.com/office/drawing/2014/main" xmlns="" id="{151AE59E-D5F5-4A2F-F502-E767D3A0D49E}"/>
                 </a:ext>
                 <a:ext uri="{C183D7F6-B498-43B3-948B-1728B52AA6E4}">
-                  <adec:decorative xmlns:adec="http://schemas.microsoft.com/office/drawing/2017/decorative" val="1"/>
+                  <adec:decorative xmlns:adec="http://schemas.microsoft.com/office/drawing/2017/decorative" xmlns="" val="1"/>
                 </a:ext>
               </a:extLst>
             </p:cNvPr>
@@ -20438,7 +20538,7 @@
             <p:nvPr>
               <p:extLst>
                 <p:ext uri="{386F3935-93C4-4BCD-93E2-E3B085C9AB24}">
-                  <p16:designElem xmlns:p16="http://schemas.microsoft.com/office/powerpoint/2015/main" val="1"/>
+                  <p16:designElem xmlns:p16="http://schemas.microsoft.com/office/powerpoint/2015/main" xmlns="" val="1"/>
                 </p:ext>
               </p:extLst>
             </p:nvPr>
@@ -20491,10 +20591,10 @@
           <p:cNvPr id="33" name="Rectangle 32">
             <a:extLst>
               <a:ext uri="{FF2B5EF4-FFF2-40B4-BE49-F238E27FC236}">
-                <a16:creationId xmlns:a16="http://schemas.microsoft.com/office/drawing/2014/main" id="{506515F5-7660-CB1F-6BC9-9219282B8ED8}"/>
+                <a16:creationId xmlns:a16="http://schemas.microsoft.com/office/drawing/2014/main" xmlns="" id="{506515F5-7660-CB1F-6BC9-9219282B8ED8}"/>
               </a:ext>
               <a:ext uri="{C183D7F6-B498-43B3-948B-1728B52AA6E4}">
-                <adec:decorative xmlns:adec="http://schemas.microsoft.com/office/drawing/2017/decorative" val="1"/>
+                <adec:decorative xmlns:adec="http://schemas.microsoft.com/office/drawing/2017/decorative" xmlns="" val="1"/>
               </a:ext>
             </a:extLst>
           </p:cNvPr>
@@ -20504,7 +20604,7 @@
           <p:nvPr>
             <p:extLst>
               <p:ext uri="{386F3935-93C4-4BCD-93E2-E3B085C9AB24}">
-                <p16:designElem xmlns:p16="http://schemas.microsoft.com/office/powerpoint/2015/main" val="1"/>
+                <p16:designElem xmlns:p16="http://schemas.microsoft.com/office/powerpoint/2015/main" xmlns="" val="1"/>
               </p:ext>
             </p:extLst>
           </p:nvPr>
@@ -20556,10 +20656,10 @@
           <p:cNvPr id="35" name="Isosceles Triangle 34">
             <a:extLst>
               <a:ext uri="{FF2B5EF4-FFF2-40B4-BE49-F238E27FC236}">
-                <a16:creationId xmlns:a16="http://schemas.microsoft.com/office/drawing/2014/main" id="{8F3A049A-F43B-6E90-C5B5-04CF4B4EA7FF}"/>
+                <a16:creationId xmlns:a16="http://schemas.microsoft.com/office/drawing/2014/main" xmlns="" id="{8F3A049A-F43B-6E90-C5B5-04CF4B4EA7FF}"/>
               </a:ext>
               <a:ext uri="{C183D7F6-B498-43B3-948B-1728B52AA6E4}">
-                <adec:decorative xmlns:adec="http://schemas.microsoft.com/office/drawing/2017/decorative" val="1"/>
+                <adec:decorative xmlns:adec="http://schemas.microsoft.com/office/drawing/2017/decorative" xmlns="" val="1"/>
               </a:ext>
             </a:extLst>
           </p:cNvPr>
@@ -20569,7 +20669,7 @@
           <p:nvPr>
             <p:extLst>
               <p:ext uri="{386F3935-93C4-4BCD-93E2-E3B085C9AB24}">
-                <p16:designElem xmlns:p16="http://schemas.microsoft.com/office/powerpoint/2015/main" val="1"/>
+                <p16:designElem xmlns:p16="http://schemas.microsoft.com/office/powerpoint/2015/main" xmlns="" val="1"/>
               </p:ext>
             </p:extLst>
           </p:nvPr>
@@ -20623,7 +20723,7 @@
           <p:cNvPr id="6" name="TextBox 5">
             <a:extLst>
               <a:ext uri="{FF2B5EF4-FFF2-40B4-BE49-F238E27FC236}">
-                <a16:creationId xmlns:a16="http://schemas.microsoft.com/office/drawing/2014/main" id="{34017482-172B-6AC6-13EB-BF55A94A4EE8}"/>
+                <a16:creationId xmlns:a16="http://schemas.microsoft.com/office/drawing/2014/main" xmlns="" id="{34017482-172B-6AC6-13EB-BF55A94A4EE8}"/>
               </a:ext>
             </a:extLst>
           </p:cNvPr>
@@ -20665,7 +20765,7 @@
           <p:cNvPr id="3" name="Picture Placeholder 2">
             <a:extLst>
               <a:ext uri="{FF2B5EF4-FFF2-40B4-BE49-F238E27FC236}">
-                <a16:creationId xmlns:a16="http://schemas.microsoft.com/office/drawing/2014/main" id="{6EF0B4F8-75D6-0F10-F5E2-AB246F3F31E2}"/>
+                <a16:creationId xmlns:a16="http://schemas.microsoft.com/office/drawing/2014/main" xmlns="" id="{6EF0B4F8-75D6-0F10-F5E2-AB246F3F31E2}"/>
               </a:ext>
             </a:extLst>
           </p:cNvPr>
@@ -20690,7 +20790,7 @@
           <p:cNvPr id="2" name="Content Placeholder 2">
             <a:extLst>
               <a:ext uri="{FF2B5EF4-FFF2-40B4-BE49-F238E27FC236}">
-                <a16:creationId xmlns:a16="http://schemas.microsoft.com/office/drawing/2014/main" id="{736E2FF1-480D-5CE9-FA48-5C92826C5B03}"/>
+                <a16:creationId xmlns:a16="http://schemas.microsoft.com/office/drawing/2014/main" xmlns="" id="{736E2FF1-480D-5CE9-FA48-5C92826C5B03}"/>
               </a:ext>
             </a:extLst>
           </p:cNvPr>
@@ -21012,7 +21112,7 @@
           <p:cNvPr id="4" name="Picture 7">
             <a:extLst>
               <a:ext uri="{FF2B5EF4-FFF2-40B4-BE49-F238E27FC236}">
-                <a16:creationId xmlns:a16="http://schemas.microsoft.com/office/drawing/2014/main" id="{95E36B68-62AD-B9F2-70C2-B586569BA4BB}"/>
+                <a16:creationId xmlns:a16="http://schemas.microsoft.com/office/drawing/2014/main" xmlns="" id="{95E36B68-62AD-B9F2-70C2-B586569BA4BB}"/>
               </a:ext>
             </a:extLst>
           </p:cNvPr>
@@ -21082,7 +21182,7 @@
           <p:cNvPr id="5" name="Picture 2">
             <a:extLst>
               <a:ext uri="{FF2B5EF4-FFF2-40B4-BE49-F238E27FC236}">
-                <a16:creationId xmlns:a16="http://schemas.microsoft.com/office/drawing/2014/main" id="{55C85C03-1F66-B7D4-1002-5DC66D5A7379}"/>
+                <a16:creationId xmlns:a16="http://schemas.microsoft.com/office/drawing/2014/main" xmlns="" id="{55C85C03-1F66-B7D4-1002-5DC66D5A7379}"/>
               </a:ext>
             </a:extLst>
           </p:cNvPr>
@@ -21157,6 +21257,13 @@
   <p:clrMapOvr>
     <a:masterClrMapping/>
   </p:clrMapOvr>
+  <p:timing>
+    <p:tnLst>
+      <p:par>
+        <p:cTn id="1" dur="indefinite" restart="never" nodeType="tmRoot"/>
+      </p:par>
+    </p:tnLst>
+  </p:timing>
 </p:sld>
 </file>
 
@@ -21176,7 +21283,7 @@
         <p:cNvPr id="1" name="">
           <a:extLst>
             <a:ext uri="{FF2B5EF4-FFF2-40B4-BE49-F238E27FC236}">
-              <a16:creationId xmlns:a16="http://schemas.microsoft.com/office/drawing/2014/main" id="{E15E6289-D2A4-4F75-BD0F-B033EBE77AF5}"/>
+              <a16:creationId xmlns:a16="http://schemas.microsoft.com/office/drawing/2014/main" xmlns="" id="{E15E6289-D2A4-4F75-BD0F-B033EBE77AF5}"/>
             </a:ext>
           </a:extLst>
         </p:cNvPr>
@@ -21196,10 +21303,10 @@
           <p:cNvPr id="27" name="Rectangle 26">
             <a:extLst>
               <a:ext uri="{FF2B5EF4-FFF2-40B4-BE49-F238E27FC236}">
-                <a16:creationId xmlns:a16="http://schemas.microsoft.com/office/drawing/2014/main" id="{77F31254-3ECC-CD98-4245-A1F2BEE4BD65}"/>
+                <a16:creationId xmlns:a16="http://schemas.microsoft.com/office/drawing/2014/main" xmlns="" id="{77F31254-3ECC-CD98-4245-A1F2BEE4BD65}"/>
               </a:ext>
               <a:ext uri="{C183D7F6-B498-43B3-948B-1728B52AA6E4}">
-                <adec:decorative xmlns:adec="http://schemas.microsoft.com/office/drawing/2017/decorative" val="1"/>
+                <adec:decorative xmlns:adec="http://schemas.microsoft.com/office/drawing/2017/decorative" xmlns="" val="1"/>
               </a:ext>
             </a:extLst>
           </p:cNvPr>
@@ -21209,7 +21316,7 @@
           <p:nvPr>
             <p:extLst>
               <p:ext uri="{386F3935-93C4-4BCD-93E2-E3B085C9AB24}">
-                <p16:designElem xmlns:p16="http://schemas.microsoft.com/office/powerpoint/2015/main" val="1"/>
+                <p16:designElem xmlns:p16="http://schemas.microsoft.com/office/powerpoint/2015/main" xmlns="" val="1"/>
               </p:ext>
             </p:extLst>
           </p:nvPr>
@@ -21259,10 +21366,10 @@
           <p:cNvPr id="29" name="Freeform: Shape 28">
             <a:extLst>
               <a:ext uri="{FF2B5EF4-FFF2-40B4-BE49-F238E27FC236}">
-                <a16:creationId xmlns:a16="http://schemas.microsoft.com/office/drawing/2014/main" id="{BB8EF534-9FDA-8196-9E94-D28AB12F3F37}"/>
+                <a16:creationId xmlns:a16="http://schemas.microsoft.com/office/drawing/2014/main" xmlns="" id="{BB8EF534-9FDA-8196-9E94-D28AB12F3F37}"/>
               </a:ext>
               <a:ext uri="{C183D7F6-B498-43B3-948B-1728B52AA6E4}">
-                <adec:decorative xmlns:adec="http://schemas.microsoft.com/office/drawing/2017/decorative" val="1"/>
+                <adec:decorative xmlns:adec="http://schemas.microsoft.com/office/drawing/2017/decorative" xmlns="" val="1"/>
               </a:ext>
             </a:extLst>
           </p:cNvPr>
@@ -21272,7 +21379,7 @@
           <p:nvPr>
             <p:extLst>
               <p:ext uri="{386F3935-93C4-4BCD-93E2-E3B085C9AB24}">
-                <p16:designElem xmlns:p16="http://schemas.microsoft.com/office/powerpoint/2015/main" val="1"/>
+                <p16:designElem xmlns:p16="http://schemas.microsoft.com/office/powerpoint/2015/main" xmlns="" val="1"/>
               </p:ext>
             </p:extLst>
           </p:nvPr>
@@ -21375,10 +21482,10 @@
           <p:cNvPr id="31" name="Rectangle 30">
             <a:extLst>
               <a:ext uri="{FF2B5EF4-FFF2-40B4-BE49-F238E27FC236}">
-                <a16:creationId xmlns:a16="http://schemas.microsoft.com/office/drawing/2014/main" id="{22EDC221-84C4-45E7-20F4-A775EADD7107}"/>
+                <a16:creationId xmlns:a16="http://schemas.microsoft.com/office/drawing/2014/main" xmlns="" id="{22EDC221-84C4-45E7-20F4-A775EADD7107}"/>
               </a:ext>
               <a:ext uri="{C183D7F6-B498-43B3-948B-1728B52AA6E4}">
-                <adec:decorative xmlns:adec="http://schemas.microsoft.com/office/drawing/2017/decorative" val="1"/>
+                <adec:decorative xmlns:adec="http://schemas.microsoft.com/office/drawing/2017/decorative" xmlns="" val="1"/>
               </a:ext>
             </a:extLst>
           </p:cNvPr>
@@ -21388,7 +21495,7 @@
           <p:nvPr>
             <p:extLst>
               <p:ext uri="{386F3935-93C4-4BCD-93E2-E3B085C9AB24}">
-                <p16:designElem xmlns:p16="http://schemas.microsoft.com/office/powerpoint/2015/main" val="1"/>
+                <p16:designElem xmlns:p16="http://schemas.microsoft.com/office/powerpoint/2015/main" xmlns="" val="1"/>
               </p:ext>
             </p:extLst>
           </p:nvPr>
@@ -21440,10 +21547,10 @@
           <p:cNvPr id="33" name="Rectangle 32">
             <a:extLst>
               <a:ext uri="{FF2B5EF4-FFF2-40B4-BE49-F238E27FC236}">
-                <a16:creationId xmlns:a16="http://schemas.microsoft.com/office/drawing/2014/main" id="{7479AA36-DD2C-0367-D3BF-2CBFC0810615}"/>
+                <a16:creationId xmlns:a16="http://schemas.microsoft.com/office/drawing/2014/main" xmlns="" id="{7479AA36-DD2C-0367-D3BF-2CBFC0810615}"/>
               </a:ext>
               <a:ext uri="{C183D7F6-B498-43B3-948B-1728B52AA6E4}">
-                <adec:decorative xmlns:adec="http://schemas.microsoft.com/office/drawing/2017/decorative" val="1"/>
+                <adec:decorative xmlns:adec="http://schemas.microsoft.com/office/drawing/2017/decorative" xmlns="" val="1"/>
               </a:ext>
             </a:extLst>
           </p:cNvPr>
@@ -21453,7 +21560,7 @@
           <p:nvPr>
             <p:extLst>
               <p:ext uri="{386F3935-93C4-4BCD-93E2-E3B085C9AB24}">
-                <p16:designElem xmlns:p16="http://schemas.microsoft.com/office/powerpoint/2015/main" val="1"/>
+                <p16:designElem xmlns:p16="http://schemas.microsoft.com/office/powerpoint/2015/main" xmlns="" val="1"/>
               </p:ext>
             </p:extLst>
           </p:nvPr>
@@ -21505,10 +21612,10 @@
           <p:cNvPr id="35" name="Freeform: Shape 34">
             <a:extLst>
               <a:ext uri="{FF2B5EF4-FFF2-40B4-BE49-F238E27FC236}">
-                <a16:creationId xmlns:a16="http://schemas.microsoft.com/office/drawing/2014/main" id="{0E5E699F-E37D-DCDB-1510-887BC772A803}"/>
+                <a16:creationId xmlns:a16="http://schemas.microsoft.com/office/drawing/2014/main" xmlns="" id="{0E5E699F-E37D-DCDB-1510-887BC772A803}"/>
               </a:ext>
               <a:ext uri="{C183D7F6-B498-43B3-948B-1728B52AA6E4}">
-                <adec:decorative xmlns:adec="http://schemas.microsoft.com/office/drawing/2017/decorative" val="1"/>
+                <adec:decorative xmlns:adec="http://schemas.microsoft.com/office/drawing/2017/decorative" xmlns="" val="1"/>
               </a:ext>
             </a:extLst>
           </p:cNvPr>
@@ -21518,7 +21625,7 @@
           <p:nvPr>
             <p:extLst>
               <p:ext uri="{386F3935-93C4-4BCD-93E2-E3B085C9AB24}">
-                <p16:designElem xmlns:p16="http://schemas.microsoft.com/office/powerpoint/2015/main" val="1"/>
+                <p16:designElem xmlns:p16="http://schemas.microsoft.com/office/powerpoint/2015/main" xmlns="" val="1"/>
               </p:ext>
             </p:extLst>
           </p:nvPr>
@@ -21615,10 +21722,10 @@
           <p:cNvPr id="37" name="Isosceles Triangle 36">
             <a:extLst>
               <a:ext uri="{FF2B5EF4-FFF2-40B4-BE49-F238E27FC236}">
-                <a16:creationId xmlns:a16="http://schemas.microsoft.com/office/drawing/2014/main" id="{DED12C94-78A4-58DD-9F96-9100F83C0996}"/>
+                <a16:creationId xmlns:a16="http://schemas.microsoft.com/office/drawing/2014/main" xmlns="" id="{DED12C94-78A4-58DD-9F96-9100F83C0996}"/>
               </a:ext>
               <a:ext uri="{C183D7F6-B498-43B3-948B-1728B52AA6E4}">
-                <adec:decorative xmlns:adec="http://schemas.microsoft.com/office/drawing/2017/decorative" val="1"/>
+                <adec:decorative xmlns:adec="http://schemas.microsoft.com/office/drawing/2017/decorative" xmlns="" val="1"/>
               </a:ext>
             </a:extLst>
           </p:cNvPr>
@@ -21628,7 +21735,7 @@
           <p:nvPr>
             <p:extLst>
               <p:ext uri="{386F3935-93C4-4BCD-93E2-E3B085C9AB24}">
-                <p16:designElem xmlns:p16="http://schemas.microsoft.com/office/powerpoint/2015/main" val="1"/>
+                <p16:designElem xmlns:p16="http://schemas.microsoft.com/office/powerpoint/2015/main" xmlns="" val="1"/>
               </p:ext>
             </p:extLst>
           </p:nvPr>
@@ -21680,10 +21787,10 @@
           <p:cNvPr id="39" name="Isosceles Triangle 38">
             <a:extLst>
               <a:ext uri="{FF2B5EF4-FFF2-40B4-BE49-F238E27FC236}">
-                <a16:creationId xmlns:a16="http://schemas.microsoft.com/office/drawing/2014/main" id="{15A2B5EA-0540-4F24-C209-FD2FC5F6B531}"/>
+                <a16:creationId xmlns:a16="http://schemas.microsoft.com/office/drawing/2014/main" xmlns="" id="{15A2B5EA-0540-4F24-C209-FD2FC5F6B531}"/>
               </a:ext>
               <a:ext uri="{C183D7F6-B498-43B3-948B-1728B52AA6E4}">
-                <adec:decorative xmlns:adec="http://schemas.microsoft.com/office/drawing/2017/decorative" val="1"/>
+                <adec:decorative xmlns:adec="http://schemas.microsoft.com/office/drawing/2017/decorative" xmlns="" val="1"/>
               </a:ext>
             </a:extLst>
           </p:cNvPr>
@@ -21693,7 +21800,7 @@
           <p:nvPr>
             <p:extLst>
               <p:ext uri="{386F3935-93C4-4BCD-93E2-E3B085C9AB24}">
-                <p16:designElem xmlns:p16="http://schemas.microsoft.com/office/powerpoint/2015/main" val="1"/>
+                <p16:designElem xmlns:p16="http://schemas.microsoft.com/office/powerpoint/2015/main" xmlns="" val="1"/>
               </p:ext>
             </p:extLst>
           </p:nvPr>
@@ -21745,7 +21852,7 @@
           <p:cNvPr id="3" name="Picture Placeholder 2">
             <a:extLst>
               <a:ext uri="{FF2B5EF4-FFF2-40B4-BE49-F238E27FC236}">
-                <a16:creationId xmlns:a16="http://schemas.microsoft.com/office/drawing/2014/main" id="{B5A7F5EF-0726-1DC1-6367-0D2CC7CF76B3}"/>
+                <a16:creationId xmlns:a16="http://schemas.microsoft.com/office/drawing/2014/main" xmlns="" id="{B5A7F5EF-0726-1DC1-6367-0D2CC7CF76B3}"/>
               </a:ext>
             </a:extLst>
           </p:cNvPr>
@@ -21770,7 +21877,7 @@
           <p:cNvPr id="2" name="TextBox 1">
             <a:extLst>
               <a:ext uri="{FF2B5EF4-FFF2-40B4-BE49-F238E27FC236}">
-                <a16:creationId xmlns:a16="http://schemas.microsoft.com/office/drawing/2014/main" id="{B987AA80-7A43-8370-43FC-3BD03724238D}"/>
+                <a16:creationId xmlns:a16="http://schemas.microsoft.com/office/drawing/2014/main" xmlns="" id="{B987AA80-7A43-8370-43FC-3BD03724238D}"/>
               </a:ext>
             </a:extLst>
           </p:cNvPr>
@@ -21812,7 +21919,7 @@
           <p:cNvPr id="9" name="Content Placeholder 2">
             <a:extLst>
               <a:ext uri="{FF2B5EF4-FFF2-40B4-BE49-F238E27FC236}">
-                <a16:creationId xmlns:a16="http://schemas.microsoft.com/office/drawing/2014/main" id="{FAC76963-A1CA-2926-E857-CE39D04B9173}"/>
+                <a16:creationId xmlns:a16="http://schemas.microsoft.com/office/drawing/2014/main" xmlns="" id="{FAC76963-A1CA-2926-E857-CE39D04B9173}"/>
               </a:ext>
             </a:extLst>
           </p:cNvPr>
@@ -22054,7 +22161,7 @@
           <p:cNvPr id="10" name="Picture 2">
             <a:extLst>
               <a:ext uri="{FF2B5EF4-FFF2-40B4-BE49-F238E27FC236}">
-                <a16:creationId xmlns:a16="http://schemas.microsoft.com/office/drawing/2014/main" id="{908A447D-EF01-3FC5-2964-5E7CD920F672}"/>
+                <a16:creationId xmlns:a16="http://schemas.microsoft.com/office/drawing/2014/main" xmlns="" id="{908A447D-EF01-3FC5-2964-5E7CD920F672}"/>
               </a:ext>
             </a:extLst>
           </p:cNvPr>
@@ -22129,6 +22236,13 @@
   <p:clrMapOvr>
     <a:masterClrMapping/>
   </p:clrMapOvr>
+  <p:timing>
+    <p:tnLst>
+      <p:par>
+        <p:cTn id="1" dur="indefinite" restart="never" nodeType="tmRoot"/>
+      </p:par>
+    </p:tnLst>
+  </p:timing>
 </p:sld>
 </file>
 
@@ -22148,7 +22262,7 @@
         <p:cNvPr id="1" name="">
           <a:extLst>
             <a:ext uri="{FF2B5EF4-FFF2-40B4-BE49-F238E27FC236}">
-              <a16:creationId xmlns:a16="http://schemas.microsoft.com/office/drawing/2014/main" id="{5A0248B8-8DC7-9B91-D463-477BB00EAB2B}"/>
+              <a16:creationId xmlns:a16="http://schemas.microsoft.com/office/drawing/2014/main" xmlns="" id="{5A0248B8-8DC7-9B91-D463-477BB00EAB2B}"/>
             </a:ext>
           </a:extLst>
         </p:cNvPr>
@@ -22168,10 +22282,10 @@
           <p:cNvPr id="27" name="Rectangle 26">
             <a:extLst>
               <a:ext uri="{FF2B5EF4-FFF2-40B4-BE49-F238E27FC236}">
-                <a16:creationId xmlns:a16="http://schemas.microsoft.com/office/drawing/2014/main" id="{CE4A4C2E-4CD4-2A76-6622-B9EB5418100F}"/>
+                <a16:creationId xmlns:a16="http://schemas.microsoft.com/office/drawing/2014/main" xmlns="" id="{CE4A4C2E-4CD4-2A76-6622-B9EB5418100F}"/>
               </a:ext>
               <a:ext uri="{C183D7F6-B498-43B3-948B-1728B52AA6E4}">
-                <adec:decorative xmlns:adec="http://schemas.microsoft.com/office/drawing/2017/decorative" val="1"/>
+                <adec:decorative xmlns:adec="http://schemas.microsoft.com/office/drawing/2017/decorative" xmlns="" val="1"/>
               </a:ext>
             </a:extLst>
           </p:cNvPr>
@@ -22181,7 +22295,7 @@
           <p:nvPr>
             <p:extLst>
               <p:ext uri="{386F3935-93C4-4BCD-93E2-E3B085C9AB24}">
-                <p16:designElem xmlns:p16="http://schemas.microsoft.com/office/powerpoint/2015/main" val="1"/>
+                <p16:designElem xmlns:p16="http://schemas.microsoft.com/office/powerpoint/2015/main" xmlns="" val="1"/>
               </p:ext>
             </p:extLst>
           </p:nvPr>
@@ -22231,10 +22345,10 @@
           <p:cNvPr id="29" name="Group 28">
             <a:extLst>
               <a:ext uri="{FF2B5EF4-FFF2-40B4-BE49-F238E27FC236}">
-                <a16:creationId xmlns:a16="http://schemas.microsoft.com/office/drawing/2014/main" id="{5E367D03-888F-8D6B-0B39-F21F420069E4}"/>
+                <a16:creationId xmlns:a16="http://schemas.microsoft.com/office/drawing/2014/main" xmlns="" id="{5E367D03-888F-8D6B-0B39-F21F420069E4}"/>
               </a:ext>
               <a:ext uri="{C183D7F6-B498-43B3-948B-1728B52AA6E4}">
-                <adec:decorative xmlns:adec="http://schemas.microsoft.com/office/drawing/2017/decorative" val="1"/>
+                <adec:decorative xmlns:adec="http://schemas.microsoft.com/office/drawing/2017/decorative" xmlns="" val="1"/>
               </a:ext>
             </a:extLst>
           </p:cNvPr>
@@ -22244,7 +22358,7 @@
           <p:nvPr>
             <p:extLst>
               <p:ext uri="{386F3935-93C4-4BCD-93E2-E3B085C9AB24}">
-                <p16:designElem xmlns:p16="http://schemas.microsoft.com/office/powerpoint/2015/main" val="1"/>
+                <p16:designElem xmlns:p16="http://schemas.microsoft.com/office/powerpoint/2015/main" xmlns="" val="1"/>
               </p:ext>
             </p:extLst>
           </p:nvPr>
@@ -22262,10 +22376,10 @@
             <p:cNvPr id="30" name="Freeform: Shape 29">
               <a:extLst>
                 <a:ext uri="{FF2B5EF4-FFF2-40B4-BE49-F238E27FC236}">
-                  <a16:creationId xmlns:a16="http://schemas.microsoft.com/office/drawing/2014/main" id="{9648791F-FE86-339C-1395-A69157610BD0}"/>
+                  <a16:creationId xmlns:a16="http://schemas.microsoft.com/office/drawing/2014/main" xmlns="" id="{9648791F-FE86-339C-1395-A69157610BD0}"/>
                 </a:ext>
                 <a:ext uri="{C183D7F6-B498-43B3-948B-1728B52AA6E4}">
-                  <adec:decorative xmlns:adec="http://schemas.microsoft.com/office/drawing/2017/decorative" val="1"/>
+                  <adec:decorative xmlns:adec="http://schemas.microsoft.com/office/drawing/2017/decorative" xmlns="" val="1"/>
                 </a:ext>
               </a:extLst>
             </p:cNvPr>
@@ -22273,7 +22387,7 @@
             <p:nvPr>
               <p:extLst>
                 <p:ext uri="{386F3935-93C4-4BCD-93E2-E3B085C9AB24}">
-                  <p16:designElem xmlns:p16="http://schemas.microsoft.com/office/powerpoint/2015/main" val="1"/>
+                  <p16:designElem xmlns:p16="http://schemas.microsoft.com/office/powerpoint/2015/main" xmlns="" val="1"/>
                 </p:ext>
               </p:extLst>
             </p:nvPr>
@@ -22376,10 +22490,10 @@
             <p:cNvPr id="31" name="Rectangle 30">
               <a:extLst>
                 <a:ext uri="{FF2B5EF4-FFF2-40B4-BE49-F238E27FC236}">
-                  <a16:creationId xmlns:a16="http://schemas.microsoft.com/office/drawing/2014/main" id="{A517F13D-87B3-54B1-6815-94406218E8C0}"/>
+                  <a16:creationId xmlns:a16="http://schemas.microsoft.com/office/drawing/2014/main" xmlns="" id="{A517F13D-87B3-54B1-6815-94406218E8C0}"/>
                 </a:ext>
                 <a:ext uri="{C183D7F6-B498-43B3-948B-1728B52AA6E4}">
-                  <adec:decorative xmlns:adec="http://schemas.microsoft.com/office/drawing/2017/decorative" val="1"/>
+                  <adec:decorative xmlns:adec="http://schemas.microsoft.com/office/drawing/2017/decorative" xmlns="" val="1"/>
                 </a:ext>
               </a:extLst>
             </p:cNvPr>
@@ -22387,7 +22501,7 @@
             <p:nvPr>
               <p:extLst>
                 <p:ext uri="{386F3935-93C4-4BCD-93E2-E3B085C9AB24}">
-                  <p16:designElem xmlns:p16="http://schemas.microsoft.com/office/powerpoint/2015/main" val="1"/>
+                  <p16:designElem xmlns:p16="http://schemas.microsoft.com/office/powerpoint/2015/main" xmlns="" val="1"/>
                 </p:ext>
               </p:extLst>
             </p:nvPr>
@@ -22440,10 +22554,10 @@
           <p:cNvPr id="33" name="Rectangle 32">
             <a:extLst>
               <a:ext uri="{FF2B5EF4-FFF2-40B4-BE49-F238E27FC236}">
-                <a16:creationId xmlns:a16="http://schemas.microsoft.com/office/drawing/2014/main" id="{B3A5A92E-54FE-1A3C-249E-4FAD6D642F1D}"/>
+                <a16:creationId xmlns:a16="http://schemas.microsoft.com/office/drawing/2014/main" xmlns="" id="{B3A5A92E-54FE-1A3C-249E-4FAD6D642F1D}"/>
               </a:ext>
               <a:ext uri="{C183D7F6-B498-43B3-948B-1728B52AA6E4}">
-                <adec:decorative xmlns:adec="http://schemas.microsoft.com/office/drawing/2017/decorative" val="1"/>
+                <adec:decorative xmlns:adec="http://schemas.microsoft.com/office/drawing/2017/decorative" xmlns="" val="1"/>
               </a:ext>
             </a:extLst>
           </p:cNvPr>
@@ -22453,7 +22567,7 @@
           <p:nvPr>
             <p:extLst>
               <p:ext uri="{386F3935-93C4-4BCD-93E2-E3B085C9AB24}">
-                <p16:designElem xmlns:p16="http://schemas.microsoft.com/office/powerpoint/2015/main" val="1"/>
+                <p16:designElem xmlns:p16="http://schemas.microsoft.com/office/powerpoint/2015/main" xmlns="" val="1"/>
               </p:ext>
             </p:extLst>
           </p:nvPr>
@@ -22505,10 +22619,10 @@
           <p:cNvPr id="35" name="Isosceles Triangle 34">
             <a:extLst>
               <a:ext uri="{FF2B5EF4-FFF2-40B4-BE49-F238E27FC236}">
-                <a16:creationId xmlns:a16="http://schemas.microsoft.com/office/drawing/2014/main" id="{457827A6-6C47-4CD7-971A-A75A5EC48C64}"/>
+                <a16:creationId xmlns:a16="http://schemas.microsoft.com/office/drawing/2014/main" xmlns="" id="{457827A6-6C47-4CD7-971A-A75A5EC48C64}"/>
               </a:ext>
               <a:ext uri="{C183D7F6-B498-43B3-948B-1728B52AA6E4}">
-                <adec:decorative xmlns:adec="http://schemas.microsoft.com/office/drawing/2017/decorative" val="1"/>
+                <adec:decorative xmlns:adec="http://schemas.microsoft.com/office/drawing/2017/decorative" xmlns="" val="1"/>
               </a:ext>
             </a:extLst>
           </p:cNvPr>
@@ -22518,7 +22632,7 @@
           <p:nvPr>
             <p:extLst>
               <p:ext uri="{386F3935-93C4-4BCD-93E2-E3B085C9AB24}">
-                <p16:designElem xmlns:p16="http://schemas.microsoft.com/office/powerpoint/2015/main" val="1"/>
+                <p16:designElem xmlns:p16="http://schemas.microsoft.com/office/powerpoint/2015/main" xmlns="" val="1"/>
               </p:ext>
             </p:extLst>
           </p:nvPr>
@@ -22572,7 +22686,7 @@
           <p:cNvPr id="6" name="TextBox 5">
             <a:extLst>
               <a:ext uri="{FF2B5EF4-FFF2-40B4-BE49-F238E27FC236}">
-                <a16:creationId xmlns:a16="http://schemas.microsoft.com/office/drawing/2014/main" id="{97AB226D-A7D2-EBE5-24AE-889A0AA39C7D}"/>
+                <a16:creationId xmlns:a16="http://schemas.microsoft.com/office/drawing/2014/main" xmlns="" id="{97AB226D-A7D2-EBE5-24AE-889A0AA39C7D}"/>
               </a:ext>
             </a:extLst>
           </p:cNvPr>
@@ -22614,7 +22728,7 @@
           <p:cNvPr id="3" name="Picture Placeholder 2">
             <a:extLst>
               <a:ext uri="{FF2B5EF4-FFF2-40B4-BE49-F238E27FC236}">
-                <a16:creationId xmlns:a16="http://schemas.microsoft.com/office/drawing/2014/main" id="{33C0A025-B4CA-9BB6-3CFE-7C65274EFD3F}"/>
+                <a16:creationId xmlns:a16="http://schemas.microsoft.com/office/drawing/2014/main" xmlns="" id="{33C0A025-B4CA-9BB6-3CFE-7C65274EFD3F}"/>
               </a:ext>
             </a:extLst>
           </p:cNvPr>
@@ -22639,7 +22753,7 @@
           <p:cNvPr id="7" name="Content Placeholder 2">
             <a:extLst>
               <a:ext uri="{FF2B5EF4-FFF2-40B4-BE49-F238E27FC236}">
-                <a16:creationId xmlns:a16="http://schemas.microsoft.com/office/drawing/2014/main" id="{0DB26922-CFEE-749D-60DB-C47E91FC97BB}"/>
+                <a16:creationId xmlns:a16="http://schemas.microsoft.com/office/drawing/2014/main" xmlns="" id="{0DB26922-CFEE-749D-60DB-C47E91FC97BB}"/>
               </a:ext>
             </a:extLst>
           </p:cNvPr>
@@ -22891,7 +23005,7 @@
           <p:cNvPr id="8" name="Picture 2">
             <a:extLst>
               <a:ext uri="{FF2B5EF4-FFF2-40B4-BE49-F238E27FC236}">
-                <a16:creationId xmlns:a16="http://schemas.microsoft.com/office/drawing/2014/main" id="{E398BE58-468A-7435-84A5-36A212E36745}"/>
+                <a16:creationId xmlns:a16="http://schemas.microsoft.com/office/drawing/2014/main" xmlns="" id="{E398BE58-468A-7435-84A5-36A212E36745}"/>
               </a:ext>
             </a:extLst>
           </p:cNvPr>
@@ -22961,7 +23075,7 @@
           <p:cNvPr id="9" name="Picture 3">
             <a:extLst>
               <a:ext uri="{FF2B5EF4-FFF2-40B4-BE49-F238E27FC236}">
-                <a16:creationId xmlns:a16="http://schemas.microsoft.com/office/drawing/2014/main" id="{36E739D3-7E61-06D9-C308-0A0F19FDE3F7}"/>
+                <a16:creationId xmlns:a16="http://schemas.microsoft.com/office/drawing/2014/main" xmlns="" id="{36E739D3-7E61-06D9-C308-0A0F19FDE3F7}"/>
               </a:ext>
             </a:extLst>
           </p:cNvPr>
@@ -23036,6 +23150,13 @@
   <p:clrMapOvr>
     <a:masterClrMapping/>
   </p:clrMapOvr>
+  <p:timing>
+    <p:tnLst>
+      <p:par>
+        <p:cTn id="1" dur="indefinite" restart="never" nodeType="tmRoot"/>
+      </p:par>
+    </p:tnLst>
+  </p:timing>
 </p:sld>
 </file>
 
@@ -23055,7 +23176,7 @@
         <p:cNvPr id="1" name="">
           <a:extLst>
             <a:ext uri="{FF2B5EF4-FFF2-40B4-BE49-F238E27FC236}">
-              <a16:creationId xmlns:a16="http://schemas.microsoft.com/office/drawing/2014/main" id="{19976652-C50D-0AED-59F5-520024B90CBE}"/>
+              <a16:creationId xmlns:a16="http://schemas.microsoft.com/office/drawing/2014/main" xmlns="" id="{19976652-C50D-0AED-59F5-520024B90CBE}"/>
             </a:ext>
           </a:extLst>
         </p:cNvPr>
@@ -23075,10 +23196,10 @@
           <p:cNvPr id="27" name="Rectangle 26">
             <a:extLst>
               <a:ext uri="{FF2B5EF4-FFF2-40B4-BE49-F238E27FC236}">
-                <a16:creationId xmlns:a16="http://schemas.microsoft.com/office/drawing/2014/main" id="{7BB21BAA-CED1-B16A-1DEE-E71B871D83E9}"/>
+                <a16:creationId xmlns:a16="http://schemas.microsoft.com/office/drawing/2014/main" xmlns="" id="{7BB21BAA-CED1-B16A-1DEE-E71B871D83E9}"/>
               </a:ext>
               <a:ext uri="{C183D7F6-B498-43B3-948B-1728B52AA6E4}">
-                <adec:decorative xmlns:adec="http://schemas.microsoft.com/office/drawing/2017/decorative" val="1"/>
+                <adec:decorative xmlns:adec="http://schemas.microsoft.com/office/drawing/2017/decorative" xmlns="" val="1"/>
               </a:ext>
             </a:extLst>
           </p:cNvPr>
@@ -23088,7 +23209,7 @@
           <p:nvPr>
             <p:extLst>
               <p:ext uri="{386F3935-93C4-4BCD-93E2-E3B085C9AB24}">
-                <p16:designElem xmlns:p16="http://schemas.microsoft.com/office/powerpoint/2015/main" val="1"/>
+                <p16:designElem xmlns:p16="http://schemas.microsoft.com/office/powerpoint/2015/main" xmlns="" val="1"/>
               </p:ext>
             </p:extLst>
           </p:nvPr>
@@ -23138,10 +23259,10 @@
           <p:cNvPr id="29" name="Freeform: Shape 28">
             <a:extLst>
               <a:ext uri="{FF2B5EF4-FFF2-40B4-BE49-F238E27FC236}">
-                <a16:creationId xmlns:a16="http://schemas.microsoft.com/office/drawing/2014/main" id="{59F97F45-7FAF-0965-515C-DF36AA4F4400}"/>
+                <a16:creationId xmlns:a16="http://schemas.microsoft.com/office/drawing/2014/main" xmlns="" id="{59F97F45-7FAF-0965-515C-DF36AA4F4400}"/>
               </a:ext>
               <a:ext uri="{C183D7F6-B498-43B3-948B-1728B52AA6E4}">
-                <adec:decorative xmlns:adec="http://schemas.microsoft.com/office/drawing/2017/decorative" val="1"/>
+                <adec:decorative xmlns:adec="http://schemas.microsoft.com/office/drawing/2017/decorative" xmlns="" val="1"/>
               </a:ext>
             </a:extLst>
           </p:cNvPr>
@@ -23151,7 +23272,7 @@
           <p:nvPr>
             <p:extLst>
               <p:ext uri="{386F3935-93C4-4BCD-93E2-E3B085C9AB24}">
-                <p16:designElem xmlns:p16="http://schemas.microsoft.com/office/powerpoint/2015/main" val="1"/>
+                <p16:designElem xmlns:p16="http://schemas.microsoft.com/office/powerpoint/2015/main" xmlns="" val="1"/>
               </p:ext>
             </p:extLst>
           </p:nvPr>
@@ -23254,10 +23375,10 @@
           <p:cNvPr id="31" name="Rectangle 30">
             <a:extLst>
               <a:ext uri="{FF2B5EF4-FFF2-40B4-BE49-F238E27FC236}">
-                <a16:creationId xmlns:a16="http://schemas.microsoft.com/office/drawing/2014/main" id="{C8E56BDA-4F67-DA7E-D11A-F7C40647ADE6}"/>
+                <a16:creationId xmlns:a16="http://schemas.microsoft.com/office/drawing/2014/main" xmlns="" id="{C8E56BDA-4F67-DA7E-D11A-F7C40647ADE6}"/>
               </a:ext>
               <a:ext uri="{C183D7F6-B498-43B3-948B-1728B52AA6E4}">
-                <adec:decorative xmlns:adec="http://schemas.microsoft.com/office/drawing/2017/decorative" val="1"/>
+                <adec:decorative xmlns:adec="http://schemas.microsoft.com/office/drawing/2017/decorative" xmlns="" val="1"/>
               </a:ext>
             </a:extLst>
           </p:cNvPr>
@@ -23267,7 +23388,7 @@
           <p:nvPr>
             <p:extLst>
               <p:ext uri="{386F3935-93C4-4BCD-93E2-E3B085C9AB24}">
-                <p16:designElem xmlns:p16="http://schemas.microsoft.com/office/powerpoint/2015/main" val="1"/>
+                <p16:designElem xmlns:p16="http://schemas.microsoft.com/office/powerpoint/2015/main" xmlns="" val="1"/>
               </p:ext>
             </p:extLst>
           </p:nvPr>
@@ -23319,10 +23440,10 @@
           <p:cNvPr id="33" name="Rectangle 32">
             <a:extLst>
               <a:ext uri="{FF2B5EF4-FFF2-40B4-BE49-F238E27FC236}">
-                <a16:creationId xmlns:a16="http://schemas.microsoft.com/office/drawing/2014/main" id="{1AEBF9B3-2C45-A7B0-CBD6-7ACEF01BA03C}"/>
+                <a16:creationId xmlns:a16="http://schemas.microsoft.com/office/drawing/2014/main" xmlns="" id="{1AEBF9B3-2C45-A7B0-CBD6-7ACEF01BA03C}"/>
               </a:ext>
               <a:ext uri="{C183D7F6-B498-43B3-948B-1728B52AA6E4}">
-                <adec:decorative xmlns:adec="http://schemas.microsoft.com/office/drawing/2017/decorative" val="1"/>
+                <adec:decorative xmlns:adec="http://schemas.microsoft.com/office/drawing/2017/decorative" xmlns="" val="1"/>
               </a:ext>
             </a:extLst>
           </p:cNvPr>
@@ -23332,7 +23453,7 @@
           <p:nvPr>
             <p:extLst>
               <p:ext uri="{386F3935-93C4-4BCD-93E2-E3B085C9AB24}">
-                <p16:designElem xmlns:p16="http://schemas.microsoft.com/office/powerpoint/2015/main" val="1"/>
+                <p16:designElem xmlns:p16="http://schemas.microsoft.com/office/powerpoint/2015/main" xmlns="" val="1"/>
               </p:ext>
             </p:extLst>
           </p:nvPr>
@@ -23384,10 +23505,10 @@
           <p:cNvPr id="35" name="Freeform: Shape 34">
             <a:extLst>
               <a:ext uri="{FF2B5EF4-FFF2-40B4-BE49-F238E27FC236}">
-                <a16:creationId xmlns:a16="http://schemas.microsoft.com/office/drawing/2014/main" id="{9683BA8B-41AC-57DC-440A-8E392CF1D52A}"/>
+                <a16:creationId xmlns:a16="http://schemas.microsoft.com/office/drawing/2014/main" xmlns="" id="{9683BA8B-41AC-57DC-440A-8E392CF1D52A}"/>
               </a:ext>
               <a:ext uri="{C183D7F6-B498-43B3-948B-1728B52AA6E4}">
-                <adec:decorative xmlns:adec="http://schemas.microsoft.com/office/drawing/2017/decorative" val="1"/>
+                <adec:decorative xmlns:adec="http://schemas.microsoft.com/office/drawing/2017/decorative" xmlns="" val="1"/>
               </a:ext>
             </a:extLst>
           </p:cNvPr>
@@ -23397,7 +23518,7 @@
           <p:nvPr>
             <p:extLst>
               <p:ext uri="{386F3935-93C4-4BCD-93E2-E3B085C9AB24}">
-                <p16:designElem xmlns:p16="http://schemas.microsoft.com/office/powerpoint/2015/main" val="1"/>
+                <p16:designElem xmlns:p16="http://schemas.microsoft.com/office/powerpoint/2015/main" xmlns="" val="1"/>
               </p:ext>
             </p:extLst>
           </p:nvPr>
@@ -23494,10 +23615,10 @@
           <p:cNvPr id="37" name="Isosceles Triangle 36">
             <a:extLst>
               <a:ext uri="{FF2B5EF4-FFF2-40B4-BE49-F238E27FC236}">
-                <a16:creationId xmlns:a16="http://schemas.microsoft.com/office/drawing/2014/main" id="{D21B866A-A77B-1BB1-62F9-4A0813EBCE97}"/>
+                <a16:creationId xmlns:a16="http://schemas.microsoft.com/office/drawing/2014/main" xmlns="" id="{D21B866A-A77B-1BB1-62F9-4A0813EBCE97}"/>
               </a:ext>
               <a:ext uri="{C183D7F6-B498-43B3-948B-1728B52AA6E4}">
-                <adec:decorative xmlns:adec="http://schemas.microsoft.com/office/drawing/2017/decorative" val="1"/>
+                <adec:decorative xmlns:adec="http://schemas.microsoft.com/office/drawing/2017/decorative" xmlns="" val="1"/>
               </a:ext>
             </a:extLst>
           </p:cNvPr>
@@ -23507,7 +23628,7 @@
           <p:nvPr>
             <p:extLst>
               <p:ext uri="{386F3935-93C4-4BCD-93E2-E3B085C9AB24}">
-                <p16:designElem xmlns:p16="http://schemas.microsoft.com/office/powerpoint/2015/main" val="1"/>
+                <p16:designElem xmlns:p16="http://schemas.microsoft.com/office/powerpoint/2015/main" xmlns="" val="1"/>
               </p:ext>
             </p:extLst>
           </p:nvPr>
@@ -23559,7 +23680,7 @@
           <p:cNvPr id="22" name="Picture Placeholder 21">
             <a:extLst>
               <a:ext uri="{FF2B5EF4-FFF2-40B4-BE49-F238E27FC236}">
-                <a16:creationId xmlns:a16="http://schemas.microsoft.com/office/drawing/2014/main" id="{A15C48D8-1E7C-8255-8356-E6FB553D0FC0}"/>
+                <a16:creationId xmlns:a16="http://schemas.microsoft.com/office/drawing/2014/main" xmlns="" id="{A15C48D8-1E7C-8255-8356-E6FB553D0FC0}"/>
               </a:ext>
             </a:extLst>
           </p:cNvPr>
@@ -23593,10 +23714,10 @@
           <p:cNvPr id="39" name="Isosceles Triangle 38">
             <a:extLst>
               <a:ext uri="{FF2B5EF4-FFF2-40B4-BE49-F238E27FC236}">
-                <a16:creationId xmlns:a16="http://schemas.microsoft.com/office/drawing/2014/main" id="{2F03BE48-83EC-1FB1-519E-B8C8262286CB}"/>
+                <a16:creationId xmlns:a16="http://schemas.microsoft.com/office/drawing/2014/main" xmlns="" id="{2F03BE48-83EC-1FB1-519E-B8C8262286CB}"/>
               </a:ext>
               <a:ext uri="{C183D7F6-B498-43B3-948B-1728B52AA6E4}">
-                <adec:decorative xmlns:adec="http://schemas.microsoft.com/office/drawing/2017/decorative" val="1"/>
+                <adec:decorative xmlns:adec="http://schemas.microsoft.com/office/drawing/2017/decorative" xmlns="" val="1"/>
               </a:ext>
             </a:extLst>
           </p:cNvPr>
@@ -23606,7 +23727,7 @@
           <p:nvPr>
             <p:extLst>
               <p:ext uri="{386F3935-93C4-4BCD-93E2-E3B085C9AB24}">
-                <p16:designElem xmlns:p16="http://schemas.microsoft.com/office/powerpoint/2015/main" val="1"/>
+                <p16:designElem xmlns:p16="http://schemas.microsoft.com/office/powerpoint/2015/main" xmlns="" val="1"/>
               </p:ext>
             </p:extLst>
           </p:nvPr>
@@ -23658,7 +23779,7 @@
           <p:cNvPr id="26" name="TextBox 25">
             <a:extLst>
               <a:ext uri="{FF2B5EF4-FFF2-40B4-BE49-F238E27FC236}">
-                <a16:creationId xmlns:a16="http://schemas.microsoft.com/office/drawing/2014/main" id="{2EA0F888-E47D-84AF-8912-FA2245A9C028}"/>
+                <a16:creationId xmlns:a16="http://schemas.microsoft.com/office/drawing/2014/main" xmlns="" id="{2EA0F888-E47D-84AF-8912-FA2245A9C028}"/>
               </a:ext>
             </a:extLst>
           </p:cNvPr>
@@ -23764,6 +23885,13 @@
   <p:clrMapOvr>
     <a:masterClrMapping/>
   </p:clrMapOvr>
+  <p:timing>
+    <p:tnLst>
+      <p:par>
+        <p:cTn id="1" dur="indefinite" restart="never" nodeType="tmRoot"/>
+      </p:par>
+    </p:tnLst>
+  </p:timing>
 </p:sld>
 </file>
 
@@ -23797,10 +23925,10 @@
           <p:cNvPr id="69" name="Rectangle 68">
             <a:extLst>
               <a:ext uri="{FF2B5EF4-FFF2-40B4-BE49-F238E27FC236}">
-                <a16:creationId xmlns:a16="http://schemas.microsoft.com/office/drawing/2014/main" id="{870A1295-61BC-4214-AA3E-D396673024D0}"/>
+                <a16:creationId xmlns:a16="http://schemas.microsoft.com/office/drawing/2014/main" xmlns="" id="{870A1295-61BC-4214-AA3E-D396673024D0}"/>
               </a:ext>
               <a:ext uri="{C183D7F6-B498-43B3-948B-1728B52AA6E4}">
-                <adec:decorative xmlns:adec="http://schemas.microsoft.com/office/drawing/2017/decorative" val="1"/>
+                <adec:decorative xmlns:adec="http://schemas.microsoft.com/office/drawing/2017/decorative" xmlns="" val="1"/>
               </a:ext>
             </a:extLst>
           </p:cNvPr>
@@ -23810,7 +23938,7 @@
           <p:nvPr>
             <p:extLst>
               <p:ext uri="{386F3935-93C4-4BCD-93E2-E3B085C9AB24}">
-                <p16:designElem xmlns:p16="http://schemas.microsoft.com/office/powerpoint/2015/main" val="1"/>
+                <p16:designElem xmlns:p16="http://schemas.microsoft.com/office/powerpoint/2015/main" xmlns="" val="1"/>
               </p:ext>
             </p:extLst>
           </p:nvPr>
@@ -23857,7 +23985,7 @@
           <p:cNvPr id="45" name="Title 44">
             <a:extLst>
               <a:ext uri="{FF2B5EF4-FFF2-40B4-BE49-F238E27FC236}">
-                <a16:creationId xmlns:a16="http://schemas.microsoft.com/office/drawing/2014/main" id="{2704561A-EBDC-4554-AB63-6E7F0AD34E9B}"/>
+                <a16:creationId xmlns:a16="http://schemas.microsoft.com/office/drawing/2014/main" xmlns="" id="{2704561A-EBDC-4554-AB63-6E7F0AD34E9B}"/>
               </a:ext>
             </a:extLst>
           </p:cNvPr>
@@ -23901,7 +24029,7 @@
           <p:cNvPr id="41" name="Picture Placeholder 40">
             <a:extLst>
               <a:ext uri="{FF2B5EF4-FFF2-40B4-BE49-F238E27FC236}">
-                <a16:creationId xmlns:a16="http://schemas.microsoft.com/office/drawing/2014/main" id="{B18AACB1-42A2-4B1E-8CE7-58311236AD5E}"/>
+                <a16:creationId xmlns:a16="http://schemas.microsoft.com/office/drawing/2014/main" xmlns="" id="{B18AACB1-42A2-4B1E-8CE7-58311236AD5E}"/>
               </a:ext>
             </a:extLst>
           </p:cNvPr>
@@ -23932,10 +24060,10 @@
           <p:cNvPr id="71" name="Group 70">
             <a:extLst>
               <a:ext uri="{FF2B5EF4-FFF2-40B4-BE49-F238E27FC236}">
-                <a16:creationId xmlns:a16="http://schemas.microsoft.com/office/drawing/2014/main" id="{0B139475-2B26-4CA9-9413-DE741E49F7BB}"/>
+                <a16:creationId xmlns:a16="http://schemas.microsoft.com/office/drawing/2014/main" xmlns="" id="{0B139475-2B26-4CA9-9413-DE741E49F7BB}"/>
               </a:ext>
               <a:ext uri="{C183D7F6-B498-43B3-948B-1728B52AA6E4}">
-                <adec:decorative xmlns:adec="http://schemas.microsoft.com/office/drawing/2017/decorative" val="1"/>
+                <adec:decorative xmlns:adec="http://schemas.microsoft.com/office/drawing/2017/decorative" xmlns="" val="1"/>
               </a:ext>
             </a:extLst>
           </p:cNvPr>
@@ -23945,7 +24073,7 @@
           <p:nvPr>
             <p:extLst>
               <p:ext uri="{386F3935-93C4-4BCD-93E2-E3B085C9AB24}">
-                <p16:designElem xmlns:p16="http://schemas.microsoft.com/office/powerpoint/2015/main" val="1"/>
+                <p16:designElem xmlns:p16="http://schemas.microsoft.com/office/powerpoint/2015/main" xmlns="" val="1"/>
               </p:ext>
             </p:extLst>
           </p:nvPr>
@@ -23963,10 +24091,10 @@
             <p:cNvPr id="72" name="Freeform: Shape 71">
               <a:extLst>
                 <a:ext uri="{FF2B5EF4-FFF2-40B4-BE49-F238E27FC236}">
-                  <a16:creationId xmlns:a16="http://schemas.microsoft.com/office/drawing/2014/main" id="{16C6BF63-6277-4C39-BE5D-3C341662CE4E}"/>
+                  <a16:creationId xmlns:a16="http://schemas.microsoft.com/office/drawing/2014/main" xmlns="" id="{16C6BF63-6277-4C39-BE5D-3C341662CE4E}"/>
                 </a:ext>
                 <a:ext uri="{C183D7F6-B498-43B3-948B-1728B52AA6E4}">
-                  <adec:decorative xmlns:adec="http://schemas.microsoft.com/office/drawing/2017/decorative" val="1"/>
+                  <adec:decorative xmlns:adec="http://schemas.microsoft.com/office/drawing/2017/decorative" xmlns="" val="1"/>
                 </a:ext>
               </a:extLst>
             </p:cNvPr>
@@ -23974,7 +24102,7 @@
             <p:nvPr>
               <p:extLst>
                 <p:ext uri="{386F3935-93C4-4BCD-93E2-E3B085C9AB24}">
-                  <p16:designElem xmlns:p16="http://schemas.microsoft.com/office/powerpoint/2015/main" val="1"/>
+                  <p16:designElem xmlns:p16="http://schemas.microsoft.com/office/powerpoint/2015/main" xmlns="" val="1"/>
                 </p:ext>
               </p:extLst>
             </p:nvPr>
@@ -24199,10 +24327,10 @@
             <p:cNvPr id="73" name="Freeform: Shape 72">
               <a:extLst>
                 <a:ext uri="{FF2B5EF4-FFF2-40B4-BE49-F238E27FC236}">
-                  <a16:creationId xmlns:a16="http://schemas.microsoft.com/office/drawing/2014/main" id="{6EA3BAD9-C130-4A9C-9086-20D132A6CF29}"/>
+                  <a16:creationId xmlns:a16="http://schemas.microsoft.com/office/drawing/2014/main" xmlns="" id="{6EA3BAD9-C130-4A9C-9086-20D132A6CF29}"/>
                 </a:ext>
                 <a:ext uri="{C183D7F6-B498-43B3-948B-1728B52AA6E4}">
-                  <adec:decorative xmlns:adec="http://schemas.microsoft.com/office/drawing/2017/decorative" val="1"/>
+                  <adec:decorative xmlns:adec="http://schemas.microsoft.com/office/drawing/2017/decorative" xmlns="" val="1"/>
                 </a:ext>
               </a:extLst>
             </p:cNvPr>
@@ -24210,7 +24338,7 @@
             <p:nvPr>
               <p:extLst>
                 <p:ext uri="{386F3935-93C4-4BCD-93E2-E3B085C9AB24}">
-                  <p16:designElem xmlns:p16="http://schemas.microsoft.com/office/powerpoint/2015/main" val="1"/>
+                  <p16:designElem xmlns:p16="http://schemas.microsoft.com/office/powerpoint/2015/main" xmlns="" val="1"/>
                 </p:ext>
               </p:extLst>
             </p:nvPr>
@@ -25218,10 +25346,10 @@
             <p:cNvPr id="74" name="Freeform: Shape 73">
               <a:extLst>
                 <a:ext uri="{FF2B5EF4-FFF2-40B4-BE49-F238E27FC236}">
-                  <a16:creationId xmlns:a16="http://schemas.microsoft.com/office/drawing/2014/main" id="{2587D38B-9E07-4A8B-B285-5FEBF6A60DC7}"/>
+                  <a16:creationId xmlns:a16="http://schemas.microsoft.com/office/drawing/2014/main" xmlns="" id="{2587D38B-9E07-4A8B-B285-5FEBF6A60DC7}"/>
                 </a:ext>
                 <a:ext uri="{C183D7F6-B498-43B3-948B-1728B52AA6E4}">
-                  <adec:decorative xmlns:adec="http://schemas.microsoft.com/office/drawing/2017/decorative" val="1"/>
+                  <adec:decorative xmlns:adec="http://schemas.microsoft.com/office/drawing/2017/decorative" xmlns="" val="1"/>
                 </a:ext>
               </a:extLst>
             </p:cNvPr>
@@ -25229,7 +25357,7 @@
             <p:nvPr>
               <p:extLst>
                 <p:ext uri="{386F3935-93C4-4BCD-93E2-E3B085C9AB24}">
-                  <p16:designElem xmlns:p16="http://schemas.microsoft.com/office/powerpoint/2015/main" val="1"/>
+                  <p16:designElem xmlns:p16="http://schemas.microsoft.com/office/powerpoint/2015/main" xmlns="" val="1"/>
                 </p:ext>
               </p:extLst>
             </p:nvPr>
@@ -26219,10 +26347,10 @@
             <p:cNvPr id="75" name="Freeform: Shape 74">
               <a:extLst>
                 <a:ext uri="{FF2B5EF4-FFF2-40B4-BE49-F238E27FC236}">
-                  <a16:creationId xmlns:a16="http://schemas.microsoft.com/office/drawing/2014/main" id="{5EF4DD4B-217B-4346-A2B8-4327936399CA}"/>
+                  <a16:creationId xmlns:a16="http://schemas.microsoft.com/office/drawing/2014/main" xmlns="" id="{5EF4DD4B-217B-4346-A2B8-4327936399CA}"/>
                 </a:ext>
                 <a:ext uri="{C183D7F6-B498-43B3-948B-1728B52AA6E4}">
-                  <adec:decorative xmlns:adec="http://schemas.microsoft.com/office/drawing/2017/decorative" val="1"/>
+                  <adec:decorative xmlns:adec="http://schemas.microsoft.com/office/drawing/2017/decorative" xmlns="" val="1"/>
                 </a:ext>
               </a:extLst>
             </p:cNvPr>
@@ -26230,7 +26358,7 @@
             <p:nvPr>
               <p:extLst>
                 <p:ext uri="{386F3935-93C4-4BCD-93E2-E3B085C9AB24}">
-                  <p16:designElem xmlns:p16="http://schemas.microsoft.com/office/powerpoint/2015/main" val="1"/>
+                  <p16:designElem xmlns:p16="http://schemas.microsoft.com/office/powerpoint/2015/main" xmlns="" val="1"/>
                 </p:ext>
               </p:extLst>
             </p:nvPr>
@@ -27131,7 +27259,7 @@
           <p:cNvPr id="46" name="Subtitle 45">
             <a:extLst>
               <a:ext uri="{FF2B5EF4-FFF2-40B4-BE49-F238E27FC236}">
-                <a16:creationId xmlns:a16="http://schemas.microsoft.com/office/drawing/2014/main" id="{84AA5B14-11B0-4875-B1F5-69DBF1E46D68}"/>
+                <a16:creationId xmlns:a16="http://schemas.microsoft.com/office/drawing/2014/main" xmlns="" id="{84AA5B14-11B0-4875-B1F5-69DBF1E46D68}"/>
               </a:ext>
             </a:extLst>
           </p:cNvPr>
@@ -27193,6 +27321,13 @@
   <p:clrMapOvr>
     <a:masterClrMapping/>
   </p:clrMapOvr>
+  <p:timing>
+    <p:tnLst>
+      <p:par>
+        <p:cTn id="1" dur="indefinite" restart="never" nodeType="tmRoot"/>
+      </p:par>
+    </p:tnLst>
+  </p:timing>
 </p:sld>
 </file>
 
@@ -27212,7 +27347,7 @@
         <p:cNvPr id="1" name="">
           <a:extLst>
             <a:ext uri="{FF2B5EF4-FFF2-40B4-BE49-F238E27FC236}">
-              <a16:creationId xmlns:a16="http://schemas.microsoft.com/office/drawing/2014/main" id="{78D17414-6BDF-C386-5C52-A601AC71A2B9}"/>
+              <a16:creationId xmlns:a16="http://schemas.microsoft.com/office/drawing/2014/main" xmlns="" id="{78D17414-6BDF-C386-5C52-A601AC71A2B9}"/>
             </a:ext>
           </a:extLst>
         </p:cNvPr>
@@ -27232,10 +27367,10 @@
           <p:cNvPr id="10" name="Rectangle 9">
             <a:extLst>
               <a:ext uri="{FF2B5EF4-FFF2-40B4-BE49-F238E27FC236}">
-                <a16:creationId xmlns:a16="http://schemas.microsoft.com/office/drawing/2014/main" id="{86FF76B9-219D-4469-AF87-0236D29032F1}"/>
+                <a16:creationId xmlns:a16="http://schemas.microsoft.com/office/drawing/2014/main" xmlns="" id="{86FF76B9-219D-4469-AF87-0236D29032F1}"/>
               </a:ext>
               <a:ext uri="{C183D7F6-B498-43B3-948B-1728B52AA6E4}">
-                <adec:decorative xmlns:adec="http://schemas.microsoft.com/office/drawing/2017/decorative" val="1"/>
+                <adec:decorative xmlns:adec="http://schemas.microsoft.com/office/drawing/2017/decorative" xmlns="" val="1"/>
               </a:ext>
             </a:extLst>
           </p:cNvPr>
@@ -27245,7 +27380,7 @@
           <p:nvPr>
             <p:extLst>
               <p:ext uri="{386F3935-93C4-4BCD-93E2-E3B085C9AB24}">
-                <p16:designElem xmlns:p16="http://schemas.microsoft.com/office/powerpoint/2015/main" val="1"/>
+                <p16:designElem xmlns:p16="http://schemas.microsoft.com/office/powerpoint/2015/main" xmlns="" val="1"/>
               </p:ext>
             </p:extLst>
           </p:nvPr>
@@ -27295,10 +27430,10 @@
           <p:cNvPr id="12" name="Group 11">
             <a:extLst>
               <a:ext uri="{FF2B5EF4-FFF2-40B4-BE49-F238E27FC236}">
-                <a16:creationId xmlns:a16="http://schemas.microsoft.com/office/drawing/2014/main" id="{DB88BD78-87E1-424D-B479-C37D8E41B12E}"/>
+                <a16:creationId xmlns:a16="http://schemas.microsoft.com/office/drawing/2014/main" xmlns="" id="{DB88BD78-87E1-424D-B479-C37D8E41B12E}"/>
               </a:ext>
               <a:ext uri="{C183D7F6-B498-43B3-948B-1728B52AA6E4}">
-                <adec:decorative xmlns:adec="http://schemas.microsoft.com/office/drawing/2017/decorative" val="1"/>
+                <adec:decorative xmlns:adec="http://schemas.microsoft.com/office/drawing/2017/decorative" xmlns="" val="1"/>
               </a:ext>
             </a:extLst>
           </p:cNvPr>
@@ -27308,7 +27443,7 @@
           <p:nvPr>
             <p:extLst>
               <p:ext uri="{386F3935-93C4-4BCD-93E2-E3B085C9AB24}">
-                <p16:designElem xmlns:p16="http://schemas.microsoft.com/office/powerpoint/2015/main" val="1"/>
+                <p16:designElem xmlns:p16="http://schemas.microsoft.com/office/powerpoint/2015/main" xmlns="" val="1"/>
               </p:ext>
             </p:extLst>
           </p:nvPr>
@@ -27326,10 +27461,10 @@
             <p:cNvPr id="13" name="Freeform: Shape 12">
               <a:extLst>
                 <a:ext uri="{FF2B5EF4-FFF2-40B4-BE49-F238E27FC236}">
-                  <a16:creationId xmlns:a16="http://schemas.microsoft.com/office/drawing/2014/main" id="{C05EB894-9410-4B20-95E4-7A25101AB895}"/>
+                  <a16:creationId xmlns:a16="http://schemas.microsoft.com/office/drawing/2014/main" xmlns="" id="{C05EB894-9410-4B20-95E4-7A25101AB895}"/>
                 </a:ext>
                 <a:ext uri="{C183D7F6-B498-43B3-948B-1728B52AA6E4}">
-                  <adec:decorative xmlns:adec="http://schemas.microsoft.com/office/drawing/2017/decorative" val="1"/>
+                  <adec:decorative xmlns:adec="http://schemas.microsoft.com/office/drawing/2017/decorative" xmlns="" val="1"/>
                 </a:ext>
               </a:extLst>
             </p:cNvPr>
@@ -27337,7 +27472,7 @@
             <p:nvPr>
               <p:extLst>
                 <p:ext uri="{386F3935-93C4-4BCD-93E2-E3B085C9AB24}">
-                  <p16:designElem xmlns:p16="http://schemas.microsoft.com/office/powerpoint/2015/main" val="1"/>
+                  <p16:designElem xmlns:p16="http://schemas.microsoft.com/office/powerpoint/2015/main" xmlns="" val="1"/>
                 </p:ext>
               </p:extLst>
             </p:nvPr>
@@ -27440,10 +27575,10 @@
             <p:cNvPr id="14" name="Rectangle 13">
               <a:extLst>
                 <a:ext uri="{FF2B5EF4-FFF2-40B4-BE49-F238E27FC236}">
-                  <a16:creationId xmlns:a16="http://schemas.microsoft.com/office/drawing/2014/main" id="{166E38B6-B050-4340-8E8F-3A971DADC031}"/>
+                  <a16:creationId xmlns:a16="http://schemas.microsoft.com/office/drawing/2014/main" xmlns="" id="{166E38B6-B050-4340-8E8F-3A971DADC031}"/>
                 </a:ext>
                 <a:ext uri="{C183D7F6-B498-43B3-948B-1728B52AA6E4}">
-                  <adec:decorative xmlns:adec="http://schemas.microsoft.com/office/drawing/2017/decorative" val="1"/>
+                  <adec:decorative xmlns:adec="http://schemas.microsoft.com/office/drawing/2017/decorative" xmlns="" val="1"/>
                 </a:ext>
               </a:extLst>
             </p:cNvPr>
@@ -27451,7 +27586,7 @@
             <p:nvPr>
               <p:extLst>
                 <p:ext uri="{386F3935-93C4-4BCD-93E2-E3B085C9AB24}">
-                  <p16:designElem xmlns:p16="http://schemas.microsoft.com/office/powerpoint/2015/main" val="1"/>
+                  <p16:designElem xmlns:p16="http://schemas.microsoft.com/office/powerpoint/2015/main" xmlns="" val="1"/>
                 </p:ext>
               </p:extLst>
             </p:nvPr>
@@ -27504,10 +27639,10 @@
           <p:cNvPr id="16" name="Rectangle 15">
             <a:extLst>
               <a:ext uri="{FF2B5EF4-FFF2-40B4-BE49-F238E27FC236}">
-                <a16:creationId xmlns:a16="http://schemas.microsoft.com/office/drawing/2014/main" id="{2E80C965-DB6D-4F81-9E9E-B027384D0BD6}"/>
+                <a16:creationId xmlns:a16="http://schemas.microsoft.com/office/drawing/2014/main" xmlns="" id="{2E80C965-DB6D-4F81-9E9E-B027384D0BD6}"/>
               </a:ext>
               <a:ext uri="{C183D7F6-B498-43B3-948B-1728B52AA6E4}">
-                <adec:decorative xmlns:adec="http://schemas.microsoft.com/office/drawing/2017/decorative" val="1"/>
+                <adec:decorative xmlns:adec="http://schemas.microsoft.com/office/drawing/2017/decorative" xmlns="" val="1"/>
               </a:ext>
             </a:extLst>
           </p:cNvPr>
@@ -27517,7 +27652,7 @@
           <p:nvPr>
             <p:extLst>
               <p:ext uri="{386F3935-93C4-4BCD-93E2-E3B085C9AB24}">
-                <p16:designElem xmlns:p16="http://schemas.microsoft.com/office/powerpoint/2015/main" val="1"/>
+                <p16:designElem xmlns:p16="http://schemas.microsoft.com/office/powerpoint/2015/main" xmlns="" val="1"/>
               </p:ext>
             </p:extLst>
           </p:nvPr>
@@ -27569,10 +27704,10 @@
           <p:cNvPr id="18" name="Isosceles Triangle 17">
             <a:extLst>
               <a:ext uri="{FF2B5EF4-FFF2-40B4-BE49-F238E27FC236}">
-                <a16:creationId xmlns:a16="http://schemas.microsoft.com/office/drawing/2014/main" id="{633C5E46-DAC5-4661-9C87-22B08E2A512F}"/>
+                <a16:creationId xmlns:a16="http://schemas.microsoft.com/office/drawing/2014/main" xmlns="" id="{633C5E46-DAC5-4661-9C87-22B08E2A512F}"/>
               </a:ext>
               <a:ext uri="{C183D7F6-B498-43B3-948B-1728B52AA6E4}">
-                <adec:decorative xmlns:adec="http://schemas.microsoft.com/office/drawing/2017/decorative" val="1"/>
+                <adec:decorative xmlns:adec="http://schemas.microsoft.com/office/drawing/2017/decorative" xmlns="" val="1"/>
               </a:ext>
             </a:extLst>
           </p:cNvPr>
@@ -27582,7 +27717,7 @@
           <p:nvPr>
             <p:extLst>
               <p:ext uri="{386F3935-93C4-4BCD-93E2-E3B085C9AB24}">
-                <p16:designElem xmlns:p16="http://schemas.microsoft.com/office/powerpoint/2015/main" val="1"/>
+                <p16:designElem xmlns:p16="http://schemas.microsoft.com/office/powerpoint/2015/main" xmlns="" val="1"/>
               </p:ext>
             </p:extLst>
           </p:nvPr>
@@ -27636,7 +27771,7 @@
           <p:cNvPr id="5" name="Picture Placeholder 4">
             <a:extLst>
               <a:ext uri="{FF2B5EF4-FFF2-40B4-BE49-F238E27FC236}">
-                <a16:creationId xmlns:a16="http://schemas.microsoft.com/office/drawing/2014/main" id="{CBCC0BE6-EB61-08BE-FD31-B46AA7CFC7F7}"/>
+                <a16:creationId xmlns:a16="http://schemas.microsoft.com/office/drawing/2014/main" xmlns="" id="{CBCC0BE6-EB61-08BE-FD31-B46AA7CFC7F7}"/>
               </a:ext>
             </a:extLst>
           </p:cNvPr>
@@ -27670,7 +27805,7 @@
           <p:cNvPr id="4" name="TextBox 3">
             <a:extLst>
               <a:ext uri="{FF2B5EF4-FFF2-40B4-BE49-F238E27FC236}">
-                <a16:creationId xmlns:a16="http://schemas.microsoft.com/office/drawing/2014/main" id="{A6A82067-850F-1CD6-781C-6907FC8631D7}"/>
+                <a16:creationId xmlns:a16="http://schemas.microsoft.com/office/drawing/2014/main" xmlns="" id="{A6A82067-850F-1CD6-781C-6907FC8631D7}"/>
               </a:ext>
             </a:extLst>
           </p:cNvPr>
@@ -27708,7 +27843,7 @@
           <p:cNvPr id="6" name="TextBox 5">
             <a:extLst>
               <a:ext uri="{FF2B5EF4-FFF2-40B4-BE49-F238E27FC236}">
-                <a16:creationId xmlns:a16="http://schemas.microsoft.com/office/drawing/2014/main" id="{A4920DB4-C2CE-8F7B-9D1B-B57AAA6A13F1}"/>
+                <a16:creationId xmlns:a16="http://schemas.microsoft.com/office/drawing/2014/main" xmlns="" id="{A4920DB4-C2CE-8F7B-9D1B-B57AAA6A13F1}"/>
               </a:ext>
             </a:extLst>
           </p:cNvPr>
@@ -27805,7 +27940,7 @@
           <p:cNvPr id="7" name="TextBox 6">
             <a:extLst>
               <a:ext uri="{FF2B5EF4-FFF2-40B4-BE49-F238E27FC236}">
-                <a16:creationId xmlns:a16="http://schemas.microsoft.com/office/drawing/2014/main" id="{1A367EE2-1EEB-5119-096B-97AF2AD9377A}"/>
+                <a16:creationId xmlns:a16="http://schemas.microsoft.com/office/drawing/2014/main" xmlns="" id="{1A367EE2-1EEB-5119-096B-97AF2AD9377A}"/>
               </a:ext>
             </a:extLst>
           </p:cNvPr>
@@ -27874,6 +28009,13 @@
   <p:clrMapOvr>
     <a:masterClrMapping/>
   </p:clrMapOvr>
+  <p:timing>
+    <p:tnLst>
+      <p:par>
+        <p:cTn id="1" dur="indefinite" restart="never" nodeType="tmRoot"/>
+      </p:par>
+    </p:tnLst>
+  </p:timing>
 </p:sld>
 </file>
 
@@ -27907,10 +28049,10 @@
           <p:cNvPr id="27" name="Rectangle 26">
             <a:extLst>
               <a:ext uri="{FF2B5EF4-FFF2-40B4-BE49-F238E27FC236}">
-                <a16:creationId xmlns:a16="http://schemas.microsoft.com/office/drawing/2014/main" id="{F3060C83-F051-4F0E-ABAD-AA0DFC48B218}"/>
+                <a16:creationId xmlns:a16="http://schemas.microsoft.com/office/drawing/2014/main" xmlns="" id="{F3060C83-F051-4F0E-ABAD-AA0DFC48B218}"/>
               </a:ext>
               <a:ext uri="{C183D7F6-B498-43B3-948B-1728B52AA6E4}">
-                <adec:decorative xmlns:adec="http://schemas.microsoft.com/office/drawing/2017/decorative" val="1"/>
+                <adec:decorative xmlns:adec="http://schemas.microsoft.com/office/drawing/2017/decorative" xmlns="" val="1"/>
               </a:ext>
             </a:extLst>
           </p:cNvPr>
@@ -27920,7 +28062,7 @@
           <p:nvPr>
             <p:extLst>
               <p:ext uri="{386F3935-93C4-4BCD-93E2-E3B085C9AB24}">
-                <p16:designElem xmlns:p16="http://schemas.microsoft.com/office/powerpoint/2015/main" val="1"/>
+                <p16:designElem xmlns:p16="http://schemas.microsoft.com/office/powerpoint/2015/main" xmlns="" val="1"/>
               </p:ext>
             </p:extLst>
           </p:nvPr>
@@ -27970,10 +28112,10 @@
           <p:cNvPr id="29" name="Freeform: Shape 28">
             <a:extLst>
               <a:ext uri="{FF2B5EF4-FFF2-40B4-BE49-F238E27FC236}">
-                <a16:creationId xmlns:a16="http://schemas.microsoft.com/office/drawing/2014/main" id="{83C98ABE-055B-441F-B07E-44F97F083C39}"/>
+                <a16:creationId xmlns:a16="http://schemas.microsoft.com/office/drawing/2014/main" xmlns="" id="{83C98ABE-055B-441F-B07E-44F97F083C39}"/>
               </a:ext>
               <a:ext uri="{C183D7F6-B498-43B3-948B-1728B52AA6E4}">
-                <adec:decorative xmlns:adec="http://schemas.microsoft.com/office/drawing/2017/decorative" val="1"/>
+                <adec:decorative xmlns:adec="http://schemas.microsoft.com/office/drawing/2017/decorative" xmlns="" val="1"/>
               </a:ext>
             </a:extLst>
           </p:cNvPr>
@@ -27983,7 +28125,7 @@
           <p:nvPr>
             <p:extLst>
               <p:ext uri="{386F3935-93C4-4BCD-93E2-E3B085C9AB24}">
-                <p16:designElem xmlns:p16="http://schemas.microsoft.com/office/powerpoint/2015/main" val="1"/>
+                <p16:designElem xmlns:p16="http://schemas.microsoft.com/office/powerpoint/2015/main" xmlns="" val="1"/>
               </p:ext>
             </p:extLst>
           </p:nvPr>
@@ -28086,10 +28228,10 @@
           <p:cNvPr id="31" name="Rectangle 30">
             <a:extLst>
               <a:ext uri="{FF2B5EF4-FFF2-40B4-BE49-F238E27FC236}">
-                <a16:creationId xmlns:a16="http://schemas.microsoft.com/office/drawing/2014/main" id="{29FDB030-9B49-4CED-8CCD-4D99382388AC}"/>
+                <a16:creationId xmlns:a16="http://schemas.microsoft.com/office/drawing/2014/main" xmlns="" id="{29FDB030-9B49-4CED-8CCD-4D99382388AC}"/>
               </a:ext>
               <a:ext uri="{C183D7F6-B498-43B3-948B-1728B52AA6E4}">
-                <adec:decorative xmlns:adec="http://schemas.microsoft.com/office/drawing/2017/decorative" val="1"/>
+                <adec:decorative xmlns:adec="http://schemas.microsoft.com/office/drawing/2017/decorative" xmlns="" val="1"/>
               </a:ext>
             </a:extLst>
           </p:cNvPr>
@@ -28099,7 +28241,7 @@
           <p:nvPr>
             <p:extLst>
               <p:ext uri="{386F3935-93C4-4BCD-93E2-E3B085C9AB24}">
-                <p16:designElem xmlns:p16="http://schemas.microsoft.com/office/powerpoint/2015/main" val="1"/>
+                <p16:designElem xmlns:p16="http://schemas.microsoft.com/office/powerpoint/2015/main" xmlns="" val="1"/>
               </p:ext>
             </p:extLst>
           </p:nvPr>
@@ -28151,10 +28293,10 @@
           <p:cNvPr id="33" name="Rectangle 32">
             <a:extLst>
               <a:ext uri="{FF2B5EF4-FFF2-40B4-BE49-F238E27FC236}">
-                <a16:creationId xmlns:a16="http://schemas.microsoft.com/office/drawing/2014/main" id="{3783CA14-24A1-485C-8B30-D6A5D87987AD}"/>
+                <a16:creationId xmlns:a16="http://schemas.microsoft.com/office/drawing/2014/main" xmlns="" id="{3783CA14-24A1-485C-8B30-D6A5D87987AD}"/>
               </a:ext>
               <a:ext uri="{C183D7F6-B498-43B3-948B-1728B52AA6E4}">
-                <adec:decorative xmlns:adec="http://schemas.microsoft.com/office/drawing/2017/decorative" val="1"/>
+                <adec:decorative xmlns:adec="http://schemas.microsoft.com/office/drawing/2017/decorative" xmlns="" val="1"/>
               </a:ext>
             </a:extLst>
           </p:cNvPr>
@@ -28164,7 +28306,7 @@
           <p:nvPr>
             <p:extLst>
               <p:ext uri="{386F3935-93C4-4BCD-93E2-E3B085C9AB24}">
-                <p16:designElem xmlns:p16="http://schemas.microsoft.com/office/powerpoint/2015/main" val="1"/>
+                <p16:designElem xmlns:p16="http://schemas.microsoft.com/office/powerpoint/2015/main" xmlns="" val="1"/>
               </p:ext>
             </p:extLst>
           </p:nvPr>
@@ -28216,10 +28358,10 @@
           <p:cNvPr id="35" name="Freeform: Shape 34">
             <a:extLst>
               <a:ext uri="{FF2B5EF4-FFF2-40B4-BE49-F238E27FC236}">
-                <a16:creationId xmlns:a16="http://schemas.microsoft.com/office/drawing/2014/main" id="{9A97C86A-04D6-40F7-AE84-31AB43E6A846}"/>
+                <a16:creationId xmlns:a16="http://schemas.microsoft.com/office/drawing/2014/main" xmlns="" id="{9A97C86A-04D6-40F7-AE84-31AB43E6A846}"/>
               </a:ext>
               <a:ext uri="{C183D7F6-B498-43B3-948B-1728B52AA6E4}">
-                <adec:decorative xmlns:adec="http://schemas.microsoft.com/office/drawing/2017/decorative" val="1"/>
+                <adec:decorative xmlns:adec="http://schemas.microsoft.com/office/drawing/2017/decorative" xmlns="" val="1"/>
               </a:ext>
             </a:extLst>
           </p:cNvPr>
@@ -28229,7 +28371,7 @@
           <p:nvPr>
             <p:extLst>
               <p:ext uri="{386F3935-93C4-4BCD-93E2-E3B085C9AB24}">
-                <p16:designElem xmlns:p16="http://schemas.microsoft.com/office/powerpoint/2015/main" val="1"/>
+                <p16:designElem xmlns:p16="http://schemas.microsoft.com/office/powerpoint/2015/main" xmlns="" val="1"/>
               </p:ext>
             </p:extLst>
           </p:nvPr>
@@ -28326,10 +28468,10 @@
           <p:cNvPr id="37" name="Isosceles Triangle 36">
             <a:extLst>
               <a:ext uri="{FF2B5EF4-FFF2-40B4-BE49-F238E27FC236}">
-                <a16:creationId xmlns:a16="http://schemas.microsoft.com/office/drawing/2014/main" id="{FF9F2414-84E8-453E-B1F3-389FDE8192D9}"/>
+                <a16:creationId xmlns:a16="http://schemas.microsoft.com/office/drawing/2014/main" xmlns="" id="{FF9F2414-84E8-453E-B1F3-389FDE8192D9}"/>
               </a:ext>
               <a:ext uri="{C183D7F6-B498-43B3-948B-1728B52AA6E4}">
-                <adec:decorative xmlns:adec="http://schemas.microsoft.com/office/drawing/2017/decorative" val="1"/>
+                <adec:decorative xmlns:adec="http://schemas.microsoft.com/office/drawing/2017/decorative" xmlns="" val="1"/>
               </a:ext>
             </a:extLst>
           </p:cNvPr>
@@ -28339,7 +28481,7 @@
           <p:nvPr>
             <p:extLst>
               <p:ext uri="{386F3935-93C4-4BCD-93E2-E3B085C9AB24}">
-                <p16:designElem xmlns:p16="http://schemas.microsoft.com/office/powerpoint/2015/main" val="1"/>
+                <p16:designElem xmlns:p16="http://schemas.microsoft.com/office/powerpoint/2015/main" xmlns="" val="1"/>
               </p:ext>
             </p:extLst>
           </p:nvPr>
@@ -28391,7 +28533,7 @@
           <p:cNvPr id="22" name="Picture Placeholder 21">
             <a:extLst>
               <a:ext uri="{FF2B5EF4-FFF2-40B4-BE49-F238E27FC236}">
-                <a16:creationId xmlns:a16="http://schemas.microsoft.com/office/drawing/2014/main" id="{0916C1A5-630A-2B78-E639-0A2051E47CA1}"/>
+                <a16:creationId xmlns:a16="http://schemas.microsoft.com/office/drawing/2014/main" xmlns="" id="{0916C1A5-630A-2B78-E639-0A2051E47CA1}"/>
               </a:ext>
             </a:extLst>
           </p:cNvPr>
@@ -28425,10 +28567,10 @@
           <p:cNvPr id="39" name="Isosceles Triangle 38">
             <a:extLst>
               <a:ext uri="{FF2B5EF4-FFF2-40B4-BE49-F238E27FC236}">
-                <a16:creationId xmlns:a16="http://schemas.microsoft.com/office/drawing/2014/main" id="{3ECA69A1-7536-43AC-85EF-C7106179F5ED}"/>
+                <a16:creationId xmlns:a16="http://schemas.microsoft.com/office/drawing/2014/main" xmlns="" id="{3ECA69A1-7536-43AC-85EF-C7106179F5ED}"/>
               </a:ext>
               <a:ext uri="{C183D7F6-B498-43B3-948B-1728B52AA6E4}">
-                <adec:decorative xmlns:adec="http://schemas.microsoft.com/office/drawing/2017/decorative" val="1"/>
+                <adec:decorative xmlns:adec="http://schemas.microsoft.com/office/drawing/2017/decorative" xmlns="" val="1"/>
               </a:ext>
             </a:extLst>
           </p:cNvPr>
@@ -28438,7 +28580,7 @@
           <p:nvPr>
             <p:extLst>
               <p:ext uri="{386F3935-93C4-4BCD-93E2-E3B085C9AB24}">
-                <p16:designElem xmlns:p16="http://schemas.microsoft.com/office/powerpoint/2015/main" val="1"/>
+                <p16:designElem xmlns:p16="http://schemas.microsoft.com/office/powerpoint/2015/main" xmlns="" val="1"/>
               </p:ext>
             </p:extLst>
           </p:nvPr>
@@ -28490,7 +28632,7 @@
           <p:cNvPr id="26" name="TextBox 25">
             <a:extLst>
               <a:ext uri="{FF2B5EF4-FFF2-40B4-BE49-F238E27FC236}">
-                <a16:creationId xmlns:a16="http://schemas.microsoft.com/office/drawing/2014/main" id="{D502CC51-A9FD-C5BF-A2CF-3C3A5B2FF1EE}"/>
+                <a16:creationId xmlns:a16="http://schemas.microsoft.com/office/drawing/2014/main" xmlns="" id="{D502CC51-A9FD-C5BF-A2CF-3C3A5B2FF1EE}"/>
               </a:ext>
             </a:extLst>
           </p:cNvPr>
@@ -28528,7 +28670,7 @@
           <p:cNvPr id="28" name="TextBox 27">
             <a:extLst>
               <a:ext uri="{FF2B5EF4-FFF2-40B4-BE49-F238E27FC236}">
-                <a16:creationId xmlns:a16="http://schemas.microsoft.com/office/drawing/2014/main" id="{47AF6F8F-D018-2350-B83D-4C889AC4610F}"/>
+                <a16:creationId xmlns:a16="http://schemas.microsoft.com/office/drawing/2014/main" xmlns="" id="{47AF6F8F-D018-2350-B83D-4C889AC4610F}"/>
               </a:ext>
             </a:extLst>
           </p:cNvPr>
@@ -28644,6 +28786,13 @@
   <p:clrMapOvr>
     <a:masterClrMapping/>
   </p:clrMapOvr>
+  <p:timing>
+    <p:tnLst>
+      <p:par>
+        <p:cTn id="1" dur="indefinite" restart="never" nodeType="tmRoot"/>
+      </p:par>
+    </p:tnLst>
+  </p:timing>
 </p:sld>
 </file>
 
@@ -28663,7 +28812,7 @@
         <p:cNvPr id="1" name="">
           <a:extLst>
             <a:ext uri="{FF2B5EF4-FFF2-40B4-BE49-F238E27FC236}">
-              <a16:creationId xmlns:a16="http://schemas.microsoft.com/office/drawing/2014/main" id="{43721567-CC8A-A7F3-20FA-1E041D14A7EC}"/>
+              <a16:creationId xmlns:a16="http://schemas.microsoft.com/office/drawing/2014/main" xmlns="" id="{43721567-CC8A-A7F3-20FA-1E041D14A7EC}"/>
             </a:ext>
           </a:extLst>
         </p:cNvPr>
@@ -28683,10 +28832,10 @@
           <p:cNvPr id="27" name="Rectangle 26">
             <a:extLst>
               <a:ext uri="{FF2B5EF4-FFF2-40B4-BE49-F238E27FC236}">
-                <a16:creationId xmlns:a16="http://schemas.microsoft.com/office/drawing/2014/main" id="{86FF76B9-219D-4469-AF87-0236D29032F1}"/>
+                <a16:creationId xmlns:a16="http://schemas.microsoft.com/office/drawing/2014/main" xmlns="" id="{86FF76B9-219D-4469-AF87-0236D29032F1}"/>
               </a:ext>
               <a:ext uri="{C183D7F6-B498-43B3-948B-1728B52AA6E4}">
-                <adec:decorative xmlns:adec="http://schemas.microsoft.com/office/drawing/2017/decorative" val="1"/>
+                <adec:decorative xmlns:adec="http://schemas.microsoft.com/office/drawing/2017/decorative" xmlns="" val="1"/>
               </a:ext>
             </a:extLst>
           </p:cNvPr>
@@ -28696,7 +28845,7 @@
           <p:nvPr>
             <p:extLst>
               <p:ext uri="{386F3935-93C4-4BCD-93E2-E3B085C9AB24}">
-                <p16:designElem xmlns:p16="http://schemas.microsoft.com/office/powerpoint/2015/main" val="1"/>
+                <p16:designElem xmlns:p16="http://schemas.microsoft.com/office/powerpoint/2015/main" xmlns="" val="1"/>
               </p:ext>
             </p:extLst>
           </p:nvPr>
@@ -28746,10 +28895,10 @@
           <p:cNvPr id="29" name="Group 28">
             <a:extLst>
               <a:ext uri="{FF2B5EF4-FFF2-40B4-BE49-F238E27FC236}">
-                <a16:creationId xmlns:a16="http://schemas.microsoft.com/office/drawing/2014/main" id="{DB88BD78-87E1-424D-B479-C37D8E41B12E}"/>
+                <a16:creationId xmlns:a16="http://schemas.microsoft.com/office/drawing/2014/main" xmlns="" id="{DB88BD78-87E1-424D-B479-C37D8E41B12E}"/>
               </a:ext>
               <a:ext uri="{C183D7F6-B498-43B3-948B-1728B52AA6E4}">
-                <adec:decorative xmlns:adec="http://schemas.microsoft.com/office/drawing/2017/decorative" val="1"/>
+                <adec:decorative xmlns:adec="http://schemas.microsoft.com/office/drawing/2017/decorative" xmlns="" val="1"/>
               </a:ext>
             </a:extLst>
           </p:cNvPr>
@@ -28759,7 +28908,7 @@
           <p:nvPr>
             <p:extLst>
               <p:ext uri="{386F3935-93C4-4BCD-93E2-E3B085C9AB24}">
-                <p16:designElem xmlns:p16="http://schemas.microsoft.com/office/powerpoint/2015/main" val="1"/>
+                <p16:designElem xmlns:p16="http://schemas.microsoft.com/office/powerpoint/2015/main" xmlns="" val="1"/>
               </p:ext>
             </p:extLst>
           </p:nvPr>
@@ -28777,10 +28926,10 @@
             <p:cNvPr id="30" name="Freeform: Shape 29">
               <a:extLst>
                 <a:ext uri="{FF2B5EF4-FFF2-40B4-BE49-F238E27FC236}">
-                  <a16:creationId xmlns:a16="http://schemas.microsoft.com/office/drawing/2014/main" id="{C05EB894-9410-4B20-95E4-7A25101AB895}"/>
+                  <a16:creationId xmlns:a16="http://schemas.microsoft.com/office/drawing/2014/main" xmlns="" id="{C05EB894-9410-4B20-95E4-7A25101AB895}"/>
                 </a:ext>
                 <a:ext uri="{C183D7F6-B498-43B3-948B-1728B52AA6E4}">
-                  <adec:decorative xmlns:adec="http://schemas.microsoft.com/office/drawing/2017/decorative" val="1"/>
+                  <adec:decorative xmlns:adec="http://schemas.microsoft.com/office/drawing/2017/decorative" xmlns="" val="1"/>
                 </a:ext>
               </a:extLst>
             </p:cNvPr>
@@ -28788,7 +28937,7 @@
             <p:nvPr>
               <p:extLst>
                 <p:ext uri="{386F3935-93C4-4BCD-93E2-E3B085C9AB24}">
-                  <p16:designElem xmlns:p16="http://schemas.microsoft.com/office/powerpoint/2015/main" val="1"/>
+                  <p16:designElem xmlns:p16="http://schemas.microsoft.com/office/powerpoint/2015/main" xmlns="" val="1"/>
                 </p:ext>
               </p:extLst>
             </p:nvPr>
@@ -28891,10 +29040,10 @@
             <p:cNvPr id="31" name="Rectangle 30">
               <a:extLst>
                 <a:ext uri="{FF2B5EF4-FFF2-40B4-BE49-F238E27FC236}">
-                  <a16:creationId xmlns:a16="http://schemas.microsoft.com/office/drawing/2014/main" id="{166E38B6-B050-4340-8E8F-3A971DADC031}"/>
+                  <a16:creationId xmlns:a16="http://schemas.microsoft.com/office/drawing/2014/main" xmlns="" id="{166E38B6-B050-4340-8E8F-3A971DADC031}"/>
                 </a:ext>
                 <a:ext uri="{C183D7F6-B498-43B3-948B-1728B52AA6E4}">
-                  <adec:decorative xmlns:adec="http://schemas.microsoft.com/office/drawing/2017/decorative" val="1"/>
+                  <adec:decorative xmlns:adec="http://schemas.microsoft.com/office/drawing/2017/decorative" xmlns="" val="1"/>
                 </a:ext>
               </a:extLst>
             </p:cNvPr>
@@ -28902,7 +29051,7 @@
             <p:nvPr>
               <p:extLst>
                 <p:ext uri="{386F3935-93C4-4BCD-93E2-E3B085C9AB24}">
-                  <p16:designElem xmlns:p16="http://schemas.microsoft.com/office/powerpoint/2015/main" val="1"/>
+                  <p16:designElem xmlns:p16="http://schemas.microsoft.com/office/powerpoint/2015/main" xmlns="" val="1"/>
                 </p:ext>
               </p:extLst>
             </p:nvPr>
@@ -28955,10 +29104,10 @@
           <p:cNvPr id="33" name="Rectangle 32">
             <a:extLst>
               <a:ext uri="{FF2B5EF4-FFF2-40B4-BE49-F238E27FC236}">
-                <a16:creationId xmlns:a16="http://schemas.microsoft.com/office/drawing/2014/main" id="{2E80C965-DB6D-4F81-9E9E-B027384D0BD6}"/>
+                <a16:creationId xmlns:a16="http://schemas.microsoft.com/office/drawing/2014/main" xmlns="" id="{2E80C965-DB6D-4F81-9E9E-B027384D0BD6}"/>
               </a:ext>
               <a:ext uri="{C183D7F6-B498-43B3-948B-1728B52AA6E4}">
-                <adec:decorative xmlns:adec="http://schemas.microsoft.com/office/drawing/2017/decorative" val="1"/>
+                <adec:decorative xmlns:adec="http://schemas.microsoft.com/office/drawing/2017/decorative" xmlns="" val="1"/>
               </a:ext>
             </a:extLst>
           </p:cNvPr>
@@ -28968,7 +29117,7 @@
           <p:nvPr>
             <p:extLst>
               <p:ext uri="{386F3935-93C4-4BCD-93E2-E3B085C9AB24}">
-                <p16:designElem xmlns:p16="http://schemas.microsoft.com/office/powerpoint/2015/main" val="1"/>
+                <p16:designElem xmlns:p16="http://schemas.microsoft.com/office/powerpoint/2015/main" xmlns="" val="1"/>
               </p:ext>
             </p:extLst>
           </p:nvPr>
@@ -29020,10 +29169,10 @@
           <p:cNvPr id="35" name="Isosceles Triangle 34">
             <a:extLst>
               <a:ext uri="{FF2B5EF4-FFF2-40B4-BE49-F238E27FC236}">
-                <a16:creationId xmlns:a16="http://schemas.microsoft.com/office/drawing/2014/main" id="{633C5E46-DAC5-4661-9C87-22B08E2A512F}"/>
+                <a16:creationId xmlns:a16="http://schemas.microsoft.com/office/drawing/2014/main" xmlns="" id="{633C5E46-DAC5-4661-9C87-22B08E2A512F}"/>
               </a:ext>
               <a:ext uri="{C183D7F6-B498-43B3-948B-1728B52AA6E4}">
-                <adec:decorative xmlns:adec="http://schemas.microsoft.com/office/drawing/2017/decorative" val="1"/>
+                <adec:decorative xmlns:adec="http://schemas.microsoft.com/office/drawing/2017/decorative" xmlns="" val="1"/>
               </a:ext>
             </a:extLst>
           </p:cNvPr>
@@ -29033,7 +29182,7 @@
           <p:nvPr>
             <p:extLst>
               <p:ext uri="{386F3935-93C4-4BCD-93E2-E3B085C9AB24}">
-                <p16:designElem xmlns:p16="http://schemas.microsoft.com/office/powerpoint/2015/main" val="1"/>
+                <p16:designElem xmlns:p16="http://schemas.microsoft.com/office/powerpoint/2015/main" xmlns="" val="1"/>
               </p:ext>
             </p:extLst>
           </p:nvPr>
@@ -29087,7 +29236,7 @@
           <p:cNvPr id="4" name="TextBox 3">
             <a:extLst>
               <a:ext uri="{FF2B5EF4-FFF2-40B4-BE49-F238E27FC236}">
-                <a16:creationId xmlns:a16="http://schemas.microsoft.com/office/drawing/2014/main" id="{AA30CD2F-F220-0E5F-544F-FC701E5F9F6A}"/>
+                <a16:creationId xmlns:a16="http://schemas.microsoft.com/office/drawing/2014/main" xmlns="" id="{AA30CD2F-F220-0E5F-544F-FC701E5F9F6A}"/>
               </a:ext>
             </a:extLst>
           </p:cNvPr>
@@ -29125,7 +29274,7 @@
           <p:cNvPr id="6" name="Picture 5">
             <a:extLst>
               <a:ext uri="{FF2B5EF4-FFF2-40B4-BE49-F238E27FC236}">
-                <a16:creationId xmlns:a16="http://schemas.microsoft.com/office/drawing/2014/main" id="{F127BFC5-8A1A-BE1F-89FE-44FA39B50501}"/>
+                <a16:creationId xmlns:a16="http://schemas.microsoft.com/office/drawing/2014/main" xmlns="" id="{F127BFC5-8A1A-BE1F-89FE-44FA39B50501}"/>
               </a:ext>
             </a:extLst>
           </p:cNvPr>
@@ -29155,7 +29304,7 @@
           <p:cNvPr id="2" name="TextBox 1">
             <a:extLst>
               <a:ext uri="{FF2B5EF4-FFF2-40B4-BE49-F238E27FC236}">
-                <a16:creationId xmlns:a16="http://schemas.microsoft.com/office/drawing/2014/main" id="{8563F755-11F5-A0B7-B0CD-FD86CB286958}"/>
+                <a16:creationId xmlns:a16="http://schemas.microsoft.com/office/drawing/2014/main" xmlns="" id="{8563F755-11F5-A0B7-B0CD-FD86CB286958}"/>
               </a:ext>
             </a:extLst>
           </p:cNvPr>
@@ -29198,6 +29347,13 @@
   <p:clrMapOvr>
     <a:masterClrMapping/>
   </p:clrMapOvr>
+  <p:timing>
+    <p:tnLst>
+      <p:par>
+        <p:cTn id="1" dur="indefinite" restart="never" nodeType="tmRoot"/>
+      </p:par>
+    </p:tnLst>
+  </p:timing>
 </p:sld>
 </file>
 
@@ -29217,7 +29373,7 @@
         <p:cNvPr id="1" name="">
           <a:extLst>
             <a:ext uri="{FF2B5EF4-FFF2-40B4-BE49-F238E27FC236}">
-              <a16:creationId xmlns:a16="http://schemas.microsoft.com/office/drawing/2014/main" id="{43721567-CC8A-A7F3-20FA-1E041D14A7EC}"/>
+              <a16:creationId xmlns:a16="http://schemas.microsoft.com/office/drawing/2014/main" xmlns="" id="{43721567-CC8A-A7F3-20FA-1E041D14A7EC}"/>
             </a:ext>
           </a:extLst>
         </p:cNvPr>
@@ -29237,10 +29393,10 @@
           <p:cNvPr id="27" name="Rectangle 26">
             <a:extLst>
               <a:ext uri="{FF2B5EF4-FFF2-40B4-BE49-F238E27FC236}">
-                <a16:creationId xmlns:a16="http://schemas.microsoft.com/office/drawing/2014/main" id="{86FF76B9-219D-4469-AF87-0236D29032F1}"/>
+                <a16:creationId xmlns:a16="http://schemas.microsoft.com/office/drawing/2014/main" xmlns="" id="{86FF76B9-219D-4469-AF87-0236D29032F1}"/>
               </a:ext>
               <a:ext uri="{C183D7F6-B498-43B3-948B-1728B52AA6E4}">
-                <adec:decorative xmlns:adec="http://schemas.microsoft.com/office/drawing/2017/decorative" val="1"/>
+                <adec:decorative xmlns:adec="http://schemas.microsoft.com/office/drawing/2017/decorative" xmlns="" val="1"/>
               </a:ext>
             </a:extLst>
           </p:cNvPr>
@@ -29250,7 +29406,7 @@
           <p:nvPr>
             <p:extLst>
               <p:ext uri="{386F3935-93C4-4BCD-93E2-E3B085C9AB24}">
-                <p16:designElem xmlns:p16="http://schemas.microsoft.com/office/powerpoint/2015/main" val="1"/>
+                <p16:designElem xmlns:p16="http://schemas.microsoft.com/office/powerpoint/2015/main" xmlns="" val="1"/>
               </p:ext>
             </p:extLst>
           </p:nvPr>
@@ -29300,10 +29456,10 @@
           <p:cNvPr id="29" name="Group 28">
             <a:extLst>
               <a:ext uri="{FF2B5EF4-FFF2-40B4-BE49-F238E27FC236}">
-                <a16:creationId xmlns:a16="http://schemas.microsoft.com/office/drawing/2014/main" id="{DB88BD78-87E1-424D-B479-C37D8E41B12E}"/>
+                <a16:creationId xmlns:a16="http://schemas.microsoft.com/office/drawing/2014/main" xmlns="" id="{DB88BD78-87E1-424D-B479-C37D8E41B12E}"/>
               </a:ext>
               <a:ext uri="{C183D7F6-B498-43B3-948B-1728B52AA6E4}">
-                <adec:decorative xmlns:adec="http://schemas.microsoft.com/office/drawing/2017/decorative" val="1"/>
+                <adec:decorative xmlns:adec="http://schemas.microsoft.com/office/drawing/2017/decorative" xmlns="" val="1"/>
               </a:ext>
             </a:extLst>
           </p:cNvPr>
@@ -29313,7 +29469,7 @@
           <p:nvPr>
             <p:extLst>
               <p:ext uri="{386F3935-93C4-4BCD-93E2-E3B085C9AB24}">
-                <p16:designElem xmlns:p16="http://schemas.microsoft.com/office/powerpoint/2015/main" val="1"/>
+                <p16:designElem xmlns:p16="http://schemas.microsoft.com/office/powerpoint/2015/main" xmlns="" val="1"/>
               </p:ext>
             </p:extLst>
           </p:nvPr>
@@ -29331,10 +29487,10 @@
             <p:cNvPr id="30" name="Freeform: Shape 29">
               <a:extLst>
                 <a:ext uri="{FF2B5EF4-FFF2-40B4-BE49-F238E27FC236}">
-                  <a16:creationId xmlns:a16="http://schemas.microsoft.com/office/drawing/2014/main" id="{C05EB894-9410-4B20-95E4-7A25101AB895}"/>
+                  <a16:creationId xmlns:a16="http://schemas.microsoft.com/office/drawing/2014/main" xmlns="" id="{C05EB894-9410-4B20-95E4-7A25101AB895}"/>
                 </a:ext>
                 <a:ext uri="{C183D7F6-B498-43B3-948B-1728B52AA6E4}">
-                  <adec:decorative xmlns:adec="http://schemas.microsoft.com/office/drawing/2017/decorative" val="1"/>
+                  <adec:decorative xmlns:adec="http://schemas.microsoft.com/office/drawing/2017/decorative" xmlns="" val="1"/>
                 </a:ext>
               </a:extLst>
             </p:cNvPr>
@@ -29342,7 +29498,7 @@
             <p:nvPr>
               <p:extLst>
                 <p:ext uri="{386F3935-93C4-4BCD-93E2-E3B085C9AB24}">
-                  <p16:designElem xmlns:p16="http://schemas.microsoft.com/office/powerpoint/2015/main" val="1"/>
+                  <p16:designElem xmlns:p16="http://schemas.microsoft.com/office/powerpoint/2015/main" xmlns="" val="1"/>
                 </p:ext>
               </p:extLst>
             </p:nvPr>
@@ -29445,10 +29601,10 @@
             <p:cNvPr id="31" name="Rectangle 30">
               <a:extLst>
                 <a:ext uri="{FF2B5EF4-FFF2-40B4-BE49-F238E27FC236}">
-                  <a16:creationId xmlns:a16="http://schemas.microsoft.com/office/drawing/2014/main" id="{166E38B6-B050-4340-8E8F-3A971DADC031}"/>
+                  <a16:creationId xmlns:a16="http://schemas.microsoft.com/office/drawing/2014/main" xmlns="" id="{166E38B6-B050-4340-8E8F-3A971DADC031}"/>
                 </a:ext>
                 <a:ext uri="{C183D7F6-B498-43B3-948B-1728B52AA6E4}">
-                  <adec:decorative xmlns:adec="http://schemas.microsoft.com/office/drawing/2017/decorative" val="1"/>
+                  <adec:decorative xmlns:adec="http://schemas.microsoft.com/office/drawing/2017/decorative" xmlns="" val="1"/>
                 </a:ext>
               </a:extLst>
             </p:cNvPr>
@@ -29456,7 +29612,7 @@
             <p:nvPr>
               <p:extLst>
                 <p:ext uri="{386F3935-93C4-4BCD-93E2-E3B085C9AB24}">
-                  <p16:designElem xmlns:p16="http://schemas.microsoft.com/office/powerpoint/2015/main" val="1"/>
+                  <p16:designElem xmlns:p16="http://schemas.microsoft.com/office/powerpoint/2015/main" xmlns="" val="1"/>
                 </p:ext>
               </p:extLst>
             </p:nvPr>
@@ -29509,10 +29665,10 @@
           <p:cNvPr id="33" name="Rectangle 32">
             <a:extLst>
               <a:ext uri="{FF2B5EF4-FFF2-40B4-BE49-F238E27FC236}">
-                <a16:creationId xmlns:a16="http://schemas.microsoft.com/office/drawing/2014/main" id="{2E80C965-DB6D-4F81-9E9E-B027384D0BD6}"/>
+                <a16:creationId xmlns:a16="http://schemas.microsoft.com/office/drawing/2014/main" xmlns="" id="{2E80C965-DB6D-4F81-9E9E-B027384D0BD6}"/>
               </a:ext>
               <a:ext uri="{C183D7F6-B498-43B3-948B-1728B52AA6E4}">
-                <adec:decorative xmlns:adec="http://schemas.microsoft.com/office/drawing/2017/decorative" val="1"/>
+                <adec:decorative xmlns:adec="http://schemas.microsoft.com/office/drawing/2017/decorative" xmlns="" val="1"/>
               </a:ext>
             </a:extLst>
           </p:cNvPr>
@@ -29522,7 +29678,7 @@
           <p:nvPr>
             <p:extLst>
               <p:ext uri="{386F3935-93C4-4BCD-93E2-E3B085C9AB24}">
-                <p16:designElem xmlns:p16="http://schemas.microsoft.com/office/powerpoint/2015/main" val="1"/>
+                <p16:designElem xmlns:p16="http://schemas.microsoft.com/office/powerpoint/2015/main" xmlns="" val="1"/>
               </p:ext>
             </p:extLst>
           </p:nvPr>
@@ -29574,10 +29730,10 @@
           <p:cNvPr id="35" name="Isosceles Triangle 34">
             <a:extLst>
               <a:ext uri="{FF2B5EF4-FFF2-40B4-BE49-F238E27FC236}">
-                <a16:creationId xmlns:a16="http://schemas.microsoft.com/office/drawing/2014/main" id="{633C5E46-DAC5-4661-9C87-22B08E2A512F}"/>
+                <a16:creationId xmlns:a16="http://schemas.microsoft.com/office/drawing/2014/main" xmlns="" id="{633C5E46-DAC5-4661-9C87-22B08E2A512F}"/>
               </a:ext>
               <a:ext uri="{C183D7F6-B498-43B3-948B-1728B52AA6E4}">
-                <adec:decorative xmlns:adec="http://schemas.microsoft.com/office/drawing/2017/decorative" val="1"/>
+                <adec:decorative xmlns:adec="http://schemas.microsoft.com/office/drawing/2017/decorative" xmlns="" val="1"/>
               </a:ext>
             </a:extLst>
           </p:cNvPr>
@@ -29587,7 +29743,7 @@
           <p:nvPr>
             <p:extLst>
               <p:ext uri="{386F3935-93C4-4BCD-93E2-E3B085C9AB24}">
-                <p16:designElem xmlns:p16="http://schemas.microsoft.com/office/powerpoint/2015/main" val="1"/>
+                <p16:designElem xmlns:p16="http://schemas.microsoft.com/office/powerpoint/2015/main" xmlns="" val="1"/>
               </p:ext>
             </p:extLst>
           </p:nvPr>
@@ -29641,7 +29797,7 @@
           <p:cNvPr id="4" name="TextBox 3">
             <a:extLst>
               <a:ext uri="{FF2B5EF4-FFF2-40B4-BE49-F238E27FC236}">
-                <a16:creationId xmlns:a16="http://schemas.microsoft.com/office/drawing/2014/main" id="{AA30CD2F-F220-0E5F-544F-FC701E5F9F6A}"/>
+                <a16:creationId xmlns:a16="http://schemas.microsoft.com/office/drawing/2014/main" xmlns="" id="{AA30CD2F-F220-0E5F-544F-FC701E5F9F6A}"/>
               </a:ext>
             </a:extLst>
           </p:cNvPr>
@@ -29679,7 +29835,7 @@
           <p:cNvPr id="8" name="Picture 7">
             <a:extLst>
               <a:ext uri="{FF2B5EF4-FFF2-40B4-BE49-F238E27FC236}">
-                <a16:creationId xmlns:a16="http://schemas.microsoft.com/office/drawing/2014/main" id="{E739D135-5263-E8AF-FB9B-50963AA8AE99}"/>
+                <a16:creationId xmlns:a16="http://schemas.microsoft.com/office/drawing/2014/main" xmlns="" id="{E739D135-5263-E8AF-FB9B-50963AA8AE99}"/>
               </a:ext>
             </a:extLst>
           </p:cNvPr>
@@ -29713,6 +29869,13 @@
   <p:clrMapOvr>
     <a:masterClrMapping/>
   </p:clrMapOvr>
+  <p:timing>
+    <p:tnLst>
+      <p:par>
+        <p:cTn id="1" dur="indefinite" restart="never" nodeType="tmRoot"/>
+      </p:par>
+    </p:tnLst>
+  </p:timing>
 </p:sld>
 </file>
 
@@ -29732,7 +29895,7 @@
         <p:cNvPr id="1" name="">
           <a:extLst>
             <a:ext uri="{FF2B5EF4-FFF2-40B4-BE49-F238E27FC236}">
-              <a16:creationId xmlns:a16="http://schemas.microsoft.com/office/drawing/2014/main" id="{70E4827D-FA93-1341-12C6-77721C36F92A}"/>
+              <a16:creationId xmlns:a16="http://schemas.microsoft.com/office/drawing/2014/main" xmlns="" id="{70E4827D-FA93-1341-12C6-77721C36F92A}"/>
             </a:ext>
           </a:extLst>
         </p:cNvPr>
@@ -29752,10 +29915,10 @@
           <p:cNvPr id="27" name="Rectangle 26">
             <a:extLst>
               <a:ext uri="{FF2B5EF4-FFF2-40B4-BE49-F238E27FC236}">
-                <a16:creationId xmlns:a16="http://schemas.microsoft.com/office/drawing/2014/main" id="{DE2787E3-913E-2363-C94D-1D76F979980A}"/>
+                <a16:creationId xmlns:a16="http://schemas.microsoft.com/office/drawing/2014/main" xmlns="" id="{DE2787E3-913E-2363-C94D-1D76F979980A}"/>
               </a:ext>
               <a:ext uri="{C183D7F6-B498-43B3-948B-1728B52AA6E4}">
-                <adec:decorative xmlns:adec="http://schemas.microsoft.com/office/drawing/2017/decorative" val="1"/>
+                <adec:decorative xmlns:adec="http://schemas.microsoft.com/office/drawing/2017/decorative" xmlns="" val="1"/>
               </a:ext>
             </a:extLst>
           </p:cNvPr>
@@ -29765,7 +29928,7 @@
           <p:nvPr>
             <p:extLst>
               <p:ext uri="{386F3935-93C4-4BCD-93E2-E3B085C9AB24}">
-                <p16:designElem xmlns:p16="http://schemas.microsoft.com/office/powerpoint/2015/main" val="1"/>
+                <p16:designElem xmlns:p16="http://schemas.microsoft.com/office/powerpoint/2015/main" xmlns="" val="1"/>
               </p:ext>
             </p:extLst>
           </p:nvPr>
@@ -29815,10 +29978,10 @@
           <p:cNvPr id="29" name="Group 28">
             <a:extLst>
               <a:ext uri="{FF2B5EF4-FFF2-40B4-BE49-F238E27FC236}">
-                <a16:creationId xmlns:a16="http://schemas.microsoft.com/office/drawing/2014/main" id="{1DE4C16E-0B4D-1171-1AF0-D8934765E7D3}"/>
+                <a16:creationId xmlns:a16="http://schemas.microsoft.com/office/drawing/2014/main" xmlns="" id="{1DE4C16E-0B4D-1171-1AF0-D8934765E7D3}"/>
               </a:ext>
               <a:ext uri="{C183D7F6-B498-43B3-948B-1728B52AA6E4}">
-                <adec:decorative xmlns:adec="http://schemas.microsoft.com/office/drawing/2017/decorative" val="1"/>
+                <adec:decorative xmlns:adec="http://schemas.microsoft.com/office/drawing/2017/decorative" xmlns="" val="1"/>
               </a:ext>
             </a:extLst>
           </p:cNvPr>
@@ -29828,7 +29991,7 @@
           <p:nvPr>
             <p:extLst>
               <p:ext uri="{386F3935-93C4-4BCD-93E2-E3B085C9AB24}">
-                <p16:designElem xmlns:p16="http://schemas.microsoft.com/office/powerpoint/2015/main" val="1"/>
+                <p16:designElem xmlns:p16="http://schemas.microsoft.com/office/powerpoint/2015/main" xmlns="" val="1"/>
               </p:ext>
             </p:extLst>
           </p:nvPr>
@@ -29846,10 +30009,10 @@
             <p:cNvPr id="30" name="Freeform: Shape 29">
               <a:extLst>
                 <a:ext uri="{FF2B5EF4-FFF2-40B4-BE49-F238E27FC236}">
-                  <a16:creationId xmlns:a16="http://schemas.microsoft.com/office/drawing/2014/main" id="{B1219E35-B86C-7398-CFCB-3057BEEB9EE1}"/>
+                  <a16:creationId xmlns:a16="http://schemas.microsoft.com/office/drawing/2014/main" xmlns="" id="{B1219E35-B86C-7398-CFCB-3057BEEB9EE1}"/>
                 </a:ext>
                 <a:ext uri="{C183D7F6-B498-43B3-948B-1728B52AA6E4}">
-                  <adec:decorative xmlns:adec="http://schemas.microsoft.com/office/drawing/2017/decorative" val="1"/>
+                  <adec:decorative xmlns:adec="http://schemas.microsoft.com/office/drawing/2017/decorative" xmlns="" val="1"/>
                 </a:ext>
               </a:extLst>
             </p:cNvPr>
@@ -29857,7 +30020,7 @@
             <p:nvPr>
               <p:extLst>
                 <p:ext uri="{386F3935-93C4-4BCD-93E2-E3B085C9AB24}">
-                  <p16:designElem xmlns:p16="http://schemas.microsoft.com/office/powerpoint/2015/main" val="1"/>
+                  <p16:designElem xmlns:p16="http://schemas.microsoft.com/office/powerpoint/2015/main" xmlns="" val="1"/>
                 </p:ext>
               </p:extLst>
             </p:nvPr>
@@ -29960,10 +30123,10 @@
             <p:cNvPr id="31" name="Rectangle 30">
               <a:extLst>
                 <a:ext uri="{FF2B5EF4-FFF2-40B4-BE49-F238E27FC236}">
-                  <a16:creationId xmlns:a16="http://schemas.microsoft.com/office/drawing/2014/main" id="{FB3469AA-404B-091F-684D-2479FFABF035}"/>
+                  <a16:creationId xmlns:a16="http://schemas.microsoft.com/office/drawing/2014/main" xmlns="" id="{FB3469AA-404B-091F-684D-2479FFABF035}"/>
                 </a:ext>
                 <a:ext uri="{C183D7F6-B498-43B3-948B-1728B52AA6E4}">
-                  <adec:decorative xmlns:adec="http://schemas.microsoft.com/office/drawing/2017/decorative" val="1"/>
+                  <adec:decorative xmlns:adec="http://schemas.microsoft.com/office/drawing/2017/decorative" xmlns="" val="1"/>
                 </a:ext>
               </a:extLst>
             </p:cNvPr>
@@ -29971,7 +30134,7 @@
             <p:nvPr>
               <p:extLst>
                 <p:ext uri="{386F3935-93C4-4BCD-93E2-E3B085C9AB24}">
-                  <p16:designElem xmlns:p16="http://schemas.microsoft.com/office/powerpoint/2015/main" val="1"/>
+                  <p16:designElem xmlns:p16="http://schemas.microsoft.com/office/powerpoint/2015/main" xmlns="" val="1"/>
                 </p:ext>
               </p:extLst>
             </p:nvPr>
@@ -30024,10 +30187,10 @@
           <p:cNvPr id="33" name="Rectangle 32">
             <a:extLst>
               <a:ext uri="{FF2B5EF4-FFF2-40B4-BE49-F238E27FC236}">
-                <a16:creationId xmlns:a16="http://schemas.microsoft.com/office/drawing/2014/main" id="{B7073EDB-4528-B259-D07A-6FF38339B31A}"/>
+                <a16:creationId xmlns:a16="http://schemas.microsoft.com/office/drawing/2014/main" xmlns="" id="{B7073EDB-4528-B259-D07A-6FF38339B31A}"/>
               </a:ext>
               <a:ext uri="{C183D7F6-B498-43B3-948B-1728B52AA6E4}">
-                <adec:decorative xmlns:adec="http://schemas.microsoft.com/office/drawing/2017/decorative" val="1"/>
+                <adec:decorative xmlns:adec="http://schemas.microsoft.com/office/drawing/2017/decorative" xmlns="" val="1"/>
               </a:ext>
             </a:extLst>
           </p:cNvPr>
@@ -30037,7 +30200,7 @@
           <p:nvPr>
             <p:extLst>
               <p:ext uri="{386F3935-93C4-4BCD-93E2-E3B085C9AB24}">
-                <p16:designElem xmlns:p16="http://schemas.microsoft.com/office/powerpoint/2015/main" val="1"/>
+                <p16:designElem xmlns:p16="http://schemas.microsoft.com/office/powerpoint/2015/main" xmlns="" val="1"/>
               </p:ext>
             </p:extLst>
           </p:nvPr>
@@ -30089,10 +30252,10 @@
           <p:cNvPr id="35" name="Isosceles Triangle 34">
             <a:extLst>
               <a:ext uri="{FF2B5EF4-FFF2-40B4-BE49-F238E27FC236}">
-                <a16:creationId xmlns:a16="http://schemas.microsoft.com/office/drawing/2014/main" id="{C111DA31-D09F-8393-520F-73770EA179FA}"/>
+                <a16:creationId xmlns:a16="http://schemas.microsoft.com/office/drawing/2014/main" xmlns="" id="{C111DA31-D09F-8393-520F-73770EA179FA}"/>
               </a:ext>
               <a:ext uri="{C183D7F6-B498-43B3-948B-1728B52AA6E4}">
-                <adec:decorative xmlns:adec="http://schemas.microsoft.com/office/drawing/2017/decorative" val="1"/>
+                <adec:decorative xmlns:adec="http://schemas.microsoft.com/office/drawing/2017/decorative" xmlns="" val="1"/>
               </a:ext>
             </a:extLst>
           </p:cNvPr>
@@ -30102,7 +30265,7 @@
           <p:nvPr>
             <p:extLst>
               <p:ext uri="{386F3935-93C4-4BCD-93E2-E3B085C9AB24}">
-                <p16:designElem xmlns:p16="http://schemas.microsoft.com/office/powerpoint/2015/main" val="1"/>
+                <p16:designElem xmlns:p16="http://schemas.microsoft.com/office/powerpoint/2015/main" xmlns="" val="1"/>
               </p:ext>
             </p:extLst>
           </p:nvPr>
@@ -30156,7 +30319,7 @@
           <p:cNvPr id="2" name="Picture 1">
             <a:extLst>
               <a:ext uri="{FF2B5EF4-FFF2-40B4-BE49-F238E27FC236}">
-                <a16:creationId xmlns:a16="http://schemas.microsoft.com/office/drawing/2014/main" id="{B0D09405-DF54-A9DA-B577-B5C163B12EEA}"/>
+                <a16:creationId xmlns:a16="http://schemas.microsoft.com/office/drawing/2014/main" xmlns="" id="{B0D09405-DF54-A9DA-B577-B5C163B12EEA}"/>
               </a:ext>
             </a:extLst>
           </p:cNvPr>
@@ -30185,7 +30348,7 @@
           <p:cNvPr id="3" name="TextBox 2">
             <a:extLst>
               <a:ext uri="{FF2B5EF4-FFF2-40B4-BE49-F238E27FC236}">
-                <a16:creationId xmlns:a16="http://schemas.microsoft.com/office/drawing/2014/main" id="{A07A71D1-DF9D-B94A-43FB-DF518BF0E32E}"/>
+                <a16:creationId xmlns:a16="http://schemas.microsoft.com/office/drawing/2014/main" xmlns="" id="{A07A71D1-DF9D-B94A-43FB-DF518BF0E32E}"/>
               </a:ext>
             </a:extLst>
           </p:cNvPr>
@@ -30228,6 +30391,13 @@
   <p:clrMapOvr>
     <a:masterClrMapping/>
   </p:clrMapOvr>
+  <p:timing>
+    <p:tnLst>
+      <p:par>
+        <p:cTn id="1" dur="indefinite" restart="never" nodeType="tmRoot"/>
+      </p:par>
+    </p:tnLst>
+  </p:timing>
 </p:sld>
 </file>
 
@@ -30247,7 +30417,7 @@
         <p:cNvPr id="1" name="">
           <a:extLst>
             <a:ext uri="{FF2B5EF4-FFF2-40B4-BE49-F238E27FC236}">
-              <a16:creationId xmlns:a16="http://schemas.microsoft.com/office/drawing/2014/main" id="{8C10D4AF-D2B4-5A43-3193-64BE0EC66DAF}"/>
+              <a16:creationId xmlns:a16="http://schemas.microsoft.com/office/drawing/2014/main" xmlns="" id="{8C10D4AF-D2B4-5A43-3193-64BE0EC66DAF}"/>
             </a:ext>
           </a:extLst>
         </p:cNvPr>
@@ -30267,10 +30437,10 @@
           <p:cNvPr id="27" name="Rectangle 26">
             <a:extLst>
               <a:ext uri="{FF2B5EF4-FFF2-40B4-BE49-F238E27FC236}">
-                <a16:creationId xmlns:a16="http://schemas.microsoft.com/office/drawing/2014/main" id="{3876AB3A-66F7-DD52-0EFD-1441D7B21AA1}"/>
+                <a16:creationId xmlns:a16="http://schemas.microsoft.com/office/drawing/2014/main" xmlns="" id="{3876AB3A-66F7-DD52-0EFD-1441D7B21AA1}"/>
               </a:ext>
               <a:ext uri="{C183D7F6-B498-43B3-948B-1728B52AA6E4}">
-                <adec:decorative xmlns:adec="http://schemas.microsoft.com/office/drawing/2017/decorative" val="1"/>
+                <adec:decorative xmlns:adec="http://schemas.microsoft.com/office/drawing/2017/decorative" xmlns="" val="1"/>
               </a:ext>
             </a:extLst>
           </p:cNvPr>
@@ -30280,7 +30450,7 @@
           <p:nvPr>
             <p:extLst>
               <p:ext uri="{386F3935-93C4-4BCD-93E2-E3B085C9AB24}">
-                <p16:designElem xmlns:p16="http://schemas.microsoft.com/office/powerpoint/2015/main" val="1"/>
+                <p16:designElem xmlns:p16="http://schemas.microsoft.com/office/powerpoint/2015/main" xmlns="" val="1"/>
               </p:ext>
             </p:extLst>
           </p:nvPr>
@@ -30330,10 +30500,10 @@
           <p:cNvPr id="4" name="Rectangle 3">
             <a:extLst>
               <a:ext uri="{FF2B5EF4-FFF2-40B4-BE49-F238E27FC236}">
-                <a16:creationId xmlns:a16="http://schemas.microsoft.com/office/drawing/2014/main" id="{BA072E84-FD9C-903F-254B-786D2344CE93}"/>
+                <a16:creationId xmlns:a16="http://schemas.microsoft.com/office/drawing/2014/main" xmlns="" id="{BA072E84-FD9C-903F-254B-786D2344CE93}"/>
               </a:ext>
               <a:ext uri="{C183D7F6-B498-43B3-948B-1728B52AA6E4}">
-                <adec:decorative xmlns:adec="http://schemas.microsoft.com/office/drawing/2017/decorative" val="1"/>
+                <adec:decorative xmlns:adec="http://schemas.microsoft.com/office/drawing/2017/decorative" xmlns="" val="1"/>
               </a:ext>
             </a:extLst>
           </p:cNvPr>
@@ -30341,7 +30511,7 @@
           <p:nvPr>
             <p:extLst>
               <p:ext uri="{386F3935-93C4-4BCD-93E2-E3B085C9AB24}">
-                <p16:designElem xmlns:p16="http://schemas.microsoft.com/office/powerpoint/2015/main" val="1"/>
+                <p16:designElem xmlns:p16="http://schemas.microsoft.com/office/powerpoint/2015/main" xmlns="" val="1"/>
               </p:ext>
             </p:extLst>
           </p:nvPr>
@@ -30388,10 +30558,10 @@
           <p:cNvPr id="29" name="Group 28">
             <a:extLst>
               <a:ext uri="{FF2B5EF4-FFF2-40B4-BE49-F238E27FC236}">
-                <a16:creationId xmlns:a16="http://schemas.microsoft.com/office/drawing/2014/main" id="{2BC39B7A-F362-2A32-AE7A-8E22BA70B802}"/>
+                <a16:creationId xmlns:a16="http://schemas.microsoft.com/office/drawing/2014/main" xmlns="" id="{2BC39B7A-F362-2A32-AE7A-8E22BA70B802}"/>
               </a:ext>
               <a:ext uri="{C183D7F6-B498-43B3-948B-1728B52AA6E4}">
-                <adec:decorative xmlns:adec="http://schemas.microsoft.com/office/drawing/2017/decorative" val="1"/>
+                <adec:decorative xmlns:adec="http://schemas.microsoft.com/office/drawing/2017/decorative" xmlns="" val="1"/>
               </a:ext>
             </a:extLst>
           </p:cNvPr>
@@ -30401,7 +30571,7 @@
           <p:nvPr>
             <p:extLst>
               <p:ext uri="{386F3935-93C4-4BCD-93E2-E3B085C9AB24}">
-                <p16:designElem xmlns:p16="http://schemas.microsoft.com/office/powerpoint/2015/main" val="1"/>
+                <p16:designElem xmlns:p16="http://schemas.microsoft.com/office/powerpoint/2015/main" xmlns="" val="1"/>
               </p:ext>
             </p:extLst>
           </p:nvPr>
@@ -30419,10 +30589,10 @@
             <p:cNvPr id="30" name="Freeform: Shape 29">
               <a:extLst>
                 <a:ext uri="{FF2B5EF4-FFF2-40B4-BE49-F238E27FC236}">
-                  <a16:creationId xmlns:a16="http://schemas.microsoft.com/office/drawing/2014/main" id="{217EBE0F-0125-9C1A-A341-8FB323A34866}"/>
+                  <a16:creationId xmlns:a16="http://schemas.microsoft.com/office/drawing/2014/main" xmlns="" id="{217EBE0F-0125-9C1A-A341-8FB323A34866}"/>
                 </a:ext>
                 <a:ext uri="{C183D7F6-B498-43B3-948B-1728B52AA6E4}">
-                  <adec:decorative xmlns:adec="http://schemas.microsoft.com/office/drawing/2017/decorative" val="1"/>
+                  <adec:decorative xmlns:adec="http://schemas.microsoft.com/office/drawing/2017/decorative" xmlns="" val="1"/>
                 </a:ext>
               </a:extLst>
             </p:cNvPr>
@@ -30430,7 +30600,7 @@
             <p:nvPr>
               <p:extLst>
                 <p:ext uri="{386F3935-93C4-4BCD-93E2-E3B085C9AB24}">
-                  <p16:designElem xmlns:p16="http://schemas.microsoft.com/office/powerpoint/2015/main" val="1"/>
+                  <p16:designElem xmlns:p16="http://schemas.microsoft.com/office/powerpoint/2015/main" xmlns="" val="1"/>
                 </p:ext>
               </p:extLst>
             </p:nvPr>
@@ -30533,10 +30703,10 @@
             <p:cNvPr id="31" name="Rectangle 30">
               <a:extLst>
                 <a:ext uri="{FF2B5EF4-FFF2-40B4-BE49-F238E27FC236}">
-                  <a16:creationId xmlns:a16="http://schemas.microsoft.com/office/drawing/2014/main" id="{494A396C-C4D8-3A39-535F-8E8B176C30EF}"/>
+                  <a16:creationId xmlns:a16="http://schemas.microsoft.com/office/drawing/2014/main" xmlns="" id="{494A396C-C4D8-3A39-535F-8E8B176C30EF}"/>
                 </a:ext>
                 <a:ext uri="{C183D7F6-B498-43B3-948B-1728B52AA6E4}">
-                  <adec:decorative xmlns:adec="http://schemas.microsoft.com/office/drawing/2017/decorative" val="1"/>
+                  <adec:decorative xmlns:adec="http://schemas.microsoft.com/office/drawing/2017/decorative" xmlns="" val="1"/>
                 </a:ext>
               </a:extLst>
             </p:cNvPr>
@@ -30544,7 +30714,7 @@
             <p:nvPr>
               <p:extLst>
                 <p:ext uri="{386F3935-93C4-4BCD-93E2-E3B085C9AB24}">
-                  <p16:designElem xmlns:p16="http://schemas.microsoft.com/office/powerpoint/2015/main" val="1"/>
+                  <p16:designElem xmlns:p16="http://schemas.microsoft.com/office/powerpoint/2015/main" xmlns="" val="1"/>
                 </p:ext>
               </p:extLst>
             </p:nvPr>
@@ -30597,10 +30767,10 @@
           <p:cNvPr id="33" name="Rectangle 32">
             <a:extLst>
               <a:ext uri="{FF2B5EF4-FFF2-40B4-BE49-F238E27FC236}">
-                <a16:creationId xmlns:a16="http://schemas.microsoft.com/office/drawing/2014/main" id="{C7079BC6-D1A9-77C1-1DFF-7458C9145A54}"/>
+                <a16:creationId xmlns:a16="http://schemas.microsoft.com/office/drawing/2014/main" xmlns="" id="{C7079BC6-D1A9-77C1-1DFF-7458C9145A54}"/>
               </a:ext>
               <a:ext uri="{C183D7F6-B498-43B3-948B-1728B52AA6E4}">
-                <adec:decorative xmlns:adec="http://schemas.microsoft.com/office/drawing/2017/decorative" val="1"/>
+                <adec:decorative xmlns:adec="http://schemas.microsoft.com/office/drawing/2017/decorative" xmlns="" val="1"/>
               </a:ext>
             </a:extLst>
           </p:cNvPr>
@@ -30610,7 +30780,7 @@
           <p:nvPr>
             <p:extLst>
               <p:ext uri="{386F3935-93C4-4BCD-93E2-E3B085C9AB24}">
-                <p16:designElem xmlns:p16="http://schemas.microsoft.com/office/powerpoint/2015/main" val="1"/>
+                <p16:designElem xmlns:p16="http://schemas.microsoft.com/office/powerpoint/2015/main" xmlns="" val="1"/>
               </p:ext>
             </p:extLst>
           </p:nvPr>
@@ -30662,10 +30832,10 @@
           <p:cNvPr id="35" name="Isosceles Triangle 34">
             <a:extLst>
               <a:ext uri="{FF2B5EF4-FFF2-40B4-BE49-F238E27FC236}">
-                <a16:creationId xmlns:a16="http://schemas.microsoft.com/office/drawing/2014/main" id="{86E863FB-6F14-C999-2015-4803D694F098}"/>
+                <a16:creationId xmlns:a16="http://schemas.microsoft.com/office/drawing/2014/main" xmlns="" id="{86E863FB-6F14-C999-2015-4803D694F098}"/>
               </a:ext>
               <a:ext uri="{C183D7F6-B498-43B3-948B-1728B52AA6E4}">
-                <adec:decorative xmlns:adec="http://schemas.microsoft.com/office/drawing/2017/decorative" val="1"/>
+                <adec:decorative xmlns:adec="http://schemas.microsoft.com/office/drawing/2017/decorative" xmlns="" val="1"/>
               </a:ext>
             </a:extLst>
           </p:cNvPr>
@@ -30675,7 +30845,7 @@
           <p:nvPr>
             <p:extLst>
               <p:ext uri="{386F3935-93C4-4BCD-93E2-E3B085C9AB24}">
-                <p16:designElem xmlns:p16="http://schemas.microsoft.com/office/powerpoint/2015/main" val="1"/>
+                <p16:designElem xmlns:p16="http://schemas.microsoft.com/office/powerpoint/2015/main" xmlns="" val="1"/>
               </p:ext>
             </p:extLst>
           </p:nvPr>
@@ -30729,7 +30899,7 @@
           <p:cNvPr id="5" name="TextBox 4">
             <a:extLst>
               <a:ext uri="{FF2B5EF4-FFF2-40B4-BE49-F238E27FC236}">
-                <a16:creationId xmlns:a16="http://schemas.microsoft.com/office/drawing/2014/main" id="{01ACD746-3C8B-368F-61C6-296C97DF35E5}"/>
+                <a16:creationId xmlns:a16="http://schemas.microsoft.com/office/drawing/2014/main" xmlns="" id="{01ACD746-3C8B-368F-61C6-296C97DF35E5}"/>
               </a:ext>
             </a:extLst>
           </p:cNvPr>
@@ -30767,7 +30937,7 @@
           <p:cNvPr id="6" name="Picture 5" descr="A graph of scatter plot&#10;&#10;Description automatically generated">
             <a:extLst>
               <a:ext uri="{FF2B5EF4-FFF2-40B4-BE49-F238E27FC236}">
-                <a16:creationId xmlns:a16="http://schemas.microsoft.com/office/drawing/2014/main" id="{CD3A66E3-6703-FB43-50A9-2272F442AD79}"/>
+                <a16:creationId xmlns:a16="http://schemas.microsoft.com/office/drawing/2014/main" xmlns="" id="{CD3A66E3-6703-FB43-50A9-2272F442AD79}"/>
               </a:ext>
             </a:extLst>
           </p:cNvPr>
@@ -30796,7 +30966,7 @@
           <p:cNvPr id="7" name="Picture 6">
             <a:extLst>
               <a:ext uri="{FF2B5EF4-FFF2-40B4-BE49-F238E27FC236}">
-                <a16:creationId xmlns:a16="http://schemas.microsoft.com/office/drawing/2014/main" id="{04D5EFC4-2CCC-C0CC-8969-BFF26379F320}"/>
+                <a16:creationId xmlns:a16="http://schemas.microsoft.com/office/drawing/2014/main" xmlns="" id="{04D5EFC4-2CCC-C0CC-8969-BFF26379F320}"/>
               </a:ext>
             </a:extLst>
           </p:cNvPr>
@@ -30826,7 +30996,7 @@
           <p:cNvPr id="8" name="Picture 7">
             <a:extLst>
               <a:ext uri="{FF2B5EF4-FFF2-40B4-BE49-F238E27FC236}">
-                <a16:creationId xmlns:a16="http://schemas.microsoft.com/office/drawing/2014/main" id="{1FAE35A6-5D7F-2BB8-EEB9-5E877F29EE0F}"/>
+                <a16:creationId xmlns:a16="http://schemas.microsoft.com/office/drawing/2014/main" xmlns="" id="{1FAE35A6-5D7F-2BB8-EEB9-5E877F29EE0F}"/>
               </a:ext>
             </a:extLst>
           </p:cNvPr>
@@ -30981,7 +31151,7 @@
         <p:cNvPr id="1" name="">
           <a:extLst>
             <a:ext uri="{FF2B5EF4-FFF2-40B4-BE49-F238E27FC236}">
-              <a16:creationId xmlns:a16="http://schemas.microsoft.com/office/drawing/2014/main" id="{597FC33D-E98D-55D5-AB02-9FAE4EED86D1}"/>
+              <a16:creationId xmlns:a16="http://schemas.microsoft.com/office/drawing/2014/main" xmlns="" id="{597FC33D-E98D-55D5-AB02-9FAE4EED86D1}"/>
             </a:ext>
           </a:extLst>
         </p:cNvPr>
@@ -31001,10 +31171,10 @@
           <p:cNvPr id="27" name="Rectangle 26">
             <a:extLst>
               <a:ext uri="{FF2B5EF4-FFF2-40B4-BE49-F238E27FC236}">
-                <a16:creationId xmlns:a16="http://schemas.microsoft.com/office/drawing/2014/main" id="{D46594EA-21FE-36D8-A04C-1207E04E2DE2}"/>
+                <a16:creationId xmlns:a16="http://schemas.microsoft.com/office/drawing/2014/main" xmlns="" id="{D46594EA-21FE-36D8-A04C-1207E04E2DE2}"/>
               </a:ext>
               <a:ext uri="{C183D7F6-B498-43B3-948B-1728B52AA6E4}">
-                <adec:decorative xmlns:adec="http://schemas.microsoft.com/office/drawing/2017/decorative" val="1"/>
+                <adec:decorative xmlns:adec="http://schemas.microsoft.com/office/drawing/2017/decorative" xmlns="" val="1"/>
               </a:ext>
             </a:extLst>
           </p:cNvPr>
@@ -31014,7 +31184,7 @@
           <p:nvPr>
             <p:extLst>
               <p:ext uri="{386F3935-93C4-4BCD-93E2-E3B085C9AB24}">
-                <p16:designElem xmlns:p16="http://schemas.microsoft.com/office/powerpoint/2015/main" val="1"/>
+                <p16:designElem xmlns:p16="http://schemas.microsoft.com/office/powerpoint/2015/main" xmlns="" val="1"/>
               </p:ext>
             </p:extLst>
           </p:nvPr>
@@ -31064,10 +31234,10 @@
           <p:cNvPr id="29" name="Group 28">
             <a:extLst>
               <a:ext uri="{FF2B5EF4-FFF2-40B4-BE49-F238E27FC236}">
-                <a16:creationId xmlns:a16="http://schemas.microsoft.com/office/drawing/2014/main" id="{6F67F534-9A71-ED9B-447B-9627E8562D35}"/>
+                <a16:creationId xmlns:a16="http://schemas.microsoft.com/office/drawing/2014/main" xmlns="" id="{6F67F534-9A71-ED9B-447B-9627E8562D35}"/>
               </a:ext>
               <a:ext uri="{C183D7F6-B498-43B3-948B-1728B52AA6E4}">
-                <adec:decorative xmlns:adec="http://schemas.microsoft.com/office/drawing/2017/decorative" val="1"/>
+                <adec:decorative xmlns:adec="http://schemas.microsoft.com/office/drawing/2017/decorative" xmlns="" val="1"/>
               </a:ext>
             </a:extLst>
           </p:cNvPr>
@@ -31077,7 +31247,7 @@
           <p:nvPr>
             <p:extLst>
               <p:ext uri="{386F3935-93C4-4BCD-93E2-E3B085C9AB24}">
-                <p16:designElem xmlns:p16="http://schemas.microsoft.com/office/powerpoint/2015/main" val="1"/>
+                <p16:designElem xmlns:p16="http://schemas.microsoft.com/office/powerpoint/2015/main" xmlns="" val="1"/>
               </p:ext>
             </p:extLst>
           </p:nvPr>
@@ -31095,10 +31265,10 @@
             <p:cNvPr id="30" name="Freeform: Shape 29">
               <a:extLst>
                 <a:ext uri="{FF2B5EF4-FFF2-40B4-BE49-F238E27FC236}">
-                  <a16:creationId xmlns:a16="http://schemas.microsoft.com/office/drawing/2014/main" id="{30D5B909-9292-92EB-9974-DD4339EC94B6}"/>
+                  <a16:creationId xmlns:a16="http://schemas.microsoft.com/office/drawing/2014/main" xmlns="" id="{30D5B909-9292-92EB-9974-DD4339EC94B6}"/>
                 </a:ext>
                 <a:ext uri="{C183D7F6-B498-43B3-948B-1728B52AA6E4}">
-                  <adec:decorative xmlns:adec="http://schemas.microsoft.com/office/drawing/2017/decorative" val="1"/>
+                  <adec:decorative xmlns:adec="http://schemas.microsoft.com/office/drawing/2017/decorative" xmlns="" val="1"/>
                 </a:ext>
               </a:extLst>
             </p:cNvPr>
@@ -31106,7 +31276,7 @@
             <p:nvPr>
               <p:extLst>
                 <p:ext uri="{386F3935-93C4-4BCD-93E2-E3B085C9AB24}">
-                  <p16:designElem xmlns:p16="http://schemas.microsoft.com/office/powerpoint/2015/main" val="1"/>
+                  <p16:designElem xmlns:p16="http://schemas.microsoft.com/office/powerpoint/2015/main" xmlns="" val="1"/>
                 </p:ext>
               </p:extLst>
             </p:nvPr>
@@ -31209,10 +31379,10 @@
             <p:cNvPr id="31" name="Rectangle 30">
               <a:extLst>
                 <a:ext uri="{FF2B5EF4-FFF2-40B4-BE49-F238E27FC236}">
-                  <a16:creationId xmlns:a16="http://schemas.microsoft.com/office/drawing/2014/main" id="{DC60AA1F-EF17-F70B-4F63-5A67139206DA}"/>
+                  <a16:creationId xmlns:a16="http://schemas.microsoft.com/office/drawing/2014/main" xmlns="" id="{DC60AA1F-EF17-F70B-4F63-5A67139206DA}"/>
                 </a:ext>
                 <a:ext uri="{C183D7F6-B498-43B3-948B-1728B52AA6E4}">
-                  <adec:decorative xmlns:adec="http://schemas.microsoft.com/office/drawing/2017/decorative" val="1"/>
+                  <adec:decorative xmlns:adec="http://schemas.microsoft.com/office/drawing/2017/decorative" xmlns="" val="1"/>
                 </a:ext>
               </a:extLst>
             </p:cNvPr>
@@ -31220,7 +31390,7 @@
             <p:nvPr>
               <p:extLst>
                 <p:ext uri="{386F3935-93C4-4BCD-93E2-E3B085C9AB24}">
-                  <p16:designElem xmlns:p16="http://schemas.microsoft.com/office/powerpoint/2015/main" val="1"/>
+                  <p16:designElem xmlns:p16="http://schemas.microsoft.com/office/powerpoint/2015/main" xmlns="" val="1"/>
                 </p:ext>
               </p:extLst>
             </p:nvPr>
@@ -31273,10 +31443,10 @@
           <p:cNvPr id="33" name="Rectangle 32">
             <a:extLst>
               <a:ext uri="{FF2B5EF4-FFF2-40B4-BE49-F238E27FC236}">
-                <a16:creationId xmlns:a16="http://schemas.microsoft.com/office/drawing/2014/main" id="{5FE2B063-6A29-B80D-B7A6-8895160E797A}"/>
+                <a16:creationId xmlns:a16="http://schemas.microsoft.com/office/drawing/2014/main" xmlns="" id="{5FE2B063-6A29-B80D-B7A6-8895160E797A}"/>
               </a:ext>
               <a:ext uri="{C183D7F6-B498-43B3-948B-1728B52AA6E4}">
-                <adec:decorative xmlns:adec="http://schemas.microsoft.com/office/drawing/2017/decorative" val="1"/>
+                <adec:decorative xmlns:adec="http://schemas.microsoft.com/office/drawing/2017/decorative" xmlns="" val="1"/>
               </a:ext>
             </a:extLst>
           </p:cNvPr>
@@ -31286,7 +31456,7 @@
           <p:nvPr>
             <p:extLst>
               <p:ext uri="{386F3935-93C4-4BCD-93E2-E3B085C9AB24}">
-                <p16:designElem xmlns:p16="http://schemas.microsoft.com/office/powerpoint/2015/main" val="1"/>
+                <p16:designElem xmlns:p16="http://schemas.microsoft.com/office/powerpoint/2015/main" xmlns="" val="1"/>
               </p:ext>
             </p:extLst>
           </p:nvPr>
@@ -31338,10 +31508,10 @@
           <p:cNvPr id="35" name="Isosceles Triangle 34">
             <a:extLst>
               <a:ext uri="{FF2B5EF4-FFF2-40B4-BE49-F238E27FC236}">
-                <a16:creationId xmlns:a16="http://schemas.microsoft.com/office/drawing/2014/main" id="{C00D0292-EFE4-7B80-97BB-AB0F53A5E100}"/>
+                <a16:creationId xmlns:a16="http://schemas.microsoft.com/office/drawing/2014/main" xmlns="" id="{C00D0292-EFE4-7B80-97BB-AB0F53A5E100}"/>
               </a:ext>
               <a:ext uri="{C183D7F6-B498-43B3-948B-1728B52AA6E4}">
-                <adec:decorative xmlns:adec="http://schemas.microsoft.com/office/drawing/2017/decorative" val="1"/>
+                <adec:decorative xmlns:adec="http://schemas.microsoft.com/office/drawing/2017/decorative" xmlns="" val="1"/>
               </a:ext>
             </a:extLst>
           </p:cNvPr>
@@ -31351,7 +31521,7 @@
           <p:nvPr>
             <p:extLst>
               <p:ext uri="{386F3935-93C4-4BCD-93E2-E3B085C9AB24}">
-                <p16:designElem xmlns:p16="http://schemas.microsoft.com/office/powerpoint/2015/main" val="1"/>
+                <p16:designElem xmlns:p16="http://schemas.microsoft.com/office/powerpoint/2015/main" xmlns="" val="1"/>
               </p:ext>
             </p:extLst>
           </p:nvPr>
@@ -31405,7 +31575,7 @@
           <p:cNvPr id="6" name="TextBox 5">
             <a:extLst>
               <a:ext uri="{FF2B5EF4-FFF2-40B4-BE49-F238E27FC236}">
-                <a16:creationId xmlns:a16="http://schemas.microsoft.com/office/drawing/2014/main" id="{6E31DBBA-A1DB-2D00-DDE4-901707E77C32}"/>
+                <a16:creationId xmlns:a16="http://schemas.microsoft.com/office/drawing/2014/main" xmlns="" id="{6E31DBBA-A1DB-2D00-DDE4-901707E77C32}"/>
               </a:ext>
             </a:extLst>
           </p:cNvPr>
@@ -31440,32 +31610,66 @@
       </p:sp>
       <p:pic>
         <p:nvPicPr>
-          <p:cNvPr id="10" name="Picture 9" descr="A graph of scatter plot of bmi&#10;&#10;Description automatically generated">
-            <a:extLst>
-              <a:ext uri="{FF2B5EF4-FFF2-40B4-BE49-F238E27FC236}">
-                <a16:creationId xmlns:a16="http://schemas.microsoft.com/office/drawing/2014/main" id="{4319DEA3-B033-C3A6-3E85-E2B56BE19F3F}"/>
-              </a:ext>
-            </a:extLst>
-          </p:cNvPr>
+          <p:cNvPr id="1026" name="Picture 2"/>
           <p:cNvPicPr>
-            <a:picLocks noChangeAspect="1"/>
+            <a:picLocks noChangeAspect="1" noChangeArrowheads="1"/>
           </p:cNvPicPr>
           <p:nvPr/>
         </p:nvPicPr>
         <p:blipFill>
-          <a:blip r:embed="rId3"/>
+          <a:blip r:embed="rId3">
+            <a:extLst>
+              <a:ext uri="{28A0092B-C50C-407E-A947-70E740481C1C}">
+                <a14:useLocalDpi xmlns:a14="http://schemas.microsoft.com/office/drawing/2010/main" val="0"/>
+              </a:ext>
+            </a:extLst>
+          </a:blip>
+          <a:srcRect/>
           <a:stretch>
             <a:fillRect/>
           </a:stretch>
         </p:blipFill>
-        <p:spPr>
+        <p:spPr bwMode="auto">
           <a:xfrm>
-            <a:off x="55341" y="1377368"/>
-            <a:ext cx="9947717" cy="6307667"/>
+            <a:off x="314297" y="1529466"/>
+            <a:ext cx="8867096" cy="5728671"/>
           </a:xfrm>
           <a:prstGeom prst="rect">
             <a:avLst/>
           </a:prstGeom>
+          <a:noFill/>
+          <a:ln>
+            <a:noFill/>
+          </a:ln>
+          <a:effectLst/>
+          <a:extLst>
+            <a:ext uri="{909E8E84-426E-40DD-AFC4-6F175D3DCCD1}">
+              <a14:hiddenFill xmlns:a14="http://schemas.microsoft.com/office/drawing/2010/main">
+                <a:solidFill>
+                  <a:schemeClr val="accent1"/>
+                </a:solidFill>
+              </a14:hiddenFill>
+            </a:ext>
+            <a:ext uri="{91240B29-F687-4F45-9708-019B960494DF}">
+              <a14:hiddenLine xmlns:a14="http://schemas.microsoft.com/office/drawing/2010/main" w="9525">
+                <a:solidFill>
+                  <a:schemeClr val="tx1"/>
+                </a:solidFill>
+                <a:miter lim="800000"/>
+                <a:headEnd/>
+                <a:tailEnd/>
+              </a14:hiddenLine>
+            </a:ext>
+            <a:ext uri="{AF507438-7753-43E0-B8FC-AC1667EBCBE1}">
+              <a14:hiddenEffects xmlns:a14="http://schemas.microsoft.com/office/drawing/2010/main">
+                <a:effectLst>
+                  <a:outerShdw dist="35921" dir="2700000" algn="ctr" rotWithShape="0">
+                    <a:schemeClr val="bg2"/>
+                  </a:outerShdw>
+                </a:effectLst>
+              </a14:hiddenEffects>
+            </a:ext>
+          </a:extLst>
         </p:spPr>
       </p:pic>
       <p:pic>
@@ -31473,7 +31677,7 @@
           <p:cNvPr id="7" name="Picture 6">
             <a:extLst>
               <a:ext uri="{FF2B5EF4-FFF2-40B4-BE49-F238E27FC236}">
-                <a16:creationId xmlns:a16="http://schemas.microsoft.com/office/drawing/2014/main" id="{4CA476C1-CECB-3FC6-C0E3-95E4F66B6970}"/>
+                <a16:creationId xmlns:a16="http://schemas.microsoft.com/office/drawing/2014/main" xmlns="" id="{4CA476C1-CECB-3FC6-C0E3-95E4F66B6970}"/>
               </a:ext>
             </a:extLst>
           </p:cNvPr>
@@ -31489,7 +31693,7 @@
         </p:blipFill>
         <p:spPr>
           <a:xfrm>
-            <a:off x="285893" y="1392784"/>
+            <a:off x="195384" y="1176693"/>
             <a:ext cx="9412123" cy="6292251"/>
           </a:xfrm>
           <a:prstGeom prst="rect">
@@ -31809,7 +32013,7 @@
   <a:extraClrSchemeLst/>
   <a:extLst>
     <a:ext uri="{05A4C25C-085E-4340-85A3-A5531E510DB2}">
-      <thm15:themeFamily xmlns:thm15="http://schemas.microsoft.com/office/thememl/2012/main" name="Office Theme" id="{62F939B6-93AF-4DB8-9C6B-D6C7DFDC589F}" vid="{4A3C46E8-61CC-4603-A589-7422A47A8E4A}"/>
+      <thm15:themeFamily xmlns:thm15="http://schemas.microsoft.com/office/thememl/2012/main" xmlns="" name="Office Theme" id="{62F939B6-93AF-4DB8-9C6B-D6C7DFDC589F}" vid="{4A3C46E8-61CC-4603-A589-7422A47A8E4A}"/>
     </a:ext>
   </a:extLst>
 </a:theme>
@@ -32104,7 +32308,7 @@
   <a:extraClrSchemeLst/>
   <a:extLst>
     <a:ext uri="{05A4C25C-085E-4340-85A3-A5531E510DB2}">
-      <thm15:themeFamily xmlns:thm15="http://schemas.microsoft.com/office/thememl/2012/main" name="Office Theme" id="{62F939B6-93AF-4DB8-9C6B-D6C7DFDC589F}" vid="{4A3C46E8-61CC-4603-A589-7422A47A8E4A}"/>
+      <thm15:themeFamily xmlns:thm15="http://schemas.microsoft.com/office/thememl/2012/main" xmlns="" name="Office Theme" id="{62F939B6-93AF-4DB8-9C6B-D6C7DFDC589F}" vid="{4A3C46E8-61CC-4603-A589-7422A47A8E4A}"/>
     </a:ext>
   </a:extLst>
 </a:theme>
@@ -32399,7 +32603,7 @@
   <a:extraClrSchemeLst/>
   <a:extLst>
     <a:ext uri="{05A4C25C-085E-4340-85A3-A5531E510DB2}">
-      <thm15:themeFamily xmlns:thm15="http://schemas.microsoft.com/office/thememl/2012/main" name="Office Theme" id="{62F939B6-93AF-4DB8-9C6B-D6C7DFDC589F}" vid="{4A3C46E8-61CC-4603-A589-7422A47A8E4A}"/>
+      <thm15:themeFamily xmlns:thm15="http://schemas.microsoft.com/office/thememl/2012/main" xmlns="" name="Office Theme" id="{62F939B6-93AF-4DB8-9C6B-D6C7DFDC589F}" vid="{4A3C46E8-61CC-4603-A589-7422A47A8E4A}"/>
     </a:ext>
   </a:extLst>
 </a:theme>
@@ -32426,6 +32630,24 @@
 </file>
 
 <file path=customXml/item1.xml><?xml version="1.0" encoding="utf-8"?>
+<?mso-contentType ?>
+<FormTemplates xmlns="http://schemas.microsoft.com/sharepoint/v3/contenttype/forms">
+  <Display>DocumentLibraryForm</Display>
+  <Edit>DocumentLibraryForm</Edit>
+  <New>DocumentLibraryForm</New>
+</FormTemplates>
+</file>
+
+<file path=customXml/item2.xml><?xml version="1.0" encoding="utf-8"?>
+<p:properties xmlns:p="http://schemas.microsoft.com/office/2006/metadata/properties" xmlns:xsi="http://www.w3.org/2001/XMLSchema-instance" xmlns:pc="http://schemas.microsoft.com/office/infopath/2007/PartnerControls">
+  <documentManagement>
+    <Status xmlns="71af3243-3dd4-4a8d-8c0d-dd76da1f02a5">Not started</Status>
+    <MediaServiceKeyPoints xmlns="71af3243-3dd4-4a8d-8c0d-dd76da1f02a5" xsi:nil="true"/>
+  </documentManagement>
+</p:properties>
+</file>
+
+<file path=customXml/item3.xml><?xml version="1.0" encoding="utf-8"?>
 <ct:contentTypeSchema xmlns:ct="http://schemas.microsoft.com/office/2006/metadata/contentType" xmlns:ma="http://schemas.microsoft.com/office/2006/metadata/properties/metaAttributes" ct:_="" ma:_="" ma:contentTypeName="Document" ma:contentTypeID="0x01010079F111ED35F8CC479449609E8A0923A6" ma:contentTypeVersion="12" ma:contentTypeDescription="Create a new document." ma:contentTypeScope="" ma:versionID="426e97fa315356fffbdcd9876fe988c2">
   <xsd:schema xmlns:xsd="http://www.w3.org/2001/XMLSchema" xmlns:xs="http://www.w3.org/2001/XMLSchema" xmlns:p="http://schemas.microsoft.com/office/2006/metadata/properties" xmlns:ns2="71af3243-3dd4-4a8d-8c0d-dd76da1f02a5" xmlns:ns3="16c05727-aa75-4e4a-9b5f-8a80a1165891" targetNamespace="http://schemas.microsoft.com/office/2006/metadata/properties" ma:root="true" ma:fieldsID="14b8f0def80e6d70ce3def20c90759ae" ns2:_="" ns3:_="">
     <xsd:import namespace="71af3243-3dd4-4a8d-8c0d-dd76da1f02a5"/>
@@ -32646,25 +32868,25 @@
 </ct:contentTypeSchema>
 </file>
 
-<file path=customXml/item2.xml><?xml version="1.0" encoding="utf-8"?>
-<p:properties xmlns:p="http://schemas.microsoft.com/office/2006/metadata/properties" xmlns:xsi="http://www.w3.org/2001/XMLSchema-instance" xmlns:pc="http://schemas.microsoft.com/office/infopath/2007/PartnerControls">
-  <documentManagement>
-    <Status xmlns="71af3243-3dd4-4a8d-8c0d-dd76da1f02a5">Not started</Status>
-    <MediaServiceKeyPoints xmlns="71af3243-3dd4-4a8d-8c0d-dd76da1f02a5" xsi:nil="true"/>
-  </documentManagement>
-</p:properties>
+<file path=customXml/itemProps1.xml><?xml version="1.0" encoding="utf-8"?>
+<ds:datastoreItem xmlns:ds="http://schemas.openxmlformats.org/officeDocument/2006/customXml" ds:itemID="{D9EAC644-7B36-4B02-AE6A-271637DE6193}">
+  <ds:schemaRefs>
+    <ds:schemaRef ds:uri="http://schemas.microsoft.com/sharepoint/v3/contenttype/forms"/>
+  </ds:schemaRefs>
+</ds:datastoreItem>
 </file>
 
-<file path=customXml/item3.xml><?xml version="1.0" encoding="utf-8"?>
-<?mso-contentType ?>
-<FormTemplates xmlns="http://schemas.microsoft.com/sharepoint/v3/contenttype/forms">
-  <Display>DocumentLibraryForm</Display>
-  <Edit>DocumentLibraryForm</Edit>
-  <New>DocumentLibraryForm</New>
-</FormTemplates>
+<file path=customXml/itemProps2.xml><?xml version="1.0" encoding="utf-8"?>
+<ds:datastoreItem xmlns:ds="http://schemas.openxmlformats.org/officeDocument/2006/customXml" ds:itemID="{581AEECB-7CBF-41B6-B304-895A4D5BDF0F}">
+  <ds:schemaRefs>
+    <ds:schemaRef ds:uri="http://schemas.microsoft.com/office/2006/metadata/properties"/>
+    <ds:schemaRef ds:uri="http://schemas.microsoft.com/office/infopath/2007/PartnerControls"/>
+    <ds:schemaRef ds:uri="71af3243-3dd4-4a8d-8c0d-dd76da1f02a5"/>
+  </ds:schemaRefs>
+</ds:datastoreItem>
 </file>
 
-<file path=customXml/itemProps1.xml><?xml version="1.0" encoding="utf-8"?>
+<file path=customXml/itemProps3.xml><?xml version="1.0" encoding="utf-8"?>
 <ds:datastoreItem xmlns:ds="http://schemas.openxmlformats.org/officeDocument/2006/customXml" ds:itemID="{5D82FBE3-5E95-4B7A-88C0-B7BB58A96823}">
   <ds:schemaRefs>
     <ds:schemaRef ds:uri="http://schemas.microsoft.com/office/2006/metadata/contentType"/>
@@ -32681,22 +32903,4 @@
     <ds:schemaRef ds:uri="http://schemas.microsoft.com/internal/obd"/>
   </ds:schemaRefs>
 </ds:datastoreItem>
-</file>
-
-<file path=customXml/itemProps2.xml><?xml version="1.0" encoding="utf-8"?>
-<ds:datastoreItem xmlns:ds="http://schemas.openxmlformats.org/officeDocument/2006/customXml" ds:itemID="{581AEECB-7CBF-41B6-B304-895A4D5BDF0F}">
-  <ds:schemaRefs>
-    <ds:schemaRef ds:uri="http://schemas.microsoft.com/office/2006/metadata/properties"/>
-    <ds:schemaRef ds:uri="http://schemas.microsoft.com/office/infopath/2007/PartnerControls"/>
-    <ds:schemaRef ds:uri="71af3243-3dd4-4a8d-8c0d-dd76da1f02a5"/>
-  </ds:schemaRefs>
-</ds:datastoreItem>
-</file>
-
-<file path=customXml/itemProps3.xml><?xml version="1.0" encoding="utf-8"?>
-<ds:datastoreItem xmlns:ds="http://schemas.openxmlformats.org/officeDocument/2006/customXml" ds:itemID="{D9EAC644-7B36-4B02-AE6A-271637DE6193}">
-  <ds:schemaRefs>
-    <ds:schemaRef ds:uri="http://schemas.microsoft.com/sharepoint/v3/contenttype/forms"/>
-  </ds:schemaRefs>
-</ds:datastoreItem>
 </file>